--- a/demoPic.pptx
+++ b/demoPic.pptx
@@ -2,11 +2,14 @@
 <file path=ppt/presentation.xml><?xml version="1.0" encoding="utf-8"?>
 <p:presentation xmlns:a="http://schemas.openxmlformats.org/drawingml/2006/main" xmlns:r="http://schemas.openxmlformats.org/officeDocument/2006/relationships" xmlns:p="http://schemas.openxmlformats.org/presentationml/2006/main" saveSubsetFonts="1">
   <p:sldMasterIdLst>
-    <p:sldMasterId id="2147483648" r:id="rId1"/>
+    <p:sldMasterId id="2147483672" r:id="rId1"/>
   </p:sldMasterIdLst>
   <p:sldIdLst>
     <p:sldId id="256" r:id="rId2"/>
     <p:sldId id="257" r:id="rId3"/>
+    <p:sldId id="258" r:id="rId4"/>
+    <p:sldId id="259" r:id="rId5"/>
+    <p:sldId id="260" r:id="rId6"/>
   </p:sldIdLst>
   <p:sldSz cx="12192000" cy="6858000"/>
   <p:notesSz cx="6858000" cy="9144000"/>
@@ -132,7 +135,7 @@
       </p:grpSpPr>
       <p:sp>
         <p:nvSpPr>
-          <p:cNvPr id="2" name="標題 1"/>
+          <p:cNvPr id="2" name="Title 1"/>
           <p:cNvSpPr>
             <a:spLocks noGrp="1"/>
           </p:cNvSpPr>
@@ -158,13 +161,13 @@
               <a:rPr lang="zh-TW" altLang="en-US" smtClean="0"/>
               <a:t>按一下以編輯母片標題樣式</a:t>
             </a:r>
-            <a:endParaRPr lang="en-US"/>
+            <a:endParaRPr lang="en-US" dirty="0"/>
           </a:p>
         </p:txBody>
       </p:sp>
       <p:sp>
         <p:nvSpPr>
-          <p:cNvPr id="3" name="副標題 2"/>
+          <p:cNvPr id="3" name="Subtitle 2"/>
           <p:cNvSpPr>
             <a:spLocks noGrp="1"/>
           </p:cNvSpPr>
@@ -223,13 +226,13 @@
               <a:rPr lang="zh-TW" altLang="en-US" smtClean="0"/>
               <a:t>按一下以編輯母片副標題樣式</a:t>
             </a:r>
-            <a:endParaRPr lang="en-US"/>
+            <a:endParaRPr lang="en-US" dirty="0"/>
           </a:p>
         </p:txBody>
       </p:sp>
       <p:sp>
         <p:nvSpPr>
-          <p:cNvPr id="4" name="日期版面配置區 3"/>
+          <p:cNvPr id="4" name="Date Placeholder 3"/>
           <p:cNvSpPr>
             <a:spLocks noGrp="1"/>
           </p:cNvSpPr>
@@ -244,7 +247,7 @@
           <a:p>
             <a:fld id="{F09C48D7-5DBF-4DB9-A12F-DF6A9CE967A6}" type="datetimeFigureOut">
               <a:rPr lang="en-US" smtClean="0"/>
-              <a:t>3/29/2019</a:t>
+              <a:t>4/1/2019</a:t>
             </a:fld>
             <a:endParaRPr lang="en-US"/>
           </a:p>
@@ -252,7 +255,7 @@
       </p:sp>
       <p:sp>
         <p:nvSpPr>
-          <p:cNvPr id="5" name="頁尾版面配置區 4"/>
+          <p:cNvPr id="5" name="Footer Placeholder 4"/>
           <p:cNvSpPr>
             <a:spLocks noGrp="1"/>
           </p:cNvSpPr>
@@ -271,7 +274,7 @@
       </p:sp>
       <p:sp>
         <p:nvSpPr>
-          <p:cNvPr id="6" name="投影片編號版面配置區 5"/>
+          <p:cNvPr id="6" name="Slide Number Placeholder 5"/>
           <p:cNvSpPr>
             <a:spLocks noGrp="1"/>
           </p:cNvSpPr>
@@ -295,7 +298,7 @@
     </p:spTree>
     <p:extLst>
       <p:ext uri="{BB962C8B-B14F-4D97-AF65-F5344CB8AC3E}">
-        <p14:creationId xmlns:p14="http://schemas.microsoft.com/office/powerpoint/2010/main" val="2185019873"/>
+        <p14:creationId xmlns:p14="http://schemas.microsoft.com/office/powerpoint/2010/main" val="1091785392"/>
       </p:ext>
     </p:extLst>
   </p:cSld>
@@ -324,7 +327,7 @@
       </p:grpSpPr>
       <p:sp>
         <p:nvSpPr>
-          <p:cNvPr id="2" name="標題 1"/>
+          <p:cNvPr id="2" name="Title 1"/>
           <p:cNvSpPr>
             <a:spLocks noGrp="1"/>
           </p:cNvSpPr>
@@ -341,13 +344,13 @@
               <a:rPr lang="zh-TW" altLang="en-US" smtClean="0"/>
               <a:t>按一下以編輯母片標題樣式</a:t>
             </a:r>
-            <a:endParaRPr lang="en-US"/>
+            <a:endParaRPr lang="en-US" dirty="0"/>
           </a:p>
         </p:txBody>
       </p:sp>
       <p:sp>
         <p:nvSpPr>
-          <p:cNvPr id="3" name="直排文字版面配置區 2"/>
+          <p:cNvPr id="3" name="Vertical Text Placeholder 2"/>
           <p:cNvSpPr>
             <a:spLocks noGrp="1"/>
           </p:cNvSpPr>
@@ -393,13 +396,13 @@
               <a:rPr lang="zh-TW" altLang="en-US" smtClean="0"/>
               <a:t>第五層</a:t>
             </a:r>
-            <a:endParaRPr lang="en-US"/>
+            <a:endParaRPr lang="en-US" dirty="0"/>
           </a:p>
         </p:txBody>
       </p:sp>
       <p:sp>
         <p:nvSpPr>
-          <p:cNvPr id="4" name="日期版面配置區 3"/>
+          <p:cNvPr id="4" name="Date Placeholder 3"/>
           <p:cNvSpPr>
             <a:spLocks noGrp="1"/>
           </p:cNvSpPr>
@@ -414,7 +417,7 @@
           <a:p>
             <a:fld id="{F09C48D7-5DBF-4DB9-A12F-DF6A9CE967A6}" type="datetimeFigureOut">
               <a:rPr lang="en-US" smtClean="0"/>
-              <a:t>3/29/2019</a:t>
+              <a:t>4/1/2019</a:t>
             </a:fld>
             <a:endParaRPr lang="en-US"/>
           </a:p>
@@ -422,7 +425,7 @@
       </p:sp>
       <p:sp>
         <p:nvSpPr>
-          <p:cNvPr id="5" name="頁尾版面配置區 4"/>
+          <p:cNvPr id="5" name="Footer Placeholder 4"/>
           <p:cNvSpPr>
             <a:spLocks noGrp="1"/>
           </p:cNvSpPr>
@@ -441,7 +444,7 @@
       </p:sp>
       <p:sp>
         <p:nvSpPr>
-          <p:cNvPr id="6" name="投影片編號版面配置區 5"/>
+          <p:cNvPr id="6" name="Slide Number Placeholder 5"/>
           <p:cNvSpPr>
             <a:spLocks noGrp="1"/>
           </p:cNvSpPr>
@@ -465,7 +468,7 @@
     </p:spTree>
     <p:extLst>
       <p:ext uri="{BB962C8B-B14F-4D97-AF65-F5344CB8AC3E}">
-        <p14:creationId xmlns:p14="http://schemas.microsoft.com/office/powerpoint/2010/main" val="2595137981"/>
+        <p14:creationId xmlns:p14="http://schemas.microsoft.com/office/powerpoint/2010/main" val="267706118"/>
       </p:ext>
     </p:extLst>
   </p:cSld>
@@ -494,7 +497,7 @@
       </p:grpSpPr>
       <p:sp>
         <p:nvSpPr>
-          <p:cNvPr id="2" name="直排標題 1"/>
+          <p:cNvPr id="2" name="Vertical Title 1"/>
           <p:cNvSpPr>
             <a:spLocks noGrp="1"/>
           </p:cNvSpPr>
@@ -516,13 +519,13 @@
               <a:rPr lang="zh-TW" altLang="en-US" smtClean="0"/>
               <a:t>按一下以編輯母片標題樣式</a:t>
             </a:r>
-            <a:endParaRPr lang="en-US"/>
+            <a:endParaRPr lang="en-US" dirty="0"/>
           </a:p>
         </p:txBody>
       </p:sp>
       <p:sp>
         <p:nvSpPr>
-          <p:cNvPr id="3" name="直排文字版面配置區 2"/>
+          <p:cNvPr id="3" name="Vertical Text Placeholder 2"/>
           <p:cNvSpPr>
             <a:spLocks noGrp="1"/>
           </p:cNvSpPr>
@@ -573,13 +576,13 @@
               <a:rPr lang="zh-TW" altLang="en-US" smtClean="0"/>
               <a:t>第五層</a:t>
             </a:r>
-            <a:endParaRPr lang="en-US"/>
+            <a:endParaRPr lang="en-US" dirty="0"/>
           </a:p>
         </p:txBody>
       </p:sp>
       <p:sp>
         <p:nvSpPr>
-          <p:cNvPr id="4" name="日期版面配置區 3"/>
+          <p:cNvPr id="4" name="Date Placeholder 3"/>
           <p:cNvSpPr>
             <a:spLocks noGrp="1"/>
           </p:cNvSpPr>
@@ -594,7 +597,7 @@
           <a:p>
             <a:fld id="{F09C48D7-5DBF-4DB9-A12F-DF6A9CE967A6}" type="datetimeFigureOut">
               <a:rPr lang="en-US" smtClean="0"/>
-              <a:t>3/29/2019</a:t>
+              <a:t>4/1/2019</a:t>
             </a:fld>
             <a:endParaRPr lang="en-US"/>
           </a:p>
@@ -602,7 +605,7 @@
       </p:sp>
       <p:sp>
         <p:nvSpPr>
-          <p:cNvPr id="5" name="頁尾版面配置區 4"/>
+          <p:cNvPr id="5" name="Footer Placeholder 4"/>
           <p:cNvSpPr>
             <a:spLocks noGrp="1"/>
           </p:cNvSpPr>
@@ -621,7 +624,7 @@
       </p:sp>
       <p:sp>
         <p:nvSpPr>
-          <p:cNvPr id="6" name="投影片編號版面配置區 5"/>
+          <p:cNvPr id="6" name="Slide Number Placeholder 5"/>
           <p:cNvSpPr>
             <a:spLocks noGrp="1"/>
           </p:cNvSpPr>
@@ -645,7 +648,7 @@
     </p:spTree>
     <p:extLst>
       <p:ext uri="{BB962C8B-B14F-4D97-AF65-F5344CB8AC3E}">
-        <p14:creationId xmlns:p14="http://schemas.microsoft.com/office/powerpoint/2010/main" val="667444181"/>
+        <p14:creationId xmlns:p14="http://schemas.microsoft.com/office/powerpoint/2010/main" val="3853735137"/>
       </p:ext>
     </p:extLst>
   </p:cSld>
@@ -674,7 +677,7 @@
       </p:grpSpPr>
       <p:sp>
         <p:nvSpPr>
-          <p:cNvPr id="2" name="標題 1"/>
+          <p:cNvPr id="2" name="Title 1"/>
           <p:cNvSpPr>
             <a:spLocks noGrp="1"/>
           </p:cNvSpPr>
@@ -691,13 +694,13 @@
               <a:rPr lang="zh-TW" altLang="en-US" smtClean="0"/>
               <a:t>按一下以編輯母片標題樣式</a:t>
             </a:r>
-            <a:endParaRPr lang="en-US"/>
+            <a:endParaRPr lang="en-US" dirty="0"/>
           </a:p>
         </p:txBody>
       </p:sp>
       <p:sp>
         <p:nvSpPr>
-          <p:cNvPr id="3" name="內容版面配置區 2"/>
+          <p:cNvPr id="3" name="Content Placeholder 2"/>
           <p:cNvSpPr>
             <a:spLocks noGrp="1"/>
           </p:cNvSpPr>
@@ -743,13 +746,13 @@
               <a:rPr lang="zh-TW" altLang="en-US" smtClean="0"/>
               <a:t>第五層</a:t>
             </a:r>
-            <a:endParaRPr lang="en-US"/>
+            <a:endParaRPr lang="en-US" dirty="0"/>
           </a:p>
         </p:txBody>
       </p:sp>
       <p:sp>
         <p:nvSpPr>
-          <p:cNvPr id="4" name="日期版面配置區 3"/>
+          <p:cNvPr id="4" name="Date Placeholder 3"/>
           <p:cNvSpPr>
             <a:spLocks noGrp="1"/>
           </p:cNvSpPr>
@@ -764,7 +767,7 @@
           <a:p>
             <a:fld id="{F09C48D7-5DBF-4DB9-A12F-DF6A9CE967A6}" type="datetimeFigureOut">
               <a:rPr lang="en-US" smtClean="0"/>
-              <a:t>3/29/2019</a:t>
+              <a:t>4/1/2019</a:t>
             </a:fld>
             <a:endParaRPr lang="en-US"/>
           </a:p>
@@ -772,7 +775,7 @@
       </p:sp>
       <p:sp>
         <p:nvSpPr>
-          <p:cNvPr id="5" name="頁尾版面配置區 4"/>
+          <p:cNvPr id="5" name="Footer Placeholder 4"/>
           <p:cNvSpPr>
             <a:spLocks noGrp="1"/>
           </p:cNvSpPr>
@@ -791,7 +794,7 @@
       </p:sp>
       <p:sp>
         <p:nvSpPr>
-          <p:cNvPr id="6" name="投影片編號版面配置區 5"/>
+          <p:cNvPr id="6" name="Slide Number Placeholder 5"/>
           <p:cNvSpPr>
             <a:spLocks noGrp="1"/>
           </p:cNvSpPr>
@@ -815,7 +818,7 @@
     </p:spTree>
     <p:extLst>
       <p:ext uri="{BB962C8B-B14F-4D97-AF65-F5344CB8AC3E}">
-        <p14:creationId xmlns:p14="http://schemas.microsoft.com/office/powerpoint/2010/main" val="3262645614"/>
+        <p14:creationId xmlns:p14="http://schemas.microsoft.com/office/powerpoint/2010/main" val="181686767"/>
       </p:ext>
     </p:extLst>
   </p:cSld>
@@ -844,7 +847,7 @@
       </p:grpSpPr>
       <p:sp>
         <p:nvSpPr>
-          <p:cNvPr id="2" name="標題 1"/>
+          <p:cNvPr id="2" name="Title 1"/>
           <p:cNvSpPr>
             <a:spLocks noGrp="1"/>
           </p:cNvSpPr>
@@ -870,13 +873,13 @@
               <a:rPr lang="zh-TW" altLang="en-US" smtClean="0"/>
               <a:t>按一下以編輯母片標題樣式</a:t>
             </a:r>
-            <a:endParaRPr lang="en-US"/>
+            <a:endParaRPr lang="en-US" dirty="0"/>
           </a:p>
         </p:txBody>
       </p:sp>
       <p:sp>
         <p:nvSpPr>
-          <p:cNvPr id="3" name="文字版面配置區 2"/>
+          <p:cNvPr id="3" name="Text Placeholder 2"/>
           <p:cNvSpPr>
             <a:spLocks noGrp="1"/>
           </p:cNvSpPr>
@@ -995,7 +998,7 @@
       </p:sp>
       <p:sp>
         <p:nvSpPr>
-          <p:cNvPr id="4" name="日期版面配置區 3"/>
+          <p:cNvPr id="4" name="Date Placeholder 3"/>
           <p:cNvSpPr>
             <a:spLocks noGrp="1"/>
           </p:cNvSpPr>
@@ -1010,7 +1013,7 @@
           <a:p>
             <a:fld id="{F09C48D7-5DBF-4DB9-A12F-DF6A9CE967A6}" type="datetimeFigureOut">
               <a:rPr lang="en-US" smtClean="0"/>
-              <a:t>3/29/2019</a:t>
+              <a:t>4/1/2019</a:t>
             </a:fld>
             <a:endParaRPr lang="en-US"/>
           </a:p>
@@ -1018,7 +1021,7 @@
       </p:sp>
       <p:sp>
         <p:nvSpPr>
-          <p:cNvPr id="5" name="頁尾版面配置區 4"/>
+          <p:cNvPr id="5" name="Footer Placeholder 4"/>
           <p:cNvSpPr>
             <a:spLocks noGrp="1"/>
           </p:cNvSpPr>
@@ -1037,7 +1040,7 @@
       </p:sp>
       <p:sp>
         <p:nvSpPr>
-          <p:cNvPr id="6" name="投影片編號版面配置區 5"/>
+          <p:cNvPr id="6" name="Slide Number Placeholder 5"/>
           <p:cNvSpPr>
             <a:spLocks noGrp="1"/>
           </p:cNvSpPr>
@@ -1061,7 +1064,7 @@
     </p:spTree>
     <p:extLst>
       <p:ext uri="{BB962C8B-B14F-4D97-AF65-F5344CB8AC3E}">
-        <p14:creationId xmlns:p14="http://schemas.microsoft.com/office/powerpoint/2010/main" val="4283953704"/>
+        <p14:creationId xmlns:p14="http://schemas.microsoft.com/office/powerpoint/2010/main" val="2887951787"/>
       </p:ext>
     </p:extLst>
   </p:cSld>
@@ -1090,7 +1093,7 @@
       </p:grpSpPr>
       <p:sp>
         <p:nvSpPr>
-          <p:cNvPr id="2" name="標題 1"/>
+          <p:cNvPr id="2" name="Title 1"/>
           <p:cNvSpPr>
             <a:spLocks noGrp="1"/>
           </p:cNvSpPr>
@@ -1107,13 +1110,13 @@
               <a:rPr lang="zh-TW" altLang="en-US" smtClean="0"/>
               <a:t>按一下以編輯母片標題樣式</a:t>
             </a:r>
-            <a:endParaRPr lang="en-US"/>
+            <a:endParaRPr lang="en-US" dirty="0"/>
           </a:p>
         </p:txBody>
       </p:sp>
       <p:sp>
         <p:nvSpPr>
-          <p:cNvPr id="3" name="內容版面配置區 2"/>
+          <p:cNvPr id="3" name="Content Placeholder 2"/>
           <p:cNvSpPr>
             <a:spLocks noGrp="1"/>
           </p:cNvSpPr>
@@ -1164,13 +1167,13 @@
               <a:rPr lang="zh-TW" altLang="en-US" smtClean="0"/>
               <a:t>第五層</a:t>
             </a:r>
-            <a:endParaRPr lang="en-US"/>
+            <a:endParaRPr lang="en-US" dirty="0"/>
           </a:p>
         </p:txBody>
       </p:sp>
       <p:sp>
         <p:nvSpPr>
-          <p:cNvPr id="4" name="內容版面配置區 3"/>
+          <p:cNvPr id="4" name="Content Placeholder 3"/>
           <p:cNvSpPr>
             <a:spLocks noGrp="1"/>
           </p:cNvSpPr>
@@ -1221,13 +1224,13 @@
               <a:rPr lang="zh-TW" altLang="en-US" smtClean="0"/>
               <a:t>第五層</a:t>
             </a:r>
-            <a:endParaRPr lang="en-US"/>
+            <a:endParaRPr lang="en-US" dirty="0"/>
           </a:p>
         </p:txBody>
       </p:sp>
       <p:sp>
         <p:nvSpPr>
-          <p:cNvPr id="5" name="日期版面配置區 4"/>
+          <p:cNvPr id="5" name="Date Placeholder 4"/>
           <p:cNvSpPr>
             <a:spLocks noGrp="1"/>
           </p:cNvSpPr>
@@ -1242,7 +1245,7 @@
           <a:p>
             <a:fld id="{F09C48D7-5DBF-4DB9-A12F-DF6A9CE967A6}" type="datetimeFigureOut">
               <a:rPr lang="en-US" smtClean="0"/>
-              <a:t>3/29/2019</a:t>
+              <a:t>4/1/2019</a:t>
             </a:fld>
             <a:endParaRPr lang="en-US"/>
           </a:p>
@@ -1250,7 +1253,7 @@
       </p:sp>
       <p:sp>
         <p:nvSpPr>
-          <p:cNvPr id="6" name="頁尾版面配置區 5"/>
+          <p:cNvPr id="6" name="Footer Placeholder 5"/>
           <p:cNvSpPr>
             <a:spLocks noGrp="1"/>
           </p:cNvSpPr>
@@ -1269,7 +1272,7 @@
       </p:sp>
       <p:sp>
         <p:nvSpPr>
-          <p:cNvPr id="7" name="投影片編號版面配置區 6"/>
+          <p:cNvPr id="7" name="Slide Number Placeholder 6"/>
           <p:cNvSpPr>
             <a:spLocks noGrp="1"/>
           </p:cNvSpPr>
@@ -1293,7 +1296,7 @@
     </p:spTree>
     <p:extLst>
       <p:ext uri="{BB962C8B-B14F-4D97-AF65-F5344CB8AC3E}">
-        <p14:creationId xmlns:p14="http://schemas.microsoft.com/office/powerpoint/2010/main" val="4011282872"/>
+        <p14:creationId xmlns:p14="http://schemas.microsoft.com/office/powerpoint/2010/main" val="1398108090"/>
       </p:ext>
     </p:extLst>
   </p:cSld>
@@ -1322,7 +1325,7 @@
       </p:grpSpPr>
       <p:sp>
         <p:nvSpPr>
-          <p:cNvPr id="2" name="標題 1"/>
+          <p:cNvPr id="2" name="Title 1"/>
           <p:cNvSpPr>
             <a:spLocks noGrp="1"/>
           </p:cNvSpPr>
@@ -1344,13 +1347,13 @@
               <a:rPr lang="zh-TW" altLang="en-US" smtClean="0"/>
               <a:t>按一下以編輯母片標題樣式</a:t>
             </a:r>
-            <a:endParaRPr lang="en-US"/>
+            <a:endParaRPr lang="en-US" dirty="0"/>
           </a:p>
         </p:txBody>
       </p:sp>
       <p:sp>
         <p:nvSpPr>
-          <p:cNvPr id="3" name="文字版面配置區 2"/>
+          <p:cNvPr id="3" name="Text Placeholder 2"/>
           <p:cNvSpPr>
             <a:spLocks noGrp="1"/>
           </p:cNvSpPr>
@@ -1415,7 +1418,7 @@
       </p:sp>
       <p:sp>
         <p:nvSpPr>
-          <p:cNvPr id="4" name="內容版面配置區 3"/>
+          <p:cNvPr id="4" name="Content Placeholder 3"/>
           <p:cNvSpPr>
             <a:spLocks noGrp="1"/>
           </p:cNvSpPr>
@@ -1466,13 +1469,13 @@
               <a:rPr lang="zh-TW" altLang="en-US" smtClean="0"/>
               <a:t>第五層</a:t>
             </a:r>
-            <a:endParaRPr lang="en-US"/>
+            <a:endParaRPr lang="en-US" dirty="0"/>
           </a:p>
         </p:txBody>
       </p:sp>
       <p:sp>
         <p:nvSpPr>
-          <p:cNvPr id="5" name="文字版面配置區 4"/>
+          <p:cNvPr id="5" name="Text Placeholder 4"/>
           <p:cNvSpPr>
             <a:spLocks noGrp="1"/>
           </p:cNvSpPr>
@@ -1537,7 +1540,7 @@
       </p:sp>
       <p:sp>
         <p:nvSpPr>
-          <p:cNvPr id="6" name="內容版面配置區 5"/>
+          <p:cNvPr id="6" name="Content Placeholder 5"/>
           <p:cNvSpPr>
             <a:spLocks noGrp="1"/>
           </p:cNvSpPr>
@@ -1588,13 +1591,13 @@
               <a:rPr lang="zh-TW" altLang="en-US" smtClean="0"/>
               <a:t>第五層</a:t>
             </a:r>
-            <a:endParaRPr lang="en-US"/>
+            <a:endParaRPr lang="en-US" dirty="0"/>
           </a:p>
         </p:txBody>
       </p:sp>
       <p:sp>
         <p:nvSpPr>
-          <p:cNvPr id="7" name="日期版面配置區 6"/>
+          <p:cNvPr id="7" name="Date Placeholder 6"/>
           <p:cNvSpPr>
             <a:spLocks noGrp="1"/>
           </p:cNvSpPr>
@@ -1609,7 +1612,7 @@
           <a:p>
             <a:fld id="{F09C48D7-5DBF-4DB9-A12F-DF6A9CE967A6}" type="datetimeFigureOut">
               <a:rPr lang="en-US" smtClean="0"/>
-              <a:t>3/29/2019</a:t>
+              <a:t>4/1/2019</a:t>
             </a:fld>
             <a:endParaRPr lang="en-US"/>
           </a:p>
@@ -1617,7 +1620,7 @@
       </p:sp>
       <p:sp>
         <p:nvSpPr>
-          <p:cNvPr id="8" name="頁尾版面配置區 7"/>
+          <p:cNvPr id="8" name="Footer Placeholder 7"/>
           <p:cNvSpPr>
             <a:spLocks noGrp="1"/>
           </p:cNvSpPr>
@@ -1636,7 +1639,7 @@
       </p:sp>
       <p:sp>
         <p:nvSpPr>
-          <p:cNvPr id="9" name="投影片編號版面配置區 8"/>
+          <p:cNvPr id="9" name="Slide Number Placeholder 8"/>
           <p:cNvSpPr>
             <a:spLocks noGrp="1"/>
           </p:cNvSpPr>
@@ -1660,7 +1663,7 @@
     </p:spTree>
     <p:extLst>
       <p:ext uri="{BB962C8B-B14F-4D97-AF65-F5344CB8AC3E}">
-        <p14:creationId xmlns:p14="http://schemas.microsoft.com/office/powerpoint/2010/main" val="830175654"/>
+        <p14:creationId xmlns:p14="http://schemas.microsoft.com/office/powerpoint/2010/main" val="1746271853"/>
       </p:ext>
     </p:extLst>
   </p:cSld>
@@ -1689,7 +1692,7 @@
       </p:grpSpPr>
       <p:sp>
         <p:nvSpPr>
-          <p:cNvPr id="2" name="標題 1"/>
+          <p:cNvPr id="2" name="Title 1"/>
           <p:cNvSpPr>
             <a:spLocks noGrp="1"/>
           </p:cNvSpPr>
@@ -1706,13 +1709,13 @@
               <a:rPr lang="zh-TW" altLang="en-US" smtClean="0"/>
               <a:t>按一下以編輯母片標題樣式</a:t>
             </a:r>
-            <a:endParaRPr lang="en-US"/>
+            <a:endParaRPr lang="en-US" dirty="0"/>
           </a:p>
         </p:txBody>
       </p:sp>
       <p:sp>
         <p:nvSpPr>
-          <p:cNvPr id="3" name="日期版面配置區 2"/>
+          <p:cNvPr id="3" name="Date Placeholder 2"/>
           <p:cNvSpPr>
             <a:spLocks noGrp="1"/>
           </p:cNvSpPr>
@@ -1727,7 +1730,7 @@
           <a:p>
             <a:fld id="{F09C48D7-5DBF-4DB9-A12F-DF6A9CE967A6}" type="datetimeFigureOut">
               <a:rPr lang="en-US" smtClean="0"/>
-              <a:t>3/29/2019</a:t>
+              <a:t>4/1/2019</a:t>
             </a:fld>
             <a:endParaRPr lang="en-US"/>
           </a:p>
@@ -1735,7 +1738,7 @@
       </p:sp>
       <p:sp>
         <p:nvSpPr>
-          <p:cNvPr id="4" name="頁尾版面配置區 3"/>
+          <p:cNvPr id="4" name="Footer Placeholder 3"/>
           <p:cNvSpPr>
             <a:spLocks noGrp="1"/>
           </p:cNvSpPr>
@@ -1754,7 +1757,7 @@
       </p:sp>
       <p:sp>
         <p:nvSpPr>
-          <p:cNvPr id="5" name="投影片編號版面配置區 4"/>
+          <p:cNvPr id="5" name="Slide Number Placeholder 4"/>
           <p:cNvSpPr>
             <a:spLocks noGrp="1"/>
           </p:cNvSpPr>
@@ -1778,7 +1781,7 @@
     </p:spTree>
     <p:extLst>
       <p:ext uri="{BB962C8B-B14F-4D97-AF65-F5344CB8AC3E}">
-        <p14:creationId xmlns:p14="http://schemas.microsoft.com/office/powerpoint/2010/main" val="3059644036"/>
+        <p14:creationId xmlns:p14="http://schemas.microsoft.com/office/powerpoint/2010/main" val="2060063622"/>
       </p:ext>
     </p:extLst>
   </p:cSld>
@@ -1807,7 +1810,7 @@
       </p:grpSpPr>
       <p:sp>
         <p:nvSpPr>
-          <p:cNvPr id="2" name="日期版面配置區 1"/>
+          <p:cNvPr id="2" name="Date Placeholder 1"/>
           <p:cNvSpPr>
             <a:spLocks noGrp="1"/>
           </p:cNvSpPr>
@@ -1822,7 +1825,7 @@
           <a:p>
             <a:fld id="{F09C48D7-5DBF-4DB9-A12F-DF6A9CE967A6}" type="datetimeFigureOut">
               <a:rPr lang="en-US" smtClean="0"/>
-              <a:t>3/29/2019</a:t>
+              <a:t>4/1/2019</a:t>
             </a:fld>
             <a:endParaRPr lang="en-US"/>
           </a:p>
@@ -1830,7 +1833,7 @@
       </p:sp>
       <p:sp>
         <p:nvSpPr>
-          <p:cNvPr id="3" name="頁尾版面配置區 2"/>
+          <p:cNvPr id="3" name="Footer Placeholder 2"/>
           <p:cNvSpPr>
             <a:spLocks noGrp="1"/>
           </p:cNvSpPr>
@@ -1849,7 +1852,7 @@
       </p:sp>
       <p:sp>
         <p:nvSpPr>
-          <p:cNvPr id="4" name="投影片編號版面配置區 3"/>
+          <p:cNvPr id="4" name="Slide Number Placeholder 3"/>
           <p:cNvSpPr>
             <a:spLocks noGrp="1"/>
           </p:cNvSpPr>
@@ -1873,7 +1876,7 @@
     </p:spTree>
     <p:extLst>
       <p:ext uri="{BB962C8B-B14F-4D97-AF65-F5344CB8AC3E}">
-        <p14:creationId xmlns:p14="http://schemas.microsoft.com/office/powerpoint/2010/main" val="3066775613"/>
+        <p14:creationId xmlns:p14="http://schemas.microsoft.com/office/powerpoint/2010/main" val="1047734058"/>
       </p:ext>
     </p:extLst>
   </p:cSld>
@@ -1902,7 +1905,7 @@
       </p:grpSpPr>
       <p:sp>
         <p:nvSpPr>
-          <p:cNvPr id="2" name="標題 1"/>
+          <p:cNvPr id="2" name="Title 1"/>
           <p:cNvSpPr>
             <a:spLocks noGrp="1"/>
           </p:cNvSpPr>
@@ -1928,13 +1931,13 @@
               <a:rPr lang="zh-TW" altLang="en-US" smtClean="0"/>
               <a:t>按一下以編輯母片標題樣式</a:t>
             </a:r>
-            <a:endParaRPr lang="en-US"/>
+            <a:endParaRPr lang="en-US" dirty="0"/>
           </a:p>
         </p:txBody>
       </p:sp>
       <p:sp>
         <p:nvSpPr>
-          <p:cNvPr id="3" name="內容版面配置區 2"/>
+          <p:cNvPr id="3" name="Content Placeholder 2"/>
           <p:cNvSpPr>
             <a:spLocks noGrp="1"/>
           </p:cNvSpPr>
@@ -2013,13 +2016,13 @@
               <a:rPr lang="zh-TW" altLang="en-US" smtClean="0"/>
               <a:t>第五層</a:t>
             </a:r>
-            <a:endParaRPr lang="en-US"/>
+            <a:endParaRPr lang="en-US" dirty="0"/>
           </a:p>
         </p:txBody>
       </p:sp>
       <p:sp>
         <p:nvSpPr>
-          <p:cNvPr id="4" name="文字版面配置區 3"/>
+          <p:cNvPr id="4" name="Text Placeholder 3"/>
           <p:cNvSpPr>
             <a:spLocks noGrp="1"/>
           </p:cNvSpPr>
@@ -2084,7 +2087,7 @@
       </p:sp>
       <p:sp>
         <p:nvSpPr>
-          <p:cNvPr id="5" name="日期版面配置區 4"/>
+          <p:cNvPr id="5" name="Date Placeholder 4"/>
           <p:cNvSpPr>
             <a:spLocks noGrp="1"/>
           </p:cNvSpPr>
@@ -2099,7 +2102,7 @@
           <a:p>
             <a:fld id="{F09C48D7-5DBF-4DB9-A12F-DF6A9CE967A6}" type="datetimeFigureOut">
               <a:rPr lang="en-US" smtClean="0"/>
-              <a:t>3/29/2019</a:t>
+              <a:t>4/1/2019</a:t>
             </a:fld>
             <a:endParaRPr lang="en-US"/>
           </a:p>
@@ -2107,7 +2110,7 @@
       </p:sp>
       <p:sp>
         <p:nvSpPr>
-          <p:cNvPr id="6" name="頁尾版面配置區 5"/>
+          <p:cNvPr id="6" name="Footer Placeholder 5"/>
           <p:cNvSpPr>
             <a:spLocks noGrp="1"/>
           </p:cNvSpPr>
@@ -2126,7 +2129,7 @@
       </p:sp>
       <p:sp>
         <p:nvSpPr>
-          <p:cNvPr id="7" name="投影片編號版面配置區 6"/>
+          <p:cNvPr id="7" name="Slide Number Placeholder 6"/>
           <p:cNvSpPr>
             <a:spLocks noGrp="1"/>
           </p:cNvSpPr>
@@ -2150,7 +2153,7 @@
     </p:spTree>
     <p:extLst>
       <p:ext uri="{BB962C8B-B14F-4D97-AF65-F5344CB8AC3E}">
-        <p14:creationId xmlns:p14="http://schemas.microsoft.com/office/powerpoint/2010/main" val="4164585577"/>
+        <p14:creationId xmlns:p14="http://schemas.microsoft.com/office/powerpoint/2010/main" val="1471682886"/>
       </p:ext>
     </p:extLst>
   </p:cSld>
@@ -2179,7 +2182,7 @@
       </p:grpSpPr>
       <p:sp>
         <p:nvSpPr>
-          <p:cNvPr id="2" name="標題 1"/>
+          <p:cNvPr id="2" name="Title 1"/>
           <p:cNvSpPr>
             <a:spLocks noGrp="1"/>
           </p:cNvSpPr>
@@ -2205,15 +2208,15 @@
               <a:rPr lang="zh-TW" altLang="en-US" smtClean="0"/>
               <a:t>按一下以編輯母片標題樣式</a:t>
             </a:r>
-            <a:endParaRPr lang="en-US"/>
+            <a:endParaRPr lang="en-US" dirty="0"/>
           </a:p>
         </p:txBody>
       </p:sp>
       <p:sp>
         <p:nvSpPr>
-          <p:cNvPr id="3" name="圖片版面配置區 2"/>
+          <p:cNvPr id="3" name="Picture Placeholder 2"/>
           <p:cNvSpPr>
-            <a:spLocks noGrp="1"/>
+            <a:spLocks noGrp="1" noChangeAspect="1"/>
           </p:cNvSpPr>
           <p:nvPr>
             <p:ph type="pic" idx="1"/>
@@ -2226,7 +2229,7 @@
           </a:xfrm>
         </p:spPr>
         <p:txBody>
-          <a:bodyPr/>
+          <a:bodyPr anchor="t"/>
           <a:lstStyle>
             <a:lvl1pPr marL="0" indent="0">
               <a:buNone/>
@@ -2266,13 +2269,17 @@
             </a:lvl9pPr>
           </a:lstStyle>
           <a:p>
-            <a:endParaRPr lang="en-US"/>
+            <a:r>
+              <a:rPr lang="zh-TW" altLang="en-US" smtClean="0"/>
+              <a:t>按一下圖示以新增圖片</a:t>
+            </a:r>
+            <a:endParaRPr lang="en-US" dirty="0"/>
           </a:p>
         </p:txBody>
       </p:sp>
       <p:sp>
         <p:nvSpPr>
-          <p:cNvPr id="4" name="文字版面配置區 3"/>
+          <p:cNvPr id="4" name="Text Placeholder 3"/>
           <p:cNvSpPr>
             <a:spLocks noGrp="1"/>
           </p:cNvSpPr>
@@ -2337,7 +2344,7 @@
       </p:sp>
       <p:sp>
         <p:nvSpPr>
-          <p:cNvPr id="5" name="日期版面配置區 4"/>
+          <p:cNvPr id="5" name="Date Placeholder 4"/>
           <p:cNvSpPr>
             <a:spLocks noGrp="1"/>
           </p:cNvSpPr>
@@ -2352,7 +2359,7 @@
           <a:p>
             <a:fld id="{F09C48D7-5DBF-4DB9-A12F-DF6A9CE967A6}" type="datetimeFigureOut">
               <a:rPr lang="en-US" smtClean="0"/>
-              <a:t>3/29/2019</a:t>
+              <a:t>4/1/2019</a:t>
             </a:fld>
             <a:endParaRPr lang="en-US"/>
           </a:p>
@@ -2360,7 +2367,7 @@
       </p:sp>
       <p:sp>
         <p:nvSpPr>
-          <p:cNvPr id="6" name="頁尾版面配置區 5"/>
+          <p:cNvPr id="6" name="Footer Placeholder 5"/>
           <p:cNvSpPr>
             <a:spLocks noGrp="1"/>
           </p:cNvSpPr>
@@ -2379,7 +2386,7 @@
       </p:sp>
       <p:sp>
         <p:nvSpPr>
-          <p:cNvPr id="7" name="投影片編號版面配置區 6"/>
+          <p:cNvPr id="7" name="Slide Number Placeholder 6"/>
           <p:cNvSpPr>
             <a:spLocks noGrp="1"/>
           </p:cNvSpPr>
@@ -2403,7 +2410,7 @@
     </p:spTree>
     <p:extLst>
       <p:ext uri="{BB962C8B-B14F-4D97-AF65-F5344CB8AC3E}">
-        <p14:creationId xmlns:p14="http://schemas.microsoft.com/office/powerpoint/2010/main" val="3559988848"/>
+        <p14:creationId xmlns:p14="http://schemas.microsoft.com/office/powerpoint/2010/main" val="1289318406"/>
       </p:ext>
     </p:extLst>
   </p:cSld>
@@ -2437,7 +2444,7 @@
       </p:grpSpPr>
       <p:sp>
         <p:nvSpPr>
-          <p:cNvPr id="2" name="標題版面配置區 1"/>
+          <p:cNvPr id="2" name="Title Placeholder 1"/>
           <p:cNvSpPr>
             <a:spLocks noGrp="1"/>
           </p:cNvSpPr>
@@ -2464,13 +2471,13 @@
               <a:rPr lang="zh-TW" altLang="en-US" smtClean="0"/>
               <a:t>按一下以編輯母片標題樣式</a:t>
             </a:r>
-            <a:endParaRPr lang="en-US"/>
+            <a:endParaRPr lang="en-US" dirty="0"/>
           </a:p>
         </p:txBody>
       </p:sp>
       <p:sp>
         <p:nvSpPr>
-          <p:cNvPr id="3" name="文字版面配置區 2"/>
+          <p:cNvPr id="3" name="Text Placeholder 2"/>
           <p:cNvSpPr>
             <a:spLocks noGrp="1"/>
           </p:cNvSpPr>
@@ -2526,13 +2533,13 @@
               <a:rPr lang="zh-TW" altLang="en-US" smtClean="0"/>
               <a:t>第五層</a:t>
             </a:r>
-            <a:endParaRPr lang="en-US"/>
+            <a:endParaRPr lang="en-US" dirty="0"/>
           </a:p>
         </p:txBody>
       </p:sp>
       <p:sp>
         <p:nvSpPr>
-          <p:cNvPr id="4" name="日期版面配置區 3"/>
+          <p:cNvPr id="4" name="Date Placeholder 3"/>
           <p:cNvSpPr>
             <a:spLocks noGrp="1"/>
           </p:cNvSpPr>
@@ -2565,7 +2572,7 @@
           <a:p>
             <a:fld id="{F09C48D7-5DBF-4DB9-A12F-DF6A9CE967A6}" type="datetimeFigureOut">
               <a:rPr lang="en-US" smtClean="0"/>
-              <a:t>3/29/2019</a:t>
+              <a:t>4/1/2019</a:t>
             </a:fld>
             <a:endParaRPr lang="en-US"/>
           </a:p>
@@ -2573,7 +2580,7 @@
       </p:sp>
       <p:sp>
         <p:nvSpPr>
-          <p:cNvPr id="5" name="頁尾版面配置區 4"/>
+          <p:cNvPr id="5" name="Footer Placeholder 4"/>
           <p:cNvSpPr>
             <a:spLocks noGrp="1"/>
           </p:cNvSpPr>
@@ -2610,7 +2617,7 @@
       </p:sp>
       <p:sp>
         <p:nvSpPr>
-          <p:cNvPr id="6" name="投影片編號版面配置區 5"/>
+          <p:cNvPr id="6" name="Slide Number Placeholder 5"/>
           <p:cNvSpPr>
             <a:spLocks noGrp="1"/>
           </p:cNvSpPr>
@@ -2652,23 +2659,23 @@
     </p:spTree>
     <p:extLst>
       <p:ext uri="{BB962C8B-B14F-4D97-AF65-F5344CB8AC3E}">
-        <p14:creationId xmlns:p14="http://schemas.microsoft.com/office/powerpoint/2010/main" val="2285194508"/>
+        <p14:creationId xmlns:p14="http://schemas.microsoft.com/office/powerpoint/2010/main" val="1597916546"/>
       </p:ext>
     </p:extLst>
   </p:cSld>
   <p:clrMap bg1="lt1" tx1="dk1" bg2="lt2" tx2="dk2" accent1="accent1" accent2="accent2" accent3="accent3" accent4="accent4" accent5="accent5" accent6="accent6" hlink="hlink" folHlink="folHlink"/>
   <p:sldLayoutIdLst>
-    <p:sldLayoutId id="2147483649" r:id="rId1"/>
-    <p:sldLayoutId id="2147483650" r:id="rId2"/>
-    <p:sldLayoutId id="2147483651" r:id="rId3"/>
-    <p:sldLayoutId id="2147483652" r:id="rId4"/>
-    <p:sldLayoutId id="2147483653" r:id="rId5"/>
-    <p:sldLayoutId id="2147483654" r:id="rId6"/>
-    <p:sldLayoutId id="2147483655" r:id="rId7"/>
-    <p:sldLayoutId id="2147483656" r:id="rId8"/>
-    <p:sldLayoutId id="2147483657" r:id="rId9"/>
-    <p:sldLayoutId id="2147483658" r:id="rId10"/>
-    <p:sldLayoutId id="2147483659" r:id="rId11"/>
+    <p:sldLayoutId id="2147483673" r:id="rId1"/>
+    <p:sldLayoutId id="2147483674" r:id="rId2"/>
+    <p:sldLayoutId id="2147483675" r:id="rId3"/>
+    <p:sldLayoutId id="2147483676" r:id="rId4"/>
+    <p:sldLayoutId id="2147483677" r:id="rId5"/>
+    <p:sldLayoutId id="2147483678" r:id="rId6"/>
+    <p:sldLayoutId id="2147483679" r:id="rId7"/>
+    <p:sldLayoutId id="2147483680" r:id="rId8"/>
+    <p:sldLayoutId id="2147483681" r:id="rId9"/>
+    <p:sldLayoutId id="2147483682" r:id="rId10"/>
+    <p:sldLayoutId id="2147483683" r:id="rId11"/>
   </p:sldLayoutIdLst>
   <p:txStyles>
     <p:titleStyle>
@@ -2978,10 +2985,10 @@
         </p:nvGrpSpPr>
         <p:grpSpPr>
           <a:xfrm>
-            <a:off x="486217" y="1110763"/>
-            <a:ext cx="9166366" cy="5240161"/>
-            <a:chOff x="486217" y="1110763"/>
-            <a:chExt cx="9166366" cy="5240161"/>
+            <a:off x="1846577" y="1690325"/>
+            <a:ext cx="6930414" cy="3930121"/>
+            <a:chOff x="494097" y="1110763"/>
+            <a:chExt cx="9154815" cy="5240161"/>
           </a:xfrm>
         </p:grpSpPr>
         <p:sp>
@@ -2992,8 +2999,8 @@
           </p:nvSpPr>
           <p:spPr>
             <a:xfrm>
-              <a:off x="486217" y="3373582"/>
-              <a:ext cx="1869423" cy="307777"/>
+              <a:off x="494097" y="3373582"/>
+              <a:ext cx="1853665" cy="307951"/>
             </a:xfrm>
             <a:prstGeom prst="rect">
               <a:avLst/>
@@ -3011,14 +3018,14 @@
             </a:ln>
           </p:spPr>
           <p:txBody>
-            <a:bodyPr wrap="none" lIns="91440" tIns="45720" rIns="91440" bIns="45720">
+            <a:bodyPr wrap="none" lIns="68580" tIns="34291" rIns="68580" bIns="34291">
               <a:spAutoFit/>
             </a:bodyPr>
             <a:lstStyle/>
             <a:p>
               <a:pPr algn="ctr"/>
               <a:r>
-                <a:rPr lang="en-US" altLang="zh-TW" sz="1400" dirty="0" smtClean="0">
+                <a:rPr lang="en-US" altLang="zh-TW" sz="1051" dirty="0">
                   <a:ln w="0"/>
                   <a:latin typeface="微軟正黑體" panose="020B0604030504040204" pitchFamily="34" charset="-120"/>
                   <a:ea typeface="微軟正黑體" panose="020B0604030504040204" pitchFamily="34" charset="-120"/>
@@ -3026,14 +3033,14 @@
                 <a:t>(additional)</a:t>
               </a:r>
               <a:r>
-                <a:rPr lang="zh-TW" altLang="en-US" sz="1400" dirty="0" smtClean="0">
+                <a:rPr lang="zh-TW" altLang="en-US" sz="1051" dirty="0">
                   <a:ln w="0"/>
                   <a:latin typeface="微軟正黑體" panose="020B0604030504040204" pitchFamily="34" charset="-120"/>
                   <a:ea typeface="微軟正黑體" panose="020B0604030504040204" pitchFamily="34" charset="-120"/>
                 </a:rPr>
                 <a:t>後端運算</a:t>
               </a:r>
-              <a:endParaRPr lang="zh-TW" altLang="en-US" sz="1400" dirty="0">
+              <a:endParaRPr lang="zh-TW" altLang="en-US" sz="1051" dirty="0">
                 <a:ln w="0"/>
                 <a:latin typeface="微軟正黑體" panose="020B0604030504040204" pitchFamily="34" charset="-120"/>
                 <a:ea typeface="微軟正黑體" panose="020B0604030504040204" pitchFamily="34" charset="-120"/>
@@ -3049,10 +3056,10 @@
           </p:nvGrpSpPr>
           <p:grpSpPr>
             <a:xfrm>
-              <a:off x="820379" y="1110763"/>
-              <a:ext cx="8832204" cy="5240161"/>
-              <a:chOff x="820379" y="1110763"/>
-              <a:chExt cx="8832204" cy="5240161"/>
+              <a:off x="831133" y="1110763"/>
+              <a:ext cx="8817779" cy="5240161"/>
+              <a:chOff x="831133" y="1110763"/>
+              <a:chExt cx="8817779" cy="5240161"/>
             </a:xfrm>
           </p:grpSpPr>
           <p:grpSp>
@@ -3064,9 +3071,9 @@
             <p:grpSpPr>
               <a:xfrm>
                 <a:off x="2725276" y="1110763"/>
-                <a:ext cx="6927307" cy="5240161"/>
+                <a:ext cx="6923636" cy="5240161"/>
                 <a:chOff x="2791778" y="337679"/>
-                <a:chExt cx="6927307" cy="5240161"/>
+                <a:chExt cx="6923636" cy="5240161"/>
               </a:xfrm>
             </p:grpSpPr>
             <p:pic>
@@ -3143,8 +3150,8 @@
               </p:nvSpPr>
               <p:spPr>
                 <a:xfrm>
-                  <a:off x="6431627" y="4441638"/>
-                  <a:ext cx="1356462" cy="307777"/>
+                  <a:off x="6438190" y="4441637"/>
+                  <a:ext cx="1343346" cy="307951"/>
                 </a:xfrm>
                 <a:prstGeom prst="rect">
                   <a:avLst/>
@@ -3162,14 +3169,14 @@
                 </a:ln>
               </p:spPr>
               <p:txBody>
-                <a:bodyPr wrap="none" lIns="91440" tIns="45720" rIns="91440" bIns="45720">
+                <a:bodyPr wrap="none" lIns="68580" tIns="34291" rIns="68580" bIns="34291">
                   <a:spAutoFit/>
                 </a:bodyPr>
                 <a:lstStyle/>
                 <a:p>
                   <a:pPr algn="ctr"/>
                   <a:r>
-                    <a:rPr lang="en-US" altLang="zh-TW" sz="1400" dirty="0">
+                    <a:rPr lang="en-US" altLang="zh-TW" sz="1051" dirty="0">
                       <a:ln w="0"/>
                       <a:latin typeface="微軟正黑體" panose="020B0604030504040204" pitchFamily="34" charset="-120"/>
                       <a:ea typeface="微軟正黑體" panose="020B0604030504040204" pitchFamily="34" charset="-120"/>
@@ -3177,7 +3184,7 @@
                     <a:t>1. </a:t>
                   </a:r>
                   <a:r>
-                    <a:rPr lang="zh-TW" altLang="en-US" sz="1400" dirty="0" smtClean="0">
+                    <a:rPr lang="zh-TW" altLang="en-US" sz="1051" dirty="0">
                       <a:ln w="0"/>
                       <a:latin typeface="微軟正黑體" panose="020B0604030504040204" pitchFamily="34" charset="-120"/>
                       <a:ea typeface="微軟正黑體" panose="020B0604030504040204" pitchFamily="34" charset="-120"/>
@@ -3185,14 +3192,14 @@
                     <a:t>觸發</a:t>
                   </a:r>
                   <a:r>
-                    <a:rPr lang="en-US" altLang="zh-TW" sz="1400" dirty="0" smtClean="0">
+                    <a:rPr lang="en-US" altLang="zh-TW" sz="1051" dirty="0">
                       <a:ln w="0"/>
                       <a:latin typeface="微軟正黑體" panose="020B0604030504040204" pitchFamily="34" charset="-120"/>
                       <a:ea typeface="微軟正黑體" panose="020B0604030504040204" pitchFamily="34" charset="-120"/>
                     </a:rPr>
                     <a:t>Beacon</a:t>
                   </a:r>
-                  <a:endParaRPr lang="zh-TW" altLang="en-US" sz="1400" dirty="0">
+                  <a:endParaRPr lang="zh-TW" altLang="en-US" sz="1051" dirty="0">
                     <a:ln w="0"/>
                     <a:latin typeface="微軟正黑體" panose="020B0604030504040204" pitchFamily="34" charset="-120"/>
                     <a:ea typeface="微軟正黑體" panose="020B0604030504040204" pitchFamily="34" charset="-120"/>
@@ -3208,8 +3215,8 @@
               </p:nvSpPr>
               <p:spPr>
                 <a:xfrm>
-                  <a:off x="2791778" y="824470"/>
-                  <a:ext cx="1387816" cy="307777"/>
+                  <a:off x="2802367" y="824470"/>
+                  <a:ext cx="1366640" cy="307951"/>
                 </a:xfrm>
                 <a:prstGeom prst="rect">
                   <a:avLst/>
@@ -3222,28 +3229,22 @@
                 </a:ln>
               </p:spPr>
               <p:txBody>
-                <a:bodyPr wrap="none" lIns="91440" tIns="45720" rIns="91440" bIns="45720">
+                <a:bodyPr wrap="none" lIns="68580" tIns="34291" rIns="68580" bIns="34291">
                   <a:spAutoFit/>
                 </a:bodyPr>
                 <a:lstStyle/>
                 <a:p>
                   <a:pPr algn="ctr"/>
                   <a:r>
-                    <a:rPr lang="en-US" altLang="zh-TW" sz="1400" b="0" cap="none" spc="0" dirty="0" smtClean="0">
+                    <a:rPr lang="en-US" altLang="zh-TW" sz="1051" dirty="0">
                       <a:ln w="0"/>
-                      <a:solidFill>
-                        <a:schemeClr val="tx1"/>
-                      </a:solidFill>
                       <a:latin typeface="微軟正黑體" panose="020B0604030504040204" pitchFamily="34" charset="-120"/>
                       <a:ea typeface="微軟正黑體" panose="020B0604030504040204" pitchFamily="34" charset="-120"/>
                     </a:rPr>
                     <a:t>Heroku Server</a:t>
                   </a:r>
-                  <a:endParaRPr lang="zh-TW" altLang="en-US" sz="1400" b="0" cap="none" spc="0" dirty="0">
+                  <a:endParaRPr lang="zh-TW" altLang="en-US" sz="1051" dirty="0">
                     <a:ln w="0"/>
-                    <a:solidFill>
-                      <a:schemeClr val="tx1"/>
-                    </a:solidFill>
                     <a:latin typeface="微軟正黑體" panose="020B0604030504040204" pitchFamily="34" charset="-120"/>
                     <a:ea typeface="微軟正黑體" panose="020B0604030504040204" pitchFamily="34" charset="-120"/>
                   </a:endParaRPr>
@@ -3258,8 +3259,8 @@
               </p:nvSpPr>
               <p:spPr>
                 <a:xfrm>
-                  <a:off x="6267061" y="824470"/>
-                  <a:ext cx="1114664" cy="307777"/>
+                  <a:off x="6277653" y="824470"/>
+                  <a:ext cx="1093481" cy="307951"/>
                 </a:xfrm>
                 <a:prstGeom prst="rect">
                   <a:avLst/>
@@ -3272,21 +3273,21 @@
                 </a:ln>
               </p:spPr>
               <p:txBody>
-                <a:bodyPr wrap="none" lIns="91440" tIns="45720" rIns="91440" bIns="45720">
+                <a:bodyPr wrap="none" lIns="68580" tIns="34291" rIns="68580" bIns="34291">
                   <a:spAutoFit/>
                 </a:bodyPr>
                 <a:lstStyle/>
                 <a:p>
                   <a:pPr algn="ctr"/>
                   <a:r>
-                    <a:rPr lang="en-US" altLang="zh-TW" sz="1400" dirty="0">
+                    <a:rPr lang="en-US" altLang="zh-TW" sz="1051" dirty="0">
                       <a:ln w="0"/>
                       <a:latin typeface="微軟正黑體" panose="020B0604030504040204" pitchFamily="34" charset="-120"/>
                       <a:ea typeface="微軟正黑體" panose="020B0604030504040204" pitchFamily="34" charset="-120"/>
                     </a:rPr>
                     <a:t>Line Server</a:t>
                   </a:r>
-                  <a:endParaRPr lang="zh-TW" altLang="en-US" sz="1400" dirty="0">
+                  <a:endParaRPr lang="zh-TW" altLang="en-US" sz="1051" dirty="0">
                     <a:ln w="0"/>
                     <a:latin typeface="微軟正黑體" panose="020B0604030504040204" pitchFamily="34" charset="-120"/>
                     <a:ea typeface="微軟正黑體" panose="020B0604030504040204" pitchFamily="34" charset="-120"/>
@@ -3338,8 +3339,8 @@
               </p:nvSpPr>
               <p:spPr>
                 <a:xfrm>
-                  <a:off x="4391079" y="337679"/>
-                  <a:ext cx="1664495" cy="523220"/>
+                  <a:off x="4404487" y="337679"/>
+                  <a:ext cx="1637680" cy="523565"/>
                 </a:xfrm>
                 <a:prstGeom prst="rect">
                   <a:avLst/>
@@ -3357,14 +3358,14 @@
                 </a:ln>
               </p:spPr>
               <p:txBody>
-                <a:bodyPr wrap="none" lIns="91440" tIns="45720" rIns="91440" bIns="45720">
+                <a:bodyPr wrap="none" lIns="68580" tIns="34291" rIns="68580" bIns="34291">
                   <a:spAutoFit/>
                 </a:bodyPr>
                 <a:lstStyle/>
                 <a:p>
                   <a:pPr algn="ctr"/>
                   <a:r>
-                    <a:rPr lang="en-US" altLang="zh-TW" sz="1400" dirty="0">
+                    <a:rPr lang="en-US" altLang="zh-TW" sz="1051" dirty="0">
                       <a:ln w="0"/>
                       <a:latin typeface="微軟正黑體" panose="020B0604030504040204" pitchFamily="34" charset="-120"/>
                       <a:ea typeface="微軟正黑體" panose="020B0604030504040204" pitchFamily="34" charset="-120"/>
@@ -3372,7 +3373,7 @@
                     <a:t>3. </a:t>
                   </a:r>
                   <a:r>
-                    <a:rPr lang="zh-TW" altLang="en-US" sz="1400" dirty="0">
+                    <a:rPr lang="zh-TW" altLang="en-US" sz="1051" dirty="0">
                       <a:ln w="0"/>
                       <a:latin typeface="微軟正黑體" panose="020B0604030504040204" pitchFamily="34" charset="-120"/>
                       <a:ea typeface="微軟正黑體" panose="020B0604030504040204" pitchFamily="34" charset="-120"/>
@@ -3380,7 +3381,7 @@
                     <a:t>告訴</a:t>
                   </a:r>
                   <a:r>
-                    <a:rPr lang="en-US" altLang="zh-TW" sz="1400" dirty="0">
+                    <a:rPr lang="en-US" altLang="zh-TW" sz="1051" dirty="0">
                       <a:ln w="0"/>
                       <a:latin typeface="微軟正黑體" panose="020B0604030504040204" pitchFamily="34" charset="-120"/>
                       <a:ea typeface="微軟正黑體" panose="020B0604030504040204" pitchFamily="34" charset="-120"/>
@@ -3391,7 +3392,7 @@
                 <a:p>
                   <a:pPr algn="ctr"/>
                   <a:r>
-                    <a:rPr lang="zh-TW" altLang="en-US" sz="1400" dirty="0">
+                    <a:rPr lang="zh-TW" altLang="en-US" sz="1051" dirty="0">
                       <a:ln w="0"/>
                       <a:latin typeface="微軟正黑體" panose="020B0604030504040204" pitchFamily="34" charset="-120"/>
                       <a:ea typeface="微軟正黑體" panose="020B0604030504040204" pitchFamily="34" charset="-120"/>
@@ -3411,8 +3412,8 @@
               </p:nvCxnSpPr>
               <p:spPr>
                 <a:xfrm flipV="1">
-                  <a:off x="7381725" y="978358"/>
-                  <a:ext cx="1970112" cy="1"/>
+                  <a:off x="7371134" y="978364"/>
+                  <a:ext cx="1980705" cy="81"/>
                 </a:xfrm>
                 <a:prstGeom prst="line">
                   <a:avLst/>
@@ -3483,8 +3484,8 @@
               </p:nvSpPr>
               <p:spPr>
                 <a:xfrm>
-                  <a:off x="8984589" y="2404132"/>
-                  <a:ext cx="734496" cy="307777"/>
+                  <a:off x="8988261" y="2404132"/>
+                  <a:ext cx="727153" cy="307951"/>
                 </a:xfrm>
                 <a:prstGeom prst="rect">
                   <a:avLst/>
@@ -3502,14 +3503,14 @@
                 </a:ln>
               </p:spPr>
               <p:txBody>
-                <a:bodyPr wrap="none" lIns="91440" tIns="45720" rIns="91440" bIns="45720">
+                <a:bodyPr wrap="none" lIns="68580" tIns="34291" rIns="68580" bIns="34291">
                   <a:spAutoFit/>
                 </a:bodyPr>
                 <a:lstStyle/>
                 <a:p>
                   <a:pPr algn="ctr"/>
                   <a:r>
-                    <a:rPr lang="en-US" altLang="zh-TW" sz="1400" dirty="0">
+                    <a:rPr lang="en-US" altLang="zh-TW" sz="1051" dirty="0">
                       <a:ln w="0"/>
                       <a:latin typeface="微軟正黑體" panose="020B0604030504040204" pitchFamily="34" charset="-120"/>
                       <a:ea typeface="微軟正黑體" panose="020B0604030504040204" pitchFamily="34" charset="-120"/>
@@ -3517,7 +3518,7 @@
                     <a:t>4. </a:t>
                   </a:r>
                   <a:r>
-                    <a:rPr lang="zh-TW" altLang="en-US" sz="1400" dirty="0">
+                    <a:rPr lang="zh-TW" altLang="en-US" sz="1051" dirty="0">
                       <a:ln w="0"/>
                       <a:latin typeface="微軟正黑體" panose="020B0604030504040204" pitchFamily="34" charset="-120"/>
                       <a:ea typeface="微軟正黑體" panose="020B0604030504040204" pitchFamily="34" charset="-120"/>
@@ -3574,8 +3575,8 @@
               </p:nvCxnSpPr>
               <p:spPr>
                 <a:xfrm flipV="1">
-                  <a:off x="3485685" y="1132247"/>
-                  <a:ext cx="1" cy="1023125"/>
+                  <a:off x="3485686" y="1132420"/>
+                  <a:ext cx="1" cy="1022955"/>
                 </a:xfrm>
                 <a:prstGeom prst="straightConnector1">
                   <a:avLst/>
@@ -3613,8 +3614,8 @@
               </p:nvCxnSpPr>
               <p:spPr>
                 <a:xfrm flipV="1">
-                  <a:off x="4179594" y="978359"/>
-                  <a:ext cx="2087467" cy="15032"/>
+                  <a:off x="4179594" y="978446"/>
+                  <a:ext cx="2098059" cy="14952"/>
                 </a:xfrm>
                 <a:prstGeom prst="straightConnector1">
                   <a:avLst/>
@@ -3687,8 +3688,8 @@
               </p:nvSpPr>
               <p:spPr>
                 <a:xfrm>
-                  <a:off x="2938900" y="1489920"/>
-                  <a:ext cx="1093569" cy="307777"/>
+                  <a:off x="2944237" y="1489922"/>
+                  <a:ext cx="1082893" cy="307951"/>
                 </a:xfrm>
                 <a:prstGeom prst="rect">
                   <a:avLst/>
@@ -3706,14 +3707,14 @@
                 </a:ln>
               </p:spPr>
               <p:txBody>
-                <a:bodyPr wrap="none" lIns="91440" tIns="45720" rIns="91440" bIns="45720">
+                <a:bodyPr wrap="none" lIns="68580" tIns="34291" rIns="68580" bIns="34291">
                   <a:spAutoFit/>
                 </a:bodyPr>
                 <a:lstStyle/>
                 <a:p>
                   <a:pPr algn="ctr"/>
                   <a:r>
-                    <a:rPr lang="en-US" altLang="zh-TW" sz="1400" dirty="0" smtClean="0">
+                    <a:rPr lang="en-US" altLang="zh-TW" sz="1051" dirty="0">
                       <a:ln w="0"/>
                       <a:latin typeface="微軟正黑體" panose="020B0604030504040204" pitchFamily="34" charset="-120"/>
                       <a:ea typeface="微軟正黑體" panose="020B0604030504040204" pitchFamily="34" charset="-120"/>
@@ -3721,18 +3722,15 @@
                     <a:t>2. </a:t>
                   </a:r>
                   <a:r>
-                    <a:rPr lang="zh-TW" altLang="en-US" sz="1400" dirty="0" smtClean="0">
+                    <a:rPr lang="zh-TW" altLang="en-US" sz="1051" dirty="0">
                       <a:ln w="0"/>
                       <a:latin typeface="微軟正黑體" panose="020B0604030504040204" pitchFamily="34" charset="-120"/>
                       <a:ea typeface="微軟正黑體" panose="020B0604030504040204" pitchFamily="34" charset="-120"/>
                     </a:rPr>
                     <a:t>事件處理</a:t>
                   </a:r>
-                  <a:endParaRPr lang="zh-TW" altLang="en-US" sz="1400" b="0" cap="none" spc="0" dirty="0">
+                  <a:endParaRPr lang="zh-TW" altLang="en-US" sz="1051" dirty="0">
                     <a:ln w="0"/>
-                    <a:solidFill>
-                      <a:schemeClr val="tx1"/>
-                    </a:solidFill>
                     <a:latin typeface="微軟正黑體" panose="020B0604030504040204" pitchFamily="34" charset="-120"/>
                     <a:ea typeface="微軟正黑體" panose="020B0604030504040204" pitchFamily="34" charset="-120"/>
                   </a:endParaRPr>
@@ -3748,8 +3746,8 @@
             </p:nvSpPr>
             <p:spPr>
               <a:xfrm>
-                <a:off x="820379" y="2264089"/>
-                <a:ext cx="1206036" cy="307777"/>
+                <a:off x="831133" y="2264090"/>
+                <a:ext cx="1184533" cy="307951"/>
               </a:xfrm>
               <a:prstGeom prst="rect">
                 <a:avLst/>
@@ -3762,28 +3760,22 @@
               </a:ln>
             </p:spPr>
             <p:txBody>
-              <a:bodyPr wrap="none" lIns="91440" tIns="45720" rIns="91440" bIns="45720">
+              <a:bodyPr wrap="none" lIns="68580" tIns="34291" rIns="68580" bIns="34291">
                 <a:spAutoFit/>
               </a:bodyPr>
               <a:lstStyle/>
               <a:p>
                 <a:pPr algn="ctr"/>
                 <a:r>
-                  <a:rPr lang="en-US" altLang="zh-TW" sz="1400" b="0" cap="none" spc="0" dirty="0" smtClean="0">
+                  <a:rPr lang="en-US" altLang="zh-TW" sz="1051" dirty="0">
                     <a:ln w="0"/>
-                    <a:solidFill>
-                      <a:schemeClr val="tx1"/>
-                    </a:solidFill>
                     <a:latin typeface="微軟正黑體" panose="020B0604030504040204" pitchFamily="34" charset="-120"/>
                     <a:ea typeface="微軟正黑體" panose="020B0604030504040204" pitchFamily="34" charset="-120"/>
                   </a:rPr>
                   <a:t>Local Server</a:t>
                 </a:r>
-                <a:endParaRPr lang="zh-TW" altLang="en-US" sz="1400" b="0" cap="none" spc="0" dirty="0">
+                <a:endParaRPr lang="zh-TW" altLang="en-US" sz="1051" dirty="0">
                   <a:ln w="0"/>
-                  <a:solidFill>
-                    <a:schemeClr val="tx1"/>
-                  </a:solidFill>
                   <a:latin typeface="微軟正黑體" panose="020B0604030504040204" pitchFamily="34" charset="-120"/>
                   <a:ea typeface="微軟正黑體" panose="020B0604030504040204" pitchFamily="34" charset="-120"/>
                 </a:endParaRPr>
@@ -3801,8 +3793,8 @@
             </p:nvCxnSpPr>
             <p:spPr>
               <a:xfrm flipH="1">
-                <a:off x="1420929" y="2571866"/>
-                <a:ext cx="2468" cy="801716"/>
+                <a:off x="1420931" y="2572040"/>
+                <a:ext cx="2469" cy="801541"/>
               </a:xfrm>
               <a:prstGeom prst="straightConnector1">
                 <a:avLst/>
@@ -3939,7 +3931,7 @@
               <a:lstStyle/>
               <a:p>
                 <a:pPr algn="ctr"/>
-                <a:endParaRPr lang="en-US"/>
+                <a:endParaRPr lang="en-US" sz="1351"/>
               </a:p>
             </p:txBody>
           </p:sp>
@@ -3990,8 +3982,8 @@
             </p:nvSpPr>
             <p:spPr>
               <a:xfrm>
-                <a:off x="1060525" y="4948599"/>
-                <a:ext cx="723275" cy="307777"/>
+                <a:off x="1063880" y="4948599"/>
+                <a:ext cx="716564" cy="307951"/>
               </a:xfrm>
               <a:prstGeom prst="rect">
                 <a:avLst/>
@@ -3999,28 +3991,22 @@
               <a:noFill/>
             </p:spPr>
             <p:txBody>
-              <a:bodyPr wrap="none" lIns="91440" tIns="45720" rIns="91440" bIns="45720">
+              <a:bodyPr wrap="none" lIns="68580" tIns="34291" rIns="68580" bIns="34291">
                 <a:spAutoFit/>
               </a:bodyPr>
               <a:lstStyle/>
               <a:p>
                 <a:pPr algn="ctr"/>
                 <a:r>
-                  <a:rPr lang="zh-TW" altLang="en-US" sz="1400" b="0" cap="none" spc="0" dirty="0" smtClean="0">
+                  <a:rPr lang="zh-TW" altLang="en-US" sz="1051" dirty="0">
                     <a:ln w="0"/>
-                    <a:solidFill>
-                      <a:schemeClr val="tx1"/>
-                    </a:solidFill>
                     <a:latin typeface="微軟正黑體" panose="020B0604030504040204" pitchFamily="34" charset="-120"/>
                     <a:ea typeface="微軟正黑體" panose="020B0604030504040204" pitchFamily="34" charset="-120"/>
                   </a:rPr>
                   <a:t>資料庫</a:t>
                 </a:r>
-                <a:endParaRPr lang="zh-TW" altLang="en-US" sz="1400" b="0" cap="none" spc="0" dirty="0">
+                <a:endParaRPr lang="zh-TW" altLang="en-US" sz="1051" dirty="0">
                   <a:ln w="0"/>
-                  <a:solidFill>
-                    <a:schemeClr val="tx1"/>
-                  </a:solidFill>
                   <a:latin typeface="微軟正黑體" panose="020B0604030504040204" pitchFamily="34" charset="-120"/>
                   <a:ea typeface="微軟正黑體" panose="020B0604030504040204" pitchFamily="34" charset="-120"/>
                 </a:endParaRPr>
@@ -4039,6 +4025,13 @@
   <p:clrMapOvr>
     <a:masterClrMapping/>
   </p:clrMapOvr>
+  <p:timing>
+    <p:tnLst>
+      <p:par>
+        <p:cTn id="1" dur="indefinite" restart="never" nodeType="tmRoot"/>
+      </p:par>
+    </p:tnLst>
+  </p:timing>
 </p:sld>
 </file>
 
@@ -4067,8 +4060,8 @@
         </p:nvGrpSpPr>
         <p:grpSpPr>
           <a:xfrm>
-            <a:off x="4239491" y="656705"/>
-            <a:ext cx="3266904" cy="4696691"/>
+            <a:off x="4703623" y="1349781"/>
+            <a:ext cx="2450179" cy="3522519"/>
             <a:chOff x="4239491" y="656705"/>
             <a:chExt cx="3266904" cy="4696691"/>
           </a:xfrm>
@@ -4115,7 +4108,7 @@
             <a:lstStyle/>
             <a:p>
               <a:pPr algn="ctr"/>
-              <a:endParaRPr lang="en-US"/>
+              <a:endParaRPr lang="en-US" sz="1351"/>
             </a:p>
           </p:txBody>
         </p:sp>
@@ -4161,7 +4154,7 @@
             <a:lstStyle/>
             <a:p>
               <a:pPr algn="ctr"/>
-              <a:endParaRPr lang="en-US">
+              <a:endParaRPr lang="en-US" sz="1351">
                 <a:solidFill>
                   <a:srgbClr val="FF3300"/>
                 </a:solidFill>
@@ -4214,7 +4207,7 @@
             <a:lstStyle/>
             <a:p>
               <a:pPr algn="ctr"/>
-              <a:endParaRPr lang="en-US"/>
+              <a:endParaRPr lang="en-US" sz="1351"/>
             </a:p>
           </p:txBody>
         </p:sp>
@@ -4263,7 +4256,7 @@
             <a:lstStyle/>
             <a:p>
               <a:pPr algn="ctr"/>
-              <a:endParaRPr lang="en-US"/>
+              <a:endParaRPr lang="en-US" sz="1351"/>
             </a:p>
           </p:txBody>
         </p:sp>
@@ -4312,7 +4305,7 @@
             <a:lstStyle/>
             <a:p>
               <a:pPr algn="ctr"/>
-              <a:endParaRPr lang="en-US"/>
+              <a:endParaRPr lang="en-US" sz="1351"/>
             </a:p>
           </p:txBody>
         </p:sp>
@@ -4325,7 +4318,7 @@
           <p:spPr>
             <a:xfrm>
               <a:off x="5434360" y="2060171"/>
-              <a:ext cx="877163" cy="1754326"/>
+              <a:ext cx="877164" cy="1754670"/>
             </a:xfrm>
             <a:prstGeom prst="rect">
               <a:avLst/>
@@ -4333,28 +4326,22 @@
             <a:noFill/>
           </p:spPr>
           <p:txBody>
-            <a:bodyPr wrap="none" lIns="91440" tIns="45720" rIns="91440" bIns="45720">
+            <a:bodyPr wrap="none" lIns="68580" tIns="34291" rIns="68580" bIns="34291">
               <a:spAutoFit/>
             </a:bodyPr>
             <a:lstStyle/>
             <a:p>
               <a:pPr algn="ctr"/>
               <a:r>
-                <a:rPr lang="zh-TW" altLang="en-US" sz="5400" b="0" cap="none" spc="0" dirty="0" smtClean="0">
+                <a:rPr lang="zh-TW" altLang="en-US" sz="4051" dirty="0">
                   <a:ln w="0"/>
-                  <a:solidFill>
-                    <a:schemeClr val="tx1"/>
-                  </a:solidFill>
                   <a:latin typeface="微軟正黑體" panose="020B0604030504040204" pitchFamily="34" charset="-120"/>
                   <a:ea typeface="微軟正黑體" panose="020B0604030504040204" pitchFamily="34" charset="-120"/>
                 </a:rPr>
                 <a:t>走</a:t>
               </a:r>
-              <a:endParaRPr lang="en-US" altLang="zh-TW" sz="5400" b="0" cap="none" spc="0" dirty="0" smtClean="0">
+              <a:endParaRPr lang="en-US" altLang="zh-TW" sz="4051" dirty="0">
                 <a:ln w="0"/>
-                <a:solidFill>
-                  <a:schemeClr val="tx1"/>
-                </a:solidFill>
                 <a:latin typeface="微軟正黑體" panose="020B0604030504040204" pitchFamily="34" charset="-120"/>
                 <a:ea typeface="微軟正黑體" panose="020B0604030504040204" pitchFamily="34" charset="-120"/>
               </a:endParaRPr>
@@ -4362,21 +4349,15 @@
             <a:p>
               <a:pPr algn="ctr"/>
               <a:r>
-                <a:rPr lang="zh-TW" altLang="en-US" sz="5400" b="0" cap="none" spc="0" dirty="0" smtClean="0">
+                <a:rPr lang="zh-TW" altLang="en-US" sz="4051" dirty="0">
                   <a:ln w="0"/>
-                  <a:solidFill>
-                    <a:schemeClr val="tx1"/>
-                  </a:solidFill>
                   <a:latin typeface="微軟正黑體" panose="020B0604030504040204" pitchFamily="34" charset="-120"/>
                   <a:ea typeface="微軟正黑體" panose="020B0604030504040204" pitchFamily="34" charset="-120"/>
                 </a:rPr>
                 <a:t>廊</a:t>
               </a:r>
-              <a:endParaRPr lang="zh-TW" altLang="en-US" sz="5400" b="0" cap="none" spc="0" dirty="0">
+              <a:endParaRPr lang="zh-TW" altLang="en-US" sz="4051" dirty="0">
                 <a:ln w="0"/>
-                <a:solidFill>
-                  <a:schemeClr val="tx1"/>
-                </a:solidFill>
                 <a:latin typeface="微軟正黑體" panose="020B0604030504040204" pitchFamily="34" charset="-120"/>
                 <a:ea typeface="微軟正黑體" panose="020B0604030504040204" pitchFamily="34" charset="-120"/>
               </a:endParaRPr>
@@ -4391,8 +4372,8 @@
           </p:nvSpPr>
           <p:spPr>
             <a:xfrm>
-              <a:off x="4372492" y="1798561"/>
-              <a:ext cx="433132" cy="523220"/>
+              <a:off x="4372762" y="1798561"/>
+              <a:ext cx="432597" cy="523223"/>
             </a:xfrm>
             <a:prstGeom prst="rect">
               <a:avLst/>
@@ -4400,28 +4381,22 @@
             <a:noFill/>
           </p:spPr>
           <p:txBody>
-            <a:bodyPr wrap="none" lIns="91440" tIns="45720" rIns="91440" bIns="45720">
+            <a:bodyPr wrap="none" lIns="68580" tIns="34291" rIns="68580" bIns="34291">
               <a:spAutoFit/>
             </a:bodyPr>
             <a:lstStyle/>
             <a:p>
               <a:pPr algn="ctr"/>
               <a:r>
-                <a:rPr lang="en-US" altLang="zh-TW" sz="2800" b="0" cap="none" spc="0" dirty="0" smtClean="0">
+                <a:rPr lang="en-US" altLang="zh-TW" sz="2100" dirty="0">
                   <a:ln w="0"/>
-                  <a:solidFill>
-                    <a:schemeClr val="tx1"/>
-                  </a:solidFill>
                   <a:latin typeface="微軟正黑體" panose="020B0604030504040204" pitchFamily="34" charset="-120"/>
                   <a:ea typeface="微軟正黑體" panose="020B0604030504040204" pitchFamily="34" charset="-120"/>
                 </a:rPr>
                 <a:t>A</a:t>
               </a:r>
-              <a:endParaRPr lang="zh-TW" altLang="en-US" sz="2800" b="0" cap="none" spc="0" dirty="0">
+              <a:endParaRPr lang="zh-TW" altLang="en-US" sz="2100" dirty="0">
                 <a:ln w="0"/>
-                <a:solidFill>
-                  <a:schemeClr val="tx1"/>
-                </a:solidFill>
                 <a:latin typeface="微軟正黑體" panose="020B0604030504040204" pitchFamily="34" charset="-120"/>
                 <a:ea typeface="微軟正黑體" panose="020B0604030504040204" pitchFamily="34" charset="-120"/>
               </a:endParaRPr>
@@ -4436,8 +4411,8 @@
           </p:nvSpPr>
           <p:spPr>
             <a:xfrm>
-              <a:off x="6944266" y="1798561"/>
-              <a:ext cx="425116" cy="523220"/>
+              <a:off x="6944802" y="1798561"/>
+              <a:ext cx="424049" cy="523223"/>
             </a:xfrm>
             <a:prstGeom prst="rect">
               <a:avLst/>
@@ -4445,25 +4420,22 @@
             <a:noFill/>
           </p:spPr>
           <p:txBody>
-            <a:bodyPr wrap="none" lIns="91440" tIns="45720" rIns="91440" bIns="45720">
+            <a:bodyPr wrap="none" lIns="68580" tIns="34291" rIns="68580" bIns="34291">
               <a:spAutoFit/>
             </a:bodyPr>
             <a:lstStyle/>
             <a:p>
               <a:pPr algn="ctr"/>
               <a:r>
-                <a:rPr lang="en-US" altLang="zh-TW" sz="2800" dirty="0">
+                <a:rPr lang="en-US" altLang="zh-TW" sz="2100" dirty="0">
                   <a:ln w="0"/>
                   <a:latin typeface="微軟正黑體" panose="020B0604030504040204" pitchFamily="34" charset="-120"/>
                   <a:ea typeface="微軟正黑體" panose="020B0604030504040204" pitchFamily="34" charset="-120"/>
                 </a:rPr>
                 <a:t>C</a:t>
               </a:r>
-              <a:endParaRPr lang="zh-TW" altLang="en-US" sz="2800" b="0" cap="none" spc="0" dirty="0">
+              <a:endParaRPr lang="zh-TW" altLang="en-US" sz="2100" dirty="0">
                 <a:ln w="0"/>
-                <a:solidFill>
-                  <a:schemeClr val="tx1"/>
-                </a:solidFill>
                 <a:latin typeface="微軟正黑體" panose="020B0604030504040204" pitchFamily="34" charset="-120"/>
                 <a:ea typeface="微軟正黑體" panose="020B0604030504040204" pitchFamily="34" charset="-120"/>
               </a:endParaRPr>
@@ -4478,8 +4450,8 @@
           </p:nvSpPr>
           <p:spPr>
             <a:xfrm>
-              <a:off x="4386982" y="3632903"/>
-              <a:ext cx="405880" cy="523220"/>
+              <a:off x="4387520" y="3632904"/>
+              <a:ext cx="404812" cy="523223"/>
             </a:xfrm>
             <a:prstGeom prst="rect">
               <a:avLst/>
@@ -4487,25 +4459,22 @@
             <a:noFill/>
           </p:spPr>
           <p:txBody>
-            <a:bodyPr wrap="none" lIns="91440" tIns="45720" rIns="91440" bIns="45720">
+            <a:bodyPr wrap="none" lIns="68580" tIns="34291" rIns="68580" bIns="34291">
               <a:spAutoFit/>
             </a:bodyPr>
             <a:lstStyle/>
             <a:p>
               <a:pPr algn="ctr"/>
               <a:r>
-                <a:rPr lang="en-US" altLang="zh-TW" sz="2800" dirty="0">
+                <a:rPr lang="en-US" altLang="zh-TW" sz="2100" dirty="0">
                   <a:ln w="0"/>
                   <a:latin typeface="微軟正黑體" panose="020B0604030504040204" pitchFamily="34" charset="-120"/>
                   <a:ea typeface="微軟正黑體" panose="020B0604030504040204" pitchFamily="34" charset="-120"/>
                 </a:rPr>
                 <a:t>B</a:t>
               </a:r>
-              <a:endParaRPr lang="zh-TW" altLang="en-US" sz="2800" b="0" cap="none" spc="0" dirty="0">
+              <a:endParaRPr lang="zh-TW" altLang="en-US" sz="2100" dirty="0">
                 <a:ln w="0"/>
-                <a:solidFill>
-                  <a:schemeClr val="tx1"/>
-                </a:solidFill>
                 <a:latin typeface="微軟正黑體" panose="020B0604030504040204" pitchFamily="34" charset="-120"/>
                 <a:ea typeface="微軟正黑體" panose="020B0604030504040204" pitchFamily="34" charset="-120"/>
               </a:endParaRPr>
@@ -4520,8 +4489,8 @@
           </p:nvSpPr>
           <p:spPr>
             <a:xfrm>
-              <a:off x="6921585" y="3632903"/>
-              <a:ext cx="455574" cy="523220"/>
+              <a:off x="6921319" y="3632904"/>
+              <a:ext cx="456108" cy="523223"/>
             </a:xfrm>
             <a:prstGeom prst="rect">
               <a:avLst/>
@@ -4529,25 +4498,22 @@
             <a:noFill/>
           </p:spPr>
           <p:txBody>
-            <a:bodyPr wrap="none" lIns="91440" tIns="45720" rIns="91440" bIns="45720">
+            <a:bodyPr wrap="none" lIns="68580" tIns="34291" rIns="68580" bIns="34291">
               <a:spAutoFit/>
             </a:bodyPr>
             <a:lstStyle/>
             <a:p>
               <a:pPr algn="ctr"/>
               <a:r>
-                <a:rPr lang="en-US" altLang="zh-TW" sz="2800" dirty="0">
+                <a:rPr lang="en-US" altLang="zh-TW" sz="2100" dirty="0">
                   <a:ln w="0"/>
                   <a:latin typeface="微軟正黑體" panose="020B0604030504040204" pitchFamily="34" charset="-120"/>
                   <a:ea typeface="微軟正黑體" panose="020B0604030504040204" pitchFamily="34" charset="-120"/>
                 </a:rPr>
                 <a:t>D</a:t>
               </a:r>
-              <a:endParaRPr lang="zh-TW" altLang="en-US" sz="2800" b="0" cap="none" spc="0" dirty="0">
+              <a:endParaRPr lang="zh-TW" altLang="en-US" sz="2100" dirty="0">
                 <a:ln w="0"/>
-                <a:solidFill>
-                  <a:schemeClr val="tx1"/>
-                </a:solidFill>
                 <a:latin typeface="微軟正黑體" panose="020B0604030504040204" pitchFamily="34" charset="-120"/>
                 <a:ea typeface="微軟正黑體" panose="020B0604030504040204" pitchFamily="34" charset="-120"/>
               </a:endParaRPr>
@@ -4562,8 +4528,8 @@
           </p:nvSpPr>
           <p:spPr>
             <a:xfrm>
-              <a:off x="4882926" y="4817853"/>
-              <a:ext cx="1980029" cy="400110"/>
+              <a:off x="4882927" y="4817853"/>
+              <a:ext cx="1980029" cy="400112"/>
             </a:xfrm>
             <a:prstGeom prst="rect">
               <a:avLst/>
@@ -4571,14 +4537,14 @@
             <a:noFill/>
           </p:spPr>
           <p:txBody>
-            <a:bodyPr wrap="none" lIns="91440" tIns="45720" rIns="91440" bIns="45720">
+            <a:bodyPr wrap="none" lIns="68580" tIns="34291" rIns="68580" bIns="34291">
               <a:spAutoFit/>
             </a:bodyPr>
             <a:lstStyle/>
             <a:p>
               <a:pPr algn="ctr"/>
               <a:r>
-                <a:rPr lang="zh-TW" altLang="en-US" sz="2000" dirty="0" smtClean="0">
+                <a:rPr lang="zh-TW" altLang="en-US" sz="1500" dirty="0">
                   <a:ln w="0"/>
                   <a:solidFill>
                     <a:schemeClr val="accent1">
@@ -4590,7 +4556,7 @@
                 </a:rPr>
                 <a:t>紅標為當前位置</a:t>
               </a:r>
-              <a:endParaRPr lang="zh-TW" altLang="en-US" sz="2000" b="0" cap="none" spc="0" dirty="0">
+              <a:endParaRPr lang="zh-TW" altLang="en-US" sz="1500" dirty="0">
                 <a:ln w="0"/>
                 <a:solidFill>
                   <a:schemeClr val="accent1">
@@ -4614,13 +4580,5058 @@
   <p:clrMapOvr>
     <a:masterClrMapping/>
   </p:clrMapOvr>
+  <p:timing>
+    <p:tnLst>
+      <p:par>
+        <p:cTn id="1" dur="indefinite" restart="never" nodeType="tmRoot"/>
+      </p:par>
+    </p:tnLst>
+  </p:timing>
+</p:sld>
+</file>
+
+<file path=ppt/slides/slide3.xml><?xml version="1.0" encoding="utf-8"?>
+<p:sld xmlns:a="http://schemas.openxmlformats.org/drawingml/2006/main" xmlns:r="http://schemas.openxmlformats.org/officeDocument/2006/relationships" xmlns:p="http://schemas.openxmlformats.org/presentationml/2006/main">
+  <p:cSld>
+    <p:spTree>
+      <p:nvGrpSpPr>
+        <p:cNvPr id="1" name=""/>
+        <p:cNvGrpSpPr/>
+        <p:nvPr/>
+      </p:nvGrpSpPr>
+      <p:grpSpPr>
+        <a:xfrm>
+          <a:off x="0" y="0"/>
+          <a:ext cx="0" cy="0"/>
+          <a:chOff x="0" y="0"/>
+          <a:chExt cx="0" cy="0"/>
+        </a:xfrm>
+      </p:grpSpPr>
+      <p:grpSp>
+        <p:nvGrpSpPr>
+          <p:cNvPr id="201" name="群組 200"/>
+          <p:cNvGrpSpPr/>
+          <p:nvPr/>
+        </p:nvGrpSpPr>
+        <p:grpSpPr>
+          <a:xfrm>
+            <a:off x="3353676" y="479021"/>
+            <a:ext cx="6746903" cy="6292503"/>
+            <a:chOff x="1829675" y="479020"/>
+            <a:chExt cx="6746903" cy="6292503"/>
+          </a:xfrm>
+        </p:grpSpPr>
+        <p:grpSp>
+          <p:nvGrpSpPr>
+            <p:cNvPr id="190" name="群組 189"/>
+            <p:cNvGrpSpPr/>
+            <p:nvPr/>
+          </p:nvGrpSpPr>
+          <p:grpSpPr>
+            <a:xfrm>
+              <a:off x="1829676" y="479020"/>
+              <a:ext cx="5419022" cy="6292503"/>
+              <a:chOff x="1829676" y="479020"/>
+              <a:chExt cx="5419022" cy="6292503"/>
+            </a:xfrm>
+          </p:grpSpPr>
+          <p:sp>
+            <p:nvSpPr>
+              <p:cNvPr id="4" name="橢圓 3"/>
+              <p:cNvSpPr/>
+              <p:nvPr/>
+            </p:nvSpPr>
+            <p:spPr>
+              <a:xfrm>
+                <a:off x="3314698" y="479020"/>
+                <a:ext cx="310500" cy="310500"/>
+              </a:xfrm>
+              <a:prstGeom prst="ellipse">
+                <a:avLst/>
+              </a:prstGeom>
+              <a:solidFill>
+                <a:schemeClr val="accent1">
+                  <a:lumMod val="75000"/>
+                </a:schemeClr>
+              </a:solidFill>
+              <a:ln>
+                <a:noFill/>
+              </a:ln>
+            </p:spPr>
+            <p:style>
+              <a:lnRef idx="2">
+                <a:schemeClr val="accent1">
+                  <a:shade val="50000"/>
+                </a:schemeClr>
+              </a:lnRef>
+              <a:fillRef idx="1">
+                <a:schemeClr val="accent1"/>
+              </a:fillRef>
+              <a:effectRef idx="0">
+                <a:schemeClr val="accent1"/>
+              </a:effectRef>
+              <a:fontRef idx="minor">
+                <a:schemeClr val="lt1"/>
+              </a:fontRef>
+            </p:style>
+            <p:txBody>
+              <a:bodyPr rot="0" spcFirstLastPara="0" vertOverflow="overflow" horzOverflow="overflow" vert="horz" wrap="square" lIns="68580" tIns="34291" rIns="68580" bIns="34291" numCol="1" spcCol="0" rtlCol="0" fromWordArt="0" anchor="ctr" anchorCtr="0" forceAA="0" compatLnSpc="1">
+                <a:prstTxWarp prst="textNoShape">
+                  <a:avLst/>
+                </a:prstTxWarp>
+                <a:noAutofit/>
+              </a:bodyPr>
+              <a:lstStyle/>
+              <a:p>
+                <a:pPr algn="ctr"/>
+                <a:endParaRPr lang="en-US" sz="1351"/>
+              </a:p>
+            </p:txBody>
+          </p:sp>
+          <p:cxnSp>
+            <p:nvCxnSpPr>
+              <p:cNvPr id="6" name="直線單箭頭接點 5"/>
+              <p:cNvCxnSpPr>
+                <a:stCxn id="4" idx="4"/>
+                <a:endCxn id="10" idx="0"/>
+              </p:cNvCxnSpPr>
+              <p:nvPr/>
+            </p:nvCxnSpPr>
+            <p:spPr>
+              <a:xfrm>
+                <a:off x="3469950" y="789520"/>
+                <a:ext cx="2222" cy="155252"/>
+              </a:xfrm>
+              <a:prstGeom prst="straightConnector1">
+                <a:avLst/>
+              </a:prstGeom>
+              <a:ln>
+                <a:tailEnd type="triangle"/>
+              </a:ln>
+            </p:spPr>
+            <p:style>
+              <a:lnRef idx="1">
+                <a:schemeClr val="dk1"/>
+              </a:lnRef>
+              <a:fillRef idx="0">
+                <a:schemeClr val="dk1"/>
+              </a:fillRef>
+              <a:effectRef idx="0">
+                <a:schemeClr val="dk1"/>
+              </a:effectRef>
+              <a:fontRef idx="minor">
+                <a:schemeClr val="tx1"/>
+              </a:fontRef>
+            </p:style>
+          </p:cxnSp>
+          <p:grpSp>
+            <p:nvGrpSpPr>
+              <p:cNvPr id="12" name="群組 11"/>
+              <p:cNvGrpSpPr/>
+              <p:nvPr/>
+            </p:nvGrpSpPr>
+            <p:grpSpPr>
+              <a:xfrm>
+                <a:off x="2662170" y="944771"/>
+                <a:ext cx="1651678" cy="337893"/>
+                <a:chOff x="2326744" y="1110634"/>
+                <a:chExt cx="2535205" cy="450524"/>
+              </a:xfrm>
+            </p:grpSpPr>
+            <p:sp>
+              <p:nvSpPr>
+                <p:cNvPr id="10" name="圓角矩形 9"/>
+                <p:cNvSpPr/>
+                <p:nvPr/>
+              </p:nvSpPr>
+              <p:spPr>
+                <a:xfrm>
+                  <a:off x="2326744" y="1110634"/>
+                  <a:ext cx="2486581" cy="450524"/>
+                </a:xfrm>
+                <a:prstGeom prst="roundRect">
+                  <a:avLst/>
+                </a:prstGeom>
+                <a:noFill/>
+                <a:ln>
+                  <a:solidFill>
+                    <a:schemeClr val="accent1">
+                      <a:lumMod val="60000"/>
+                      <a:lumOff val="40000"/>
+                    </a:schemeClr>
+                  </a:solidFill>
+                </a:ln>
+              </p:spPr>
+              <p:style>
+                <a:lnRef idx="2">
+                  <a:schemeClr val="accent1">
+                    <a:shade val="50000"/>
+                  </a:schemeClr>
+                </a:lnRef>
+                <a:fillRef idx="1">
+                  <a:schemeClr val="accent1"/>
+                </a:fillRef>
+                <a:effectRef idx="0">
+                  <a:schemeClr val="accent1"/>
+                </a:effectRef>
+                <a:fontRef idx="minor">
+                  <a:schemeClr val="lt1"/>
+                </a:fontRef>
+              </p:style>
+              <p:txBody>
+                <a:bodyPr rot="0" spcFirstLastPara="0" vertOverflow="overflow" horzOverflow="overflow" vert="horz" wrap="square" lIns="68580" tIns="34291" rIns="68580" bIns="34291" numCol="1" spcCol="0" rtlCol="0" fromWordArt="0" anchor="ctr" anchorCtr="0" forceAA="0" compatLnSpc="1">
+                  <a:prstTxWarp prst="textNoShape">
+                    <a:avLst/>
+                  </a:prstTxWarp>
+                  <a:noAutofit/>
+                </a:bodyPr>
+                <a:lstStyle/>
+                <a:p>
+                  <a:pPr algn="ctr"/>
+                  <a:endParaRPr lang="en-US" sz="1351"/>
+                </a:p>
+              </p:txBody>
+            </p:sp>
+            <p:sp>
+              <p:nvSpPr>
+                <p:cNvPr id="11" name="矩形 10"/>
+                <p:cNvSpPr/>
+                <p:nvPr/>
+              </p:nvSpPr>
+              <p:spPr>
+                <a:xfrm>
+                  <a:off x="2368485" y="1175201"/>
+                  <a:ext cx="2493464" cy="338557"/>
+                </a:xfrm>
+                <a:prstGeom prst="rect">
+                  <a:avLst/>
+                </a:prstGeom>
+                <a:noFill/>
+                <a:ln>
+                  <a:noFill/>
+                </a:ln>
+              </p:spPr>
+              <p:txBody>
+                <a:bodyPr wrap="none" lIns="68580" tIns="34291" rIns="68580" bIns="34291">
+                  <a:spAutoFit/>
+                </a:bodyPr>
+                <a:lstStyle/>
+                <a:p>
+                  <a:pPr algn="ctr"/>
+                  <a:r>
+                    <a:rPr lang="en-US" altLang="zh-TW" sz="1200" dirty="0">
+                      <a:ln w="0"/>
+                      <a:solidFill>
+                        <a:schemeClr val="tx1">
+                          <a:lumMod val="75000"/>
+                          <a:lumOff val="25000"/>
+                        </a:schemeClr>
+                      </a:solidFill>
+                      <a:latin typeface="微軟正黑體" panose="020B0604030504040204" pitchFamily="34" charset="-120"/>
+                      <a:ea typeface="微軟正黑體" panose="020B0604030504040204" pitchFamily="34" charset="-120"/>
+                    </a:rPr>
+                    <a:t>Line Beacon</a:t>
+                  </a:r>
+                  <a:r>
+                    <a:rPr lang="zh-TW" altLang="en-US" sz="1200" dirty="0">
+                      <a:ln w="0"/>
+                      <a:solidFill>
+                        <a:schemeClr val="tx1">
+                          <a:lumMod val="75000"/>
+                          <a:lumOff val="25000"/>
+                        </a:schemeClr>
+                      </a:solidFill>
+                      <a:latin typeface="微軟正黑體" panose="020B0604030504040204" pitchFamily="34" charset="-120"/>
+                      <a:ea typeface="微軟正黑體" panose="020B0604030504040204" pitchFamily="34" charset="-120"/>
+                    </a:rPr>
+                    <a:t>功能開發</a:t>
+                  </a:r>
+                </a:p>
+              </p:txBody>
+            </p:sp>
+          </p:grpSp>
+          <p:cxnSp>
+            <p:nvCxnSpPr>
+              <p:cNvPr id="55" name="直線單箭頭接點 54"/>
+              <p:cNvCxnSpPr/>
+              <p:nvPr/>
+            </p:nvCxnSpPr>
+            <p:spPr>
+              <a:xfrm>
+                <a:off x="3472027" y="1278504"/>
+                <a:ext cx="0" cy="155250"/>
+              </a:xfrm>
+              <a:prstGeom prst="straightConnector1">
+                <a:avLst/>
+              </a:prstGeom>
+              <a:ln>
+                <a:tailEnd type="triangle"/>
+              </a:ln>
+            </p:spPr>
+            <p:style>
+              <a:lnRef idx="1">
+                <a:schemeClr val="dk1"/>
+              </a:lnRef>
+              <a:fillRef idx="0">
+                <a:schemeClr val="dk1"/>
+              </a:fillRef>
+              <a:effectRef idx="0">
+                <a:schemeClr val="dk1"/>
+              </a:effectRef>
+              <a:fontRef idx="minor">
+                <a:schemeClr val="tx1"/>
+              </a:fontRef>
+            </p:style>
+          </p:cxnSp>
+          <p:sp>
+            <p:nvSpPr>
+              <p:cNvPr id="56" name="流程圖: 決策 55"/>
+              <p:cNvSpPr/>
+              <p:nvPr/>
+            </p:nvSpPr>
+            <p:spPr>
+              <a:xfrm>
+                <a:off x="3307975" y="1432903"/>
+                <a:ext cx="337500" cy="336665"/>
+              </a:xfrm>
+              <a:prstGeom prst="flowChartDecision">
+                <a:avLst/>
+              </a:prstGeom>
+              <a:noFill/>
+              <a:ln>
+                <a:solidFill>
+                  <a:schemeClr val="accent1">
+                    <a:lumMod val="60000"/>
+                    <a:lumOff val="40000"/>
+                  </a:schemeClr>
+                </a:solidFill>
+              </a:ln>
+            </p:spPr>
+            <p:style>
+              <a:lnRef idx="2">
+                <a:schemeClr val="accent1">
+                  <a:shade val="50000"/>
+                </a:schemeClr>
+              </a:lnRef>
+              <a:fillRef idx="1">
+                <a:schemeClr val="accent1"/>
+              </a:fillRef>
+              <a:effectRef idx="0">
+                <a:schemeClr val="accent1"/>
+              </a:effectRef>
+              <a:fontRef idx="minor">
+                <a:schemeClr val="lt1"/>
+              </a:fontRef>
+            </p:style>
+            <p:txBody>
+              <a:bodyPr rot="0" spcFirstLastPara="0" vertOverflow="overflow" horzOverflow="overflow" vert="horz" wrap="square" lIns="68580" tIns="34291" rIns="68580" bIns="34291" numCol="1" spcCol="0" rtlCol="0" fromWordArt="0" anchor="ctr" anchorCtr="0" forceAA="0" compatLnSpc="1">
+                <a:prstTxWarp prst="textNoShape">
+                  <a:avLst/>
+                </a:prstTxWarp>
+                <a:noAutofit/>
+              </a:bodyPr>
+              <a:lstStyle/>
+              <a:p>
+                <a:pPr algn="ctr"/>
+                <a:endParaRPr lang="en-US" sz="1351"/>
+              </a:p>
+            </p:txBody>
+          </p:sp>
+          <p:cxnSp>
+            <p:nvCxnSpPr>
+              <p:cNvPr id="57" name="直線單箭頭接點 56"/>
+              <p:cNvCxnSpPr>
+                <a:stCxn id="56" idx="3"/>
+                <a:endCxn id="60" idx="1"/>
+              </p:cNvCxnSpPr>
+              <p:nvPr/>
+            </p:nvCxnSpPr>
+            <p:spPr>
+              <a:xfrm flipV="1">
+                <a:off x="3645477" y="1601235"/>
+                <a:ext cx="623603" cy="1"/>
+              </a:xfrm>
+              <a:prstGeom prst="straightConnector1">
+                <a:avLst/>
+              </a:prstGeom>
+              <a:ln>
+                <a:tailEnd type="triangle"/>
+              </a:ln>
+            </p:spPr>
+            <p:style>
+              <a:lnRef idx="1">
+                <a:schemeClr val="dk1"/>
+              </a:lnRef>
+              <a:fillRef idx="0">
+                <a:schemeClr val="dk1"/>
+              </a:fillRef>
+              <a:effectRef idx="0">
+                <a:schemeClr val="dk1"/>
+              </a:effectRef>
+              <a:fontRef idx="minor">
+                <a:schemeClr val="tx1"/>
+              </a:fontRef>
+            </p:style>
+          </p:cxnSp>
+          <p:grpSp>
+            <p:nvGrpSpPr>
+              <p:cNvPr id="59" name="群組 58"/>
+              <p:cNvGrpSpPr/>
+              <p:nvPr/>
+            </p:nvGrpSpPr>
+            <p:grpSpPr>
+              <a:xfrm>
+                <a:off x="4269078" y="1466236"/>
+                <a:ext cx="1620000" cy="273625"/>
+                <a:chOff x="2326744" y="1110634"/>
+                <a:chExt cx="2486581" cy="463182"/>
+              </a:xfrm>
+            </p:grpSpPr>
+            <p:sp>
+              <p:nvSpPr>
+                <p:cNvPr id="60" name="圓角矩形 59"/>
+                <p:cNvSpPr/>
+                <p:nvPr/>
+              </p:nvSpPr>
+              <p:spPr>
+                <a:xfrm>
+                  <a:off x="2326744" y="1110634"/>
+                  <a:ext cx="2486581" cy="450524"/>
+                </a:xfrm>
+                <a:prstGeom prst="roundRect">
+                  <a:avLst/>
+                </a:prstGeom>
+                <a:noFill/>
+                <a:ln>
+                  <a:solidFill>
+                    <a:schemeClr val="accent1">
+                      <a:lumMod val="60000"/>
+                      <a:lumOff val="40000"/>
+                    </a:schemeClr>
+                  </a:solidFill>
+                </a:ln>
+              </p:spPr>
+              <p:style>
+                <a:lnRef idx="2">
+                  <a:schemeClr val="accent1">
+                    <a:shade val="50000"/>
+                  </a:schemeClr>
+                </a:lnRef>
+                <a:fillRef idx="1">
+                  <a:schemeClr val="accent1"/>
+                </a:fillRef>
+                <a:effectRef idx="0">
+                  <a:schemeClr val="accent1"/>
+                </a:effectRef>
+                <a:fontRef idx="minor">
+                  <a:schemeClr val="lt1"/>
+                </a:fontRef>
+              </p:style>
+              <p:txBody>
+                <a:bodyPr rot="0" spcFirstLastPara="0" vertOverflow="overflow" horzOverflow="overflow" vert="horz" wrap="square" lIns="68580" tIns="34291" rIns="68580" bIns="34291" numCol="1" spcCol="0" rtlCol="0" fromWordArt="0" anchor="ctr" anchorCtr="0" forceAA="0" compatLnSpc="1">
+                  <a:prstTxWarp prst="textNoShape">
+                    <a:avLst/>
+                  </a:prstTxWarp>
+                  <a:noAutofit/>
+                </a:bodyPr>
+                <a:lstStyle/>
+                <a:p>
+                  <a:pPr algn="ctr"/>
+                  <a:endParaRPr lang="en-US" sz="1200"/>
+                </a:p>
+              </p:txBody>
+            </p:sp>
+            <p:sp>
+              <p:nvSpPr>
+                <p:cNvPr id="61" name="矩形 60"/>
+                <p:cNvSpPr/>
+                <p:nvPr/>
+              </p:nvSpPr>
+              <p:spPr>
+                <a:xfrm>
+                  <a:off x="2407714" y="1143993"/>
+                  <a:ext cx="2338451" cy="429823"/>
+                </a:xfrm>
+                <a:prstGeom prst="rect">
+                  <a:avLst/>
+                </a:prstGeom>
+                <a:noFill/>
+                <a:ln>
+                  <a:noFill/>
+                </a:ln>
+              </p:spPr>
+              <p:txBody>
+                <a:bodyPr wrap="none" lIns="68580" tIns="34291" rIns="68580" bIns="34291">
+                  <a:spAutoFit/>
+                </a:bodyPr>
+                <a:lstStyle/>
+                <a:p>
+                  <a:pPr algn="ctr"/>
+                  <a:r>
+                    <a:rPr lang="zh-TW" altLang="en-US" sz="1200" dirty="0">
+                      <a:ln w="0"/>
+                      <a:solidFill>
+                        <a:schemeClr val="tx1">
+                          <a:lumMod val="75000"/>
+                          <a:lumOff val="25000"/>
+                        </a:schemeClr>
+                      </a:solidFill>
+                      <a:latin typeface="微軟正黑體" panose="020B0604030504040204" pitchFamily="34" charset="-120"/>
+                      <a:ea typeface="微軟正黑體" panose="020B0604030504040204" pitchFamily="34" charset="-120"/>
+                    </a:rPr>
+                    <a:t>事件觸發、條件修正</a:t>
+                  </a:r>
+                </a:p>
+              </p:txBody>
+            </p:sp>
+          </p:grpSp>
+          <p:cxnSp>
+            <p:nvCxnSpPr>
+              <p:cNvPr id="65" name="直線接點 64"/>
+              <p:cNvCxnSpPr>
+                <a:stCxn id="60" idx="3"/>
+              </p:cNvCxnSpPr>
+              <p:nvPr/>
+            </p:nvCxnSpPr>
+            <p:spPr>
+              <a:xfrm>
+                <a:off x="5889078" y="1601235"/>
+                <a:ext cx="574067" cy="6235"/>
+              </a:xfrm>
+              <a:prstGeom prst="line">
+                <a:avLst/>
+              </a:prstGeom>
+            </p:spPr>
+            <p:style>
+              <a:lnRef idx="1">
+                <a:schemeClr val="dk1"/>
+              </a:lnRef>
+              <a:fillRef idx="0">
+                <a:schemeClr val="dk1"/>
+              </a:fillRef>
+              <a:effectRef idx="0">
+                <a:schemeClr val="dk1"/>
+              </a:effectRef>
+              <a:fontRef idx="minor">
+                <a:schemeClr val="tx1"/>
+              </a:fontRef>
+            </p:style>
+          </p:cxnSp>
+          <p:cxnSp>
+            <p:nvCxnSpPr>
+              <p:cNvPr id="75" name="直線接點 74"/>
+              <p:cNvCxnSpPr/>
+              <p:nvPr/>
+            </p:nvCxnSpPr>
+            <p:spPr>
+              <a:xfrm>
+                <a:off x="3476727" y="1338730"/>
+                <a:ext cx="2986420" cy="6671"/>
+              </a:xfrm>
+              <a:prstGeom prst="line">
+                <a:avLst/>
+              </a:prstGeom>
+            </p:spPr>
+            <p:style>
+              <a:lnRef idx="1">
+                <a:schemeClr val="dk1"/>
+              </a:lnRef>
+              <a:fillRef idx="0">
+                <a:schemeClr val="dk1"/>
+              </a:fillRef>
+              <a:effectRef idx="0">
+                <a:schemeClr val="dk1"/>
+              </a:effectRef>
+              <a:fontRef idx="minor">
+                <a:schemeClr val="tx1"/>
+              </a:fontRef>
+            </p:style>
+          </p:cxnSp>
+          <p:cxnSp>
+            <p:nvCxnSpPr>
+              <p:cNvPr id="82" name="直線接點 81"/>
+              <p:cNvCxnSpPr/>
+              <p:nvPr/>
+            </p:nvCxnSpPr>
+            <p:spPr>
+              <a:xfrm flipV="1">
+                <a:off x="6463145" y="1345403"/>
+                <a:ext cx="0" cy="261457"/>
+              </a:xfrm>
+              <a:prstGeom prst="line">
+                <a:avLst/>
+              </a:prstGeom>
+            </p:spPr>
+            <p:style>
+              <a:lnRef idx="1">
+                <a:schemeClr val="dk1"/>
+              </a:lnRef>
+              <a:fillRef idx="0">
+                <a:schemeClr val="dk1"/>
+              </a:fillRef>
+              <a:effectRef idx="0">
+                <a:schemeClr val="dk1"/>
+              </a:effectRef>
+              <a:fontRef idx="minor">
+                <a:schemeClr val="tx1"/>
+              </a:fontRef>
+            </p:style>
+          </p:cxnSp>
+          <p:sp>
+            <p:nvSpPr>
+              <p:cNvPr id="96" name="矩形 95"/>
+              <p:cNvSpPr/>
+              <p:nvPr/>
+            </p:nvSpPr>
+            <p:spPr>
+              <a:xfrm>
+                <a:off x="2008073" y="1491442"/>
+                <a:ext cx="1350371" cy="230963"/>
+              </a:xfrm>
+              <a:prstGeom prst="rect">
+                <a:avLst/>
+              </a:prstGeom>
+              <a:noFill/>
+            </p:spPr>
+            <p:txBody>
+              <a:bodyPr wrap="none" lIns="68580" tIns="34291" rIns="68580" bIns="34291">
+                <a:spAutoFit/>
+              </a:bodyPr>
+              <a:lstStyle/>
+              <a:p>
+                <a:pPr algn="ctr"/>
+                <a:r>
+                  <a:rPr lang="zh-TW" altLang="en-US" sz="1051" dirty="0">
+                    <a:ln w="0"/>
+                    <a:latin typeface="微軟正黑體" panose="020B0604030504040204" pitchFamily="34" charset="-120"/>
+                    <a:ea typeface="微軟正黑體" panose="020B0604030504040204" pitchFamily="34" charset="-120"/>
+                  </a:rPr>
+                  <a:t>測試觸發方法及條件</a:t>
+                </a:r>
+              </a:p>
+            </p:txBody>
+          </p:sp>
+          <p:grpSp>
+            <p:nvGrpSpPr>
+              <p:cNvPr id="120" name="群組 119"/>
+              <p:cNvGrpSpPr/>
+              <p:nvPr/>
+            </p:nvGrpSpPr>
+            <p:grpSpPr>
+              <a:xfrm>
+                <a:off x="2683257" y="1763697"/>
+                <a:ext cx="1620000" cy="441688"/>
+                <a:chOff x="2557982" y="1995534"/>
+                <a:chExt cx="2160000" cy="588916"/>
+              </a:xfrm>
+            </p:grpSpPr>
+            <p:grpSp>
+              <p:nvGrpSpPr>
+                <p:cNvPr id="19" name="群組 18"/>
+                <p:cNvGrpSpPr/>
+                <p:nvPr/>
+              </p:nvGrpSpPr>
+              <p:grpSpPr>
+                <a:xfrm>
+                  <a:off x="2557982" y="2204651"/>
+                  <a:ext cx="2160000" cy="379799"/>
+                  <a:chOff x="2326744" y="1110634"/>
+                  <a:chExt cx="2486581" cy="475302"/>
+                </a:xfrm>
+              </p:grpSpPr>
+              <p:sp>
+                <p:nvSpPr>
+                  <p:cNvPr id="20" name="圓角矩形 19"/>
+                  <p:cNvSpPr/>
+                  <p:nvPr/>
+                </p:nvSpPr>
+                <p:spPr>
+                  <a:xfrm>
+                    <a:off x="2326744" y="1110634"/>
+                    <a:ext cx="2486581" cy="450524"/>
+                  </a:xfrm>
+                  <a:prstGeom prst="roundRect">
+                    <a:avLst/>
+                  </a:prstGeom>
+                  <a:noFill/>
+                  <a:ln>
+                    <a:solidFill>
+                      <a:schemeClr val="accent1">
+                        <a:lumMod val="60000"/>
+                        <a:lumOff val="40000"/>
+                      </a:schemeClr>
+                    </a:solidFill>
+                  </a:ln>
+                </p:spPr>
+                <p:style>
+                  <a:lnRef idx="2">
+                    <a:schemeClr val="accent1">
+                      <a:shade val="50000"/>
+                    </a:schemeClr>
+                  </a:lnRef>
+                  <a:fillRef idx="1">
+                    <a:schemeClr val="accent1"/>
+                  </a:fillRef>
+                  <a:effectRef idx="0">
+                    <a:schemeClr val="accent1"/>
+                  </a:effectRef>
+                  <a:fontRef idx="minor">
+                    <a:schemeClr val="lt1"/>
+                  </a:fontRef>
+                </p:style>
+                <p:txBody>
+                  <a:bodyPr rot="0" spcFirstLastPara="0" vertOverflow="overflow" horzOverflow="overflow" vert="horz" wrap="square" lIns="68580" tIns="34291" rIns="68580" bIns="34291" numCol="1" spcCol="0" rtlCol="0" fromWordArt="0" anchor="ctr" anchorCtr="0" forceAA="0" compatLnSpc="1">
+                    <a:prstTxWarp prst="textNoShape">
+                      <a:avLst/>
+                    </a:prstTxWarp>
+                    <a:noAutofit/>
+                  </a:bodyPr>
+                  <a:lstStyle/>
+                  <a:p>
+                    <a:pPr algn="ctr"/>
+                    <a:endParaRPr lang="en-US" sz="1351"/>
+                  </a:p>
+                </p:txBody>
+              </p:sp>
+              <p:sp>
+                <p:nvSpPr>
+                  <p:cNvPr id="21" name="矩形 20"/>
+                  <p:cNvSpPr/>
+                  <p:nvPr/>
+                </p:nvSpPr>
+                <p:spPr>
+                  <a:xfrm>
+                    <a:off x="2755124" y="1162247"/>
+                    <a:ext cx="1629831" cy="423689"/>
+                  </a:xfrm>
+                  <a:prstGeom prst="rect">
+                    <a:avLst/>
+                  </a:prstGeom>
+                  <a:noFill/>
+                </p:spPr>
+                <p:txBody>
+                  <a:bodyPr wrap="none" lIns="68580" tIns="34291" rIns="68580" bIns="34291">
+                    <a:spAutoFit/>
+                  </a:bodyPr>
+                  <a:lstStyle/>
+                  <a:p>
+                    <a:pPr algn="ctr"/>
+                    <a:r>
+                      <a:rPr lang="zh-TW" altLang="en-US" sz="1200" dirty="0">
+                        <a:ln w="0"/>
+                        <a:solidFill>
+                          <a:schemeClr val="tx1">
+                            <a:lumMod val="75000"/>
+                            <a:lumOff val="25000"/>
+                          </a:schemeClr>
+                        </a:solidFill>
+                        <a:latin typeface="微軟正黑體" panose="020B0604030504040204" pitchFamily="34" charset="-120"/>
+                        <a:ea typeface="微軟正黑體" panose="020B0604030504040204" pitchFamily="34" charset="-120"/>
+                      </a:rPr>
+                      <a:t>回覆資料格式</a:t>
+                    </a:r>
+                  </a:p>
+                </p:txBody>
+              </p:sp>
+            </p:grpSp>
+            <p:cxnSp>
+              <p:nvCxnSpPr>
+                <p:cNvPr id="107" name="直線單箭頭接點 106"/>
+                <p:cNvCxnSpPr/>
+                <p:nvPr/>
+              </p:nvCxnSpPr>
+              <p:spPr>
+                <a:xfrm>
+                  <a:off x="3612785" y="1995534"/>
+                  <a:ext cx="0" cy="207000"/>
+                </a:xfrm>
+                <a:prstGeom prst="straightConnector1">
+                  <a:avLst/>
+                </a:prstGeom>
+                <a:ln>
+                  <a:tailEnd type="triangle"/>
+                </a:ln>
+              </p:spPr>
+              <p:style>
+                <a:lnRef idx="1">
+                  <a:schemeClr val="dk1"/>
+                </a:lnRef>
+                <a:fillRef idx="0">
+                  <a:schemeClr val="dk1"/>
+                </a:fillRef>
+                <a:effectRef idx="0">
+                  <a:schemeClr val="dk1"/>
+                </a:effectRef>
+                <a:fontRef idx="minor">
+                  <a:schemeClr val="tx1"/>
+                </a:fontRef>
+              </p:style>
+            </p:cxnSp>
+          </p:grpSp>
+          <p:grpSp>
+            <p:nvGrpSpPr>
+              <p:cNvPr id="117" name="群組 116"/>
+              <p:cNvGrpSpPr/>
+              <p:nvPr/>
+            </p:nvGrpSpPr>
+            <p:grpSpPr>
+              <a:xfrm>
+                <a:off x="3314700" y="2190461"/>
+                <a:ext cx="3155170" cy="484064"/>
+                <a:chOff x="3384719" y="2574033"/>
+                <a:chExt cx="4206893" cy="645419"/>
+              </a:xfrm>
+            </p:grpSpPr>
+            <p:cxnSp>
+              <p:nvCxnSpPr>
+                <p:cNvPr id="108" name="直線單箭頭接點 107"/>
+                <p:cNvCxnSpPr/>
+                <p:nvPr/>
+              </p:nvCxnSpPr>
+              <p:spPr>
+                <a:xfrm>
+                  <a:off x="3603455" y="2574033"/>
+                  <a:ext cx="0" cy="207000"/>
+                </a:xfrm>
+                <a:prstGeom prst="straightConnector1">
+                  <a:avLst/>
+                </a:prstGeom>
+                <a:ln>
+                  <a:tailEnd type="triangle"/>
+                </a:ln>
+              </p:spPr>
+              <p:style>
+                <a:lnRef idx="1">
+                  <a:schemeClr val="dk1"/>
+                </a:lnRef>
+                <a:fillRef idx="0">
+                  <a:schemeClr val="dk1"/>
+                </a:fillRef>
+                <a:effectRef idx="0">
+                  <a:schemeClr val="dk1"/>
+                </a:effectRef>
+                <a:fontRef idx="minor">
+                  <a:schemeClr val="tx1"/>
+                </a:fontRef>
+              </p:style>
+            </p:cxnSp>
+            <p:sp>
+              <p:nvSpPr>
+                <p:cNvPr id="109" name="流程圖: 決策 108"/>
+                <p:cNvSpPr/>
+                <p:nvPr/>
+              </p:nvSpPr>
+              <p:spPr>
+                <a:xfrm>
+                  <a:off x="3384719" y="2770565"/>
+                  <a:ext cx="450000" cy="448887"/>
+                </a:xfrm>
+                <a:prstGeom prst="flowChartDecision">
+                  <a:avLst/>
+                </a:prstGeom>
+                <a:noFill/>
+                <a:ln>
+                  <a:solidFill>
+                    <a:schemeClr val="accent1">
+                      <a:lumMod val="60000"/>
+                      <a:lumOff val="40000"/>
+                    </a:schemeClr>
+                  </a:solidFill>
+                </a:ln>
+              </p:spPr>
+              <p:style>
+                <a:lnRef idx="2">
+                  <a:schemeClr val="accent1">
+                    <a:shade val="50000"/>
+                  </a:schemeClr>
+                </a:lnRef>
+                <a:fillRef idx="1">
+                  <a:schemeClr val="accent1"/>
+                </a:fillRef>
+                <a:effectRef idx="0">
+                  <a:schemeClr val="accent1"/>
+                </a:effectRef>
+                <a:fontRef idx="minor">
+                  <a:schemeClr val="lt1"/>
+                </a:fontRef>
+              </p:style>
+              <p:txBody>
+                <a:bodyPr rot="0" spcFirstLastPara="0" vertOverflow="overflow" horzOverflow="overflow" vert="horz" wrap="square" lIns="68580" tIns="34291" rIns="68580" bIns="34291" numCol="1" spcCol="0" rtlCol="0" fromWordArt="0" anchor="ctr" anchorCtr="0" forceAA="0" compatLnSpc="1">
+                  <a:prstTxWarp prst="textNoShape">
+                    <a:avLst/>
+                  </a:prstTxWarp>
+                  <a:noAutofit/>
+                </a:bodyPr>
+                <a:lstStyle/>
+                <a:p>
+                  <a:pPr algn="ctr"/>
+                  <a:endParaRPr lang="en-US" sz="1351"/>
+                </a:p>
+              </p:txBody>
+            </p:sp>
+            <p:cxnSp>
+              <p:nvCxnSpPr>
+                <p:cNvPr id="110" name="直線單箭頭接點 109"/>
+                <p:cNvCxnSpPr>
+                  <a:stCxn id="109" idx="3"/>
+                  <a:endCxn id="112" idx="1"/>
+                </p:cNvCxnSpPr>
+                <p:nvPr/>
+              </p:nvCxnSpPr>
+              <p:spPr>
+                <a:xfrm flipV="1">
+                  <a:off x="3834719" y="2995008"/>
+                  <a:ext cx="831471" cy="1"/>
+                </a:xfrm>
+                <a:prstGeom prst="straightConnector1">
+                  <a:avLst/>
+                </a:prstGeom>
+                <a:ln>
+                  <a:tailEnd type="triangle"/>
+                </a:ln>
+              </p:spPr>
+              <p:style>
+                <a:lnRef idx="1">
+                  <a:schemeClr val="dk1"/>
+                </a:lnRef>
+                <a:fillRef idx="0">
+                  <a:schemeClr val="dk1"/>
+                </a:fillRef>
+                <a:effectRef idx="0">
+                  <a:schemeClr val="dk1"/>
+                </a:effectRef>
+                <a:fontRef idx="minor">
+                  <a:schemeClr val="tx1"/>
+                </a:fontRef>
+              </p:style>
+            </p:cxnSp>
+            <p:grpSp>
+              <p:nvGrpSpPr>
+                <p:cNvPr id="111" name="群組 110"/>
+                <p:cNvGrpSpPr/>
+                <p:nvPr/>
+              </p:nvGrpSpPr>
+              <p:grpSpPr>
+                <a:xfrm>
+                  <a:off x="4666190" y="2815010"/>
+                  <a:ext cx="2160000" cy="365209"/>
+                  <a:chOff x="2326744" y="1110634"/>
+                  <a:chExt cx="2486581" cy="457042"/>
+                </a:xfrm>
+              </p:grpSpPr>
+              <p:sp>
+                <p:nvSpPr>
+                  <p:cNvPr id="112" name="圓角矩形 111"/>
+                  <p:cNvSpPr/>
+                  <p:nvPr/>
+                </p:nvSpPr>
+                <p:spPr>
+                  <a:xfrm>
+                    <a:off x="2326744" y="1110634"/>
+                    <a:ext cx="2486581" cy="450524"/>
+                  </a:xfrm>
+                  <a:prstGeom prst="roundRect">
+                    <a:avLst/>
+                  </a:prstGeom>
+                  <a:noFill/>
+                  <a:ln>
+                    <a:solidFill>
+                      <a:schemeClr val="accent1">
+                        <a:lumMod val="60000"/>
+                        <a:lumOff val="40000"/>
+                      </a:schemeClr>
+                    </a:solidFill>
+                  </a:ln>
+                </p:spPr>
+                <p:style>
+                  <a:lnRef idx="2">
+                    <a:schemeClr val="accent1">
+                      <a:shade val="50000"/>
+                    </a:schemeClr>
+                  </a:lnRef>
+                  <a:fillRef idx="1">
+                    <a:schemeClr val="accent1"/>
+                  </a:fillRef>
+                  <a:effectRef idx="0">
+                    <a:schemeClr val="accent1"/>
+                  </a:effectRef>
+                  <a:fontRef idx="minor">
+                    <a:schemeClr val="lt1"/>
+                  </a:fontRef>
+                </p:style>
+                <p:txBody>
+                  <a:bodyPr rot="0" spcFirstLastPara="0" vertOverflow="overflow" horzOverflow="overflow" vert="horz" wrap="square" lIns="68580" tIns="34291" rIns="68580" bIns="34291" numCol="1" spcCol="0" rtlCol="0" fromWordArt="0" anchor="ctr" anchorCtr="0" forceAA="0" compatLnSpc="1">
+                    <a:prstTxWarp prst="textNoShape">
+                      <a:avLst/>
+                    </a:prstTxWarp>
+                    <a:noAutofit/>
+                  </a:bodyPr>
+                  <a:lstStyle/>
+                  <a:p>
+                    <a:pPr algn="ctr"/>
+                    <a:endParaRPr lang="en-US" sz="1200"/>
+                  </a:p>
+                </p:txBody>
+              </p:sp>
+              <p:sp>
+                <p:nvSpPr>
+                  <p:cNvPr id="113" name="矩形 112"/>
+                  <p:cNvSpPr/>
+                  <p:nvPr/>
+                </p:nvSpPr>
+                <p:spPr>
+                  <a:xfrm>
+                    <a:off x="2762032" y="1143988"/>
+                    <a:ext cx="1629831" cy="423688"/>
+                  </a:xfrm>
+                  <a:prstGeom prst="rect">
+                    <a:avLst/>
+                  </a:prstGeom>
+                  <a:noFill/>
+                  <a:ln>
+                    <a:noFill/>
+                  </a:ln>
+                </p:spPr>
+                <p:txBody>
+                  <a:bodyPr wrap="none" lIns="68580" tIns="34291" rIns="68580" bIns="34291">
+                    <a:spAutoFit/>
+                  </a:bodyPr>
+                  <a:lstStyle/>
+                  <a:p>
+                    <a:pPr algn="ctr"/>
+                    <a:r>
+                      <a:rPr lang="zh-TW" altLang="en-US" sz="1200" dirty="0">
+                        <a:ln w="0"/>
+                        <a:solidFill>
+                          <a:schemeClr val="tx1">
+                            <a:lumMod val="75000"/>
+                            <a:lumOff val="25000"/>
+                          </a:schemeClr>
+                        </a:solidFill>
+                        <a:latin typeface="微軟正黑體" panose="020B0604030504040204" pitchFamily="34" charset="-120"/>
+                        <a:ea typeface="微軟正黑體" panose="020B0604030504040204" pitchFamily="34" charset="-120"/>
+                      </a:rPr>
+                      <a:t>修正、模組化</a:t>
+                    </a:r>
+                  </a:p>
+                </p:txBody>
+              </p:sp>
+            </p:grpSp>
+            <p:cxnSp>
+              <p:nvCxnSpPr>
+                <p:cNvPr id="114" name="直線接點 113"/>
+                <p:cNvCxnSpPr>
+                  <a:stCxn id="112" idx="3"/>
+                </p:cNvCxnSpPr>
+                <p:nvPr/>
+              </p:nvCxnSpPr>
+              <p:spPr>
+                <a:xfrm>
+                  <a:off x="6826190" y="2995008"/>
+                  <a:ext cx="765422" cy="8313"/>
+                </a:xfrm>
+                <a:prstGeom prst="line">
+                  <a:avLst/>
+                </a:prstGeom>
+              </p:spPr>
+              <p:style>
+                <a:lnRef idx="1">
+                  <a:schemeClr val="dk1"/>
+                </a:lnRef>
+                <a:fillRef idx="0">
+                  <a:schemeClr val="dk1"/>
+                </a:fillRef>
+                <a:effectRef idx="0">
+                  <a:schemeClr val="dk1"/>
+                </a:effectRef>
+                <a:fontRef idx="minor">
+                  <a:schemeClr val="tx1"/>
+                </a:fontRef>
+              </p:style>
+            </p:cxnSp>
+            <p:cxnSp>
+              <p:nvCxnSpPr>
+                <p:cNvPr id="115" name="直線接點 114"/>
+                <p:cNvCxnSpPr/>
+                <p:nvPr/>
+              </p:nvCxnSpPr>
+              <p:spPr>
+                <a:xfrm>
+                  <a:off x="3609719" y="2645003"/>
+                  <a:ext cx="3981893" cy="8894"/>
+                </a:xfrm>
+                <a:prstGeom prst="line">
+                  <a:avLst/>
+                </a:prstGeom>
+              </p:spPr>
+              <p:style>
+                <a:lnRef idx="1">
+                  <a:schemeClr val="dk1"/>
+                </a:lnRef>
+                <a:fillRef idx="0">
+                  <a:schemeClr val="dk1"/>
+                </a:fillRef>
+                <a:effectRef idx="0">
+                  <a:schemeClr val="dk1"/>
+                </a:effectRef>
+                <a:fontRef idx="minor">
+                  <a:schemeClr val="tx1"/>
+                </a:fontRef>
+              </p:style>
+            </p:cxnSp>
+            <p:cxnSp>
+              <p:nvCxnSpPr>
+                <p:cNvPr id="116" name="直線接點 115"/>
+                <p:cNvCxnSpPr/>
+                <p:nvPr/>
+              </p:nvCxnSpPr>
+              <p:spPr>
+                <a:xfrm flipV="1">
+                  <a:off x="7591612" y="2653898"/>
+                  <a:ext cx="0" cy="348609"/>
+                </a:xfrm>
+                <a:prstGeom prst="line">
+                  <a:avLst/>
+                </a:prstGeom>
+              </p:spPr>
+              <p:style>
+                <a:lnRef idx="1">
+                  <a:schemeClr val="dk1"/>
+                </a:lnRef>
+                <a:fillRef idx="0">
+                  <a:schemeClr val="dk1"/>
+                </a:fillRef>
+                <a:effectRef idx="0">
+                  <a:schemeClr val="dk1"/>
+                </a:effectRef>
+                <a:fontRef idx="minor">
+                  <a:schemeClr val="tx1"/>
+                </a:fontRef>
+              </p:style>
+            </p:cxnSp>
+          </p:grpSp>
+          <p:sp>
+            <p:nvSpPr>
+              <p:cNvPr id="119" name="矩形 118"/>
+              <p:cNvSpPr/>
+              <p:nvPr/>
+            </p:nvSpPr>
+            <p:spPr>
+              <a:xfrm>
+                <a:off x="2155288" y="2388796"/>
+                <a:ext cx="1159613" cy="230963"/>
+              </a:xfrm>
+              <a:prstGeom prst="rect">
+                <a:avLst/>
+              </a:prstGeom>
+              <a:noFill/>
+              <a:ln>
+                <a:noFill/>
+              </a:ln>
+            </p:spPr>
+            <p:txBody>
+              <a:bodyPr wrap="none" lIns="68580" tIns="34291" rIns="68580" bIns="34291">
+                <a:spAutoFit/>
+              </a:bodyPr>
+              <a:lstStyle/>
+              <a:p>
+                <a:pPr algn="ctr"/>
+                <a:r>
+                  <a:rPr lang="zh-TW" altLang="en-US" sz="1051" dirty="0">
+                    <a:ln w="0"/>
+                    <a:solidFill>
+                      <a:schemeClr val="tx1">
+                        <a:lumMod val="75000"/>
+                        <a:lumOff val="25000"/>
+                      </a:schemeClr>
+                    </a:solidFill>
+                    <a:latin typeface="微軟正黑體" panose="020B0604030504040204" pitchFamily="34" charset="-120"/>
+                    <a:ea typeface="微軟正黑體" panose="020B0604030504040204" pitchFamily="34" charset="-120"/>
+                  </a:rPr>
+                  <a:t>測試官方釋出</a:t>
+                </a:r>
+                <a:r>
+                  <a:rPr lang="en-US" altLang="zh-TW" sz="1051" dirty="0">
+                    <a:ln w="0"/>
+                    <a:solidFill>
+                      <a:schemeClr val="tx1">
+                        <a:lumMod val="75000"/>
+                        <a:lumOff val="25000"/>
+                      </a:schemeClr>
+                    </a:solidFill>
+                    <a:latin typeface="微軟正黑體" panose="020B0604030504040204" pitchFamily="34" charset="-120"/>
+                    <a:ea typeface="微軟正黑體" panose="020B0604030504040204" pitchFamily="34" charset="-120"/>
+                  </a:rPr>
+                  <a:t>API</a:t>
+                </a:r>
+                <a:endParaRPr lang="zh-TW" altLang="en-US" sz="1051" dirty="0">
+                  <a:ln w="0"/>
+                  <a:solidFill>
+                    <a:schemeClr val="tx1">
+                      <a:lumMod val="75000"/>
+                      <a:lumOff val="25000"/>
+                    </a:schemeClr>
+                  </a:solidFill>
+                  <a:latin typeface="微軟正黑體" panose="020B0604030504040204" pitchFamily="34" charset="-120"/>
+                  <a:ea typeface="微軟正黑體" panose="020B0604030504040204" pitchFamily="34" charset="-120"/>
+                </a:endParaRPr>
+              </a:p>
+            </p:txBody>
+          </p:sp>
+          <p:grpSp>
+            <p:nvGrpSpPr>
+              <p:cNvPr id="121" name="群組 120"/>
+              <p:cNvGrpSpPr/>
+              <p:nvPr/>
+            </p:nvGrpSpPr>
+            <p:grpSpPr>
+              <a:xfrm>
+                <a:off x="2691605" y="2676112"/>
+                <a:ext cx="1620000" cy="448220"/>
+                <a:chOff x="2557982" y="1995534"/>
+                <a:chExt cx="2160000" cy="577537"/>
+              </a:xfrm>
+            </p:grpSpPr>
+            <p:grpSp>
+              <p:nvGrpSpPr>
+                <p:cNvPr id="122" name="群組 121"/>
+                <p:cNvGrpSpPr/>
+                <p:nvPr/>
+              </p:nvGrpSpPr>
+              <p:grpSpPr>
+                <a:xfrm>
+                  <a:off x="2557982" y="2204652"/>
+                  <a:ext cx="2160000" cy="368419"/>
+                  <a:chOff x="2326744" y="1110634"/>
+                  <a:chExt cx="2486581" cy="461060"/>
+                </a:xfrm>
+              </p:grpSpPr>
+              <p:sp>
+                <p:nvSpPr>
+                  <p:cNvPr id="124" name="圓角矩形 123"/>
+                  <p:cNvSpPr/>
+                  <p:nvPr/>
+                </p:nvSpPr>
+                <p:spPr>
+                  <a:xfrm>
+                    <a:off x="2326744" y="1110634"/>
+                    <a:ext cx="2486581" cy="450524"/>
+                  </a:xfrm>
+                  <a:prstGeom prst="roundRect">
+                    <a:avLst/>
+                  </a:prstGeom>
+                  <a:noFill/>
+                  <a:ln>
+                    <a:solidFill>
+                      <a:schemeClr val="accent1">
+                        <a:lumMod val="60000"/>
+                        <a:lumOff val="40000"/>
+                      </a:schemeClr>
+                    </a:solidFill>
+                  </a:ln>
+                </p:spPr>
+                <p:style>
+                  <a:lnRef idx="2">
+                    <a:schemeClr val="accent1">
+                      <a:shade val="50000"/>
+                    </a:schemeClr>
+                  </a:lnRef>
+                  <a:fillRef idx="1">
+                    <a:schemeClr val="accent1"/>
+                  </a:fillRef>
+                  <a:effectRef idx="0">
+                    <a:schemeClr val="accent1"/>
+                  </a:effectRef>
+                  <a:fontRef idx="minor">
+                    <a:schemeClr val="lt1"/>
+                  </a:fontRef>
+                </p:style>
+                <p:txBody>
+                  <a:bodyPr rot="0" spcFirstLastPara="0" vertOverflow="overflow" horzOverflow="overflow" vert="horz" wrap="square" lIns="68580" tIns="34291" rIns="68580" bIns="34291" numCol="1" spcCol="0" rtlCol="0" fromWordArt="0" anchor="ctr" anchorCtr="0" forceAA="0" compatLnSpc="1">
+                    <a:prstTxWarp prst="textNoShape">
+                      <a:avLst/>
+                    </a:prstTxWarp>
+                    <a:noAutofit/>
+                  </a:bodyPr>
+                  <a:lstStyle/>
+                  <a:p>
+                    <a:pPr algn="ctr"/>
+                    <a:endParaRPr lang="en-US" sz="1351"/>
+                  </a:p>
+                </p:txBody>
+              </p:sp>
+              <p:sp>
+                <p:nvSpPr>
+                  <p:cNvPr id="125" name="矩形 124"/>
+                  <p:cNvSpPr/>
+                  <p:nvPr/>
+                </p:nvSpPr>
+                <p:spPr>
+                  <a:xfrm>
+                    <a:off x="2991330" y="1162247"/>
+                    <a:ext cx="1157416" cy="409447"/>
+                  </a:xfrm>
+                  <a:prstGeom prst="rect">
+                    <a:avLst/>
+                  </a:prstGeom>
+                  <a:noFill/>
+                </p:spPr>
+                <p:txBody>
+                  <a:bodyPr wrap="none" lIns="68580" tIns="34291" rIns="68580" bIns="34291">
+                    <a:spAutoFit/>
+                  </a:bodyPr>
+                  <a:lstStyle/>
+                  <a:p>
+                    <a:pPr algn="ctr"/>
+                    <a:r>
+                      <a:rPr lang="zh-TW" altLang="en-US" sz="1200" dirty="0">
+                        <a:ln w="0"/>
+                        <a:solidFill>
+                          <a:schemeClr val="tx1">
+                            <a:lumMod val="75000"/>
+                            <a:lumOff val="25000"/>
+                          </a:schemeClr>
+                        </a:solidFill>
+                        <a:latin typeface="微軟正黑體" panose="020B0604030504040204" pitchFamily="34" charset="-120"/>
+                        <a:ea typeface="微軟正黑體" panose="020B0604030504040204" pitchFamily="34" charset="-120"/>
+                      </a:rPr>
+                      <a:t>收藏功能</a:t>
+                    </a:r>
+                  </a:p>
+                </p:txBody>
+              </p:sp>
+            </p:grpSp>
+            <p:cxnSp>
+              <p:nvCxnSpPr>
+                <p:cNvPr id="123" name="直線單箭頭接點 122"/>
+                <p:cNvCxnSpPr/>
+                <p:nvPr/>
+              </p:nvCxnSpPr>
+              <p:spPr>
+                <a:xfrm>
+                  <a:off x="3612785" y="1995534"/>
+                  <a:ext cx="0" cy="207000"/>
+                </a:xfrm>
+                <a:prstGeom prst="straightConnector1">
+                  <a:avLst/>
+                </a:prstGeom>
+                <a:ln>
+                  <a:tailEnd type="triangle"/>
+                </a:ln>
+              </p:spPr>
+              <p:style>
+                <a:lnRef idx="1">
+                  <a:schemeClr val="dk1"/>
+                </a:lnRef>
+                <a:fillRef idx="0">
+                  <a:schemeClr val="dk1"/>
+                </a:fillRef>
+                <a:effectRef idx="0">
+                  <a:schemeClr val="dk1"/>
+                </a:effectRef>
+                <a:fontRef idx="minor">
+                  <a:schemeClr val="tx1"/>
+                </a:fontRef>
+              </p:style>
+            </p:cxnSp>
+          </p:grpSp>
+          <p:grpSp>
+            <p:nvGrpSpPr>
+              <p:cNvPr id="126" name="群組 125"/>
+              <p:cNvGrpSpPr/>
+              <p:nvPr/>
+            </p:nvGrpSpPr>
+            <p:grpSpPr>
+              <a:xfrm>
+                <a:off x="2691605" y="3117802"/>
+                <a:ext cx="1620000" cy="448220"/>
+                <a:chOff x="2557982" y="1995534"/>
+                <a:chExt cx="2160000" cy="577537"/>
+              </a:xfrm>
+            </p:grpSpPr>
+            <p:grpSp>
+              <p:nvGrpSpPr>
+                <p:cNvPr id="127" name="群組 126"/>
+                <p:cNvGrpSpPr/>
+                <p:nvPr/>
+              </p:nvGrpSpPr>
+              <p:grpSpPr>
+                <a:xfrm>
+                  <a:off x="2557982" y="2204652"/>
+                  <a:ext cx="2160000" cy="368419"/>
+                  <a:chOff x="2326744" y="1110634"/>
+                  <a:chExt cx="2486581" cy="461060"/>
+                </a:xfrm>
+              </p:grpSpPr>
+              <p:sp>
+                <p:nvSpPr>
+                  <p:cNvPr id="129" name="圓角矩形 128"/>
+                  <p:cNvSpPr/>
+                  <p:nvPr/>
+                </p:nvSpPr>
+                <p:spPr>
+                  <a:xfrm>
+                    <a:off x="2326744" y="1110634"/>
+                    <a:ext cx="2486581" cy="450524"/>
+                  </a:xfrm>
+                  <a:prstGeom prst="roundRect">
+                    <a:avLst/>
+                  </a:prstGeom>
+                  <a:noFill/>
+                  <a:ln>
+                    <a:solidFill>
+                      <a:schemeClr val="accent1">
+                        <a:lumMod val="60000"/>
+                        <a:lumOff val="40000"/>
+                      </a:schemeClr>
+                    </a:solidFill>
+                  </a:ln>
+                </p:spPr>
+                <p:style>
+                  <a:lnRef idx="2">
+                    <a:schemeClr val="accent1">
+                      <a:shade val="50000"/>
+                    </a:schemeClr>
+                  </a:lnRef>
+                  <a:fillRef idx="1">
+                    <a:schemeClr val="accent1"/>
+                  </a:fillRef>
+                  <a:effectRef idx="0">
+                    <a:schemeClr val="accent1"/>
+                  </a:effectRef>
+                  <a:fontRef idx="minor">
+                    <a:schemeClr val="lt1"/>
+                  </a:fontRef>
+                </p:style>
+                <p:txBody>
+                  <a:bodyPr rot="0" spcFirstLastPara="0" vertOverflow="overflow" horzOverflow="overflow" vert="horz" wrap="square" lIns="68580" tIns="34291" rIns="68580" bIns="34291" numCol="1" spcCol="0" rtlCol="0" fromWordArt="0" anchor="ctr" anchorCtr="0" forceAA="0" compatLnSpc="1">
+                    <a:prstTxWarp prst="textNoShape">
+                      <a:avLst/>
+                    </a:prstTxWarp>
+                    <a:noAutofit/>
+                  </a:bodyPr>
+                  <a:lstStyle/>
+                  <a:p>
+                    <a:pPr algn="ctr"/>
+                    <a:endParaRPr lang="en-US" sz="1351"/>
+                  </a:p>
+                </p:txBody>
+              </p:sp>
+              <p:sp>
+                <p:nvSpPr>
+                  <p:cNvPr id="130" name="矩形 129"/>
+                  <p:cNvSpPr/>
+                  <p:nvPr/>
+                </p:nvSpPr>
+                <p:spPr>
+                  <a:xfrm>
+                    <a:off x="2991330" y="1162247"/>
+                    <a:ext cx="1157416" cy="409447"/>
+                  </a:xfrm>
+                  <a:prstGeom prst="rect">
+                    <a:avLst/>
+                  </a:prstGeom>
+                  <a:noFill/>
+                </p:spPr>
+                <p:txBody>
+                  <a:bodyPr wrap="none" lIns="68580" tIns="34291" rIns="68580" bIns="34291">
+                    <a:spAutoFit/>
+                  </a:bodyPr>
+                  <a:lstStyle/>
+                  <a:p>
+                    <a:pPr algn="ctr"/>
+                    <a:r>
+                      <a:rPr lang="zh-TW" altLang="en-US" sz="1200" dirty="0">
+                        <a:ln w="0"/>
+                        <a:solidFill>
+                          <a:schemeClr val="tx1">
+                            <a:lumMod val="75000"/>
+                            <a:lumOff val="25000"/>
+                          </a:schemeClr>
+                        </a:solidFill>
+                        <a:latin typeface="微軟正黑體" panose="020B0604030504040204" pitchFamily="34" charset="-120"/>
+                        <a:ea typeface="微軟正黑體" panose="020B0604030504040204" pitchFamily="34" charset="-120"/>
+                      </a:rPr>
+                      <a:t>推薦功能</a:t>
+                    </a:r>
+                  </a:p>
+                </p:txBody>
+              </p:sp>
+            </p:grpSp>
+            <p:cxnSp>
+              <p:nvCxnSpPr>
+                <p:cNvPr id="128" name="直線單箭頭接點 127"/>
+                <p:cNvCxnSpPr/>
+                <p:nvPr/>
+              </p:nvCxnSpPr>
+              <p:spPr>
+                <a:xfrm>
+                  <a:off x="3612785" y="1995534"/>
+                  <a:ext cx="0" cy="207000"/>
+                </a:xfrm>
+                <a:prstGeom prst="straightConnector1">
+                  <a:avLst/>
+                </a:prstGeom>
+                <a:ln>
+                  <a:tailEnd type="triangle"/>
+                </a:ln>
+              </p:spPr>
+              <p:style>
+                <a:lnRef idx="1">
+                  <a:schemeClr val="dk1"/>
+                </a:lnRef>
+                <a:fillRef idx="0">
+                  <a:schemeClr val="dk1"/>
+                </a:fillRef>
+                <a:effectRef idx="0">
+                  <a:schemeClr val="dk1"/>
+                </a:effectRef>
+                <a:fontRef idx="minor">
+                  <a:schemeClr val="tx1"/>
+                </a:fontRef>
+              </p:style>
+            </p:cxnSp>
+          </p:grpSp>
+          <p:grpSp>
+            <p:nvGrpSpPr>
+              <p:cNvPr id="131" name="群組 130"/>
+              <p:cNvGrpSpPr/>
+              <p:nvPr/>
+            </p:nvGrpSpPr>
+            <p:grpSpPr>
+              <a:xfrm>
+                <a:off x="3314700" y="3559489"/>
+                <a:ext cx="3155170" cy="484064"/>
+                <a:chOff x="3384719" y="2574033"/>
+                <a:chExt cx="4206893" cy="645419"/>
+              </a:xfrm>
+            </p:grpSpPr>
+            <p:cxnSp>
+              <p:nvCxnSpPr>
+                <p:cNvPr id="132" name="直線單箭頭接點 131"/>
+                <p:cNvCxnSpPr/>
+                <p:nvPr/>
+              </p:nvCxnSpPr>
+              <p:spPr>
+                <a:xfrm>
+                  <a:off x="3603455" y="2574033"/>
+                  <a:ext cx="0" cy="207000"/>
+                </a:xfrm>
+                <a:prstGeom prst="straightConnector1">
+                  <a:avLst/>
+                </a:prstGeom>
+                <a:ln>
+                  <a:tailEnd type="triangle"/>
+                </a:ln>
+              </p:spPr>
+              <p:style>
+                <a:lnRef idx="1">
+                  <a:schemeClr val="dk1"/>
+                </a:lnRef>
+                <a:fillRef idx="0">
+                  <a:schemeClr val="dk1"/>
+                </a:fillRef>
+                <a:effectRef idx="0">
+                  <a:schemeClr val="dk1"/>
+                </a:effectRef>
+                <a:fontRef idx="minor">
+                  <a:schemeClr val="tx1"/>
+                </a:fontRef>
+              </p:style>
+            </p:cxnSp>
+            <p:sp>
+              <p:nvSpPr>
+                <p:cNvPr id="133" name="流程圖: 決策 132"/>
+                <p:cNvSpPr/>
+                <p:nvPr/>
+              </p:nvSpPr>
+              <p:spPr>
+                <a:xfrm>
+                  <a:off x="3384719" y="2770565"/>
+                  <a:ext cx="450000" cy="448887"/>
+                </a:xfrm>
+                <a:prstGeom prst="flowChartDecision">
+                  <a:avLst/>
+                </a:prstGeom>
+                <a:noFill/>
+                <a:ln>
+                  <a:solidFill>
+                    <a:schemeClr val="accent1">
+                      <a:lumMod val="60000"/>
+                      <a:lumOff val="40000"/>
+                    </a:schemeClr>
+                  </a:solidFill>
+                </a:ln>
+              </p:spPr>
+              <p:style>
+                <a:lnRef idx="2">
+                  <a:schemeClr val="accent1">
+                    <a:shade val="50000"/>
+                  </a:schemeClr>
+                </a:lnRef>
+                <a:fillRef idx="1">
+                  <a:schemeClr val="accent1"/>
+                </a:fillRef>
+                <a:effectRef idx="0">
+                  <a:schemeClr val="accent1"/>
+                </a:effectRef>
+                <a:fontRef idx="minor">
+                  <a:schemeClr val="lt1"/>
+                </a:fontRef>
+              </p:style>
+              <p:txBody>
+                <a:bodyPr rot="0" spcFirstLastPara="0" vertOverflow="overflow" horzOverflow="overflow" vert="horz" wrap="square" lIns="68580" tIns="34291" rIns="68580" bIns="34291" numCol="1" spcCol="0" rtlCol="0" fromWordArt="0" anchor="ctr" anchorCtr="0" forceAA="0" compatLnSpc="1">
+                  <a:prstTxWarp prst="textNoShape">
+                    <a:avLst/>
+                  </a:prstTxWarp>
+                  <a:noAutofit/>
+                </a:bodyPr>
+                <a:lstStyle/>
+                <a:p>
+                  <a:pPr algn="ctr"/>
+                  <a:endParaRPr lang="en-US" sz="1351"/>
+                </a:p>
+              </p:txBody>
+            </p:sp>
+            <p:cxnSp>
+              <p:nvCxnSpPr>
+                <p:cNvPr id="134" name="直線單箭頭接點 133"/>
+                <p:cNvCxnSpPr>
+                  <a:stCxn id="133" idx="3"/>
+                  <a:endCxn id="139" idx="1"/>
+                </p:cNvCxnSpPr>
+                <p:nvPr/>
+              </p:nvCxnSpPr>
+              <p:spPr>
+                <a:xfrm flipV="1">
+                  <a:off x="3834719" y="2995008"/>
+                  <a:ext cx="831471" cy="1"/>
+                </a:xfrm>
+                <a:prstGeom prst="straightConnector1">
+                  <a:avLst/>
+                </a:prstGeom>
+                <a:ln>
+                  <a:tailEnd type="triangle"/>
+                </a:ln>
+              </p:spPr>
+              <p:style>
+                <a:lnRef idx="1">
+                  <a:schemeClr val="dk1"/>
+                </a:lnRef>
+                <a:fillRef idx="0">
+                  <a:schemeClr val="dk1"/>
+                </a:fillRef>
+                <a:effectRef idx="0">
+                  <a:schemeClr val="dk1"/>
+                </a:effectRef>
+                <a:fontRef idx="minor">
+                  <a:schemeClr val="tx1"/>
+                </a:fontRef>
+              </p:style>
+            </p:cxnSp>
+            <p:grpSp>
+              <p:nvGrpSpPr>
+                <p:cNvPr id="135" name="群組 134"/>
+                <p:cNvGrpSpPr/>
+                <p:nvPr/>
+              </p:nvGrpSpPr>
+              <p:grpSpPr>
+                <a:xfrm>
+                  <a:off x="4666190" y="2815008"/>
+                  <a:ext cx="2172629" cy="360000"/>
+                  <a:chOff x="2326744" y="1110634"/>
+                  <a:chExt cx="2501119" cy="450524"/>
+                </a:xfrm>
+              </p:grpSpPr>
+              <p:sp>
+                <p:nvSpPr>
+                  <p:cNvPr id="139" name="圓角矩形 138"/>
+                  <p:cNvSpPr/>
+                  <p:nvPr/>
+                </p:nvSpPr>
+                <p:spPr>
+                  <a:xfrm>
+                    <a:off x="2326744" y="1110634"/>
+                    <a:ext cx="2486581" cy="450524"/>
+                  </a:xfrm>
+                  <a:prstGeom prst="roundRect">
+                    <a:avLst/>
+                  </a:prstGeom>
+                  <a:noFill/>
+                  <a:ln>
+                    <a:solidFill>
+                      <a:schemeClr val="accent1">
+                        <a:lumMod val="60000"/>
+                        <a:lumOff val="40000"/>
+                      </a:schemeClr>
+                    </a:solidFill>
+                  </a:ln>
+                </p:spPr>
+                <p:style>
+                  <a:lnRef idx="2">
+                    <a:schemeClr val="accent1">
+                      <a:shade val="50000"/>
+                    </a:schemeClr>
+                  </a:lnRef>
+                  <a:fillRef idx="1">
+                    <a:schemeClr val="accent1"/>
+                  </a:fillRef>
+                  <a:effectRef idx="0">
+                    <a:schemeClr val="accent1"/>
+                  </a:effectRef>
+                  <a:fontRef idx="minor">
+                    <a:schemeClr val="lt1"/>
+                  </a:fontRef>
+                </p:style>
+                <p:txBody>
+                  <a:bodyPr rot="0" spcFirstLastPara="0" vertOverflow="overflow" horzOverflow="overflow" vert="horz" wrap="square" lIns="68580" tIns="34291" rIns="68580" bIns="34291" numCol="1" spcCol="0" rtlCol="0" fromWordArt="0" anchor="ctr" anchorCtr="0" forceAA="0" compatLnSpc="1">
+                    <a:prstTxWarp prst="textNoShape">
+                      <a:avLst/>
+                    </a:prstTxWarp>
+                    <a:noAutofit/>
+                  </a:bodyPr>
+                  <a:lstStyle/>
+                  <a:p>
+                    <a:pPr algn="ctr"/>
+                    <a:endParaRPr lang="en-US" sz="1200"/>
+                  </a:p>
+                </p:txBody>
+              </p:sp>
+              <p:sp>
+                <p:nvSpPr>
+                  <p:cNvPr id="140" name="矩形 139"/>
+                  <p:cNvSpPr/>
+                  <p:nvPr/>
+                </p:nvSpPr>
+                <p:spPr>
+                  <a:xfrm>
+                    <a:off x="2341782" y="1144368"/>
+                    <a:ext cx="2486081" cy="385387"/>
+                  </a:xfrm>
+                  <a:prstGeom prst="rect">
+                    <a:avLst/>
+                  </a:prstGeom>
+                  <a:noFill/>
+                  <a:ln>
+                    <a:noFill/>
+                  </a:ln>
+                </p:spPr>
+                <p:txBody>
+                  <a:bodyPr wrap="none" lIns="68580" tIns="34291" rIns="68580" bIns="34291">
+                    <a:spAutoFit/>
+                  </a:bodyPr>
+                  <a:lstStyle/>
+                  <a:p>
+                    <a:pPr algn="ctr"/>
+                    <a:r>
+                      <a:rPr lang="zh-TW" altLang="en-US" sz="1051" dirty="0">
+                        <a:ln w="0"/>
+                        <a:solidFill>
+                          <a:schemeClr val="tx1">
+                            <a:lumMod val="75000"/>
+                            <a:lumOff val="25000"/>
+                          </a:schemeClr>
+                        </a:solidFill>
+                        <a:latin typeface="微軟正黑體" panose="020B0604030504040204" pitchFamily="34" charset="-120"/>
+                        <a:ea typeface="微軟正黑體" panose="020B0604030504040204" pitchFamily="34" charset="-120"/>
+                      </a:rPr>
+                      <a:t>精進運算相似度的演算法</a:t>
+                    </a:r>
+                  </a:p>
+                </p:txBody>
+              </p:sp>
+            </p:grpSp>
+            <p:cxnSp>
+              <p:nvCxnSpPr>
+                <p:cNvPr id="136" name="直線接點 135"/>
+                <p:cNvCxnSpPr>
+                  <a:stCxn id="139" idx="3"/>
+                </p:cNvCxnSpPr>
+                <p:nvPr/>
+              </p:nvCxnSpPr>
+              <p:spPr>
+                <a:xfrm>
+                  <a:off x="6826190" y="2995008"/>
+                  <a:ext cx="765422" cy="8313"/>
+                </a:xfrm>
+                <a:prstGeom prst="line">
+                  <a:avLst/>
+                </a:prstGeom>
+              </p:spPr>
+              <p:style>
+                <a:lnRef idx="1">
+                  <a:schemeClr val="dk1"/>
+                </a:lnRef>
+                <a:fillRef idx="0">
+                  <a:schemeClr val="dk1"/>
+                </a:fillRef>
+                <a:effectRef idx="0">
+                  <a:schemeClr val="dk1"/>
+                </a:effectRef>
+                <a:fontRef idx="minor">
+                  <a:schemeClr val="tx1"/>
+                </a:fontRef>
+              </p:style>
+            </p:cxnSp>
+            <p:cxnSp>
+              <p:nvCxnSpPr>
+                <p:cNvPr id="137" name="直線接點 136"/>
+                <p:cNvCxnSpPr/>
+                <p:nvPr/>
+              </p:nvCxnSpPr>
+              <p:spPr>
+                <a:xfrm>
+                  <a:off x="3609719" y="2645003"/>
+                  <a:ext cx="3981893" cy="8894"/>
+                </a:xfrm>
+                <a:prstGeom prst="line">
+                  <a:avLst/>
+                </a:prstGeom>
+              </p:spPr>
+              <p:style>
+                <a:lnRef idx="1">
+                  <a:schemeClr val="dk1"/>
+                </a:lnRef>
+                <a:fillRef idx="0">
+                  <a:schemeClr val="dk1"/>
+                </a:fillRef>
+                <a:effectRef idx="0">
+                  <a:schemeClr val="dk1"/>
+                </a:effectRef>
+                <a:fontRef idx="minor">
+                  <a:schemeClr val="tx1"/>
+                </a:fontRef>
+              </p:style>
+            </p:cxnSp>
+            <p:cxnSp>
+              <p:nvCxnSpPr>
+                <p:cNvPr id="138" name="直線接點 137"/>
+                <p:cNvCxnSpPr/>
+                <p:nvPr/>
+              </p:nvCxnSpPr>
+              <p:spPr>
+                <a:xfrm flipV="1">
+                  <a:off x="7591612" y="2653898"/>
+                  <a:ext cx="0" cy="348609"/>
+                </a:xfrm>
+                <a:prstGeom prst="line">
+                  <a:avLst/>
+                </a:prstGeom>
+              </p:spPr>
+              <p:style>
+                <a:lnRef idx="1">
+                  <a:schemeClr val="dk1"/>
+                </a:lnRef>
+                <a:fillRef idx="0">
+                  <a:schemeClr val="dk1"/>
+                </a:fillRef>
+                <a:effectRef idx="0">
+                  <a:schemeClr val="dk1"/>
+                </a:effectRef>
+                <a:fontRef idx="minor">
+                  <a:schemeClr val="tx1"/>
+                </a:fontRef>
+              </p:style>
+            </p:cxnSp>
+          </p:grpSp>
+          <p:sp>
+            <p:nvSpPr>
+              <p:cNvPr id="141" name="矩形 140"/>
+              <p:cNvSpPr/>
+              <p:nvPr/>
+            </p:nvSpPr>
+            <p:spPr>
+              <a:xfrm>
+                <a:off x="1829676" y="3655601"/>
+                <a:ext cx="1485022" cy="392674"/>
+              </a:xfrm>
+              <a:prstGeom prst="rect">
+                <a:avLst/>
+              </a:prstGeom>
+              <a:noFill/>
+              <a:ln>
+                <a:noFill/>
+              </a:ln>
+            </p:spPr>
+            <p:txBody>
+              <a:bodyPr wrap="none" lIns="68580" tIns="34291" rIns="68580" bIns="34291">
+                <a:spAutoFit/>
+              </a:bodyPr>
+              <a:lstStyle/>
+              <a:p>
+                <a:pPr algn="ctr"/>
+                <a:r>
+                  <a:rPr lang="zh-TW" altLang="en-US" sz="1051" dirty="0">
+                    <a:ln w="0"/>
+                    <a:solidFill>
+                      <a:schemeClr val="tx1">
+                        <a:lumMod val="75000"/>
+                        <a:lumOff val="25000"/>
+                      </a:schemeClr>
+                    </a:solidFill>
+                    <a:latin typeface="微軟正黑體" panose="020B0604030504040204" pitchFamily="34" charset="-120"/>
+                    <a:ea typeface="微軟正黑體" panose="020B0604030504040204" pitchFamily="34" charset="-120"/>
+                  </a:rPr>
+                  <a:t>測試呼叫不同程式語言</a:t>
+                </a:r>
+                <a:endParaRPr lang="en-US" altLang="zh-TW" sz="1051" dirty="0">
+                  <a:ln w="0"/>
+                  <a:solidFill>
+                    <a:schemeClr val="tx1">
+                      <a:lumMod val="75000"/>
+                      <a:lumOff val="25000"/>
+                    </a:schemeClr>
+                  </a:solidFill>
+                  <a:latin typeface="微軟正黑體" panose="020B0604030504040204" pitchFamily="34" charset="-120"/>
+                  <a:ea typeface="微軟正黑體" panose="020B0604030504040204" pitchFamily="34" charset="-120"/>
+                </a:endParaRPr>
+              </a:p>
+              <a:p>
+                <a:pPr algn="ctr"/>
+                <a:r>
+                  <a:rPr lang="zh-TW" altLang="en-US" sz="1051" dirty="0">
+                    <a:ln w="0"/>
+                    <a:solidFill>
+                      <a:schemeClr val="tx1">
+                        <a:lumMod val="75000"/>
+                        <a:lumOff val="25000"/>
+                      </a:schemeClr>
+                    </a:solidFill>
+                    <a:latin typeface="微軟正黑體" panose="020B0604030504040204" pitchFamily="34" charset="-120"/>
+                    <a:ea typeface="微軟正黑體" panose="020B0604030504040204" pitchFamily="34" charset="-120"/>
+                  </a:rPr>
+                  <a:t>並執行深度學習運算</a:t>
+                </a:r>
+                <a:endParaRPr lang="en-US" altLang="zh-TW" sz="1051" dirty="0">
+                  <a:ln w="0"/>
+                  <a:solidFill>
+                    <a:schemeClr val="tx1">
+                      <a:lumMod val="75000"/>
+                      <a:lumOff val="25000"/>
+                    </a:schemeClr>
+                  </a:solidFill>
+                  <a:latin typeface="微軟正黑體" panose="020B0604030504040204" pitchFamily="34" charset="-120"/>
+                  <a:ea typeface="微軟正黑體" panose="020B0604030504040204" pitchFamily="34" charset="-120"/>
+                </a:endParaRPr>
+              </a:p>
+            </p:txBody>
+          </p:sp>
+          <p:grpSp>
+            <p:nvGrpSpPr>
+              <p:cNvPr id="142" name="群組 141"/>
+              <p:cNvGrpSpPr/>
+              <p:nvPr/>
+            </p:nvGrpSpPr>
+            <p:grpSpPr>
+              <a:xfrm>
+                <a:off x="2687431" y="4043551"/>
+                <a:ext cx="1620000" cy="426839"/>
+                <a:chOff x="2557981" y="1995534"/>
+                <a:chExt cx="2160000" cy="569118"/>
+              </a:xfrm>
+            </p:grpSpPr>
+            <p:grpSp>
+              <p:nvGrpSpPr>
+                <p:cNvPr id="143" name="群組 142"/>
+                <p:cNvGrpSpPr/>
+                <p:nvPr/>
+              </p:nvGrpSpPr>
+              <p:grpSpPr>
+                <a:xfrm>
+                  <a:off x="2557981" y="2204652"/>
+                  <a:ext cx="2160000" cy="360000"/>
+                  <a:chOff x="2326744" y="1110634"/>
+                  <a:chExt cx="2486581" cy="450524"/>
+                </a:xfrm>
+              </p:grpSpPr>
+              <p:sp>
+                <p:nvSpPr>
+                  <p:cNvPr id="145" name="圓角矩形 144"/>
+                  <p:cNvSpPr/>
+                  <p:nvPr/>
+                </p:nvSpPr>
+                <p:spPr>
+                  <a:xfrm>
+                    <a:off x="2326744" y="1110634"/>
+                    <a:ext cx="2486581" cy="450524"/>
+                  </a:xfrm>
+                  <a:prstGeom prst="roundRect">
+                    <a:avLst/>
+                  </a:prstGeom>
+                  <a:noFill/>
+                  <a:ln>
+                    <a:solidFill>
+                      <a:schemeClr val="accent1">
+                        <a:lumMod val="60000"/>
+                        <a:lumOff val="40000"/>
+                      </a:schemeClr>
+                    </a:solidFill>
+                  </a:ln>
+                </p:spPr>
+                <p:style>
+                  <a:lnRef idx="2">
+                    <a:schemeClr val="accent1">
+                      <a:shade val="50000"/>
+                    </a:schemeClr>
+                  </a:lnRef>
+                  <a:fillRef idx="1">
+                    <a:schemeClr val="accent1"/>
+                  </a:fillRef>
+                  <a:effectRef idx="0">
+                    <a:schemeClr val="accent1"/>
+                  </a:effectRef>
+                  <a:fontRef idx="minor">
+                    <a:schemeClr val="lt1"/>
+                  </a:fontRef>
+                </p:style>
+                <p:txBody>
+                  <a:bodyPr rot="0" spcFirstLastPara="0" vertOverflow="overflow" horzOverflow="overflow" vert="horz" wrap="square" lIns="68580" tIns="34291" rIns="68580" bIns="34291" numCol="1" spcCol="0" rtlCol="0" fromWordArt="0" anchor="ctr" anchorCtr="0" forceAA="0" compatLnSpc="1">
+                    <a:prstTxWarp prst="textNoShape">
+                      <a:avLst/>
+                    </a:prstTxWarp>
+                    <a:noAutofit/>
+                  </a:bodyPr>
+                  <a:lstStyle/>
+                  <a:p>
+                    <a:pPr algn="ctr"/>
+                    <a:endParaRPr lang="en-US" sz="1351"/>
+                  </a:p>
+                </p:txBody>
+              </p:sp>
+              <p:sp>
+                <p:nvSpPr>
+                  <p:cNvPr id="146" name="矩形 145"/>
+                  <p:cNvSpPr/>
+                  <p:nvPr/>
+                </p:nvSpPr>
+                <p:spPr>
+                  <a:xfrm>
+                    <a:off x="2533677" y="1162247"/>
+                    <a:ext cx="2072720" cy="385387"/>
+                  </a:xfrm>
+                  <a:prstGeom prst="rect">
+                    <a:avLst/>
+                  </a:prstGeom>
+                  <a:noFill/>
+                </p:spPr>
+                <p:txBody>
+                  <a:bodyPr wrap="none" lIns="68580" tIns="34291" rIns="68580" bIns="34291">
+                    <a:spAutoFit/>
+                  </a:bodyPr>
+                  <a:lstStyle/>
+                  <a:p>
+                    <a:pPr algn="ctr"/>
+                    <a:r>
+                      <a:rPr lang="zh-TW" altLang="en-US" sz="1051" dirty="0">
+                        <a:ln w="0"/>
+                        <a:solidFill>
+                          <a:schemeClr val="tx1">
+                            <a:lumMod val="75000"/>
+                            <a:lumOff val="25000"/>
+                          </a:schemeClr>
+                        </a:solidFill>
+                        <a:latin typeface="微軟正黑體" panose="020B0604030504040204" pitchFamily="34" charset="-120"/>
+                        <a:ea typeface="微軟正黑體" panose="020B0604030504040204" pitchFamily="34" charset="-120"/>
+                      </a:rPr>
+                      <a:t>投票及排行榜之網頁</a:t>
+                    </a:r>
+                  </a:p>
+                </p:txBody>
+              </p:sp>
+            </p:grpSp>
+            <p:cxnSp>
+              <p:nvCxnSpPr>
+                <p:cNvPr id="144" name="直線單箭頭接點 143"/>
+                <p:cNvCxnSpPr/>
+                <p:nvPr/>
+              </p:nvCxnSpPr>
+              <p:spPr>
+                <a:xfrm>
+                  <a:off x="3612785" y="1995534"/>
+                  <a:ext cx="0" cy="207000"/>
+                </a:xfrm>
+                <a:prstGeom prst="straightConnector1">
+                  <a:avLst/>
+                </a:prstGeom>
+                <a:ln>
+                  <a:tailEnd type="triangle"/>
+                </a:ln>
+              </p:spPr>
+              <p:style>
+                <a:lnRef idx="1">
+                  <a:schemeClr val="dk1"/>
+                </a:lnRef>
+                <a:fillRef idx="0">
+                  <a:schemeClr val="dk1"/>
+                </a:fillRef>
+                <a:effectRef idx="0">
+                  <a:schemeClr val="dk1"/>
+                </a:effectRef>
+                <a:fontRef idx="minor">
+                  <a:schemeClr val="tx1"/>
+                </a:fontRef>
+              </p:style>
+            </p:cxnSp>
+          </p:grpSp>
+          <p:grpSp>
+            <p:nvGrpSpPr>
+              <p:cNvPr id="147" name="群組 146"/>
+              <p:cNvGrpSpPr/>
+              <p:nvPr/>
+            </p:nvGrpSpPr>
+            <p:grpSpPr>
+              <a:xfrm>
+                <a:off x="2691605" y="4473197"/>
+                <a:ext cx="1620000" cy="426839"/>
+                <a:chOff x="2557981" y="1995534"/>
+                <a:chExt cx="2160000" cy="569118"/>
+              </a:xfrm>
+            </p:grpSpPr>
+            <p:grpSp>
+              <p:nvGrpSpPr>
+                <p:cNvPr id="148" name="群組 147"/>
+                <p:cNvGrpSpPr/>
+                <p:nvPr/>
+              </p:nvGrpSpPr>
+              <p:grpSpPr>
+                <a:xfrm>
+                  <a:off x="2557981" y="2204652"/>
+                  <a:ext cx="2160000" cy="360000"/>
+                  <a:chOff x="2326744" y="1110634"/>
+                  <a:chExt cx="2486581" cy="450524"/>
+                </a:xfrm>
+              </p:grpSpPr>
+              <p:sp>
+                <p:nvSpPr>
+                  <p:cNvPr id="150" name="圓角矩形 149"/>
+                  <p:cNvSpPr/>
+                  <p:nvPr/>
+                </p:nvSpPr>
+                <p:spPr>
+                  <a:xfrm>
+                    <a:off x="2326744" y="1110634"/>
+                    <a:ext cx="2486581" cy="450524"/>
+                  </a:xfrm>
+                  <a:prstGeom prst="roundRect">
+                    <a:avLst/>
+                  </a:prstGeom>
+                  <a:noFill/>
+                  <a:ln>
+                    <a:solidFill>
+                      <a:schemeClr val="accent1">
+                        <a:lumMod val="60000"/>
+                        <a:lumOff val="40000"/>
+                      </a:schemeClr>
+                    </a:solidFill>
+                  </a:ln>
+                </p:spPr>
+                <p:style>
+                  <a:lnRef idx="2">
+                    <a:schemeClr val="accent1">
+                      <a:shade val="50000"/>
+                    </a:schemeClr>
+                  </a:lnRef>
+                  <a:fillRef idx="1">
+                    <a:schemeClr val="accent1"/>
+                  </a:fillRef>
+                  <a:effectRef idx="0">
+                    <a:schemeClr val="accent1"/>
+                  </a:effectRef>
+                  <a:fontRef idx="minor">
+                    <a:schemeClr val="lt1"/>
+                  </a:fontRef>
+                </p:style>
+                <p:txBody>
+                  <a:bodyPr rot="0" spcFirstLastPara="0" vertOverflow="overflow" horzOverflow="overflow" vert="horz" wrap="square" lIns="68580" tIns="34291" rIns="68580" bIns="34291" numCol="1" spcCol="0" rtlCol="0" fromWordArt="0" anchor="ctr" anchorCtr="0" forceAA="0" compatLnSpc="1">
+                    <a:prstTxWarp prst="textNoShape">
+                      <a:avLst/>
+                    </a:prstTxWarp>
+                    <a:noAutofit/>
+                  </a:bodyPr>
+                  <a:lstStyle/>
+                  <a:p>
+                    <a:pPr algn="ctr"/>
+                    <a:endParaRPr lang="en-US" sz="1351"/>
+                  </a:p>
+                </p:txBody>
+              </p:sp>
+              <p:sp>
+                <p:nvSpPr>
+                  <p:cNvPr id="151" name="矩形 150"/>
+                  <p:cNvSpPr/>
+                  <p:nvPr/>
+                </p:nvSpPr>
+                <p:spPr>
+                  <a:xfrm>
+                    <a:off x="3257063" y="1162247"/>
+                    <a:ext cx="625949" cy="385171"/>
+                  </a:xfrm>
+                  <a:prstGeom prst="rect">
+                    <a:avLst/>
+                  </a:prstGeom>
+                  <a:noFill/>
+                </p:spPr>
+                <p:txBody>
+                  <a:bodyPr wrap="none" lIns="68580" tIns="34291" rIns="68580" bIns="34291">
+                    <a:spAutoFit/>
+                  </a:bodyPr>
+                  <a:lstStyle/>
+                  <a:p>
+                    <a:pPr algn="ctr"/>
+                    <a:r>
+                      <a:rPr lang="zh-TW" altLang="en-US" sz="1050" dirty="0">
+                        <a:ln w="0"/>
+                        <a:solidFill>
+                          <a:schemeClr val="tx1">
+                            <a:lumMod val="75000"/>
+                            <a:lumOff val="25000"/>
+                          </a:schemeClr>
+                        </a:solidFill>
+                        <a:latin typeface="微軟正黑體" panose="020B0604030504040204" pitchFamily="34" charset="-120"/>
+                        <a:ea typeface="微軟正黑體" panose="020B0604030504040204" pitchFamily="34" charset="-120"/>
+                      </a:rPr>
+                      <a:t>評論</a:t>
+                    </a:r>
+                    <a:endParaRPr lang="zh-TW" altLang="en-US" sz="1051" dirty="0">
+                      <a:ln w="0"/>
+                      <a:solidFill>
+                        <a:schemeClr val="tx1">
+                          <a:lumMod val="75000"/>
+                          <a:lumOff val="25000"/>
+                        </a:schemeClr>
+                      </a:solidFill>
+                      <a:latin typeface="微軟正黑體" panose="020B0604030504040204" pitchFamily="34" charset="-120"/>
+                      <a:ea typeface="微軟正黑體" panose="020B0604030504040204" pitchFamily="34" charset="-120"/>
+                    </a:endParaRPr>
+                  </a:p>
+                </p:txBody>
+              </p:sp>
+            </p:grpSp>
+            <p:cxnSp>
+              <p:nvCxnSpPr>
+                <p:cNvPr id="149" name="直線單箭頭接點 148"/>
+                <p:cNvCxnSpPr/>
+                <p:nvPr/>
+              </p:nvCxnSpPr>
+              <p:spPr>
+                <a:xfrm>
+                  <a:off x="3612785" y="1995534"/>
+                  <a:ext cx="0" cy="207000"/>
+                </a:xfrm>
+                <a:prstGeom prst="straightConnector1">
+                  <a:avLst/>
+                </a:prstGeom>
+                <a:ln>
+                  <a:tailEnd type="triangle"/>
+                </a:ln>
+              </p:spPr>
+              <p:style>
+                <a:lnRef idx="1">
+                  <a:schemeClr val="dk1"/>
+                </a:lnRef>
+                <a:fillRef idx="0">
+                  <a:schemeClr val="dk1"/>
+                </a:fillRef>
+                <a:effectRef idx="0">
+                  <a:schemeClr val="dk1"/>
+                </a:effectRef>
+                <a:fontRef idx="minor">
+                  <a:schemeClr val="tx1"/>
+                </a:fontRef>
+              </p:style>
+            </p:cxnSp>
+          </p:grpSp>
+          <p:grpSp>
+            <p:nvGrpSpPr>
+              <p:cNvPr id="152" name="群組 151"/>
+              <p:cNvGrpSpPr/>
+              <p:nvPr/>
+            </p:nvGrpSpPr>
+            <p:grpSpPr>
+              <a:xfrm>
+                <a:off x="2691605" y="4907995"/>
+                <a:ext cx="1620000" cy="426839"/>
+                <a:chOff x="2557981" y="1995534"/>
+                <a:chExt cx="2160000" cy="569118"/>
+              </a:xfrm>
+            </p:grpSpPr>
+            <p:grpSp>
+              <p:nvGrpSpPr>
+                <p:cNvPr id="153" name="群組 152"/>
+                <p:cNvGrpSpPr/>
+                <p:nvPr/>
+              </p:nvGrpSpPr>
+              <p:grpSpPr>
+                <a:xfrm>
+                  <a:off x="2557981" y="2204652"/>
+                  <a:ext cx="2160000" cy="360000"/>
+                  <a:chOff x="2326744" y="1110634"/>
+                  <a:chExt cx="2486581" cy="450524"/>
+                </a:xfrm>
+              </p:grpSpPr>
+              <p:sp>
+                <p:nvSpPr>
+                  <p:cNvPr id="155" name="圓角矩形 154"/>
+                  <p:cNvSpPr/>
+                  <p:nvPr/>
+                </p:nvSpPr>
+                <p:spPr>
+                  <a:xfrm>
+                    <a:off x="2326744" y="1110634"/>
+                    <a:ext cx="2486581" cy="450524"/>
+                  </a:xfrm>
+                  <a:prstGeom prst="roundRect">
+                    <a:avLst/>
+                  </a:prstGeom>
+                  <a:noFill/>
+                  <a:ln>
+                    <a:solidFill>
+                      <a:schemeClr val="accent1">
+                        <a:lumMod val="60000"/>
+                        <a:lumOff val="40000"/>
+                      </a:schemeClr>
+                    </a:solidFill>
+                  </a:ln>
+                </p:spPr>
+                <p:style>
+                  <a:lnRef idx="2">
+                    <a:schemeClr val="accent1">
+                      <a:shade val="50000"/>
+                    </a:schemeClr>
+                  </a:lnRef>
+                  <a:fillRef idx="1">
+                    <a:schemeClr val="accent1"/>
+                  </a:fillRef>
+                  <a:effectRef idx="0">
+                    <a:schemeClr val="accent1"/>
+                  </a:effectRef>
+                  <a:fontRef idx="minor">
+                    <a:schemeClr val="lt1"/>
+                  </a:fontRef>
+                </p:style>
+                <p:txBody>
+                  <a:bodyPr rot="0" spcFirstLastPara="0" vertOverflow="overflow" horzOverflow="overflow" vert="horz" wrap="square" lIns="68580" tIns="34291" rIns="68580" bIns="34291" numCol="1" spcCol="0" rtlCol="0" fromWordArt="0" anchor="ctr" anchorCtr="0" forceAA="0" compatLnSpc="1">
+                    <a:prstTxWarp prst="textNoShape">
+                      <a:avLst/>
+                    </a:prstTxWarp>
+                    <a:noAutofit/>
+                  </a:bodyPr>
+                  <a:lstStyle/>
+                  <a:p>
+                    <a:pPr algn="ctr"/>
+                    <a:endParaRPr lang="en-US" sz="1351"/>
+                  </a:p>
+                </p:txBody>
+              </p:sp>
+              <p:sp>
+                <p:nvSpPr>
+                  <p:cNvPr id="156" name="矩形 155"/>
+                  <p:cNvSpPr/>
+                  <p:nvPr/>
+                </p:nvSpPr>
+                <p:spPr>
+                  <a:xfrm>
+                    <a:off x="3257063" y="1162247"/>
+                    <a:ext cx="625949" cy="385171"/>
+                  </a:xfrm>
+                  <a:prstGeom prst="rect">
+                    <a:avLst/>
+                  </a:prstGeom>
+                  <a:noFill/>
+                </p:spPr>
+                <p:txBody>
+                  <a:bodyPr wrap="none" lIns="68580" tIns="34291" rIns="68580" bIns="34291">
+                    <a:spAutoFit/>
+                  </a:bodyPr>
+                  <a:lstStyle/>
+                  <a:p>
+                    <a:pPr algn="ctr"/>
+                    <a:r>
+                      <a:rPr lang="zh-TW" altLang="en-US" sz="1050" dirty="0">
+                        <a:ln w="0"/>
+                        <a:solidFill>
+                          <a:schemeClr val="tx1">
+                            <a:lumMod val="75000"/>
+                            <a:lumOff val="25000"/>
+                          </a:schemeClr>
+                        </a:solidFill>
+                        <a:latin typeface="微軟正黑體" panose="020B0604030504040204" pitchFamily="34" charset="-120"/>
+                        <a:ea typeface="微軟正黑體" panose="020B0604030504040204" pitchFamily="34" charset="-120"/>
+                      </a:rPr>
+                      <a:t>測試</a:t>
+                    </a:r>
+                    <a:endParaRPr lang="zh-TW" altLang="en-US" sz="1051" dirty="0">
+                      <a:ln w="0"/>
+                      <a:solidFill>
+                        <a:schemeClr val="tx1">
+                          <a:lumMod val="75000"/>
+                          <a:lumOff val="25000"/>
+                        </a:schemeClr>
+                      </a:solidFill>
+                      <a:latin typeface="微軟正黑體" panose="020B0604030504040204" pitchFamily="34" charset="-120"/>
+                      <a:ea typeface="微軟正黑體" panose="020B0604030504040204" pitchFamily="34" charset="-120"/>
+                    </a:endParaRPr>
+                  </a:p>
+                </p:txBody>
+              </p:sp>
+            </p:grpSp>
+            <p:cxnSp>
+              <p:nvCxnSpPr>
+                <p:cNvPr id="154" name="直線單箭頭接點 153"/>
+                <p:cNvCxnSpPr/>
+                <p:nvPr/>
+              </p:nvCxnSpPr>
+              <p:spPr>
+                <a:xfrm>
+                  <a:off x="3612785" y="1995534"/>
+                  <a:ext cx="0" cy="207000"/>
+                </a:xfrm>
+                <a:prstGeom prst="straightConnector1">
+                  <a:avLst/>
+                </a:prstGeom>
+                <a:ln>
+                  <a:tailEnd type="triangle"/>
+                </a:ln>
+              </p:spPr>
+              <p:style>
+                <a:lnRef idx="1">
+                  <a:schemeClr val="dk1"/>
+                </a:lnRef>
+                <a:fillRef idx="0">
+                  <a:schemeClr val="dk1"/>
+                </a:fillRef>
+                <a:effectRef idx="0">
+                  <a:schemeClr val="dk1"/>
+                </a:effectRef>
+                <a:fontRef idx="minor">
+                  <a:schemeClr val="tx1"/>
+                </a:fontRef>
+              </p:style>
+            </p:cxnSp>
+          </p:grpSp>
+          <p:grpSp>
+            <p:nvGrpSpPr>
+              <p:cNvPr id="167" name="群組 166"/>
+              <p:cNvGrpSpPr/>
+              <p:nvPr/>
+            </p:nvGrpSpPr>
+            <p:grpSpPr>
+              <a:xfrm>
+                <a:off x="3317472" y="1113717"/>
+                <a:ext cx="3931226" cy="4703213"/>
+                <a:chOff x="3384719" y="-3051502"/>
+                <a:chExt cx="5241634" cy="6270954"/>
+              </a:xfrm>
+            </p:grpSpPr>
+            <p:cxnSp>
+              <p:nvCxnSpPr>
+                <p:cNvPr id="168" name="直線單箭頭接點 167"/>
+                <p:cNvCxnSpPr/>
+                <p:nvPr/>
+              </p:nvCxnSpPr>
+              <p:spPr>
+                <a:xfrm>
+                  <a:off x="3603455" y="2574033"/>
+                  <a:ext cx="0" cy="207000"/>
+                </a:xfrm>
+                <a:prstGeom prst="straightConnector1">
+                  <a:avLst/>
+                </a:prstGeom>
+                <a:ln>
+                  <a:tailEnd type="triangle"/>
+                </a:ln>
+              </p:spPr>
+              <p:style>
+                <a:lnRef idx="1">
+                  <a:schemeClr val="dk1"/>
+                </a:lnRef>
+                <a:fillRef idx="0">
+                  <a:schemeClr val="dk1"/>
+                </a:fillRef>
+                <a:effectRef idx="0">
+                  <a:schemeClr val="dk1"/>
+                </a:effectRef>
+                <a:fontRef idx="minor">
+                  <a:schemeClr val="tx1"/>
+                </a:fontRef>
+              </p:style>
+            </p:cxnSp>
+            <p:sp>
+              <p:nvSpPr>
+                <p:cNvPr id="169" name="流程圖: 決策 168"/>
+                <p:cNvSpPr/>
+                <p:nvPr/>
+              </p:nvSpPr>
+              <p:spPr>
+                <a:xfrm>
+                  <a:off x="3384719" y="2770565"/>
+                  <a:ext cx="450000" cy="448887"/>
+                </a:xfrm>
+                <a:prstGeom prst="flowChartDecision">
+                  <a:avLst/>
+                </a:prstGeom>
+                <a:noFill/>
+                <a:ln>
+                  <a:solidFill>
+                    <a:schemeClr val="accent1">
+                      <a:lumMod val="60000"/>
+                      <a:lumOff val="40000"/>
+                    </a:schemeClr>
+                  </a:solidFill>
+                </a:ln>
+              </p:spPr>
+              <p:style>
+                <a:lnRef idx="2">
+                  <a:schemeClr val="accent1">
+                    <a:shade val="50000"/>
+                  </a:schemeClr>
+                </a:lnRef>
+                <a:fillRef idx="1">
+                  <a:schemeClr val="accent1"/>
+                </a:fillRef>
+                <a:effectRef idx="0">
+                  <a:schemeClr val="accent1"/>
+                </a:effectRef>
+                <a:fontRef idx="minor">
+                  <a:schemeClr val="lt1"/>
+                </a:fontRef>
+              </p:style>
+              <p:txBody>
+                <a:bodyPr rot="0" spcFirstLastPara="0" vertOverflow="overflow" horzOverflow="overflow" vert="horz" wrap="square" lIns="68580" tIns="34291" rIns="68580" bIns="34291" numCol="1" spcCol="0" rtlCol="0" fromWordArt="0" anchor="ctr" anchorCtr="0" forceAA="0" compatLnSpc="1">
+                  <a:prstTxWarp prst="textNoShape">
+                    <a:avLst/>
+                  </a:prstTxWarp>
+                  <a:noAutofit/>
+                </a:bodyPr>
+                <a:lstStyle/>
+                <a:p>
+                  <a:pPr algn="ctr"/>
+                  <a:endParaRPr lang="en-US" sz="1351"/>
+                </a:p>
+              </p:txBody>
+            </p:sp>
+            <p:cxnSp>
+              <p:nvCxnSpPr>
+                <p:cNvPr id="170" name="直線單箭頭接點 169"/>
+                <p:cNvCxnSpPr>
+                  <a:stCxn id="169" idx="3"/>
+                  <a:endCxn id="175" idx="1"/>
+                </p:cNvCxnSpPr>
+                <p:nvPr/>
+              </p:nvCxnSpPr>
+              <p:spPr>
+                <a:xfrm flipV="1">
+                  <a:off x="3834719" y="2995008"/>
+                  <a:ext cx="831471" cy="1"/>
+                </a:xfrm>
+                <a:prstGeom prst="straightConnector1">
+                  <a:avLst/>
+                </a:prstGeom>
+                <a:ln>
+                  <a:tailEnd type="triangle"/>
+                </a:ln>
+              </p:spPr>
+              <p:style>
+                <a:lnRef idx="1">
+                  <a:schemeClr val="dk1"/>
+                </a:lnRef>
+                <a:fillRef idx="0">
+                  <a:schemeClr val="dk1"/>
+                </a:fillRef>
+                <a:effectRef idx="0">
+                  <a:schemeClr val="dk1"/>
+                </a:effectRef>
+                <a:fontRef idx="minor">
+                  <a:schemeClr val="tx1"/>
+                </a:fontRef>
+              </p:style>
+            </p:cxnSp>
+            <p:grpSp>
+              <p:nvGrpSpPr>
+                <p:cNvPr id="171" name="群組 170"/>
+                <p:cNvGrpSpPr/>
+                <p:nvPr/>
+              </p:nvGrpSpPr>
+              <p:grpSpPr>
+                <a:xfrm>
+                  <a:off x="4666190" y="2815008"/>
+                  <a:ext cx="2160000" cy="360000"/>
+                  <a:chOff x="2326744" y="1110634"/>
+                  <a:chExt cx="2486581" cy="450524"/>
+                </a:xfrm>
+              </p:grpSpPr>
+              <p:sp>
+                <p:nvSpPr>
+                  <p:cNvPr id="175" name="圓角矩形 174"/>
+                  <p:cNvSpPr/>
+                  <p:nvPr/>
+                </p:nvSpPr>
+                <p:spPr>
+                  <a:xfrm>
+                    <a:off x="2326744" y="1110634"/>
+                    <a:ext cx="2486581" cy="450524"/>
+                  </a:xfrm>
+                  <a:prstGeom prst="roundRect">
+                    <a:avLst/>
+                  </a:prstGeom>
+                  <a:noFill/>
+                  <a:ln>
+                    <a:solidFill>
+                      <a:schemeClr val="accent1">
+                        <a:lumMod val="60000"/>
+                        <a:lumOff val="40000"/>
+                      </a:schemeClr>
+                    </a:solidFill>
+                  </a:ln>
+                </p:spPr>
+                <p:style>
+                  <a:lnRef idx="2">
+                    <a:schemeClr val="accent1">
+                      <a:shade val="50000"/>
+                    </a:schemeClr>
+                  </a:lnRef>
+                  <a:fillRef idx="1">
+                    <a:schemeClr val="accent1"/>
+                  </a:fillRef>
+                  <a:effectRef idx="0">
+                    <a:schemeClr val="accent1"/>
+                  </a:effectRef>
+                  <a:fontRef idx="minor">
+                    <a:schemeClr val="lt1"/>
+                  </a:fontRef>
+                </p:style>
+                <p:txBody>
+                  <a:bodyPr rot="0" spcFirstLastPara="0" vertOverflow="overflow" horzOverflow="overflow" vert="horz" wrap="square" lIns="68580" tIns="34291" rIns="68580" bIns="34291" numCol="1" spcCol="0" rtlCol="0" fromWordArt="0" anchor="ctr" anchorCtr="0" forceAA="0" compatLnSpc="1">
+                    <a:prstTxWarp prst="textNoShape">
+                      <a:avLst/>
+                    </a:prstTxWarp>
+                    <a:noAutofit/>
+                  </a:bodyPr>
+                  <a:lstStyle/>
+                  <a:p>
+                    <a:pPr algn="ctr"/>
+                    <a:endParaRPr lang="en-US" sz="1200"/>
+                  </a:p>
+                </p:txBody>
+              </p:sp>
+              <p:sp>
+                <p:nvSpPr>
+                  <p:cNvPr id="176" name="矩形 175"/>
+                  <p:cNvSpPr/>
+                  <p:nvPr/>
+                </p:nvSpPr>
+                <p:spPr>
+                  <a:xfrm>
+                    <a:off x="2548466" y="1144368"/>
+                    <a:ext cx="2072719" cy="385387"/>
+                  </a:xfrm>
+                  <a:prstGeom prst="rect">
+                    <a:avLst/>
+                  </a:prstGeom>
+                  <a:noFill/>
+                  <a:ln>
+                    <a:noFill/>
+                  </a:ln>
+                </p:spPr>
+                <p:txBody>
+                  <a:bodyPr wrap="none" lIns="68580" tIns="34291" rIns="68580" bIns="34291">
+                    <a:spAutoFit/>
+                  </a:bodyPr>
+                  <a:lstStyle/>
+                  <a:p>
+                    <a:pPr algn="ctr"/>
+                    <a:r>
+                      <a:rPr lang="zh-TW" altLang="en-US" sz="1051" dirty="0">
+                        <a:ln w="0"/>
+                        <a:solidFill>
+                          <a:schemeClr val="tx1">
+                            <a:lumMod val="75000"/>
+                            <a:lumOff val="25000"/>
+                          </a:schemeClr>
+                        </a:solidFill>
+                        <a:latin typeface="微軟正黑體" panose="020B0604030504040204" pitchFamily="34" charset="-120"/>
+                        <a:ea typeface="微軟正黑體" panose="020B0604030504040204" pitchFamily="34" charset="-120"/>
+                      </a:rPr>
+                      <a:t>修正、改進整體開發</a:t>
+                    </a:r>
+                  </a:p>
+                </p:txBody>
+              </p:sp>
+            </p:grpSp>
+            <p:cxnSp>
+              <p:nvCxnSpPr>
+                <p:cNvPr id="172" name="直線接點 171"/>
+                <p:cNvCxnSpPr>
+                  <a:stCxn id="175" idx="3"/>
+                </p:cNvCxnSpPr>
+                <p:nvPr/>
+              </p:nvCxnSpPr>
+              <p:spPr>
+                <a:xfrm flipV="1">
+                  <a:off x="6826189" y="2993615"/>
+                  <a:ext cx="1800164" cy="1393"/>
+                </a:xfrm>
+                <a:prstGeom prst="line">
+                  <a:avLst/>
+                </a:prstGeom>
+              </p:spPr>
+              <p:style>
+                <a:lnRef idx="1">
+                  <a:schemeClr val="dk1"/>
+                </a:lnRef>
+                <a:fillRef idx="0">
+                  <a:schemeClr val="dk1"/>
+                </a:fillRef>
+                <a:effectRef idx="0">
+                  <a:schemeClr val="dk1"/>
+                </a:effectRef>
+                <a:fontRef idx="minor">
+                  <a:schemeClr val="tx1"/>
+                </a:fontRef>
+              </p:style>
+            </p:cxnSp>
+            <p:cxnSp>
+              <p:nvCxnSpPr>
+                <p:cNvPr id="173" name="直線接點 172"/>
+                <p:cNvCxnSpPr>
+                  <a:stCxn id="10" idx="3"/>
+                </p:cNvCxnSpPr>
+                <p:nvPr/>
+              </p:nvCxnSpPr>
+              <p:spPr>
+                <a:xfrm>
+                  <a:off x="4670983" y="-3051501"/>
+                  <a:ext cx="3955370" cy="8583"/>
+                </a:xfrm>
+                <a:prstGeom prst="line">
+                  <a:avLst/>
+                </a:prstGeom>
+              </p:spPr>
+              <p:style>
+                <a:lnRef idx="1">
+                  <a:schemeClr val="dk1"/>
+                </a:lnRef>
+                <a:fillRef idx="0">
+                  <a:schemeClr val="dk1"/>
+                </a:fillRef>
+                <a:effectRef idx="0">
+                  <a:schemeClr val="dk1"/>
+                </a:effectRef>
+                <a:fontRef idx="minor">
+                  <a:schemeClr val="tx1"/>
+                </a:fontRef>
+              </p:style>
+            </p:cxnSp>
+            <p:cxnSp>
+              <p:nvCxnSpPr>
+                <p:cNvPr id="174" name="直線接點 173"/>
+                <p:cNvCxnSpPr/>
+                <p:nvPr/>
+              </p:nvCxnSpPr>
+              <p:spPr>
+                <a:xfrm flipV="1">
+                  <a:off x="8626353" y="-3051502"/>
+                  <a:ext cx="0" cy="6054008"/>
+                </a:xfrm>
+                <a:prstGeom prst="line">
+                  <a:avLst/>
+                </a:prstGeom>
+              </p:spPr>
+              <p:style>
+                <a:lnRef idx="1">
+                  <a:schemeClr val="dk1"/>
+                </a:lnRef>
+                <a:fillRef idx="0">
+                  <a:schemeClr val="dk1"/>
+                </a:fillRef>
+                <a:effectRef idx="0">
+                  <a:schemeClr val="dk1"/>
+                </a:effectRef>
+                <a:fontRef idx="minor">
+                  <a:schemeClr val="tx1"/>
+                </a:fontRef>
+              </p:style>
+            </p:cxnSp>
+          </p:grpSp>
+          <p:grpSp>
+            <p:nvGrpSpPr>
+              <p:cNvPr id="182" name="群組 181"/>
+              <p:cNvGrpSpPr/>
+              <p:nvPr/>
+            </p:nvGrpSpPr>
+            <p:grpSpPr>
+              <a:xfrm>
+                <a:off x="2694377" y="5816853"/>
+                <a:ext cx="1620000" cy="426839"/>
+                <a:chOff x="2557981" y="1995534"/>
+                <a:chExt cx="2160000" cy="569118"/>
+              </a:xfrm>
+            </p:grpSpPr>
+            <p:grpSp>
+              <p:nvGrpSpPr>
+                <p:cNvPr id="183" name="群組 182"/>
+                <p:cNvGrpSpPr/>
+                <p:nvPr/>
+              </p:nvGrpSpPr>
+              <p:grpSpPr>
+                <a:xfrm>
+                  <a:off x="2557981" y="2204652"/>
+                  <a:ext cx="2160000" cy="360000"/>
+                  <a:chOff x="2326744" y="1110634"/>
+                  <a:chExt cx="2486581" cy="450524"/>
+                </a:xfrm>
+              </p:grpSpPr>
+              <p:sp>
+                <p:nvSpPr>
+                  <p:cNvPr id="185" name="圓角矩形 184"/>
+                  <p:cNvSpPr/>
+                  <p:nvPr/>
+                </p:nvSpPr>
+                <p:spPr>
+                  <a:xfrm>
+                    <a:off x="2326744" y="1110634"/>
+                    <a:ext cx="2486581" cy="450524"/>
+                  </a:xfrm>
+                  <a:prstGeom prst="roundRect">
+                    <a:avLst/>
+                  </a:prstGeom>
+                  <a:noFill/>
+                  <a:ln>
+                    <a:solidFill>
+                      <a:schemeClr val="accent1">
+                        <a:lumMod val="60000"/>
+                        <a:lumOff val="40000"/>
+                      </a:schemeClr>
+                    </a:solidFill>
+                  </a:ln>
+                </p:spPr>
+                <p:style>
+                  <a:lnRef idx="2">
+                    <a:schemeClr val="accent1">
+                      <a:shade val="50000"/>
+                    </a:schemeClr>
+                  </a:lnRef>
+                  <a:fillRef idx="1">
+                    <a:schemeClr val="accent1"/>
+                  </a:fillRef>
+                  <a:effectRef idx="0">
+                    <a:schemeClr val="accent1"/>
+                  </a:effectRef>
+                  <a:fontRef idx="minor">
+                    <a:schemeClr val="lt1"/>
+                  </a:fontRef>
+                </p:style>
+                <p:txBody>
+                  <a:bodyPr rot="0" spcFirstLastPara="0" vertOverflow="overflow" horzOverflow="overflow" vert="horz" wrap="square" lIns="68580" tIns="34291" rIns="68580" bIns="34291" numCol="1" spcCol="0" rtlCol="0" fromWordArt="0" anchor="ctr" anchorCtr="0" forceAA="0" compatLnSpc="1">
+                    <a:prstTxWarp prst="textNoShape">
+                      <a:avLst/>
+                    </a:prstTxWarp>
+                    <a:noAutofit/>
+                  </a:bodyPr>
+                  <a:lstStyle/>
+                  <a:p>
+                    <a:pPr algn="ctr"/>
+                    <a:endParaRPr lang="en-US" sz="1351"/>
+                  </a:p>
+                </p:txBody>
+              </p:sp>
+              <p:sp>
+                <p:nvSpPr>
+                  <p:cNvPr id="186" name="矩形 185"/>
+                  <p:cNvSpPr/>
+                  <p:nvPr/>
+                </p:nvSpPr>
+                <p:spPr>
+                  <a:xfrm>
+                    <a:off x="3257063" y="1162247"/>
+                    <a:ext cx="625949" cy="385171"/>
+                  </a:xfrm>
+                  <a:prstGeom prst="rect">
+                    <a:avLst/>
+                  </a:prstGeom>
+                  <a:noFill/>
+                </p:spPr>
+                <p:txBody>
+                  <a:bodyPr wrap="none" lIns="68580" tIns="34291" rIns="68580" bIns="34291">
+                    <a:spAutoFit/>
+                  </a:bodyPr>
+                  <a:lstStyle/>
+                  <a:p>
+                    <a:pPr algn="ctr"/>
+                    <a:r>
+                      <a:rPr lang="zh-TW" altLang="en-US" sz="1050" dirty="0">
+                        <a:ln w="0"/>
+                        <a:solidFill>
+                          <a:schemeClr val="tx1">
+                            <a:lumMod val="75000"/>
+                            <a:lumOff val="25000"/>
+                          </a:schemeClr>
+                        </a:solidFill>
+                        <a:latin typeface="微軟正黑體" panose="020B0604030504040204" pitchFamily="34" charset="-120"/>
+                        <a:ea typeface="微軟正黑體" panose="020B0604030504040204" pitchFamily="34" charset="-120"/>
+                      </a:rPr>
+                      <a:t>維護</a:t>
+                    </a:r>
+                    <a:endParaRPr lang="zh-TW" altLang="en-US" sz="1051" dirty="0">
+                      <a:ln w="0"/>
+                      <a:solidFill>
+                        <a:schemeClr val="tx1">
+                          <a:lumMod val="75000"/>
+                          <a:lumOff val="25000"/>
+                        </a:schemeClr>
+                      </a:solidFill>
+                      <a:latin typeface="微軟正黑體" panose="020B0604030504040204" pitchFamily="34" charset="-120"/>
+                      <a:ea typeface="微軟正黑體" panose="020B0604030504040204" pitchFamily="34" charset="-120"/>
+                    </a:endParaRPr>
+                  </a:p>
+                </p:txBody>
+              </p:sp>
+            </p:grpSp>
+            <p:cxnSp>
+              <p:nvCxnSpPr>
+                <p:cNvPr id="184" name="直線單箭頭接點 183"/>
+                <p:cNvCxnSpPr/>
+                <p:nvPr/>
+              </p:nvCxnSpPr>
+              <p:spPr>
+                <a:xfrm>
+                  <a:off x="3612785" y="1995534"/>
+                  <a:ext cx="0" cy="207000"/>
+                </a:xfrm>
+                <a:prstGeom prst="straightConnector1">
+                  <a:avLst/>
+                </a:prstGeom>
+                <a:ln>
+                  <a:tailEnd type="triangle"/>
+                </a:ln>
+              </p:spPr>
+              <p:style>
+                <a:lnRef idx="1">
+                  <a:schemeClr val="dk1"/>
+                </a:lnRef>
+                <a:fillRef idx="0">
+                  <a:schemeClr val="dk1"/>
+                </a:fillRef>
+                <a:effectRef idx="0">
+                  <a:schemeClr val="dk1"/>
+                </a:effectRef>
+                <a:fontRef idx="minor">
+                  <a:schemeClr val="tx1"/>
+                </a:fontRef>
+              </p:style>
+            </p:cxnSp>
+          </p:grpSp>
+          <p:cxnSp>
+            <p:nvCxnSpPr>
+              <p:cNvPr id="187" name="直線單箭頭接點 186"/>
+              <p:cNvCxnSpPr/>
+              <p:nvPr/>
+            </p:nvCxnSpPr>
+            <p:spPr>
+              <a:xfrm>
+                <a:off x="3484295" y="6241723"/>
+                <a:ext cx="0" cy="155250"/>
+              </a:xfrm>
+              <a:prstGeom prst="straightConnector1">
+                <a:avLst/>
+              </a:prstGeom>
+              <a:ln>
+                <a:tailEnd type="triangle"/>
+              </a:ln>
+            </p:spPr>
+            <p:style>
+              <a:lnRef idx="1">
+                <a:schemeClr val="dk1"/>
+              </a:lnRef>
+              <a:fillRef idx="0">
+                <a:schemeClr val="dk1"/>
+              </a:fillRef>
+              <a:effectRef idx="0">
+                <a:schemeClr val="dk1"/>
+              </a:effectRef>
+              <a:fontRef idx="minor">
+                <a:schemeClr val="tx1"/>
+              </a:fontRef>
+            </p:style>
+          </p:cxnSp>
+          <p:sp>
+            <p:nvSpPr>
+              <p:cNvPr id="188" name="橢圓 187"/>
+              <p:cNvSpPr/>
+              <p:nvPr/>
+            </p:nvSpPr>
+            <p:spPr>
+              <a:xfrm>
+                <a:off x="3328200" y="6436273"/>
+                <a:ext cx="310500" cy="310500"/>
+              </a:xfrm>
+              <a:prstGeom prst="ellipse">
+                <a:avLst/>
+              </a:prstGeom>
+              <a:solidFill>
+                <a:schemeClr val="bg1">
+                  <a:lumMod val="65000"/>
+                </a:schemeClr>
+              </a:solidFill>
+              <a:ln>
+                <a:noFill/>
+              </a:ln>
+            </p:spPr>
+            <p:style>
+              <a:lnRef idx="2">
+                <a:schemeClr val="accent1">
+                  <a:shade val="50000"/>
+                </a:schemeClr>
+              </a:lnRef>
+              <a:fillRef idx="1">
+                <a:schemeClr val="accent1"/>
+              </a:fillRef>
+              <a:effectRef idx="0">
+                <a:schemeClr val="accent1"/>
+              </a:effectRef>
+              <a:fontRef idx="minor">
+                <a:schemeClr val="lt1"/>
+              </a:fontRef>
+            </p:style>
+            <p:txBody>
+              <a:bodyPr rot="0" spcFirstLastPara="0" vertOverflow="overflow" horzOverflow="overflow" vert="horz" wrap="square" lIns="68580" tIns="34291" rIns="68580" bIns="34291" numCol="1" spcCol="0" rtlCol="0" fromWordArt="0" anchor="ctr" anchorCtr="0" forceAA="0" compatLnSpc="1">
+                <a:prstTxWarp prst="textNoShape">
+                  <a:avLst/>
+                </a:prstTxWarp>
+                <a:noAutofit/>
+              </a:bodyPr>
+              <a:lstStyle/>
+              <a:p>
+                <a:pPr algn="ctr"/>
+                <a:endParaRPr lang="en-US" sz="1351"/>
+              </a:p>
+            </p:txBody>
+          </p:sp>
+          <p:sp>
+            <p:nvSpPr>
+              <p:cNvPr id="189" name="橢圓 188"/>
+              <p:cNvSpPr/>
+              <p:nvPr/>
+            </p:nvSpPr>
+            <p:spPr>
+              <a:xfrm>
+                <a:off x="3303616" y="6411523"/>
+                <a:ext cx="360000" cy="360000"/>
+              </a:xfrm>
+              <a:prstGeom prst="ellipse">
+                <a:avLst/>
+              </a:prstGeom>
+              <a:noFill/>
+              <a:ln>
+                <a:solidFill>
+                  <a:schemeClr val="bg1">
+                    <a:lumMod val="65000"/>
+                  </a:schemeClr>
+                </a:solidFill>
+              </a:ln>
+            </p:spPr>
+            <p:style>
+              <a:lnRef idx="2">
+                <a:schemeClr val="accent1">
+                  <a:shade val="50000"/>
+                </a:schemeClr>
+              </a:lnRef>
+              <a:fillRef idx="1">
+                <a:schemeClr val="accent1"/>
+              </a:fillRef>
+              <a:effectRef idx="0">
+                <a:schemeClr val="accent1"/>
+              </a:effectRef>
+              <a:fontRef idx="minor">
+                <a:schemeClr val="lt1"/>
+              </a:fontRef>
+            </p:style>
+            <p:txBody>
+              <a:bodyPr rot="0" spcFirstLastPara="0" vertOverflow="overflow" horzOverflow="overflow" vert="horz" wrap="square" lIns="68580" tIns="34291" rIns="68580" bIns="34291" numCol="1" spcCol="0" rtlCol="0" fromWordArt="0" anchor="ctr" anchorCtr="0" forceAA="0" compatLnSpc="1">
+                <a:prstTxWarp prst="textNoShape">
+                  <a:avLst/>
+                </a:prstTxWarp>
+                <a:noAutofit/>
+              </a:bodyPr>
+              <a:lstStyle/>
+              <a:p>
+                <a:pPr algn="ctr"/>
+                <a:endParaRPr lang="en-US" sz="1351"/>
+              </a:p>
+            </p:txBody>
+          </p:sp>
+        </p:grpSp>
+        <p:sp>
+          <p:nvSpPr>
+            <p:cNvPr id="191" name="矩形 190"/>
+            <p:cNvSpPr/>
+            <p:nvPr/>
+          </p:nvSpPr>
+          <p:spPr>
+            <a:xfrm>
+              <a:off x="1829676" y="867146"/>
+              <a:ext cx="5568651" cy="974176"/>
+            </a:xfrm>
+            <a:prstGeom prst="rect">
+              <a:avLst/>
+            </a:prstGeom>
+            <a:noFill/>
+            <a:ln w="25400">
+              <a:solidFill>
+                <a:srgbClr val="FF0000"/>
+              </a:solidFill>
+            </a:ln>
+          </p:spPr>
+          <p:style>
+            <a:lnRef idx="2">
+              <a:schemeClr val="accent2">
+                <a:shade val="50000"/>
+              </a:schemeClr>
+            </a:lnRef>
+            <a:fillRef idx="1">
+              <a:schemeClr val="accent2"/>
+            </a:fillRef>
+            <a:effectRef idx="0">
+              <a:schemeClr val="accent2"/>
+            </a:effectRef>
+            <a:fontRef idx="minor">
+              <a:schemeClr val="lt1"/>
+            </a:fontRef>
+          </p:style>
+          <p:txBody>
+            <a:bodyPr rot="0" spcFirstLastPara="0" vertOverflow="overflow" horzOverflow="overflow" vert="horz" wrap="square" lIns="91440" tIns="45720" rIns="91440" bIns="45720" numCol="1" spcCol="0" rtlCol="0" fromWordArt="0" anchor="ctr" anchorCtr="0" forceAA="0" compatLnSpc="1">
+              <a:prstTxWarp prst="textNoShape">
+                <a:avLst/>
+              </a:prstTxWarp>
+              <a:noAutofit/>
+            </a:bodyPr>
+            <a:lstStyle/>
+            <a:p>
+              <a:pPr algn="ctr"/>
+              <a:endParaRPr lang="en-US"/>
+            </a:p>
+          </p:txBody>
+        </p:sp>
+        <p:sp>
+          <p:nvSpPr>
+            <p:cNvPr id="192" name="矩形 191"/>
+            <p:cNvSpPr/>
+            <p:nvPr/>
+          </p:nvSpPr>
+          <p:spPr>
+            <a:xfrm>
+              <a:off x="7460133" y="1154179"/>
+              <a:ext cx="1107996" cy="369332"/>
+            </a:xfrm>
+            <a:prstGeom prst="rect">
+              <a:avLst/>
+            </a:prstGeom>
+            <a:noFill/>
+          </p:spPr>
+          <p:txBody>
+            <a:bodyPr wrap="none" lIns="91440" tIns="45720" rIns="91440" bIns="45720">
+              <a:spAutoFit/>
+            </a:bodyPr>
+            <a:lstStyle/>
+            <a:p>
+              <a:pPr algn="ctr"/>
+              <a:r>
+                <a:rPr lang="zh-TW" altLang="en-US" dirty="0">
+                  <a:ln w="0"/>
+                  <a:solidFill>
+                    <a:srgbClr val="FF0000"/>
+                  </a:solidFill>
+                  <a:latin typeface="微軟正黑體" panose="020B0604030504040204" pitchFamily="34" charset="-120"/>
+                  <a:ea typeface="微軟正黑體" panose="020B0604030504040204" pitchFamily="34" charset="-120"/>
+                </a:rPr>
+                <a:t>第一周期</a:t>
+              </a:r>
+            </a:p>
+          </p:txBody>
+        </p:sp>
+        <p:sp>
+          <p:nvSpPr>
+            <p:cNvPr id="193" name="矩形 192"/>
+            <p:cNvSpPr/>
+            <p:nvPr/>
+          </p:nvSpPr>
+          <p:spPr>
+            <a:xfrm>
+              <a:off x="1829676" y="1891631"/>
+              <a:ext cx="5568651" cy="1274362"/>
+            </a:xfrm>
+            <a:prstGeom prst="rect">
+              <a:avLst/>
+            </a:prstGeom>
+            <a:noFill/>
+            <a:ln w="25400">
+              <a:solidFill>
+                <a:srgbClr val="FFC000"/>
+              </a:solidFill>
+            </a:ln>
+          </p:spPr>
+          <p:style>
+            <a:lnRef idx="2">
+              <a:schemeClr val="accent2">
+                <a:shade val="50000"/>
+              </a:schemeClr>
+            </a:lnRef>
+            <a:fillRef idx="1">
+              <a:schemeClr val="accent2"/>
+            </a:fillRef>
+            <a:effectRef idx="0">
+              <a:schemeClr val="accent2"/>
+            </a:effectRef>
+            <a:fontRef idx="minor">
+              <a:schemeClr val="lt1"/>
+            </a:fontRef>
+          </p:style>
+          <p:txBody>
+            <a:bodyPr rot="0" spcFirstLastPara="0" vertOverflow="overflow" horzOverflow="overflow" vert="horz" wrap="square" lIns="91440" tIns="45720" rIns="91440" bIns="45720" numCol="1" spcCol="0" rtlCol="0" fromWordArt="0" anchor="ctr" anchorCtr="0" forceAA="0" compatLnSpc="1">
+              <a:prstTxWarp prst="textNoShape">
+                <a:avLst/>
+              </a:prstTxWarp>
+              <a:noAutofit/>
+            </a:bodyPr>
+            <a:lstStyle/>
+            <a:p>
+              <a:pPr algn="ctr"/>
+              <a:endParaRPr lang="en-US">
+                <a:solidFill>
+                  <a:srgbClr val="92D050"/>
+                </a:solidFill>
+              </a:endParaRPr>
+            </a:p>
+          </p:txBody>
+        </p:sp>
+        <p:sp>
+          <p:nvSpPr>
+            <p:cNvPr id="194" name="矩形 193"/>
+            <p:cNvSpPr/>
+            <p:nvPr/>
+          </p:nvSpPr>
+          <p:spPr>
+            <a:xfrm>
+              <a:off x="7467931" y="2319611"/>
+              <a:ext cx="1107997" cy="369332"/>
+            </a:xfrm>
+            <a:prstGeom prst="rect">
+              <a:avLst/>
+            </a:prstGeom>
+            <a:noFill/>
+          </p:spPr>
+          <p:txBody>
+            <a:bodyPr wrap="none" lIns="91440" tIns="45720" rIns="91440" bIns="45720">
+              <a:spAutoFit/>
+            </a:bodyPr>
+            <a:lstStyle/>
+            <a:p>
+              <a:pPr algn="ctr"/>
+              <a:r>
+                <a:rPr lang="zh-TW" altLang="en-US" dirty="0">
+                  <a:ln w="0"/>
+                  <a:solidFill>
+                    <a:srgbClr val="FFC000"/>
+                  </a:solidFill>
+                  <a:latin typeface="微軟正黑體" panose="020B0604030504040204" pitchFamily="34" charset="-120"/>
+                  <a:ea typeface="微軟正黑體" panose="020B0604030504040204" pitchFamily="34" charset="-120"/>
+                </a:rPr>
+                <a:t>第二周期</a:t>
+              </a:r>
+            </a:p>
+          </p:txBody>
+        </p:sp>
+        <p:sp>
+          <p:nvSpPr>
+            <p:cNvPr id="195" name="矩形 194"/>
+            <p:cNvSpPr/>
+            <p:nvPr/>
+          </p:nvSpPr>
+          <p:spPr>
+            <a:xfrm>
+              <a:off x="1829676" y="3223797"/>
+              <a:ext cx="5568651" cy="858998"/>
+            </a:xfrm>
+            <a:prstGeom prst="rect">
+              <a:avLst/>
+            </a:prstGeom>
+            <a:noFill/>
+            <a:ln w="25400">
+              <a:solidFill>
+                <a:srgbClr val="92D050"/>
+              </a:solidFill>
+            </a:ln>
+          </p:spPr>
+          <p:style>
+            <a:lnRef idx="2">
+              <a:schemeClr val="accent2">
+                <a:shade val="50000"/>
+              </a:schemeClr>
+            </a:lnRef>
+            <a:fillRef idx="1">
+              <a:schemeClr val="accent2"/>
+            </a:fillRef>
+            <a:effectRef idx="0">
+              <a:schemeClr val="accent2"/>
+            </a:effectRef>
+            <a:fontRef idx="minor">
+              <a:schemeClr val="lt1"/>
+            </a:fontRef>
+          </p:style>
+          <p:txBody>
+            <a:bodyPr rot="0" spcFirstLastPara="0" vertOverflow="overflow" horzOverflow="overflow" vert="horz" wrap="square" lIns="91440" tIns="45720" rIns="91440" bIns="45720" numCol="1" spcCol="0" rtlCol="0" fromWordArt="0" anchor="ctr" anchorCtr="0" forceAA="0" compatLnSpc="1">
+              <a:prstTxWarp prst="textNoShape">
+                <a:avLst/>
+              </a:prstTxWarp>
+              <a:noAutofit/>
+            </a:bodyPr>
+            <a:lstStyle/>
+            <a:p>
+              <a:pPr algn="ctr"/>
+              <a:endParaRPr lang="en-US">
+                <a:solidFill>
+                  <a:srgbClr val="92D050"/>
+                </a:solidFill>
+              </a:endParaRPr>
+            </a:p>
+          </p:txBody>
+        </p:sp>
+        <p:sp>
+          <p:nvSpPr>
+            <p:cNvPr id="196" name="矩形 195"/>
+            <p:cNvSpPr/>
+            <p:nvPr/>
+          </p:nvSpPr>
+          <p:spPr>
+            <a:xfrm>
+              <a:off x="7460133" y="3468630"/>
+              <a:ext cx="1107996" cy="369332"/>
+            </a:xfrm>
+            <a:prstGeom prst="rect">
+              <a:avLst/>
+            </a:prstGeom>
+            <a:noFill/>
+          </p:spPr>
+          <p:txBody>
+            <a:bodyPr wrap="none" lIns="91440" tIns="45720" rIns="91440" bIns="45720">
+              <a:spAutoFit/>
+            </a:bodyPr>
+            <a:lstStyle/>
+            <a:p>
+              <a:pPr algn="ctr"/>
+              <a:r>
+                <a:rPr lang="zh-TW" altLang="en-US" dirty="0">
+                  <a:ln w="0"/>
+                  <a:solidFill>
+                    <a:srgbClr val="92D050"/>
+                  </a:solidFill>
+                  <a:latin typeface="微軟正黑體" panose="020B0604030504040204" pitchFamily="34" charset="-120"/>
+                  <a:ea typeface="微軟正黑體" panose="020B0604030504040204" pitchFamily="34" charset="-120"/>
+                </a:rPr>
+                <a:t>第三周期</a:t>
+              </a:r>
+            </a:p>
+          </p:txBody>
+        </p:sp>
+        <p:sp>
+          <p:nvSpPr>
+            <p:cNvPr id="197" name="矩形 196"/>
+            <p:cNvSpPr/>
+            <p:nvPr/>
+          </p:nvSpPr>
+          <p:spPr>
+            <a:xfrm>
+              <a:off x="1829675" y="4149682"/>
+              <a:ext cx="5568651" cy="811084"/>
+            </a:xfrm>
+            <a:prstGeom prst="rect">
+              <a:avLst/>
+            </a:prstGeom>
+            <a:noFill/>
+            <a:ln w="25400">
+              <a:solidFill>
+                <a:srgbClr val="00B0F0"/>
+              </a:solidFill>
+            </a:ln>
+          </p:spPr>
+          <p:style>
+            <a:lnRef idx="2">
+              <a:schemeClr val="accent2">
+                <a:shade val="50000"/>
+              </a:schemeClr>
+            </a:lnRef>
+            <a:fillRef idx="1">
+              <a:schemeClr val="accent2"/>
+            </a:fillRef>
+            <a:effectRef idx="0">
+              <a:schemeClr val="accent2"/>
+            </a:effectRef>
+            <a:fontRef idx="minor">
+              <a:schemeClr val="lt1"/>
+            </a:fontRef>
+          </p:style>
+          <p:txBody>
+            <a:bodyPr rot="0" spcFirstLastPara="0" vertOverflow="overflow" horzOverflow="overflow" vert="horz" wrap="square" lIns="91440" tIns="45720" rIns="91440" bIns="45720" numCol="1" spcCol="0" rtlCol="0" fromWordArt="0" anchor="ctr" anchorCtr="0" forceAA="0" compatLnSpc="1">
+              <a:prstTxWarp prst="textNoShape">
+                <a:avLst/>
+              </a:prstTxWarp>
+              <a:noAutofit/>
+            </a:bodyPr>
+            <a:lstStyle/>
+            <a:p>
+              <a:pPr algn="ctr"/>
+              <a:endParaRPr lang="en-US">
+                <a:solidFill>
+                  <a:srgbClr val="92D050"/>
+                </a:solidFill>
+              </a:endParaRPr>
+            </a:p>
+          </p:txBody>
+        </p:sp>
+        <p:sp>
+          <p:nvSpPr>
+            <p:cNvPr id="198" name="矩形 197"/>
+            <p:cNvSpPr/>
+            <p:nvPr/>
+          </p:nvSpPr>
+          <p:spPr>
+            <a:xfrm>
+              <a:off x="7467931" y="4366156"/>
+              <a:ext cx="1107997" cy="369332"/>
+            </a:xfrm>
+            <a:prstGeom prst="rect">
+              <a:avLst/>
+            </a:prstGeom>
+            <a:noFill/>
+          </p:spPr>
+          <p:txBody>
+            <a:bodyPr wrap="none" lIns="91440" tIns="45720" rIns="91440" bIns="45720">
+              <a:spAutoFit/>
+            </a:bodyPr>
+            <a:lstStyle/>
+            <a:p>
+              <a:pPr algn="ctr"/>
+              <a:r>
+                <a:rPr lang="zh-TW" altLang="en-US" dirty="0">
+                  <a:ln w="0"/>
+                  <a:solidFill>
+                    <a:srgbClr val="00B0F0"/>
+                  </a:solidFill>
+                  <a:latin typeface="微軟正黑體" panose="020B0604030504040204" pitchFamily="34" charset="-120"/>
+                  <a:ea typeface="微軟正黑體" panose="020B0604030504040204" pitchFamily="34" charset="-120"/>
+                </a:rPr>
+                <a:t>第四周期</a:t>
+              </a:r>
+            </a:p>
+          </p:txBody>
+        </p:sp>
+        <p:sp>
+          <p:nvSpPr>
+            <p:cNvPr id="199" name="矩形 198"/>
+            <p:cNvSpPr/>
+            <p:nvPr/>
+          </p:nvSpPr>
+          <p:spPr>
+            <a:xfrm>
+              <a:off x="1832445" y="5016976"/>
+              <a:ext cx="5568651" cy="1301604"/>
+            </a:xfrm>
+            <a:prstGeom prst="rect">
+              <a:avLst/>
+            </a:prstGeom>
+            <a:noFill/>
+            <a:ln w="25400">
+              <a:solidFill>
+                <a:srgbClr val="7030A0"/>
+              </a:solidFill>
+            </a:ln>
+          </p:spPr>
+          <p:style>
+            <a:lnRef idx="2">
+              <a:schemeClr val="accent2">
+                <a:shade val="50000"/>
+              </a:schemeClr>
+            </a:lnRef>
+            <a:fillRef idx="1">
+              <a:schemeClr val="accent2"/>
+            </a:fillRef>
+            <a:effectRef idx="0">
+              <a:schemeClr val="accent2"/>
+            </a:effectRef>
+            <a:fontRef idx="minor">
+              <a:schemeClr val="lt1"/>
+            </a:fontRef>
+          </p:style>
+          <p:txBody>
+            <a:bodyPr rot="0" spcFirstLastPara="0" vertOverflow="overflow" horzOverflow="overflow" vert="horz" wrap="square" lIns="91440" tIns="45720" rIns="91440" bIns="45720" numCol="1" spcCol="0" rtlCol="0" fromWordArt="0" anchor="ctr" anchorCtr="0" forceAA="0" compatLnSpc="1">
+              <a:prstTxWarp prst="textNoShape">
+                <a:avLst/>
+              </a:prstTxWarp>
+              <a:noAutofit/>
+            </a:bodyPr>
+            <a:lstStyle/>
+            <a:p>
+              <a:pPr algn="ctr"/>
+              <a:endParaRPr lang="en-US">
+                <a:solidFill>
+                  <a:srgbClr val="92D050"/>
+                </a:solidFill>
+              </a:endParaRPr>
+            </a:p>
+          </p:txBody>
+        </p:sp>
+        <p:sp>
+          <p:nvSpPr>
+            <p:cNvPr id="200" name="矩形 199"/>
+            <p:cNvSpPr/>
+            <p:nvPr/>
+          </p:nvSpPr>
+          <p:spPr>
+            <a:xfrm>
+              <a:off x="7468581" y="5483112"/>
+              <a:ext cx="1107997" cy="369332"/>
+            </a:xfrm>
+            <a:prstGeom prst="rect">
+              <a:avLst/>
+            </a:prstGeom>
+            <a:noFill/>
+          </p:spPr>
+          <p:txBody>
+            <a:bodyPr wrap="none" lIns="91440" tIns="45720" rIns="91440" bIns="45720">
+              <a:spAutoFit/>
+            </a:bodyPr>
+            <a:lstStyle/>
+            <a:p>
+              <a:pPr algn="ctr"/>
+              <a:r>
+                <a:rPr lang="zh-TW" altLang="en-US" dirty="0">
+                  <a:ln w="0"/>
+                  <a:solidFill>
+                    <a:srgbClr val="7030A0"/>
+                  </a:solidFill>
+                  <a:latin typeface="微軟正黑體" panose="020B0604030504040204" pitchFamily="34" charset="-120"/>
+                  <a:ea typeface="微軟正黑體" panose="020B0604030504040204" pitchFamily="34" charset="-120"/>
+                </a:rPr>
+                <a:t>第五周期</a:t>
+              </a:r>
+            </a:p>
+          </p:txBody>
+        </p:sp>
+      </p:grpSp>
+    </p:spTree>
+    <p:extLst>
+      <p:ext uri="{BB962C8B-B14F-4D97-AF65-F5344CB8AC3E}">
+        <p14:creationId xmlns:p14="http://schemas.microsoft.com/office/powerpoint/2010/main" val="3568614658"/>
+      </p:ext>
+    </p:extLst>
+  </p:cSld>
+  <p:clrMapOvr>
+    <a:masterClrMapping/>
+  </p:clrMapOvr>
+  <p:timing>
+    <p:tnLst>
+      <p:par>
+        <p:cTn id="1" dur="indefinite" restart="never" nodeType="tmRoot"/>
+      </p:par>
+    </p:tnLst>
+  </p:timing>
+</p:sld>
+</file>
+
+<file path=ppt/slides/slide4.xml><?xml version="1.0" encoding="utf-8"?>
+<p:sld xmlns:a="http://schemas.openxmlformats.org/drawingml/2006/main" xmlns:r="http://schemas.openxmlformats.org/officeDocument/2006/relationships" xmlns:p="http://schemas.openxmlformats.org/presentationml/2006/main">
+  <p:cSld>
+    <p:spTree>
+      <p:nvGrpSpPr>
+        <p:cNvPr id="1" name=""/>
+        <p:cNvGrpSpPr/>
+        <p:nvPr/>
+      </p:nvGrpSpPr>
+      <p:grpSpPr>
+        <a:xfrm>
+          <a:off x="0" y="0"/>
+          <a:ext cx="0" cy="0"/>
+          <a:chOff x="0" y="0"/>
+          <a:chExt cx="0" cy="0"/>
+        </a:xfrm>
+      </p:grpSpPr>
+      <p:grpSp>
+        <p:nvGrpSpPr>
+          <p:cNvPr id="43" name="群組 42"/>
+          <p:cNvGrpSpPr/>
+          <p:nvPr/>
+        </p:nvGrpSpPr>
+        <p:grpSpPr>
+          <a:xfrm>
+            <a:off x="1" y="806336"/>
+            <a:ext cx="11924522" cy="5230570"/>
+            <a:chOff x="1" y="806336"/>
+            <a:chExt cx="11924522" cy="5230570"/>
+          </a:xfrm>
+        </p:grpSpPr>
+        <p:sp>
+          <p:nvSpPr>
+            <p:cNvPr id="4" name="矩形 3"/>
+            <p:cNvSpPr/>
+            <p:nvPr/>
+          </p:nvSpPr>
+          <p:spPr>
+            <a:xfrm>
+              <a:off x="1" y="806336"/>
+              <a:ext cx="11924522" cy="5230570"/>
+            </a:xfrm>
+            <a:prstGeom prst="rect">
+              <a:avLst/>
+            </a:prstGeom>
+            <a:noFill/>
+            <a:ln>
+              <a:solidFill>
+                <a:schemeClr val="bg1">
+                  <a:lumMod val="65000"/>
+                </a:schemeClr>
+              </a:solidFill>
+            </a:ln>
+          </p:spPr>
+          <p:style>
+            <a:lnRef idx="2">
+              <a:schemeClr val="accent1">
+                <a:shade val="50000"/>
+              </a:schemeClr>
+            </a:lnRef>
+            <a:fillRef idx="1">
+              <a:schemeClr val="accent1"/>
+            </a:fillRef>
+            <a:effectRef idx="0">
+              <a:schemeClr val="accent1"/>
+            </a:effectRef>
+            <a:fontRef idx="minor">
+              <a:schemeClr val="lt1"/>
+            </a:fontRef>
+          </p:style>
+          <p:txBody>
+            <a:bodyPr rot="0" spcFirstLastPara="0" vertOverflow="overflow" horzOverflow="overflow" vert="horz" wrap="square" lIns="91440" tIns="45720" rIns="91440" bIns="45720" numCol="1" spcCol="0" rtlCol="0" fromWordArt="0" anchor="ctr" anchorCtr="0" forceAA="0" compatLnSpc="1">
+              <a:prstTxWarp prst="textNoShape">
+                <a:avLst/>
+              </a:prstTxWarp>
+              <a:noAutofit/>
+            </a:bodyPr>
+            <a:lstStyle/>
+            <a:p>
+              <a:pPr algn="ctr"/>
+              <a:endParaRPr lang="en-US"/>
+            </a:p>
+          </p:txBody>
+        </p:sp>
+        <p:sp>
+          <p:nvSpPr>
+            <p:cNvPr id="11" name="矩形 10"/>
+            <p:cNvSpPr/>
+            <p:nvPr/>
+          </p:nvSpPr>
+          <p:spPr>
+            <a:xfrm>
+              <a:off x="129053" y="1792406"/>
+              <a:ext cx="1005403" cy="338554"/>
+            </a:xfrm>
+            <a:prstGeom prst="rect">
+              <a:avLst/>
+            </a:prstGeom>
+            <a:noFill/>
+          </p:spPr>
+          <p:txBody>
+            <a:bodyPr wrap="none" lIns="91440" tIns="45720" rIns="91440" bIns="45720">
+              <a:spAutoFit/>
+            </a:bodyPr>
+            <a:lstStyle/>
+            <a:p>
+              <a:pPr algn="ctr"/>
+              <a:r>
+                <a:rPr lang="zh-TW" altLang="en-US" sz="1600" dirty="0">
+                  <a:ln w="0"/>
+                  <a:solidFill>
+                    <a:schemeClr val="bg1">
+                      <a:lumMod val="50000"/>
+                    </a:schemeClr>
+                  </a:solidFill>
+                  <a:latin typeface="微軟正黑體" panose="020B0604030504040204" pitchFamily="34" charset="-120"/>
+                  <a:ea typeface="微軟正黑體" panose="020B0604030504040204" pitchFamily="34" charset="-120"/>
+                </a:rPr>
+                <a:t>第一周期</a:t>
+              </a:r>
+            </a:p>
+          </p:txBody>
+        </p:sp>
+        <p:sp>
+          <p:nvSpPr>
+            <p:cNvPr id="12" name="矩形 11"/>
+            <p:cNvSpPr/>
+            <p:nvPr/>
+          </p:nvSpPr>
+          <p:spPr>
+            <a:xfrm>
+              <a:off x="129053" y="2443569"/>
+              <a:ext cx="1005403" cy="338554"/>
+            </a:xfrm>
+            <a:prstGeom prst="rect">
+              <a:avLst/>
+            </a:prstGeom>
+            <a:noFill/>
+          </p:spPr>
+          <p:txBody>
+            <a:bodyPr wrap="none" lIns="91440" tIns="45720" rIns="91440" bIns="45720">
+              <a:spAutoFit/>
+            </a:bodyPr>
+            <a:lstStyle/>
+            <a:p>
+              <a:pPr algn="ctr"/>
+              <a:r>
+                <a:rPr lang="zh-TW" altLang="en-US" sz="1600" dirty="0">
+                  <a:ln w="0"/>
+                  <a:solidFill>
+                    <a:schemeClr val="bg1">
+                      <a:lumMod val="50000"/>
+                    </a:schemeClr>
+                  </a:solidFill>
+                  <a:latin typeface="微軟正黑體" panose="020B0604030504040204" pitchFamily="34" charset="-120"/>
+                  <a:ea typeface="微軟正黑體" panose="020B0604030504040204" pitchFamily="34" charset="-120"/>
+                </a:rPr>
+                <a:t>第二周期</a:t>
+              </a:r>
+            </a:p>
+          </p:txBody>
+        </p:sp>
+        <p:sp>
+          <p:nvSpPr>
+            <p:cNvPr id="13" name="矩形 12"/>
+            <p:cNvSpPr/>
+            <p:nvPr/>
+          </p:nvSpPr>
+          <p:spPr>
+            <a:xfrm>
+              <a:off x="129052" y="3100850"/>
+              <a:ext cx="1005403" cy="338554"/>
+            </a:xfrm>
+            <a:prstGeom prst="rect">
+              <a:avLst/>
+            </a:prstGeom>
+            <a:noFill/>
+          </p:spPr>
+          <p:txBody>
+            <a:bodyPr wrap="none" lIns="91440" tIns="45720" rIns="91440" bIns="45720">
+              <a:spAutoFit/>
+            </a:bodyPr>
+            <a:lstStyle/>
+            <a:p>
+              <a:pPr algn="ctr"/>
+              <a:r>
+                <a:rPr lang="zh-TW" altLang="en-US" sz="1600" dirty="0">
+                  <a:ln w="0"/>
+                  <a:solidFill>
+                    <a:schemeClr val="bg1">
+                      <a:lumMod val="50000"/>
+                    </a:schemeClr>
+                  </a:solidFill>
+                  <a:latin typeface="微軟正黑體" panose="020B0604030504040204" pitchFamily="34" charset="-120"/>
+                  <a:ea typeface="微軟正黑體" panose="020B0604030504040204" pitchFamily="34" charset="-120"/>
+                </a:rPr>
+                <a:t>第三周期</a:t>
+              </a:r>
+            </a:p>
+          </p:txBody>
+        </p:sp>
+        <p:sp>
+          <p:nvSpPr>
+            <p:cNvPr id="14" name="矩形 13"/>
+            <p:cNvSpPr/>
+            <p:nvPr/>
+          </p:nvSpPr>
+          <p:spPr>
+            <a:xfrm>
+              <a:off x="129053" y="3758131"/>
+              <a:ext cx="1005403" cy="338554"/>
+            </a:xfrm>
+            <a:prstGeom prst="rect">
+              <a:avLst/>
+            </a:prstGeom>
+            <a:noFill/>
+          </p:spPr>
+          <p:txBody>
+            <a:bodyPr wrap="none" lIns="91440" tIns="45720" rIns="91440" bIns="45720">
+              <a:spAutoFit/>
+            </a:bodyPr>
+            <a:lstStyle/>
+            <a:p>
+              <a:pPr algn="ctr"/>
+              <a:r>
+                <a:rPr lang="zh-TW" altLang="en-US" sz="1600" dirty="0">
+                  <a:ln w="0"/>
+                  <a:solidFill>
+                    <a:schemeClr val="bg1">
+                      <a:lumMod val="50000"/>
+                    </a:schemeClr>
+                  </a:solidFill>
+                  <a:latin typeface="微軟正黑體" panose="020B0604030504040204" pitchFamily="34" charset="-120"/>
+                  <a:ea typeface="微軟正黑體" panose="020B0604030504040204" pitchFamily="34" charset="-120"/>
+                </a:rPr>
+                <a:t>第四周期</a:t>
+              </a:r>
+            </a:p>
+          </p:txBody>
+        </p:sp>
+        <p:sp>
+          <p:nvSpPr>
+            <p:cNvPr id="15" name="矩形 14"/>
+            <p:cNvSpPr/>
+            <p:nvPr/>
+          </p:nvSpPr>
+          <p:spPr>
+            <a:xfrm>
+              <a:off x="129053" y="4477416"/>
+              <a:ext cx="1005403" cy="338554"/>
+            </a:xfrm>
+            <a:prstGeom prst="rect">
+              <a:avLst/>
+            </a:prstGeom>
+            <a:noFill/>
+          </p:spPr>
+          <p:txBody>
+            <a:bodyPr wrap="none" lIns="91440" tIns="45720" rIns="91440" bIns="45720">
+              <a:spAutoFit/>
+            </a:bodyPr>
+            <a:lstStyle/>
+            <a:p>
+              <a:pPr algn="ctr"/>
+              <a:r>
+                <a:rPr lang="zh-TW" altLang="en-US" sz="1600" dirty="0">
+                  <a:ln w="0"/>
+                  <a:solidFill>
+                    <a:schemeClr val="bg1">
+                      <a:lumMod val="50000"/>
+                    </a:schemeClr>
+                  </a:solidFill>
+                  <a:latin typeface="微軟正黑體" panose="020B0604030504040204" pitchFamily="34" charset="-120"/>
+                  <a:ea typeface="微軟正黑體" panose="020B0604030504040204" pitchFamily="34" charset="-120"/>
+                </a:rPr>
+                <a:t>第五周期</a:t>
+              </a:r>
+            </a:p>
+          </p:txBody>
+        </p:sp>
+        <p:sp>
+          <p:nvSpPr>
+            <p:cNvPr id="16" name="矩形 15"/>
+            <p:cNvSpPr/>
+            <p:nvPr/>
+          </p:nvSpPr>
+          <p:spPr>
+            <a:xfrm>
+              <a:off x="1138694" y="1405717"/>
+              <a:ext cx="1031052" cy="276999"/>
+            </a:xfrm>
+            <a:prstGeom prst="rect">
+              <a:avLst/>
+            </a:prstGeom>
+            <a:noFill/>
+          </p:spPr>
+          <p:txBody>
+            <a:bodyPr wrap="none" lIns="91440" tIns="45720" rIns="91440" bIns="45720">
+              <a:spAutoFit/>
+            </a:bodyPr>
+            <a:lstStyle/>
+            <a:p>
+              <a:pPr algn="ctr"/>
+              <a:r>
+                <a:rPr lang="en-US" altLang="zh-TW" sz="1200" dirty="0">
+                  <a:ln w="0"/>
+                  <a:solidFill>
+                    <a:schemeClr val="bg1">
+                      <a:lumMod val="50000"/>
+                    </a:schemeClr>
+                  </a:solidFill>
+                  <a:latin typeface="微軟正黑體" panose="020B0604030504040204" pitchFamily="34" charset="-120"/>
+                  <a:ea typeface="微軟正黑體" panose="020B0604030504040204" pitchFamily="34" charset="-120"/>
+                </a:rPr>
+                <a:t>2018/08/01</a:t>
+              </a:r>
+              <a:endParaRPr lang="zh-TW" altLang="en-US" sz="1200" dirty="0">
+                <a:ln w="0"/>
+                <a:solidFill>
+                  <a:schemeClr val="bg1">
+                    <a:lumMod val="50000"/>
+                  </a:schemeClr>
+                </a:solidFill>
+                <a:latin typeface="微軟正黑體" panose="020B0604030504040204" pitchFamily="34" charset="-120"/>
+                <a:ea typeface="微軟正黑體" panose="020B0604030504040204" pitchFamily="34" charset="-120"/>
+              </a:endParaRPr>
+            </a:p>
+          </p:txBody>
+        </p:sp>
+        <p:cxnSp>
+          <p:nvCxnSpPr>
+            <p:cNvPr id="18" name="直線接點 17"/>
+            <p:cNvCxnSpPr/>
+            <p:nvPr/>
+          </p:nvCxnSpPr>
+          <p:spPr>
+            <a:xfrm>
+              <a:off x="1654221" y="1751648"/>
+              <a:ext cx="8313" cy="3227123"/>
+            </a:xfrm>
+            <a:prstGeom prst="line">
+              <a:avLst/>
+            </a:prstGeom>
+            <a:ln w="12700">
+              <a:solidFill>
+                <a:schemeClr val="bg1">
+                  <a:lumMod val="50000"/>
+                </a:schemeClr>
+              </a:solidFill>
+            </a:ln>
+          </p:spPr>
+          <p:style>
+            <a:lnRef idx="1">
+              <a:schemeClr val="dk1"/>
+            </a:lnRef>
+            <a:fillRef idx="0">
+              <a:schemeClr val="dk1"/>
+            </a:fillRef>
+            <a:effectRef idx="0">
+              <a:schemeClr val="dk1"/>
+            </a:effectRef>
+            <a:fontRef idx="minor">
+              <a:schemeClr val="tx1"/>
+            </a:fontRef>
+          </p:style>
+        </p:cxnSp>
+        <p:cxnSp>
+          <p:nvCxnSpPr>
+            <p:cNvPr id="19" name="直線接點 18"/>
+            <p:cNvCxnSpPr/>
+            <p:nvPr/>
+          </p:nvCxnSpPr>
+          <p:spPr>
+            <a:xfrm>
+              <a:off x="2720841" y="1750122"/>
+              <a:ext cx="8313" cy="3227123"/>
+            </a:xfrm>
+            <a:prstGeom prst="line">
+              <a:avLst/>
+            </a:prstGeom>
+            <a:ln w="12700">
+              <a:solidFill>
+                <a:schemeClr val="bg1">
+                  <a:lumMod val="50000"/>
+                </a:schemeClr>
+              </a:solidFill>
+            </a:ln>
+          </p:spPr>
+          <p:style>
+            <a:lnRef idx="1">
+              <a:schemeClr val="dk1"/>
+            </a:lnRef>
+            <a:fillRef idx="0">
+              <a:schemeClr val="dk1"/>
+            </a:fillRef>
+            <a:effectRef idx="0">
+              <a:schemeClr val="dk1"/>
+            </a:effectRef>
+            <a:fontRef idx="minor">
+              <a:schemeClr val="tx1"/>
+            </a:fontRef>
+          </p:style>
+        </p:cxnSp>
+        <p:sp>
+          <p:nvSpPr>
+            <p:cNvPr id="20" name="矩形 19"/>
+            <p:cNvSpPr/>
+            <p:nvPr/>
+          </p:nvSpPr>
+          <p:spPr>
+            <a:xfrm>
+              <a:off x="2222713" y="1405717"/>
+              <a:ext cx="1031052" cy="276999"/>
+            </a:xfrm>
+            <a:prstGeom prst="rect">
+              <a:avLst/>
+            </a:prstGeom>
+            <a:noFill/>
+          </p:spPr>
+          <p:txBody>
+            <a:bodyPr wrap="none" lIns="91440" tIns="45720" rIns="91440" bIns="45720">
+              <a:spAutoFit/>
+            </a:bodyPr>
+            <a:lstStyle/>
+            <a:p>
+              <a:pPr algn="ctr"/>
+              <a:r>
+                <a:rPr lang="en-US" altLang="zh-TW" sz="1200" dirty="0">
+                  <a:ln w="0"/>
+                  <a:solidFill>
+                    <a:schemeClr val="bg1">
+                      <a:lumMod val="50000"/>
+                    </a:schemeClr>
+                  </a:solidFill>
+                  <a:latin typeface="微軟正黑體" panose="020B0604030504040204" pitchFamily="34" charset="-120"/>
+                  <a:ea typeface="微軟正黑體" panose="020B0604030504040204" pitchFamily="34" charset="-120"/>
+                </a:rPr>
+                <a:t>2018/09/14</a:t>
+              </a:r>
+              <a:endParaRPr lang="zh-TW" altLang="en-US" sz="1200" dirty="0">
+                <a:ln w="0"/>
+                <a:solidFill>
+                  <a:schemeClr val="bg1">
+                    <a:lumMod val="50000"/>
+                  </a:schemeClr>
+                </a:solidFill>
+                <a:latin typeface="微軟正黑體" panose="020B0604030504040204" pitchFamily="34" charset="-120"/>
+                <a:ea typeface="微軟正黑體" panose="020B0604030504040204" pitchFamily="34" charset="-120"/>
+              </a:endParaRPr>
+            </a:p>
+          </p:txBody>
+        </p:sp>
+        <p:cxnSp>
+          <p:nvCxnSpPr>
+            <p:cNvPr id="21" name="直線接點 20"/>
+            <p:cNvCxnSpPr/>
+            <p:nvPr/>
+          </p:nvCxnSpPr>
+          <p:spPr>
+            <a:xfrm>
+              <a:off x="3820887" y="1750124"/>
+              <a:ext cx="8313" cy="3227123"/>
+            </a:xfrm>
+            <a:prstGeom prst="line">
+              <a:avLst/>
+            </a:prstGeom>
+            <a:ln w="12700">
+              <a:solidFill>
+                <a:schemeClr val="bg1">
+                  <a:lumMod val="50000"/>
+                </a:schemeClr>
+              </a:solidFill>
+            </a:ln>
+          </p:spPr>
+          <p:style>
+            <a:lnRef idx="1">
+              <a:schemeClr val="dk1"/>
+            </a:lnRef>
+            <a:fillRef idx="0">
+              <a:schemeClr val="dk1"/>
+            </a:fillRef>
+            <a:effectRef idx="0">
+              <a:schemeClr val="dk1"/>
+            </a:effectRef>
+            <a:fontRef idx="minor">
+              <a:schemeClr val="tx1"/>
+            </a:fontRef>
+          </p:style>
+        </p:cxnSp>
+        <p:sp>
+          <p:nvSpPr>
+            <p:cNvPr id="22" name="矩形 21"/>
+            <p:cNvSpPr/>
+            <p:nvPr/>
+          </p:nvSpPr>
+          <p:spPr>
+            <a:xfrm>
+              <a:off x="3312767" y="1405716"/>
+              <a:ext cx="1031052" cy="276999"/>
+            </a:xfrm>
+            <a:prstGeom prst="rect">
+              <a:avLst/>
+            </a:prstGeom>
+            <a:noFill/>
+          </p:spPr>
+          <p:txBody>
+            <a:bodyPr wrap="none" lIns="91440" tIns="45720" rIns="91440" bIns="45720">
+              <a:spAutoFit/>
+            </a:bodyPr>
+            <a:lstStyle/>
+            <a:p>
+              <a:pPr algn="ctr"/>
+              <a:r>
+                <a:rPr lang="en-US" altLang="zh-TW" sz="1200" dirty="0">
+                  <a:ln w="0"/>
+                  <a:solidFill>
+                    <a:schemeClr val="bg1">
+                      <a:lumMod val="50000"/>
+                    </a:schemeClr>
+                  </a:solidFill>
+                  <a:latin typeface="微軟正黑體" panose="020B0604030504040204" pitchFamily="34" charset="-120"/>
+                  <a:ea typeface="微軟正黑體" panose="020B0604030504040204" pitchFamily="34" charset="-120"/>
+                </a:rPr>
+                <a:t>2018/10/29</a:t>
+              </a:r>
+              <a:endParaRPr lang="zh-TW" altLang="en-US" sz="1200" dirty="0">
+                <a:ln w="0"/>
+                <a:solidFill>
+                  <a:schemeClr val="bg1">
+                    <a:lumMod val="50000"/>
+                  </a:schemeClr>
+                </a:solidFill>
+                <a:latin typeface="微軟正黑體" panose="020B0604030504040204" pitchFamily="34" charset="-120"/>
+                <a:ea typeface="微軟正黑體" panose="020B0604030504040204" pitchFamily="34" charset="-120"/>
+              </a:endParaRPr>
+            </a:p>
+          </p:txBody>
+        </p:sp>
+        <p:cxnSp>
+          <p:nvCxnSpPr>
+            <p:cNvPr id="23" name="直線接點 22"/>
+            <p:cNvCxnSpPr/>
+            <p:nvPr/>
+          </p:nvCxnSpPr>
+          <p:spPr>
+            <a:xfrm>
+              <a:off x="4920939" y="1750124"/>
+              <a:ext cx="8313" cy="3227123"/>
+            </a:xfrm>
+            <a:prstGeom prst="line">
+              <a:avLst/>
+            </a:prstGeom>
+            <a:ln w="12700">
+              <a:solidFill>
+                <a:schemeClr val="bg1">
+                  <a:lumMod val="50000"/>
+                </a:schemeClr>
+              </a:solidFill>
+            </a:ln>
+          </p:spPr>
+          <p:style>
+            <a:lnRef idx="1">
+              <a:schemeClr val="dk1"/>
+            </a:lnRef>
+            <a:fillRef idx="0">
+              <a:schemeClr val="dk1"/>
+            </a:fillRef>
+            <a:effectRef idx="0">
+              <a:schemeClr val="dk1"/>
+            </a:effectRef>
+            <a:fontRef idx="minor">
+              <a:schemeClr val="tx1"/>
+            </a:fontRef>
+          </p:style>
+        </p:cxnSp>
+        <p:sp>
+          <p:nvSpPr>
+            <p:cNvPr id="24" name="矩形 23"/>
+            <p:cNvSpPr/>
+            <p:nvPr/>
+          </p:nvSpPr>
+          <p:spPr>
+            <a:xfrm>
+              <a:off x="4372936" y="1405717"/>
+              <a:ext cx="1031052" cy="276999"/>
+            </a:xfrm>
+            <a:prstGeom prst="rect">
+              <a:avLst/>
+            </a:prstGeom>
+            <a:noFill/>
+          </p:spPr>
+          <p:txBody>
+            <a:bodyPr wrap="none" lIns="91440" tIns="45720" rIns="91440" bIns="45720">
+              <a:spAutoFit/>
+            </a:bodyPr>
+            <a:lstStyle/>
+            <a:p>
+              <a:pPr algn="ctr"/>
+              <a:r>
+                <a:rPr lang="en-US" altLang="zh-TW" sz="1200" dirty="0">
+                  <a:ln w="0"/>
+                  <a:solidFill>
+                    <a:schemeClr val="bg1">
+                      <a:lumMod val="50000"/>
+                    </a:schemeClr>
+                  </a:solidFill>
+                  <a:latin typeface="微軟正黑體" panose="020B0604030504040204" pitchFamily="34" charset="-120"/>
+                  <a:ea typeface="微軟正黑體" panose="020B0604030504040204" pitchFamily="34" charset="-120"/>
+                </a:rPr>
+                <a:t>2018/12/13</a:t>
+              </a:r>
+              <a:endParaRPr lang="zh-TW" altLang="en-US" sz="1200" dirty="0">
+                <a:ln w="0"/>
+                <a:solidFill>
+                  <a:schemeClr val="bg1">
+                    <a:lumMod val="50000"/>
+                  </a:schemeClr>
+                </a:solidFill>
+                <a:latin typeface="微軟正黑體" panose="020B0604030504040204" pitchFamily="34" charset="-120"/>
+                <a:ea typeface="微軟正黑體" panose="020B0604030504040204" pitchFamily="34" charset="-120"/>
+              </a:endParaRPr>
+            </a:p>
+          </p:txBody>
+        </p:sp>
+        <p:cxnSp>
+          <p:nvCxnSpPr>
+            <p:cNvPr id="25" name="直線接點 24"/>
+            <p:cNvCxnSpPr/>
+            <p:nvPr/>
+          </p:nvCxnSpPr>
+          <p:spPr>
+            <a:xfrm>
+              <a:off x="5987553" y="1750123"/>
+              <a:ext cx="8313" cy="3227123"/>
+            </a:xfrm>
+            <a:prstGeom prst="line">
+              <a:avLst/>
+            </a:prstGeom>
+            <a:ln w="12700">
+              <a:solidFill>
+                <a:schemeClr val="bg1">
+                  <a:lumMod val="50000"/>
+                </a:schemeClr>
+              </a:solidFill>
+            </a:ln>
+          </p:spPr>
+          <p:style>
+            <a:lnRef idx="1">
+              <a:schemeClr val="dk1"/>
+            </a:lnRef>
+            <a:fillRef idx="0">
+              <a:schemeClr val="dk1"/>
+            </a:fillRef>
+            <a:effectRef idx="0">
+              <a:schemeClr val="dk1"/>
+            </a:effectRef>
+            <a:fontRef idx="minor">
+              <a:schemeClr val="tx1"/>
+            </a:fontRef>
+          </p:style>
+        </p:cxnSp>
+        <p:sp>
+          <p:nvSpPr>
+            <p:cNvPr id="26" name="矩形 25"/>
+            <p:cNvSpPr/>
+            <p:nvPr/>
+          </p:nvSpPr>
+          <p:spPr>
+            <a:xfrm>
+              <a:off x="5403987" y="1405717"/>
+              <a:ext cx="1031052" cy="276999"/>
+            </a:xfrm>
+            <a:prstGeom prst="rect">
+              <a:avLst/>
+            </a:prstGeom>
+            <a:noFill/>
+          </p:spPr>
+          <p:txBody>
+            <a:bodyPr wrap="none" lIns="91440" tIns="45720" rIns="91440" bIns="45720">
+              <a:spAutoFit/>
+            </a:bodyPr>
+            <a:lstStyle/>
+            <a:p>
+              <a:pPr algn="ctr"/>
+              <a:r>
+                <a:rPr lang="en-US" altLang="zh-TW" sz="1200" dirty="0">
+                  <a:ln w="0"/>
+                  <a:solidFill>
+                    <a:schemeClr val="bg1">
+                      <a:lumMod val="50000"/>
+                    </a:schemeClr>
+                  </a:solidFill>
+                  <a:latin typeface="微軟正黑體" panose="020B0604030504040204" pitchFamily="34" charset="-120"/>
+                  <a:ea typeface="微軟正黑體" panose="020B0604030504040204" pitchFamily="34" charset="-120"/>
+                </a:rPr>
+                <a:t>2019/01/27</a:t>
+              </a:r>
+              <a:endParaRPr lang="zh-TW" altLang="en-US" sz="1200" dirty="0">
+                <a:ln w="0"/>
+                <a:solidFill>
+                  <a:schemeClr val="bg1">
+                    <a:lumMod val="50000"/>
+                  </a:schemeClr>
+                </a:solidFill>
+                <a:latin typeface="微軟正黑體" panose="020B0604030504040204" pitchFamily="34" charset="-120"/>
+                <a:ea typeface="微軟正黑體" panose="020B0604030504040204" pitchFamily="34" charset="-120"/>
+              </a:endParaRPr>
+            </a:p>
+          </p:txBody>
+        </p:sp>
+        <p:cxnSp>
+          <p:nvCxnSpPr>
+            <p:cNvPr id="27" name="直線接點 26"/>
+            <p:cNvCxnSpPr/>
+            <p:nvPr/>
+          </p:nvCxnSpPr>
+          <p:spPr>
+            <a:xfrm>
+              <a:off x="7087599" y="1750122"/>
+              <a:ext cx="8313" cy="3227123"/>
+            </a:xfrm>
+            <a:prstGeom prst="line">
+              <a:avLst/>
+            </a:prstGeom>
+            <a:ln w="12700">
+              <a:solidFill>
+                <a:schemeClr val="bg1">
+                  <a:lumMod val="50000"/>
+                </a:schemeClr>
+              </a:solidFill>
+            </a:ln>
+          </p:spPr>
+          <p:style>
+            <a:lnRef idx="1">
+              <a:schemeClr val="dk1"/>
+            </a:lnRef>
+            <a:fillRef idx="0">
+              <a:schemeClr val="dk1"/>
+            </a:fillRef>
+            <a:effectRef idx="0">
+              <a:schemeClr val="dk1"/>
+            </a:effectRef>
+            <a:fontRef idx="minor">
+              <a:schemeClr val="tx1"/>
+            </a:fontRef>
+          </p:style>
+        </p:cxnSp>
+        <p:sp>
+          <p:nvSpPr>
+            <p:cNvPr id="28" name="矩形 27"/>
+            <p:cNvSpPr/>
+            <p:nvPr/>
+          </p:nvSpPr>
+          <p:spPr>
+            <a:xfrm>
+              <a:off x="6435039" y="1405717"/>
+              <a:ext cx="1031052" cy="276999"/>
+            </a:xfrm>
+            <a:prstGeom prst="rect">
+              <a:avLst/>
+            </a:prstGeom>
+            <a:noFill/>
+          </p:spPr>
+          <p:txBody>
+            <a:bodyPr wrap="none" lIns="91440" tIns="45720" rIns="91440" bIns="45720">
+              <a:spAutoFit/>
+            </a:bodyPr>
+            <a:lstStyle/>
+            <a:p>
+              <a:pPr algn="ctr"/>
+              <a:r>
+                <a:rPr lang="en-US" altLang="zh-TW" sz="1200" dirty="0">
+                  <a:ln w="0"/>
+                  <a:solidFill>
+                    <a:schemeClr val="bg1">
+                      <a:lumMod val="50000"/>
+                    </a:schemeClr>
+                  </a:solidFill>
+                  <a:latin typeface="微軟正黑體" panose="020B0604030504040204" pitchFamily="34" charset="-120"/>
+                  <a:ea typeface="微軟正黑體" panose="020B0604030504040204" pitchFamily="34" charset="-120"/>
+                </a:rPr>
+                <a:t>2019/03/13</a:t>
+              </a:r>
+              <a:endParaRPr lang="zh-TW" altLang="en-US" sz="1200" dirty="0">
+                <a:ln w="0"/>
+                <a:solidFill>
+                  <a:schemeClr val="bg1">
+                    <a:lumMod val="50000"/>
+                  </a:schemeClr>
+                </a:solidFill>
+                <a:latin typeface="微軟正黑體" panose="020B0604030504040204" pitchFamily="34" charset="-120"/>
+                <a:ea typeface="微軟正黑體" panose="020B0604030504040204" pitchFamily="34" charset="-120"/>
+              </a:endParaRPr>
+            </a:p>
+          </p:txBody>
+        </p:sp>
+        <p:cxnSp>
+          <p:nvCxnSpPr>
+            <p:cNvPr id="29" name="直線接點 28"/>
+            <p:cNvCxnSpPr/>
+            <p:nvPr/>
+          </p:nvCxnSpPr>
+          <p:spPr>
+            <a:xfrm>
+              <a:off x="8154213" y="1750121"/>
+              <a:ext cx="8313" cy="3227123"/>
+            </a:xfrm>
+            <a:prstGeom prst="line">
+              <a:avLst/>
+            </a:prstGeom>
+            <a:ln w="12700">
+              <a:solidFill>
+                <a:schemeClr val="bg1">
+                  <a:lumMod val="50000"/>
+                </a:schemeClr>
+              </a:solidFill>
+            </a:ln>
+          </p:spPr>
+          <p:style>
+            <a:lnRef idx="1">
+              <a:schemeClr val="dk1"/>
+            </a:lnRef>
+            <a:fillRef idx="0">
+              <a:schemeClr val="dk1"/>
+            </a:fillRef>
+            <a:effectRef idx="0">
+              <a:schemeClr val="dk1"/>
+            </a:effectRef>
+            <a:fontRef idx="minor">
+              <a:schemeClr val="tx1"/>
+            </a:fontRef>
+          </p:style>
+        </p:cxnSp>
+        <p:sp>
+          <p:nvSpPr>
+            <p:cNvPr id="30" name="矩形 29"/>
+            <p:cNvSpPr/>
+            <p:nvPr/>
+          </p:nvSpPr>
+          <p:spPr>
+            <a:xfrm>
+              <a:off x="7548945" y="1416251"/>
+              <a:ext cx="1031052" cy="276999"/>
+            </a:xfrm>
+            <a:prstGeom prst="rect">
+              <a:avLst/>
+            </a:prstGeom>
+            <a:noFill/>
+          </p:spPr>
+          <p:txBody>
+            <a:bodyPr wrap="none" lIns="91440" tIns="45720" rIns="91440" bIns="45720">
+              <a:spAutoFit/>
+            </a:bodyPr>
+            <a:lstStyle/>
+            <a:p>
+              <a:pPr algn="ctr"/>
+              <a:r>
+                <a:rPr lang="en-US" altLang="zh-TW" sz="1200" dirty="0">
+                  <a:ln w="0"/>
+                  <a:solidFill>
+                    <a:schemeClr val="bg1">
+                      <a:lumMod val="50000"/>
+                    </a:schemeClr>
+                  </a:solidFill>
+                  <a:latin typeface="微軟正黑體" panose="020B0604030504040204" pitchFamily="34" charset="-120"/>
+                  <a:ea typeface="微軟正黑體" panose="020B0604030504040204" pitchFamily="34" charset="-120"/>
+                </a:rPr>
+                <a:t>2019/04/28</a:t>
+              </a:r>
+              <a:endParaRPr lang="zh-TW" altLang="en-US" sz="1200" dirty="0">
+                <a:ln w="0"/>
+                <a:solidFill>
+                  <a:schemeClr val="bg1">
+                    <a:lumMod val="50000"/>
+                  </a:schemeClr>
+                </a:solidFill>
+                <a:latin typeface="微軟正黑體" panose="020B0604030504040204" pitchFamily="34" charset="-120"/>
+                <a:ea typeface="微軟正黑體" panose="020B0604030504040204" pitchFamily="34" charset="-120"/>
+              </a:endParaRPr>
+            </a:p>
+          </p:txBody>
+        </p:sp>
+        <p:sp>
+          <p:nvSpPr>
+            <p:cNvPr id="31" name="矩形 30"/>
+            <p:cNvSpPr/>
+            <p:nvPr/>
+          </p:nvSpPr>
+          <p:spPr>
+            <a:xfrm>
+              <a:off x="1654218" y="1893945"/>
+              <a:ext cx="1440000" cy="149630"/>
+            </a:xfrm>
+            <a:prstGeom prst="rect">
+              <a:avLst/>
+            </a:prstGeom>
+            <a:solidFill>
+              <a:srgbClr val="FF3300"/>
+            </a:solidFill>
+            <a:ln>
+              <a:noFill/>
+            </a:ln>
+          </p:spPr>
+          <p:style>
+            <a:lnRef idx="2">
+              <a:schemeClr val="accent1">
+                <a:shade val="50000"/>
+              </a:schemeClr>
+            </a:lnRef>
+            <a:fillRef idx="1">
+              <a:schemeClr val="accent1"/>
+            </a:fillRef>
+            <a:effectRef idx="0">
+              <a:schemeClr val="accent1"/>
+            </a:effectRef>
+            <a:fontRef idx="minor">
+              <a:schemeClr val="lt1"/>
+            </a:fontRef>
+          </p:style>
+          <p:txBody>
+            <a:bodyPr rot="0" spcFirstLastPara="0" vertOverflow="overflow" horzOverflow="overflow" vert="horz" wrap="square" lIns="91440" tIns="45720" rIns="91440" bIns="45720" numCol="1" spcCol="0" rtlCol="0" fromWordArt="0" anchor="ctr" anchorCtr="0" forceAA="0" compatLnSpc="1">
+              <a:prstTxWarp prst="textNoShape">
+                <a:avLst/>
+              </a:prstTxWarp>
+              <a:noAutofit/>
+            </a:bodyPr>
+            <a:lstStyle/>
+            <a:p>
+              <a:pPr algn="ctr"/>
+              <a:endParaRPr lang="en-US"/>
+            </a:p>
+          </p:txBody>
+        </p:sp>
+        <p:sp>
+          <p:nvSpPr>
+            <p:cNvPr id="32" name="矩形 31"/>
+            <p:cNvSpPr/>
+            <p:nvPr/>
+          </p:nvSpPr>
+          <p:spPr>
+            <a:xfrm>
+              <a:off x="3091101" y="2538031"/>
+              <a:ext cx="1080000" cy="149630"/>
+            </a:xfrm>
+            <a:prstGeom prst="rect">
+              <a:avLst/>
+            </a:prstGeom>
+            <a:solidFill>
+              <a:srgbClr val="FFC000"/>
+            </a:solidFill>
+            <a:ln>
+              <a:noFill/>
+            </a:ln>
+          </p:spPr>
+          <p:style>
+            <a:lnRef idx="2">
+              <a:schemeClr val="accent1">
+                <a:shade val="50000"/>
+              </a:schemeClr>
+            </a:lnRef>
+            <a:fillRef idx="1">
+              <a:schemeClr val="accent1"/>
+            </a:fillRef>
+            <a:effectRef idx="0">
+              <a:schemeClr val="accent1"/>
+            </a:effectRef>
+            <a:fontRef idx="minor">
+              <a:schemeClr val="lt1"/>
+            </a:fontRef>
+          </p:style>
+          <p:txBody>
+            <a:bodyPr rot="0" spcFirstLastPara="0" vertOverflow="overflow" horzOverflow="overflow" vert="horz" wrap="square" lIns="91440" tIns="45720" rIns="91440" bIns="45720" numCol="1" spcCol="0" rtlCol="0" fromWordArt="0" anchor="ctr" anchorCtr="0" forceAA="0" compatLnSpc="1">
+              <a:prstTxWarp prst="textNoShape">
+                <a:avLst/>
+              </a:prstTxWarp>
+              <a:noAutofit/>
+            </a:bodyPr>
+            <a:lstStyle/>
+            <a:p>
+              <a:pPr algn="ctr"/>
+              <a:endParaRPr lang="en-US"/>
+            </a:p>
+          </p:txBody>
+        </p:sp>
+        <p:cxnSp>
+          <p:nvCxnSpPr>
+            <p:cNvPr id="34" name="直線接點 33"/>
+            <p:cNvCxnSpPr/>
+            <p:nvPr/>
+          </p:nvCxnSpPr>
+          <p:spPr>
+            <a:xfrm>
+              <a:off x="9220827" y="1750121"/>
+              <a:ext cx="8313" cy="3227123"/>
+            </a:xfrm>
+            <a:prstGeom prst="line">
+              <a:avLst/>
+            </a:prstGeom>
+            <a:ln w="12700">
+              <a:solidFill>
+                <a:schemeClr val="bg1">
+                  <a:lumMod val="50000"/>
+                </a:schemeClr>
+              </a:solidFill>
+            </a:ln>
+          </p:spPr>
+          <p:style>
+            <a:lnRef idx="1">
+              <a:schemeClr val="dk1"/>
+            </a:lnRef>
+            <a:fillRef idx="0">
+              <a:schemeClr val="dk1"/>
+            </a:fillRef>
+            <a:effectRef idx="0">
+              <a:schemeClr val="dk1"/>
+            </a:effectRef>
+            <a:fontRef idx="minor">
+              <a:schemeClr val="tx1"/>
+            </a:fontRef>
+          </p:style>
+        </p:cxnSp>
+        <p:sp>
+          <p:nvSpPr>
+            <p:cNvPr id="35" name="矩形 34"/>
+            <p:cNvSpPr/>
+            <p:nvPr/>
+          </p:nvSpPr>
+          <p:spPr>
+            <a:xfrm>
+              <a:off x="8662851" y="1405715"/>
+              <a:ext cx="1031052" cy="276999"/>
+            </a:xfrm>
+            <a:prstGeom prst="rect">
+              <a:avLst/>
+            </a:prstGeom>
+            <a:noFill/>
+          </p:spPr>
+          <p:txBody>
+            <a:bodyPr wrap="none" lIns="91440" tIns="45720" rIns="91440" bIns="45720">
+              <a:spAutoFit/>
+            </a:bodyPr>
+            <a:lstStyle/>
+            <a:p>
+              <a:pPr algn="ctr"/>
+              <a:r>
+                <a:rPr lang="en-US" altLang="zh-TW" sz="1200" dirty="0" smtClean="0">
+                  <a:ln w="0"/>
+                  <a:solidFill>
+                    <a:schemeClr val="bg1">
+                      <a:lumMod val="50000"/>
+                    </a:schemeClr>
+                  </a:solidFill>
+                  <a:latin typeface="微軟正黑體" panose="020B0604030504040204" pitchFamily="34" charset="-120"/>
+                  <a:ea typeface="微軟正黑體" panose="020B0604030504040204" pitchFamily="34" charset="-120"/>
+                </a:rPr>
+                <a:t>2019/05/13</a:t>
+              </a:r>
+              <a:endParaRPr lang="zh-TW" altLang="en-US" sz="1200" dirty="0">
+                <a:ln w="0"/>
+                <a:solidFill>
+                  <a:schemeClr val="bg1">
+                    <a:lumMod val="50000"/>
+                  </a:schemeClr>
+                </a:solidFill>
+                <a:latin typeface="微軟正黑體" panose="020B0604030504040204" pitchFamily="34" charset="-120"/>
+                <a:ea typeface="微軟正黑體" panose="020B0604030504040204" pitchFamily="34" charset="-120"/>
+              </a:endParaRPr>
+            </a:p>
+          </p:txBody>
+        </p:sp>
+        <p:cxnSp>
+          <p:nvCxnSpPr>
+            <p:cNvPr id="36" name="直線接點 35"/>
+            <p:cNvCxnSpPr/>
+            <p:nvPr/>
+          </p:nvCxnSpPr>
+          <p:spPr>
+            <a:xfrm>
+              <a:off x="10287441" y="1750121"/>
+              <a:ext cx="8313" cy="3227123"/>
+            </a:xfrm>
+            <a:prstGeom prst="line">
+              <a:avLst/>
+            </a:prstGeom>
+            <a:ln w="12700">
+              <a:solidFill>
+                <a:schemeClr val="bg1">
+                  <a:lumMod val="50000"/>
+                </a:schemeClr>
+              </a:solidFill>
+            </a:ln>
+          </p:spPr>
+          <p:style>
+            <a:lnRef idx="1">
+              <a:schemeClr val="dk1"/>
+            </a:lnRef>
+            <a:fillRef idx="0">
+              <a:schemeClr val="dk1"/>
+            </a:fillRef>
+            <a:effectRef idx="0">
+              <a:schemeClr val="dk1"/>
+            </a:effectRef>
+            <a:fontRef idx="minor">
+              <a:schemeClr val="tx1"/>
+            </a:fontRef>
+          </p:style>
+        </p:cxnSp>
+        <p:sp>
+          <p:nvSpPr>
+            <p:cNvPr id="37" name="矩形 36"/>
+            <p:cNvSpPr/>
+            <p:nvPr/>
+          </p:nvSpPr>
+          <p:spPr>
+            <a:xfrm>
+              <a:off x="9776757" y="1416251"/>
+              <a:ext cx="1031052" cy="276999"/>
+            </a:xfrm>
+            <a:prstGeom prst="rect">
+              <a:avLst/>
+            </a:prstGeom>
+            <a:noFill/>
+          </p:spPr>
+          <p:txBody>
+            <a:bodyPr wrap="none" lIns="91440" tIns="45720" rIns="91440" bIns="45720">
+              <a:spAutoFit/>
+            </a:bodyPr>
+            <a:lstStyle/>
+            <a:p>
+              <a:pPr algn="ctr"/>
+              <a:r>
+                <a:rPr lang="en-US" altLang="zh-TW" sz="1200" dirty="0" smtClean="0">
+                  <a:ln w="0"/>
+                  <a:solidFill>
+                    <a:schemeClr val="bg1">
+                      <a:lumMod val="50000"/>
+                    </a:schemeClr>
+                  </a:solidFill>
+                  <a:latin typeface="微軟正黑體" panose="020B0604030504040204" pitchFamily="34" charset="-120"/>
+                  <a:ea typeface="微軟正黑體" panose="020B0604030504040204" pitchFamily="34" charset="-120"/>
+                </a:rPr>
+                <a:t>2019/06/01</a:t>
+              </a:r>
+              <a:endParaRPr lang="zh-TW" altLang="en-US" sz="1200" dirty="0">
+                <a:ln w="0"/>
+                <a:solidFill>
+                  <a:schemeClr val="bg1">
+                    <a:lumMod val="50000"/>
+                  </a:schemeClr>
+                </a:solidFill>
+                <a:latin typeface="微軟正黑體" panose="020B0604030504040204" pitchFamily="34" charset="-120"/>
+                <a:ea typeface="微軟正黑體" panose="020B0604030504040204" pitchFamily="34" charset="-120"/>
+              </a:endParaRPr>
+            </a:p>
+          </p:txBody>
+        </p:sp>
+        <p:sp>
+          <p:nvSpPr>
+            <p:cNvPr id="38" name="矩形 37"/>
+            <p:cNvSpPr/>
+            <p:nvPr/>
+          </p:nvSpPr>
+          <p:spPr>
+            <a:xfrm>
+              <a:off x="10816827" y="1416250"/>
+              <a:ext cx="1031051" cy="276999"/>
+            </a:xfrm>
+            <a:prstGeom prst="rect">
+              <a:avLst/>
+            </a:prstGeom>
+            <a:noFill/>
+          </p:spPr>
+          <p:txBody>
+            <a:bodyPr wrap="none" lIns="91440" tIns="45720" rIns="91440" bIns="45720">
+              <a:spAutoFit/>
+            </a:bodyPr>
+            <a:lstStyle/>
+            <a:p>
+              <a:pPr algn="ctr"/>
+              <a:r>
+                <a:rPr lang="en-US" altLang="zh-TW" sz="1200" dirty="0" smtClean="0">
+                  <a:ln w="0"/>
+                  <a:solidFill>
+                    <a:schemeClr val="bg1">
+                      <a:lumMod val="50000"/>
+                    </a:schemeClr>
+                  </a:solidFill>
+                  <a:latin typeface="微軟正黑體" panose="020B0604030504040204" pitchFamily="34" charset="-120"/>
+                  <a:ea typeface="微軟正黑體" panose="020B0604030504040204" pitchFamily="34" charset="-120"/>
+                </a:rPr>
+                <a:t>2019/07/15</a:t>
+              </a:r>
+              <a:endParaRPr lang="zh-TW" altLang="en-US" sz="1200" dirty="0">
+                <a:ln w="0"/>
+                <a:solidFill>
+                  <a:schemeClr val="bg1">
+                    <a:lumMod val="50000"/>
+                  </a:schemeClr>
+                </a:solidFill>
+                <a:latin typeface="微軟正黑體" panose="020B0604030504040204" pitchFamily="34" charset="-120"/>
+                <a:ea typeface="微軟正黑體" panose="020B0604030504040204" pitchFamily="34" charset="-120"/>
+              </a:endParaRPr>
+            </a:p>
+          </p:txBody>
+        </p:sp>
+        <p:cxnSp>
+          <p:nvCxnSpPr>
+            <p:cNvPr id="39" name="直線接點 38"/>
+            <p:cNvCxnSpPr/>
+            <p:nvPr/>
+          </p:nvCxnSpPr>
+          <p:spPr>
+            <a:xfrm>
+              <a:off x="11356966" y="1750120"/>
+              <a:ext cx="8313" cy="3227123"/>
+            </a:xfrm>
+            <a:prstGeom prst="line">
+              <a:avLst/>
+            </a:prstGeom>
+            <a:ln w="12700">
+              <a:solidFill>
+                <a:schemeClr val="bg1">
+                  <a:lumMod val="50000"/>
+                </a:schemeClr>
+              </a:solidFill>
+            </a:ln>
+          </p:spPr>
+          <p:style>
+            <a:lnRef idx="1">
+              <a:schemeClr val="dk1"/>
+            </a:lnRef>
+            <a:fillRef idx="0">
+              <a:schemeClr val="dk1"/>
+            </a:fillRef>
+            <a:effectRef idx="0">
+              <a:schemeClr val="dk1"/>
+            </a:effectRef>
+            <a:fontRef idx="minor">
+              <a:schemeClr val="tx1"/>
+            </a:fontRef>
+          </p:style>
+        </p:cxnSp>
+        <p:sp>
+          <p:nvSpPr>
+            <p:cNvPr id="40" name="矩形 39"/>
+            <p:cNvSpPr/>
+            <p:nvPr/>
+          </p:nvSpPr>
+          <p:spPr>
+            <a:xfrm>
+              <a:off x="4171101" y="3195312"/>
+              <a:ext cx="1692000" cy="149630"/>
+            </a:xfrm>
+            <a:prstGeom prst="rect">
+              <a:avLst/>
+            </a:prstGeom>
+            <a:solidFill>
+              <a:srgbClr val="92D050"/>
+            </a:solidFill>
+            <a:ln>
+              <a:noFill/>
+            </a:ln>
+          </p:spPr>
+          <p:style>
+            <a:lnRef idx="2">
+              <a:schemeClr val="accent1">
+                <a:shade val="50000"/>
+              </a:schemeClr>
+            </a:lnRef>
+            <a:fillRef idx="1">
+              <a:schemeClr val="accent1"/>
+            </a:fillRef>
+            <a:effectRef idx="0">
+              <a:schemeClr val="accent1"/>
+            </a:effectRef>
+            <a:fontRef idx="minor">
+              <a:schemeClr val="lt1"/>
+            </a:fontRef>
+          </p:style>
+          <p:txBody>
+            <a:bodyPr rot="0" spcFirstLastPara="0" vertOverflow="overflow" horzOverflow="overflow" vert="horz" wrap="square" lIns="91440" tIns="45720" rIns="91440" bIns="45720" numCol="1" spcCol="0" rtlCol="0" fromWordArt="0" anchor="ctr" anchorCtr="0" forceAA="0" compatLnSpc="1">
+              <a:prstTxWarp prst="textNoShape">
+                <a:avLst/>
+              </a:prstTxWarp>
+              <a:noAutofit/>
+            </a:bodyPr>
+            <a:lstStyle/>
+            <a:p>
+              <a:pPr algn="ctr"/>
+              <a:endParaRPr lang="en-US"/>
+            </a:p>
+          </p:txBody>
+        </p:sp>
+        <p:sp>
+          <p:nvSpPr>
+            <p:cNvPr id="41" name="矩形 40"/>
+            <p:cNvSpPr/>
+            <p:nvPr/>
+          </p:nvSpPr>
+          <p:spPr>
+            <a:xfrm>
+              <a:off x="5856945" y="3852592"/>
+              <a:ext cx="756000" cy="168901"/>
+            </a:xfrm>
+            <a:prstGeom prst="rect">
+              <a:avLst/>
+            </a:prstGeom>
+            <a:solidFill>
+              <a:srgbClr val="00B0F0"/>
+            </a:solidFill>
+            <a:ln>
+              <a:noFill/>
+            </a:ln>
+          </p:spPr>
+          <p:style>
+            <a:lnRef idx="2">
+              <a:schemeClr val="accent1">
+                <a:shade val="50000"/>
+              </a:schemeClr>
+            </a:lnRef>
+            <a:fillRef idx="1">
+              <a:schemeClr val="accent1"/>
+            </a:fillRef>
+            <a:effectRef idx="0">
+              <a:schemeClr val="accent1"/>
+            </a:effectRef>
+            <a:fontRef idx="minor">
+              <a:schemeClr val="lt1"/>
+            </a:fontRef>
+          </p:style>
+          <p:txBody>
+            <a:bodyPr rot="0" spcFirstLastPara="0" vertOverflow="overflow" horzOverflow="overflow" vert="horz" wrap="square" lIns="91440" tIns="45720" rIns="91440" bIns="45720" numCol="1" spcCol="0" rtlCol="0" fromWordArt="0" anchor="ctr" anchorCtr="0" forceAA="0" compatLnSpc="1">
+              <a:prstTxWarp prst="textNoShape">
+                <a:avLst/>
+              </a:prstTxWarp>
+              <a:noAutofit/>
+            </a:bodyPr>
+            <a:lstStyle/>
+            <a:p>
+              <a:pPr algn="ctr"/>
+              <a:endParaRPr lang="en-US"/>
+            </a:p>
+          </p:txBody>
+        </p:sp>
+        <p:sp>
+          <p:nvSpPr>
+            <p:cNvPr id="42" name="矩形 41"/>
+            <p:cNvSpPr/>
+            <p:nvPr/>
+          </p:nvSpPr>
+          <p:spPr>
+            <a:xfrm>
+              <a:off x="6612945" y="4562242"/>
+              <a:ext cx="4392000" cy="168901"/>
+            </a:xfrm>
+            <a:prstGeom prst="rect">
+              <a:avLst/>
+            </a:prstGeom>
+            <a:solidFill>
+              <a:srgbClr val="7030A0"/>
+            </a:solidFill>
+            <a:ln>
+              <a:noFill/>
+            </a:ln>
+          </p:spPr>
+          <p:style>
+            <a:lnRef idx="2">
+              <a:schemeClr val="accent1">
+                <a:shade val="50000"/>
+              </a:schemeClr>
+            </a:lnRef>
+            <a:fillRef idx="1">
+              <a:schemeClr val="accent1"/>
+            </a:fillRef>
+            <a:effectRef idx="0">
+              <a:schemeClr val="accent1"/>
+            </a:effectRef>
+            <a:fontRef idx="minor">
+              <a:schemeClr val="lt1"/>
+            </a:fontRef>
+          </p:style>
+          <p:txBody>
+            <a:bodyPr rot="0" spcFirstLastPara="0" vertOverflow="overflow" horzOverflow="overflow" vert="horz" wrap="square" lIns="91440" tIns="45720" rIns="91440" bIns="45720" numCol="1" spcCol="0" rtlCol="0" fromWordArt="0" anchor="ctr" anchorCtr="0" forceAA="0" compatLnSpc="1">
+              <a:prstTxWarp prst="textNoShape">
+                <a:avLst/>
+              </a:prstTxWarp>
+              <a:noAutofit/>
+            </a:bodyPr>
+            <a:lstStyle/>
+            <a:p>
+              <a:pPr algn="ctr"/>
+              <a:endParaRPr lang="en-US"/>
+            </a:p>
+          </p:txBody>
+        </p:sp>
+      </p:grpSp>
+    </p:spTree>
+    <p:extLst>
+      <p:ext uri="{BB962C8B-B14F-4D97-AF65-F5344CB8AC3E}">
+        <p14:creationId xmlns:p14="http://schemas.microsoft.com/office/powerpoint/2010/main" val="4074289857"/>
+      </p:ext>
+    </p:extLst>
+  </p:cSld>
+  <p:clrMapOvr>
+    <a:masterClrMapping/>
+  </p:clrMapOvr>
+  <p:timing>
+    <p:tnLst>
+      <p:par>
+        <p:cTn id="1" dur="indefinite" restart="never" nodeType="tmRoot"/>
+      </p:par>
+    </p:tnLst>
+  </p:timing>
+</p:sld>
+</file>
+
+<file path=ppt/slides/slide5.xml><?xml version="1.0" encoding="utf-8"?>
+<p:sld xmlns:a="http://schemas.openxmlformats.org/drawingml/2006/main" xmlns:r="http://schemas.openxmlformats.org/officeDocument/2006/relationships" xmlns:p="http://schemas.openxmlformats.org/presentationml/2006/main">
+  <p:cSld>
+    <p:spTree>
+      <p:nvGrpSpPr>
+        <p:cNvPr id="1" name=""/>
+        <p:cNvGrpSpPr/>
+        <p:nvPr/>
+      </p:nvGrpSpPr>
+      <p:grpSpPr>
+        <a:xfrm>
+          <a:off x="0" y="0"/>
+          <a:ext cx="0" cy="0"/>
+          <a:chOff x="0" y="0"/>
+          <a:chExt cx="0" cy="0"/>
+        </a:xfrm>
+      </p:grpSpPr>
+      <p:sp>
+        <p:nvSpPr>
+          <p:cNvPr id="2" name="標題 1"/>
+          <p:cNvSpPr>
+            <a:spLocks noGrp="1"/>
+          </p:cNvSpPr>
+          <p:nvPr>
+            <p:ph type="title"/>
+          </p:nvPr>
+        </p:nvSpPr>
+        <p:spPr/>
+        <p:txBody>
+          <a:bodyPr/>
+          <a:lstStyle/>
+          <a:p>
+            <a:endParaRPr lang="en-US"/>
+          </a:p>
+        </p:txBody>
+      </p:sp>
+      <p:sp>
+        <p:nvSpPr>
+          <p:cNvPr id="3" name="內容版面配置區 2"/>
+          <p:cNvSpPr>
+            <a:spLocks noGrp="1"/>
+          </p:cNvSpPr>
+          <p:nvPr>
+            <p:ph idx="1"/>
+          </p:nvPr>
+        </p:nvSpPr>
+        <p:spPr/>
+        <p:txBody>
+          <a:bodyPr/>
+          <a:lstStyle/>
+          <a:p>
+            <a:endParaRPr lang="en-US"/>
+          </a:p>
+        </p:txBody>
+      </p:sp>
+    </p:spTree>
+    <p:extLst>
+      <p:ext uri="{BB962C8B-B14F-4D97-AF65-F5344CB8AC3E}">
+        <p14:creationId xmlns:p14="http://schemas.microsoft.com/office/powerpoint/2010/main" val="2264455159"/>
+      </p:ext>
+    </p:extLst>
+  </p:cSld>
+  <p:clrMapOvr>
+    <a:masterClrMapping/>
+  </p:clrMapOvr>
+  <p:timing>
+    <p:tnLst>
+      <p:par>
+        <p:cTn id="1" dur="indefinite" restart="never" nodeType="tmRoot"/>
+      </p:par>
+    </p:tnLst>
+  </p:timing>
 </p:sld>
 </file>
 
 <file path=ppt/theme/theme1.xml><?xml version="1.0" encoding="utf-8"?>
 <a:theme xmlns:a="http://schemas.openxmlformats.org/drawingml/2006/main" name="Office 佈景主題">
   <a:themeElements>
-    <a:clrScheme name="Office">
+    <a:clrScheme name="Office 佈景主題">
       <a:dk1>
         <a:sysClr val="windowText" lastClr="000000"/>
       </a:dk1>
@@ -4658,7 +9669,7 @@
         <a:srgbClr val="954F72"/>
       </a:folHlink>
     </a:clrScheme>
-    <a:fontScheme name="Office">
+    <a:fontScheme name="Office 佈景主題">
       <a:majorFont>
         <a:latin typeface="Calibri Light" panose="020F0302020204030204"/>
         <a:ea typeface=""/>
@@ -4730,7 +9741,7 @@
         <a:font script="Geor" typeface="Sylfaen"/>
       </a:minorFont>
     </a:fontScheme>
-    <a:fmtScheme name="Office">
+    <a:fmtScheme name="Office 佈景主題">
       <a:fillStyleLst>
         <a:solidFill>
           <a:schemeClr val="phClr"/>

--- a/demoPic.pptx
+++ b/demoPic.pptx
@@ -247,7 +247,7 @@
           <a:p>
             <a:fld id="{F09C48D7-5DBF-4DB9-A12F-DF6A9CE967A6}" type="datetimeFigureOut">
               <a:rPr lang="en-US" smtClean="0"/>
-              <a:t>4/1/2019</a:t>
+              <a:t>4/17/2019</a:t>
             </a:fld>
             <a:endParaRPr lang="en-US"/>
           </a:p>
@@ -417,7 +417,7 @@
           <a:p>
             <a:fld id="{F09C48D7-5DBF-4DB9-A12F-DF6A9CE967A6}" type="datetimeFigureOut">
               <a:rPr lang="en-US" smtClean="0"/>
-              <a:t>4/1/2019</a:t>
+              <a:t>4/17/2019</a:t>
             </a:fld>
             <a:endParaRPr lang="en-US"/>
           </a:p>
@@ -597,7 +597,7 @@
           <a:p>
             <a:fld id="{F09C48D7-5DBF-4DB9-A12F-DF6A9CE967A6}" type="datetimeFigureOut">
               <a:rPr lang="en-US" smtClean="0"/>
-              <a:t>4/1/2019</a:t>
+              <a:t>4/17/2019</a:t>
             </a:fld>
             <a:endParaRPr lang="en-US"/>
           </a:p>
@@ -767,7 +767,7 @@
           <a:p>
             <a:fld id="{F09C48D7-5DBF-4DB9-A12F-DF6A9CE967A6}" type="datetimeFigureOut">
               <a:rPr lang="en-US" smtClean="0"/>
-              <a:t>4/1/2019</a:t>
+              <a:t>4/17/2019</a:t>
             </a:fld>
             <a:endParaRPr lang="en-US"/>
           </a:p>
@@ -1013,7 +1013,7 @@
           <a:p>
             <a:fld id="{F09C48D7-5DBF-4DB9-A12F-DF6A9CE967A6}" type="datetimeFigureOut">
               <a:rPr lang="en-US" smtClean="0"/>
-              <a:t>4/1/2019</a:t>
+              <a:t>4/17/2019</a:t>
             </a:fld>
             <a:endParaRPr lang="en-US"/>
           </a:p>
@@ -1245,7 +1245,7 @@
           <a:p>
             <a:fld id="{F09C48D7-5DBF-4DB9-A12F-DF6A9CE967A6}" type="datetimeFigureOut">
               <a:rPr lang="en-US" smtClean="0"/>
-              <a:t>4/1/2019</a:t>
+              <a:t>4/17/2019</a:t>
             </a:fld>
             <a:endParaRPr lang="en-US"/>
           </a:p>
@@ -1612,7 +1612,7 @@
           <a:p>
             <a:fld id="{F09C48D7-5DBF-4DB9-A12F-DF6A9CE967A6}" type="datetimeFigureOut">
               <a:rPr lang="en-US" smtClean="0"/>
-              <a:t>4/1/2019</a:t>
+              <a:t>4/17/2019</a:t>
             </a:fld>
             <a:endParaRPr lang="en-US"/>
           </a:p>
@@ -1730,7 +1730,7 @@
           <a:p>
             <a:fld id="{F09C48D7-5DBF-4DB9-A12F-DF6A9CE967A6}" type="datetimeFigureOut">
               <a:rPr lang="en-US" smtClean="0"/>
-              <a:t>4/1/2019</a:t>
+              <a:t>4/17/2019</a:t>
             </a:fld>
             <a:endParaRPr lang="en-US"/>
           </a:p>
@@ -1825,7 +1825,7 @@
           <a:p>
             <a:fld id="{F09C48D7-5DBF-4DB9-A12F-DF6A9CE967A6}" type="datetimeFigureOut">
               <a:rPr lang="en-US" smtClean="0"/>
-              <a:t>4/1/2019</a:t>
+              <a:t>4/17/2019</a:t>
             </a:fld>
             <a:endParaRPr lang="en-US"/>
           </a:p>
@@ -2102,7 +2102,7 @@
           <a:p>
             <a:fld id="{F09C48D7-5DBF-4DB9-A12F-DF6A9CE967A6}" type="datetimeFigureOut">
               <a:rPr lang="en-US" smtClean="0"/>
-              <a:t>4/1/2019</a:t>
+              <a:t>4/17/2019</a:t>
             </a:fld>
             <a:endParaRPr lang="en-US"/>
           </a:p>
@@ -2359,7 +2359,7 @@
           <a:p>
             <a:fld id="{F09C48D7-5DBF-4DB9-A12F-DF6A9CE967A6}" type="datetimeFigureOut">
               <a:rPr lang="en-US" smtClean="0"/>
-              <a:t>4/1/2019</a:t>
+              <a:t>4/17/2019</a:t>
             </a:fld>
             <a:endParaRPr lang="en-US"/>
           </a:p>
@@ -2572,7 +2572,7 @@
           <a:p>
             <a:fld id="{F09C48D7-5DBF-4DB9-A12F-DF6A9CE967A6}" type="datetimeFigureOut">
               <a:rPr lang="en-US" smtClean="0"/>
-              <a:t>4/1/2019</a:t>
+              <a:t>4/17/2019</a:t>
             </a:fld>
             <a:endParaRPr lang="en-US"/>
           </a:p>
@@ -3040,11 +3040,6 @@
                 </a:rPr>
                 <a:t>後端運算</a:t>
               </a:r>
-              <a:endParaRPr lang="zh-TW" altLang="en-US" sz="1051" dirty="0">
-                <a:ln w="0"/>
-                <a:latin typeface="微軟正黑體" panose="020B0604030504040204" pitchFamily="34" charset="-120"/>
-                <a:ea typeface="微軟正黑體" panose="020B0604030504040204" pitchFamily="34" charset="-120"/>
-              </a:endParaRPr>
             </a:p>
           </p:txBody>
         </p:sp>
@@ -3729,11 +3724,6 @@
                     </a:rPr>
                     <a:t>事件處理</a:t>
                   </a:r>
-                  <a:endParaRPr lang="zh-TW" altLang="en-US" sz="1051" dirty="0">
-                    <a:ln w="0"/>
-                    <a:latin typeface="微軟正黑體" panose="020B0604030504040204" pitchFamily="34" charset="-120"/>
-                    <a:ea typeface="微軟正黑體" panose="020B0604030504040204" pitchFamily="34" charset="-120"/>
-                  </a:endParaRPr>
                 </a:p>
               </p:txBody>
             </p:sp>
@@ -4005,11 +3995,6 @@
                   </a:rPr>
                   <a:t>資料庫</a:t>
                 </a:r>
-                <a:endParaRPr lang="zh-TW" altLang="en-US" sz="1051" dirty="0">
-                  <a:ln w="0"/>
-                  <a:latin typeface="微軟正黑體" panose="020B0604030504040204" pitchFamily="34" charset="-120"/>
-                  <a:ea typeface="微軟正黑體" panose="020B0604030504040204" pitchFamily="34" charset="-120"/>
-                </a:endParaRPr>
               </a:p>
             </p:txBody>
           </p:sp>
@@ -4356,11 +4341,6 @@
                 </a:rPr>
                 <a:t>廊</a:t>
               </a:r>
-              <a:endParaRPr lang="zh-TW" altLang="en-US" sz="4051" dirty="0">
-                <a:ln w="0"/>
-                <a:latin typeface="微軟正黑體" panose="020B0604030504040204" pitchFamily="34" charset="-120"/>
-                <a:ea typeface="微軟正黑體" panose="020B0604030504040204" pitchFamily="34" charset="-120"/>
-              </a:endParaRPr>
             </a:p>
           </p:txBody>
         </p:sp>
@@ -4556,16 +4536,6 @@
                 </a:rPr>
                 <a:t>紅標為當前位置</a:t>
               </a:r>
-              <a:endParaRPr lang="zh-TW" altLang="en-US" sz="1500" dirty="0">
-                <a:ln w="0"/>
-                <a:solidFill>
-                  <a:schemeClr val="accent1">
-                    <a:lumMod val="75000"/>
-                  </a:schemeClr>
-                </a:solidFill>
-                <a:latin typeface="微軟正黑體" panose="020B0604030504040204" pitchFamily="34" charset="-120"/>
-                <a:ea typeface="微軟正黑體" panose="020B0604030504040204" pitchFamily="34" charset="-120"/>
-              </a:endParaRPr>
             </a:p>
           </p:txBody>
         </p:sp>
@@ -9570,44 +9540,3059 @@
           <a:chExt cx="0" cy="0"/>
         </a:xfrm>
       </p:grpSpPr>
-      <p:sp>
-        <p:nvSpPr>
-          <p:cNvPr id="2" name="標題 1"/>
-          <p:cNvSpPr>
-            <a:spLocks noGrp="1"/>
-          </p:cNvSpPr>
-          <p:nvPr>
-            <p:ph type="title"/>
-          </p:nvPr>
-        </p:nvSpPr>
-        <p:spPr/>
-        <p:txBody>
-          <a:bodyPr/>
-          <a:lstStyle/>
-          <a:p>
-            <a:endParaRPr lang="en-US"/>
-          </a:p>
-        </p:txBody>
-      </p:sp>
-      <p:sp>
-        <p:nvSpPr>
-          <p:cNvPr id="3" name="內容版面配置區 2"/>
-          <p:cNvSpPr>
-            <a:spLocks noGrp="1"/>
-          </p:cNvSpPr>
-          <p:nvPr>
-            <p:ph idx="1"/>
-          </p:nvPr>
-        </p:nvSpPr>
-        <p:spPr/>
-        <p:txBody>
-          <a:bodyPr/>
-          <a:lstStyle/>
-          <a:p>
-            <a:endParaRPr lang="en-US"/>
-          </a:p>
-        </p:txBody>
-      </p:sp>
+      <p:grpSp>
+        <p:nvGrpSpPr>
+          <p:cNvPr id="107" name="群組 106"/>
+          <p:cNvGrpSpPr/>
+          <p:nvPr/>
+        </p:nvGrpSpPr>
+        <p:grpSpPr>
+          <a:xfrm>
+            <a:off x="2294457" y="209260"/>
+            <a:ext cx="7289083" cy="6200126"/>
+            <a:chOff x="2294457" y="209260"/>
+            <a:chExt cx="7289083" cy="6200126"/>
+          </a:xfrm>
+        </p:grpSpPr>
+        <p:grpSp>
+          <p:nvGrpSpPr>
+            <p:cNvPr id="14" name="群組 13"/>
+            <p:cNvGrpSpPr/>
+            <p:nvPr/>
+          </p:nvGrpSpPr>
+          <p:grpSpPr>
+            <a:xfrm>
+              <a:off x="4078770" y="209260"/>
+              <a:ext cx="3791990" cy="1443201"/>
+              <a:chOff x="1145771" y="-56111"/>
+              <a:chExt cx="6384174" cy="1916084"/>
+            </a:xfrm>
+          </p:grpSpPr>
+          <p:grpSp>
+            <p:nvGrpSpPr>
+              <p:cNvPr id="6" name="群組 5"/>
+              <p:cNvGrpSpPr/>
+              <p:nvPr/>
+            </p:nvGrpSpPr>
+            <p:grpSpPr>
+              <a:xfrm>
+                <a:off x="3178260" y="1177947"/>
+                <a:ext cx="2279168" cy="390702"/>
+                <a:chOff x="3178260" y="1177947"/>
+                <a:chExt cx="2279168" cy="390702"/>
+              </a:xfrm>
+            </p:grpSpPr>
+            <p:sp>
+              <p:nvSpPr>
+                <p:cNvPr id="4" name="矩形 3"/>
+                <p:cNvSpPr/>
+                <p:nvPr/>
+              </p:nvSpPr>
+              <p:spPr>
+                <a:xfrm>
+                  <a:off x="3330563" y="1177951"/>
+                  <a:ext cx="2014410" cy="390698"/>
+                </a:xfrm>
+                <a:prstGeom prst="rect">
+                  <a:avLst/>
+                </a:prstGeom>
+                <a:noFill/>
+                <a:ln>
+                  <a:noFill/>
+                </a:ln>
+              </p:spPr>
+              <p:style>
+                <a:lnRef idx="2">
+                  <a:schemeClr val="accent1">
+                    <a:shade val="50000"/>
+                  </a:schemeClr>
+                </a:lnRef>
+                <a:fillRef idx="1">
+                  <a:schemeClr val="accent1"/>
+                </a:fillRef>
+                <a:effectRef idx="0">
+                  <a:schemeClr val="accent1"/>
+                </a:effectRef>
+                <a:fontRef idx="minor">
+                  <a:schemeClr val="lt1"/>
+                </a:fontRef>
+              </p:style>
+              <p:txBody>
+                <a:bodyPr rtlCol="0" anchor="ctr"/>
+                <a:lstStyle/>
+                <a:p>
+                  <a:pPr algn="ctr"/>
+                  <a:endParaRPr lang="en-US"/>
+                </a:p>
+              </p:txBody>
+            </p:sp>
+            <p:sp>
+              <p:nvSpPr>
+                <p:cNvPr id="5" name="矩形 4"/>
+                <p:cNvSpPr/>
+                <p:nvPr/>
+              </p:nvSpPr>
+              <p:spPr>
+                <a:xfrm>
+                  <a:off x="3178260" y="1177947"/>
+                  <a:ext cx="2279168" cy="367761"/>
+                </a:xfrm>
+                <a:prstGeom prst="rect">
+                  <a:avLst/>
+                </a:prstGeom>
+                <a:noFill/>
+                <a:ln>
+                  <a:solidFill>
+                    <a:schemeClr val="bg2">
+                      <a:lumMod val="25000"/>
+                    </a:schemeClr>
+                  </a:solidFill>
+                </a:ln>
+              </p:spPr>
+              <p:txBody>
+                <a:bodyPr wrap="square" lIns="91440" tIns="45720" rIns="91440" bIns="45720">
+                  <a:spAutoFit/>
+                </a:bodyPr>
+                <a:lstStyle/>
+                <a:p>
+                  <a:pPr algn="ctr"/>
+                  <a:r>
+                    <a:rPr lang="zh-TW" altLang="en-US" sz="1200" b="0" cap="none" spc="0" dirty="0" smtClean="0">
+                      <a:ln w="0"/>
+                      <a:solidFill>
+                        <a:schemeClr val="tx1"/>
+                      </a:solidFill>
+                      <a:latin typeface="微軟正黑體" panose="020B0604030504040204" pitchFamily="34" charset="-120"/>
+                      <a:ea typeface="微軟正黑體" panose="020B0604030504040204" pitchFamily="34" charset="-120"/>
+                    </a:rPr>
+                    <a:t>取代傳統對講機</a:t>
+                  </a:r>
+                  <a:endParaRPr lang="zh-TW" altLang="en-US" sz="1200" b="0" cap="none" spc="0" dirty="0">
+                    <a:ln w="0"/>
+                    <a:solidFill>
+                      <a:schemeClr val="tx1"/>
+                    </a:solidFill>
+                    <a:latin typeface="微軟正黑體" panose="020B0604030504040204" pitchFamily="34" charset="-120"/>
+                    <a:ea typeface="微軟正黑體" panose="020B0604030504040204" pitchFamily="34" charset="-120"/>
+                  </a:endParaRPr>
+                </a:p>
+              </p:txBody>
+            </p:sp>
+          </p:grpSp>
+          <p:grpSp>
+            <p:nvGrpSpPr>
+              <p:cNvPr id="7" name="群組 6"/>
+              <p:cNvGrpSpPr/>
+              <p:nvPr/>
+            </p:nvGrpSpPr>
+            <p:grpSpPr>
+              <a:xfrm>
+                <a:off x="1889457" y="495931"/>
+                <a:ext cx="4891074" cy="390699"/>
+                <a:chOff x="-191496" y="495931"/>
+                <a:chExt cx="4891074" cy="390699"/>
+              </a:xfrm>
+            </p:grpSpPr>
+            <p:sp>
+              <p:nvSpPr>
+                <p:cNvPr id="8" name="矩形 7"/>
+                <p:cNvSpPr/>
+                <p:nvPr/>
+              </p:nvSpPr>
+              <p:spPr>
+                <a:xfrm>
+                  <a:off x="2912340" y="495931"/>
+                  <a:ext cx="1787238" cy="390699"/>
+                </a:xfrm>
+                <a:prstGeom prst="rect">
+                  <a:avLst/>
+                </a:prstGeom>
+                <a:noFill/>
+                <a:ln>
+                  <a:solidFill>
+                    <a:schemeClr val="bg2">
+                      <a:lumMod val="25000"/>
+                    </a:schemeClr>
+                  </a:solidFill>
+                </a:ln>
+              </p:spPr>
+              <p:style>
+                <a:lnRef idx="2">
+                  <a:schemeClr val="accent1">
+                    <a:shade val="50000"/>
+                  </a:schemeClr>
+                </a:lnRef>
+                <a:fillRef idx="1">
+                  <a:schemeClr val="accent1"/>
+                </a:fillRef>
+                <a:effectRef idx="0">
+                  <a:schemeClr val="accent1"/>
+                </a:effectRef>
+                <a:fontRef idx="minor">
+                  <a:schemeClr val="lt1"/>
+                </a:fontRef>
+              </p:style>
+              <p:txBody>
+                <a:bodyPr rtlCol="0" anchor="ctr"/>
+                <a:lstStyle/>
+                <a:p>
+                  <a:pPr algn="ctr"/>
+                  <a:endParaRPr lang="en-US"/>
+                </a:p>
+              </p:txBody>
+            </p:sp>
+            <p:sp>
+              <p:nvSpPr>
+                <p:cNvPr id="9" name="矩形 8"/>
+                <p:cNvSpPr/>
+                <p:nvPr/>
+              </p:nvSpPr>
+              <p:spPr>
+                <a:xfrm>
+                  <a:off x="-191496" y="518865"/>
+                  <a:ext cx="1841128" cy="367761"/>
+                </a:xfrm>
+                <a:prstGeom prst="rect">
+                  <a:avLst/>
+                </a:prstGeom>
+                <a:noFill/>
+                <a:ln>
+                  <a:noFill/>
+                </a:ln>
+              </p:spPr>
+              <p:txBody>
+                <a:bodyPr wrap="none" lIns="91440" tIns="45720" rIns="91440" bIns="45720">
+                  <a:spAutoFit/>
+                </a:bodyPr>
+                <a:lstStyle/>
+                <a:p>
+                  <a:pPr algn="ctr"/>
+                  <a:r>
+                    <a:rPr lang="zh-TW" altLang="en-US" sz="1200" b="0" cap="none" spc="0" dirty="0" smtClean="0">
+                      <a:ln w="0"/>
+                      <a:solidFill>
+                        <a:schemeClr val="tx1"/>
+                      </a:solidFill>
+                      <a:latin typeface="微軟正黑體" panose="020B0604030504040204" pitchFamily="34" charset="-120"/>
+                      <a:ea typeface="微軟正黑體" panose="020B0604030504040204" pitchFamily="34" charset="-120"/>
+                    </a:rPr>
+                    <a:t>額外下載</a:t>
+                  </a:r>
+                  <a:r>
+                    <a:rPr lang="en-US" altLang="zh-TW" sz="1200" b="0" cap="none" spc="0" dirty="0" smtClean="0">
+                      <a:ln w="0"/>
+                      <a:solidFill>
+                        <a:schemeClr val="tx1"/>
+                      </a:solidFill>
+                      <a:latin typeface="微軟正黑體" panose="020B0604030504040204" pitchFamily="34" charset="-120"/>
+                      <a:ea typeface="微軟正黑體" panose="020B0604030504040204" pitchFamily="34" charset="-120"/>
+                    </a:rPr>
+                    <a:t>APP</a:t>
+                  </a:r>
+                  <a:endParaRPr lang="zh-TW" altLang="en-US" sz="1200" b="0" cap="none" spc="0" dirty="0">
+                    <a:ln w="0"/>
+                    <a:solidFill>
+                      <a:schemeClr val="tx1"/>
+                    </a:solidFill>
+                    <a:latin typeface="微軟正黑體" panose="020B0604030504040204" pitchFamily="34" charset="-120"/>
+                    <a:ea typeface="微軟正黑體" panose="020B0604030504040204" pitchFamily="34" charset="-120"/>
+                  </a:endParaRPr>
+                </a:p>
+              </p:txBody>
+            </p:sp>
+          </p:grpSp>
+          <p:grpSp>
+            <p:nvGrpSpPr>
+              <p:cNvPr id="10" name="群組 9"/>
+              <p:cNvGrpSpPr/>
+              <p:nvPr/>
+            </p:nvGrpSpPr>
+            <p:grpSpPr>
+              <a:xfrm>
+                <a:off x="1855164" y="495931"/>
+                <a:ext cx="4964456" cy="390697"/>
+                <a:chOff x="-2306742" y="495931"/>
+                <a:chExt cx="4964456" cy="390697"/>
+              </a:xfrm>
+            </p:grpSpPr>
+            <p:sp>
+              <p:nvSpPr>
+                <p:cNvPr id="11" name="矩形 10"/>
+                <p:cNvSpPr/>
+                <p:nvPr/>
+              </p:nvSpPr>
+              <p:spPr>
+                <a:xfrm>
+                  <a:off x="-2306742" y="495931"/>
+                  <a:ext cx="1787236" cy="390697"/>
+                </a:xfrm>
+                <a:prstGeom prst="rect">
+                  <a:avLst/>
+                </a:prstGeom>
+                <a:noFill/>
+                <a:ln>
+                  <a:solidFill>
+                    <a:schemeClr val="bg2">
+                      <a:lumMod val="25000"/>
+                    </a:schemeClr>
+                  </a:solidFill>
+                </a:ln>
+              </p:spPr>
+              <p:style>
+                <a:lnRef idx="2">
+                  <a:schemeClr val="accent1">
+                    <a:shade val="50000"/>
+                  </a:schemeClr>
+                </a:lnRef>
+                <a:fillRef idx="1">
+                  <a:schemeClr val="accent1"/>
+                </a:fillRef>
+                <a:effectRef idx="0">
+                  <a:schemeClr val="accent1"/>
+                </a:effectRef>
+                <a:fontRef idx="minor">
+                  <a:schemeClr val="lt1"/>
+                </a:fontRef>
+              </p:style>
+              <p:txBody>
+                <a:bodyPr rtlCol="0" anchor="ctr"/>
+                <a:lstStyle/>
+                <a:p>
+                  <a:pPr algn="ctr"/>
+                  <a:endParaRPr lang="en-US"/>
+                </a:p>
+              </p:txBody>
+            </p:sp>
+            <p:sp>
+              <p:nvSpPr>
+                <p:cNvPr id="12" name="矩形 11"/>
+                <p:cNvSpPr/>
+                <p:nvPr/>
+              </p:nvSpPr>
+              <p:spPr>
+                <a:xfrm>
+                  <a:off x="792298" y="518865"/>
+                  <a:ext cx="1865416" cy="367762"/>
+                </a:xfrm>
+                <a:prstGeom prst="rect">
+                  <a:avLst/>
+                </a:prstGeom>
+                <a:noFill/>
+                <a:ln>
+                  <a:noFill/>
+                </a:ln>
+              </p:spPr>
+              <p:txBody>
+                <a:bodyPr wrap="none" lIns="91440" tIns="45720" rIns="91440" bIns="45720">
+                  <a:spAutoFit/>
+                </a:bodyPr>
+                <a:lstStyle/>
+                <a:p>
+                  <a:pPr algn="ctr"/>
+                  <a:r>
+                    <a:rPr lang="zh-TW" altLang="en-US" sz="1200" b="0" cap="none" spc="0" dirty="0" smtClean="0">
+                      <a:ln w="0"/>
+                      <a:solidFill>
+                        <a:schemeClr val="tx1"/>
+                      </a:solidFill>
+                      <a:latin typeface="微軟正黑體" panose="020B0604030504040204" pitchFamily="34" charset="-120"/>
+                      <a:ea typeface="微軟正黑體" panose="020B0604030504040204" pitchFamily="34" charset="-120"/>
+                    </a:rPr>
+                    <a:t>蒐集訪客資訊</a:t>
+                  </a:r>
+                  <a:endParaRPr lang="zh-TW" altLang="en-US" sz="1200" b="0" cap="none" spc="0" dirty="0">
+                    <a:ln w="0"/>
+                    <a:solidFill>
+                      <a:schemeClr val="tx1"/>
+                    </a:solidFill>
+                    <a:latin typeface="微軟正黑體" panose="020B0604030504040204" pitchFamily="34" charset="-120"/>
+                    <a:ea typeface="微軟正黑體" panose="020B0604030504040204" pitchFamily="34" charset="-120"/>
+                  </a:endParaRPr>
+                </a:p>
+              </p:txBody>
+            </p:sp>
+          </p:grpSp>
+          <p:sp>
+            <p:nvSpPr>
+              <p:cNvPr id="13" name="橢圓 12"/>
+              <p:cNvSpPr/>
+              <p:nvPr/>
+            </p:nvSpPr>
+            <p:spPr>
+              <a:xfrm>
+                <a:off x="1145771" y="-56111"/>
+                <a:ext cx="6384174" cy="1916084"/>
+              </a:xfrm>
+              <a:prstGeom prst="ellipse">
+                <a:avLst/>
+              </a:prstGeom>
+              <a:noFill/>
+              <a:ln>
+                <a:solidFill>
+                  <a:schemeClr val="bg2">
+                    <a:lumMod val="25000"/>
+                  </a:schemeClr>
+                </a:solidFill>
+              </a:ln>
+            </p:spPr>
+            <p:style>
+              <a:lnRef idx="2">
+                <a:schemeClr val="accent1">
+                  <a:shade val="50000"/>
+                </a:schemeClr>
+              </a:lnRef>
+              <a:fillRef idx="1">
+                <a:schemeClr val="accent1"/>
+              </a:fillRef>
+              <a:effectRef idx="0">
+                <a:schemeClr val="accent1"/>
+              </a:effectRef>
+              <a:fontRef idx="minor">
+                <a:schemeClr val="lt1"/>
+              </a:fontRef>
+            </p:style>
+            <p:txBody>
+              <a:bodyPr rtlCol="0" anchor="ctr"/>
+              <a:lstStyle/>
+              <a:p>
+                <a:pPr algn="ctr"/>
+                <a:endParaRPr lang="en-US"/>
+              </a:p>
+            </p:txBody>
+          </p:sp>
+        </p:grpSp>
+        <p:sp>
+          <p:nvSpPr>
+            <p:cNvPr id="15" name="矩形 14"/>
+            <p:cNvSpPr/>
+            <p:nvPr/>
+          </p:nvSpPr>
+          <p:spPr>
+            <a:xfrm>
+              <a:off x="5614065" y="209260"/>
+              <a:ext cx="697627" cy="400110"/>
+            </a:xfrm>
+            <a:prstGeom prst="rect">
+              <a:avLst/>
+            </a:prstGeom>
+            <a:noFill/>
+          </p:spPr>
+          <p:txBody>
+            <a:bodyPr wrap="none" lIns="91440" tIns="45720" rIns="91440" bIns="45720">
+              <a:spAutoFit/>
+            </a:bodyPr>
+            <a:lstStyle/>
+            <a:p>
+              <a:pPr algn="ctr"/>
+              <a:r>
+                <a:rPr lang="zh-TW" altLang="en-US" sz="2000" b="0" cap="none" spc="0" dirty="0" smtClean="0">
+                  <a:ln w="0"/>
+                  <a:solidFill>
+                    <a:schemeClr val="tx1"/>
+                  </a:solidFill>
+                  <a:latin typeface="微軟正黑體" panose="020B0604030504040204" pitchFamily="34" charset="-120"/>
+                  <a:ea typeface="微軟正黑體" panose="020B0604030504040204" pitchFamily="34" charset="-120"/>
+                </a:rPr>
+                <a:t>痛點</a:t>
+              </a:r>
+              <a:endParaRPr lang="zh-TW" altLang="en-US" sz="2000" b="0" cap="none" spc="0" dirty="0">
+                <a:ln w="0"/>
+                <a:solidFill>
+                  <a:schemeClr val="tx1"/>
+                </a:solidFill>
+                <a:latin typeface="微軟正黑體" panose="020B0604030504040204" pitchFamily="34" charset="-120"/>
+                <a:ea typeface="微軟正黑體" panose="020B0604030504040204" pitchFamily="34" charset="-120"/>
+              </a:endParaRPr>
+            </a:p>
+          </p:txBody>
+        </p:sp>
+        <p:cxnSp>
+          <p:nvCxnSpPr>
+            <p:cNvPr id="17" name="直線單箭頭接點 16"/>
+            <p:cNvCxnSpPr>
+              <a:stCxn id="13" idx="4"/>
+            </p:cNvCxnSpPr>
+            <p:nvPr/>
+          </p:nvCxnSpPr>
+          <p:spPr>
+            <a:xfrm flipH="1">
+              <a:off x="5974711" y="1652461"/>
+              <a:ext cx="54" cy="483910"/>
+            </a:xfrm>
+            <a:prstGeom prst="straightConnector1">
+              <a:avLst/>
+            </a:prstGeom>
+            <a:ln>
+              <a:tailEnd type="triangle"/>
+            </a:ln>
+          </p:spPr>
+          <p:style>
+            <a:lnRef idx="1">
+              <a:schemeClr val="dk1"/>
+            </a:lnRef>
+            <a:fillRef idx="0">
+              <a:schemeClr val="dk1"/>
+            </a:fillRef>
+            <a:effectRef idx="0">
+              <a:schemeClr val="dk1"/>
+            </a:effectRef>
+            <a:fontRef idx="minor">
+              <a:schemeClr val="tx1"/>
+            </a:fontRef>
+          </p:style>
+        </p:cxnSp>
+        <p:grpSp>
+          <p:nvGrpSpPr>
+            <p:cNvPr id="80" name="群組 79"/>
+            <p:cNvGrpSpPr/>
+            <p:nvPr/>
+          </p:nvGrpSpPr>
+          <p:grpSpPr>
+            <a:xfrm>
+              <a:off x="2294457" y="2181848"/>
+              <a:ext cx="4278501" cy="2026082"/>
+              <a:chOff x="4761053" y="2155219"/>
+              <a:chExt cx="4278501" cy="2026082"/>
+            </a:xfrm>
+          </p:grpSpPr>
+          <p:sp>
+            <p:nvSpPr>
+              <p:cNvPr id="27" name="矩形 26"/>
+              <p:cNvSpPr/>
+              <p:nvPr/>
+            </p:nvSpPr>
+            <p:spPr>
+              <a:xfrm>
+                <a:off x="4761053" y="2182911"/>
+                <a:ext cx="2427316" cy="94775"/>
+              </a:xfrm>
+              <a:prstGeom prst="rect">
+                <a:avLst/>
+              </a:prstGeom>
+              <a:solidFill>
+                <a:schemeClr val="bg1">
+                  <a:lumMod val="65000"/>
+                </a:schemeClr>
+              </a:solidFill>
+              <a:ln>
+                <a:noFill/>
+              </a:ln>
+            </p:spPr>
+            <p:style>
+              <a:lnRef idx="2">
+                <a:schemeClr val="accent1">
+                  <a:shade val="50000"/>
+                </a:schemeClr>
+              </a:lnRef>
+              <a:fillRef idx="1">
+                <a:schemeClr val="accent1"/>
+              </a:fillRef>
+              <a:effectRef idx="0">
+                <a:schemeClr val="accent1"/>
+              </a:effectRef>
+              <a:fontRef idx="minor">
+                <a:schemeClr val="lt1"/>
+              </a:fontRef>
+            </p:style>
+            <p:txBody>
+              <a:bodyPr rtlCol="0" anchor="ctr"/>
+              <a:lstStyle/>
+              <a:p>
+                <a:pPr algn="ctr"/>
+                <a:endParaRPr lang="en-US"/>
+              </a:p>
+            </p:txBody>
+          </p:sp>
+          <p:sp>
+            <p:nvSpPr>
+              <p:cNvPr id="28" name="矩形 27"/>
+              <p:cNvSpPr/>
+              <p:nvPr/>
+            </p:nvSpPr>
+            <p:spPr>
+              <a:xfrm>
+                <a:off x="4761053" y="2355796"/>
+                <a:ext cx="93580" cy="1825505"/>
+              </a:xfrm>
+              <a:prstGeom prst="rect">
+                <a:avLst/>
+              </a:prstGeom>
+              <a:solidFill>
+                <a:schemeClr val="bg1">
+                  <a:lumMod val="65000"/>
+                </a:schemeClr>
+              </a:solidFill>
+              <a:ln>
+                <a:noFill/>
+              </a:ln>
+            </p:spPr>
+            <p:style>
+              <a:lnRef idx="2">
+                <a:schemeClr val="accent1">
+                  <a:shade val="50000"/>
+                </a:schemeClr>
+              </a:lnRef>
+              <a:fillRef idx="1">
+                <a:schemeClr val="accent1"/>
+              </a:fillRef>
+              <a:effectRef idx="0">
+                <a:schemeClr val="accent1"/>
+              </a:effectRef>
+              <a:fontRef idx="minor">
+                <a:schemeClr val="lt1"/>
+              </a:fontRef>
+            </p:style>
+            <p:txBody>
+              <a:bodyPr rtlCol="0" anchor="ctr"/>
+              <a:lstStyle/>
+              <a:p>
+                <a:pPr algn="ctr"/>
+                <a:endParaRPr lang="en-US"/>
+              </a:p>
+            </p:txBody>
+          </p:sp>
+          <p:sp>
+            <p:nvSpPr>
+              <p:cNvPr id="29" name="矩形 28"/>
+              <p:cNvSpPr/>
+              <p:nvPr/>
+            </p:nvSpPr>
+            <p:spPr>
+              <a:xfrm>
+                <a:off x="7094789" y="2355796"/>
+                <a:ext cx="93580" cy="1825505"/>
+              </a:xfrm>
+              <a:prstGeom prst="rect">
+                <a:avLst/>
+              </a:prstGeom>
+              <a:solidFill>
+                <a:schemeClr val="bg1">
+                  <a:lumMod val="65000"/>
+                </a:schemeClr>
+              </a:solidFill>
+              <a:ln>
+                <a:noFill/>
+              </a:ln>
+            </p:spPr>
+            <p:style>
+              <a:lnRef idx="2">
+                <a:schemeClr val="accent1">
+                  <a:shade val="50000"/>
+                </a:schemeClr>
+              </a:lnRef>
+              <a:fillRef idx="1">
+                <a:schemeClr val="accent1"/>
+              </a:fillRef>
+              <a:effectRef idx="0">
+                <a:schemeClr val="accent1"/>
+              </a:effectRef>
+              <a:fontRef idx="minor">
+                <a:schemeClr val="lt1"/>
+              </a:fontRef>
+            </p:style>
+            <p:txBody>
+              <a:bodyPr rtlCol="0" anchor="ctr"/>
+              <a:lstStyle/>
+              <a:p>
+                <a:pPr algn="ctr"/>
+                <a:endParaRPr lang="en-US"/>
+              </a:p>
+            </p:txBody>
+          </p:sp>
+          <p:sp>
+            <p:nvSpPr>
+              <p:cNvPr id="30" name="矩形 29"/>
+              <p:cNvSpPr/>
+              <p:nvPr/>
+            </p:nvSpPr>
+            <p:spPr>
+              <a:xfrm>
+                <a:off x="4842982" y="2555303"/>
+                <a:ext cx="58623" cy="362466"/>
+              </a:xfrm>
+              <a:prstGeom prst="rect">
+                <a:avLst/>
+              </a:prstGeom>
+              <a:solidFill>
+                <a:schemeClr val="tx1">
+                  <a:lumMod val="65000"/>
+                  <a:lumOff val="35000"/>
+                </a:schemeClr>
+              </a:solidFill>
+              <a:ln>
+                <a:noFill/>
+              </a:ln>
+            </p:spPr>
+            <p:style>
+              <a:lnRef idx="2">
+                <a:schemeClr val="accent1">
+                  <a:shade val="50000"/>
+                </a:schemeClr>
+              </a:lnRef>
+              <a:fillRef idx="1">
+                <a:schemeClr val="accent1"/>
+              </a:fillRef>
+              <a:effectRef idx="0">
+                <a:schemeClr val="accent1"/>
+              </a:effectRef>
+              <a:fontRef idx="minor">
+                <a:schemeClr val="lt1"/>
+              </a:fontRef>
+            </p:style>
+            <p:txBody>
+              <a:bodyPr rtlCol="0" anchor="ctr"/>
+              <a:lstStyle/>
+              <a:p>
+                <a:pPr algn="ctr"/>
+                <a:endParaRPr lang="en-US"/>
+              </a:p>
+            </p:txBody>
+          </p:sp>
+          <p:sp>
+            <p:nvSpPr>
+              <p:cNvPr id="31" name="矩形 30"/>
+              <p:cNvSpPr/>
+              <p:nvPr/>
+            </p:nvSpPr>
+            <p:spPr>
+              <a:xfrm>
+                <a:off x="4838481" y="3368302"/>
+                <a:ext cx="58623" cy="362466"/>
+              </a:xfrm>
+              <a:prstGeom prst="rect">
+                <a:avLst/>
+              </a:prstGeom>
+              <a:solidFill>
+                <a:schemeClr val="tx1">
+                  <a:lumMod val="65000"/>
+                  <a:lumOff val="35000"/>
+                </a:schemeClr>
+              </a:solidFill>
+              <a:ln>
+                <a:noFill/>
+              </a:ln>
+            </p:spPr>
+            <p:style>
+              <a:lnRef idx="2">
+                <a:schemeClr val="accent1">
+                  <a:shade val="50000"/>
+                </a:schemeClr>
+              </a:lnRef>
+              <a:fillRef idx="1">
+                <a:schemeClr val="accent1"/>
+              </a:fillRef>
+              <a:effectRef idx="0">
+                <a:schemeClr val="accent1"/>
+              </a:effectRef>
+              <a:fontRef idx="minor">
+                <a:schemeClr val="lt1"/>
+              </a:fontRef>
+            </p:style>
+            <p:txBody>
+              <a:bodyPr rtlCol="0" anchor="ctr"/>
+              <a:lstStyle/>
+              <a:p>
+                <a:pPr algn="ctr"/>
+                <a:endParaRPr lang="en-US"/>
+              </a:p>
+            </p:txBody>
+          </p:sp>
+          <p:sp>
+            <p:nvSpPr>
+              <p:cNvPr id="32" name="矩形 31"/>
+              <p:cNvSpPr/>
+              <p:nvPr/>
+            </p:nvSpPr>
+            <p:spPr>
+              <a:xfrm>
+                <a:off x="7036166" y="2555303"/>
+                <a:ext cx="58623" cy="362466"/>
+              </a:xfrm>
+              <a:prstGeom prst="rect">
+                <a:avLst/>
+              </a:prstGeom>
+              <a:solidFill>
+                <a:schemeClr val="tx1">
+                  <a:lumMod val="65000"/>
+                  <a:lumOff val="35000"/>
+                </a:schemeClr>
+              </a:solidFill>
+              <a:ln>
+                <a:noFill/>
+              </a:ln>
+            </p:spPr>
+            <p:style>
+              <a:lnRef idx="2">
+                <a:schemeClr val="accent1">
+                  <a:shade val="50000"/>
+                </a:schemeClr>
+              </a:lnRef>
+              <a:fillRef idx="1">
+                <a:schemeClr val="accent1"/>
+              </a:fillRef>
+              <a:effectRef idx="0">
+                <a:schemeClr val="accent1"/>
+              </a:effectRef>
+              <a:fontRef idx="minor">
+                <a:schemeClr val="lt1"/>
+              </a:fontRef>
+            </p:style>
+            <p:txBody>
+              <a:bodyPr rtlCol="0" anchor="ctr"/>
+              <a:lstStyle/>
+              <a:p>
+                <a:pPr algn="ctr"/>
+                <a:endParaRPr lang="en-US"/>
+              </a:p>
+            </p:txBody>
+          </p:sp>
+          <p:sp>
+            <p:nvSpPr>
+              <p:cNvPr id="33" name="矩形 32"/>
+              <p:cNvSpPr/>
+              <p:nvPr/>
+            </p:nvSpPr>
+            <p:spPr>
+              <a:xfrm>
+                <a:off x="7037872" y="3368302"/>
+                <a:ext cx="58623" cy="362466"/>
+              </a:xfrm>
+              <a:prstGeom prst="rect">
+                <a:avLst/>
+              </a:prstGeom>
+              <a:solidFill>
+                <a:schemeClr val="tx1">
+                  <a:lumMod val="65000"/>
+                  <a:lumOff val="35000"/>
+                </a:schemeClr>
+              </a:solidFill>
+              <a:ln>
+                <a:noFill/>
+              </a:ln>
+            </p:spPr>
+            <p:style>
+              <a:lnRef idx="2">
+                <a:schemeClr val="accent1">
+                  <a:shade val="50000"/>
+                </a:schemeClr>
+              </a:lnRef>
+              <a:fillRef idx="1">
+                <a:schemeClr val="accent1"/>
+              </a:fillRef>
+              <a:effectRef idx="0">
+                <a:schemeClr val="accent1"/>
+              </a:effectRef>
+              <a:fontRef idx="minor">
+                <a:schemeClr val="lt1"/>
+              </a:fontRef>
+            </p:style>
+            <p:txBody>
+              <a:bodyPr rtlCol="0" anchor="ctr"/>
+              <a:lstStyle/>
+              <a:p>
+                <a:pPr algn="ctr"/>
+                <a:endParaRPr lang="en-US"/>
+              </a:p>
+            </p:txBody>
+          </p:sp>
+          <p:sp>
+            <p:nvSpPr>
+              <p:cNvPr id="35" name="橢圓 34"/>
+              <p:cNvSpPr/>
+              <p:nvPr/>
+            </p:nvSpPr>
+            <p:spPr>
+              <a:xfrm>
+                <a:off x="4941280" y="2683445"/>
+                <a:ext cx="126000" cy="124691"/>
+              </a:xfrm>
+              <a:prstGeom prst="ellipse">
+                <a:avLst/>
+              </a:prstGeom>
+              <a:solidFill>
+                <a:schemeClr val="accent1">
+                  <a:lumMod val="60000"/>
+                  <a:lumOff val="40000"/>
+                </a:schemeClr>
+              </a:solidFill>
+              <a:ln>
+                <a:noFill/>
+              </a:ln>
+            </p:spPr>
+            <p:style>
+              <a:lnRef idx="2">
+                <a:schemeClr val="accent1">
+                  <a:shade val="50000"/>
+                </a:schemeClr>
+              </a:lnRef>
+              <a:fillRef idx="1">
+                <a:schemeClr val="accent1"/>
+              </a:fillRef>
+              <a:effectRef idx="0">
+                <a:schemeClr val="accent1"/>
+              </a:effectRef>
+              <a:fontRef idx="minor">
+                <a:schemeClr val="lt1"/>
+              </a:fontRef>
+            </p:style>
+            <p:txBody>
+              <a:bodyPr rtlCol="0" anchor="ctr"/>
+              <a:lstStyle/>
+              <a:p>
+                <a:pPr algn="ctr"/>
+                <a:endParaRPr lang="en-US"/>
+              </a:p>
+            </p:txBody>
+          </p:sp>
+          <p:sp>
+            <p:nvSpPr>
+              <p:cNvPr id="36" name="橢圓 35"/>
+              <p:cNvSpPr/>
+              <p:nvPr/>
+            </p:nvSpPr>
+            <p:spPr>
+              <a:xfrm>
+                <a:off x="4941280" y="3487189"/>
+                <a:ext cx="126000" cy="124691"/>
+              </a:xfrm>
+              <a:prstGeom prst="ellipse">
+                <a:avLst/>
+              </a:prstGeom>
+              <a:solidFill>
+                <a:schemeClr val="accent1">
+                  <a:lumMod val="60000"/>
+                  <a:lumOff val="40000"/>
+                </a:schemeClr>
+              </a:solidFill>
+              <a:ln>
+                <a:noFill/>
+              </a:ln>
+            </p:spPr>
+            <p:style>
+              <a:lnRef idx="2">
+                <a:schemeClr val="accent1">
+                  <a:shade val="50000"/>
+                </a:schemeClr>
+              </a:lnRef>
+              <a:fillRef idx="1">
+                <a:schemeClr val="accent1"/>
+              </a:fillRef>
+              <a:effectRef idx="0">
+                <a:schemeClr val="accent1"/>
+              </a:effectRef>
+              <a:fontRef idx="minor">
+                <a:schemeClr val="lt1"/>
+              </a:fontRef>
+            </p:style>
+            <p:txBody>
+              <a:bodyPr rtlCol="0" anchor="ctr"/>
+              <a:lstStyle/>
+              <a:p>
+                <a:pPr algn="ctr"/>
+                <a:endParaRPr lang="en-US"/>
+              </a:p>
+            </p:txBody>
+          </p:sp>
+          <p:sp>
+            <p:nvSpPr>
+              <p:cNvPr id="37" name="橢圓 36"/>
+              <p:cNvSpPr/>
+              <p:nvPr/>
+            </p:nvSpPr>
+            <p:spPr>
+              <a:xfrm>
+                <a:off x="5911711" y="2345253"/>
+                <a:ext cx="126000" cy="124691"/>
+              </a:xfrm>
+              <a:prstGeom prst="ellipse">
+                <a:avLst/>
+              </a:prstGeom>
+              <a:solidFill>
+                <a:schemeClr val="accent1">
+                  <a:lumMod val="60000"/>
+                  <a:lumOff val="40000"/>
+                </a:schemeClr>
+              </a:solidFill>
+              <a:ln>
+                <a:noFill/>
+              </a:ln>
+            </p:spPr>
+            <p:style>
+              <a:lnRef idx="2">
+                <a:schemeClr val="accent1">
+                  <a:shade val="50000"/>
+                </a:schemeClr>
+              </a:lnRef>
+              <a:fillRef idx="1">
+                <a:schemeClr val="accent1"/>
+              </a:fillRef>
+              <a:effectRef idx="0">
+                <a:schemeClr val="accent1"/>
+              </a:effectRef>
+              <a:fontRef idx="minor">
+                <a:schemeClr val="lt1"/>
+              </a:fontRef>
+            </p:style>
+            <p:txBody>
+              <a:bodyPr rtlCol="0" anchor="ctr"/>
+              <a:lstStyle/>
+              <a:p>
+                <a:pPr algn="ctr"/>
+                <a:endParaRPr lang="en-US"/>
+              </a:p>
+            </p:txBody>
+          </p:sp>
+          <p:sp>
+            <p:nvSpPr>
+              <p:cNvPr id="38" name="橢圓 37"/>
+              <p:cNvSpPr/>
+              <p:nvPr/>
+            </p:nvSpPr>
+            <p:spPr>
+              <a:xfrm>
+                <a:off x="6882142" y="2683445"/>
+                <a:ext cx="126000" cy="124691"/>
+              </a:xfrm>
+              <a:prstGeom prst="ellipse">
+                <a:avLst/>
+              </a:prstGeom>
+              <a:solidFill>
+                <a:schemeClr val="accent1">
+                  <a:lumMod val="60000"/>
+                  <a:lumOff val="40000"/>
+                </a:schemeClr>
+              </a:solidFill>
+              <a:ln>
+                <a:noFill/>
+              </a:ln>
+            </p:spPr>
+            <p:style>
+              <a:lnRef idx="2">
+                <a:schemeClr val="accent1">
+                  <a:shade val="50000"/>
+                </a:schemeClr>
+              </a:lnRef>
+              <a:fillRef idx="1">
+                <a:schemeClr val="accent1"/>
+              </a:fillRef>
+              <a:effectRef idx="0">
+                <a:schemeClr val="accent1"/>
+              </a:effectRef>
+              <a:fontRef idx="minor">
+                <a:schemeClr val="lt1"/>
+              </a:fontRef>
+            </p:style>
+            <p:txBody>
+              <a:bodyPr rtlCol="0" anchor="ctr"/>
+              <a:lstStyle/>
+              <a:p>
+                <a:pPr algn="ctr"/>
+                <a:endParaRPr lang="en-US"/>
+              </a:p>
+            </p:txBody>
+          </p:sp>
+          <p:sp>
+            <p:nvSpPr>
+              <p:cNvPr id="39" name="橢圓 38"/>
+              <p:cNvSpPr/>
+              <p:nvPr/>
+            </p:nvSpPr>
+            <p:spPr>
+              <a:xfrm>
+                <a:off x="6882142" y="3487189"/>
+                <a:ext cx="126000" cy="124691"/>
+              </a:xfrm>
+              <a:prstGeom prst="ellipse">
+                <a:avLst/>
+              </a:prstGeom>
+              <a:solidFill>
+                <a:schemeClr val="accent1">
+                  <a:lumMod val="60000"/>
+                  <a:lumOff val="40000"/>
+                </a:schemeClr>
+              </a:solidFill>
+              <a:ln>
+                <a:noFill/>
+              </a:ln>
+            </p:spPr>
+            <p:style>
+              <a:lnRef idx="2">
+                <a:schemeClr val="accent1">
+                  <a:shade val="50000"/>
+                </a:schemeClr>
+              </a:lnRef>
+              <a:fillRef idx="1">
+                <a:schemeClr val="accent1"/>
+              </a:fillRef>
+              <a:effectRef idx="0">
+                <a:schemeClr val="accent1"/>
+              </a:effectRef>
+              <a:fontRef idx="minor">
+                <a:schemeClr val="lt1"/>
+              </a:fontRef>
+            </p:style>
+            <p:txBody>
+              <a:bodyPr rtlCol="0" anchor="ctr"/>
+              <a:lstStyle/>
+              <a:p>
+                <a:pPr algn="ctr"/>
+                <a:endParaRPr lang="en-US"/>
+              </a:p>
+            </p:txBody>
+          </p:sp>
+          <p:grpSp>
+            <p:nvGrpSpPr>
+              <p:cNvPr id="44" name="群組 43"/>
+              <p:cNvGrpSpPr/>
+              <p:nvPr/>
+            </p:nvGrpSpPr>
+            <p:grpSpPr>
+              <a:xfrm>
+                <a:off x="7805820" y="2155219"/>
+                <a:ext cx="996818" cy="276999"/>
+                <a:chOff x="7805820" y="2155219"/>
+                <a:chExt cx="996818" cy="276999"/>
+              </a:xfrm>
+            </p:grpSpPr>
+            <p:sp>
+              <p:nvSpPr>
+                <p:cNvPr id="34" name="矩形 33"/>
+                <p:cNvSpPr/>
+                <p:nvPr/>
+              </p:nvSpPr>
+              <p:spPr>
+                <a:xfrm>
+                  <a:off x="7805820" y="2267143"/>
+                  <a:ext cx="379367" cy="78110"/>
+                </a:xfrm>
+                <a:prstGeom prst="rect">
+                  <a:avLst/>
+                </a:prstGeom>
+                <a:solidFill>
+                  <a:schemeClr val="tx1">
+                    <a:lumMod val="65000"/>
+                    <a:lumOff val="35000"/>
+                  </a:schemeClr>
+                </a:solidFill>
+                <a:ln>
+                  <a:noFill/>
+                </a:ln>
+              </p:spPr>
+              <p:style>
+                <a:lnRef idx="2">
+                  <a:schemeClr val="accent1">
+                    <a:shade val="50000"/>
+                  </a:schemeClr>
+                </a:lnRef>
+                <a:fillRef idx="1">
+                  <a:schemeClr val="accent1"/>
+                </a:fillRef>
+                <a:effectRef idx="0">
+                  <a:schemeClr val="accent1"/>
+                </a:effectRef>
+                <a:fontRef idx="minor">
+                  <a:schemeClr val="lt1"/>
+                </a:fontRef>
+              </p:style>
+              <p:txBody>
+                <a:bodyPr rtlCol="0" anchor="ctr"/>
+                <a:lstStyle/>
+                <a:p>
+                  <a:pPr algn="ctr"/>
+                  <a:endParaRPr lang="en-US"/>
+                </a:p>
+              </p:txBody>
+            </p:sp>
+            <p:sp>
+              <p:nvSpPr>
+                <p:cNvPr id="43" name="矩形 42"/>
+                <p:cNvSpPr/>
+                <p:nvPr/>
+              </p:nvSpPr>
+              <p:spPr>
+                <a:xfrm>
+                  <a:off x="8156307" y="2155219"/>
+                  <a:ext cx="646331" cy="276999"/>
+                </a:xfrm>
+                <a:prstGeom prst="rect">
+                  <a:avLst/>
+                </a:prstGeom>
+                <a:noFill/>
+              </p:spPr>
+              <p:txBody>
+                <a:bodyPr wrap="none" lIns="91440" tIns="45720" rIns="91440" bIns="45720">
+                  <a:spAutoFit/>
+                </a:bodyPr>
+                <a:lstStyle/>
+                <a:p>
+                  <a:pPr algn="ctr"/>
+                  <a:r>
+                    <a:rPr lang="zh-TW" altLang="en-US" sz="1200" b="0" cap="none" spc="0" dirty="0" smtClean="0">
+                      <a:ln w="0"/>
+                      <a:solidFill>
+                        <a:schemeClr val="tx1"/>
+                      </a:solidFill>
+                      <a:latin typeface="微軟正黑體" panose="020B0604030504040204" pitchFamily="34" charset="-120"/>
+                      <a:ea typeface="微軟正黑體" panose="020B0604030504040204" pitchFamily="34" charset="-120"/>
+                    </a:rPr>
+                    <a:t>：作品</a:t>
+                  </a:r>
+                  <a:endParaRPr lang="zh-TW" altLang="en-US" sz="1200" b="0" cap="none" spc="0" dirty="0">
+                    <a:ln w="0"/>
+                    <a:solidFill>
+                      <a:schemeClr val="tx1"/>
+                    </a:solidFill>
+                    <a:latin typeface="微軟正黑體" panose="020B0604030504040204" pitchFamily="34" charset="-120"/>
+                    <a:ea typeface="微軟正黑體" panose="020B0604030504040204" pitchFamily="34" charset="-120"/>
+                  </a:endParaRPr>
+                </a:p>
+              </p:txBody>
+            </p:sp>
+          </p:grpSp>
+          <p:sp>
+            <p:nvSpPr>
+              <p:cNvPr id="45" name="橢圓 44"/>
+              <p:cNvSpPr/>
+              <p:nvPr/>
+            </p:nvSpPr>
+            <p:spPr>
+              <a:xfrm>
+                <a:off x="7932503" y="2611845"/>
+                <a:ext cx="126000" cy="124691"/>
+              </a:xfrm>
+              <a:prstGeom prst="ellipse">
+                <a:avLst/>
+              </a:prstGeom>
+              <a:solidFill>
+                <a:schemeClr val="accent1">
+                  <a:lumMod val="60000"/>
+                  <a:lumOff val="40000"/>
+                </a:schemeClr>
+              </a:solidFill>
+              <a:ln>
+                <a:noFill/>
+              </a:ln>
+            </p:spPr>
+            <p:style>
+              <a:lnRef idx="2">
+                <a:schemeClr val="accent1">
+                  <a:shade val="50000"/>
+                </a:schemeClr>
+              </a:lnRef>
+              <a:fillRef idx="1">
+                <a:schemeClr val="accent1"/>
+              </a:fillRef>
+              <a:effectRef idx="0">
+                <a:schemeClr val="accent1"/>
+              </a:effectRef>
+              <a:fontRef idx="minor">
+                <a:schemeClr val="lt1"/>
+              </a:fontRef>
+            </p:style>
+            <p:txBody>
+              <a:bodyPr rtlCol="0" anchor="ctr"/>
+              <a:lstStyle/>
+              <a:p>
+                <a:pPr algn="ctr"/>
+                <a:endParaRPr lang="en-US"/>
+              </a:p>
+            </p:txBody>
+          </p:sp>
+          <p:sp>
+            <p:nvSpPr>
+              <p:cNvPr id="46" name="矩形 45"/>
+              <p:cNvSpPr/>
+              <p:nvPr/>
+            </p:nvSpPr>
+            <p:spPr>
+              <a:xfrm>
+                <a:off x="8167199" y="2531137"/>
+                <a:ext cx="872355" cy="276999"/>
+              </a:xfrm>
+              <a:prstGeom prst="rect">
+                <a:avLst/>
+              </a:prstGeom>
+              <a:noFill/>
+            </p:spPr>
+            <p:txBody>
+              <a:bodyPr wrap="none" lIns="91440" tIns="45720" rIns="91440" bIns="45720">
+                <a:spAutoFit/>
+              </a:bodyPr>
+              <a:lstStyle/>
+              <a:p>
+                <a:pPr algn="ctr"/>
+                <a:r>
+                  <a:rPr lang="zh-TW" altLang="en-US" sz="1200" b="0" cap="none" spc="0" dirty="0" smtClean="0">
+                    <a:ln w="0"/>
+                    <a:solidFill>
+                      <a:schemeClr val="tx1"/>
+                    </a:solidFill>
+                    <a:latin typeface="微軟正黑體" panose="020B0604030504040204" pitchFamily="34" charset="-120"/>
+                    <a:ea typeface="微軟正黑體" panose="020B0604030504040204" pitchFamily="34" charset="-120"/>
+                  </a:rPr>
+                  <a:t>：</a:t>
+                </a:r>
+                <a:r>
+                  <a:rPr lang="en-US" altLang="zh-TW" sz="1200" b="0" cap="none" spc="0" dirty="0" smtClean="0">
+                    <a:ln w="0"/>
+                    <a:solidFill>
+                      <a:schemeClr val="tx1"/>
+                    </a:solidFill>
+                    <a:latin typeface="微軟正黑體" panose="020B0604030504040204" pitchFamily="34" charset="-120"/>
+                    <a:ea typeface="微軟正黑體" panose="020B0604030504040204" pitchFamily="34" charset="-120"/>
+                  </a:rPr>
+                  <a:t>Beacon</a:t>
+                </a:r>
+                <a:endParaRPr lang="zh-TW" altLang="en-US" sz="1200" b="0" cap="none" spc="0" dirty="0">
+                  <a:ln w="0"/>
+                  <a:solidFill>
+                    <a:schemeClr val="tx1"/>
+                  </a:solidFill>
+                  <a:latin typeface="微軟正黑體" panose="020B0604030504040204" pitchFamily="34" charset="-120"/>
+                  <a:ea typeface="微軟正黑體" panose="020B0604030504040204" pitchFamily="34" charset="-120"/>
+                </a:endParaRPr>
+              </a:p>
+            </p:txBody>
+          </p:sp>
+          <p:grpSp>
+            <p:nvGrpSpPr>
+              <p:cNvPr id="64" name="群組 63"/>
+              <p:cNvGrpSpPr/>
+              <p:nvPr/>
+            </p:nvGrpSpPr>
+            <p:grpSpPr>
+              <a:xfrm>
+                <a:off x="5803641" y="2917769"/>
+                <a:ext cx="349564" cy="904053"/>
+                <a:chOff x="5803641" y="2917769"/>
+                <a:chExt cx="349564" cy="904053"/>
+              </a:xfrm>
+            </p:grpSpPr>
+            <p:sp>
+              <p:nvSpPr>
+                <p:cNvPr id="47" name="橢圓 46"/>
+                <p:cNvSpPr/>
+                <p:nvPr/>
+              </p:nvSpPr>
+              <p:spPr>
+                <a:xfrm>
+                  <a:off x="5803641" y="2917769"/>
+                  <a:ext cx="317241" cy="263970"/>
+                </a:xfrm>
+                <a:prstGeom prst="ellipse">
+                  <a:avLst/>
+                </a:prstGeom>
+                <a:noFill/>
+                <a:ln>
+                  <a:solidFill>
+                    <a:schemeClr val="tx1">
+                      <a:lumMod val="75000"/>
+                      <a:lumOff val="25000"/>
+                    </a:schemeClr>
+                  </a:solidFill>
+                </a:ln>
+              </p:spPr>
+              <p:style>
+                <a:lnRef idx="2">
+                  <a:schemeClr val="accent1">
+                    <a:shade val="50000"/>
+                  </a:schemeClr>
+                </a:lnRef>
+                <a:fillRef idx="1">
+                  <a:schemeClr val="accent1"/>
+                </a:fillRef>
+                <a:effectRef idx="0">
+                  <a:schemeClr val="accent1"/>
+                </a:effectRef>
+                <a:fontRef idx="minor">
+                  <a:schemeClr val="lt1"/>
+                </a:fontRef>
+              </p:style>
+              <p:txBody>
+                <a:bodyPr rtlCol="0" anchor="ctr"/>
+                <a:lstStyle/>
+                <a:p>
+                  <a:pPr algn="ctr"/>
+                  <a:endParaRPr lang="en-US"/>
+                </a:p>
+              </p:txBody>
+            </p:sp>
+            <p:cxnSp>
+              <p:nvCxnSpPr>
+                <p:cNvPr id="49" name="直線接點 48"/>
+                <p:cNvCxnSpPr>
+                  <a:stCxn id="47" idx="4"/>
+                </p:cNvCxnSpPr>
+                <p:nvPr/>
+              </p:nvCxnSpPr>
+              <p:spPr>
+                <a:xfrm>
+                  <a:off x="5962262" y="3181739"/>
+                  <a:ext cx="7054" cy="447825"/>
+                </a:xfrm>
+                <a:prstGeom prst="line">
+                  <a:avLst/>
+                </a:prstGeom>
+              </p:spPr>
+              <p:style>
+                <a:lnRef idx="1">
+                  <a:schemeClr val="dk1"/>
+                </a:lnRef>
+                <a:fillRef idx="0">
+                  <a:schemeClr val="dk1"/>
+                </a:fillRef>
+                <a:effectRef idx="0">
+                  <a:schemeClr val="dk1"/>
+                </a:effectRef>
+                <a:fontRef idx="minor">
+                  <a:schemeClr val="tx1"/>
+                </a:fontRef>
+              </p:style>
+            </p:cxnSp>
+            <p:cxnSp>
+              <p:nvCxnSpPr>
+                <p:cNvPr id="52" name="直線接點 51"/>
+                <p:cNvCxnSpPr/>
+                <p:nvPr/>
+              </p:nvCxnSpPr>
+              <p:spPr>
+                <a:xfrm flipH="1">
+                  <a:off x="5843626" y="3629564"/>
+                  <a:ext cx="125690" cy="192258"/>
+                </a:xfrm>
+                <a:prstGeom prst="line">
+                  <a:avLst/>
+                </a:prstGeom>
+              </p:spPr>
+              <p:style>
+                <a:lnRef idx="1">
+                  <a:schemeClr val="dk1"/>
+                </a:lnRef>
+                <a:fillRef idx="0">
+                  <a:schemeClr val="dk1"/>
+                </a:fillRef>
+                <a:effectRef idx="0">
+                  <a:schemeClr val="dk1"/>
+                </a:effectRef>
+                <a:fontRef idx="minor">
+                  <a:schemeClr val="tx1"/>
+                </a:fontRef>
+              </p:style>
+            </p:cxnSp>
+            <p:cxnSp>
+              <p:nvCxnSpPr>
+                <p:cNvPr id="54" name="直線接點 53"/>
+                <p:cNvCxnSpPr/>
+                <p:nvPr/>
+              </p:nvCxnSpPr>
+              <p:spPr>
+                <a:xfrm>
+                  <a:off x="5980106" y="3629564"/>
+                  <a:ext cx="125424" cy="192258"/>
+                </a:xfrm>
+                <a:prstGeom prst="line">
+                  <a:avLst/>
+                </a:prstGeom>
+              </p:spPr>
+              <p:style>
+                <a:lnRef idx="1">
+                  <a:schemeClr val="dk1"/>
+                </a:lnRef>
+                <a:fillRef idx="0">
+                  <a:schemeClr val="dk1"/>
+                </a:fillRef>
+                <a:effectRef idx="0">
+                  <a:schemeClr val="dk1"/>
+                </a:effectRef>
+                <a:fontRef idx="minor">
+                  <a:schemeClr val="tx1"/>
+                </a:fontRef>
+              </p:style>
+            </p:cxnSp>
+            <p:cxnSp>
+              <p:nvCxnSpPr>
+                <p:cNvPr id="57" name="直線接點 56"/>
+                <p:cNvCxnSpPr/>
+                <p:nvPr/>
+              </p:nvCxnSpPr>
+              <p:spPr>
+                <a:xfrm flipV="1">
+                  <a:off x="5962261" y="3268548"/>
+                  <a:ext cx="158621" cy="137103"/>
+                </a:xfrm>
+                <a:prstGeom prst="line">
+                  <a:avLst/>
+                </a:prstGeom>
+              </p:spPr>
+              <p:style>
+                <a:lnRef idx="1">
+                  <a:schemeClr val="dk1"/>
+                </a:lnRef>
+                <a:fillRef idx="0">
+                  <a:schemeClr val="dk1"/>
+                </a:fillRef>
+                <a:effectRef idx="0">
+                  <a:schemeClr val="dk1"/>
+                </a:effectRef>
+                <a:fontRef idx="minor">
+                  <a:schemeClr val="tx1"/>
+                </a:fontRef>
+              </p:style>
+            </p:cxnSp>
+            <p:sp>
+              <p:nvSpPr>
+                <p:cNvPr id="61" name="手繪多邊形 60"/>
+                <p:cNvSpPr/>
+                <p:nvPr/>
+              </p:nvSpPr>
+              <p:spPr>
+                <a:xfrm>
+                  <a:off x="5891948" y="3312158"/>
+                  <a:ext cx="261257" cy="200729"/>
+                </a:xfrm>
+                <a:custGeom>
+                  <a:avLst/>
+                  <a:gdLst>
+                    <a:gd name="connsiteX0" fmla="*/ 0 w 261257"/>
+                    <a:gd name="connsiteY0" fmla="*/ 121298 h 200729"/>
+                    <a:gd name="connsiteX1" fmla="*/ 139959 w 261257"/>
+                    <a:gd name="connsiteY1" fmla="*/ 195943 h 200729"/>
+                    <a:gd name="connsiteX2" fmla="*/ 261257 w 261257"/>
+                    <a:gd name="connsiteY2" fmla="*/ 0 h 200729"/>
+                  </a:gdLst>
+                  <a:ahLst/>
+                  <a:cxnLst>
+                    <a:cxn ang="0">
+                      <a:pos x="connsiteX0" y="connsiteY0"/>
+                    </a:cxn>
+                    <a:cxn ang="0">
+                      <a:pos x="connsiteX1" y="connsiteY1"/>
+                    </a:cxn>
+                    <a:cxn ang="0">
+                      <a:pos x="connsiteX2" y="connsiteY2"/>
+                    </a:cxn>
+                  </a:cxnLst>
+                  <a:rect l="l" t="t" r="r" b="b"/>
+                  <a:pathLst>
+                    <a:path w="261257" h="200729">
+                      <a:moveTo>
+                        <a:pt x="0" y="121298"/>
+                      </a:moveTo>
+                      <a:cubicBezTo>
+                        <a:pt x="48208" y="168728"/>
+                        <a:pt x="96416" y="216159"/>
+                        <a:pt x="139959" y="195943"/>
+                      </a:cubicBezTo>
+                      <a:cubicBezTo>
+                        <a:pt x="183502" y="175727"/>
+                        <a:pt x="222379" y="87863"/>
+                        <a:pt x="261257" y="0"/>
+                      </a:cubicBezTo>
+                    </a:path>
+                  </a:pathLst>
+                </a:custGeom>
+              </p:spPr>
+              <p:style>
+                <a:lnRef idx="1">
+                  <a:schemeClr val="dk1"/>
+                </a:lnRef>
+                <a:fillRef idx="0">
+                  <a:schemeClr val="dk1"/>
+                </a:fillRef>
+                <a:effectRef idx="0">
+                  <a:schemeClr val="dk1"/>
+                </a:effectRef>
+                <a:fontRef idx="minor">
+                  <a:schemeClr val="tx1"/>
+                </a:fontRef>
+              </p:style>
+              <p:txBody>
+                <a:bodyPr rtlCol="0" anchor="ctr"/>
+                <a:lstStyle/>
+                <a:p>
+                  <a:pPr algn="ctr"/>
+                  <a:endParaRPr lang="en-US"/>
+                </a:p>
+              </p:txBody>
+            </p:sp>
+          </p:grpSp>
+          <p:grpSp>
+            <p:nvGrpSpPr>
+              <p:cNvPr id="65" name="群組 64"/>
+              <p:cNvGrpSpPr/>
+              <p:nvPr/>
+            </p:nvGrpSpPr>
+            <p:grpSpPr>
+              <a:xfrm>
+                <a:off x="6151279" y="2964697"/>
+                <a:ext cx="284917" cy="454443"/>
+                <a:chOff x="6151279" y="2964697"/>
+                <a:chExt cx="284917" cy="454443"/>
+              </a:xfrm>
+            </p:grpSpPr>
+            <p:sp>
+              <p:nvSpPr>
+                <p:cNvPr id="62" name="矩形 61"/>
+                <p:cNvSpPr/>
+                <p:nvPr/>
+              </p:nvSpPr>
+              <p:spPr>
+                <a:xfrm>
+                  <a:off x="6151279" y="2964697"/>
+                  <a:ext cx="284917" cy="447825"/>
+                </a:xfrm>
+                <a:prstGeom prst="rect">
+                  <a:avLst/>
+                </a:prstGeom>
+                <a:noFill/>
+                <a:ln>
+                  <a:solidFill>
+                    <a:schemeClr val="bg2">
+                      <a:lumMod val="25000"/>
+                    </a:schemeClr>
+                  </a:solidFill>
+                </a:ln>
+              </p:spPr>
+              <p:style>
+                <a:lnRef idx="2">
+                  <a:schemeClr val="accent1">
+                    <a:shade val="50000"/>
+                  </a:schemeClr>
+                </a:lnRef>
+                <a:fillRef idx="1">
+                  <a:schemeClr val="accent1"/>
+                </a:fillRef>
+                <a:effectRef idx="0">
+                  <a:schemeClr val="accent1"/>
+                </a:effectRef>
+                <a:fontRef idx="minor">
+                  <a:schemeClr val="lt1"/>
+                </a:fontRef>
+              </p:style>
+              <p:txBody>
+                <a:bodyPr rtlCol="0" anchor="ctr"/>
+                <a:lstStyle/>
+                <a:p>
+                  <a:pPr algn="ctr"/>
+                  <a:endParaRPr lang="en-US"/>
+                </a:p>
+              </p:txBody>
+            </p:sp>
+            <p:sp>
+              <p:nvSpPr>
+                <p:cNvPr id="63" name="橢圓 62"/>
+                <p:cNvSpPr/>
+                <p:nvPr/>
+              </p:nvSpPr>
+              <p:spPr>
+                <a:xfrm>
+                  <a:off x="6231700" y="3294449"/>
+                  <a:ext cx="126000" cy="124691"/>
+                </a:xfrm>
+                <a:prstGeom prst="ellipse">
+                  <a:avLst/>
+                </a:prstGeom>
+                <a:noFill/>
+                <a:ln>
+                  <a:solidFill>
+                    <a:schemeClr val="bg2">
+                      <a:lumMod val="25000"/>
+                    </a:schemeClr>
+                  </a:solidFill>
+                </a:ln>
+              </p:spPr>
+              <p:style>
+                <a:lnRef idx="2">
+                  <a:schemeClr val="accent1">
+                    <a:shade val="50000"/>
+                  </a:schemeClr>
+                </a:lnRef>
+                <a:fillRef idx="1">
+                  <a:schemeClr val="accent1"/>
+                </a:fillRef>
+                <a:effectRef idx="0">
+                  <a:schemeClr val="accent1"/>
+                </a:effectRef>
+                <a:fontRef idx="minor">
+                  <a:schemeClr val="lt1"/>
+                </a:fontRef>
+              </p:style>
+              <p:txBody>
+                <a:bodyPr rtlCol="0" anchor="ctr"/>
+                <a:lstStyle/>
+                <a:p>
+                  <a:pPr algn="ctr"/>
+                  <a:endParaRPr lang="en-US"/>
+                </a:p>
+              </p:txBody>
+            </p:sp>
+          </p:grpSp>
+          <p:grpSp>
+            <p:nvGrpSpPr>
+              <p:cNvPr id="66" name="群組 65"/>
+              <p:cNvGrpSpPr/>
+              <p:nvPr/>
+            </p:nvGrpSpPr>
+            <p:grpSpPr>
+              <a:xfrm>
+                <a:off x="7903484" y="2949979"/>
+                <a:ext cx="190090" cy="455672"/>
+                <a:chOff x="5803641" y="2917769"/>
+                <a:chExt cx="349564" cy="904053"/>
+              </a:xfrm>
+            </p:grpSpPr>
+            <p:sp>
+              <p:nvSpPr>
+                <p:cNvPr id="67" name="橢圓 66"/>
+                <p:cNvSpPr/>
+                <p:nvPr/>
+              </p:nvSpPr>
+              <p:spPr>
+                <a:xfrm>
+                  <a:off x="5803641" y="2917769"/>
+                  <a:ext cx="317241" cy="263970"/>
+                </a:xfrm>
+                <a:prstGeom prst="ellipse">
+                  <a:avLst/>
+                </a:prstGeom>
+                <a:noFill/>
+                <a:ln>
+                  <a:solidFill>
+                    <a:schemeClr val="tx1">
+                      <a:lumMod val="75000"/>
+                      <a:lumOff val="25000"/>
+                    </a:schemeClr>
+                  </a:solidFill>
+                </a:ln>
+              </p:spPr>
+              <p:style>
+                <a:lnRef idx="2">
+                  <a:schemeClr val="accent1">
+                    <a:shade val="50000"/>
+                  </a:schemeClr>
+                </a:lnRef>
+                <a:fillRef idx="1">
+                  <a:schemeClr val="accent1"/>
+                </a:fillRef>
+                <a:effectRef idx="0">
+                  <a:schemeClr val="accent1"/>
+                </a:effectRef>
+                <a:fontRef idx="minor">
+                  <a:schemeClr val="lt1"/>
+                </a:fontRef>
+              </p:style>
+              <p:txBody>
+                <a:bodyPr rtlCol="0" anchor="ctr"/>
+                <a:lstStyle/>
+                <a:p>
+                  <a:pPr algn="ctr"/>
+                  <a:endParaRPr lang="en-US"/>
+                </a:p>
+              </p:txBody>
+            </p:sp>
+            <p:cxnSp>
+              <p:nvCxnSpPr>
+                <p:cNvPr id="68" name="直線接點 67"/>
+                <p:cNvCxnSpPr>
+                  <a:stCxn id="67" idx="4"/>
+                </p:cNvCxnSpPr>
+                <p:nvPr/>
+              </p:nvCxnSpPr>
+              <p:spPr>
+                <a:xfrm>
+                  <a:off x="5962262" y="3181739"/>
+                  <a:ext cx="7054" cy="447825"/>
+                </a:xfrm>
+                <a:prstGeom prst="line">
+                  <a:avLst/>
+                </a:prstGeom>
+              </p:spPr>
+              <p:style>
+                <a:lnRef idx="1">
+                  <a:schemeClr val="dk1"/>
+                </a:lnRef>
+                <a:fillRef idx="0">
+                  <a:schemeClr val="dk1"/>
+                </a:fillRef>
+                <a:effectRef idx="0">
+                  <a:schemeClr val="dk1"/>
+                </a:effectRef>
+                <a:fontRef idx="minor">
+                  <a:schemeClr val="tx1"/>
+                </a:fontRef>
+              </p:style>
+            </p:cxnSp>
+            <p:cxnSp>
+              <p:nvCxnSpPr>
+                <p:cNvPr id="69" name="直線接點 68"/>
+                <p:cNvCxnSpPr/>
+                <p:nvPr/>
+              </p:nvCxnSpPr>
+              <p:spPr>
+                <a:xfrm flipH="1">
+                  <a:off x="5843626" y="3629564"/>
+                  <a:ext cx="125690" cy="192258"/>
+                </a:xfrm>
+                <a:prstGeom prst="line">
+                  <a:avLst/>
+                </a:prstGeom>
+              </p:spPr>
+              <p:style>
+                <a:lnRef idx="1">
+                  <a:schemeClr val="dk1"/>
+                </a:lnRef>
+                <a:fillRef idx="0">
+                  <a:schemeClr val="dk1"/>
+                </a:fillRef>
+                <a:effectRef idx="0">
+                  <a:schemeClr val="dk1"/>
+                </a:effectRef>
+                <a:fontRef idx="minor">
+                  <a:schemeClr val="tx1"/>
+                </a:fontRef>
+              </p:style>
+            </p:cxnSp>
+            <p:cxnSp>
+              <p:nvCxnSpPr>
+                <p:cNvPr id="70" name="直線接點 69"/>
+                <p:cNvCxnSpPr/>
+                <p:nvPr/>
+              </p:nvCxnSpPr>
+              <p:spPr>
+                <a:xfrm>
+                  <a:off x="5980106" y="3629564"/>
+                  <a:ext cx="125424" cy="192258"/>
+                </a:xfrm>
+                <a:prstGeom prst="line">
+                  <a:avLst/>
+                </a:prstGeom>
+              </p:spPr>
+              <p:style>
+                <a:lnRef idx="1">
+                  <a:schemeClr val="dk1"/>
+                </a:lnRef>
+                <a:fillRef idx="0">
+                  <a:schemeClr val="dk1"/>
+                </a:fillRef>
+                <a:effectRef idx="0">
+                  <a:schemeClr val="dk1"/>
+                </a:effectRef>
+                <a:fontRef idx="minor">
+                  <a:schemeClr val="tx1"/>
+                </a:fontRef>
+              </p:style>
+            </p:cxnSp>
+            <p:cxnSp>
+              <p:nvCxnSpPr>
+                <p:cNvPr id="71" name="直線接點 70"/>
+                <p:cNvCxnSpPr/>
+                <p:nvPr/>
+              </p:nvCxnSpPr>
+              <p:spPr>
+                <a:xfrm flipV="1">
+                  <a:off x="5962261" y="3268548"/>
+                  <a:ext cx="158621" cy="137103"/>
+                </a:xfrm>
+                <a:prstGeom prst="line">
+                  <a:avLst/>
+                </a:prstGeom>
+              </p:spPr>
+              <p:style>
+                <a:lnRef idx="1">
+                  <a:schemeClr val="dk1"/>
+                </a:lnRef>
+                <a:fillRef idx="0">
+                  <a:schemeClr val="dk1"/>
+                </a:fillRef>
+                <a:effectRef idx="0">
+                  <a:schemeClr val="dk1"/>
+                </a:effectRef>
+                <a:fontRef idx="minor">
+                  <a:schemeClr val="tx1"/>
+                </a:fontRef>
+              </p:style>
+            </p:cxnSp>
+            <p:sp>
+              <p:nvSpPr>
+                <p:cNvPr id="72" name="手繪多邊形 71"/>
+                <p:cNvSpPr/>
+                <p:nvPr/>
+              </p:nvSpPr>
+              <p:spPr>
+                <a:xfrm>
+                  <a:off x="5891948" y="3312158"/>
+                  <a:ext cx="261257" cy="200729"/>
+                </a:xfrm>
+                <a:custGeom>
+                  <a:avLst/>
+                  <a:gdLst>
+                    <a:gd name="connsiteX0" fmla="*/ 0 w 261257"/>
+                    <a:gd name="connsiteY0" fmla="*/ 121298 h 200729"/>
+                    <a:gd name="connsiteX1" fmla="*/ 139959 w 261257"/>
+                    <a:gd name="connsiteY1" fmla="*/ 195943 h 200729"/>
+                    <a:gd name="connsiteX2" fmla="*/ 261257 w 261257"/>
+                    <a:gd name="connsiteY2" fmla="*/ 0 h 200729"/>
+                  </a:gdLst>
+                  <a:ahLst/>
+                  <a:cxnLst>
+                    <a:cxn ang="0">
+                      <a:pos x="connsiteX0" y="connsiteY0"/>
+                    </a:cxn>
+                    <a:cxn ang="0">
+                      <a:pos x="connsiteX1" y="connsiteY1"/>
+                    </a:cxn>
+                    <a:cxn ang="0">
+                      <a:pos x="connsiteX2" y="connsiteY2"/>
+                    </a:cxn>
+                  </a:cxnLst>
+                  <a:rect l="l" t="t" r="r" b="b"/>
+                  <a:pathLst>
+                    <a:path w="261257" h="200729">
+                      <a:moveTo>
+                        <a:pt x="0" y="121298"/>
+                      </a:moveTo>
+                      <a:cubicBezTo>
+                        <a:pt x="48208" y="168728"/>
+                        <a:pt x="96416" y="216159"/>
+                        <a:pt x="139959" y="195943"/>
+                      </a:cubicBezTo>
+                      <a:cubicBezTo>
+                        <a:pt x="183502" y="175727"/>
+                        <a:pt x="222379" y="87863"/>
+                        <a:pt x="261257" y="0"/>
+                      </a:cubicBezTo>
+                    </a:path>
+                  </a:pathLst>
+                </a:custGeom>
+              </p:spPr>
+              <p:style>
+                <a:lnRef idx="1">
+                  <a:schemeClr val="dk1"/>
+                </a:lnRef>
+                <a:fillRef idx="0">
+                  <a:schemeClr val="dk1"/>
+                </a:fillRef>
+                <a:effectRef idx="0">
+                  <a:schemeClr val="dk1"/>
+                </a:effectRef>
+                <a:fontRef idx="minor">
+                  <a:schemeClr val="tx1"/>
+                </a:fontRef>
+              </p:style>
+              <p:txBody>
+                <a:bodyPr rtlCol="0" anchor="ctr"/>
+                <a:lstStyle/>
+                <a:p>
+                  <a:pPr algn="ctr"/>
+                  <a:endParaRPr lang="en-US"/>
+                </a:p>
+              </p:txBody>
+            </p:sp>
+          </p:grpSp>
+          <p:sp>
+            <p:nvSpPr>
+              <p:cNvPr id="73" name="矩形 72"/>
+              <p:cNvSpPr/>
+              <p:nvPr/>
+            </p:nvSpPr>
+            <p:spPr>
+              <a:xfrm>
+                <a:off x="8180363" y="3066170"/>
+                <a:ext cx="646331" cy="276999"/>
+              </a:xfrm>
+              <a:prstGeom prst="rect">
+                <a:avLst/>
+              </a:prstGeom>
+              <a:noFill/>
+            </p:spPr>
+            <p:txBody>
+              <a:bodyPr wrap="none" lIns="91440" tIns="45720" rIns="91440" bIns="45720">
+                <a:spAutoFit/>
+              </a:bodyPr>
+              <a:lstStyle/>
+              <a:p>
+                <a:pPr algn="ctr"/>
+                <a:r>
+                  <a:rPr lang="zh-TW" altLang="en-US" sz="1200" b="0" cap="none" spc="0" dirty="0" smtClean="0">
+                    <a:ln w="0"/>
+                    <a:solidFill>
+                      <a:schemeClr val="tx1"/>
+                    </a:solidFill>
+                    <a:latin typeface="微軟正黑體" panose="020B0604030504040204" pitchFamily="34" charset="-120"/>
+                    <a:ea typeface="微軟正黑體" panose="020B0604030504040204" pitchFamily="34" charset="-120"/>
+                  </a:rPr>
+                  <a:t>：訪客</a:t>
+                </a:r>
+                <a:endParaRPr lang="zh-TW" altLang="en-US" sz="1200" b="0" cap="none" spc="0" dirty="0">
+                  <a:ln w="0"/>
+                  <a:solidFill>
+                    <a:schemeClr val="tx1"/>
+                  </a:solidFill>
+                  <a:latin typeface="微軟正黑體" panose="020B0604030504040204" pitchFamily="34" charset="-120"/>
+                  <a:ea typeface="微軟正黑體" panose="020B0604030504040204" pitchFamily="34" charset="-120"/>
+                </a:endParaRPr>
+              </a:p>
+            </p:txBody>
+          </p:sp>
+          <p:grpSp>
+            <p:nvGrpSpPr>
+              <p:cNvPr id="74" name="群組 73"/>
+              <p:cNvGrpSpPr/>
+              <p:nvPr/>
+            </p:nvGrpSpPr>
+            <p:grpSpPr>
+              <a:xfrm>
+                <a:off x="7889904" y="3611883"/>
+                <a:ext cx="214994" cy="321787"/>
+                <a:chOff x="6151279" y="2964697"/>
+                <a:chExt cx="284917" cy="447825"/>
+              </a:xfrm>
+            </p:grpSpPr>
+            <p:sp>
+              <p:nvSpPr>
+                <p:cNvPr id="75" name="矩形 74"/>
+                <p:cNvSpPr/>
+                <p:nvPr/>
+              </p:nvSpPr>
+              <p:spPr>
+                <a:xfrm>
+                  <a:off x="6151279" y="2964697"/>
+                  <a:ext cx="284917" cy="447825"/>
+                </a:xfrm>
+                <a:prstGeom prst="rect">
+                  <a:avLst/>
+                </a:prstGeom>
+                <a:noFill/>
+                <a:ln>
+                  <a:solidFill>
+                    <a:schemeClr val="bg2">
+                      <a:lumMod val="25000"/>
+                    </a:schemeClr>
+                  </a:solidFill>
+                </a:ln>
+              </p:spPr>
+              <p:style>
+                <a:lnRef idx="2">
+                  <a:schemeClr val="accent1">
+                    <a:shade val="50000"/>
+                  </a:schemeClr>
+                </a:lnRef>
+                <a:fillRef idx="1">
+                  <a:schemeClr val="accent1"/>
+                </a:fillRef>
+                <a:effectRef idx="0">
+                  <a:schemeClr val="accent1"/>
+                </a:effectRef>
+                <a:fontRef idx="minor">
+                  <a:schemeClr val="lt1"/>
+                </a:fontRef>
+              </p:style>
+              <p:txBody>
+                <a:bodyPr rtlCol="0" anchor="ctr"/>
+                <a:lstStyle/>
+                <a:p>
+                  <a:pPr algn="ctr"/>
+                  <a:endParaRPr lang="en-US"/>
+                </a:p>
+              </p:txBody>
+            </p:sp>
+            <p:sp>
+              <p:nvSpPr>
+                <p:cNvPr id="76" name="橢圓 75"/>
+                <p:cNvSpPr/>
+                <p:nvPr/>
+              </p:nvSpPr>
+              <p:spPr>
+                <a:xfrm>
+                  <a:off x="6231699" y="3268479"/>
+                  <a:ext cx="126000" cy="124690"/>
+                </a:xfrm>
+                <a:prstGeom prst="ellipse">
+                  <a:avLst/>
+                </a:prstGeom>
+                <a:noFill/>
+                <a:ln>
+                  <a:solidFill>
+                    <a:schemeClr val="bg2">
+                      <a:lumMod val="25000"/>
+                    </a:schemeClr>
+                  </a:solidFill>
+                </a:ln>
+              </p:spPr>
+              <p:style>
+                <a:lnRef idx="2">
+                  <a:schemeClr val="accent1">
+                    <a:shade val="50000"/>
+                  </a:schemeClr>
+                </a:lnRef>
+                <a:fillRef idx="1">
+                  <a:schemeClr val="accent1"/>
+                </a:fillRef>
+                <a:effectRef idx="0">
+                  <a:schemeClr val="accent1"/>
+                </a:effectRef>
+                <a:fontRef idx="minor">
+                  <a:schemeClr val="lt1"/>
+                </a:fontRef>
+              </p:style>
+              <p:txBody>
+                <a:bodyPr rtlCol="0" anchor="ctr"/>
+                <a:lstStyle/>
+                <a:p>
+                  <a:pPr algn="ctr"/>
+                  <a:endParaRPr lang="en-US"/>
+                </a:p>
+              </p:txBody>
+            </p:sp>
+          </p:grpSp>
+          <p:sp>
+            <p:nvSpPr>
+              <p:cNvPr id="77" name="矩形 76"/>
+              <p:cNvSpPr/>
+              <p:nvPr/>
+            </p:nvSpPr>
+            <p:spPr>
+              <a:xfrm>
+                <a:off x="8031299" y="3656668"/>
+                <a:ext cx="954107" cy="276999"/>
+              </a:xfrm>
+              <a:prstGeom prst="rect">
+                <a:avLst/>
+              </a:prstGeom>
+              <a:noFill/>
+            </p:spPr>
+            <p:txBody>
+              <a:bodyPr wrap="none" lIns="91440" tIns="45720" rIns="91440" bIns="45720">
+                <a:spAutoFit/>
+              </a:bodyPr>
+              <a:lstStyle/>
+              <a:p>
+                <a:pPr algn="ctr"/>
+                <a:r>
+                  <a:rPr lang="zh-TW" altLang="en-US" sz="1200" b="0" cap="none" spc="0" dirty="0" smtClean="0">
+                    <a:ln w="0"/>
+                    <a:solidFill>
+                      <a:schemeClr val="tx1"/>
+                    </a:solidFill>
+                    <a:latin typeface="微軟正黑體" panose="020B0604030504040204" pitchFamily="34" charset="-120"/>
+                    <a:ea typeface="微軟正黑體" panose="020B0604030504040204" pitchFamily="34" charset="-120"/>
+                  </a:rPr>
+                  <a:t>：行動裝置</a:t>
+                </a:r>
+                <a:endParaRPr lang="zh-TW" altLang="en-US" sz="1200" b="0" cap="none" spc="0" dirty="0">
+                  <a:ln w="0"/>
+                  <a:solidFill>
+                    <a:schemeClr val="tx1"/>
+                  </a:solidFill>
+                  <a:latin typeface="微軟正黑體" panose="020B0604030504040204" pitchFamily="34" charset="-120"/>
+                  <a:ea typeface="微軟正黑體" panose="020B0604030504040204" pitchFamily="34" charset="-120"/>
+                </a:endParaRPr>
+              </a:p>
+            </p:txBody>
+          </p:sp>
+        </p:grpSp>
+        <p:grpSp>
+          <p:nvGrpSpPr>
+            <p:cNvPr id="81" name="群組 80"/>
+            <p:cNvGrpSpPr/>
+            <p:nvPr/>
+          </p:nvGrpSpPr>
+          <p:grpSpPr>
+            <a:xfrm>
+              <a:off x="6961929" y="2200318"/>
+              <a:ext cx="2621611" cy="2007611"/>
+              <a:chOff x="6961929" y="2200318"/>
+              <a:chExt cx="2621611" cy="2007611"/>
+            </a:xfrm>
+          </p:grpSpPr>
+          <p:sp>
+            <p:nvSpPr>
+              <p:cNvPr id="78" name="矩形 77"/>
+              <p:cNvSpPr/>
+              <p:nvPr/>
+            </p:nvSpPr>
+            <p:spPr>
+              <a:xfrm>
+                <a:off x="6999178" y="2371882"/>
+                <a:ext cx="2584362" cy="1569660"/>
+              </a:xfrm>
+              <a:prstGeom prst="rect">
+                <a:avLst/>
+              </a:prstGeom>
+              <a:noFill/>
+            </p:spPr>
+            <p:txBody>
+              <a:bodyPr wrap="none" lIns="91440" tIns="45720" rIns="91440" bIns="45720">
+                <a:spAutoFit/>
+              </a:bodyPr>
+              <a:lstStyle/>
+              <a:p>
+                <a:pPr marL="171450" indent="-171450">
+                  <a:lnSpc>
+                    <a:spcPct val="200000"/>
+                  </a:lnSpc>
+                  <a:buFont typeface="Arial" panose="020B0604020202020204" pitchFamily="34" charset="0"/>
+                  <a:buChar char="•"/>
+                </a:pPr>
+                <a:r>
+                  <a:rPr lang="zh-TW" altLang="en-US" sz="1200" b="0" cap="none" spc="0" dirty="0" smtClean="0">
+                    <a:ln w="0"/>
+                    <a:solidFill>
+                      <a:schemeClr val="tx1"/>
+                    </a:solidFill>
+                    <a:latin typeface="微軟正黑體" panose="020B0604030504040204" pitchFamily="34" charset="-120"/>
+                    <a:ea typeface="微軟正黑體" panose="020B0604030504040204" pitchFamily="34" charset="-120"/>
+                  </a:rPr>
+                  <a:t>在展間佈置</a:t>
+                </a:r>
+                <a:r>
+                  <a:rPr lang="en-US" altLang="zh-TW" sz="1200" b="0" cap="none" spc="0" dirty="0" smtClean="0">
+                    <a:ln w="0"/>
+                    <a:solidFill>
+                      <a:schemeClr val="tx1"/>
+                    </a:solidFill>
+                    <a:latin typeface="微軟正黑體" panose="020B0604030504040204" pitchFamily="34" charset="-120"/>
+                    <a:ea typeface="微軟正黑體" panose="020B0604030504040204" pitchFamily="34" charset="-120"/>
+                  </a:rPr>
+                  <a:t>Beacon</a:t>
+                </a:r>
+                <a:r>
+                  <a:rPr lang="zh-TW" altLang="en-US" sz="1200" b="0" cap="none" spc="0" dirty="0" smtClean="0">
+                    <a:ln w="0"/>
+                    <a:solidFill>
+                      <a:schemeClr val="tx1"/>
+                    </a:solidFill>
+                    <a:latin typeface="微軟正黑體" panose="020B0604030504040204" pitchFamily="34" charset="-120"/>
+                    <a:ea typeface="微軟正黑體" panose="020B0604030504040204" pitchFamily="34" charset="-120"/>
+                  </a:rPr>
+                  <a:t>能夠即時傳送</a:t>
+                </a:r>
+                <a:endParaRPr lang="en-US" altLang="zh-TW" sz="1200" b="0" cap="none" spc="0" dirty="0" smtClean="0">
+                  <a:ln w="0"/>
+                  <a:solidFill>
+                    <a:schemeClr val="tx1"/>
+                  </a:solidFill>
+                  <a:latin typeface="微軟正黑體" panose="020B0604030504040204" pitchFamily="34" charset="-120"/>
+                  <a:ea typeface="微軟正黑體" panose="020B0604030504040204" pitchFamily="34" charset="-120"/>
+                </a:endParaRPr>
+              </a:p>
+              <a:p>
+                <a:pPr>
+                  <a:lnSpc>
+                    <a:spcPct val="200000"/>
+                  </a:lnSpc>
+                </a:pPr>
+                <a:r>
+                  <a:rPr lang="zh-TW" altLang="en-US" sz="1200" b="0" cap="none" spc="0" dirty="0" smtClean="0">
+                    <a:ln w="0"/>
+                    <a:solidFill>
+                      <a:schemeClr val="tx1"/>
+                    </a:solidFill>
+                    <a:latin typeface="微軟正黑體" panose="020B0604030504040204" pitchFamily="34" charset="-120"/>
+                    <a:ea typeface="微軟正黑體" panose="020B0604030504040204" pitchFamily="34" charset="-120"/>
+                  </a:rPr>
+                  <a:t>     展品資訊或訪客位置。</a:t>
+                </a:r>
+                <a:endParaRPr lang="en-US" altLang="zh-TW" sz="1200" b="0" cap="none" spc="0" dirty="0" smtClean="0">
+                  <a:ln w="0"/>
+                  <a:solidFill>
+                    <a:schemeClr val="tx1"/>
+                  </a:solidFill>
+                  <a:latin typeface="微軟正黑體" panose="020B0604030504040204" pitchFamily="34" charset="-120"/>
+                  <a:ea typeface="微軟正黑體" panose="020B0604030504040204" pitchFamily="34" charset="-120"/>
+                </a:endParaRPr>
+              </a:p>
+              <a:p>
+                <a:pPr marL="171450" indent="-171450">
+                  <a:lnSpc>
+                    <a:spcPct val="200000"/>
+                  </a:lnSpc>
+                  <a:buFont typeface="Arial" panose="020B0604020202020204" pitchFamily="34" charset="0"/>
+                  <a:buChar char="•"/>
+                </a:pPr>
+                <a:r>
+                  <a:rPr lang="zh-TW" altLang="en-US" sz="1200" b="0" cap="none" spc="0" dirty="0" smtClean="0">
+                    <a:ln w="0"/>
+                    <a:solidFill>
+                      <a:schemeClr val="tx1"/>
+                    </a:solidFill>
+                    <a:latin typeface="微軟正黑體" panose="020B0604030504040204" pitchFamily="34" charset="-120"/>
+                    <a:ea typeface="微軟正黑體" panose="020B0604030504040204" pitchFamily="34" charset="-120"/>
+                  </a:rPr>
+                  <a:t>透過行動裝置</a:t>
+                </a:r>
+                <a:r>
+                  <a:rPr lang="zh-TW" altLang="en-US" sz="1200" dirty="0" smtClean="0">
+                    <a:ln w="0"/>
+                    <a:latin typeface="微軟正黑體" panose="020B0604030504040204" pitchFamily="34" charset="-120"/>
+                    <a:ea typeface="微軟正黑體" panose="020B0604030504040204" pitchFamily="34" charset="-120"/>
+                  </a:rPr>
+                  <a:t>上的應用程式</a:t>
+                </a:r>
+                <a:r>
+                  <a:rPr lang="en-US" altLang="zh-TW" sz="1200" dirty="0" smtClean="0">
+                    <a:ln w="0"/>
+                    <a:latin typeface="微軟正黑體" panose="020B0604030504040204" pitchFamily="34" charset="-120"/>
+                    <a:ea typeface="微軟正黑體" panose="020B0604030504040204" pitchFamily="34" charset="-120"/>
+                  </a:rPr>
+                  <a:t>LINE</a:t>
+                </a:r>
+              </a:p>
+              <a:p>
+                <a:pPr>
+                  <a:lnSpc>
+                    <a:spcPct val="200000"/>
+                  </a:lnSpc>
+                </a:pPr>
+                <a:r>
+                  <a:rPr lang="zh-TW" altLang="en-US" sz="1200" dirty="0" smtClean="0">
+                    <a:ln w="0"/>
+                    <a:latin typeface="微軟正黑體" panose="020B0604030504040204" pitchFamily="34" charset="-120"/>
+                    <a:ea typeface="微軟正黑體" panose="020B0604030504040204" pitchFamily="34" charset="-120"/>
+                  </a:rPr>
+                  <a:t>     能夠接收並傳送</a:t>
+                </a:r>
+                <a:r>
+                  <a:rPr lang="zh-TW" altLang="en-US" sz="1200" b="0" cap="none" spc="0" dirty="0" smtClean="0">
+                    <a:ln w="0"/>
+                    <a:solidFill>
+                      <a:schemeClr val="tx1"/>
+                    </a:solidFill>
+                    <a:latin typeface="微軟正黑體" panose="020B0604030504040204" pitchFamily="34" charset="-120"/>
+                    <a:ea typeface="微軟正黑體" panose="020B0604030504040204" pitchFamily="34" charset="-120"/>
+                  </a:rPr>
+                  <a:t>各種資訊。</a:t>
+                </a:r>
+                <a:endParaRPr lang="zh-TW" altLang="en-US" sz="1200" b="0" cap="none" spc="0" dirty="0">
+                  <a:ln w="0"/>
+                  <a:solidFill>
+                    <a:schemeClr val="tx1"/>
+                  </a:solidFill>
+                  <a:latin typeface="微軟正黑體" panose="020B0604030504040204" pitchFamily="34" charset="-120"/>
+                  <a:ea typeface="微軟正黑體" panose="020B0604030504040204" pitchFamily="34" charset="-120"/>
+                </a:endParaRPr>
+              </a:p>
+            </p:txBody>
+          </p:sp>
+          <p:sp>
+            <p:nvSpPr>
+              <p:cNvPr id="79" name="矩形 78"/>
+              <p:cNvSpPr/>
+              <p:nvPr/>
+            </p:nvSpPr>
+            <p:spPr>
+              <a:xfrm>
+                <a:off x="6961929" y="2200318"/>
+                <a:ext cx="2592618" cy="2007611"/>
+              </a:xfrm>
+              <a:prstGeom prst="rect">
+                <a:avLst/>
+              </a:prstGeom>
+              <a:noFill/>
+              <a:ln>
+                <a:solidFill>
+                  <a:schemeClr val="bg2">
+                    <a:lumMod val="50000"/>
+                  </a:schemeClr>
+                </a:solidFill>
+              </a:ln>
+            </p:spPr>
+            <p:style>
+              <a:lnRef idx="2">
+                <a:schemeClr val="accent1">
+                  <a:shade val="50000"/>
+                </a:schemeClr>
+              </a:lnRef>
+              <a:fillRef idx="1">
+                <a:schemeClr val="accent1"/>
+              </a:fillRef>
+              <a:effectRef idx="0">
+                <a:schemeClr val="accent1"/>
+              </a:effectRef>
+              <a:fontRef idx="minor">
+                <a:schemeClr val="lt1"/>
+              </a:fontRef>
+            </p:style>
+            <p:txBody>
+              <a:bodyPr rtlCol="0" anchor="ctr"/>
+              <a:lstStyle/>
+              <a:p>
+                <a:pPr algn="ctr"/>
+                <a:endParaRPr lang="en-US"/>
+              </a:p>
+            </p:txBody>
+          </p:sp>
+        </p:grpSp>
+        <p:grpSp>
+          <p:nvGrpSpPr>
+            <p:cNvPr id="82" name="群組 81"/>
+            <p:cNvGrpSpPr/>
+            <p:nvPr/>
+          </p:nvGrpSpPr>
+          <p:grpSpPr>
+            <a:xfrm>
+              <a:off x="6961895" y="4950876"/>
+              <a:ext cx="1945700" cy="1458510"/>
+              <a:chOff x="6961929" y="2200318"/>
+              <a:chExt cx="2592618" cy="2007611"/>
+            </a:xfrm>
+          </p:grpSpPr>
+          <p:sp>
+            <p:nvSpPr>
+              <p:cNvPr id="83" name="矩形 82"/>
+              <p:cNvSpPr/>
+              <p:nvPr/>
+            </p:nvSpPr>
+            <p:spPr>
+              <a:xfrm>
+                <a:off x="7007424" y="2378008"/>
+                <a:ext cx="2501659" cy="1652230"/>
+              </a:xfrm>
+              <a:prstGeom prst="rect">
+                <a:avLst/>
+              </a:prstGeom>
+              <a:noFill/>
+            </p:spPr>
+            <p:txBody>
+              <a:bodyPr wrap="none" lIns="91440" tIns="45720" rIns="91440" bIns="45720">
+                <a:spAutoFit/>
+              </a:bodyPr>
+              <a:lstStyle/>
+              <a:p>
+                <a:pPr>
+                  <a:lnSpc>
+                    <a:spcPct val="200000"/>
+                  </a:lnSpc>
+                </a:pPr>
+                <a:r>
+                  <a:rPr lang="zh-TW" altLang="en-US" sz="1200" b="0" cap="none" spc="0" dirty="0" smtClean="0">
+                    <a:ln w="0"/>
+                    <a:solidFill>
+                      <a:schemeClr val="tx1"/>
+                    </a:solidFill>
+                    <a:latin typeface="微軟正黑體" panose="020B0604030504040204" pitchFamily="34" charset="-120"/>
+                    <a:ea typeface="微軟正黑體" panose="020B0604030504040204" pitchFamily="34" charset="-120"/>
+                  </a:rPr>
+                  <a:t>蒐集訪客的各種操作行為</a:t>
+                </a:r>
+                <a:endParaRPr lang="en-US" altLang="zh-TW" sz="1200" b="0" cap="none" spc="0" dirty="0" smtClean="0">
+                  <a:ln w="0"/>
+                  <a:solidFill>
+                    <a:schemeClr val="tx1"/>
+                  </a:solidFill>
+                  <a:latin typeface="微軟正黑體" panose="020B0604030504040204" pitchFamily="34" charset="-120"/>
+                  <a:ea typeface="微軟正黑體" panose="020B0604030504040204" pitchFamily="34" charset="-120"/>
+                </a:endParaRPr>
+              </a:p>
+              <a:p>
+                <a:pPr>
+                  <a:lnSpc>
+                    <a:spcPct val="200000"/>
+                  </a:lnSpc>
+                </a:pPr>
+                <a:r>
+                  <a:rPr lang="zh-TW" altLang="en-US" sz="1200" b="0" cap="none" spc="0" dirty="0" smtClean="0">
+                    <a:ln w="0"/>
+                    <a:solidFill>
+                      <a:schemeClr val="tx1"/>
+                    </a:solidFill>
+                    <a:latin typeface="微軟正黑體" panose="020B0604030504040204" pitchFamily="34" charset="-120"/>
+                    <a:ea typeface="微軟正黑體" panose="020B0604030504040204" pitchFamily="34" charset="-120"/>
+                  </a:rPr>
+                  <a:t>，經線下</a:t>
+                </a:r>
+                <a:r>
+                  <a:rPr lang="zh-TW" altLang="en-US" sz="1200" dirty="0" smtClean="0">
+                    <a:ln w="0"/>
+                    <a:latin typeface="微軟正黑體" panose="020B0604030504040204" pitchFamily="34" charset="-120"/>
+                    <a:ea typeface="微軟正黑體" panose="020B0604030504040204" pitchFamily="34" charset="-120"/>
+                  </a:rPr>
+                  <a:t>的演算法處理，</a:t>
+                </a:r>
+                <a:endParaRPr lang="en-US" altLang="zh-TW" sz="1200" dirty="0" smtClean="0">
+                  <a:ln w="0"/>
+                  <a:latin typeface="微軟正黑體" panose="020B0604030504040204" pitchFamily="34" charset="-120"/>
+                  <a:ea typeface="微軟正黑體" panose="020B0604030504040204" pitchFamily="34" charset="-120"/>
+                </a:endParaRPr>
+              </a:p>
+              <a:p>
+                <a:pPr>
+                  <a:lnSpc>
+                    <a:spcPct val="200000"/>
+                  </a:lnSpc>
+                </a:pPr>
+                <a:r>
+                  <a:rPr lang="zh-TW" altLang="en-US" sz="1200" dirty="0" smtClean="0">
+                    <a:ln w="0"/>
+                    <a:latin typeface="微軟正黑體" panose="020B0604030504040204" pitchFamily="34" charset="-120"/>
+                    <a:ea typeface="微軟正黑體" panose="020B0604030504040204" pitchFamily="34" charset="-120"/>
+                  </a:rPr>
+                  <a:t>達到客製化導覽。</a:t>
+                </a:r>
+                <a:endParaRPr lang="zh-TW" altLang="en-US" sz="1200" b="0" cap="none" spc="0" dirty="0">
+                  <a:ln w="0"/>
+                  <a:solidFill>
+                    <a:schemeClr val="tx1"/>
+                  </a:solidFill>
+                  <a:latin typeface="微軟正黑體" panose="020B0604030504040204" pitchFamily="34" charset="-120"/>
+                  <a:ea typeface="微軟正黑體" panose="020B0604030504040204" pitchFamily="34" charset="-120"/>
+                </a:endParaRPr>
+              </a:p>
+            </p:txBody>
+          </p:sp>
+          <p:sp>
+            <p:nvSpPr>
+              <p:cNvPr id="84" name="矩形 83"/>
+              <p:cNvSpPr/>
+              <p:nvPr/>
+            </p:nvSpPr>
+            <p:spPr>
+              <a:xfrm>
+                <a:off x="6961929" y="2200318"/>
+                <a:ext cx="2592618" cy="2007611"/>
+              </a:xfrm>
+              <a:prstGeom prst="rect">
+                <a:avLst/>
+              </a:prstGeom>
+              <a:noFill/>
+              <a:ln>
+                <a:solidFill>
+                  <a:schemeClr val="bg2">
+                    <a:lumMod val="50000"/>
+                  </a:schemeClr>
+                </a:solidFill>
+              </a:ln>
+            </p:spPr>
+            <p:style>
+              <a:lnRef idx="2">
+                <a:schemeClr val="accent1">
+                  <a:shade val="50000"/>
+                </a:schemeClr>
+              </a:lnRef>
+              <a:fillRef idx="1">
+                <a:schemeClr val="accent1"/>
+              </a:fillRef>
+              <a:effectRef idx="0">
+                <a:schemeClr val="accent1"/>
+              </a:effectRef>
+              <a:fontRef idx="minor">
+                <a:schemeClr val="lt1"/>
+              </a:fontRef>
+            </p:style>
+            <p:txBody>
+              <a:bodyPr rtlCol="0" anchor="ctr"/>
+              <a:lstStyle/>
+              <a:p>
+                <a:pPr algn="ctr"/>
+                <a:endParaRPr lang="en-US"/>
+              </a:p>
+            </p:txBody>
+          </p:sp>
+        </p:grpSp>
+        <p:cxnSp>
+          <p:nvCxnSpPr>
+            <p:cNvPr id="85" name="直線單箭頭接點 84"/>
+            <p:cNvCxnSpPr/>
+            <p:nvPr/>
+          </p:nvCxnSpPr>
+          <p:spPr>
+            <a:xfrm flipH="1">
+              <a:off x="5962823" y="4268051"/>
+              <a:ext cx="54" cy="483910"/>
+            </a:xfrm>
+            <a:prstGeom prst="straightConnector1">
+              <a:avLst/>
+            </a:prstGeom>
+            <a:ln>
+              <a:tailEnd type="triangle"/>
+            </a:ln>
+          </p:spPr>
+          <p:style>
+            <a:lnRef idx="1">
+              <a:schemeClr val="dk1"/>
+            </a:lnRef>
+            <a:fillRef idx="0">
+              <a:schemeClr val="dk1"/>
+            </a:fillRef>
+            <a:effectRef idx="0">
+              <a:schemeClr val="dk1"/>
+            </a:effectRef>
+            <a:fontRef idx="minor">
+              <a:schemeClr val="tx1"/>
+            </a:fontRef>
+          </p:style>
+        </p:cxnSp>
+        <p:cxnSp>
+          <p:nvCxnSpPr>
+            <p:cNvPr id="86" name="直線單箭頭接點 85"/>
+            <p:cNvCxnSpPr/>
+            <p:nvPr/>
+          </p:nvCxnSpPr>
+          <p:spPr>
+            <a:xfrm>
+              <a:off x="5515720" y="5059716"/>
+              <a:ext cx="401216" cy="237931"/>
+            </a:xfrm>
+            <a:prstGeom prst="straightConnector1">
+              <a:avLst/>
+            </a:prstGeom>
+            <a:ln>
+              <a:solidFill>
+                <a:schemeClr val="bg2">
+                  <a:lumMod val="25000"/>
+                </a:schemeClr>
+              </a:solidFill>
+              <a:tailEnd type="triangle"/>
+            </a:ln>
+          </p:spPr>
+          <p:style>
+            <a:lnRef idx="1">
+              <a:schemeClr val="dk1"/>
+            </a:lnRef>
+            <a:fillRef idx="0">
+              <a:schemeClr val="dk1"/>
+            </a:fillRef>
+            <a:effectRef idx="0">
+              <a:schemeClr val="dk1"/>
+            </a:effectRef>
+            <a:fontRef idx="minor">
+              <a:schemeClr val="tx1"/>
+            </a:fontRef>
+          </p:style>
+        </p:cxnSp>
+        <p:cxnSp>
+          <p:nvCxnSpPr>
+            <p:cNvPr id="88" name="直線單箭頭接點 87"/>
+            <p:cNvCxnSpPr/>
+            <p:nvPr/>
+          </p:nvCxnSpPr>
+          <p:spPr>
+            <a:xfrm>
+              <a:off x="5787065" y="4950876"/>
+              <a:ext cx="164015" cy="346771"/>
+            </a:xfrm>
+            <a:prstGeom prst="straightConnector1">
+              <a:avLst/>
+            </a:prstGeom>
+            <a:ln>
+              <a:solidFill>
+                <a:schemeClr val="bg2">
+                  <a:lumMod val="25000"/>
+                </a:schemeClr>
+              </a:solidFill>
+              <a:tailEnd type="triangle"/>
+            </a:ln>
+          </p:spPr>
+          <p:style>
+            <a:lnRef idx="1">
+              <a:schemeClr val="dk1"/>
+            </a:lnRef>
+            <a:fillRef idx="0">
+              <a:schemeClr val="dk1"/>
+            </a:fillRef>
+            <a:effectRef idx="0">
+              <a:schemeClr val="dk1"/>
+            </a:effectRef>
+            <a:fontRef idx="minor">
+              <a:schemeClr val="tx1"/>
+            </a:fontRef>
+          </p:style>
+        </p:cxnSp>
+        <p:cxnSp>
+          <p:nvCxnSpPr>
+            <p:cNvPr id="92" name="直線單箭頭接點 91"/>
+            <p:cNvCxnSpPr/>
+            <p:nvPr/>
+          </p:nvCxnSpPr>
+          <p:spPr>
+            <a:xfrm flipH="1">
+              <a:off x="5973783" y="4886330"/>
+              <a:ext cx="63564" cy="411317"/>
+            </a:xfrm>
+            <a:prstGeom prst="straightConnector1">
+              <a:avLst/>
+            </a:prstGeom>
+            <a:ln>
+              <a:solidFill>
+                <a:schemeClr val="bg2">
+                  <a:lumMod val="25000"/>
+                </a:schemeClr>
+              </a:solidFill>
+              <a:tailEnd type="triangle"/>
+            </a:ln>
+          </p:spPr>
+          <p:style>
+            <a:lnRef idx="1">
+              <a:schemeClr val="dk1"/>
+            </a:lnRef>
+            <a:fillRef idx="0">
+              <a:schemeClr val="dk1"/>
+            </a:fillRef>
+            <a:effectRef idx="0">
+              <a:schemeClr val="dk1"/>
+            </a:effectRef>
+            <a:fontRef idx="minor">
+              <a:schemeClr val="tx1"/>
+            </a:fontRef>
+          </p:style>
+        </p:cxnSp>
+        <p:cxnSp>
+          <p:nvCxnSpPr>
+            <p:cNvPr id="94" name="直線單箭頭接點 93"/>
+            <p:cNvCxnSpPr/>
+            <p:nvPr/>
+          </p:nvCxnSpPr>
+          <p:spPr>
+            <a:xfrm flipH="1">
+              <a:off x="5998031" y="5059716"/>
+              <a:ext cx="313661" cy="237930"/>
+            </a:xfrm>
+            <a:prstGeom prst="straightConnector1">
+              <a:avLst/>
+            </a:prstGeom>
+            <a:ln>
+              <a:solidFill>
+                <a:schemeClr val="bg2">
+                  <a:lumMod val="25000"/>
+                </a:schemeClr>
+              </a:solidFill>
+              <a:tailEnd type="triangle"/>
+            </a:ln>
+          </p:spPr>
+          <p:style>
+            <a:lnRef idx="1">
+              <a:schemeClr val="dk1"/>
+            </a:lnRef>
+            <a:fillRef idx="0">
+              <a:schemeClr val="dk1"/>
+            </a:fillRef>
+            <a:effectRef idx="0">
+              <a:schemeClr val="dk1"/>
+            </a:effectRef>
+            <a:fontRef idx="minor">
+              <a:schemeClr val="tx1"/>
+            </a:fontRef>
+          </p:style>
+        </p:cxnSp>
+        <p:grpSp>
+          <p:nvGrpSpPr>
+            <p:cNvPr id="106" name="群組 105"/>
+            <p:cNvGrpSpPr/>
+            <p:nvPr/>
+          </p:nvGrpSpPr>
+          <p:grpSpPr>
+            <a:xfrm>
+              <a:off x="5446955" y="5327210"/>
+              <a:ext cx="1031735" cy="936318"/>
+              <a:chOff x="5318449" y="5476949"/>
+              <a:chExt cx="1031735" cy="936318"/>
+            </a:xfrm>
+          </p:grpSpPr>
+          <p:cxnSp>
+            <p:nvCxnSpPr>
+              <p:cNvPr id="101" name="直線接點 100"/>
+              <p:cNvCxnSpPr/>
+              <p:nvPr/>
+            </p:nvCxnSpPr>
+            <p:spPr>
+              <a:xfrm>
+                <a:off x="5327779" y="5607698"/>
+                <a:ext cx="0" cy="675637"/>
+              </a:xfrm>
+              <a:prstGeom prst="line">
+                <a:avLst/>
+              </a:prstGeom>
+            </p:spPr>
+            <p:style>
+              <a:lnRef idx="1">
+                <a:schemeClr val="dk1"/>
+              </a:lnRef>
+              <a:fillRef idx="0">
+                <a:schemeClr val="dk1"/>
+              </a:fillRef>
+              <a:effectRef idx="0">
+                <a:schemeClr val="dk1"/>
+              </a:effectRef>
+              <a:fontRef idx="minor">
+                <a:schemeClr val="tx1"/>
+              </a:fontRef>
+            </p:style>
+          </p:cxnSp>
+          <p:grpSp>
+            <p:nvGrpSpPr>
+              <p:cNvPr id="105" name="群組 104"/>
+              <p:cNvGrpSpPr/>
+              <p:nvPr/>
+            </p:nvGrpSpPr>
+            <p:grpSpPr>
+              <a:xfrm>
+                <a:off x="5318449" y="5476949"/>
+                <a:ext cx="1031735" cy="936318"/>
+                <a:chOff x="5318449" y="5476949"/>
+                <a:chExt cx="1031735" cy="936318"/>
+              </a:xfrm>
+            </p:grpSpPr>
+            <p:sp>
+              <p:nvSpPr>
+                <p:cNvPr id="97" name="手繪多邊形 96"/>
+                <p:cNvSpPr/>
+                <p:nvPr/>
+              </p:nvSpPr>
+              <p:spPr>
+                <a:xfrm>
+                  <a:off x="5318449" y="5476949"/>
+                  <a:ext cx="1022405" cy="130749"/>
+                </a:xfrm>
+                <a:custGeom>
+                  <a:avLst/>
+                  <a:gdLst>
+                    <a:gd name="connsiteX0" fmla="*/ 0 w 1222310"/>
+                    <a:gd name="connsiteY0" fmla="*/ 130749 h 130749"/>
+                    <a:gd name="connsiteX1" fmla="*/ 569167 w 1222310"/>
+                    <a:gd name="connsiteY1" fmla="*/ 120 h 130749"/>
+                    <a:gd name="connsiteX2" fmla="*/ 1222310 w 1222310"/>
+                    <a:gd name="connsiteY2" fmla="*/ 112088 h 130749"/>
+                  </a:gdLst>
+                  <a:ahLst/>
+                  <a:cxnLst>
+                    <a:cxn ang="0">
+                      <a:pos x="connsiteX0" y="connsiteY0"/>
+                    </a:cxn>
+                    <a:cxn ang="0">
+                      <a:pos x="connsiteX1" y="connsiteY1"/>
+                    </a:cxn>
+                    <a:cxn ang="0">
+                      <a:pos x="connsiteX2" y="connsiteY2"/>
+                    </a:cxn>
+                  </a:cxnLst>
+                  <a:rect l="l" t="t" r="r" b="b"/>
+                  <a:pathLst>
+                    <a:path w="1222310" h="130749">
+                      <a:moveTo>
+                        <a:pt x="0" y="130749"/>
+                      </a:moveTo>
+                      <a:cubicBezTo>
+                        <a:pt x="182724" y="66989"/>
+                        <a:pt x="365449" y="3230"/>
+                        <a:pt x="569167" y="120"/>
+                      </a:cubicBezTo>
+                      <a:cubicBezTo>
+                        <a:pt x="772885" y="-2990"/>
+                        <a:pt x="997597" y="54549"/>
+                        <a:pt x="1222310" y="112088"/>
+                      </a:cubicBezTo>
+                    </a:path>
+                  </a:pathLst>
+                </a:custGeom>
+              </p:spPr>
+              <p:style>
+                <a:lnRef idx="1">
+                  <a:schemeClr val="dk1"/>
+                </a:lnRef>
+                <a:fillRef idx="0">
+                  <a:schemeClr val="dk1"/>
+                </a:fillRef>
+                <a:effectRef idx="0">
+                  <a:schemeClr val="dk1"/>
+                </a:effectRef>
+                <a:fontRef idx="minor">
+                  <a:schemeClr val="tx1"/>
+                </a:fontRef>
+              </p:style>
+              <p:txBody>
+                <a:bodyPr rtlCol="0" anchor="ctr"/>
+                <a:lstStyle/>
+                <a:p>
+                  <a:pPr algn="ctr"/>
+                  <a:endParaRPr lang="en-US"/>
+                </a:p>
+              </p:txBody>
+            </p:sp>
+            <p:sp>
+              <p:nvSpPr>
+                <p:cNvPr id="99" name="手繪多邊形 98"/>
+                <p:cNvSpPr/>
+                <p:nvPr/>
+              </p:nvSpPr>
+              <p:spPr>
+                <a:xfrm>
+                  <a:off x="5337110" y="5607698"/>
+                  <a:ext cx="1013074" cy="139984"/>
+                </a:xfrm>
+                <a:custGeom>
+                  <a:avLst/>
+                  <a:gdLst>
+                    <a:gd name="connsiteX0" fmla="*/ 0 w 1194319"/>
+                    <a:gd name="connsiteY0" fmla="*/ 9331 h 149315"/>
+                    <a:gd name="connsiteX1" fmla="*/ 606490 w 1194319"/>
+                    <a:gd name="connsiteY1" fmla="*/ 149290 h 149315"/>
+                    <a:gd name="connsiteX2" fmla="*/ 1194319 w 1194319"/>
+                    <a:gd name="connsiteY2" fmla="*/ 0 h 149315"/>
+                  </a:gdLst>
+                  <a:ahLst/>
+                  <a:cxnLst>
+                    <a:cxn ang="0">
+                      <a:pos x="connsiteX0" y="connsiteY0"/>
+                    </a:cxn>
+                    <a:cxn ang="0">
+                      <a:pos x="connsiteX1" y="connsiteY1"/>
+                    </a:cxn>
+                    <a:cxn ang="0">
+                      <a:pos x="connsiteX2" y="connsiteY2"/>
+                    </a:cxn>
+                  </a:cxnLst>
+                  <a:rect l="l" t="t" r="r" b="b"/>
+                  <a:pathLst>
+                    <a:path w="1194319" h="149315">
+                      <a:moveTo>
+                        <a:pt x="0" y="9331"/>
+                      </a:moveTo>
+                      <a:cubicBezTo>
+                        <a:pt x="203718" y="80088"/>
+                        <a:pt x="407437" y="150845"/>
+                        <a:pt x="606490" y="149290"/>
+                      </a:cubicBezTo>
+                      <a:cubicBezTo>
+                        <a:pt x="805543" y="147735"/>
+                        <a:pt x="999931" y="73867"/>
+                        <a:pt x="1194319" y="0"/>
+                      </a:cubicBezTo>
+                    </a:path>
+                  </a:pathLst>
+                </a:custGeom>
+              </p:spPr>
+              <p:style>
+                <a:lnRef idx="1">
+                  <a:schemeClr val="dk1"/>
+                </a:lnRef>
+                <a:fillRef idx="0">
+                  <a:schemeClr val="dk1"/>
+                </a:fillRef>
+                <a:effectRef idx="0">
+                  <a:schemeClr val="dk1"/>
+                </a:effectRef>
+                <a:fontRef idx="minor">
+                  <a:schemeClr val="tx1"/>
+                </a:fontRef>
+              </p:style>
+              <p:txBody>
+                <a:bodyPr rtlCol="0" anchor="ctr"/>
+                <a:lstStyle/>
+                <a:p>
+                  <a:pPr algn="ctr"/>
+                  <a:endParaRPr lang="en-US"/>
+                </a:p>
+              </p:txBody>
+            </p:sp>
+            <p:cxnSp>
+              <p:nvCxnSpPr>
+                <p:cNvPr id="103" name="直線接點 102"/>
+                <p:cNvCxnSpPr/>
+                <p:nvPr/>
+              </p:nvCxnSpPr>
+              <p:spPr>
+                <a:xfrm>
+                  <a:off x="6347925" y="5592148"/>
+                  <a:ext cx="0" cy="675637"/>
+                </a:xfrm>
+                <a:prstGeom prst="line">
+                  <a:avLst/>
+                </a:prstGeom>
+              </p:spPr>
+              <p:style>
+                <a:lnRef idx="1">
+                  <a:schemeClr val="dk1"/>
+                </a:lnRef>
+                <a:fillRef idx="0">
+                  <a:schemeClr val="dk1"/>
+                </a:fillRef>
+                <a:effectRef idx="0">
+                  <a:schemeClr val="dk1"/>
+                </a:effectRef>
+                <a:fontRef idx="minor">
+                  <a:schemeClr val="tx1"/>
+                </a:fontRef>
+              </p:style>
+            </p:cxnSp>
+            <p:sp>
+              <p:nvSpPr>
+                <p:cNvPr id="104" name="手繪多邊形 103"/>
+                <p:cNvSpPr/>
+                <p:nvPr/>
+              </p:nvSpPr>
+              <p:spPr>
+                <a:xfrm>
+                  <a:off x="5330885" y="6273283"/>
+                  <a:ext cx="1013074" cy="139984"/>
+                </a:xfrm>
+                <a:custGeom>
+                  <a:avLst/>
+                  <a:gdLst>
+                    <a:gd name="connsiteX0" fmla="*/ 0 w 1194319"/>
+                    <a:gd name="connsiteY0" fmla="*/ 9331 h 149315"/>
+                    <a:gd name="connsiteX1" fmla="*/ 606490 w 1194319"/>
+                    <a:gd name="connsiteY1" fmla="*/ 149290 h 149315"/>
+                    <a:gd name="connsiteX2" fmla="*/ 1194319 w 1194319"/>
+                    <a:gd name="connsiteY2" fmla="*/ 0 h 149315"/>
+                  </a:gdLst>
+                  <a:ahLst/>
+                  <a:cxnLst>
+                    <a:cxn ang="0">
+                      <a:pos x="connsiteX0" y="connsiteY0"/>
+                    </a:cxn>
+                    <a:cxn ang="0">
+                      <a:pos x="connsiteX1" y="connsiteY1"/>
+                    </a:cxn>
+                    <a:cxn ang="0">
+                      <a:pos x="connsiteX2" y="connsiteY2"/>
+                    </a:cxn>
+                  </a:cxnLst>
+                  <a:rect l="l" t="t" r="r" b="b"/>
+                  <a:pathLst>
+                    <a:path w="1194319" h="149315">
+                      <a:moveTo>
+                        <a:pt x="0" y="9331"/>
+                      </a:moveTo>
+                      <a:cubicBezTo>
+                        <a:pt x="203718" y="80088"/>
+                        <a:pt x="407437" y="150845"/>
+                        <a:pt x="606490" y="149290"/>
+                      </a:cubicBezTo>
+                      <a:cubicBezTo>
+                        <a:pt x="805543" y="147735"/>
+                        <a:pt x="999931" y="73867"/>
+                        <a:pt x="1194319" y="0"/>
+                      </a:cubicBezTo>
+                    </a:path>
+                  </a:pathLst>
+                </a:custGeom>
+              </p:spPr>
+              <p:style>
+                <a:lnRef idx="1">
+                  <a:schemeClr val="dk1"/>
+                </a:lnRef>
+                <a:fillRef idx="0">
+                  <a:schemeClr val="dk1"/>
+                </a:fillRef>
+                <a:effectRef idx="0">
+                  <a:schemeClr val="dk1"/>
+                </a:effectRef>
+                <a:fontRef idx="minor">
+                  <a:schemeClr val="tx1"/>
+                </a:fontRef>
+              </p:style>
+              <p:txBody>
+                <a:bodyPr rtlCol="0" anchor="ctr"/>
+                <a:lstStyle/>
+                <a:p>
+                  <a:pPr algn="ctr"/>
+                  <a:endParaRPr lang="en-US"/>
+                </a:p>
+              </p:txBody>
+            </p:sp>
+          </p:grpSp>
+        </p:grpSp>
+      </p:grpSp>
     </p:spTree>
     <p:extLst>
       <p:ext uri="{BB962C8B-B14F-4D97-AF65-F5344CB8AC3E}">

--- a/demoPic.pptx
+++ b/demoPic.pptx
@@ -6,10 +6,11 @@
   </p:sldMasterIdLst>
   <p:sldIdLst>
     <p:sldId id="256" r:id="rId2"/>
-    <p:sldId id="257" r:id="rId3"/>
-    <p:sldId id="258" r:id="rId4"/>
-    <p:sldId id="259" r:id="rId5"/>
-    <p:sldId id="260" r:id="rId6"/>
+    <p:sldId id="260" r:id="rId3"/>
+    <p:sldId id="257" r:id="rId4"/>
+    <p:sldId id="258" r:id="rId5"/>
+    <p:sldId id="259" r:id="rId6"/>
+    <p:sldId id="261" r:id="rId7"/>
   </p:sldIdLst>
   <p:sldSz cx="12192000" cy="6858000"/>
   <p:notesSz cx="6858000" cy="9144000"/>
@@ -247,7 +248,7 @@
           <a:p>
             <a:fld id="{F09C48D7-5DBF-4DB9-A12F-DF6A9CE967A6}" type="datetimeFigureOut">
               <a:rPr lang="en-US" smtClean="0"/>
-              <a:t>4/17/2019</a:t>
+              <a:t>4/19/2019</a:t>
             </a:fld>
             <a:endParaRPr lang="en-US"/>
           </a:p>
@@ -417,7 +418,7 @@
           <a:p>
             <a:fld id="{F09C48D7-5DBF-4DB9-A12F-DF6A9CE967A6}" type="datetimeFigureOut">
               <a:rPr lang="en-US" smtClean="0"/>
-              <a:t>4/17/2019</a:t>
+              <a:t>4/19/2019</a:t>
             </a:fld>
             <a:endParaRPr lang="en-US"/>
           </a:p>
@@ -597,7 +598,7 @@
           <a:p>
             <a:fld id="{F09C48D7-5DBF-4DB9-A12F-DF6A9CE967A6}" type="datetimeFigureOut">
               <a:rPr lang="en-US" smtClean="0"/>
-              <a:t>4/17/2019</a:t>
+              <a:t>4/19/2019</a:t>
             </a:fld>
             <a:endParaRPr lang="en-US"/>
           </a:p>
@@ -767,7 +768,7 @@
           <a:p>
             <a:fld id="{F09C48D7-5DBF-4DB9-A12F-DF6A9CE967A6}" type="datetimeFigureOut">
               <a:rPr lang="en-US" smtClean="0"/>
-              <a:t>4/17/2019</a:t>
+              <a:t>4/19/2019</a:t>
             </a:fld>
             <a:endParaRPr lang="en-US"/>
           </a:p>
@@ -1013,7 +1014,7 @@
           <a:p>
             <a:fld id="{F09C48D7-5DBF-4DB9-A12F-DF6A9CE967A6}" type="datetimeFigureOut">
               <a:rPr lang="en-US" smtClean="0"/>
-              <a:t>4/17/2019</a:t>
+              <a:t>4/19/2019</a:t>
             </a:fld>
             <a:endParaRPr lang="en-US"/>
           </a:p>
@@ -1245,7 +1246,7 @@
           <a:p>
             <a:fld id="{F09C48D7-5DBF-4DB9-A12F-DF6A9CE967A6}" type="datetimeFigureOut">
               <a:rPr lang="en-US" smtClean="0"/>
-              <a:t>4/17/2019</a:t>
+              <a:t>4/19/2019</a:t>
             </a:fld>
             <a:endParaRPr lang="en-US"/>
           </a:p>
@@ -1612,7 +1613,7 @@
           <a:p>
             <a:fld id="{F09C48D7-5DBF-4DB9-A12F-DF6A9CE967A6}" type="datetimeFigureOut">
               <a:rPr lang="en-US" smtClean="0"/>
-              <a:t>4/17/2019</a:t>
+              <a:t>4/19/2019</a:t>
             </a:fld>
             <a:endParaRPr lang="en-US"/>
           </a:p>
@@ -1730,7 +1731,7 @@
           <a:p>
             <a:fld id="{F09C48D7-5DBF-4DB9-A12F-DF6A9CE967A6}" type="datetimeFigureOut">
               <a:rPr lang="en-US" smtClean="0"/>
-              <a:t>4/17/2019</a:t>
+              <a:t>4/19/2019</a:t>
             </a:fld>
             <a:endParaRPr lang="en-US"/>
           </a:p>
@@ -1825,7 +1826,7 @@
           <a:p>
             <a:fld id="{F09C48D7-5DBF-4DB9-A12F-DF6A9CE967A6}" type="datetimeFigureOut">
               <a:rPr lang="en-US" smtClean="0"/>
-              <a:t>4/17/2019</a:t>
+              <a:t>4/19/2019</a:t>
             </a:fld>
             <a:endParaRPr lang="en-US"/>
           </a:p>
@@ -2102,7 +2103,7 @@
           <a:p>
             <a:fld id="{F09C48D7-5DBF-4DB9-A12F-DF6A9CE967A6}" type="datetimeFigureOut">
               <a:rPr lang="en-US" smtClean="0"/>
-              <a:t>4/17/2019</a:t>
+              <a:t>4/19/2019</a:t>
             </a:fld>
             <a:endParaRPr lang="en-US"/>
           </a:p>
@@ -2359,7 +2360,7 @@
           <a:p>
             <a:fld id="{F09C48D7-5DBF-4DB9-A12F-DF6A9CE967A6}" type="datetimeFigureOut">
               <a:rPr lang="en-US" smtClean="0"/>
-              <a:t>4/17/2019</a:t>
+              <a:t>4/19/2019</a:t>
             </a:fld>
             <a:endParaRPr lang="en-US"/>
           </a:p>
@@ -2572,7 +2573,7 @@
           <a:p>
             <a:fld id="{F09C48D7-5DBF-4DB9-A12F-DF6A9CE967A6}" type="datetimeFigureOut">
               <a:rPr lang="en-US" smtClean="0"/>
-              <a:t>4/17/2019</a:t>
+              <a:t>4/19/2019</a:t>
             </a:fld>
             <a:endParaRPr lang="en-US"/>
           </a:p>
@@ -2979,245 +2980,809 @@
       </p:grpSpPr>
       <p:grpSp>
         <p:nvGrpSpPr>
-          <p:cNvPr id="56" name="群組 55"/>
+          <p:cNvPr id="5" name="群組 4"/>
           <p:cNvGrpSpPr/>
           <p:nvPr/>
         </p:nvGrpSpPr>
         <p:grpSpPr>
           <a:xfrm>
-            <a:off x="1846577" y="1690325"/>
-            <a:ext cx="6930414" cy="3930121"/>
-            <a:chOff x="494097" y="1110763"/>
-            <a:chExt cx="9154815" cy="5240161"/>
+            <a:off x="1846576" y="840509"/>
+            <a:ext cx="7962441" cy="4779937"/>
+            <a:chOff x="1846576" y="840509"/>
+            <a:chExt cx="7962441" cy="4779937"/>
           </a:xfrm>
         </p:grpSpPr>
-        <p:sp>
-          <p:nvSpPr>
-            <p:cNvPr id="27" name="矩形 26"/>
-            <p:cNvSpPr/>
-            <p:nvPr/>
-          </p:nvSpPr>
-          <p:spPr>
-            <a:xfrm>
-              <a:off x="494097" y="3373582"/>
-              <a:ext cx="1853665" cy="307951"/>
-            </a:xfrm>
-            <a:prstGeom prst="rect">
-              <a:avLst/>
-            </a:prstGeom>
-            <a:solidFill>
-              <a:srgbClr val="00B0F0"/>
-            </a:solidFill>
-            <a:ln>
-              <a:solidFill>
-                <a:schemeClr val="tx1">
-                  <a:lumMod val="65000"/>
-                  <a:lumOff val="35000"/>
-                </a:schemeClr>
-              </a:solidFill>
-            </a:ln>
-          </p:spPr>
-          <p:txBody>
-            <a:bodyPr wrap="none" lIns="68580" tIns="34291" rIns="68580" bIns="34291">
-              <a:spAutoFit/>
-            </a:bodyPr>
-            <a:lstStyle/>
-            <a:p>
-              <a:pPr algn="ctr"/>
-              <a:r>
-                <a:rPr lang="en-US" altLang="zh-TW" sz="1051" dirty="0">
-                  <a:ln w="0"/>
-                  <a:latin typeface="微軟正黑體" panose="020B0604030504040204" pitchFamily="34" charset="-120"/>
-                  <a:ea typeface="微軟正黑體" panose="020B0604030504040204" pitchFamily="34" charset="-120"/>
-                </a:rPr>
-                <a:t>(additional)</a:t>
-              </a:r>
-              <a:r>
-                <a:rPr lang="zh-TW" altLang="en-US" sz="1051" dirty="0">
-                  <a:ln w="0"/>
-                  <a:latin typeface="微軟正黑體" panose="020B0604030504040204" pitchFamily="34" charset="-120"/>
-                  <a:ea typeface="微軟正黑體" panose="020B0604030504040204" pitchFamily="34" charset="-120"/>
-                </a:rPr>
-                <a:t>後端運算</a:t>
-              </a:r>
-            </a:p>
-          </p:txBody>
-        </p:sp>
         <p:grpSp>
           <p:nvGrpSpPr>
-            <p:cNvPr id="55" name="群組 54"/>
+            <p:cNvPr id="56" name="群組 55"/>
             <p:cNvGrpSpPr/>
             <p:nvPr/>
           </p:nvGrpSpPr>
           <p:grpSpPr>
             <a:xfrm>
-              <a:off x="831133" y="1110763"/>
-              <a:ext cx="8817779" cy="5240161"/>
-              <a:chOff x="831133" y="1110763"/>
-              <a:chExt cx="8817779" cy="5240161"/>
+              <a:off x="1846576" y="840509"/>
+              <a:ext cx="7962441" cy="4779937"/>
+              <a:chOff x="494097" y="1110763"/>
+              <a:chExt cx="9154815" cy="5240161"/>
             </a:xfrm>
           </p:grpSpPr>
+          <p:sp>
+            <p:nvSpPr>
+              <p:cNvPr id="27" name="矩形 26"/>
+              <p:cNvSpPr/>
+              <p:nvPr/>
+            </p:nvSpPr>
+            <p:spPr>
+              <a:xfrm>
+                <a:off x="494097" y="3373582"/>
+                <a:ext cx="1853665" cy="307951"/>
+              </a:xfrm>
+              <a:prstGeom prst="rect">
+                <a:avLst/>
+              </a:prstGeom>
+              <a:solidFill>
+                <a:schemeClr val="accent2">
+                  <a:lumMod val="40000"/>
+                  <a:lumOff val="60000"/>
+                </a:schemeClr>
+              </a:solidFill>
+              <a:ln>
+                <a:solidFill>
+                  <a:schemeClr val="tx1">
+                    <a:lumMod val="65000"/>
+                    <a:lumOff val="35000"/>
+                  </a:schemeClr>
+                </a:solidFill>
+              </a:ln>
+            </p:spPr>
+            <p:txBody>
+              <a:bodyPr wrap="none" lIns="68580" tIns="34291" rIns="68580" bIns="34291">
+                <a:spAutoFit/>
+              </a:bodyPr>
+              <a:lstStyle/>
+              <a:p>
+                <a:pPr algn="ctr"/>
+                <a:r>
+                  <a:rPr lang="en-US" altLang="zh-TW" sz="1051" dirty="0">
+                    <a:ln w="0"/>
+                    <a:latin typeface="微軟正黑體" panose="020B0604030504040204" pitchFamily="34" charset="-120"/>
+                    <a:ea typeface="微軟正黑體" panose="020B0604030504040204" pitchFamily="34" charset="-120"/>
+                  </a:rPr>
+                  <a:t>(additional)</a:t>
+                </a:r>
+                <a:r>
+                  <a:rPr lang="zh-TW" altLang="en-US" sz="1051" dirty="0">
+                    <a:ln w="0"/>
+                    <a:latin typeface="微軟正黑體" panose="020B0604030504040204" pitchFamily="34" charset="-120"/>
+                    <a:ea typeface="微軟正黑體" panose="020B0604030504040204" pitchFamily="34" charset="-120"/>
+                  </a:rPr>
+                  <a:t>後端運算</a:t>
+                </a:r>
+              </a:p>
+            </p:txBody>
+          </p:sp>
           <p:grpSp>
             <p:nvGrpSpPr>
-              <p:cNvPr id="51" name="群組 50"/>
+              <p:cNvPr id="55" name="群組 54"/>
               <p:cNvGrpSpPr/>
               <p:nvPr/>
             </p:nvGrpSpPr>
             <p:grpSpPr>
               <a:xfrm>
-                <a:off x="2725276" y="1110763"/>
-                <a:ext cx="6923636" cy="5240161"/>
-                <a:chOff x="2791778" y="337679"/>
-                <a:chExt cx="6923636" cy="5240161"/>
+                <a:off x="831133" y="1110763"/>
+                <a:ext cx="8817779" cy="5240161"/>
+                <a:chOff x="831133" y="1110763"/>
+                <a:chExt cx="8817779" cy="5240161"/>
               </a:xfrm>
             </p:grpSpPr>
-            <p:pic>
-              <p:nvPicPr>
-                <p:cNvPr id="4" name="圖片 3"/>
-                <p:cNvPicPr>
-                  <a:picLocks noChangeAspect="1"/>
-                </p:cNvPicPr>
+            <p:grpSp>
+              <p:nvGrpSpPr>
+                <p:cNvPr id="51" name="群組 50"/>
+                <p:cNvGrpSpPr/>
                 <p:nvPr/>
-              </p:nvPicPr>
-              <p:blipFill>
-                <a:blip r:embed="rId2">
-                  <a:extLst>
-                    <a:ext uri="{28A0092B-C50C-407E-A947-70E740481C1C}">
-                      <a14:useLocalDpi xmlns:a14="http://schemas.microsoft.com/office/drawing/2010/main" val="0"/>
-                    </a:ext>
-                  </a:extLst>
-                </a:blip>
-                <a:stretch>
-                  <a:fillRect/>
-                </a:stretch>
-              </p:blipFill>
-              <p:spPr>
+              </p:nvGrpSpPr>
+              <p:grpSpPr>
                 <a:xfrm>
-                  <a:off x="2791778" y="1397231"/>
-                  <a:ext cx="6302394" cy="4180609"/>
+                  <a:off x="2725276" y="1110763"/>
+                  <a:ext cx="6923636" cy="5240161"/>
+                  <a:chOff x="2791778" y="337679"/>
+                  <a:chExt cx="6923636" cy="5240161"/>
                 </a:xfrm>
-                <a:prstGeom prst="rect">
-                  <a:avLst/>
-                </a:prstGeom>
-              </p:spPr>
-            </p:pic>
-            <p:cxnSp>
-              <p:nvCxnSpPr>
-                <p:cNvPr id="6" name="直線接點 5"/>
-                <p:cNvCxnSpPr/>
-                <p:nvPr/>
-              </p:nvCxnSpPr>
-              <p:spPr>
-                <a:xfrm flipV="1">
-                  <a:off x="5669280" y="4767943"/>
-                  <a:ext cx="2569651" cy="3563"/>
-                </a:xfrm>
-                <a:prstGeom prst="line">
-                  <a:avLst/>
-                </a:prstGeom>
-                <a:ln>
+              </p:grpSpPr>
+              <p:pic>
+                <p:nvPicPr>
+                  <p:cNvPr id="4" name="圖片 3"/>
+                  <p:cNvPicPr>
+                    <a:picLocks noChangeAspect="1"/>
+                  </p:cNvPicPr>
+                  <p:nvPr/>
+                </p:nvPicPr>
+                <p:blipFill>
+                  <a:blip r:embed="rId2">
+                    <a:extLst>
+                      <a:ext uri="{28A0092B-C50C-407E-A947-70E740481C1C}">
+                        <a14:useLocalDpi xmlns:a14="http://schemas.microsoft.com/office/drawing/2010/main" val="0"/>
+                      </a:ext>
+                    </a:extLst>
+                  </a:blip>
+                  <a:stretch>
+                    <a:fillRect/>
+                  </a:stretch>
+                </p:blipFill>
+                <p:spPr>
+                  <a:xfrm>
+                    <a:off x="2791778" y="1397231"/>
+                    <a:ext cx="6302394" cy="4180609"/>
+                  </a:xfrm>
+                  <a:prstGeom prst="rect">
+                    <a:avLst/>
+                  </a:prstGeom>
+                </p:spPr>
+              </p:pic>
+              <p:cxnSp>
+                <p:nvCxnSpPr>
+                  <p:cNvPr id="6" name="直線接點 5"/>
+                  <p:cNvCxnSpPr/>
+                  <p:nvPr/>
+                </p:nvCxnSpPr>
+                <p:spPr>
+                  <a:xfrm flipV="1">
+                    <a:off x="5669280" y="4767943"/>
+                    <a:ext cx="2569651" cy="3563"/>
+                  </a:xfrm>
+                  <a:prstGeom prst="line">
+                    <a:avLst/>
+                  </a:prstGeom>
+                  <a:ln>
+                    <a:solidFill>
+                      <a:schemeClr val="tx1"/>
+                    </a:solidFill>
+                    <a:prstDash val="dash"/>
+                  </a:ln>
+                </p:spPr>
+                <p:style>
+                  <a:lnRef idx="1">
+                    <a:schemeClr val="accent1"/>
+                  </a:lnRef>
+                  <a:fillRef idx="0">
+                    <a:schemeClr val="accent1"/>
+                  </a:fillRef>
+                  <a:effectRef idx="0">
+                    <a:schemeClr val="accent1"/>
+                  </a:effectRef>
+                  <a:fontRef idx="minor">
+                    <a:schemeClr val="tx1"/>
+                  </a:fontRef>
+                </p:style>
+              </p:cxnSp>
+              <p:sp>
+                <p:nvSpPr>
+                  <p:cNvPr id="11" name="矩形 10"/>
+                  <p:cNvSpPr/>
+                  <p:nvPr/>
+                </p:nvSpPr>
+                <p:spPr>
+                  <a:xfrm>
+                    <a:off x="6438190" y="4441638"/>
+                    <a:ext cx="1343346" cy="307951"/>
+                  </a:xfrm>
+                  <a:prstGeom prst="rect">
+                    <a:avLst/>
+                  </a:prstGeom>
                   <a:solidFill>
+                    <a:schemeClr val="accent4">
+                      <a:lumMod val="60000"/>
+                      <a:lumOff val="40000"/>
+                    </a:schemeClr>
+                  </a:solidFill>
+                  <a:ln>
+                    <a:solidFill>
+                      <a:schemeClr val="tx1">
+                        <a:lumMod val="65000"/>
+                        <a:lumOff val="35000"/>
+                      </a:schemeClr>
+                    </a:solidFill>
+                  </a:ln>
+                </p:spPr>
+                <p:txBody>
+                  <a:bodyPr wrap="none" lIns="68580" tIns="34291" rIns="68580" bIns="34291">
+                    <a:spAutoFit/>
+                  </a:bodyPr>
+                  <a:lstStyle/>
+                  <a:p>
+                    <a:pPr algn="ctr"/>
+                    <a:r>
+                      <a:rPr lang="en-US" altLang="zh-TW" sz="1051" dirty="0">
+                        <a:ln w="0"/>
+                        <a:latin typeface="微軟正黑體" panose="020B0604030504040204" pitchFamily="34" charset="-120"/>
+                        <a:ea typeface="微軟正黑體" panose="020B0604030504040204" pitchFamily="34" charset="-120"/>
+                      </a:rPr>
+                      <a:t>1. </a:t>
+                    </a:r>
+                    <a:r>
+                      <a:rPr lang="zh-TW" altLang="en-US" sz="1051" dirty="0">
+                        <a:ln w="0"/>
+                        <a:latin typeface="微軟正黑體" panose="020B0604030504040204" pitchFamily="34" charset="-120"/>
+                        <a:ea typeface="微軟正黑體" panose="020B0604030504040204" pitchFamily="34" charset="-120"/>
+                      </a:rPr>
+                      <a:t>觸發</a:t>
+                    </a:r>
+                    <a:r>
+                      <a:rPr lang="en-US" altLang="zh-TW" sz="1051" dirty="0">
+                        <a:ln w="0"/>
+                        <a:latin typeface="微軟正黑體" panose="020B0604030504040204" pitchFamily="34" charset="-120"/>
+                        <a:ea typeface="微軟正黑體" panose="020B0604030504040204" pitchFamily="34" charset="-120"/>
+                      </a:rPr>
+                      <a:t>Beacon</a:t>
+                    </a:r>
+                    <a:endParaRPr lang="zh-TW" altLang="en-US" sz="1051" dirty="0">
+                      <a:ln w="0"/>
+                      <a:latin typeface="微軟正黑體" panose="020B0604030504040204" pitchFamily="34" charset="-120"/>
+                      <a:ea typeface="微軟正黑體" panose="020B0604030504040204" pitchFamily="34" charset="-120"/>
+                    </a:endParaRPr>
+                  </a:p>
+                </p:txBody>
+              </p:sp>
+              <p:sp>
+                <p:nvSpPr>
+                  <p:cNvPr id="14" name="矩形 13"/>
+                  <p:cNvSpPr/>
+                  <p:nvPr/>
+                </p:nvSpPr>
+                <p:spPr>
+                  <a:xfrm>
+                    <a:off x="2802367" y="824470"/>
+                    <a:ext cx="1366640" cy="307951"/>
+                  </a:xfrm>
+                  <a:prstGeom prst="rect">
+                    <a:avLst/>
+                  </a:prstGeom>
+                  <a:solidFill>
+                    <a:schemeClr val="accent1">
+                      <a:lumMod val="60000"/>
+                      <a:lumOff val="40000"/>
+                    </a:schemeClr>
+                  </a:solidFill>
+                  <a:ln>
+                    <a:noFill/>
+                  </a:ln>
+                </p:spPr>
+                <p:txBody>
+                  <a:bodyPr wrap="none" lIns="68580" tIns="34291" rIns="68580" bIns="34291">
+                    <a:spAutoFit/>
+                  </a:bodyPr>
+                  <a:lstStyle/>
+                  <a:p>
+                    <a:pPr algn="ctr"/>
+                    <a:r>
+                      <a:rPr lang="en-US" altLang="zh-TW" sz="1051" dirty="0">
+                        <a:ln w="0"/>
+                        <a:latin typeface="微軟正黑體" panose="020B0604030504040204" pitchFamily="34" charset="-120"/>
+                        <a:ea typeface="微軟正黑體" panose="020B0604030504040204" pitchFamily="34" charset="-120"/>
+                      </a:rPr>
+                      <a:t>Heroku Server</a:t>
+                    </a:r>
+                    <a:endParaRPr lang="zh-TW" altLang="en-US" sz="1051" dirty="0">
+                      <a:ln w="0"/>
+                      <a:latin typeface="微軟正黑體" panose="020B0604030504040204" pitchFamily="34" charset="-120"/>
+                      <a:ea typeface="微軟正黑體" panose="020B0604030504040204" pitchFamily="34" charset="-120"/>
+                    </a:endParaRPr>
+                  </a:p>
+                </p:txBody>
+              </p:sp>
+              <p:sp>
+                <p:nvSpPr>
+                  <p:cNvPr id="15" name="矩形 14"/>
+                  <p:cNvSpPr/>
+                  <p:nvPr/>
+                </p:nvSpPr>
+                <p:spPr>
+                  <a:xfrm>
+                    <a:off x="6277653" y="824470"/>
+                    <a:ext cx="1093481" cy="307951"/>
+                  </a:xfrm>
+                  <a:prstGeom prst="rect">
+                    <a:avLst/>
+                  </a:prstGeom>
+                  <a:solidFill>
+                    <a:schemeClr val="accent1">
+                      <a:lumMod val="60000"/>
+                      <a:lumOff val="40000"/>
+                    </a:schemeClr>
+                  </a:solidFill>
+                  <a:ln>
+                    <a:noFill/>
+                  </a:ln>
+                </p:spPr>
+                <p:txBody>
+                  <a:bodyPr wrap="none" lIns="68580" tIns="34291" rIns="68580" bIns="34291">
+                    <a:spAutoFit/>
+                  </a:bodyPr>
+                  <a:lstStyle/>
+                  <a:p>
+                    <a:pPr algn="ctr"/>
+                    <a:r>
+                      <a:rPr lang="en-US" altLang="zh-TW" sz="1051" dirty="0">
+                        <a:ln w="0"/>
+                        <a:latin typeface="微軟正黑體" panose="020B0604030504040204" pitchFamily="34" charset="-120"/>
+                        <a:ea typeface="微軟正黑體" panose="020B0604030504040204" pitchFamily="34" charset="-120"/>
+                      </a:rPr>
+                      <a:t>Line Server</a:t>
+                    </a:r>
+                    <a:endParaRPr lang="zh-TW" altLang="en-US" sz="1051" dirty="0">
+                      <a:ln w="0"/>
+                      <a:latin typeface="微軟正黑體" panose="020B0604030504040204" pitchFamily="34" charset="-120"/>
+                      <a:ea typeface="微軟正黑體" panose="020B0604030504040204" pitchFamily="34" charset="-120"/>
+                    </a:endParaRPr>
+                  </a:p>
+                </p:txBody>
+              </p:sp>
+              <p:cxnSp>
+                <p:nvCxnSpPr>
+                  <p:cNvPr id="16" name="直線接點 15"/>
+                  <p:cNvCxnSpPr/>
+                  <p:nvPr/>
+                </p:nvCxnSpPr>
+                <p:spPr>
+                  <a:xfrm>
+                    <a:off x="3485686" y="2155372"/>
+                    <a:ext cx="2075359" cy="1607667"/>
+                  </a:xfrm>
+                  <a:prstGeom prst="line">
+                    <a:avLst/>
+                  </a:prstGeom>
+                  <a:ln>
+                    <a:solidFill>
+                      <a:schemeClr val="tx1"/>
+                    </a:solidFill>
+                    <a:prstDash val="dash"/>
+                  </a:ln>
+                </p:spPr>
+                <p:style>
+                  <a:lnRef idx="1">
+                    <a:schemeClr val="accent1"/>
+                  </a:lnRef>
+                  <a:fillRef idx="0">
+                    <a:schemeClr val="accent1"/>
+                  </a:fillRef>
+                  <a:effectRef idx="0">
+                    <a:schemeClr val="accent1"/>
+                  </a:effectRef>
+                  <a:fontRef idx="minor">
                     <a:schemeClr val="tx1"/>
+                  </a:fontRef>
+                </p:style>
+              </p:cxnSp>
+              <p:sp>
+                <p:nvSpPr>
+                  <p:cNvPr id="23" name="矩形 22"/>
+                  <p:cNvSpPr/>
+                  <p:nvPr/>
+                </p:nvSpPr>
+                <p:spPr>
+                  <a:xfrm>
+                    <a:off x="4404487" y="337679"/>
+                    <a:ext cx="1637680" cy="523565"/>
+                  </a:xfrm>
+                  <a:prstGeom prst="rect">
+                    <a:avLst/>
+                  </a:prstGeom>
+                  <a:solidFill>
+                    <a:schemeClr val="accent4">
+                      <a:lumMod val="60000"/>
+                      <a:lumOff val="40000"/>
+                    </a:schemeClr>
                   </a:solidFill>
-                  <a:prstDash val="dash"/>
-                </a:ln>
-              </p:spPr>
-              <p:style>
-                <a:lnRef idx="1">
-                  <a:schemeClr val="accent1"/>
-                </a:lnRef>
-                <a:fillRef idx="0">
-                  <a:schemeClr val="accent1"/>
-                </a:fillRef>
-                <a:effectRef idx="0">
-                  <a:schemeClr val="accent1"/>
-                </a:effectRef>
-                <a:fontRef idx="minor">
-                  <a:schemeClr val="tx1"/>
-                </a:fontRef>
-              </p:style>
-            </p:cxnSp>
+                  <a:ln>
+                    <a:solidFill>
+                      <a:schemeClr val="tx1">
+                        <a:lumMod val="65000"/>
+                        <a:lumOff val="35000"/>
+                      </a:schemeClr>
+                    </a:solidFill>
+                  </a:ln>
+                </p:spPr>
+                <p:txBody>
+                  <a:bodyPr wrap="none" lIns="68580" tIns="34291" rIns="68580" bIns="34291">
+                    <a:spAutoFit/>
+                  </a:bodyPr>
+                  <a:lstStyle/>
+                  <a:p>
+                    <a:pPr algn="ctr"/>
+                    <a:r>
+                      <a:rPr lang="en-US" altLang="zh-TW" sz="1051" dirty="0">
+                        <a:ln w="0"/>
+                        <a:latin typeface="微軟正黑體" panose="020B0604030504040204" pitchFamily="34" charset="-120"/>
+                        <a:ea typeface="微軟正黑體" panose="020B0604030504040204" pitchFamily="34" charset="-120"/>
+                      </a:rPr>
+                      <a:t>3. </a:t>
+                    </a:r>
+                    <a:r>
+                      <a:rPr lang="zh-TW" altLang="en-US" sz="1051" dirty="0">
+                        <a:ln w="0"/>
+                        <a:latin typeface="微軟正黑體" panose="020B0604030504040204" pitchFamily="34" charset="-120"/>
+                        <a:ea typeface="微軟正黑體" panose="020B0604030504040204" pitchFamily="34" charset="-120"/>
+                      </a:rPr>
+                      <a:t>告訴</a:t>
+                    </a:r>
+                    <a:r>
+                      <a:rPr lang="en-US" altLang="zh-TW" sz="1051" dirty="0">
+                        <a:ln w="0"/>
+                        <a:latin typeface="微軟正黑體" panose="020B0604030504040204" pitchFamily="34" charset="-120"/>
+                        <a:ea typeface="微軟正黑體" panose="020B0604030504040204" pitchFamily="34" charset="-120"/>
+                      </a:rPr>
+                      <a:t>Line Server</a:t>
+                    </a:r>
+                  </a:p>
+                  <a:p>
+                    <a:pPr algn="ctr"/>
+                    <a:r>
+                      <a:rPr lang="zh-TW" altLang="en-US" sz="1051" dirty="0">
+                        <a:ln w="0"/>
+                        <a:latin typeface="微軟正黑體" panose="020B0604030504040204" pitchFamily="34" charset="-120"/>
+                        <a:ea typeface="微軟正黑體" panose="020B0604030504040204" pitchFamily="34" charset="-120"/>
+                      </a:rPr>
+                      <a:t>回覆內容</a:t>
+                    </a:r>
+                  </a:p>
+                </p:txBody>
+              </p:sp>
+              <p:cxnSp>
+                <p:nvCxnSpPr>
+                  <p:cNvPr id="24" name="直線接點 23"/>
+                  <p:cNvCxnSpPr>
+                    <a:stCxn id="15" idx="3"/>
+                  </p:cNvCxnSpPr>
+                  <p:nvPr/>
+                </p:nvCxnSpPr>
+                <p:spPr>
+                  <a:xfrm flipV="1">
+                    <a:off x="7371134" y="978364"/>
+                    <a:ext cx="1980705" cy="81"/>
+                  </a:xfrm>
+                  <a:prstGeom prst="line">
+                    <a:avLst/>
+                  </a:prstGeom>
+                  <a:ln>
+                    <a:solidFill>
+                      <a:schemeClr val="tx1"/>
+                    </a:solidFill>
+                    <a:prstDash val="dash"/>
+                  </a:ln>
+                </p:spPr>
+                <p:style>
+                  <a:lnRef idx="1">
+                    <a:schemeClr val="accent1"/>
+                  </a:lnRef>
+                  <a:fillRef idx="0">
+                    <a:schemeClr val="accent1"/>
+                  </a:fillRef>
+                  <a:effectRef idx="0">
+                    <a:schemeClr val="accent1"/>
+                  </a:effectRef>
+                  <a:fontRef idx="minor">
+                    <a:schemeClr val="tx1"/>
+                  </a:fontRef>
+                </p:style>
+              </p:cxnSp>
+              <p:cxnSp>
+                <p:nvCxnSpPr>
+                  <p:cNvPr id="26" name="直線接點 25"/>
+                  <p:cNvCxnSpPr/>
+                  <p:nvPr/>
+                </p:nvCxnSpPr>
+                <p:spPr>
+                  <a:xfrm flipV="1">
+                    <a:off x="9351837" y="978359"/>
+                    <a:ext cx="0" cy="3257739"/>
+                  </a:xfrm>
+                  <a:prstGeom prst="line">
+                    <a:avLst/>
+                  </a:prstGeom>
+                  <a:ln>
+                    <a:solidFill>
+                      <a:schemeClr val="tx1"/>
+                    </a:solidFill>
+                    <a:prstDash val="dash"/>
+                  </a:ln>
+                </p:spPr>
+                <p:style>
+                  <a:lnRef idx="1">
+                    <a:schemeClr val="accent1"/>
+                  </a:lnRef>
+                  <a:fillRef idx="0">
+                    <a:schemeClr val="accent1"/>
+                  </a:fillRef>
+                  <a:effectRef idx="0">
+                    <a:schemeClr val="accent1"/>
+                  </a:effectRef>
+                  <a:fontRef idx="minor">
+                    <a:schemeClr val="tx1"/>
+                  </a:fontRef>
+                </p:style>
+              </p:cxnSp>
+              <p:sp>
+                <p:nvSpPr>
+                  <p:cNvPr id="31" name="矩形 30"/>
+                  <p:cNvSpPr/>
+                  <p:nvPr/>
+                </p:nvSpPr>
+                <p:spPr>
+                  <a:xfrm>
+                    <a:off x="8988261" y="2404132"/>
+                    <a:ext cx="727153" cy="307951"/>
+                  </a:xfrm>
+                  <a:prstGeom prst="rect">
+                    <a:avLst/>
+                  </a:prstGeom>
+                  <a:solidFill>
+                    <a:schemeClr val="accent4">
+                      <a:lumMod val="60000"/>
+                      <a:lumOff val="40000"/>
+                    </a:schemeClr>
+                  </a:solidFill>
+                  <a:ln>
+                    <a:solidFill>
+                      <a:schemeClr val="tx1">
+                        <a:lumMod val="65000"/>
+                        <a:lumOff val="35000"/>
+                      </a:schemeClr>
+                    </a:solidFill>
+                  </a:ln>
+                </p:spPr>
+                <p:txBody>
+                  <a:bodyPr wrap="none" lIns="68580" tIns="34291" rIns="68580" bIns="34291">
+                    <a:spAutoFit/>
+                  </a:bodyPr>
+                  <a:lstStyle/>
+                  <a:p>
+                    <a:pPr algn="ctr"/>
+                    <a:r>
+                      <a:rPr lang="en-US" altLang="zh-TW" sz="1051" dirty="0">
+                        <a:ln w="0"/>
+                        <a:latin typeface="微軟正黑體" panose="020B0604030504040204" pitchFamily="34" charset="-120"/>
+                        <a:ea typeface="微軟正黑體" panose="020B0604030504040204" pitchFamily="34" charset="-120"/>
+                      </a:rPr>
+                      <a:t>4. </a:t>
+                    </a:r>
+                    <a:r>
+                      <a:rPr lang="zh-TW" altLang="en-US" sz="1051" dirty="0">
+                        <a:ln w="0"/>
+                        <a:latin typeface="微軟正黑體" panose="020B0604030504040204" pitchFamily="34" charset="-120"/>
+                        <a:ea typeface="微軟正黑體" panose="020B0604030504040204" pitchFamily="34" charset="-120"/>
+                      </a:rPr>
+                      <a:t>回覆</a:t>
+                    </a:r>
+                  </a:p>
+                </p:txBody>
+              </p:sp>
+              <p:cxnSp>
+                <p:nvCxnSpPr>
+                  <p:cNvPr id="38" name="直線單箭頭接點 37"/>
+                  <p:cNvCxnSpPr/>
+                  <p:nvPr/>
+                </p:nvCxnSpPr>
+                <p:spPr>
+                  <a:xfrm flipV="1">
+                    <a:off x="5669280" y="3890865"/>
+                    <a:ext cx="0" cy="877078"/>
+                  </a:xfrm>
+                  <a:prstGeom prst="straightConnector1">
+                    <a:avLst/>
+                  </a:prstGeom>
+                  <a:ln>
+                    <a:solidFill>
+                      <a:schemeClr val="tx1"/>
+                    </a:solidFill>
+                    <a:prstDash val="dash"/>
+                    <a:tailEnd type="triangle"/>
+                  </a:ln>
+                </p:spPr>
+                <p:style>
+                  <a:lnRef idx="1">
+                    <a:schemeClr val="accent1"/>
+                  </a:lnRef>
+                  <a:fillRef idx="0">
+                    <a:schemeClr val="accent1"/>
+                  </a:fillRef>
+                  <a:effectRef idx="0">
+                    <a:schemeClr val="accent1"/>
+                  </a:effectRef>
+                  <a:fontRef idx="minor">
+                    <a:schemeClr val="tx1"/>
+                  </a:fontRef>
+                </p:style>
+              </p:cxnSp>
+              <p:cxnSp>
+                <p:nvCxnSpPr>
+                  <p:cNvPr id="39" name="直線單箭頭接點 38"/>
+                  <p:cNvCxnSpPr>
+                    <a:endCxn id="14" idx="2"/>
+                  </p:cNvCxnSpPr>
+                  <p:nvPr/>
+                </p:nvCxnSpPr>
+                <p:spPr>
+                  <a:xfrm flipV="1">
+                    <a:off x="3485686" y="1132420"/>
+                    <a:ext cx="1" cy="1022955"/>
+                  </a:xfrm>
+                  <a:prstGeom prst="straightConnector1">
+                    <a:avLst/>
+                  </a:prstGeom>
+                  <a:ln>
+                    <a:solidFill>
+                      <a:schemeClr val="tx1"/>
+                    </a:solidFill>
+                    <a:prstDash val="dash"/>
+                    <a:tailEnd type="triangle"/>
+                  </a:ln>
+                </p:spPr>
+                <p:style>
+                  <a:lnRef idx="1">
+                    <a:schemeClr val="accent1"/>
+                  </a:lnRef>
+                  <a:fillRef idx="0">
+                    <a:schemeClr val="accent1"/>
+                  </a:fillRef>
+                  <a:effectRef idx="0">
+                    <a:schemeClr val="accent1"/>
+                  </a:effectRef>
+                  <a:fontRef idx="minor">
+                    <a:schemeClr val="tx1"/>
+                  </a:fontRef>
+                </p:style>
+              </p:cxnSp>
+              <p:cxnSp>
+                <p:nvCxnSpPr>
+                  <p:cNvPr id="41" name="直線單箭頭接點 40"/>
+                  <p:cNvCxnSpPr>
+                    <a:endCxn id="15" idx="1"/>
+                  </p:cNvCxnSpPr>
+                  <p:nvPr/>
+                </p:nvCxnSpPr>
+                <p:spPr>
+                  <a:xfrm flipV="1">
+                    <a:off x="4179594" y="978446"/>
+                    <a:ext cx="2098059" cy="14952"/>
+                  </a:xfrm>
+                  <a:prstGeom prst="straightConnector1">
+                    <a:avLst/>
+                  </a:prstGeom>
+                  <a:ln>
+                    <a:solidFill>
+                      <a:schemeClr val="tx1"/>
+                    </a:solidFill>
+                    <a:prstDash val="dash"/>
+                    <a:tailEnd type="triangle"/>
+                  </a:ln>
+                </p:spPr>
+                <p:style>
+                  <a:lnRef idx="1">
+                    <a:schemeClr val="accent1"/>
+                  </a:lnRef>
+                  <a:fillRef idx="0">
+                    <a:schemeClr val="accent1"/>
+                  </a:fillRef>
+                  <a:effectRef idx="0">
+                    <a:schemeClr val="accent1"/>
+                  </a:effectRef>
+                  <a:fontRef idx="minor">
+                    <a:schemeClr val="tx1"/>
+                  </a:fontRef>
+                </p:style>
+              </p:cxnSp>
+              <p:cxnSp>
+                <p:nvCxnSpPr>
+                  <p:cNvPr id="49" name="直線單箭頭接點 48"/>
+                  <p:cNvCxnSpPr/>
+                  <p:nvPr/>
+                </p:nvCxnSpPr>
+                <p:spPr>
+                  <a:xfrm flipH="1">
+                    <a:off x="8910735" y="4230373"/>
+                    <a:ext cx="441101" cy="5725"/>
+                  </a:xfrm>
+                  <a:prstGeom prst="straightConnector1">
+                    <a:avLst/>
+                  </a:prstGeom>
+                  <a:ln>
+                    <a:solidFill>
+                      <a:schemeClr val="tx1"/>
+                    </a:solidFill>
+                    <a:prstDash val="dash"/>
+                    <a:tailEnd type="triangle"/>
+                  </a:ln>
+                </p:spPr>
+                <p:style>
+                  <a:lnRef idx="1">
+                    <a:schemeClr val="accent1"/>
+                  </a:lnRef>
+                  <a:fillRef idx="0">
+                    <a:schemeClr val="accent1"/>
+                  </a:fillRef>
+                  <a:effectRef idx="0">
+                    <a:schemeClr val="accent1"/>
+                  </a:effectRef>
+                  <a:fontRef idx="minor">
+                    <a:schemeClr val="tx1"/>
+                  </a:fontRef>
+                </p:style>
+              </p:cxnSp>
+              <p:sp>
+                <p:nvSpPr>
+                  <p:cNvPr id="20" name="矩形 19"/>
+                  <p:cNvSpPr/>
+                  <p:nvPr/>
+                </p:nvSpPr>
+                <p:spPr>
+                  <a:xfrm>
+                    <a:off x="2944237" y="1489922"/>
+                    <a:ext cx="1082893" cy="307951"/>
+                  </a:xfrm>
+                  <a:prstGeom prst="rect">
+                    <a:avLst/>
+                  </a:prstGeom>
+                  <a:solidFill>
+                    <a:schemeClr val="accent4">
+                      <a:lumMod val="60000"/>
+                      <a:lumOff val="40000"/>
+                    </a:schemeClr>
+                  </a:solidFill>
+                  <a:ln>
+                    <a:solidFill>
+                      <a:schemeClr val="tx1">
+                        <a:lumMod val="65000"/>
+                        <a:lumOff val="35000"/>
+                      </a:schemeClr>
+                    </a:solidFill>
+                  </a:ln>
+                </p:spPr>
+                <p:txBody>
+                  <a:bodyPr wrap="none" lIns="68580" tIns="34291" rIns="68580" bIns="34291">
+                    <a:spAutoFit/>
+                  </a:bodyPr>
+                  <a:lstStyle/>
+                  <a:p>
+                    <a:pPr algn="ctr"/>
+                    <a:r>
+                      <a:rPr lang="en-US" altLang="zh-TW" sz="1051" dirty="0">
+                        <a:ln w="0"/>
+                        <a:latin typeface="微軟正黑體" panose="020B0604030504040204" pitchFamily="34" charset="-120"/>
+                        <a:ea typeface="微軟正黑體" panose="020B0604030504040204" pitchFamily="34" charset="-120"/>
+                      </a:rPr>
+                      <a:t>2. </a:t>
+                    </a:r>
+                    <a:r>
+                      <a:rPr lang="zh-TW" altLang="en-US" sz="1051" dirty="0">
+                        <a:ln w="0"/>
+                        <a:latin typeface="微軟正黑體" panose="020B0604030504040204" pitchFamily="34" charset="-120"/>
+                        <a:ea typeface="微軟正黑體" panose="020B0604030504040204" pitchFamily="34" charset="-120"/>
+                      </a:rPr>
+                      <a:t>事件處理</a:t>
+                    </a:r>
+                  </a:p>
+                </p:txBody>
+              </p:sp>
+            </p:grpSp>
             <p:sp>
               <p:nvSpPr>
-                <p:cNvPr id="11" name="矩形 10"/>
+                <p:cNvPr id="18" name="矩形 17"/>
                 <p:cNvSpPr/>
                 <p:nvPr/>
               </p:nvSpPr>
               <p:spPr>
                 <a:xfrm>
-                  <a:off x="6438190" y="4441637"/>
-                  <a:ext cx="1343346" cy="307951"/>
+                  <a:off x="831133" y="2264090"/>
+                  <a:ext cx="1184533" cy="307951"/>
                 </a:xfrm>
                 <a:prstGeom prst="rect">
                   <a:avLst/>
                 </a:prstGeom>
                 <a:solidFill>
-                  <a:srgbClr val="FFC000"/>
-                </a:solidFill>
-                <a:ln>
-                  <a:solidFill>
-                    <a:schemeClr val="tx1">
-                      <a:lumMod val="65000"/>
-                      <a:lumOff val="35000"/>
-                    </a:schemeClr>
-                  </a:solidFill>
-                </a:ln>
-              </p:spPr>
-              <p:txBody>
-                <a:bodyPr wrap="none" lIns="68580" tIns="34291" rIns="68580" bIns="34291">
-                  <a:spAutoFit/>
-                </a:bodyPr>
-                <a:lstStyle/>
-                <a:p>
-                  <a:pPr algn="ctr"/>
-                  <a:r>
-                    <a:rPr lang="en-US" altLang="zh-TW" sz="1051" dirty="0">
-                      <a:ln w="0"/>
-                      <a:latin typeface="微軟正黑體" panose="020B0604030504040204" pitchFamily="34" charset="-120"/>
-                      <a:ea typeface="微軟正黑體" panose="020B0604030504040204" pitchFamily="34" charset="-120"/>
-                    </a:rPr>
-                    <a:t>1. </a:t>
-                  </a:r>
-                  <a:r>
-                    <a:rPr lang="zh-TW" altLang="en-US" sz="1051" dirty="0">
-                      <a:ln w="0"/>
-                      <a:latin typeface="微軟正黑體" panose="020B0604030504040204" pitchFamily="34" charset="-120"/>
-                      <a:ea typeface="微軟正黑體" panose="020B0604030504040204" pitchFamily="34" charset="-120"/>
-                    </a:rPr>
-                    <a:t>觸發</a:t>
-                  </a:r>
-                  <a:r>
-                    <a:rPr lang="en-US" altLang="zh-TW" sz="1051" dirty="0">
-                      <a:ln w="0"/>
-                      <a:latin typeface="微軟正黑體" panose="020B0604030504040204" pitchFamily="34" charset="-120"/>
-                      <a:ea typeface="微軟正黑體" panose="020B0604030504040204" pitchFamily="34" charset="-120"/>
-                    </a:rPr>
-                    <a:t>Beacon</a:t>
-                  </a:r>
-                  <a:endParaRPr lang="zh-TW" altLang="en-US" sz="1051" dirty="0">
-                    <a:ln w="0"/>
-                    <a:latin typeface="微軟正黑體" panose="020B0604030504040204" pitchFamily="34" charset="-120"/>
-                    <a:ea typeface="微軟正黑體" panose="020B0604030504040204" pitchFamily="34" charset="-120"/>
-                  </a:endParaRPr>
-                </a:p>
-              </p:txBody>
-            </p:sp>
-            <p:sp>
-              <p:nvSpPr>
-                <p:cNvPr id="14" name="矩形 13"/>
-                <p:cNvSpPr/>
-                <p:nvPr/>
-              </p:nvSpPr>
-              <p:spPr>
-                <a:xfrm>
-                  <a:off x="2802367" y="824470"/>
-                  <a:ext cx="1366640" cy="307951"/>
-                </a:xfrm>
-                <a:prstGeom prst="rect">
-                  <a:avLst/>
-                </a:prstGeom>
-                <a:solidFill>
-                  <a:srgbClr val="92D050"/>
+                  <a:schemeClr val="accent1">
+                    <a:lumMod val="60000"/>
+                    <a:lumOff val="40000"/>
+                  </a:schemeClr>
                 </a:solidFill>
                 <a:ln>
                   <a:noFill/>
@@ -3236,51 +3801,7 @@
                       <a:latin typeface="微軟正黑體" panose="020B0604030504040204" pitchFamily="34" charset="-120"/>
                       <a:ea typeface="微軟正黑體" panose="020B0604030504040204" pitchFamily="34" charset="-120"/>
                     </a:rPr>
-                    <a:t>Heroku Server</a:t>
-                  </a:r>
-                  <a:endParaRPr lang="zh-TW" altLang="en-US" sz="1051" dirty="0">
-                    <a:ln w="0"/>
-                    <a:latin typeface="微軟正黑體" panose="020B0604030504040204" pitchFamily="34" charset="-120"/>
-                    <a:ea typeface="微軟正黑體" panose="020B0604030504040204" pitchFamily="34" charset="-120"/>
-                  </a:endParaRPr>
-                </a:p>
-              </p:txBody>
-            </p:sp>
-            <p:sp>
-              <p:nvSpPr>
-                <p:cNvPr id="15" name="矩形 14"/>
-                <p:cNvSpPr/>
-                <p:nvPr/>
-              </p:nvSpPr>
-              <p:spPr>
-                <a:xfrm>
-                  <a:off x="6277653" y="824470"/>
-                  <a:ext cx="1093481" cy="307951"/>
-                </a:xfrm>
-                <a:prstGeom prst="rect">
-                  <a:avLst/>
-                </a:prstGeom>
-                <a:solidFill>
-                  <a:srgbClr val="92D050"/>
-                </a:solidFill>
-                <a:ln>
-                  <a:noFill/>
-                </a:ln>
-              </p:spPr>
-              <p:txBody>
-                <a:bodyPr wrap="none" lIns="68580" tIns="34291" rIns="68580" bIns="34291">
-                  <a:spAutoFit/>
-                </a:bodyPr>
-                <a:lstStyle/>
-                <a:p>
-                  <a:pPr algn="ctr"/>
-                  <a:r>
-                    <a:rPr lang="en-US" altLang="zh-TW" sz="1051" dirty="0">
-                      <a:ln w="0"/>
-                      <a:latin typeface="微軟正黑體" panose="020B0604030504040204" pitchFamily="34" charset="-120"/>
-                      <a:ea typeface="微軟正黑體" panose="020B0604030504040204" pitchFamily="34" charset="-120"/>
-                    </a:rPr>
-                    <a:t>Line Server</a:t>
+                    <a:t>Local Server</a:t>
                   </a:r>
                   <a:endParaRPr lang="zh-TW" altLang="en-US" sz="1051" dirty="0">
                     <a:ln w="0"/>
@@ -3292,247 +3813,17 @@
             </p:sp>
             <p:cxnSp>
               <p:nvCxnSpPr>
-                <p:cNvPr id="16" name="直線接點 15"/>
-                <p:cNvCxnSpPr/>
-                <p:nvPr/>
-              </p:nvCxnSpPr>
-              <p:spPr>
-                <a:xfrm>
-                  <a:off x="3485686" y="2155372"/>
-                  <a:ext cx="2075359" cy="1607667"/>
-                </a:xfrm>
-                <a:prstGeom prst="line">
-                  <a:avLst/>
-                </a:prstGeom>
-                <a:ln>
-                  <a:solidFill>
-                    <a:schemeClr val="tx1"/>
-                  </a:solidFill>
-                  <a:prstDash val="dash"/>
-                </a:ln>
-              </p:spPr>
-              <p:style>
-                <a:lnRef idx="1">
-                  <a:schemeClr val="accent1"/>
-                </a:lnRef>
-                <a:fillRef idx="0">
-                  <a:schemeClr val="accent1"/>
-                </a:fillRef>
-                <a:effectRef idx="0">
-                  <a:schemeClr val="accent1"/>
-                </a:effectRef>
-                <a:fontRef idx="minor">
-                  <a:schemeClr val="tx1"/>
-                </a:fontRef>
-              </p:style>
-            </p:cxnSp>
-            <p:sp>
-              <p:nvSpPr>
-                <p:cNvPr id="23" name="矩形 22"/>
-                <p:cNvSpPr/>
-                <p:nvPr/>
-              </p:nvSpPr>
-              <p:spPr>
-                <a:xfrm>
-                  <a:off x="4404487" y="337679"/>
-                  <a:ext cx="1637680" cy="523565"/>
-                </a:xfrm>
-                <a:prstGeom prst="rect">
-                  <a:avLst/>
-                </a:prstGeom>
-                <a:solidFill>
-                  <a:srgbClr val="FFC000"/>
-                </a:solidFill>
-                <a:ln>
-                  <a:solidFill>
-                    <a:schemeClr val="tx1">
-                      <a:lumMod val="65000"/>
-                      <a:lumOff val="35000"/>
-                    </a:schemeClr>
-                  </a:solidFill>
-                </a:ln>
-              </p:spPr>
-              <p:txBody>
-                <a:bodyPr wrap="none" lIns="68580" tIns="34291" rIns="68580" bIns="34291">
-                  <a:spAutoFit/>
-                </a:bodyPr>
-                <a:lstStyle/>
-                <a:p>
-                  <a:pPr algn="ctr"/>
-                  <a:r>
-                    <a:rPr lang="en-US" altLang="zh-TW" sz="1051" dirty="0">
-                      <a:ln w="0"/>
-                      <a:latin typeface="微軟正黑體" panose="020B0604030504040204" pitchFamily="34" charset="-120"/>
-                      <a:ea typeface="微軟正黑體" panose="020B0604030504040204" pitchFamily="34" charset="-120"/>
-                    </a:rPr>
-                    <a:t>3. </a:t>
-                  </a:r>
-                  <a:r>
-                    <a:rPr lang="zh-TW" altLang="en-US" sz="1051" dirty="0">
-                      <a:ln w="0"/>
-                      <a:latin typeface="微軟正黑體" panose="020B0604030504040204" pitchFamily="34" charset="-120"/>
-                      <a:ea typeface="微軟正黑體" panose="020B0604030504040204" pitchFamily="34" charset="-120"/>
-                    </a:rPr>
-                    <a:t>告訴</a:t>
-                  </a:r>
-                  <a:r>
-                    <a:rPr lang="en-US" altLang="zh-TW" sz="1051" dirty="0">
-                      <a:ln w="0"/>
-                      <a:latin typeface="微軟正黑體" panose="020B0604030504040204" pitchFamily="34" charset="-120"/>
-                      <a:ea typeface="微軟正黑體" panose="020B0604030504040204" pitchFamily="34" charset="-120"/>
-                    </a:rPr>
-                    <a:t>Line Server</a:t>
-                  </a:r>
-                </a:p>
-                <a:p>
-                  <a:pPr algn="ctr"/>
-                  <a:r>
-                    <a:rPr lang="zh-TW" altLang="en-US" sz="1051" dirty="0">
-                      <a:ln w="0"/>
-                      <a:latin typeface="微軟正黑體" panose="020B0604030504040204" pitchFamily="34" charset="-120"/>
-                      <a:ea typeface="微軟正黑體" panose="020B0604030504040204" pitchFamily="34" charset="-120"/>
-                    </a:rPr>
-                    <a:t>回覆內容</a:t>
-                  </a:r>
-                </a:p>
-              </p:txBody>
-            </p:sp>
-            <p:cxnSp>
-              <p:nvCxnSpPr>
-                <p:cNvPr id="24" name="直線接點 23"/>
+                <p:cNvPr id="19" name="直線單箭頭接點 18"/>
                 <p:cNvCxnSpPr>
-                  <a:stCxn id="15" idx="3"/>
+                  <a:stCxn id="18" idx="2"/>
+                  <a:endCxn id="27" idx="0"/>
                 </p:cNvCxnSpPr>
                 <p:nvPr/>
               </p:nvCxnSpPr>
               <p:spPr>
-                <a:xfrm flipV="1">
-                  <a:off x="7371134" y="978364"/>
-                  <a:ext cx="1980705" cy="81"/>
-                </a:xfrm>
-                <a:prstGeom prst="line">
-                  <a:avLst/>
-                </a:prstGeom>
-                <a:ln>
-                  <a:solidFill>
-                    <a:schemeClr val="tx1"/>
-                  </a:solidFill>
-                  <a:prstDash val="dash"/>
-                </a:ln>
-              </p:spPr>
-              <p:style>
-                <a:lnRef idx="1">
-                  <a:schemeClr val="accent1"/>
-                </a:lnRef>
-                <a:fillRef idx="0">
-                  <a:schemeClr val="accent1"/>
-                </a:fillRef>
-                <a:effectRef idx="0">
-                  <a:schemeClr val="accent1"/>
-                </a:effectRef>
-                <a:fontRef idx="minor">
-                  <a:schemeClr val="tx1"/>
-                </a:fontRef>
-              </p:style>
-            </p:cxnSp>
-            <p:cxnSp>
-              <p:nvCxnSpPr>
-                <p:cNvPr id="26" name="直線接點 25"/>
-                <p:cNvCxnSpPr/>
-                <p:nvPr/>
-              </p:nvCxnSpPr>
-              <p:spPr>
-                <a:xfrm flipV="1">
-                  <a:off x="9351837" y="978359"/>
-                  <a:ext cx="0" cy="3257739"/>
-                </a:xfrm>
-                <a:prstGeom prst="line">
-                  <a:avLst/>
-                </a:prstGeom>
-                <a:ln>
-                  <a:solidFill>
-                    <a:schemeClr val="tx1"/>
-                  </a:solidFill>
-                  <a:prstDash val="dash"/>
-                </a:ln>
-              </p:spPr>
-              <p:style>
-                <a:lnRef idx="1">
-                  <a:schemeClr val="accent1"/>
-                </a:lnRef>
-                <a:fillRef idx="0">
-                  <a:schemeClr val="accent1"/>
-                </a:fillRef>
-                <a:effectRef idx="0">
-                  <a:schemeClr val="accent1"/>
-                </a:effectRef>
-                <a:fontRef idx="minor">
-                  <a:schemeClr val="tx1"/>
-                </a:fontRef>
-              </p:style>
-            </p:cxnSp>
-            <p:sp>
-              <p:nvSpPr>
-                <p:cNvPr id="31" name="矩形 30"/>
-                <p:cNvSpPr/>
-                <p:nvPr/>
-              </p:nvSpPr>
-              <p:spPr>
-                <a:xfrm>
-                  <a:off x="8988261" y="2404132"/>
-                  <a:ext cx="727153" cy="307951"/>
-                </a:xfrm>
-                <a:prstGeom prst="rect">
-                  <a:avLst/>
-                </a:prstGeom>
-                <a:solidFill>
-                  <a:srgbClr val="FFC000"/>
-                </a:solidFill>
-                <a:ln>
-                  <a:solidFill>
-                    <a:schemeClr val="tx1">
-                      <a:lumMod val="65000"/>
-                      <a:lumOff val="35000"/>
-                    </a:schemeClr>
-                  </a:solidFill>
-                </a:ln>
-              </p:spPr>
-              <p:txBody>
-                <a:bodyPr wrap="none" lIns="68580" tIns="34291" rIns="68580" bIns="34291">
-                  <a:spAutoFit/>
-                </a:bodyPr>
-                <a:lstStyle/>
-                <a:p>
-                  <a:pPr algn="ctr"/>
-                  <a:r>
-                    <a:rPr lang="en-US" altLang="zh-TW" sz="1051" dirty="0">
-                      <a:ln w="0"/>
-                      <a:latin typeface="微軟正黑體" panose="020B0604030504040204" pitchFamily="34" charset="-120"/>
-                      <a:ea typeface="微軟正黑體" panose="020B0604030504040204" pitchFamily="34" charset="-120"/>
-                    </a:rPr>
-                    <a:t>4. </a:t>
-                  </a:r>
-                  <a:r>
-                    <a:rPr lang="zh-TW" altLang="en-US" sz="1051" dirty="0">
-                      <a:ln w="0"/>
-                      <a:latin typeface="微軟正黑體" panose="020B0604030504040204" pitchFamily="34" charset="-120"/>
-                      <a:ea typeface="微軟正黑體" panose="020B0604030504040204" pitchFamily="34" charset="-120"/>
-                    </a:rPr>
-                    <a:t>回覆</a:t>
-                  </a:r>
-                </a:p>
-              </p:txBody>
-            </p:sp>
-            <p:cxnSp>
-              <p:nvCxnSpPr>
-                <p:cNvPr id="38" name="直線單箭頭接點 37"/>
-                <p:cNvCxnSpPr/>
-                <p:nvPr/>
-              </p:nvCxnSpPr>
-              <p:spPr>
-                <a:xfrm flipV="1">
-                  <a:off x="5669280" y="3890865"/>
-                  <a:ext cx="0" cy="877078"/>
+                <a:xfrm flipH="1">
+                  <a:off x="1420931" y="2572040"/>
+                  <a:ext cx="2469" cy="801541"/>
                 </a:xfrm>
                 <a:prstGeom prst="straightConnector1">
                   <a:avLst/>
@@ -3562,18 +3853,16 @@
             </p:cxnSp>
             <p:cxnSp>
               <p:nvCxnSpPr>
-                <p:cNvPr id="39" name="直線單箭頭接點 38"/>
-                <p:cNvCxnSpPr>
-                  <a:endCxn id="14" idx="2"/>
-                </p:cNvCxnSpPr>
+                <p:cNvPr id="32" name="直線接點 31"/>
+                <p:cNvCxnSpPr/>
                 <p:nvPr/>
               </p:nvCxnSpPr>
               <p:spPr>
                 <a:xfrm flipV="1">
-                  <a:off x="3485686" y="1132420"/>
-                  <a:ext cx="1" cy="1022955"/>
+                  <a:off x="1423397" y="1736413"/>
+                  <a:ext cx="1301878" cy="15029"/>
                 </a:xfrm>
-                <a:prstGeom prst="straightConnector1">
+                <a:prstGeom prst="line">
                   <a:avLst/>
                 </a:prstGeom>
                 <a:ln>
@@ -3581,7 +3870,6 @@
                     <a:schemeClr val="tx1"/>
                   </a:solidFill>
                   <a:prstDash val="dash"/>
-                  <a:tailEnd type="triangle"/>
                 </a:ln>
               </p:spPr>
               <p:style>
@@ -3601,18 +3889,16 @@
             </p:cxnSp>
             <p:cxnSp>
               <p:nvCxnSpPr>
-                <p:cNvPr id="41" name="直線單箭頭接點 40"/>
-                <p:cNvCxnSpPr>
-                  <a:endCxn id="15" idx="1"/>
-                </p:cNvCxnSpPr>
+                <p:cNvPr id="35" name="直線接點 34"/>
+                <p:cNvCxnSpPr/>
                 <p:nvPr/>
               </p:nvCxnSpPr>
               <p:spPr>
-                <a:xfrm flipV="1">
-                  <a:off x="4179594" y="978446"/>
-                  <a:ext cx="2098059" cy="14952"/>
+                <a:xfrm>
+                  <a:off x="1423397" y="1749849"/>
+                  <a:ext cx="0" cy="496528"/>
                 </a:xfrm>
-                <a:prstGeom prst="straightConnector1">
+                <a:prstGeom prst="line">
                   <a:avLst/>
                 </a:prstGeom>
                 <a:ln>
@@ -3620,7 +3906,6 @@
                     <a:schemeClr val="tx1"/>
                   </a:solidFill>
                   <a:prstDash val="dash"/>
-                  <a:tailEnd type="triangle"/>
                 </a:ln>
               </p:spPr>
               <p:style>
@@ -3638,16 +3923,59 @@
                 </a:fontRef>
               </p:style>
             </p:cxnSp>
+            <p:sp>
+              <p:nvSpPr>
+                <p:cNvPr id="50" name="圓柱 49"/>
+                <p:cNvSpPr/>
+                <p:nvPr/>
+              </p:nvSpPr>
+              <p:spPr>
+                <a:xfrm>
+                  <a:off x="959759" y="4580340"/>
+                  <a:ext cx="910276" cy="960687"/>
+                </a:xfrm>
+                <a:prstGeom prst="can">
+                  <a:avLst/>
+                </a:prstGeom>
+                <a:noFill/>
+              </p:spPr>
+              <p:style>
+                <a:lnRef idx="2">
+                  <a:schemeClr val="accent1">
+                    <a:shade val="50000"/>
+                  </a:schemeClr>
+                </a:lnRef>
+                <a:fillRef idx="1">
+                  <a:schemeClr val="accent1"/>
+                </a:fillRef>
+                <a:effectRef idx="0">
+                  <a:schemeClr val="accent1"/>
+                </a:effectRef>
+                <a:fontRef idx="minor">
+                  <a:schemeClr val="lt1"/>
+                </a:fontRef>
+              </p:style>
+              <p:txBody>
+                <a:bodyPr rtlCol="0" anchor="ctr"/>
+                <a:lstStyle/>
+                <a:p>
+                  <a:pPr algn="ctr"/>
+                  <a:endParaRPr lang="en-US" sz="1351"/>
+                </a:p>
+              </p:txBody>
+            </p:sp>
             <p:cxnSp>
               <p:nvCxnSpPr>
-                <p:cNvPr id="49" name="直線單箭頭接點 48"/>
-                <p:cNvCxnSpPr/>
+                <p:cNvPr id="52" name="直線單箭頭接點 51"/>
+                <p:cNvCxnSpPr>
+                  <a:endCxn id="50" idx="1"/>
+                </p:cNvCxnSpPr>
                 <p:nvPr/>
               </p:nvCxnSpPr>
               <p:spPr>
                 <a:xfrm flipH="1">
-                  <a:off x="8910735" y="4230373"/>
-                  <a:ext cx="441101" cy="5725"/>
+                  <a:off x="1414897" y="3681359"/>
+                  <a:ext cx="2468" cy="898981"/>
                 </a:xfrm>
                 <a:prstGeom prst="straightConnector1">
                   <a:avLst/>
@@ -3677,29 +4005,19 @@
             </p:cxnSp>
             <p:sp>
               <p:nvSpPr>
-                <p:cNvPr id="20" name="矩形 19"/>
+                <p:cNvPr id="54" name="矩形 53"/>
                 <p:cNvSpPr/>
                 <p:nvPr/>
               </p:nvSpPr>
               <p:spPr>
                 <a:xfrm>
-                  <a:off x="2944237" y="1489922"/>
-                  <a:ext cx="1082893" cy="307951"/>
+                  <a:off x="1063880" y="4948599"/>
+                  <a:ext cx="716564" cy="307951"/>
                 </a:xfrm>
                 <a:prstGeom prst="rect">
                   <a:avLst/>
                 </a:prstGeom>
-                <a:solidFill>
-                  <a:srgbClr val="FFC000"/>
-                </a:solidFill>
-                <a:ln>
-                  <a:solidFill>
-                    <a:schemeClr val="tx1">
-                      <a:lumMod val="65000"/>
-                      <a:lumOff val="35000"/>
-                    </a:schemeClr>
-                  </a:solidFill>
-                </a:ln>
+                <a:noFill/>
               </p:spPr>
               <p:txBody>
                 <a:bodyPr wrap="none" lIns="68580" tIns="34291" rIns="68580" bIns="34291">
@@ -3709,196 +4027,602 @@
                 <a:p>
                   <a:pPr algn="ctr"/>
                   <a:r>
-                    <a:rPr lang="en-US" altLang="zh-TW" sz="1051" dirty="0">
-                      <a:ln w="0"/>
-                      <a:latin typeface="微軟正黑體" panose="020B0604030504040204" pitchFamily="34" charset="-120"/>
-                      <a:ea typeface="微軟正黑體" panose="020B0604030504040204" pitchFamily="34" charset="-120"/>
-                    </a:rPr>
-                    <a:t>2. </a:t>
-                  </a:r>
-                  <a:r>
                     <a:rPr lang="zh-TW" altLang="en-US" sz="1051" dirty="0">
                       <a:ln w="0"/>
                       <a:latin typeface="微軟正黑體" panose="020B0604030504040204" pitchFamily="34" charset="-120"/>
                       <a:ea typeface="微軟正黑體" panose="020B0604030504040204" pitchFamily="34" charset="-120"/>
                     </a:rPr>
-                    <a:t>事件處理</a:t>
+                    <a:t>資料庫</a:t>
                   </a:r>
+                </a:p>
+              </p:txBody>
+            </p:sp>
+          </p:grpSp>
+        </p:grpSp>
+        <p:sp>
+          <p:nvSpPr>
+            <p:cNvPr id="3" name="矩形 2"/>
+            <p:cNvSpPr/>
+            <p:nvPr/>
+          </p:nvSpPr>
+          <p:spPr>
+            <a:xfrm>
+              <a:off x="4014616" y="1036813"/>
+              <a:ext cx="752130" cy="253916"/>
+            </a:xfrm>
+            <a:prstGeom prst="rect">
+              <a:avLst/>
+            </a:prstGeom>
+          </p:spPr>
+          <p:txBody>
+            <a:bodyPr wrap="none">
+              <a:spAutoFit/>
+            </a:bodyPr>
+            <a:lstStyle/>
+            <a:p>
+              <a:pPr algn="ctr"/>
+              <a:r>
+                <a:rPr lang="en-US" altLang="zh-TW" sz="1050" dirty="0" smtClean="0">
+                  <a:ln w="0"/>
+                  <a:latin typeface="微軟正黑體" panose="020B0604030504040204" pitchFamily="34" charset="-120"/>
+                  <a:ea typeface="微軟正黑體" panose="020B0604030504040204" pitchFamily="34" charset="-120"/>
+                </a:rPr>
+                <a:t>(Node.js)</a:t>
+              </a:r>
+              <a:endParaRPr lang="zh-TW" altLang="en-US" sz="1050" dirty="0">
+                <a:ln w="0"/>
+                <a:latin typeface="微軟正黑體" panose="020B0604030504040204" pitchFamily="34" charset="-120"/>
+                <a:ea typeface="微軟正黑體" panose="020B0604030504040204" pitchFamily="34" charset="-120"/>
+              </a:endParaRPr>
+            </a:p>
+          </p:txBody>
+        </p:sp>
+        <p:sp>
+          <p:nvSpPr>
+            <p:cNvPr id="30" name="矩形 29"/>
+            <p:cNvSpPr/>
+            <p:nvPr/>
+          </p:nvSpPr>
+          <p:spPr>
+            <a:xfrm>
+              <a:off x="2186422" y="4881897"/>
+              <a:ext cx="922048" cy="253916"/>
+            </a:xfrm>
+            <a:prstGeom prst="rect">
+              <a:avLst/>
+            </a:prstGeom>
+          </p:spPr>
+          <p:txBody>
+            <a:bodyPr wrap="none">
+              <a:spAutoFit/>
+            </a:bodyPr>
+            <a:lstStyle/>
+            <a:p>
+              <a:pPr algn="ctr"/>
+              <a:r>
+                <a:rPr lang="en-US" altLang="zh-TW" sz="1050" dirty="0" smtClean="0">
+                  <a:ln w="0"/>
+                  <a:latin typeface="微軟正黑體" panose="020B0604030504040204" pitchFamily="34" charset="-120"/>
+                  <a:ea typeface="微軟正黑體" panose="020B0604030504040204" pitchFamily="34" charset="-120"/>
+                </a:rPr>
+                <a:t>(MongoDB)</a:t>
+              </a:r>
+              <a:endParaRPr lang="zh-TW" altLang="en-US" sz="1050" dirty="0">
+                <a:ln w="0"/>
+                <a:latin typeface="微軟正黑體" panose="020B0604030504040204" pitchFamily="34" charset="-120"/>
+                <a:ea typeface="微軟正黑體" panose="020B0604030504040204" pitchFamily="34" charset="-120"/>
+              </a:endParaRPr>
+            </a:p>
+          </p:txBody>
+        </p:sp>
+        <p:sp>
+          <p:nvSpPr>
+            <p:cNvPr id="33" name="矩形 32"/>
+            <p:cNvSpPr/>
+            <p:nvPr/>
+          </p:nvSpPr>
+          <p:spPr>
+            <a:xfrm>
+              <a:off x="1892356" y="3167390"/>
+              <a:ext cx="718466" cy="253916"/>
+            </a:xfrm>
+            <a:prstGeom prst="rect">
+              <a:avLst/>
+            </a:prstGeom>
+          </p:spPr>
+          <p:txBody>
+            <a:bodyPr wrap="none">
+              <a:spAutoFit/>
+            </a:bodyPr>
+            <a:lstStyle/>
+            <a:p>
+              <a:pPr algn="ctr"/>
+              <a:r>
+                <a:rPr lang="en-US" altLang="zh-TW" sz="1050" dirty="0" smtClean="0">
+                  <a:ln w="0"/>
+                  <a:latin typeface="微軟正黑體" panose="020B0604030504040204" pitchFamily="34" charset="-120"/>
+                  <a:ea typeface="微軟正黑體" panose="020B0604030504040204" pitchFamily="34" charset="-120"/>
+                </a:rPr>
+                <a:t>(Python)</a:t>
+              </a:r>
+              <a:endParaRPr lang="zh-TW" altLang="en-US" sz="1050" dirty="0">
+                <a:ln w="0"/>
+                <a:latin typeface="微軟正黑體" panose="020B0604030504040204" pitchFamily="34" charset="-120"/>
+                <a:ea typeface="微軟正黑體" panose="020B0604030504040204" pitchFamily="34" charset="-120"/>
+              </a:endParaRPr>
+            </a:p>
+          </p:txBody>
+        </p:sp>
+        <p:sp>
+          <p:nvSpPr>
+            <p:cNvPr id="34" name="矩形 33"/>
+            <p:cNvSpPr/>
+            <p:nvPr/>
+          </p:nvSpPr>
+          <p:spPr>
+            <a:xfrm>
+              <a:off x="1895316" y="2139183"/>
+              <a:ext cx="752130" cy="253916"/>
+            </a:xfrm>
+            <a:prstGeom prst="rect">
+              <a:avLst/>
+            </a:prstGeom>
+          </p:spPr>
+          <p:txBody>
+            <a:bodyPr wrap="none">
+              <a:spAutoFit/>
+            </a:bodyPr>
+            <a:lstStyle/>
+            <a:p>
+              <a:pPr algn="ctr"/>
+              <a:r>
+                <a:rPr lang="en-US" altLang="zh-TW" sz="1050" dirty="0" smtClean="0">
+                  <a:ln w="0"/>
+                  <a:latin typeface="微軟正黑體" panose="020B0604030504040204" pitchFamily="34" charset="-120"/>
+                  <a:ea typeface="微軟正黑體" panose="020B0604030504040204" pitchFamily="34" charset="-120"/>
+                </a:rPr>
+                <a:t>(Node.js)</a:t>
+              </a:r>
+              <a:endParaRPr lang="zh-TW" altLang="en-US" sz="1050" dirty="0">
+                <a:ln w="0"/>
+                <a:latin typeface="微軟正黑體" panose="020B0604030504040204" pitchFamily="34" charset="-120"/>
+                <a:ea typeface="微軟正黑體" panose="020B0604030504040204" pitchFamily="34" charset="-120"/>
+              </a:endParaRPr>
+            </a:p>
+          </p:txBody>
+        </p:sp>
+      </p:grpSp>
+    </p:spTree>
+    <p:extLst>
+      <p:ext uri="{BB962C8B-B14F-4D97-AF65-F5344CB8AC3E}">
+        <p14:creationId xmlns:p14="http://schemas.microsoft.com/office/powerpoint/2010/main" val="2567716760"/>
+      </p:ext>
+    </p:extLst>
+  </p:cSld>
+  <p:clrMapOvr>
+    <a:masterClrMapping/>
+  </p:clrMapOvr>
+  <p:timing>
+    <p:tnLst>
+      <p:par>
+        <p:cTn id="1" dur="indefinite" restart="never" nodeType="tmRoot"/>
+      </p:par>
+    </p:tnLst>
+  </p:timing>
+</p:sld>
+</file>
+
+<file path=ppt/slides/slide2.xml><?xml version="1.0" encoding="utf-8"?>
+<p:sld xmlns:a="http://schemas.openxmlformats.org/drawingml/2006/main" xmlns:r="http://schemas.openxmlformats.org/officeDocument/2006/relationships" xmlns:p="http://schemas.openxmlformats.org/presentationml/2006/main">
+  <p:cSld>
+    <p:spTree>
+      <p:nvGrpSpPr>
+        <p:cNvPr id="1" name=""/>
+        <p:cNvGrpSpPr/>
+        <p:nvPr/>
+      </p:nvGrpSpPr>
+      <p:grpSpPr>
+        <a:xfrm>
+          <a:off x="0" y="0"/>
+          <a:ext cx="0" cy="0"/>
+          <a:chOff x="0" y="0"/>
+          <a:chExt cx="0" cy="0"/>
+        </a:xfrm>
+      </p:grpSpPr>
+      <p:grpSp>
+        <p:nvGrpSpPr>
+          <p:cNvPr id="107" name="群組 106"/>
+          <p:cNvGrpSpPr/>
+          <p:nvPr/>
+        </p:nvGrpSpPr>
+        <p:grpSpPr>
+          <a:xfrm>
+            <a:off x="2294457" y="209260"/>
+            <a:ext cx="7289083" cy="6200126"/>
+            <a:chOff x="2294457" y="209260"/>
+            <a:chExt cx="7289083" cy="6200126"/>
+          </a:xfrm>
+        </p:grpSpPr>
+        <p:grpSp>
+          <p:nvGrpSpPr>
+            <p:cNvPr id="14" name="群組 13"/>
+            <p:cNvGrpSpPr/>
+            <p:nvPr/>
+          </p:nvGrpSpPr>
+          <p:grpSpPr>
+            <a:xfrm>
+              <a:off x="4078770" y="209260"/>
+              <a:ext cx="3791990" cy="1443201"/>
+              <a:chOff x="1145771" y="-56111"/>
+              <a:chExt cx="6384174" cy="1916084"/>
+            </a:xfrm>
+          </p:grpSpPr>
+          <p:grpSp>
+            <p:nvGrpSpPr>
+              <p:cNvPr id="6" name="群組 5"/>
+              <p:cNvGrpSpPr/>
+              <p:nvPr/>
+            </p:nvGrpSpPr>
+            <p:grpSpPr>
+              <a:xfrm>
+                <a:off x="3178260" y="1177947"/>
+                <a:ext cx="2279168" cy="390702"/>
+                <a:chOff x="3178260" y="1177947"/>
+                <a:chExt cx="2279168" cy="390702"/>
+              </a:xfrm>
+            </p:grpSpPr>
+            <p:sp>
+              <p:nvSpPr>
+                <p:cNvPr id="4" name="矩形 3"/>
+                <p:cNvSpPr/>
+                <p:nvPr/>
+              </p:nvSpPr>
+              <p:spPr>
+                <a:xfrm>
+                  <a:off x="3330563" y="1177951"/>
+                  <a:ext cx="2014410" cy="390698"/>
+                </a:xfrm>
+                <a:prstGeom prst="rect">
+                  <a:avLst/>
+                </a:prstGeom>
+                <a:noFill/>
+                <a:ln>
+                  <a:noFill/>
+                </a:ln>
+              </p:spPr>
+              <p:style>
+                <a:lnRef idx="2">
+                  <a:schemeClr val="accent1">
+                    <a:shade val="50000"/>
+                  </a:schemeClr>
+                </a:lnRef>
+                <a:fillRef idx="1">
+                  <a:schemeClr val="accent1"/>
+                </a:fillRef>
+                <a:effectRef idx="0">
+                  <a:schemeClr val="accent1"/>
+                </a:effectRef>
+                <a:fontRef idx="minor">
+                  <a:schemeClr val="lt1"/>
+                </a:fontRef>
+              </p:style>
+              <p:txBody>
+                <a:bodyPr rtlCol="0" anchor="ctr"/>
+                <a:lstStyle/>
+                <a:p>
+                  <a:pPr algn="ctr"/>
+                  <a:endParaRPr lang="en-US"/>
+                </a:p>
+              </p:txBody>
+            </p:sp>
+            <p:sp>
+              <p:nvSpPr>
+                <p:cNvPr id="5" name="矩形 4"/>
+                <p:cNvSpPr/>
+                <p:nvPr/>
+              </p:nvSpPr>
+              <p:spPr>
+                <a:xfrm>
+                  <a:off x="3178260" y="1177947"/>
+                  <a:ext cx="2279168" cy="367761"/>
+                </a:xfrm>
+                <a:prstGeom prst="rect">
+                  <a:avLst/>
+                </a:prstGeom>
+                <a:noFill/>
+                <a:ln>
+                  <a:solidFill>
+                    <a:schemeClr val="bg2">
+                      <a:lumMod val="25000"/>
+                    </a:schemeClr>
+                  </a:solidFill>
+                </a:ln>
+              </p:spPr>
+              <p:txBody>
+                <a:bodyPr wrap="square" lIns="91440" tIns="45720" rIns="91440" bIns="45720">
+                  <a:spAutoFit/>
+                </a:bodyPr>
+                <a:lstStyle/>
+                <a:p>
+                  <a:pPr algn="ctr"/>
+                  <a:r>
+                    <a:rPr lang="zh-TW" altLang="en-US" sz="1200" b="0" cap="none" spc="0" smtClean="0">
+                      <a:ln w="0"/>
+                      <a:solidFill>
+                        <a:schemeClr val="tx1"/>
+                      </a:solidFill>
+                      <a:latin typeface="微軟正黑體" panose="020B0604030504040204" pitchFamily="34" charset="-120"/>
+                      <a:ea typeface="微軟正黑體" panose="020B0604030504040204" pitchFamily="34" charset="-120"/>
+                    </a:rPr>
+                    <a:t>戴耳機導覽</a:t>
+                  </a:r>
+                  <a:endParaRPr lang="zh-TW" altLang="en-US" sz="1200" b="0" cap="none" spc="0" dirty="0">
+                    <a:ln w="0"/>
+                    <a:solidFill>
+                      <a:schemeClr val="tx1"/>
+                    </a:solidFill>
+                    <a:latin typeface="微軟正黑體" panose="020B0604030504040204" pitchFamily="34" charset="-120"/>
+                    <a:ea typeface="微軟正黑體" panose="020B0604030504040204" pitchFamily="34" charset="-120"/>
+                  </a:endParaRPr>
+                </a:p>
+              </p:txBody>
+            </p:sp>
+          </p:grpSp>
+          <p:grpSp>
+            <p:nvGrpSpPr>
+              <p:cNvPr id="7" name="群組 6"/>
+              <p:cNvGrpSpPr/>
+              <p:nvPr/>
+            </p:nvGrpSpPr>
+            <p:grpSpPr>
+              <a:xfrm>
+                <a:off x="1889457" y="495931"/>
+                <a:ext cx="4891074" cy="390699"/>
+                <a:chOff x="-191496" y="495931"/>
+                <a:chExt cx="4891074" cy="390699"/>
+              </a:xfrm>
+            </p:grpSpPr>
+            <p:sp>
+              <p:nvSpPr>
+                <p:cNvPr id="8" name="矩形 7"/>
+                <p:cNvSpPr/>
+                <p:nvPr/>
+              </p:nvSpPr>
+              <p:spPr>
+                <a:xfrm>
+                  <a:off x="2912340" y="495931"/>
+                  <a:ext cx="1787238" cy="390699"/>
+                </a:xfrm>
+                <a:prstGeom prst="rect">
+                  <a:avLst/>
+                </a:prstGeom>
+                <a:noFill/>
+                <a:ln>
+                  <a:solidFill>
+                    <a:schemeClr val="bg2">
+                      <a:lumMod val="25000"/>
+                    </a:schemeClr>
+                  </a:solidFill>
+                </a:ln>
+              </p:spPr>
+              <p:style>
+                <a:lnRef idx="2">
+                  <a:schemeClr val="accent1">
+                    <a:shade val="50000"/>
+                  </a:schemeClr>
+                </a:lnRef>
+                <a:fillRef idx="1">
+                  <a:schemeClr val="accent1"/>
+                </a:fillRef>
+                <a:effectRef idx="0">
+                  <a:schemeClr val="accent1"/>
+                </a:effectRef>
+                <a:fontRef idx="minor">
+                  <a:schemeClr val="lt1"/>
+                </a:fontRef>
+              </p:style>
+              <p:txBody>
+                <a:bodyPr rtlCol="0" anchor="ctr"/>
+                <a:lstStyle/>
+                <a:p>
+                  <a:pPr algn="ctr"/>
+                  <a:endParaRPr lang="en-US"/>
+                </a:p>
+              </p:txBody>
+            </p:sp>
+            <p:sp>
+              <p:nvSpPr>
+                <p:cNvPr id="9" name="矩形 8"/>
+                <p:cNvSpPr/>
+                <p:nvPr/>
+              </p:nvSpPr>
+              <p:spPr>
+                <a:xfrm>
+                  <a:off x="-191496" y="518865"/>
+                  <a:ext cx="1841128" cy="367761"/>
+                </a:xfrm>
+                <a:prstGeom prst="rect">
+                  <a:avLst/>
+                </a:prstGeom>
+                <a:noFill/>
+                <a:ln>
+                  <a:noFill/>
+                </a:ln>
+              </p:spPr>
+              <p:txBody>
+                <a:bodyPr wrap="none" lIns="91440" tIns="45720" rIns="91440" bIns="45720">
+                  <a:spAutoFit/>
+                </a:bodyPr>
+                <a:lstStyle/>
+                <a:p>
+                  <a:pPr algn="ctr"/>
+                  <a:r>
+                    <a:rPr lang="zh-TW" altLang="en-US" sz="1200" b="0" cap="none" spc="0" dirty="0" smtClean="0">
+                      <a:ln w="0"/>
+                      <a:solidFill>
+                        <a:schemeClr val="tx1"/>
+                      </a:solidFill>
+                      <a:latin typeface="微軟正黑體" panose="020B0604030504040204" pitchFamily="34" charset="-120"/>
+                      <a:ea typeface="微軟正黑體" panose="020B0604030504040204" pitchFamily="34" charset="-120"/>
+                    </a:rPr>
+                    <a:t>額外下載</a:t>
+                  </a:r>
+                  <a:r>
+                    <a:rPr lang="en-US" altLang="zh-TW" sz="1200" b="0" cap="none" spc="0" dirty="0" smtClean="0">
+                      <a:ln w="0"/>
+                      <a:solidFill>
+                        <a:schemeClr val="tx1"/>
+                      </a:solidFill>
+                      <a:latin typeface="微軟正黑體" panose="020B0604030504040204" pitchFamily="34" charset="-120"/>
+                      <a:ea typeface="微軟正黑體" panose="020B0604030504040204" pitchFamily="34" charset="-120"/>
+                    </a:rPr>
+                    <a:t>APP</a:t>
+                  </a:r>
+                  <a:endParaRPr lang="zh-TW" altLang="en-US" sz="1200" b="0" cap="none" spc="0" dirty="0">
+                    <a:ln w="0"/>
+                    <a:solidFill>
+                      <a:schemeClr val="tx1"/>
+                    </a:solidFill>
+                    <a:latin typeface="微軟正黑體" panose="020B0604030504040204" pitchFamily="34" charset="-120"/>
+                    <a:ea typeface="微軟正黑體" panose="020B0604030504040204" pitchFamily="34" charset="-120"/>
+                  </a:endParaRPr>
+                </a:p>
+              </p:txBody>
+            </p:sp>
+          </p:grpSp>
+          <p:grpSp>
+            <p:nvGrpSpPr>
+              <p:cNvPr id="10" name="群組 9"/>
+              <p:cNvGrpSpPr/>
+              <p:nvPr/>
+            </p:nvGrpSpPr>
+            <p:grpSpPr>
+              <a:xfrm>
+                <a:off x="1855164" y="495931"/>
+                <a:ext cx="4964458" cy="390697"/>
+                <a:chOff x="-2306742" y="495931"/>
+                <a:chExt cx="4964458" cy="390697"/>
+              </a:xfrm>
+            </p:grpSpPr>
+            <p:sp>
+              <p:nvSpPr>
+                <p:cNvPr id="11" name="矩形 10"/>
+                <p:cNvSpPr/>
+                <p:nvPr/>
+              </p:nvSpPr>
+              <p:spPr>
+                <a:xfrm>
+                  <a:off x="-2306742" y="495931"/>
+                  <a:ext cx="1787236" cy="390697"/>
+                </a:xfrm>
+                <a:prstGeom prst="rect">
+                  <a:avLst/>
+                </a:prstGeom>
+                <a:noFill/>
+                <a:ln>
+                  <a:solidFill>
+                    <a:schemeClr val="bg2">
+                      <a:lumMod val="25000"/>
+                    </a:schemeClr>
+                  </a:solidFill>
+                </a:ln>
+              </p:spPr>
+              <p:style>
+                <a:lnRef idx="2">
+                  <a:schemeClr val="accent1">
+                    <a:shade val="50000"/>
+                  </a:schemeClr>
+                </a:lnRef>
+                <a:fillRef idx="1">
+                  <a:schemeClr val="accent1"/>
+                </a:fillRef>
+                <a:effectRef idx="0">
+                  <a:schemeClr val="accent1"/>
+                </a:effectRef>
+                <a:fontRef idx="minor">
+                  <a:schemeClr val="lt1"/>
+                </a:fontRef>
+              </p:style>
+              <p:txBody>
+                <a:bodyPr rtlCol="0" anchor="ctr"/>
+                <a:lstStyle/>
+                <a:p>
+                  <a:pPr algn="ctr"/>
+                  <a:endParaRPr lang="en-US"/>
+                </a:p>
+              </p:txBody>
+            </p:sp>
+            <p:sp>
+              <p:nvSpPr>
+                <p:cNvPr id="12" name="矩形 11"/>
+                <p:cNvSpPr/>
+                <p:nvPr/>
+              </p:nvSpPr>
+              <p:spPr>
+                <a:xfrm>
+                  <a:off x="792298" y="518865"/>
+                  <a:ext cx="1865418" cy="367762"/>
+                </a:xfrm>
+                <a:prstGeom prst="rect">
+                  <a:avLst/>
+                </a:prstGeom>
+                <a:noFill/>
+                <a:ln>
+                  <a:noFill/>
+                </a:ln>
+              </p:spPr>
+              <p:txBody>
+                <a:bodyPr wrap="none" lIns="91440" tIns="45720" rIns="91440" bIns="45720">
+                  <a:spAutoFit/>
+                </a:bodyPr>
+                <a:lstStyle/>
+                <a:p>
+                  <a:pPr algn="ctr"/>
+                  <a:r>
+                    <a:rPr lang="zh-TW" altLang="en-US" sz="1200" b="0" cap="none" spc="0" dirty="0" smtClean="0">
+                      <a:ln w="0"/>
+                      <a:solidFill>
+                        <a:schemeClr val="tx1"/>
+                      </a:solidFill>
+                      <a:latin typeface="微軟正黑體" panose="020B0604030504040204" pitchFamily="34" charset="-120"/>
+                      <a:ea typeface="微軟正黑體" panose="020B0604030504040204" pitchFamily="34" charset="-120"/>
+                    </a:rPr>
+                    <a:t>遺忘過去知識</a:t>
+                  </a:r>
+                  <a:endParaRPr lang="zh-TW" altLang="en-US" sz="1200" b="0" cap="none" spc="0" dirty="0">
+                    <a:ln w="0"/>
+                    <a:solidFill>
+                      <a:schemeClr val="tx1"/>
+                    </a:solidFill>
+                    <a:latin typeface="微軟正黑體" panose="020B0604030504040204" pitchFamily="34" charset="-120"/>
+                    <a:ea typeface="微軟正黑體" panose="020B0604030504040204" pitchFamily="34" charset="-120"/>
+                  </a:endParaRPr>
                 </a:p>
               </p:txBody>
             </p:sp>
           </p:grpSp>
           <p:sp>
             <p:nvSpPr>
-              <p:cNvPr id="18" name="矩形 17"/>
+              <p:cNvPr id="13" name="橢圓 12"/>
               <p:cNvSpPr/>
               <p:nvPr/>
             </p:nvSpPr>
             <p:spPr>
               <a:xfrm>
-                <a:off x="831133" y="2264090"/>
-                <a:ext cx="1184533" cy="307951"/>
+                <a:off x="1145771" y="-56111"/>
+                <a:ext cx="6384174" cy="1916084"/>
               </a:xfrm>
-              <a:prstGeom prst="rect">
-                <a:avLst/>
-              </a:prstGeom>
-              <a:solidFill>
-                <a:srgbClr val="92D050"/>
-              </a:solidFill>
-              <a:ln>
-                <a:noFill/>
-              </a:ln>
-            </p:spPr>
-            <p:txBody>
-              <a:bodyPr wrap="none" lIns="68580" tIns="34291" rIns="68580" bIns="34291">
-                <a:spAutoFit/>
-              </a:bodyPr>
-              <a:lstStyle/>
-              <a:p>
-                <a:pPr algn="ctr"/>
-                <a:r>
-                  <a:rPr lang="en-US" altLang="zh-TW" sz="1051" dirty="0">
-                    <a:ln w="0"/>
-                    <a:latin typeface="微軟正黑體" panose="020B0604030504040204" pitchFamily="34" charset="-120"/>
-                    <a:ea typeface="微軟正黑體" panose="020B0604030504040204" pitchFamily="34" charset="-120"/>
-                  </a:rPr>
-                  <a:t>Local Server</a:t>
-                </a:r>
-                <a:endParaRPr lang="zh-TW" altLang="en-US" sz="1051" dirty="0">
-                  <a:ln w="0"/>
-                  <a:latin typeface="微軟正黑體" panose="020B0604030504040204" pitchFamily="34" charset="-120"/>
-                  <a:ea typeface="微軟正黑體" panose="020B0604030504040204" pitchFamily="34" charset="-120"/>
-                </a:endParaRPr>
-              </a:p>
-            </p:txBody>
-          </p:sp>
-          <p:cxnSp>
-            <p:nvCxnSpPr>
-              <p:cNvPr id="19" name="直線單箭頭接點 18"/>
-              <p:cNvCxnSpPr>
-                <a:stCxn id="18" idx="2"/>
-                <a:endCxn id="27" idx="0"/>
-              </p:cNvCxnSpPr>
-              <p:nvPr/>
-            </p:nvCxnSpPr>
-            <p:spPr>
-              <a:xfrm flipH="1">
-                <a:off x="1420931" y="2572040"/>
-                <a:ext cx="2469" cy="801541"/>
-              </a:xfrm>
-              <a:prstGeom prst="straightConnector1">
-                <a:avLst/>
-              </a:prstGeom>
-              <a:ln>
-                <a:solidFill>
-                  <a:schemeClr val="tx1"/>
-                </a:solidFill>
-                <a:prstDash val="dash"/>
-                <a:tailEnd type="triangle"/>
-              </a:ln>
-            </p:spPr>
-            <p:style>
-              <a:lnRef idx="1">
-                <a:schemeClr val="accent1"/>
-              </a:lnRef>
-              <a:fillRef idx="0">
-                <a:schemeClr val="accent1"/>
-              </a:fillRef>
-              <a:effectRef idx="0">
-                <a:schemeClr val="accent1"/>
-              </a:effectRef>
-              <a:fontRef idx="minor">
-                <a:schemeClr val="tx1"/>
-              </a:fontRef>
-            </p:style>
-          </p:cxnSp>
-          <p:cxnSp>
-            <p:nvCxnSpPr>
-              <p:cNvPr id="32" name="直線接點 31"/>
-              <p:cNvCxnSpPr/>
-              <p:nvPr/>
-            </p:nvCxnSpPr>
-            <p:spPr>
-              <a:xfrm flipV="1">
-                <a:off x="1423397" y="1736413"/>
-                <a:ext cx="1301878" cy="15029"/>
-              </a:xfrm>
-              <a:prstGeom prst="line">
-                <a:avLst/>
-              </a:prstGeom>
-              <a:ln>
-                <a:solidFill>
-                  <a:schemeClr val="tx1"/>
-                </a:solidFill>
-                <a:prstDash val="dash"/>
-              </a:ln>
-            </p:spPr>
-            <p:style>
-              <a:lnRef idx="1">
-                <a:schemeClr val="accent1"/>
-              </a:lnRef>
-              <a:fillRef idx="0">
-                <a:schemeClr val="accent1"/>
-              </a:fillRef>
-              <a:effectRef idx="0">
-                <a:schemeClr val="accent1"/>
-              </a:effectRef>
-              <a:fontRef idx="minor">
-                <a:schemeClr val="tx1"/>
-              </a:fontRef>
-            </p:style>
-          </p:cxnSp>
-          <p:cxnSp>
-            <p:nvCxnSpPr>
-              <p:cNvPr id="35" name="直線接點 34"/>
-              <p:cNvCxnSpPr/>
-              <p:nvPr/>
-            </p:nvCxnSpPr>
-            <p:spPr>
-              <a:xfrm>
-                <a:off x="1423397" y="1749849"/>
-                <a:ext cx="0" cy="496528"/>
-              </a:xfrm>
-              <a:prstGeom prst="line">
-                <a:avLst/>
-              </a:prstGeom>
-              <a:ln>
-                <a:solidFill>
-                  <a:schemeClr val="tx1"/>
-                </a:solidFill>
-                <a:prstDash val="dash"/>
-              </a:ln>
-            </p:spPr>
-            <p:style>
-              <a:lnRef idx="1">
-                <a:schemeClr val="accent1"/>
-              </a:lnRef>
-              <a:fillRef idx="0">
-                <a:schemeClr val="accent1"/>
-              </a:fillRef>
-              <a:effectRef idx="0">
-                <a:schemeClr val="accent1"/>
-              </a:effectRef>
-              <a:fontRef idx="minor">
-                <a:schemeClr val="tx1"/>
-              </a:fontRef>
-            </p:style>
-          </p:cxnSp>
-          <p:sp>
-            <p:nvSpPr>
-              <p:cNvPr id="50" name="圓柱 49"/>
-              <p:cNvSpPr/>
-              <p:nvPr/>
-            </p:nvSpPr>
-            <p:spPr>
-              <a:xfrm>
-                <a:off x="959759" y="4580340"/>
-                <a:ext cx="910276" cy="960687"/>
-              </a:xfrm>
-              <a:prstGeom prst="can">
+              <a:prstGeom prst="ellipse">
                 <a:avLst/>
               </a:prstGeom>
               <a:noFill/>
+              <a:ln>
+                <a:solidFill>
+                  <a:schemeClr val="bg2">
+                    <a:lumMod val="25000"/>
+                  </a:schemeClr>
+                </a:solidFill>
+              </a:ln>
             </p:spPr>
             <p:style>
               <a:lnRef idx="2">
@@ -3921,59 +4645,858 @@
               <a:lstStyle/>
               <a:p>
                 <a:pPr algn="ctr"/>
-                <a:endParaRPr lang="en-US" sz="1351"/>
+                <a:endParaRPr lang="en-US"/>
               </a:p>
             </p:txBody>
           </p:sp>
-          <p:cxnSp>
-            <p:nvCxnSpPr>
-              <p:cNvPr id="52" name="直線單箭頭接點 51"/>
-              <p:cNvCxnSpPr>
-                <a:endCxn id="50" idx="1"/>
-              </p:cNvCxnSpPr>
-              <p:nvPr/>
-            </p:nvCxnSpPr>
-            <p:spPr>
-              <a:xfrm flipH="1">
-                <a:off x="1414897" y="3681359"/>
-                <a:ext cx="2468" cy="898981"/>
-              </a:xfrm>
-              <a:prstGeom prst="straightConnector1">
-                <a:avLst/>
-              </a:prstGeom>
-              <a:ln>
+        </p:grpSp>
+        <p:sp>
+          <p:nvSpPr>
+            <p:cNvPr id="15" name="矩形 14"/>
+            <p:cNvSpPr/>
+            <p:nvPr/>
+          </p:nvSpPr>
+          <p:spPr>
+            <a:xfrm>
+              <a:off x="5614065" y="209260"/>
+              <a:ext cx="697627" cy="400110"/>
+            </a:xfrm>
+            <a:prstGeom prst="rect">
+              <a:avLst/>
+            </a:prstGeom>
+            <a:noFill/>
+          </p:spPr>
+          <p:txBody>
+            <a:bodyPr wrap="none" lIns="91440" tIns="45720" rIns="91440" bIns="45720">
+              <a:spAutoFit/>
+            </a:bodyPr>
+            <a:lstStyle/>
+            <a:p>
+              <a:pPr algn="ctr"/>
+              <a:r>
+                <a:rPr lang="zh-TW" altLang="en-US" sz="2000" b="0" cap="none" spc="0" dirty="0" smtClean="0">
+                  <a:ln w="0"/>
+                  <a:solidFill>
+                    <a:schemeClr val="tx1"/>
+                  </a:solidFill>
+                  <a:latin typeface="微軟正黑體" panose="020B0604030504040204" pitchFamily="34" charset="-120"/>
+                  <a:ea typeface="微軟正黑體" panose="020B0604030504040204" pitchFamily="34" charset="-120"/>
+                </a:rPr>
+                <a:t>痛點</a:t>
+              </a:r>
+              <a:endParaRPr lang="zh-TW" altLang="en-US" sz="2000" b="0" cap="none" spc="0" dirty="0">
+                <a:ln w="0"/>
                 <a:solidFill>
                   <a:schemeClr val="tx1"/>
                 </a:solidFill>
-                <a:prstDash val="dash"/>
-                <a:tailEnd type="triangle"/>
+                <a:latin typeface="微軟正黑體" panose="020B0604030504040204" pitchFamily="34" charset="-120"/>
+                <a:ea typeface="微軟正黑體" panose="020B0604030504040204" pitchFamily="34" charset="-120"/>
+              </a:endParaRPr>
+            </a:p>
+          </p:txBody>
+        </p:sp>
+        <p:cxnSp>
+          <p:nvCxnSpPr>
+            <p:cNvPr id="17" name="直線單箭頭接點 16"/>
+            <p:cNvCxnSpPr>
+              <a:stCxn id="13" idx="4"/>
+            </p:cNvCxnSpPr>
+            <p:nvPr/>
+          </p:nvCxnSpPr>
+          <p:spPr>
+            <a:xfrm flipH="1">
+              <a:off x="5974711" y="1652461"/>
+              <a:ext cx="54" cy="483910"/>
+            </a:xfrm>
+            <a:prstGeom prst="straightConnector1">
+              <a:avLst/>
+            </a:prstGeom>
+            <a:ln>
+              <a:tailEnd type="triangle"/>
+            </a:ln>
+          </p:spPr>
+          <p:style>
+            <a:lnRef idx="1">
+              <a:schemeClr val="dk1"/>
+            </a:lnRef>
+            <a:fillRef idx="0">
+              <a:schemeClr val="dk1"/>
+            </a:fillRef>
+            <a:effectRef idx="0">
+              <a:schemeClr val="dk1"/>
+            </a:effectRef>
+            <a:fontRef idx="minor">
+              <a:schemeClr val="tx1"/>
+            </a:fontRef>
+          </p:style>
+        </p:cxnSp>
+        <p:grpSp>
+          <p:nvGrpSpPr>
+            <p:cNvPr id="80" name="群組 79"/>
+            <p:cNvGrpSpPr/>
+            <p:nvPr/>
+          </p:nvGrpSpPr>
+          <p:grpSpPr>
+            <a:xfrm>
+              <a:off x="2294457" y="2181848"/>
+              <a:ext cx="4278501" cy="2026082"/>
+              <a:chOff x="4761053" y="2155219"/>
+              <a:chExt cx="4278501" cy="2026082"/>
+            </a:xfrm>
+          </p:grpSpPr>
+          <p:sp>
+            <p:nvSpPr>
+              <p:cNvPr id="27" name="矩形 26"/>
+              <p:cNvSpPr/>
+              <p:nvPr/>
+            </p:nvSpPr>
+            <p:spPr>
+              <a:xfrm>
+                <a:off x="4761053" y="2182911"/>
+                <a:ext cx="2427316" cy="94775"/>
+              </a:xfrm>
+              <a:prstGeom prst="rect">
+                <a:avLst/>
+              </a:prstGeom>
+              <a:solidFill>
+                <a:schemeClr val="bg1">
+                  <a:lumMod val="65000"/>
+                </a:schemeClr>
+              </a:solidFill>
+              <a:ln>
+                <a:noFill/>
               </a:ln>
             </p:spPr>
             <p:style>
-              <a:lnRef idx="1">
-                <a:schemeClr val="accent1"/>
+              <a:lnRef idx="2">
+                <a:schemeClr val="accent1">
+                  <a:shade val="50000"/>
+                </a:schemeClr>
               </a:lnRef>
-              <a:fillRef idx="0">
+              <a:fillRef idx="1">
                 <a:schemeClr val="accent1"/>
               </a:fillRef>
               <a:effectRef idx="0">
                 <a:schemeClr val="accent1"/>
               </a:effectRef>
               <a:fontRef idx="minor">
-                <a:schemeClr val="tx1"/>
+                <a:schemeClr val="lt1"/>
               </a:fontRef>
             </p:style>
-          </p:cxnSp>
+            <p:txBody>
+              <a:bodyPr rtlCol="0" anchor="ctr"/>
+              <a:lstStyle/>
+              <a:p>
+                <a:pPr algn="ctr"/>
+                <a:endParaRPr lang="en-US"/>
+              </a:p>
+            </p:txBody>
+          </p:sp>
           <p:sp>
             <p:nvSpPr>
-              <p:cNvPr id="54" name="矩形 53"/>
+              <p:cNvPr id="28" name="矩形 27"/>
               <p:cNvSpPr/>
               <p:nvPr/>
             </p:nvSpPr>
             <p:spPr>
               <a:xfrm>
-                <a:off x="1063880" y="4948599"/>
-                <a:ext cx="716564" cy="307951"/>
+                <a:off x="4761053" y="2355796"/>
+                <a:ext cx="93580" cy="1825505"/>
+              </a:xfrm>
+              <a:prstGeom prst="rect">
+                <a:avLst/>
+              </a:prstGeom>
+              <a:solidFill>
+                <a:schemeClr val="bg1">
+                  <a:lumMod val="65000"/>
+                </a:schemeClr>
+              </a:solidFill>
+              <a:ln>
+                <a:noFill/>
+              </a:ln>
+            </p:spPr>
+            <p:style>
+              <a:lnRef idx="2">
+                <a:schemeClr val="accent1">
+                  <a:shade val="50000"/>
+                </a:schemeClr>
+              </a:lnRef>
+              <a:fillRef idx="1">
+                <a:schemeClr val="accent1"/>
+              </a:fillRef>
+              <a:effectRef idx="0">
+                <a:schemeClr val="accent1"/>
+              </a:effectRef>
+              <a:fontRef idx="minor">
+                <a:schemeClr val="lt1"/>
+              </a:fontRef>
+            </p:style>
+            <p:txBody>
+              <a:bodyPr rtlCol="0" anchor="ctr"/>
+              <a:lstStyle/>
+              <a:p>
+                <a:pPr algn="ctr"/>
+                <a:endParaRPr lang="en-US"/>
+              </a:p>
+            </p:txBody>
+          </p:sp>
+          <p:sp>
+            <p:nvSpPr>
+              <p:cNvPr id="29" name="矩形 28"/>
+              <p:cNvSpPr/>
+              <p:nvPr/>
+            </p:nvSpPr>
+            <p:spPr>
+              <a:xfrm>
+                <a:off x="7094789" y="2355796"/>
+                <a:ext cx="93580" cy="1825505"/>
+              </a:xfrm>
+              <a:prstGeom prst="rect">
+                <a:avLst/>
+              </a:prstGeom>
+              <a:solidFill>
+                <a:schemeClr val="bg1">
+                  <a:lumMod val="65000"/>
+                </a:schemeClr>
+              </a:solidFill>
+              <a:ln>
+                <a:noFill/>
+              </a:ln>
+            </p:spPr>
+            <p:style>
+              <a:lnRef idx="2">
+                <a:schemeClr val="accent1">
+                  <a:shade val="50000"/>
+                </a:schemeClr>
+              </a:lnRef>
+              <a:fillRef idx="1">
+                <a:schemeClr val="accent1"/>
+              </a:fillRef>
+              <a:effectRef idx="0">
+                <a:schemeClr val="accent1"/>
+              </a:effectRef>
+              <a:fontRef idx="minor">
+                <a:schemeClr val="lt1"/>
+              </a:fontRef>
+            </p:style>
+            <p:txBody>
+              <a:bodyPr rtlCol="0" anchor="ctr"/>
+              <a:lstStyle/>
+              <a:p>
+                <a:pPr algn="ctr"/>
+                <a:endParaRPr lang="en-US"/>
+              </a:p>
+            </p:txBody>
+          </p:sp>
+          <p:sp>
+            <p:nvSpPr>
+              <p:cNvPr id="30" name="矩形 29"/>
+              <p:cNvSpPr/>
+              <p:nvPr/>
+            </p:nvSpPr>
+            <p:spPr>
+              <a:xfrm>
+                <a:off x="4842982" y="2555303"/>
+                <a:ext cx="58623" cy="362466"/>
+              </a:xfrm>
+              <a:prstGeom prst="rect">
+                <a:avLst/>
+              </a:prstGeom>
+              <a:solidFill>
+                <a:schemeClr val="tx1">
+                  <a:lumMod val="65000"/>
+                  <a:lumOff val="35000"/>
+                </a:schemeClr>
+              </a:solidFill>
+              <a:ln>
+                <a:noFill/>
+              </a:ln>
+            </p:spPr>
+            <p:style>
+              <a:lnRef idx="2">
+                <a:schemeClr val="accent1">
+                  <a:shade val="50000"/>
+                </a:schemeClr>
+              </a:lnRef>
+              <a:fillRef idx="1">
+                <a:schemeClr val="accent1"/>
+              </a:fillRef>
+              <a:effectRef idx="0">
+                <a:schemeClr val="accent1"/>
+              </a:effectRef>
+              <a:fontRef idx="minor">
+                <a:schemeClr val="lt1"/>
+              </a:fontRef>
+            </p:style>
+            <p:txBody>
+              <a:bodyPr rtlCol="0" anchor="ctr"/>
+              <a:lstStyle/>
+              <a:p>
+                <a:pPr algn="ctr"/>
+                <a:endParaRPr lang="en-US"/>
+              </a:p>
+            </p:txBody>
+          </p:sp>
+          <p:sp>
+            <p:nvSpPr>
+              <p:cNvPr id="31" name="矩形 30"/>
+              <p:cNvSpPr/>
+              <p:nvPr/>
+            </p:nvSpPr>
+            <p:spPr>
+              <a:xfrm>
+                <a:off x="4838481" y="3368302"/>
+                <a:ext cx="58623" cy="362466"/>
+              </a:xfrm>
+              <a:prstGeom prst="rect">
+                <a:avLst/>
+              </a:prstGeom>
+              <a:solidFill>
+                <a:schemeClr val="tx1">
+                  <a:lumMod val="65000"/>
+                  <a:lumOff val="35000"/>
+                </a:schemeClr>
+              </a:solidFill>
+              <a:ln>
+                <a:noFill/>
+              </a:ln>
+            </p:spPr>
+            <p:style>
+              <a:lnRef idx="2">
+                <a:schemeClr val="accent1">
+                  <a:shade val="50000"/>
+                </a:schemeClr>
+              </a:lnRef>
+              <a:fillRef idx="1">
+                <a:schemeClr val="accent1"/>
+              </a:fillRef>
+              <a:effectRef idx="0">
+                <a:schemeClr val="accent1"/>
+              </a:effectRef>
+              <a:fontRef idx="minor">
+                <a:schemeClr val="lt1"/>
+              </a:fontRef>
+            </p:style>
+            <p:txBody>
+              <a:bodyPr rtlCol="0" anchor="ctr"/>
+              <a:lstStyle/>
+              <a:p>
+                <a:pPr algn="ctr"/>
+                <a:endParaRPr lang="en-US"/>
+              </a:p>
+            </p:txBody>
+          </p:sp>
+          <p:sp>
+            <p:nvSpPr>
+              <p:cNvPr id="32" name="矩形 31"/>
+              <p:cNvSpPr/>
+              <p:nvPr/>
+            </p:nvSpPr>
+            <p:spPr>
+              <a:xfrm>
+                <a:off x="7036166" y="2555303"/>
+                <a:ext cx="58623" cy="362466"/>
+              </a:xfrm>
+              <a:prstGeom prst="rect">
+                <a:avLst/>
+              </a:prstGeom>
+              <a:solidFill>
+                <a:schemeClr val="tx1">
+                  <a:lumMod val="65000"/>
+                  <a:lumOff val="35000"/>
+                </a:schemeClr>
+              </a:solidFill>
+              <a:ln>
+                <a:noFill/>
+              </a:ln>
+            </p:spPr>
+            <p:style>
+              <a:lnRef idx="2">
+                <a:schemeClr val="accent1">
+                  <a:shade val="50000"/>
+                </a:schemeClr>
+              </a:lnRef>
+              <a:fillRef idx="1">
+                <a:schemeClr val="accent1"/>
+              </a:fillRef>
+              <a:effectRef idx="0">
+                <a:schemeClr val="accent1"/>
+              </a:effectRef>
+              <a:fontRef idx="minor">
+                <a:schemeClr val="lt1"/>
+              </a:fontRef>
+            </p:style>
+            <p:txBody>
+              <a:bodyPr rtlCol="0" anchor="ctr"/>
+              <a:lstStyle/>
+              <a:p>
+                <a:pPr algn="ctr"/>
+                <a:endParaRPr lang="en-US"/>
+              </a:p>
+            </p:txBody>
+          </p:sp>
+          <p:sp>
+            <p:nvSpPr>
+              <p:cNvPr id="33" name="矩形 32"/>
+              <p:cNvSpPr/>
+              <p:nvPr/>
+            </p:nvSpPr>
+            <p:spPr>
+              <a:xfrm>
+                <a:off x="7037872" y="3368302"/>
+                <a:ext cx="58623" cy="362466"/>
+              </a:xfrm>
+              <a:prstGeom prst="rect">
+                <a:avLst/>
+              </a:prstGeom>
+              <a:solidFill>
+                <a:schemeClr val="tx1">
+                  <a:lumMod val="65000"/>
+                  <a:lumOff val="35000"/>
+                </a:schemeClr>
+              </a:solidFill>
+              <a:ln>
+                <a:noFill/>
+              </a:ln>
+            </p:spPr>
+            <p:style>
+              <a:lnRef idx="2">
+                <a:schemeClr val="accent1">
+                  <a:shade val="50000"/>
+                </a:schemeClr>
+              </a:lnRef>
+              <a:fillRef idx="1">
+                <a:schemeClr val="accent1"/>
+              </a:fillRef>
+              <a:effectRef idx="0">
+                <a:schemeClr val="accent1"/>
+              </a:effectRef>
+              <a:fontRef idx="minor">
+                <a:schemeClr val="lt1"/>
+              </a:fontRef>
+            </p:style>
+            <p:txBody>
+              <a:bodyPr rtlCol="0" anchor="ctr"/>
+              <a:lstStyle/>
+              <a:p>
+                <a:pPr algn="ctr"/>
+                <a:endParaRPr lang="en-US"/>
+              </a:p>
+            </p:txBody>
+          </p:sp>
+          <p:sp>
+            <p:nvSpPr>
+              <p:cNvPr id="35" name="橢圓 34"/>
+              <p:cNvSpPr/>
+              <p:nvPr/>
+            </p:nvSpPr>
+            <p:spPr>
+              <a:xfrm>
+                <a:off x="4941280" y="2683445"/>
+                <a:ext cx="126000" cy="124691"/>
+              </a:xfrm>
+              <a:prstGeom prst="ellipse">
+                <a:avLst/>
+              </a:prstGeom>
+              <a:solidFill>
+                <a:schemeClr val="accent1">
+                  <a:lumMod val="60000"/>
+                  <a:lumOff val="40000"/>
+                </a:schemeClr>
+              </a:solidFill>
+              <a:ln>
+                <a:noFill/>
+              </a:ln>
+            </p:spPr>
+            <p:style>
+              <a:lnRef idx="2">
+                <a:schemeClr val="accent1">
+                  <a:shade val="50000"/>
+                </a:schemeClr>
+              </a:lnRef>
+              <a:fillRef idx="1">
+                <a:schemeClr val="accent1"/>
+              </a:fillRef>
+              <a:effectRef idx="0">
+                <a:schemeClr val="accent1"/>
+              </a:effectRef>
+              <a:fontRef idx="minor">
+                <a:schemeClr val="lt1"/>
+              </a:fontRef>
+            </p:style>
+            <p:txBody>
+              <a:bodyPr rtlCol="0" anchor="ctr"/>
+              <a:lstStyle/>
+              <a:p>
+                <a:pPr algn="ctr"/>
+                <a:endParaRPr lang="en-US"/>
+              </a:p>
+            </p:txBody>
+          </p:sp>
+          <p:sp>
+            <p:nvSpPr>
+              <p:cNvPr id="36" name="橢圓 35"/>
+              <p:cNvSpPr/>
+              <p:nvPr/>
+            </p:nvSpPr>
+            <p:spPr>
+              <a:xfrm>
+                <a:off x="4941280" y="3487189"/>
+                <a:ext cx="126000" cy="124691"/>
+              </a:xfrm>
+              <a:prstGeom prst="ellipse">
+                <a:avLst/>
+              </a:prstGeom>
+              <a:solidFill>
+                <a:schemeClr val="accent1">
+                  <a:lumMod val="60000"/>
+                  <a:lumOff val="40000"/>
+                </a:schemeClr>
+              </a:solidFill>
+              <a:ln>
+                <a:noFill/>
+              </a:ln>
+            </p:spPr>
+            <p:style>
+              <a:lnRef idx="2">
+                <a:schemeClr val="accent1">
+                  <a:shade val="50000"/>
+                </a:schemeClr>
+              </a:lnRef>
+              <a:fillRef idx="1">
+                <a:schemeClr val="accent1"/>
+              </a:fillRef>
+              <a:effectRef idx="0">
+                <a:schemeClr val="accent1"/>
+              </a:effectRef>
+              <a:fontRef idx="minor">
+                <a:schemeClr val="lt1"/>
+              </a:fontRef>
+            </p:style>
+            <p:txBody>
+              <a:bodyPr rtlCol="0" anchor="ctr"/>
+              <a:lstStyle/>
+              <a:p>
+                <a:pPr algn="ctr"/>
+                <a:endParaRPr lang="en-US"/>
+              </a:p>
+            </p:txBody>
+          </p:sp>
+          <p:sp>
+            <p:nvSpPr>
+              <p:cNvPr id="37" name="橢圓 36"/>
+              <p:cNvSpPr/>
+              <p:nvPr/>
+            </p:nvSpPr>
+            <p:spPr>
+              <a:xfrm>
+                <a:off x="5911711" y="2345253"/>
+                <a:ext cx="126000" cy="124691"/>
+              </a:xfrm>
+              <a:prstGeom prst="ellipse">
+                <a:avLst/>
+              </a:prstGeom>
+              <a:solidFill>
+                <a:schemeClr val="accent1">
+                  <a:lumMod val="60000"/>
+                  <a:lumOff val="40000"/>
+                </a:schemeClr>
+              </a:solidFill>
+              <a:ln>
+                <a:noFill/>
+              </a:ln>
+            </p:spPr>
+            <p:style>
+              <a:lnRef idx="2">
+                <a:schemeClr val="accent1">
+                  <a:shade val="50000"/>
+                </a:schemeClr>
+              </a:lnRef>
+              <a:fillRef idx="1">
+                <a:schemeClr val="accent1"/>
+              </a:fillRef>
+              <a:effectRef idx="0">
+                <a:schemeClr val="accent1"/>
+              </a:effectRef>
+              <a:fontRef idx="minor">
+                <a:schemeClr val="lt1"/>
+              </a:fontRef>
+            </p:style>
+            <p:txBody>
+              <a:bodyPr rtlCol="0" anchor="ctr"/>
+              <a:lstStyle/>
+              <a:p>
+                <a:pPr algn="ctr"/>
+                <a:endParaRPr lang="en-US"/>
+              </a:p>
+            </p:txBody>
+          </p:sp>
+          <p:sp>
+            <p:nvSpPr>
+              <p:cNvPr id="38" name="橢圓 37"/>
+              <p:cNvSpPr/>
+              <p:nvPr/>
+            </p:nvSpPr>
+            <p:spPr>
+              <a:xfrm>
+                <a:off x="6882142" y="2683445"/>
+                <a:ext cx="126000" cy="124691"/>
+              </a:xfrm>
+              <a:prstGeom prst="ellipse">
+                <a:avLst/>
+              </a:prstGeom>
+              <a:solidFill>
+                <a:schemeClr val="accent1">
+                  <a:lumMod val="60000"/>
+                  <a:lumOff val="40000"/>
+                </a:schemeClr>
+              </a:solidFill>
+              <a:ln>
+                <a:noFill/>
+              </a:ln>
+            </p:spPr>
+            <p:style>
+              <a:lnRef idx="2">
+                <a:schemeClr val="accent1">
+                  <a:shade val="50000"/>
+                </a:schemeClr>
+              </a:lnRef>
+              <a:fillRef idx="1">
+                <a:schemeClr val="accent1"/>
+              </a:fillRef>
+              <a:effectRef idx="0">
+                <a:schemeClr val="accent1"/>
+              </a:effectRef>
+              <a:fontRef idx="minor">
+                <a:schemeClr val="lt1"/>
+              </a:fontRef>
+            </p:style>
+            <p:txBody>
+              <a:bodyPr rtlCol="0" anchor="ctr"/>
+              <a:lstStyle/>
+              <a:p>
+                <a:pPr algn="ctr"/>
+                <a:endParaRPr lang="en-US"/>
+              </a:p>
+            </p:txBody>
+          </p:sp>
+          <p:sp>
+            <p:nvSpPr>
+              <p:cNvPr id="39" name="橢圓 38"/>
+              <p:cNvSpPr/>
+              <p:nvPr/>
+            </p:nvSpPr>
+            <p:spPr>
+              <a:xfrm>
+                <a:off x="6882142" y="3487189"/>
+                <a:ext cx="126000" cy="124691"/>
+              </a:xfrm>
+              <a:prstGeom prst="ellipse">
+                <a:avLst/>
+              </a:prstGeom>
+              <a:solidFill>
+                <a:schemeClr val="accent1">
+                  <a:lumMod val="60000"/>
+                  <a:lumOff val="40000"/>
+                </a:schemeClr>
+              </a:solidFill>
+              <a:ln>
+                <a:noFill/>
+              </a:ln>
+            </p:spPr>
+            <p:style>
+              <a:lnRef idx="2">
+                <a:schemeClr val="accent1">
+                  <a:shade val="50000"/>
+                </a:schemeClr>
+              </a:lnRef>
+              <a:fillRef idx="1">
+                <a:schemeClr val="accent1"/>
+              </a:fillRef>
+              <a:effectRef idx="0">
+                <a:schemeClr val="accent1"/>
+              </a:effectRef>
+              <a:fontRef idx="minor">
+                <a:schemeClr val="lt1"/>
+              </a:fontRef>
+            </p:style>
+            <p:txBody>
+              <a:bodyPr rtlCol="0" anchor="ctr"/>
+              <a:lstStyle/>
+              <a:p>
+                <a:pPr algn="ctr"/>
+                <a:endParaRPr lang="en-US"/>
+              </a:p>
+            </p:txBody>
+          </p:sp>
+          <p:grpSp>
+            <p:nvGrpSpPr>
+              <p:cNvPr id="44" name="群組 43"/>
+              <p:cNvGrpSpPr/>
+              <p:nvPr/>
+            </p:nvGrpSpPr>
+            <p:grpSpPr>
+              <a:xfrm>
+                <a:off x="7805820" y="2155219"/>
+                <a:ext cx="996818" cy="276999"/>
+                <a:chOff x="7805820" y="2155219"/>
+                <a:chExt cx="996818" cy="276999"/>
+              </a:xfrm>
+            </p:grpSpPr>
+            <p:sp>
+              <p:nvSpPr>
+                <p:cNvPr id="34" name="矩形 33"/>
+                <p:cNvSpPr/>
+                <p:nvPr/>
+              </p:nvSpPr>
+              <p:spPr>
+                <a:xfrm>
+                  <a:off x="7805820" y="2267143"/>
+                  <a:ext cx="379367" cy="78110"/>
+                </a:xfrm>
+                <a:prstGeom prst="rect">
+                  <a:avLst/>
+                </a:prstGeom>
+                <a:solidFill>
+                  <a:schemeClr val="tx1">
+                    <a:lumMod val="65000"/>
+                    <a:lumOff val="35000"/>
+                  </a:schemeClr>
+                </a:solidFill>
+                <a:ln>
+                  <a:noFill/>
+                </a:ln>
+              </p:spPr>
+              <p:style>
+                <a:lnRef idx="2">
+                  <a:schemeClr val="accent1">
+                    <a:shade val="50000"/>
+                  </a:schemeClr>
+                </a:lnRef>
+                <a:fillRef idx="1">
+                  <a:schemeClr val="accent1"/>
+                </a:fillRef>
+                <a:effectRef idx="0">
+                  <a:schemeClr val="accent1"/>
+                </a:effectRef>
+                <a:fontRef idx="minor">
+                  <a:schemeClr val="lt1"/>
+                </a:fontRef>
+              </p:style>
+              <p:txBody>
+                <a:bodyPr rtlCol="0" anchor="ctr"/>
+                <a:lstStyle/>
+                <a:p>
+                  <a:pPr algn="ctr"/>
+                  <a:endParaRPr lang="en-US"/>
+                </a:p>
+              </p:txBody>
+            </p:sp>
+            <p:sp>
+              <p:nvSpPr>
+                <p:cNvPr id="43" name="矩形 42"/>
+                <p:cNvSpPr/>
+                <p:nvPr/>
+              </p:nvSpPr>
+              <p:spPr>
+                <a:xfrm>
+                  <a:off x="8156307" y="2155219"/>
+                  <a:ext cx="646331" cy="276999"/>
+                </a:xfrm>
+                <a:prstGeom prst="rect">
+                  <a:avLst/>
+                </a:prstGeom>
+                <a:noFill/>
+              </p:spPr>
+              <p:txBody>
+                <a:bodyPr wrap="none" lIns="91440" tIns="45720" rIns="91440" bIns="45720">
+                  <a:spAutoFit/>
+                </a:bodyPr>
+                <a:lstStyle/>
+                <a:p>
+                  <a:pPr algn="ctr"/>
+                  <a:r>
+                    <a:rPr lang="zh-TW" altLang="en-US" sz="1200" b="0" cap="none" spc="0" dirty="0" smtClean="0">
+                      <a:ln w="0"/>
+                      <a:solidFill>
+                        <a:schemeClr val="tx1"/>
+                      </a:solidFill>
+                      <a:latin typeface="微軟正黑體" panose="020B0604030504040204" pitchFamily="34" charset="-120"/>
+                      <a:ea typeface="微軟正黑體" panose="020B0604030504040204" pitchFamily="34" charset="-120"/>
+                    </a:rPr>
+                    <a:t>：作品</a:t>
+                  </a:r>
+                  <a:endParaRPr lang="zh-TW" altLang="en-US" sz="1200" b="0" cap="none" spc="0" dirty="0">
+                    <a:ln w="0"/>
+                    <a:solidFill>
+                      <a:schemeClr val="tx1"/>
+                    </a:solidFill>
+                    <a:latin typeface="微軟正黑體" panose="020B0604030504040204" pitchFamily="34" charset="-120"/>
+                    <a:ea typeface="微軟正黑體" panose="020B0604030504040204" pitchFamily="34" charset="-120"/>
+                  </a:endParaRPr>
+                </a:p>
+              </p:txBody>
+            </p:sp>
+          </p:grpSp>
+          <p:sp>
+            <p:nvSpPr>
+              <p:cNvPr id="45" name="橢圓 44"/>
+              <p:cNvSpPr/>
+              <p:nvPr/>
+            </p:nvSpPr>
+            <p:spPr>
+              <a:xfrm>
+                <a:off x="7932503" y="2611845"/>
+                <a:ext cx="126000" cy="124691"/>
+              </a:xfrm>
+              <a:prstGeom prst="ellipse">
+                <a:avLst/>
+              </a:prstGeom>
+              <a:solidFill>
+                <a:schemeClr val="accent1">
+                  <a:lumMod val="60000"/>
+                  <a:lumOff val="40000"/>
+                </a:schemeClr>
+              </a:solidFill>
+              <a:ln>
+                <a:noFill/>
+              </a:ln>
+            </p:spPr>
+            <p:style>
+              <a:lnRef idx="2">
+                <a:schemeClr val="accent1">
+                  <a:shade val="50000"/>
+                </a:schemeClr>
+              </a:lnRef>
+              <a:fillRef idx="1">
+                <a:schemeClr val="accent1"/>
+              </a:fillRef>
+              <a:effectRef idx="0">
+                <a:schemeClr val="accent1"/>
+              </a:effectRef>
+              <a:fontRef idx="minor">
+                <a:schemeClr val="lt1"/>
+              </a:fontRef>
+            </p:style>
+            <p:txBody>
+              <a:bodyPr rtlCol="0" anchor="ctr"/>
+              <a:lstStyle/>
+              <a:p>
+                <a:pPr algn="ctr"/>
+                <a:endParaRPr lang="en-US"/>
+              </a:p>
+            </p:txBody>
+          </p:sp>
+          <p:sp>
+            <p:nvSpPr>
+              <p:cNvPr id="46" name="矩形 45"/>
+              <p:cNvSpPr/>
+              <p:nvPr/>
+            </p:nvSpPr>
+            <p:spPr>
+              <a:xfrm>
+                <a:off x="8167199" y="2531137"/>
+                <a:ext cx="872355" cy="276999"/>
               </a:xfrm>
               <a:prstGeom prst="rect">
                 <a:avLst/>
@@ -3981,29 +5504,1788 @@
               <a:noFill/>
             </p:spPr>
             <p:txBody>
-              <a:bodyPr wrap="none" lIns="68580" tIns="34291" rIns="68580" bIns="34291">
+              <a:bodyPr wrap="none" lIns="91440" tIns="45720" rIns="91440" bIns="45720">
                 <a:spAutoFit/>
               </a:bodyPr>
               <a:lstStyle/>
               <a:p>
                 <a:pPr algn="ctr"/>
                 <a:r>
-                  <a:rPr lang="zh-TW" altLang="en-US" sz="1051" dirty="0">
+                  <a:rPr lang="zh-TW" altLang="en-US" sz="1200" b="0" cap="none" spc="0" dirty="0" smtClean="0">
+                    <a:ln w="0"/>
+                    <a:solidFill>
+                      <a:schemeClr val="tx1"/>
+                    </a:solidFill>
+                    <a:latin typeface="微軟正黑體" panose="020B0604030504040204" pitchFamily="34" charset="-120"/>
+                    <a:ea typeface="微軟正黑體" panose="020B0604030504040204" pitchFamily="34" charset="-120"/>
+                  </a:rPr>
+                  <a:t>：</a:t>
+                </a:r>
+                <a:r>
+                  <a:rPr lang="en-US" altLang="zh-TW" sz="1200" b="0" cap="none" spc="0" dirty="0" smtClean="0">
+                    <a:ln w="0"/>
+                    <a:solidFill>
+                      <a:schemeClr val="tx1"/>
+                    </a:solidFill>
+                    <a:latin typeface="微軟正黑體" panose="020B0604030504040204" pitchFamily="34" charset="-120"/>
+                    <a:ea typeface="微軟正黑體" panose="020B0604030504040204" pitchFamily="34" charset="-120"/>
+                  </a:rPr>
+                  <a:t>Beacon</a:t>
+                </a:r>
+                <a:endParaRPr lang="zh-TW" altLang="en-US" sz="1200" b="0" cap="none" spc="0" dirty="0">
+                  <a:ln w="0"/>
+                  <a:solidFill>
+                    <a:schemeClr val="tx1"/>
+                  </a:solidFill>
+                  <a:latin typeface="微軟正黑體" panose="020B0604030504040204" pitchFamily="34" charset="-120"/>
+                  <a:ea typeface="微軟正黑體" panose="020B0604030504040204" pitchFamily="34" charset="-120"/>
+                </a:endParaRPr>
+              </a:p>
+            </p:txBody>
+          </p:sp>
+          <p:grpSp>
+            <p:nvGrpSpPr>
+              <p:cNvPr id="64" name="群組 63"/>
+              <p:cNvGrpSpPr/>
+              <p:nvPr/>
+            </p:nvGrpSpPr>
+            <p:grpSpPr>
+              <a:xfrm>
+                <a:off x="5803641" y="2917769"/>
+                <a:ext cx="349564" cy="904053"/>
+                <a:chOff x="5803641" y="2917769"/>
+                <a:chExt cx="349564" cy="904053"/>
+              </a:xfrm>
+            </p:grpSpPr>
+            <p:sp>
+              <p:nvSpPr>
+                <p:cNvPr id="47" name="橢圓 46"/>
+                <p:cNvSpPr/>
+                <p:nvPr/>
+              </p:nvSpPr>
+              <p:spPr>
+                <a:xfrm>
+                  <a:off x="5803641" y="2917769"/>
+                  <a:ext cx="317241" cy="263970"/>
+                </a:xfrm>
+                <a:prstGeom prst="ellipse">
+                  <a:avLst/>
+                </a:prstGeom>
+                <a:noFill/>
+                <a:ln>
+                  <a:solidFill>
+                    <a:schemeClr val="tx1">
+                      <a:lumMod val="75000"/>
+                      <a:lumOff val="25000"/>
+                    </a:schemeClr>
+                  </a:solidFill>
+                </a:ln>
+              </p:spPr>
+              <p:style>
+                <a:lnRef idx="2">
+                  <a:schemeClr val="accent1">
+                    <a:shade val="50000"/>
+                  </a:schemeClr>
+                </a:lnRef>
+                <a:fillRef idx="1">
+                  <a:schemeClr val="accent1"/>
+                </a:fillRef>
+                <a:effectRef idx="0">
+                  <a:schemeClr val="accent1"/>
+                </a:effectRef>
+                <a:fontRef idx="minor">
+                  <a:schemeClr val="lt1"/>
+                </a:fontRef>
+              </p:style>
+              <p:txBody>
+                <a:bodyPr rtlCol="0" anchor="ctr"/>
+                <a:lstStyle/>
+                <a:p>
+                  <a:pPr algn="ctr"/>
+                  <a:endParaRPr lang="en-US"/>
+                </a:p>
+              </p:txBody>
+            </p:sp>
+            <p:cxnSp>
+              <p:nvCxnSpPr>
+                <p:cNvPr id="49" name="直線接點 48"/>
+                <p:cNvCxnSpPr>
+                  <a:stCxn id="47" idx="4"/>
+                </p:cNvCxnSpPr>
+                <p:nvPr/>
+              </p:nvCxnSpPr>
+              <p:spPr>
+                <a:xfrm>
+                  <a:off x="5962262" y="3181739"/>
+                  <a:ext cx="7054" cy="447825"/>
+                </a:xfrm>
+                <a:prstGeom prst="line">
+                  <a:avLst/>
+                </a:prstGeom>
+              </p:spPr>
+              <p:style>
+                <a:lnRef idx="1">
+                  <a:schemeClr val="dk1"/>
+                </a:lnRef>
+                <a:fillRef idx="0">
+                  <a:schemeClr val="dk1"/>
+                </a:fillRef>
+                <a:effectRef idx="0">
+                  <a:schemeClr val="dk1"/>
+                </a:effectRef>
+                <a:fontRef idx="minor">
+                  <a:schemeClr val="tx1"/>
+                </a:fontRef>
+              </p:style>
+            </p:cxnSp>
+            <p:cxnSp>
+              <p:nvCxnSpPr>
+                <p:cNvPr id="52" name="直線接點 51"/>
+                <p:cNvCxnSpPr/>
+                <p:nvPr/>
+              </p:nvCxnSpPr>
+              <p:spPr>
+                <a:xfrm flipH="1">
+                  <a:off x="5843626" y="3629564"/>
+                  <a:ext cx="125690" cy="192258"/>
+                </a:xfrm>
+                <a:prstGeom prst="line">
+                  <a:avLst/>
+                </a:prstGeom>
+              </p:spPr>
+              <p:style>
+                <a:lnRef idx="1">
+                  <a:schemeClr val="dk1"/>
+                </a:lnRef>
+                <a:fillRef idx="0">
+                  <a:schemeClr val="dk1"/>
+                </a:fillRef>
+                <a:effectRef idx="0">
+                  <a:schemeClr val="dk1"/>
+                </a:effectRef>
+                <a:fontRef idx="minor">
+                  <a:schemeClr val="tx1"/>
+                </a:fontRef>
+              </p:style>
+            </p:cxnSp>
+            <p:cxnSp>
+              <p:nvCxnSpPr>
+                <p:cNvPr id="54" name="直線接點 53"/>
+                <p:cNvCxnSpPr/>
+                <p:nvPr/>
+              </p:nvCxnSpPr>
+              <p:spPr>
+                <a:xfrm>
+                  <a:off x="5980106" y="3629564"/>
+                  <a:ext cx="125424" cy="192258"/>
+                </a:xfrm>
+                <a:prstGeom prst="line">
+                  <a:avLst/>
+                </a:prstGeom>
+              </p:spPr>
+              <p:style>
+                <a:lnRef idx="1">
+                  <a:schemeClr val="dk1"/>
+                </a:lnRef>
+                <a:fillRef idx="0">
+                  <a:schemeClr val="dk1"/>
+                </a:fillRef>
+                <a:effectRef idx="0">
+                  <a:schemeClr val="dk1"/>
+                </a:effectRef>
+                <a:fontRef idx="minor">
+                  <a:schemeClr val="tx1"/>
+                </a:fontRef>
+              </p:style>
+            </p:cxnSp>
+            <p:cxnSp>
+              <p:nvCxnSpPr>
+                <p:cNvPr id="57" name="直線接點 56"/>
+                <p:cNvCxnSpPr/>
+                <p:nvPr/>
+              </p:nvCxnSpPr>
+              <p:spPr>
+                <a:xfrm flipV="1">
+                  <a:off x="5962261" y="3268548"/>
+                  <a:ext cx="158621" cy="137103"/>
+                </a:xfrm>
+                <a:prstGeom prst="line">
+                  <a:avLst/>
+                </a:prstGeom>
+              </p:spPr>
+              <p:style>
+                <a:lnRef idx="1">
+                  <a:schemeClr val="dk1"/>
+                </a:lnRef>
+                <a:fillRef idx="0">
+                  <a:schemeClr val="dk1"/>
+                </a:fillRef>
+                <a:effectRef idx="0">
+                  <a:schemeClr val="dk1"/>
+                </a:effectRef>
+                <a:fontRef idx="minor">
+                  <a:schemeClr val="tx1"/>
+                </a:fontRef>
+              </p:style>
+            </p:cxnSp>
+            <p:sp>
+              <p:nvSpPr>
+                <p:cNvPr id="61" name="手繪多邊形 60"/>
+                <p:cNvSpPr/>
+                <p:nvPr/>
+              </p:nvSpPr>
+              <p:spPr>
+                <a:xfrm>
+                  <a:off x="5891948" y="3312158"/>
+                  <a:ext cx="261257" cy="200729"/>
+                </a:xfrm>
+                <a:custGeom>
+                  <a:avLst/>
+                  <a:gdLst>
+                    <a:gd name="connsiteX0" fmla="*/ 0 w 261257"/>
+                    <a:gd name="connsiteY0" fmla="*/ 121298 h 200729"/>
+                    <a:gd name="connsiteX1" fmla="*/ 139959 w 261257"/>
+                    <a:gd name="connsiteY1" fmla="*/ 195943 h 200729"/>
+                    <a:gd name="connsiteX2" fmla="*/ 261257 w 261257"/>
+                    <a:gd name="connsiteY2" fmla="*/ 0 h 200729"/>
+                  </a:gdLst>
+                  <a:ahLst/>
+                  <a:cxnLst>
+                    <a:cxn ang="0">
+                      <a:pos x="connsiteX0" y="connsiteY0"/>
+                    </a:cxn>
+                    <a:cxn ang="0">
+                      <a:pos x="connsiteX1" y="connsiteY1"/>
+                    </a:cxn>
+                    <a:cxn ang="0">
+                      <a:pos x="connsiteX2" y="connsiteY2"/>
+                    </a:cxn>
+                  </a:cxnLst>
+                  <a:rect l="l" t="t" r="r" b="b"/>
+                  <a:pathLst>
+                    <a:path w="261257" h="200729">
+                      <a:moveTo>
+                        <a:pt x="0" y="121298"/>
+                      </a:moveTo>
+                      <a:cubicBezTo>
+                        <a:pt x="48208" y="168728"/>
+                        <a:pt x="96416" y="216159"/>
+                        <a:pt x="139959" y="195943"/>
+                      </a:cubicBezTo>
+                      <a:cubicBezTo>
+                        <a:pt x="183502" y="175727"/>
+                        <a:pt x="222379" y="87863"/>
+                        <a:pt x="261257" y="0"/>
+                      </a:cubicBezTo>
+                    </a:path>
+                  </a:pathLst>
+                </a:custGeom>
+              </p:spPr>
+              <p:style>
+                <a:lnRef idx="1">
+                  <a:schemeClr val="dk1"/>
+                </a:lnRef>
+                <a:fillRef idx="0">
+                  <a:schemeClr val="dk1"/>
+                </a:fillRef>
+                <a:effectRef idx="0">
+                  <a:schemeClr val="dk1"/>
+                </a:effectRef>
+                <a:fontRef idx="minor">
+                  <a:schemeClr val="tx1"/>
+                </a:fontRef>
+              </p:style>
+              <p:txBody>
+                <a:bodyPr rtlCol="0" anchor="ctr"/>
+                <a:lstStyle/>
+                <a:p>
+                  <a:pPr algn="ctr"/>
+                  <a:endParaRPr lang="en-US"/>
+                </a:p>
+              </p:txBody>
+            </p:sp>
+          </p:grpSp>
+          <p:grpSp>
+            <p:nvGrpSpPr>
+              <p:cNvPr id="65" name="群組 64"/>
+              <p:cNvGrpSpPr/>
+              <p:nvPr/>
+            </p:nvGrpSpPr>
+            <p:grpSpPr>
+              <a:xfrm>
+                <a:off x="6151279" y="2964697"/>
+                <a:ext cx="284917" cy="454443"/>
+                <a:chOff x="6151279" y="2964697"/>
+                <a:chExt cx="284917" cy="454443"/>
+              </a:xfrm>
+            </p:grpSpPr>
+            <p:sp>
+              <p:nvSpPr>
+                <p:cNvPr id="62" name="矩形 61"/>
+                <p:cNvSpPr/>
+                <p:nvPr/>
+              </p:nvSpPr>
+              <p:spPr>
+                <a:xfrm>
+                  <a:off x="6151279" y="2964697"/>
+                  <a:ext cx="284917" cy="447825"/>
+                </a:xfrm>
+                <a:prstGeom prst="rect">
+                  <a:avLst/>
+                </a:prstGeom>
+                <a:noFill/>
+                <a:ln>
+                  <a:solidFill>
+                    <a:schemeClr val="bg2">
+                      <a:lumMod val="25000"/>
+                    </a:schemeClr>
+                  </a:solidFill>
+                </a:ln>
+              </p:spPr>
+              <p:style>
+                <a:lnRef idx="2">
+                  <a:schemeClr val="accent1">
+                    <a:shade val="50000"/>
+                  </a:schemeClr>
+                </a:lnRef>
+                <a:fillRef idx="1">
+                  <a:schemeClr val="accent1"/>
+                </a:fillRef>
+                <a:effectRef idx="0">
+                  <a:schemeClr val="accent1"/>
+                </a:effectRef>
+                <a:fontRef idx="minor">
+                  <a:schemeClr val="lt1"/>
+                </a:fontRef>
+              </p:style>
+              <p:txBody>
+                <a:bodyPr rtlCol="0" anchor="ctr"/>
+                <a:lstStyle/>
+                <a:p>
+                  <a:pPr algn="ctr"/>
+                  <a:endParaRPr lang="en-US"/>
+                </a:p>
+              </p:txBody>
+            </p:sp>
+            <p:sp>
+              <p:nvSpPr>
+                <p:cNvPr id="63" name="橢圓 62"/>
+                <p:cNvSpPr/>
+                <p:nvPr/>
+              </p:nvSpPr>
+              <p:spPr>
+                <a:xfrm>
+                  <a:off x="6231700" y="3294449"/>
+                  <a:ext cx="126000" cy="124691"/>
+                </a:xfrm>
+                <a:prstGeom prst="ellipse">
+                  <a:avLst/>
+                </a:prstGeom>
+                <a:noFill/>
+                <a:ln>
+                  <a:solidFill>
+                    <a:schemeClr val="bg2">
+                      <a:lumMod val="25000"/>
+                    </a:schemeClr>
+                  </a:solidFill>
+                </a:ln>
+              </p:spPr>
+              <p:style>
+                <a:lnRef idx="2">
+                  <a:schemeClr val="accent1">
+                    <a:shade val="50000"/>
+                  </a:schemeClr>
+                </a:lnRef>
+                <a:fillRef idx="1">
+                  <a:schemeClr val="accent1"/>
+                </a:fillRef>
+                <a:effectRef idx="0">
+                  <a:schemeClr val="accent1"/>
+                </a:effectRef>
+                <a:fontRef idx="minor">
+                  <a:schemeClr val="lt1"/>
+                </a:fontRef>
+              </p:style>
+              <p:txBody>
+                <a:bodyPr rtlCol="0" anchor="ctr"/>
+                <a:lstStyle/>
+                <a:p>
+                  <a:pPr algn="ctr"/>
+                  <a:endParaRPr lang="en-US"/>
+                </a:p>
+              </p:txBody>
+            </p:sp>
+          </p:grpSp>
+          <p:grpSp>
+            <p:nvGrpSpPr>
+              <p:cNvPr id="66" name="群組 65"/>
+              <p:cNvGrpSpPr/>
+              <p:nvPr/>
+            </p:nvGrpSpPr>
+            <p:grpSpPr>
+              <a:xfrm>
+                <a:off x="7903484" y="2949979"/>
+                <a:ext cx="190090" cy="455672"/>
+                <a:chOff x="5803641" y="2917769"/>
+                <a:chExt cx="349564" cy="904053"/>
+              </a:xfrm>
+            </p:grpSpPr>
+            <p:sp>
+              <p:nvSpPr>
+                <p:cNvPr id="67" name="橢圓 66"/>
+                <p:cNvSpPr/>
+                <p:nvPr/>
+              </p:nvSpPr>
+              <p:spPr>
+                <a:xfrm>
+                  <a:off x="5803641" y="2917769"/>
+                  <a:ext cx="317241" cy="263970"/>
+                </a:xfrm>
+                <a:prstGeom prst="ellipse">
+                  <a:avLst/>
+                </a:prstGeom>
+                <a:noFill/>
+                <a:ln>
+                  <a:solidFill>
+                    <a:schemeClr val="tx1">
+                      <a:lumMod val="75000"/>
+                      <a:lumOff val="25000"/>
+                    </a:schemeClr>
+                  </a:solidFill>
+                </a:ln>
+              </p:spPr>
+              <p:style>
+                <a:lnRef idx="2">
+                  <a:schemeClr val="accent1">
+                    <a:shade val="50000"/>
+                  </a:schemeClr>
+                </a:lnRef>
+                <a:fillRef idx="1">
+                  <a:schemeClr val="accent1"/>
+                </a:fillRef>
+                <a:effectRef idx="0">
+                  <a:schemeClr val="accent1"/>
+                </a:effectRef>
+                <a:fontRef idx="minor">
+                  <a:schemeClr val="lt1"/>
+                </a:fontRef>
+              </p:style>
+              <p:txBody>
+                <a:bodyPr rtlCol="0" anchor="ctr"/>
+                <a:lstStyle/>
+                <a:p>
+                  <a:pPr algn="ctr"/>
+                  <a:endParaRPr lang="en-US"/>
+                </a:p>
+              </p:txBody>
+            </p:sp>
+            <p:cxnSp>
+              <p:nvCxnSpPr>
+                <p:cNvPr id="68" name="直線接點 67"/>
+                <p:cNvCxnSpPr>
+                  <a:stCxn id="67" idx="4"/>
+                </p:cNvCxnSpPr>
+                <p:nvPr/>
+              </p:nvCxnSpPr>
+              <p:spPr>
+                <a:xfrm>
+                  <a:off x="5962262" y="3181739"/>
+                  <a:ext cx="7054" cy="447825"/>
+                </a:xfrm>
+                <a:prstGeom prst="line">
+                  <a:avLst/>
+                </a:prstGeom>
+              </p:spPr>
+              <p:style>
+                <a:lnRef idx="1">
+                  <a:schemeClr val="dk1"/>
+                </a:lnRef>
+                <a:fillRef idx="0">
+                  <a:schemeClr val="dk1"/>
+                </a:fillRef>
+                <a:effectRef idx="0">
+                  <a:schemeClr val="dk1"/>
+                </a:effectRef>
+                <a:fontRef idx="minor">
+                  <a:schemeClr val="tx1"/>
+                </a:fontRef>
+              </p:style>
+            </p:cxnSp>
+            <p:cxnSp>
+              <p:nvCxnSpPr>
+                <p:cNvPr id="69" name="直線接點 68"/>
+                <p:cNvCxnSpPr/>
+                <p:nvPr/>
+              </p:nvCxnSpPr>
+              <p:spPr>
+                <a:xfrm flipH="1">
+                  <a:off x="5843626" y="3629564"/>
+                  <a:ext cx="125690" cy="192258"/>
+                </a:xfrm>
+                <a:prstGeom prst="line">
+                  <a:avLst/>
+                </a:prstGeom>
+              </p:spPr>
+              <p:style>
+                <a:lnRef idx="1">
+                  <a:schemeClr val="dk1"/>
+                </a:lnRef>
+                <a:fillRef idx="0">
+                  <a:schemeClr val="dk1"/>
+                </a:fillRef>
+                <a:effectRef idx="0">
+                  <a:schemeClr val="dk1"/>
+                </a:effectRef>
+                <a:fontRef idx="minor">
+                  <a:schemeClr val="tx1"/>
+                </a:fontRef>
+              </p:style>
+            </p:cxnSp>
+            <p:cxnSp>
+              <p:nvCxnSpPr>
+                <p:cNvPr id="70" name="直線接點 69"/>
+                <p:cNvCxnSpPr/>
+                <p:nvPr/>
+              </p:nvCxnSpPr>
+              <p:spPr>
+                <a:xfrm>
+                  <a:off x="5980106" y="3629564"/>
+                  <a:ext cx="125424" cy="192258"/>
+                </a:xfrm>
+                <a:prstGeom prst="line">
+                  <a:avLst/>
+                </a:prstGeom>
+              </p:spPr>
+              <p:style>
+                <a:lnRef idx="1">
+                  <a:schemeClr val="dk1"/>
+                </a:lnRef>
+                <a:fillRef idx="0">
+                  <a:schemeClr val="dk1"/>
+                </a:fillRef>
+                <a:effectRef idx="0">
+                  <a:schemeClr val="dk1"/>
+                </a:effectRef>
+                <a:fontRef idx="minor">
+                  <a:schemeClr val="tx1"/>
+                </a:fontRef>
+              </p:style>
+            </p:cxnSp>
+            <p:cxnSp>
+              <p:nvCxnSpPr>
+                <p:cNvPr id="71" name="直線接點 70"/>
+                <p:cNvCxnSpPr/>
+                <p:nvPr/>
+              </p:nvCxnSpPr>
+              <p:spPr>
+                <a:xfrm flipV="1">
+                  <a:off x="5962261" y="3268548"/>
+                  <a:ext cx="158621" cy="137103"/>
+                </a:xfrm>
+                <a:prstGeom prst="line">
+                  <a:avLst/>
+                </a:prstGeom>
+              </p:spPr>
+              <p:style>
+                <a:lnRef idx="1">
+                  <a:schemeClr val="dk1"/>
+                </a:lnRef>
+                <a:fillRef idx="0">
+                  <a:schemeClr val="dk1"/>
+                </a:fillRef>
+                <a:effectRef idx="0">
+                  <a:schemeClr val="dk1"/>
+                </a:effectRef>
+                <a:fontRef idx="minor">
+                  <a:schemeClr val="tx1"/>
+                </a:fontRef>
+              </p:style>
+            </p:cxnSp>
+            <p:sp>
+              <p:nvSpPr>
+                <p:cNvPr id="72" name="手繪多邊形 71"/>
+                <p:cNvSpPr/>
+                <p:nvPr/>
+              </p:nvSpPr>
+              <p:spPr>
+                <a:xfrm>
+                  <a:off x="5891948" y="3312158"/>
+                  <a:ext cx="261257" cy="200729"/>
+                </a:xfrm>
+                <a:custGeom>
+                  <a:avLst/>
+                  <a:gdLst>
+                    <a:gd name="connsiteX0" fmla="*/ 0 w 261257"/>
+                    <a:gd name="connsiteY0" fmla="*/ 121298 h 200729"/>
+                    <a:gd name="connsiteX1" fmla="*/ 139959 w 261257"/>
+                    <a:gd name="connsiteY1" fmla="*/ 195943 h 200729"/>
+                    <a:gd name="connsiteX2" fmla="*/ 261257 w 261257"/>
+                    <a:gd name="connsiteY2" fmla="*/ 0 h 200729"/>
+                  </a:gdLst>
+                  <a:ahLst/>
+                  <a:cxnLst>
+                    <a:cxn ang="0">
+                      <a:pos x="connsiteX0" y="connsiteY0"/>
+                    </a:cxn>
+                    <a:cxn ang="0">
+                      <a:pos x="connsiteX1" y="connsiteY1"/>
+                    </a:cxn>
+                    <a:cxn ang="0">
+                      <a:pos x="connsiteX2" y="connsiteY2"/>
+                    </a:cxn>
+                  </a:cxnLst>
+                  <a:rect l="l" t="t" r="r" b="b"/>
+                  <a:pathLst>
+                    <a:path w="261257" h="200729">
+                      <a:moveTo>
+                        <a:pt x="0" y="121298"/>
+                      </a:moveTo>
+                      <a:cubicBezTo>
+                        <a:pt x="48208" y="168728"/>
+                        <a:pt x="96416" y="216159"/>
+                        <a:pt x="139959" y="195943"/>
+                      </a:cubicBezTo>
+                      <a:cubicBezTo>
+                        <a:pt x="183502" y="175727"/>
+                        <a:pt x="222379" y="87863"/>
+                        <a:pt x="261257" y="0"/>
+                      </a:cubicBezTo>
+                    </a:path>
+                  </a:pathLst>
+                </a:custGeom>
+              </p:spPr>
+              <p:style>
+                <a:lnRef idx="1">
+                  <a:schemeClr val="dk1"/>
+                </a:lnRef>
+                <a:fillRef idx="0">
+                  <a:schemeClr val="dk1"/>
+                </a:fillRef>
+                <a:effectRef idx="0">
+                  <a:schemeClr val="dk1"/>
+                </a:effectRef>
+                <a:fontRef idx="minor">
+                  <a:schemeClr val="tx1"/>
+                </a:fontRef>
+              </p:style>
+              <p:txBody>
+                <a:bodyPr rtlCol="0" anchor="ctr"/>
+                <a:lstStyle/>
+                <a:p>
+                  <a:pPr algn="ctr"/>
+                  <a:endParaRPr lang="en-US"/>
+                </a:p>
+              </p:txBody>
+            </p:sp>
+          </p:grpSp>
+          <p:sp>
+            <p:nvSpPr>
+              <p:cNvPr id="73" name="矩形 72"/>
+              <p:cNvSpPr/>
+              <p:nvPr/>
+            </p:nvSpPr>
+            <p:spPr>
+              <a:xfrm>
+                <a:off x="8180363" y="3066170"/>
+                <a:ext cx="646331" cy="276999"/>
+              </a:xfrm>
+              <a:prstGeom prst="rect">
+                <a:avLst/>
+              </a:prstGeom>
+              <a:noFill/>
+            </p:spPr>
+            <p:txBody>
+              <a:bodyPr wrap="none" lIns="91440" tIns="45720" rIns="91440" bIns="45720">
+                <a:spAutoFit/>
+              </a:bodyPr>
+              <a:lstStyle/>
+              <a:p>
+                <a:pPr algn="ctr"/>
+                <a:r>
+                  <a:rPr lang="zh-TW" altLang="en-US" sz="1200" b="0" cap="none" spc="0" dirty="0" smtClean="0">
+                    <a:ln w="0"/>
+                    <a:solidFill>
+                      <a:schemeClr val="tx1"/>
+                    </a:solidFill>
+                    <a:latin typeface="微軟正黑體" panose="020B0604030504040204" pitchFamily="34" charset="-120"/>
+                    <a:ea typeface="微軟正黑體" panose="020B0604030504040204" pitchFamily="34" charset="-120"/>
+                  </a:rPr>
+                  <a:t>：訪客</a:t>
+                </a:r>
+                <a:endParaRPr lang="zh-TW" altLang="en-US" sz="1200" b="0" cap="none" spc="0" dirty="0">
+                  <a:ln w="0"/>
+                  <a:solidFill>
+                    <a:schemeClr val="tx1"/>
+                  </a:solidFill>
+                  <a:latin typeface="微軟正黑體" panose="020B0604030504040204" pitchFamily="34" charset="-120"/>
+                  <a:ea typeface="微軟正黑體" panose="020B0604030504040204" pitchFamily="34" charset="-120"/>
+                </a:endParaRPr>
+              </a:p>
+            </p:txBody>
+          </p:sp>
+          <p:grpSp>
+            <p:nvGrpSpPr>
+              <p:cNvPr id="74" name="群組 73"/>
+              <p:cNvGrpSpPr/>
+              <p:nvPr/>
+            </p:nvGrpSpPr>
+            <p:grpSpPr>
+              <a:xfrm>
+                <a:off x="7889904" y="3611883"/>
+                <a:ext cx="214994" cy="321787"/>
+                <a:chOff x="6151279" y="2964697"/>
+                <a:chExt cx="284917" cy="447825"/>
+              </a:xfrm>
+            </p:grpSpPr>
+            <p:sp>
+              <p:nvSpPr>
+                <p:cNvPr id="75" name="矩形 74"/>
+                <p:cNvSpPr/>
+                <p:nvPr/>
+              </p:nvSpPr>
+              <p:spPr>
+                <a:xfrm>
+                  <a:off x="6151279" y="2964697"/>
+                  <a:ext cx="284917" cy="447825"/>
+                </a:xfrm>
+                <a:prstGeom prst="rect">
+                  <a:avLst/>
+                </a:prstGeom>
+                <a:noFill/>
+                <a:ln>
+                  <a:solidFill>
+                    <a:schemeClr val="bg2">
+                      <a:lumMod val="25000"/>
+                    </a:schemeClr>
+                  </a:solidFill>
+                </a:ln>
+              </p:spPr>
+              <p:style>
+                <a:lnRef idx="2">
+                  <a:schemeClr val="accent1">
+                    <a:shade val="50000"/>
+                  </a:schemeClr>
+                </a:lnRef>
+                <a:fillRef idx="1">
+                  <a:schemeClr val="accent1"/>
+                </a:fillRef>
+                <a:effectRef idx="0">
+                  <a:schemeClr val="accent1"/>
+                </a:effectRef>
+                <a:fontRef idx="minor">
+                  <a:schemeClr val="lt1"/>
+                </a:fontRef>
+              </p:style>
+              <p:txBody>
+                <a:bodyPr rtlCol="0" anchor="ctr"/>
+                <a:lstStyle/>
+                <a:p>
+                  <a:pPr algn="ctr"/>
+                  <a:endParaRPr lang="en-US"/>
+                </a:p>
+              </p:txBody>
+            </p:sp>
+            <p:sp>
+              <p:nvSpPr>
+                <p:cNvPr id="76" name="橢圓 75"/>
+                <p:cNvSpPr/>
+                <p:nvPr/>
+              </p:nvSpPr>
+              <p:spPr>
+                <a:xfrm>
+                  <a:off x="6231699" y="3268479"/>
+                  <a:ext cx="126000" cy="124690"/>
+                </a:xfrm>
+                <a:prstGeom prst="ellipse">
+                  <a:avLst/>
+                </a:prstGeom>
+                <a:noFill/>
+                <a:ln>
+                  <a:solidFill>
+                    <a:schemeClr val="bg2">
+                      <a:lumMod val="25000"/>
+                    </a:schemeClr>
+                  </a:solidFill>
+                </a:ln>
+              </p:spPr>
+              <p:style>
+                <a:lnRef idx="2">
+                  <a:schemeClr val="accent1">
+                    <a:shade val="50000"/>
+                  </a:schemeClr>
+                </a:lnRef>
+                <a:fillRef idx="1">
+                  <a:schemeClr val="accent1"/>
+                </a:fillRef>
+                <a:effectRef idx="0">
+                  <a:schemeClr val="accent1"/>
+                </a:effectRef>
+                <a:fontRef idx="minor">
+                  <a:schemeClr val="lt1"/>
+                </a:fontRef>
+              </p:style>
+              <p:txBody>
+                <a:bodyPr rtlCol="0" anchor="ctr"/>
+                <a:lstStyle/>
+                <a:p>
+                  <a:pPr algn="ctr"/>
+                  <a:endParaRPr lang="en-US"/>
+                </a:p>
+              </p:txBody>
+            </p:sp>
+          </p:grpSp>
+          <p:sp>
+            <p:nvSpPr>
+              <p:cNvPr id="77" name="矩形 76"/>
+              <p:cNvSpPr/>
+              <p:nvPr/>
+            </p:nvSpPr>
+            <p:spPr>
+              <a:xfrm>
+                <a:off x="8031299" y="3656668"/>
+                <a:ext cx="954107" cy="276999"/>
+              </a:xfrm>
+              <a:prstGeom prst="rect">
+                <a:avLst/>
+              </a:prstGeom>
+              <a:noFill/>
+            </p:spPr>
+            <p:txBody>
+              <a:bodyPr wrap="none" lIns="91440" tIns="45720" rIns="91440" bIns="45720">
+                <a:spAutoFit/>
+              </a:bodyPr>
+              <a:lstStyle/>
+              <a:p>
+                <a:pPr algn="ctr"/>
+                <a:r>
+                  <a:rPr lang="zh-TW" altLang="en-US" sz="1200" b="0" cap="none" spc="0" dirty="0" smtClean="0">
+                    <a:ln w="0"/>
+                    <a:solidFill>
+                      <a:schemeClr val="tx1"/>
+                    </a:solidFill>
+                    <a:latin typeface="微軟正黑體" panose="020B0604030504040204" pitchFamily="34" charset="-120"/>
+                    <a:ea typeface="微軟正黑體" panose="020B0604030504040204" pitchFamily="34" charset="-120"/>
+                  </a:rPr>
+                  <a:t>：行動裝置</a:t>
+                </a:r>
+                <a:endParaRPr lang="zh-TW" altLang="en-US" sz="1200" b="0" cap="none" spc="0" dirty="0">
+                  <a:ln w="0"/>
+                  <a:solidFill>
+                    <a:schemeClr val="tx1"/>
+                  </a:solidFill>
+                  <a:latin typeface="微軟正黑體" panose="020B0604030504040204" pitchFamily="34" charset="-120"/>
+                  <a:ea typeface="微軟正黑體" panose="020B0604030504040204" pitchFamily="34" charset="-120"/>
+                </a:endParaRPr>
+              </a:p>
+            </p:txBody>
+          </p:sp>
+        </p:grpSp>
+        <p:grpSp>
+          <p:nvGrpSpPr>
+            <p:cNvPr id="81" name="群組 80"/>
+            <p:cNvGrpSpPr/>
+            <p:nvPr/>
+          </p:nvGrpSpPr>
+          <p:grpSpPr>
+            <a:xfrm>
+              <a:off x="6961929" y="2200318"/>
+              <a:ext cx="2621611" cy="2007611"/>
+              <a:chOff x="6961929" y="2200318"/>
+              <a:chExt cx="2621611" cy="2007611"/>
+            </a:xfrm>
+          </p:grpSpPr>
+          <p:sp>
+            <p:nvSpPr>
+              <p:cNvPr id="78" name="矩形 77"/>
+              <p:cNvSpPr/>
+              <p:nvPr/>
+            </p:nvSpPr>
+            <p:spPr>
+              <a:xfrm>
+                <a:off x="6999178" y="2371882"/>
+                <a:ext cx="2584362" cy="1569660"/>
+              </a:xfrm>
+              <a:prstGeom prst="rect">
+                <a:avLst/>
+              </a:prstGeom>
+              <a:noFill/>
+            </p:spPr>
+            <p:txBody>
+              <a:bodyPr wrap="none" lIns="91440" tIns="45720" rIns="91440" bIns="45720">
+                <a:spAutoFit/>
+              </a:bodyPr>
+              <a:lstStyle/>
+              <a:p>
+                <a:pPr marL="171450" indent="-171450">
+                  <a:lnSpc>
+                    <a:spcPct val="200000"/>
+                  </a:lnSpc>
+                  <a:buFont typeface="Arial" panose="020B0604020202020204" pitchFamily="34" charset="0"/>
+                  <a:buChar char="•"/>
+                </a:pPr>
+                <a:r>
+                  <a:rPr lang="zh-TW" altLang="en-US" sz="1200" b="0" cap="none" spc="0" dirty="0" smtClean="0">
+                    <a:ln w="0"/>
+                    <a:solidFill>
+                      <a:schemeClr val="tx1"/>
+                    </a:solidFill>
+                    <a:latin typeface="微軟正黑體" panose="020B0604030504040204" pitchFamily="34" charset="-120"/>
+                    <a:ea typeface="微軟正黑體" panose="020B0604030504040204" pitchFamily="34" charset="-120"/>
+                  </a:rPr>
+                  <a:t>在展間佈置</a:t>
+                </a:r>
+                <a:r>
+                  <a:rPr lang="en-US" altLang="zh-TW" sz="1200" b="0" cap="none" spc="0" dirty="0" smtClean="0">
+                    <a:ln w="0"/>
+                    <a:solidFill>
+                      <a:schemeClr val="tx1"/>
+                    </a:solidFill>
+                    <a:latin typeface="微軟正黑體" panose="020B0604030504040204" pitchFamily="34" charset="-120"/>
+                    <a:ea typeface="微軟正黑體" panose="020B0604030504040204" pitchFamily="34" charset="-120"/>
+                  </a:rPr>
+                  <a:t>Beacon</a:t>
+                </a:r>
+                <a:r>
+                  <a:rPr lang="zh-TW" altLang="en-US" sz="1200" b="0" cap="none" spc="0" dirty="0" smtClean="0">
+                    <a:ln w="0"/>
+                    <a:solidFill>
+                      <a:schemeClr val="tx1"/>
+                    </a:solidFill>
+                    <a:latin typeface="微軟正黑體" panose="020B0604030504040204" pitchFamily="34" charset="-120"/>
+                    <a:ea typeface="微軟正黑體" panose="020B0604030504040204" pitchFamily="34" charset="-120"/>
+                  </a:rPr>
+                  <a:t>能夠即時傳送</a:t>
+                </a:r>
+                <a:endParaRPr lang="en-US" altLang="zh-TW" sz="1200" b="0" cap="none" spc="0" dirty="0" smtClean="0">
+                  <a:ln w="0"/>
+                  <a:solidFill>
+                    <a:schemeClr val="tx1"/>
+                  </a:solidFill>
+                  <a:latin typeface="微軟正黑體" panose="020B0604030504040204" pitchFamily="34" charset="-120"/>
+                  <a:ea typeface="微軟正黑體" panose="020B0604030504040204" pitchFamily="34" charset="-120"/>
+                </a:endParaRPr>
+              </a:p>
+              <a:p>
+                <a:pPr>
+                  <a:lnSpc>
+                    <a:spcPct val="200000"/>
+                  </a:lnSpc>
+                </a:pPr>
+                <a:r>
+                  <a:rPr lang="zh-TW" altLang="en-US" sz="1200" b="0" cap="none" spc="0" dirty="0" smtClean="0">
+                    <a:ln w="0"/>
+                    <a:solidFill>
+                      <a:schemeClr val="tx1"/>
+                    </a:solidFill>
+                    <a:latin typeface="微軟正黑體" panose="020B0604030504040204" pitchFamily="34" charset="-120"/>
+                    <a:ea typeface="微軟正黑體" panose="020B0604030504040204" pitchFamily="34" charset="-120"/>
+                  </a:rPr>
+                  <a:t>     展品資訊或訪客位置。</a:t>
+                </a:r>
+                <a:endParaRPr lang="en-US" altLang="zh-TW" sz="1200" b="0" cap="none" spc="0" dirty="0" smtClean="0">
+                  <a:ln w="0"/>
+                  <a:solidFill>
+                    <a:schemeClr val="tx1"/>
+                  </a:solidFill>
+                  <a:latin typeface="微軟正黑體" panose="020B0604030504040204" pitchFamily="34" charset="-120"/>
+                  <a:ea typeface="微軟正黑體" panose="020B0604030504040204" pitchFamily="34" charset="-120"/>
+                </a:endParaRPr>
+              </a:p>
+              <a:p>
+                <a:pPr marL="171450" indent="-171450">
+                  <a:lnSpc>
+                    <a:spcPct val="200000"/>
+                  </a:lnSpc>
+                  <a:buFont typeface="Arial" panose="020B0604020202020204" pitchFamily="34" charset="0"/>
+                  <a:buChar char="•"/>
+                </a:pPr>
+                <a:r>
+                  <a:rPr lang="zh-TW" altLang="en-US" sz="1200" b="0" cap="none" spc="0" dirty="0" smtClean="0">
+                    <a:ln w="0"/>
+                    <a:solidFill>
+                      <a:schemeClr val="tx1"/>
+                    </a:solidFill>
+                    <a:latin typeface="微軟正黑體" panose="020B0604030504040204" pitchFamily="34" charset="-120"/>
+                    <a:ea typeface="微軟正黑體" panose="020B0604030504040204" pitchFamily="34" charset="-120"/>
+                  </a:rPr>
+                  <a:t>透過行動裝置</a:t>
+                </a:r>
+                <a:r>
+                  <a:rPr lang="zh-TW" altLang="en-US" sz="1200" dirty="0" smtClean="0">
                     <a:ln w="0"/>
                     <a:latin typeface="微軟正黑體" panose="020B0604030504040204" pitchFamily="34" charset="-120"/>
                     <a:ea typeface="微軟正黑體" panose="020B0604030504040204" pitchFamily="34" charset="-120"/>
                   </a:rPr>
-                  <a:t>資料庫</a:t>
+                  <a:t>上的應用程式</a:t>
                 </a:r>
+                <a:r>
+                  <a:rPr lang="en-US" altLang="zh-TW" sz="1200" dirty="0" smtClean="0">
+                    <a:ln w="0"/>
+                    <a:latin typeface="微軟正黑體" panose="020B0604030504040204" pitchFamily="34" charset="-120"/>
+                    <a:ea typeface="微軟正黑體" panose="020B0604030504040204" pitchFamily="34" charset="-120"/>
+                  </a:rPr>
+                  <a:t>LINE</a:t>
+                </a:r>
+              </a:p>
+              <a:p>
+                <a:pPr>
+                  <a:lnSpc>
+                    <a:spcPct val="200000"/>
+                  </a:lnSpc>
+                </a:pPr>
+                <a:r>
+                  <a:rPr lang="zh-TW" altLang="en-US" sz="1200" dirty="0" smtClean="0">
+                    <a:ln w="0"/>
+                    <a:latin typeface="微軟正黑體" panose="020B0604030504040204" pitchFamily="34" charset="-120"/>
+                    <a:ea typeface="微軟正黑體" panose="020B0604030504040204" pitchFamily="34" charset="-120"/>
+                  </a:rPr>
+                  <a:t>     能夠接收並傳送</a:t>
+                </a:r>
+                <a:r>
+                  <a:rPr lang="zh-TW" altLang="en-US" sz="1200" b="0" cap="none" spc="0" dirty="0" smtClean="0">
+                    <a:ln w="0"/>
+                    <a:solidFill>
+                      <a:schemeClr val="tx1"/>
+                    </a:solidFill>
+                    <a:latin typeface="微軟正黑體" panose="020B0604030504040204" pitchFamily="34" charset="-120"/>
+                    <a:ea typeface="微軟正黑體" panose="020B0604030504040204" pitchFamily="34" charset="-120"/>
+                  </a:rPr>
+                  <a:t>各種資訊。</a:t>
+                </a:r>
+                <a:endParaRPr lang="zh-TW" altLang="en-US" sz="1200" b="0" cap="none" spc="0" dirty="0">
+                  <a:ln w="0"/>
+                  <a:solidFill>
+                    <a:schemeClr val="tx1"/>
+                  </a:solidFill>
+                  <a:latin typeface="微軟正黑體" panose="020B0604030504040204" pitchFamily="34" charset="-120"/>
+                  <a:ea typeface="微軟正黑體" panose="020B0604030504040204" pitchFamily="34" charset="-120"/>
+                </a:endParaRPr>
               </a:p>
             </p:txBody>
           </p:sp>
+          <p:sp>
+            <p:nvSpPr>
+              <p:cNvPr id="79" name="矩形 78"/>
+              <p:cNvSpPr/>
+              <p:nvPr/>
+            </p:nvSpPr>
+            <p:spPr>
+              <a:xfrm>
+                <a:off x="6961929" y="2200318"/>
+                <a:ext cx="2592618" cy="2007611"/>
+              </a:xfrm>
+              <a:prstGeom prst="rect">
+                <a:avLst/>
+              </a:prstGeom>
+              <a:noFill/>
+              <a:ln>
+                <a:solidFill>
+                  <a:schemeClr val="bg2">
+                    <a:lumMod val="50000"/>
+                  </a:schemeClr>
+                </a:solidFill>
+              </a:ln>
+            </p:spPr>
+            <p:style>
+              <a:lnRef idx="2">
+                <a:schemeClr val="accent1">
+                  <a:shade val="50000"/>
+                </a:schemeClr>
+              </a:lnRef>
+              <a:fillRef idx="1">
+                <a:schemeClr val="accent1"/>
+              </a:fillRef>
+              <a:effectRef idx="0">
+                <a:schemeClr val="accent1"/>
+              </a:effectRef>
+              <a:fontRef idx="minor">
+                <a:schemeClr val="lt1"/>
+              </a:fontRef>
+            </p:style>
+            <p:txBody>
+              <a:bodyPr rtlCol="0" anchor="ctr"/>
+              <a:lstStyle/>
+              <a:p>
+                <a:pPr algn="ctr"/>
+                <a:endParaRPr lang="en-US"/>
+              </a:p>
+            </p:txBody>
+          </p:sp>
+        </p:grpSp>
+        <p:grpSp>
+          <p:nvGrpSpPr>
+            <p:cNvPr id="82" name="群組 81"/>
+            <p:cNvGrpSpPr/>
+            <p:nvPr/>
+          </p:nvGrpSpPr>
+          <p:grpSpPr>
+            <a:xfrm>
+              <a:off x="6961895" y="4950876"/>
+              <a:ext cx="1945700" cy="1458510"/>
+              <a:chOff x="6961929" y="2200318"/>
+              <a:chExt cx="2592618" cy="2007611"/>
+            </a:xfrm>
+          </p:grpSpPr>
+          <p:sp>
+            <p:nvSpPr>
+              <p:cNvPr id="83" name="矩形 82"/>
+              <p:cNvSpPr/>
+              <p:nvPr/>
+            </p:nvSpPr>
+            <p:spPr>
+              <a:xfrm>
+                <a:off x="7007424" y="2378008"/>
+                <a:ext cx="2501659" cy="1652230"/>
+              </a:xfrm>
+              <a:prstGeom prst="rect">
+                <a:avLst/>
+              </a:prstGeom>
+              <a:noFill/>
+            </p:spPr>
+            <p:txBody>
+              <a:bodyPr wrap="none" lIns="91440" tIns="45720" rIns="91440" bIns="45720">
+                <a:spAutoFit/>
+              </a:bodyPr>
+              <a:lstStyle/>
+              <a:p>
+                <a:pPr>
+                  <a:lnSpc>
+                    <a:spcPct val="200000"/>
+                  </a:lnSpc>
+                </a:pPr>
+                <a:r>
+                  <a:rPr lang="zh-TW" altLang="en-US" sz="1200" b="0" cap="none" spc="0" dirty="0" smtClean="0">
+                    <a:ln w="0"/>
+                    <a:solidFill>
+                      <a:schemeClr val="tx1"/>
+                    </a:solidFill>
+                    <a:latin typeface="微軟正黑體" panose="020B0604030504040204" pitchFamily="34" charset="-120"/>
+                    <a:ea typeface="微軟正黑體" panose="020B0604030504040204" pitchFamily="34" charset="-120"/>
+                  </a:rPr>
+                  <a:t>蒐集訪客的各種操作行為</a:t>
+                </a:r>
+                <a:endParaRPr lang="en-US" altLang="zh-TW" sz="1200" b="0" cap="none" spc="0" dirty="0" smtClean="0">
+                  <a:ln w="0"/>
+                  <a:solidFill>
+                    <a:schemeClr val="tx1"/>
+                  </a:solidFill>
+                  <a:latin typeface="微軟正黑體" panose="020B0604030504040204" pitchFamily="34" charset="-120"/>
+                  <a:ea typeface="微軟正黑體" panose="020B0604030504040204" pitchFamily="34" charset="-120"/>
+                </a:endParaRPr>
+              </a:p>
+              <a:p>
+                <a:pPr>
+                  <a:lnSpc>
+                    <a:spcPct val="200000"/>
+                  </a:lnSpc>
+                </a:pPr>
+                <a:r>
+                  <a:rPr lang="zh-TW" altLang="en-US" sz="1200" b="0" cap="none" spc="0" dirty="0" smtClean="0">
+                    <a:ln w="0"/>
+                    <a:solidFill>
+                      <a:schemeClr val="tx1"/>
+                    </a:solidFill>
+                    <a:latin typeface="微軟正黑體" panose="020B0604030504040204" pitchFamily="34" charset="-120"/>
+                    <a:ea typeface="微軟正黑體" panose="020B0604030504040204" pitchFamily="34" charset="-120"/>
+                  </a:rPr>
+                  <a:t>，經線下</a:t>
+                </a:r>
+                <a:r>
+                  <a:rPr lang="zh-TW" altLang="en-US" sz="1200" dirty="0" smtClean="0">
+                    <a:ln w="0"/>
+                    <a:latin typeface="微軟正黑體" panose="020B0604030504040204" pitchFamily="34" charset="-120"/>
+                    <a:ea typeface="微軟正黑體" panose="020B0604030504040204" pitchFamily="34" charset="-120"/>
+                  </a:rPr>
+                  <a:t>的演算法處理，</a:t>
+                </a:r>
+                <a:endParaRPr lang="en-US" altLang="zh-TW" sz="1200" dirty="0" smtClean="0">
+                  <a:ln w="0"/>
+                  <a:latin typeface="微軟正黑體" panose="020B0604030504040204" pitchFamily="34" charset="-120"/>
+                  <a:ea typeface="微軟正黑體" panose="020B0604030504040204" pitchFamily="34" charset="-120"/>
+                </a:endParaRPr>
+              </a:p>
+              <a:p>
+                <a:pPr>
+                  <a:lnSpc>
+                    <a:spcPct val="200000"/>
+                  </a:lnSpc>
+                </a:pPr>
+                <a:r>
+                  <a:rPr lang="zh-TW" altLang="en-US" sz="1200" dirty="0" smtClean="0">
+                    <a:ln w="0"/>
+                    <a:latin typeface="微軟正黑體" panose="020B0604030504040204" pitchFamily="34" charset="-120"/>
+                    <a:ea typeface="微軟正黑體" panose="020B0604030504040204" pitchFamily="34" charset="-120"/>
+                  </a:rPr>
+                  <a:t>達到客製化導覽。</a:t>
+                </a:r>
+                <a:endParaRPr lang="zh-TW" altLang="en-US" sz="1200" b="0" cap="none" spc="0" dirty="0">
+                  <a:ln w="0"/>
+                  <a:solidFill>
+                    <a:schemeClr val="tx1"/>
+                  </a:solidFill>
+                  <a:latin typeface="微軟正黑體" panose="020B0604030504040204" pitchFamily="34" charset="-120"/>
+                  <a:ea typeface="微軟正黑體" panose="020B0604030504040204" pitchFamily="34" charset="-120"/>
+                </a:endParaRPr>
+              </a:p>
+            </p:txBody>
+          </p:sp>
+          <p:sp>
+            <p:nvSpPr>
+              <p:cNvPr id="84" name="矩形 83"/>
+              <p:cNvSpPr/>
+              <p:nvPr/>
+            </p:nvSpPr>
+            <p:spPr>
+              <a:xfrm>
+                <a:off x="6961929" y="2200318"/>
+                <a:ext cx="2592618" cy="2007611"/>
+              </a:xfrm>
+              <a:prstGeom prst="rect">
+                <a:avLst/>
+              </a:prstGeom>
+              <a:noFill/>
+              <a:ln>
+                <a:solidFill>
+                  <a:schemeClr val="bg2">
+                    <a:lumMod val="50000"/>
+                  </a:schemeClr>
+                </a:solidFill>
+              </a:ln>
+            </p:spPr>
+            <p:style>
+              <a:lnRef idx="2">
+                <a:schemeClr val="accent1">
+                  <a:shade val="50000"/>
+                </a:schemeClr>
+              </a:lnRef>
+              <a:fillRef idx="1">
+                <a:schemeClr val="accent1"/>
+              </a:fillRef>
+              <a:effectRef idx="0">
+                <a:schemeClr val="accent1"/>
+              </a:effectRef>
+              <a:fontRef idx="minor">
+                <a:schemeClr val="lt1"/>
+              </a:fontRef>
+            </p:style>
+            <p:txBody>
+              <a:bodyPr rtlCol="0" anchor="ctr"/>
+              <a:lstStyle/>
+              <a:p>
+                <a:pPr algn="ctr"/>
+                <a:endParaRPr lang="en-US"/>
+              </a:p>
+            </p:txBody>
+          </p:sp>
+        </p:grpSp>
+        <p:cxnSp>
+          <p:nvCxnSpPr>
+            <p:cNvPr id="85" name="直線單箭頭接點 84"/>
+            <p:cNvCxnSpPr/>
+            <p:nvPr/>
+          </p:nvCxnSpPr>
+          <p:spPr>
+            <a:xfrm flipH="1">
+              <a:off x="5962823" y="4268051"/>
+              <a:ext cx="54" cy="483910"/>
+            </a:xfrm>
+            <a:prstGeom prst="straightConnector1">
+              <a:avLst/>
+            </a:prstGeom>
+            <a:ln>
+              <a:tailEnd type="triangle"/>
+            </a:ln>
+          </p:spPr>
+          <p:style>
+            <a:lnRef idx="1">
+              <a:schemeClr val="dk1"/>
+            </a:lnRef>
+            <a:fillRef idx="0">
+              <a:schemeClr val="dk1"/>
+            </a:fillRef>
+            <a:effectRef idx="0">
+              <a:schemeClr val="dk1"/>
+            </a:effectRef>
+            <a:fontRef idx="minor">
+              <a:schemeClr val="tx1"/>
+            </a:fontRef>
+          </p:style>
+        </p:cxnSp>
+        <p:cxnSp>
+          <p:nvCxnSpPr>
+            <p:cNvPr id="86" name="直線單箭頭接點 85"/>
+            <p:cNvCxnSpPr/>
+            <p:nvPr/>
+          </p:nvCxnSpPr>
+          <p:spPr>
+            <a:xfrm>
+              <a:off x="5515720" y="5059716"/>
+              <a:ext cx="401216" cy="237931"/>
+            </a:xfrm>
+            <a:prstGeom prst="straightConnector1">
+              <a:avLst/>
+            </a:prstGeom>
+            <a:ln>
+              <a:solidFill>
+                <a:schemeClr val="bg2">
+                  <a:lumMod val="25000"/>
+                </a:schemeClr>
+              </a:solidFill>
+              <a:tailEnd type="triangle"/>
+            </a:ln>
+          </p:spPr>
+          <p:style>
+            <a:lnRef idx="1">
+              <a:schemeClr val="dk1"/>
+            </a:lnRef>
+            <a:fillRef idx="0">
+              <a:schemeClr val="dk1"/>
+            </a:fillRef>
+            <a:effectRef idx="0">
+              <a:schemeClr val="dk1"/>
+            </a:effectRef>
+            <a:fontRef idx="minor">
+              <a:schemeClr val="tx1"/>
+            </a:fontRef>
+          </p:style>
+        </p:cxnSp>
+        <p:cxnSp>
+          <p:nvCxnSpPr>
+            <p:cNvPr id="88" name="直線單箭頭接點 87"/>
+            <p:cNvCxnSpPr/>
+            <p:nvPr/>
+          </p:nvCxnSpPr>
+          <p:spPr>
+            <a:xfrm>
+              <a:off x="5787065" y="4950876"/>
+              <a:ext cx="164015" cy="346771"/>
+            </a:xfrm>
+            <a:prstGeom prst="straightConnector1">
+              <a:avLst/>
+            </a:prstGeom>
+            <a:ln>
+              <a:solidFill>
+                <a:schemeClr val="bg2">
+                  <a:lumMod val="25000"/>
+                </a:schemeClr>
+              </a:solidFill>
+              <a:tailEnd type="triangle"/>
+            </a:ln>
+          </p:spPr>
+          <p:style>
+            <a:lnRef idx="1">
+              <a:schemeClr val="dk1"/>
+            </a:lnRef>
+            <a:fillRef idx="0">
+              <a:schemeClr val="dk1"/>
+            </a:fillRef>
+            <a:effectRef idx="0">
+              <a:schemeClr val="dk1"/>
+            </a:effectRef>
+            <a:fontRef idx="minor">
+              <a:schemeClr val="tx1"/>
+            </a:fontRef>
+          </p:style>
+        </p:cxnSp>
+        <p:cxnSp>
+          <p:nvCxnSpPr>
+            <p:cNvPr id="92" name="直線單箭頭接點 91"/>
+            <p:cNvCxnSpPr/>
+            <p:nvPr/>
+          </p:nvCxnSpPr>
+          <p:spPr>
+            <a:xfrm flipH="1">
+              <a:off x="5973783" y="4886330"/>
+              <a:ext cx="63564" cy="411317"/>
+            </a:xfrm>
+            <a:prstGeom prst="straightConnector1">
+              <a:avLst/>
+            </a:prstGeom>
+            <a:ln>
+              <a:solidFill>
+                <a:schemeClr val="bg2">
+                  <a:lumMod val="25000"/>
+                </a:schemeClr>
+              </a:solidFill>
+              <a:tailEnd type="triangle"/>
+            </a:ln>
+          </p:spPr>
+          <p:style>
+            <a:lnRef idx="1">
+              <a:schemeClr val="dk1"/>
+            </a:lnRef>
+            <a:fillRef idx="0">
+              <a:schemeClr val="dk1"/>
+            </a:fillRef>
+            <a:effectRef idx="0">
+              <a:schemeClr val="dk1"/>
+            </a:effectRef>
+            <a:fontRef idx="minor">
+              <a:schemeClr val="tx1"/>
+            </a:fontRef>
+          </p:style>
+        </p:cxnSp>
+        <p:cxnSp>
+          <p:nvCxnSpPr>
+            <p:cNvPr id="94" name="直線單箭頭接點 93"/>
+            <p:cNvCxnSpPr/>
+            <p:nvPr/>
+          </p:nvCxnSpPr>
+          <p:spPr>
+            <a:xfrm flipH="1">
+              <a:off x="5998031" y="5059716"/>
+              <a:ext cx="313661" cy="237930"/>
+            </a:xfrm>
+            <a:prstGeom prst="straightConnector1">
+              <a:avLst/>
+            </a:prstGeom>
+            <a:ln>
+              <a:solidFill>
+                <a:schemeClr val="bg2">
+                  <a:lumMod val="25000"/>
+                </a:schemeClr>
+              </a:solidFill>
+              <a:tailEnd type="triangle"/>
+            </a:ln>
+          </p:spPr>
+          <p:style>
+            <a:lnRef idx="1">
+              <a:schemeClr val="dk1"/>
+            </a:lnRef>
+            <a:fillRef idx="0">
+              <a:schemeClr val="dk1"/>
+            </a:fillRef>
+            <a:effectRef idx="0">
+              <a:schemeClr val="dk1"/>
+            </a:effectRef>
+            <a:fontRef idx="minor">
+              <a:schemeClr val="tx1"/>
+            </a:fontRef>
+          </p:style>
+        </p:cxnSp>
+        <p:grpSp>
+          <p:nvGrpSpPr>
+            <p:cNvPr id="106" name="群組 105"/>
+            <p:cNvGrpSpPr/>
+            <p:nvPr/>
+          </p:nvGrpSpPr>
+          <p:grpSpPr>
+            <a:xfrm>
+              <a:off x="5446955" y="5327210"/>
+              <a:ext cx="1031735" cy="936318"/>
+              <a:chOff x="5318449" y="5476949"/>
+              <a:chExt cx="1031735" cy="936318"/>
+            </a:xfrm>
+          </p:grpSpPr>
+          <p:cxnSp>
+            <p:nvCxnSpPr>
+              <p:cNvPr id="101" name="直線接點 100"/>
+              <p:cNvCxnSpPr/>
+              <p:nvPr/>
+            </p:nvCxnSpPr>
+            <p:spPr>
+              <a:xfrm>
+                <a:off x="5327779" y="5607698"/>
+                <a:ext cx="0" cy="675637"/>
+              </a:xfrm>
+              <a:prstGeom prst="line">
+                <a:avLst/>
+              </a:prstGeom>
+            </p:spPr>
+            <p:style>
+              <a:lnRef idx="1">
+                <a:schemeClr val="dk1"/>
+              </a:lnRef>
+              <a:fillRef idx="0">
+                <a:schemeClr val="dk1"/>
+              </a:fillRef>
+              <a:effectRef idx="0">
+                <a:schemeClr val="dk1"/>
+              </a:effectRef>
+              <a:fontRef idx="minor">
+                <a:schemeClr val="tx1"/>
+              </a:fontRef>
+            </p:style>
+          </p:cxnSp>
+          <p:grpSp>
+            <p:nvGrpSpPr>
+              <p:cNvPr id="105" name="群組 104"/>
+              <p:cNvGrpSpPr/>
+              <p:nvPr/>
+            </p:nvGrpSpPr>
+            <p:grpSpPr>
+              <a:xfrm>
+                <a:off x="5318449" y="5476949"/>
+                <a:ext cx="1031735" cy="936318"/>
+                <a:chOff x="5318449" y="5476949"/>
+                <a:chExt cx="1031735" cy="936318"/>
+              </a:xfrm>
+            </p:grpSpPr>
+            <p:sp>
+              <p:nvSpPr>
+                <p:cNvPr id="97" name="手繪多邊形 96"/>
+                <p:cNvSpPr/>
+                <p:nvPr/>
+              </p:nvSpPr>
+              <p:spPr>
+                <a:xfrm>
+                  <a:off x="5318449" y="5476949"/>
+                  <a:ext cx="1022405" cy="130749"/>
+                </a:xfrm>
+                <a:custGeom>
+                  <a:avLst/>
+                  <a:gdLst>
+                    <a:gd name="connsiteX0" fmla="*/ 0 w 1222310"/>
+                    <a:gd name="connsiteY0" fmla="*/ 130749 h 130749"/>
+                    <a:gd name="connsiteX1" fmla="*/ 569167 w 1222310"/>
+                    <a:gd name="connsiteY1" fmla="*/ 120 h 130749"/>
+                    <a:gd name="connsiteX2" fmla="*/ 1222310 w 1222310"/>
+                    <a:gd name="connsiteY2" fmla="*/ 112088 h 130749"/>
+                  </a:gdLst>
+                  <a:ahLst/>
+                  <a:cxnLst>
+                    <a:cxn ang="0">
+                      <a:pos x="connsiteX0" y="connsiteY0"/>
+                    </a:cxn>
+                    <a:cxn ang="0">
+                      <a:pos x="connsiteX1" y="connsiteY1"/>
+                    </a:cxn>
+                    <a:cxn ang="0">
+                      <a:pos x="connsiteX2" y="connsiteY2"/>
+                    </a:cxn>
+                  </a:cxnLst>
+                  <a:rect l="l" t="t" r="r" b="b"/>
+                  <a:pathLst>
+                    <a:path w="1222310" h="130749">
+                      <a:moveTo>
+                        <a:pt x="0" y="130749"/>
+                      </a:moveTo>
+                      <a:cubicBezTo>
+                        <a:pt x="182724" y="66989"/>
+                        <a:pt x="365449" y="3230"/>
+                        <a:pt x="569167" y="120"/>
+                      </a:cubicBezTo>
+                      <a:cubicBezTo>
+                        <a:pt x="772885" y="-2990"/>
+                        <a:pt x="997597" y="54549"/>
+                        <a:pt x="1222310" y="112088"/>
+                      </a:cubicBezTo>
+                    </a:path>
+                  </a:pathLst>
+                </a:custGeom>
+              </p:spPr>
+              <p:style>
+                <a:lnRef idx="1">
+                  <a:schemeClr val="dk1"/>
+                </a:lnRef>
+                <a:fillRef idx="0">
+                  <a:schemeClr val="dk1"/>
+                </a:fillRef>
+                <a:effectRef idx="0">
+                  <a:schemeClr val="dk1"/>
+                </a:effectRef>
+                <a:fontRef idx="minor">
+                  <a:schemeClr val="tx1"/>
+                </a:fontRef>
+              </p:style>
+              <p:txBody>
+                <a:bodyPr rtlCol="0" anchor="ctr"/>
+                <a:lstStyle/>
+                <a:p>
+                  <a:pPr algn="ctr"/>
+                  <a:endParaRPr lang="en-US"/>
+                </a:p>
+              </p:txBody>
+            </p:sp>
+            <p:sp>
+              <p:nvSpPr>
+                <p:cNvPr id="99" name="手繪多邊形 98"/>
+                <p:cNvSpPr/>
+                <p:nvPr/>
+              </p:nvSpPr>
+              <p:spPr>
+                <a:xfrm>
+                  <a:off x="5337110" y="5607698"/>
+                  <a:ext cx="1013074" cy="139984"/>
+                </a:xfrm>
+                <a:custGeom>
+                  <a:avLst/>
+                  <a:gdLst>
+                    <a:gd name="connsiteX0" fmla="*/ 0 w 1194319"/>
+                    <a:gd name="connsiteY0" fmla="*/ 9331 h 149315"/>
+                    <a:gd name="connsiteX1" fmla="*/ 606490 w 1194319"/>
+                    <a:gd name="connsiteY1" fmla="*/ 149290 h 149315"/>
+                    <a:gd name="connsiteX2" fmla="*/ 1194319 w 1194319"/>
+                    <a:gd name="connsiteY2" fmla="*/ 0 h 149315"/>
+                  </a:gdLst>
+                  <a:ahLst/>
+                  <a:cxnLst>
+                    <a:cxn ang="0">
+                      <a:pos x="connsiteX0" y="connsiteY0"/>
+                    </a:cxn>
+                    <a:cxn ang="0">
+                      <a:pos x="connsiteX1" y="connsiteY1"/>
+                    </a:cxn>
+                    <a:cxn ang="0">
+                      <a:pos x="connsiteX2" y="connsiteY2"/>
+                    </a:cxn>
+                  </a:cxnLst>
+                  <a:rect l="l" t="t" r="r" b="b"/>
+                  <a:pathLst>
+                    <a:path w="1194319" h="149315">
+                      <a:moveTo>
+                        <a:pt x="0" y="9331"/>
+                      </a:moveTo>
+                      <a:cubicBezTo>
+                        <a:pt x="203718" y="80088"/>
+                        <a:pt x="407437" y="150845"/>
+                        <a:pt x="606490" y="149290"/>
+                      </a:cubicBezTo>
+                      <a:cubicBezTo>
+                        <a:pt x="805543" y="147735"/>
+                        <a:pt x="999931" y="73867"/>
+                        <a:pt x="1194319" y="0"/>
+                      </a:cubicBezTo>
+                    </a:path>
+                  </a:pathLst>
+                </a:custGeom>
+              </p:spPr>
+              <p:style>
+                <a:lnRef idx="1">
+                  <a:schemeClr val="dk1"/>
+                </a:lnRef>
+                <a:fillRef idx="0">
+                  <a:schemeClr val="dk1"/>
+                </a:fillRef>
+                <a:effectRef idx="0">
+                  <a:schemeClr val="dk1"/>
+                </a:effectRef>
+                <a:fontRef idx="minor">
+                  <a:schemeClr val="tx1"/>
+                </a:fontRef>
+              </p:style>
+              <p:txBody>
+                <a:bodyPr rtlCol="0" anchor="ctr"/>
+                <a:lstStyle/>
+                <a:p>
+                  <a:pPr algn="ctr"/>
+                  <a:endParaRPr lang="en-US"/>
+                </a:p>
+              </p:txBody>
+            </p:sp>
+            <p:cxnSp>
+              <p:nvCxnSpPr>
+                <p:cNvPr id="103" name="直線接點 102"/>
+                <p:cNvCxnSpPr/>
+                <p:nvPr/>
+              </p:nvCxnSpPr>
+              <p:spPr>
+                <a:xfrm>
+                  <a:off x="6347925" y="5592148"/>
+                  <a:ext cx="0" cy="675637"/>
+                </a:xfrm>
+                <a:prstGeom prst="line">
+                  <a:avLst/>
+                </a:prstGeom>
+              </p:spPr>
+              <p:style>
+                <a:lnRef idx="1">
+                  <a:schemeClr val="dk1"/>
+                </a:lnRef>
+                <a:fillRef idx="0">
+                  <a:schemeClr val="dk1"/>
+                </a:fillRef>
+                <a:effectRef idx="0">
+                  <a:schemeClr val="dk1"/>
+                </a:effectRef>
+                <a:fontRef idx="minor">
+                  <a:schemeClr val="tx1"/>
+                </a:fontRef>
+              </p:style>
+            </p:cxnSp>
+            <p:sp>
+              <p:nvSpPr>
+                <p:cNvPr id="104" name="手繪多邊形 103"/>
+                <p:cNvSpPr/>
+                <p:nvPr/>
+              </p:nvSpPr>
+              <p:spPr>
+                <a:xfrm>
+                  <a:off x="5330885" y="6273283"/>
+                  <a:ext cx="1013074" cy="139984"/>
+                </a:xfrm>
+                <a:custGeom>
+                  <a:avLst/>
+                  <a:gdLst>
+                    <a:gd name="connsiteX0" fmla="*/ 0 w 1194319"/>
+                    <a:gd name="connsiteY0" fmla="*/ 9331 h 149315"/>
+                    <a:gd name="connsiteX1" fmla="*/ 606490 w 1194319"/>
+                    <a:gd name="connsiteY1" fmla="*/ 149290 h 149315"/>
+                    <a:gd name="connsiteX2" fmla="*/ 1194319 w 1194319"/>
+                    <a:gd name="connsiteY2" fmla="*/ 0 h 149315"/>
+                  </a:gdLst>
+                  <a:ahLst/>
+                  <a:cxnLst>
+                    <a:cxn ang="0">
+                      <a:pos x="connsiteX0" y="connsiteY0"/>
+                    </a:cxn>
+                    <a:cxn ang="0">
+                      <a:pos x="connsiteX1" y="connsiteY1"/>
+                    </a:cxn>
+                    <a:cxn ang="0">
+                      <a:pos x="connsiteX2" y="connsiteY2"/>
+                    </a:cxn>
+                  </a:cxnLst>
+                  <a:rect l="l" t="t" r="r" b="b"/>
+                  <a:pathLst>
+                    <a:path w="1194319" h="149315">
+                      <a:moveTo>
+                        <a:pt x="0" y="9331"/>
+                      </a:moveTo>
+                      <a:cubicBezTo>
+                        <a:pt x="203718" y="80088"/>
+                        <a:pt x="407437" y="150845"/>
+                        <a:pt x="606490" y="149290"/>
+                      </a:cubicBezTo>
+                      <a:cubicBezTo>
+                        <a:pt x="805543" y="147735"/>
+                        <a:pt x="999931" y="73867"/>
+                        <a:pt x="1194319" y="0"/>
+                      </a:cubicBezTo>
+                    </a:path>
+                  </a:pathLst>
+                </a:custGeom>
+              </p:spPr>
+              <p:style>
+                <a:lnRef idx="1">
+                  <a:schemeClr val="dk1"/>
+                </a:lnRef>
+                <a:fillRef idx="0">
+                  <a:schemeClr val="dk1"/>
+                </a:fillRef>
+                <a:effectRef idx="0">
+                  <a:schemeClr val="dk1"/>
+                </a:effectRef>
+                <a:fontRef idx="minor">
+                  <a:schemeClr val="tx1"/>
+                </a:fontRef>
+              </p:style>
+              <p:txBody>
+                <a:bodyPr rtlCol="0" anchor="ctr"/>
+                <a:lstStyle/>
+                <a:p>
+                  <a:pPr algn="ctr"/>
+                  <a:endParaRPr lang="en-US"/>
+                </a:p>
+              </p:txBody>
+            </p:sp>
+          </p:grpSp>
         </p:grpSp>
       </p:grpSp>
     </p:spTree>
     <p:extLst>
       <p:ext uri="{BB962C8B-B14F-4D97-AF65-F5344CB8AC3E}">
-        <p14:creationId xmlns:p14="http://schemas.microsoft.com/office/powerpoint/2010/main" val="2567716760"/>
+        <p14:creationId xmlns:p14="http://schemas.microsoft.com/office/powerpoint/2010/main" val="2264455159"/>
       </p:ext>
     </p:extLst>
   </p:cSld>
@@ -4020,7 +7302,7 @@
 </p:sld>
 </file>
 
-<file path=ppt/slides/slide2.xml><?xml version="1.0" encoding="utf-8"?>
+<file path=ppt/slides/slide3.xml><?xml version="1.0" encoding="utf-8"?>
 <p:sld xmlns:a="http://schemas.openxmlformats.org/drawingml/2006/main" xmlns:r="http://schemas.openxmlformats.org/officeDocument/2006/relationships" xmlns:p="http://schemas.openxmlformats.org/presentationml/2006/main">
   <p:cSld>
     <p:spTree>
@@ -4560,7 +7842,7 @@
 </p:sld>
 </file>
 
-<file path=ppt/slides/slide3.xml><?xml version="1.0" encoding="utf-8"?>
+<file path=ppt/slides/slide4.xml><?xml version="1.0" encoding="utf-8"?>
 <p:sld xmlns:a="http://schemas.openxmlformats.org/drawingml/2006/main" xmlns:r="http://schemas.openxmlformats.org/officeDocument/2006/relationships" xmlns:p="http://schemas.openxmlformats.org/presentationml/2006/main">
   <p:cSld>
     <p:spTree>
@@ -8108,7 +11390,7 @@
 </p:sld>
 </file>
 
-<file path=ppt/slides/slide4.xml><?xml version="1.0" encoding="utf-8"?>
+<file path=ppt/slides/slide5.xml><?xml version="1.0" encoding="utf-8"?>
 <p:sld xmlns:a="http://schemas.openxmlformats.org/drawingml/2006/main" xmlns:r="http://schemas.openxmlformats.org/officeDocument/2006/relationships" xmlns:p="http://schemas.openxmlformats.org/presentationml/2006/main">
   <p:cSld>
     <p:spTree>
@@ -9523,7 +12805,7 @@
 </p:sld>
 </file>
 
-<file path=ppt/slides/slide5.xml><?xml version="1.0" encoding="utf-8"?>
+<file path=ppt/slides/slide6.xml><?xml version="1.0" encoding="utf-8"?>
 <p:sld xmlns:a="http://schemas.openxmlformats.org/drawingml/2006/main" xmlns:r="http://schemas.openxmlformats.org/officeDocument/2006/relationships" xmlns:p="http://schemas.openxmlformats.org/presentationml/2006/main">
   <p:cSld>
     <p:spTree>
@@ -9542,386 +12824,159 @@
       </p:grpSpPr>
       <p:grpSp>
         <p:nvGrpSpPr>
-          <p:cNvPr id="107" name="群組 106"/>
+          <p:cNvPr id="21" name="群組 20"/>
           <p:cNvGrpSpPr/>
           <p:nvPr/>
         </p:nvGrpSpPr>
         <p:grpSpPr>
           <a:xfrm>
-            <a:off x="2294457" y="209260"/>
-            <a:ext cx="7289083" cy="6200126"/>
-            <a:chOff x="2294457" y="209260"/>
-            <a:chExt cx="7289083" cy="6200126"/>
+            <a:off x="3812952" y="4681361"/>
+            <a:ext cx="4377963" cy="1710340"/>
+            <a:chOff x="4134187" y="4929041"/>
+            <a:chExt cx="3791990" cy="1443201"/>
           </a:xfrm>
         </p:grpSpPr>
         <p:grpSp>
           <p:nvGrpSpPr>
-            <p:cNvPr id="14" name="群組 13"/>
+            <p:cNvPr id="2" name="群組 1"/>
             <p:cNvGrpSpPr/>
             <p:nvPr/>
           </p:nvGrpSpPr>
           <p:grpSpPr>
             <a:xfrm>
-              <a:off x="4078770" y="209260"/>
+              <a:off x="4134187" y="4929041"/>
               <a:ext cx="3791990" cy="1443201"/>
-              <a:chOff x="1145771" y="-56111"/>
-              <a:chExt cx="6384174" cy="1916084"/>
+              <a:chOff x="4429752" y="1991878"/>
+              <a:chExt cx="3791990" cy="1443201"/>
             </a:xfrm>
           </p:grpSpPr>
-          <p:grpSp>
-            <p:nvGrpSpPr>
-              <p:cNvPr id="6" name="群組 5"/>
-              <p:cNvGrpSpPr/>
+          <p:sp>
+            <p:nvSpPr>
+              <p:cNvPr id="90" name="矩形 89"/>
+              <p:cNvSpPr/>
               <p:nvPr/>
-            </p:nvGrpSpPr>
-            <p:grpSpPr>
+            </p:nvSpPr>
+            <p:spPr>
               <a:xfrm>
-                <a:off x="3178260" y="1177947"/>
-                <a:ext cx="2279168" cy="390702"/>
-                <a:chOff x="3178260" y="1177947"/>
-                <a:chExt cx="2279168" cy="390702"/>
+                <a:off x="4848747" y="2545041"/>
+                <a:ext cx="1394934" cy="338554"/>
               </a:xfrm>
-            </p:grpSpPr>
-            <p:sp>
-              <p:nvSpPr>
-                <p:cNvPr id="4" name="矩形 3"/>
-                <p:cNvSpPr/>
-                <p:nvPr/>
-              </p:nvSpPr>
-              <p:spPr>
-                <a:xfrm>
-                  <a:off x="3330563" y="1177951"/>
-                  <a:ext cx="2014410" cy="390698"/>
-                </a:xfrm>
-                <a:prstGeom prst="rect">
-                  <a:avLst/>
-                </a:prstGeom>
-                <a:noFill/>
-                <a:ln>
-                  <a:noFill/>
-                </a:ln>
-              </p:spPr>
-              <p:style>
-                <a:lnRef idx="2">
-                  <a:schemeClr val="accent1">
-                    <a:shade val="50000"/>
+              <a:prstGeom prst="rect">
+                <a:avLst/>
+              </a:prstGeom>
+              <a:noFill/>
+              <a:ln>
+                <a:solidFill>
+                  <a:schemeClr val="tx1">
+                    <a:lumMod val="75000"/>
+                    <a:lumOff val="25000"/>
                   </a:schemeClr>
-                </a:lnRef>
-                <a:fillRef idx="1">
-                  <a:schemeClr val="accent1"/>
-                </a:fillRef>
-                <a:effectRef idx="0">
-                  <a:schemeClr val="accent1"/>
-                </a:effectRef>
-                <a:fontRef idx="minor">
-                  <a:schemeClr val="lt1"/>
-                </a:fontRef>
-              </p:style>
-              <p:txBody>
-                <a:bodyPr rtlCol="0" anchor="ctr"/>
-                <a:lstStyle/>
-                <a:p>
-                  <a:pPr algn="ctr"/>
-                  <a:endParaRPr lang="en-US"/>
-                </a:p>
-              </p:txBody>
-            </p:sp>
-            <p:sp>
-              <p:nvSpPr>
-                <p:cNvPr id="5" name="矩形 4"/>
-                <p:cNvSpPr/>
-                <p:nvPr/>
-              </p:nvSpPr>
-              <p:spPr>
-                <a:xfrm>
-                  <a:off x="3178260" y="1177947"/>
-                  <a:ext cx="2279168" cy="367761"/>
-                </a:xfrm>
-                <a:prstGeom prst="rect">
-                  <a:avLst/>
-                </a:prstGeom>
-                <a:noFill/>
-                <a:ln>
-                  <a:solidFill>
-                    <a:schemeClr val="bg2">
-                      <a:lumMod val="25000"/>
-                    </a:schemeClr>
-                  </a:solidFill>
-                </a:ln>
-              </p:spPr>
-              <p:txBody>
-                <a:bodyPr wrap="square" lIns="91440" tIns="45720" rIns="91440" bIns="45720">
-                  <a:spAutoFit/>
-                </a:bodyPr>
-                <a:lstStyle/>
-                <a:p>
-                  <a:pPr algn="ctr"/>
-                  <a:r>
-                    <a:rPr lang="zh-TW" altLang="en-US" sz="1200" b="0" cap="none" spc="0" dirty="0" smtClean="0">
-                      <a:ln w="0"/>
-                      <a:solidFill>
-                        <a:schemeClr val="tx1"/>
-                      </a:solidFill>
-                      <a:latin typeface="微軟正黑體" panose="020B0604030504040204" pitchFamily="34" charset="-120"/>
-                      <a:ea typeface="微軟正黑體" panose="020B0604030504040204" pitchFamily="34" charset="-120"/>
-                    </a:rPr>
-                    <a:t>取代傳統對講機</a:t>
-                  </a:r>
-                  <a:endParaRPr lang="zh-TW" altLang="en-US" sz="1200" b="0" cap="none" spc="0" dirty="0">
+                </a:solidFill>
+              </a:ln>
+            </p:spPr>
+            <p:txBody>
+              <a:bodyPr wrap="none" lIns="91440" tIns="45720" rIns="91440" bIns="45720">
+                <a:spAutoFit/>
+              </a:bodyPr>
+              <a:lstStyle/>
+              <a:p>
+                <a:pPr algn="ctr"/>
+                <a:r>
+                  <a:rPr lang="zh-TW" altLang="en-US" sz="1600" b="0" cap="none" spc="0" dirty="0" smtClean="0">
                     <a:ln w="0"/>
                     <a:solidFill>
                       <a:schemeClr val="tx1"/>
                     </a:solidFill>
                     <a:latin typeface="微軟正黑體" panose="020B0604030504040204" pitchFamily="34" charset="-120"/>
                     <a:ea typeface="微軟正黑體" panose="020B0604030504040204" pitchFamily="34" charset="-120"/>
-                  </a:endParaRPr>
-                </a:p>
-              </p:txBody>
-            </p:sp>
-          </p:grpSp>
-          <p:grpSp>
-            <p:nvGrpSpPr>
-              <p:cNvPr id="7" name="群組 6"/>
-              <p:cNvGrpSpPr/>
-              <p:nvPr/>
-            </p:nvGrpSpPr>
-            <p:grpSpPr>
-              <a:xfrm>
-                <a:off x="1889457" y="495931"/>
-                <a:ext cx="4891074" cy="390699"/>
-                <a:chOff x="-191496" y="495931"/>
-                <a:chExt cx="4891074" cy="390699"/>
-              </a:xfrm>
-            </p:grpSpPr>
-            <p:sp>
-              <p:nvSpPr>
-                <p:cNvPr id="8" name="矩形 7"/>
-                <p:cNvSpPr/>
-                <p:nvPr/>
-              </p:nvSpPr>
-              <p:spPr>
-                <a:xfrm>
-                  <a:off x="2912340" y="495931"/>
-                  <a:ext cx="1787238" cy="390699"/>
-                </a:xfrm>
-                <a:prstGeom prst="rect">
-                  <a:avLst/>
-                </a:prstGeom>
-                <a:noFill/>
-                <a:ln>
-                  <a:solidFill>
-                    <a:schemeClr val="bg2">
-                      <a:lumMod val="25000"/>
-                    </a:schemeClr>
-                  </a:solidFill>
-                </a:ln>
-              </p:spPr>
-              <p:style>
-                <a:lnRef idx="2">
-                  <a:schemeClr val="accent1">
-                    <a:shade val="50000"/>
-                  </a:schemeClr>
-                </a:lnRef>
-                <a:fillRef idx="1">
-                  <a:schemeClr val="accent1"/>
-                </a:fillRef>
-                <a:effectRef idx="0">
-                  <a:schemeClr val="accent1"/>
-                </a:effectRef>
-                <a:fontRef idx="minor">
-                  <a:schemeClr val="lt1"/>
-                </a:fontRef>
-              </p:style>
-              <p:txBody>
-                <a:bodyPr rtlCol="0" anchor="ctr"/>
-                <a:lstStyle/>
-                <a:p>
-                  <a:pPr algn="ctr"/>
-                  <a:endParaRPr lang="en-US"/>
-                </a:p>
-              </p:txBody>
-            </p:sp>
-            <p:sp>
-              <p:nvSpPr>
-                <p:cNvPr id="9" name="矩形 8"/>
-                <p:cNvSpPr/>
-                <p:nvPr/>
-              </p:nvSpPr>
-              <p:spPr>
-                <a:xfrm>
-                  <a:off x="-191496" y="518865"/>
-                  <a:ext cx="1841128" cy="367761"/>
-                </a:xfrm>
-                <a:prstGeom prst="rect">
-                  <a:avLst/>
-                </a:prstGeom>
-                <a:noFill/>
-                <a:ln>
-                  <a:noFill/>
-                </a:ln>
-              </p:spPr>
-              <p:txBody>
-                <a:bodyPr wrap="none" lIns="91440" tIns="45720" rIns="91440" bIns="45720">
-                  <a:spAutoFit/>
-                </a:bodyPr>
-                <a:lstStyle/>
-                <a:p>
-                  <a:pPr algn="ctr"/>
-                  <a:r>
-                    <a:rPr lang="zh-TW" altLang="en-US" sz="1200" b="0" cap="none" spc="0" dirty="0" smtClean="0">
-                      <a:ln w="0"/>
-                      <a:solidFill>
-                        <a:schemeClr val="tx1"/>
-                      </a:solidFill>
-                      <a:latin typeface="微軟正黑體" panose="020B0604030504040204" pitchFamily="34" charset="-120"/>
-                      <a:ea typeface="微軟正黑體" panose="020B0604030504040204" pitchFamily="34" charset="-120"/>
-                    </a:rPr>
-                    <a:t>額外下載</a:t>
-                  </a:r>
-                  <a:r>
-                    <a:rPr lang="en-US" altLang="zh-TW" sz="1200" b="0" cap="none" spc="0" dirty="0" smtClean="0">
-                      <a:ln w="0"/>
-                      <a:solidFill>
-                        <a:schemeClr val="tx1"/>
-                      </a:solidFill>
-                      <a:latin typeface="微軟正黑體" panose="020B0604030504040204" pitchFamily="34" charset="-120"/>
-                      <a:ea typeface="微軟正黑體" panose="020B0604030504040204" pitchFamily="34" charset="-120"/>
-                    </a:rPr>
-                    <a:t>APP</a:t>
-                  </a:r>
-                  <a:endParaRPr lang="zh-TW" altLang="en-US" sz="1200" b="0" cap="none" spc="0" dirty="0">
+                  </a:rPr>
+                  <a:t>額外下載</a:t>
+                </a:r>
+                <a:r>
+                  <a:rPr lang="en-US" altLang="zh-TW" sz="1600" b="0" cap="none" spc="0" dirty="0" smtClean="0">
                     <a:ln w="0"/>
                     <a:solidFill>
                       <a:schemeClr val="tx1"/>
                     </a:solidFill>
                     <a:latin typeface="微軟正黑體" panose="020B0604030504040204" pitchFamily="34" charset="-120"/>
                     <a:ea typeface="微軟正黑體" panose="020B0604030504040204" pitchFamily="34" charset="-120"/>
-                  </a:endParaRPr>
-                </a:p>
-              </p:txBody>
-            </p:sp>
-          </p:grpSp>
-          <p:grpSp>
-            <p:nvGrpSpPr>
-              <p:cNvPr id="10" name="群組 9"/>
-              <p:cNvGrpSpPr/>
+                  </a:rPr>
+                  <a:t>APP</a:t>
+                </a:r>
+                <a:endParaRPr lang="zh-TW" altLang="en-US" sz="1600" b="0" cap="none" spc="0" dirty="0">
+                  <a:ln w="0"/>
+                  <a:solidFill>
+                    <a:schemeClr val="tx1"/>
+                  </a:solidFill>
+                  <a:latin typeface="微軟正黑體" panose="020B0604030504040204" pitchFamily="34" charset="-120"/>
+                  <a:ea typeface="微軟正黑體" panose="020B0604030504040204" pitchFamily="34" charset="-120"/>
+                </a:endParaRPr>
+              </a:p>
+            </p:txBody>
+          </p:sp>
+          <p:sp>
+            <p:nvSpPr>
+              <p:cNvPr id="93" name="矩形 92"/>
+              <p:cNvSpPr/>
               <p:nvPr/>
-            </p:nvGrpSpPr>
-            <p:grpSpPr>
+            </p:nvSpPr>
+            <p:spPr>
               <a:xfrm>
-                <a:off x="1855164" y="495931"/>
-                <a:ext cx="4964456" cy="390697"/>
-                <a:chOff x="-2306742" y="495931"/>
-                <a:chExt cx="4964456" cy="390697"/>
+                <a:off x="6449484" y="2545041"/>
+                <a:ext cx="1415772" cy="338554"/>
               </a:xfrm>
-            </p:grpSpPr>
-            <p:sp>
-              <p:nvSpPr>
-                <p:cNvPr id="11" name="矩形 10"/>
-                <p:cNvSpPr/>
-                <p:nvPr/>
-              </p:nvSpPr>
-              <p:spPr>
-                <a:xfrm>
-                  <a:off x="-2306742" y="495931"/>
-                  <a:ext cx="1787236" cy="390697"/>
-                </a:xfrm>
-                <a:prstGeom prst="rect">
-                  <a:avLst/>
-                </a:prstGeom>
-                <a:noFill/>
-                <a:ln>
-                  <a:solidFill>
-                    <a:schemeClr val="bg2">
-                      <a:lumMod val="25000"/>
-                    </a:schemeClr>
-                  </a:solidFill>
-                </a:ln>
-              </p:spPr>
-              <p:style>
-                <a:lnRef idx="2">
-                  <a:schemeClr val="accent1">
-                    <a:shade val="50000"/>
+              <a:prstGeom prst="rect">
+                <a:avLst/>
+              </a:prstGeom>
+              <a:noFill/>
+              <a:ln>
+                <a:solidFill>
+                  <a:schemeClr val="tx1">
+                    <a:lumMod val="75000"/>
+                    <a:lumOff val="25000"/>
                   </a:schemeClr>
-                </a:lnRef>
-                <a:fillRef idx="1">
-                  <a:schemeClr val="accent1"/>
-                </a:fillRef>
-                <a:effectRef idx="0">
-                  <a:schemeClr val="accent1"/>
-                </a:effectRef>
-                <a:fontRef idx="minor">
-                  <a:schemeClr val="lt1"/>
-                </a:fontRef>
-              </p:style>
-              <p:txBody>
-                <a:bodyPr rtlCol="0" anchor="ctr"/>
-                <a:lstStyle/>
-                <a:p>
-                  <a:pPr algn="ctr"/>
-                  <a:endParaRPr lang="en-US"/>
-                </a:p>
-              </p:txBody>
-            </p:sp>
-            <p:sp>
-              <p:nvSpPr>
-                <p:cNvPr id="12" name="矩形 11"/>
-                <p:cNvSpPr/>
-                <p:nvPr/>
-              </p:nvSpPr>
-              <p:spPr>
-                <a:xfrm>
-                  <a:off x="792298" y="518865"/>
-                  <a:ext cx="1865416" cy="367762"/>
-                </a:xfrm>
-                <a:prstGeom prst="rect">
-                  <a:avLst/>
-                </a:prstGeom>
-                <a:noFill/>
-                <a:ln>
-                  <a:noFill/>
-                </a:ln>
-              </p:spPr>
-              <p:txBody>
-                <a:bodyPr wrap="none" lIns="91440" tIns="45720" rIns="91440" bIns="45720">
-                  <a:spAutoFit/>
-                </a:bodyPr>
-                <a:lstStyle/>
-                <a:p>
-                  <a:pPr algn="ctr"/>
-                  <a:r>
-                    <a:rPr lang="zh-TW" altLang="en-US" sz="1200" b="0" cap="none" spc="0" dirty="0" smtClean="0">
-                      <a:ln w="0"/>
-                      <a:solidFill>
-                        <a:schemeClr val="tx1"/>
-                      </a:solidFill>
-                      <a:latin typeface="微軟正黑體" panose="020B0604030504040204" pitchFamily="34" charset="-120"/>
-                      <a:ea typeface="微軟正黑體" panose="020B0604030504040204" pitchFamily="34" charset="-120"/>
-                    </a:rPr>
-                    <a:t>蒐集訪客資訊</a:t>
-                  </a:r>
-                  <a:endParaRPr lang="zh-TW" altLang="en-US" sz="1200" b="0" cap="none" spc="0" dirty="0">
+                </a:solidFill>
+              </a:ln>
+            </p:spPr>
+            <p:txBody>
+              <a:bodyPr wrap="none" lIns="91440" tIns="45720" rIns="91440" bIns="45720">
+                <a:spAutoFit/>
+              </a:bodyPr>
+              <a:lstStyle/>
+              <a:p>
+                <a:pPr algn="ctr"/>
+                <a:r>
+                  <a:rPr lang="zh-TW" altLang="en-US" sz="1600" b="0" cap="none" spc="0" dirty="0" smtClean="0">
                     <a:ln w="0"/>
                     <a:solidFill>
                       <a:schemeClr val="tx1"/>
                     </a:solidFill>
                     <a:latin typeface="微軟正黑體" panose="020B0604030504040204" pitchFamily="34" charset="-120"/>
                     <a:ea typeface="微軟正黑體" panose="020B0604030504040204" pitchFamily="34" charset="-120"/>
-                  </a:endParaRPr>
-                </a:p>
-              </p:txBody>
-            </p:sp>
-          </p:grpSp>
+                  </a:rPr>
+                  <a:t>遺忘過去知識</a:t>
+                </a:r>
+                <a:endParaRPr lang="zh-TW" altLang="en-US" sz="1600" b="0" cap="none" spc="0" dirty="0">
+                  <a:ln w="0"/>
+                  <a:solidFill>
+                    <a:schemeClr val="tx1"/>
+                  </a:solidFill>
+                  <a:latin typeface="微軟正黑體" panose="020B0604030504040204" pitchFamily="34" charset="-120"/>
+                  <a:ea typeface="微軟正黑體" panose="020B0604030504040204" pitchFamily="34" charset="-120"/>
+                </a:endParaRPr>
+              </a:p>
+            </p:txBody>
+          </p:sp>
           <p:sp>
             <p:nvSpPr>
-              <p:cNvPr id="13" name="橢圓 12"/>
+              <p:cNvPr id="95" name="橢圓 94"/>
               <p:cNvSpPr/>
               <p:nvPr/>
             </p:nvSpPr>
             <p:spPr>
               <a:xfrm>
-                <a:off x="1145771" y="-56111"/>
-                <a:ext cx="6384174" cy="1916084"/>
+                <a:off x="4429752" y="1991878"/>
+                <a:ext cx="3791990" cy="1443201"/>
               </a:xfrm>
               <a:prstGeom prst="ellipse">
                 <a:avLst/>
@@ -9960,17 +13015,702 @@
               </a:p>
             </p:txBody>
           </p:sp>
+          <p:sp>
+            <p:nvSpPr>
+              <p:cNvPr id="96" name="矩形 95"/>
+              <p:cNvSpPr/>
+              <p:nvPr/>
+            </p:nvSpPr>
+            <p:spPr>
+              <a:xfrm>
+                <a:off x="5999155" y="2098811"/>
+                <a:ext cx="604252" cy="337617"/>
+              </a:xfrm>
+              <a:prstGeom prst="rect">
+                <a:avLst/>
+              </a:prstGeom>
+              <a:noFill/>
+            </p:spPr>
+            <p:txBody>
+              <a:bodyPr wrap="none" lIns="91440" tIns="45720" rIns="91440" bIns="45720">
+                <a:spAutoFit/>
+              </a:bodyPr>
+              <a:lstStyle/>
+              <a:p>
+                <a:pPr algn="ctr"/>
+                <a:r>
+                  <a:rPr lang="zh-TW" altLang="en-US" sz="2000" dirty="0">
+                    <a:ln w="0"/>
+                    <a:latin typeface="微軟正黑體" panose="020B0604030504040204" pitchFamily="34" charset="-120"/>
+                    <a:ea typeface="微軟正黑體" panose="020B0604030504040204" pitchFamily="34" charset="-120"/>
+                  </a:rPr>
+                  <a:t>痛點</a:t>
+                </a:r>
+              </a:p>
+            </p:txBody>
+          </p:sp>
         </p:grpSp>
         <p:sp>
           <p:nvSpPr>
-            <p:cNvPr id="15" name="矩形 14"/>
+            <p:cNvPr id="114" name="矩形 113"/>
             <p:cNvSpPr/>
             <p:nvPr/>
           </p:nvSpPr>
           <p:spPr>
             <a:xfrm>
-              <a:off x="5614065" y="209260"/>
-              <a:ext cx="697627" cy="400110"/>
+              <a:off x="5458355" y="5890278"/>
+              <a:ext cx="1210589" cy="338554"/>
+            </a:xfrm>
+            <a:prstGeom prst="rect">
+              <a:avLst/>
+            </a:prstGeom>
+            <a:noFill/>
+            <a:ln>
+              <a:solidFill>
+                <a:schemeClr val="tx1">
+                  <a:lumMod val="75000"/>
+                  <a:lumOff val="25000"/>
+                </a:schemeClr>
+              </a:solidFill>
+            </a:ln>
+          </p:spPr>
+          <p:txBody>
+            <a:bodyPr wrap="none" lIns="91440" tIns="45720" rIns="91440" bIns="45720">
+              <a:spAutoFit/>
+            </a:bodyPr>
+            <a:lstStyle/>
+            <a:p>
+              <a:pPr algn="ctr"/>
+              <a:r>
+                <a:rPr lang="zh-TW" altLang="en-US" sz="1600" b="0" cap="none" spc="0" dirty="0" smtClean="0">
+                  <a:ln w="0"/>
+                  <a:solidFill>
+                    <a:schemeClr val="tx1"/>
+                  </a:solidFill>
+                  <a:latin typeface="微軟正黑體" panose="020B0604030504040204" pitchFamily="34" charset="-120"/>
+                  <a:ea typeface="微軟正黑體" panose="020B0604030504040204" pitchFamily="34" charset="-120"/>
+                </a:rPr>
+                <a:t>戴耳機導覽</a:t>
+              </a:r>
+              <a:endParaRPr lang="zh-TW" altLang="en-US" sz="1600" b="0" cap="none" spc="0" dirty="0">
+                <a:ln w="0"/>
+                <a:solidFill>
+                  <a:schemeClr val="tx1"/>
+                </a:solidFill>
+                <a:latin typeface="微軟正黑體" panose="020B0604030504040204" pitchFamily="34" charset="-120"/>
+                <a:ea typeface="微軟正黑體" panose="020B0604030504040204" pitchFamily="34" charset="-120"/>
+              </a:endParaRPr>
+            </a:p>
+          </p:txBody>
+        </p:sp>
+      </p:grpSp>
+      <p:cxnSp>
+        <p:nvCxnSpPr>
+          <p:cNvPr id="23" name="直線單箭頭接點 22"/>
+          <p:cNvCxnSpPr>
+            <a:stCxn id="19" idx="2"/>
+            <a:endCxn id="95" idx="0"/>
+          </p:cNvCxnSpPr>
+          <p:nvPr/>
+        </p:nvCxnSpPr>
+        <p:spPr>
+          <a:xfrm flipH="1">
+            <a:off x="6001934" y="3970662"/>
+            <a:ext cx="1" cy="710699"/>
+          </a:xfrm>
+          <a:prstGeom prst="straightConnector1">
+            <a:avLst/>
+          </a:prstGeom>
+          <a:ln>
+            <a:tailEnd type="triangle"/>
+          </a:ln>
+        </p:spPr>
+        <p:style>
+          <a:lnRef idx="1">
+            <a:schemeClr val="dk1"/>
+          </a:lnRef>
+          <a:fillRef idx="0">
+            <a:schemeClr val="dk1"/>
+          </a:fillRef>
+          <a:effectRef idx="0">
+            <a:schemeClr val="dk1"/>
+          </a:effectRef>
+          <a:fontRef idx="minor">
+            <a:schemeClr val="tx1"/>
+          </a:fontRef>
+        </p:style>
+      </p:cxnSp>
+      <p:sp>
+        <p:nvSpPr>
+          <p:cNvPr id="24" name="矩形 23"/>
+          <p:cNvSpPr/>
+          <p:nvPr/>
+        </p:nvSpPr>
+        <p:spPr>
+          <a:xfrm>
+            <a:off x="6056615" y="4140617"/>
+            <a:ext cx="1210588" cy="400110"/>
+          </a:xfrm>
+          <a:prstGeom prst="rect">
+            <a:avLst/>
+          </a:prstGeom>
+          <a:noFill/>
+        </p:spPr>
+        <p:txBody>
+          <a:bodyPr wrap="none" lIns="91440" tIns="45720" rIns="91440" bIns="45720">
+            <a:spAutoFit/>
+          </a:bodyPr>
+          <a:lstStyle/>
+          <a:p>
+            <a:pPr algn="ctr"/>
+            <a:r>
+              <a:rPr lang="zh-TW" altLang="en-US" sz="2000" dirty="0" smtClean="0">
+                <a:ln w="0"/>
+                <a:latin typeface="微軟正黑體" panose="020B0604030504040204" pitchFamily="34" charset="-120"/>
+                <a:ea typeface="微軟正黑體" panose="020B0604030504040204" pitchFamily="34" charset="-120"/>
+              </a:rPr>
+              <a:t>需求分析</a:t>
+            </a:r>
+            <a:endParaRPr lang="zh-TW" altLang="en-US" sz="2000" dirty="0">
+              <a:ln w="0"/>
+              <a:latin typeface="微軟正黑體" panose="020B0604030504040204" pitchFamily="34" charset="-120"/>
+              <a:ea typeface="微軟正黑體" panose="020B0604030504040204" pitchFamily="34" charset="-120"/>
+            </a:endParaRPr>
+          </a:p>
+        </p:txBody>
+      </p:sp>
+      <p:grpSp>
+        <p:nvGrpSpPr>
+          <p:cNvPr id="40" name="群組 39"/>
+          <p:cNvGrpSpPr/>
+          <p:nvPr/>
+        </p:nvGrpSpPr>
+        <p:grpSpPr>
+          <a:xfrm>
+            <a:off x="2962589" y="1656876"/>
+            <a:ext cx="6078691" cy="2313786"/>
+            <a:chOff x="3133693" y="1656876"/>
+            <a:chExt cx="6078691" cy="2313786"/>
+          </a:xfrm>
+        </p:grpSpPr>
+        <p:sp>
+          <p:nvSpPr>
+            <p:cNvPr id="100" name="矩形 99"/>
+            <p:cNvSpPr/>
+            <p:nvPr/>
+          </p:nvSpPr>
+          <p:spPr>
+            <a:xfrm>
+              <a:off x="4100718" y="2399843"/>
+              <a:ext cx="1063796" cy="593081"/>
+            </a:xfrm>
+            <a:prstGeom prst="rect">
+              <a:avLst/>
+            </a:prstGeom>
+            <a:noFill/>
+            <a:ln>
+              <a:solidFill>
+                <a:schemeClr val="tx1">
+                  <a:lumMod val="50000"/>
+                  <a:lumOff val="50000"/>
+                </a:schemeClr>
+              </a:solidFill>
+            </a:ln>
+          </p:spPr>
+          <p:txBody>
+            <a:bodyPr wrap="square" lIns="91440" tIns="45720" rIns="91440" bIns="45720">
+              <a:spAutoFit/>
+            </a:bodyPr>
+            <a:lstStyle/>
+            <a:p>
+              <a:pPr algn="ctr"/>
+              <a:r>
+                <a:rPr lang="zh-TW" altLang="en-US" sz="1600" b="0" cap="none" spc="0" dirty="0" smtClean="0">
+                  <a:ln w="0"/>
+                  <a:solidFill>
+                    <a:schemeClr val="tx1"/>
+                  </a:solidFill>
+                  <a:latin typeface="微軟正黑體" panose="020B0604030504040204" pitchFamily="34" charset="-120"/>
+                  <a:ea typeface="微軟正黑體" panose="020B0604030504040204" pitchFamily="34" charset="-120"/>
+                </a:rPr>
+                <a:t>靜態文物</a:t>
+              </a:r>
+              <a:endParaRPr lang="en-US" altLang="zh-TW" sz="1600" b="0" cap="none" spc="0" dirty="0" smtClean="0">
+                <a:ln w="0"/>
+                <a:solidFill>
+                  <a:schemeClr val="tx1"/>
+                </a:solidFill>
+                <a:latin typeface="微軟正黑體" panose="020B0604030504040204" pitchFamily="34" charset="-120"/>
+                <a:ea typeface="微軟正黑體" panose="020B0604030504040204" pitchFamily="34" charset="-120"/>
+              </a:endParaRPr>
+            </a:p>
+            <a:p>
+              <a:pPr algn="ctr"/>
+              <a:r>
+                <a:rPr lang="zh-TW" altLang="en-US" sz="1600" b="0" cap="none" spc="0" dirty="0" smtClean="0">
+                  <a:ln w="0"/>
+                  <a:solidFill>
+                    <a:schemeClr val="tx1"/>
+                  </a:solidFill>
+                  <a:latin typeface="微軟正黑體" panose="020B0604030504040204" pitchFamily="34" charset="-120"/>
+                  <a:ea typeface="微軟正黑體" panose="020B0604030504040204" pitchFamily="34" charset="-120"/>
+                </a:rPr>
+                <a:t>過於無聊</a:t>
+              </a:r>
+              <a:endParaRPr lang="zh-TW" altLang="en-US" sz="1600" b="0" cap="none" spc="0" dirty="0">
+                <a:ln w="0"/>
+                <a:solidFill>
+                  <a:schemeClr val="tx1"/>
+                </a:solidFill>
+                <a:latin typeface="微軟正黑體" panose="020B0604030504040204" pitchFamily="34" charset="-120"/>
+                <a:ea typeface="微軟正黑體" panose="020B0604030504040204" pitchFamily="34" charset="-120"/>
+              </a:endParaRPr>
+            </a:p>
+          </p:txBody>
+        </p:sp>
+        <p:sp>
+          <p:nvSpPr>
+            <p:cNvPr id="108" name="矩形 107"/>
+            <p:cNvSpPr/>
+            <p:nvPr/>
+          </p:nvSpPr>
+          <p:spPr>
+            <a:xfrm>
+              <a:off x="7692102" y="3106749"/>
+              <a:ext cx="1280899" cy="593081"/>
+            </a:xfrm>
+            <a:prstGeom prst="rect">
+              <a:avLst/>
+            </a:prstGeom>
+            <a:noFill/>
+            <a:ln>
+              <a:solidFill>
+                <a:schemeClr val="tx1">
+                  <a:lumMod val="50000"/>
+                  <a:lumOff val="50000"/>
+                </a:schemeClr>
+              </a:solidFill>
+            </a:ln>
+          </p:spPr>
+          <p:txBody>
+            <a:bodyPr wrap="square" lIns="91440" tIns="45720" rIns="91440" bIns="45720">
+              <a:spAutoFit/>
+            </a:bodyPr>
+            <a:lstStyle/>
+            <a:p>
+              <a:pPr algn="ctr"/>
+              <a:r>
+                <a:rPr lang="zh-TW" altLang="en-US" sz="1600" b="0" cap="none" spc="0" dirty="0" smtClean="0">
+                  <a:ln w="0"/>
+                  <a:solidFill>
+                    <a:schemeClr val="tx1"/>
+                  </a:solidFill>
+                  <a:latin typeface="微軟正黑體" panose="020B0604030504040204" pitchFamily="34" charset="-120"/>
+                  <a:ea typeface="微軟正黑體" panose="020B0604030504040204" pitchFamily="34" charset="-120"/>
+                </a:rPr>
+                <a:t>很多繁瑣的</a:t>
+              </a:r>
+              <a:endParaRPr lang="en-US" altLang="zh-TW" sz="1600" b="0" cap="none" spc="0" dirty="0" smtClean="0">
+                <a:ln w="0"/>
+                <a:solidFill>
+                  <a:schemeClr val="tx1"/>
+                </a:solidFill>
+                <a:latin typeface="微軟正黑體" panose="020B0604030504040204" pitchFamily="34" charset="-120"/>
+                <a:ea typeface="微軟正黑體" panose="020B0604030504040204" pitchFamily="34" charset="-120"/>
+              </a:endParaRPr>
+            </a:p>
+            <a:p>
+              <a:pPr algn="ctr"/>
+              <a:r>
+                <a:rPr lang="zh-TW" altLang="en-US" sz="1600" b="0" cap="none" spc="0" dirty="0" smtClean="0">
+                  <a:ln w="0"/>
+                  <a:solidFill>
+                    <a:schemeClr val="tx1"/>
+                  </a:solidFill>
+                  <a:latin typeface="微軟正黑體" panose="020B0604030504040204" pitchFamily="34" charset="-120"/>
+                  <a:ea typeface="微軟正黑體" panose="020B0604030504040204" pitchFamily="34" charset="-120"/>
+                </a:rPr>
+                <a:t>動作很麻煩</a:t>
+              </a:r>
+              <a:endParaRPr lang="zh-TW" altLang="en-US" sz="1600" b="0" cap="none" spc="0" dirty="0">
+                <a:ln w="0"/>
+                <a:solidFill>
+                  <a:schemeClr val="tx1"/>
+                </a:solidFill>
+                <a:latin typeface="微軟正黑體" panose="020B0604030504040204" pitchFamily="34" charset="-120"/>
+                <a:ea typeface="微軟正黑體" panose="020B0604030504040204" pitchFamily="34" charset="-120"/>
+              </a:endParaRPr>
+            </a:p>
+          </p:txBody>
+        </p:sp>
+        <p:sp>
+          <p:nvSpPr>
+            <p:cNvPr id="109" name="矩形 108"/>
+            <p:cNvSpPr/>
+            <p:nvPr/>
+          </p:nvSpPr>
+          <p:spPr>
+            <a:xfrm>
+              <a:off x="6327276" y="3106750"/>
+              <a:ext cx="1280899" cy="593081"/>
+            </a:xfrm>
+            <a:prstGeom prst="rect">
+              <a:avLst/>
+            </a:prstGeom>
+            <a:noFill/>
+            <a:ln>
+              <a:solidFill>
+                <a:schemeClr val="tx1">
+                  <a:lumMod val="50000"/>
+                  <a:lumOff val="50000"/>
+                </a:schemeClr>
+              </a:solidFill>
+            </a:ln>
+          </p:spPr>
+          <p:txBody>
+            <a:bodyPr wrap="square" lIns="91440" tIns="45720" rIns="91440" bIns="45720">
+              <a:spAutoFit/>
+            </a:bodyPr>
+            <a:lstStyle/>
+            <a:p>
+              <a:pPr algn="ctr"/>
+              <a:r>
+                <a:rPr lang="zh-TW" altLang="en-US" sz="1600" b="0" cap="none" spc="0" dirty="0" smtClean="0">
+                  <a:ln w="0"/>
+                  <a:solidFill>
+                    <a:schemeClr val="tx1"/>
+                  </a:solidFill>
+                  <a:latin typeface="微軟正黑體" panose="020B0604030504040204" pitchFamily="34" charset="-120"/>
+                  <a:ea typeface="微軟正黑體" panose="020B0604030504040204" pitchFamily="34" charset="-120"/>
+                </a:rPr>
+                <a:t>博物館過大</a:t>
+              </a:r>
+              <a:endParaRPr lang="en-US" altLang="zh-TW" sz="1600" b="0" cap="none" spc="0" dirty="0" smtClean="0">
+                <a:ln w="0"/>
+                <a:solidFill>
+                  <a:schemeClr val="tx1"/>
+                </a:solidFill>
+                <a:latin typeface="微軟正黑體" panose="020B0604030504040204" pitchFamily="34" charset="-120"/>
+                <a:ea typeface="微軟正黑體" panose="020B0604030504040204" pitchFamily="34" charset="-120"/>
+              </a:endParaRPr>
+            </a:p>
+            <a:p>
+              <a:pPr algn="ctr"/>
+              <a:r>
+                <a:rPr lang="zh-TW" altLang="en-US" sz="1600" dirty="0">
+                  <a:ln w="0"/>
+                  <a:latin typeface="微軟正黑體" panose="020B0604030504040204" pitchFamily="34" charset="-120"/>
+                  <a:ea typeface="微軟正黑體" panose="020B0604030504040204" pitchFamily="34" charset="-120"/>
+                </a:rPr>
+                <a:t>難</a:t>
+              </a:r>
+              <a:r>
+                <a:rPr lang="zh-TW" altLang="en-US" sz="1600" dirty="0" smtClean="0">
+                  <a:ln w="0"/>
+                  <a:latin typeface="微軟正黑體" panose="020B0604030504040204" pitchFamily="34" charset="-120"/>
+                  <a:ea typeface="微軟正黑體" panose="020B0604030504040204" pitchFamily="34" charset="-120"/>
+                </a:rPr>
+                <a:t>發現愛好</a:t>
+              </a:r>
+              <a:endParaRPr lang="zh-TW" altLang="en-US" sz="1600" b="0" cap="none" spc="0" dirty="0">
+                <a:ln w="0"/>
+                <a:solidFill>
+                  <a:schemeClr val="tx1"/>
+                </a:solidFill>
+                <a:latin typeface="微軟正黑體" panose="020B0604030504040204" pitchFamily="34" charset="-120"/>
+                <a:ea typeface="微軟正黑體" panose="020B0604030504040204" pitchFamily="34" charset="-120"/>
+              </a:endParaRPr>
+            </a:p>
+          </p:txBody>
+        </p:sp>
+        <p:sp>
+          <p:nvSpPr>
+            <p:cNvPr id="110" name="矩形 109"/>
+            <p:cNvSpPr/>
+            <p:nvPr/>
+          </p:nvSpPr>
+          <p:spPr>
+            <a:xfrm>
+              <a:off x="3392831" y="3114606"/>
+              <a:ext cx="1498001" cy="593081"/>
+            </a:xfrm>
+            <a:prstGeom prst="rect">
+              <a:avLst/>
+            </a:prstGeom>
+            <a:noFill/>
+            <a:ln>
+              <a:solidFill>
+                <a:schemeClr val="tx1">
+                  <a:lumMod val="50000"/>
+                  <a:lumOff val="50000"/>
+                </a:schemeClr>
+              </a:solidFill>
+            </a:ln>
+          </p:spPr>
+          <p:txBody>
+            <a:bodyPr wrap="square" lIns="91440" tIns="45720" rIns="91440" bIns="45720">
+              <a:spAutoFit/>
+            </a:bodyPr>
+            <a:lstStyle/>
+            <a:p>
+              <a:pPr algn="ctr"/>
+              <a:r>
+                <a:rPr lang="zh-TW" altLang="en-US" sz="1600" b="0" cap="none" spc="0" dirty="0" smtClean="0">
+                  <a:ln w="0"/>
+                  <a:solidFill>
+                    <a:schemeClr val="tx1"/>
+                  </a:solidFill>
+                  <a:latin typeface="微軟正黑體" panose="020B0604030504040204" pitchFamily="34" charset="-120"/>
+                  <a:ea typeface="微軟正黑體" panose="020B0604030504040204" pitchFamily="34" charset="-120"/>
+                </a:rPr>
+                <a:t>導遊介紹內容</a:t>
+              </a:r>
+              <a:endParaRPr lang="en-US" altLang="zh-TW" sz="1600" b="0" cap="none" spc="0" dirty="0" smtClean="0">
+                <a:ln w="0"/>
+                <a:solidFill>
+                  <a:schemeClr val="tx1"/>
+                </a:solidFill>
+                <a:latin typeface="微軟正黑體" panose="020B0604030504040204" pitchFamily="34" charset="-120"/>
+                <a:ea typeface="微軟正黑體" panose="020B0604030504040204" pitchFamily="34" charset="-120"/>
+              </a:endParaRPr>
+            </a:p>
+            <a:p>
+              <a:pPr algn="ctr"/>
+              <a:r>
+                <a:rPr lang="zh-TW" altLang="en-US" sz="1600" dirty="0" smtClean="0">
+                  <a:ln w="0"/>
+                  <a:latin typeface="微軟正黑體" panose="020B0604030504040204" pitchFamily="34" charset="-120"/>
+                  <a:ea typeface="微軟正黑體" panose="020B0604030504040204" pitchFamily="34" charset="-120"/>
+                </a:rPr>
+                <a:t>不一定有</a:t>
+              </a:r>
+              <a:r>
+                <a:rPr lang="zh-TW" altLang="en-US" sz="1600" dirty="0">
+                  <a:ln w="0"/>
+                  <a:latin typeface="微軟正黑體" panose="020B0604030504040204" pitchFamily="34" charset="-120"/>
+                  <a:ea typeface="微軟正黑體" panose="020B0604030504040204" pitchFamily="34" charset="-120"/>
+                </a:rPr>
+                <a:t>興趣</a:t>
+              </a:r>
+              <a:endParaRPr lang="zh-TW" altLang="en-US" sz="1600" b="0" cap="none" spc="0" dirty="0">
+                <a:ln w="0"/>
+                <a:solidFill>
+                  <a:schemeClr val="tx1"/>
+                </a:solidFill>
+                <a:latin typeface="微軟正黑體" panose="020B0604030504040204" pitchFamily="34" charset="-120"/>
+                <a:ea typeface="微軟正黑體" panose="020B0604030504040204" pitchFamily="34" charset="-120"/>
+              </a:endParaRPr>
+            </a:p>
+          </p:txBody>
+        </p:sp>
+        <p:sp>
+          <p:nvSpPr>
+            <p:cNvPr id="111" name="矩形 110"/>
+            <p:cNvSpPr/>
+            <p:nvPr/>
+          </p:nvSpPr>
+          <p:spPr>
+            <a:xfrm>
+              <a:off x="4971209" y="3106748"/>
+              <a:ext cx="1280899" cy="593081"/>
+            </a:xfrm>
+            <a:prstGeom prst="rect">
+              <a:avLst/>
+            </a:prstGeom>
+            <a:noFill/>
+            <a:ln>
+              <a:solidFill>
+                <a:schemeClr val="tx1">
+                  <a:lumMod val="50000"/>
+                  <a:lumOff val="50000"/>
+                </a:schemeClr>
+              </a:solidFill>
+            </a:ln>
+          </p:spPr>
+          <p:txBody>
+            <a:bodyPr wrap="square" lIns="91440" tIns="45720" rIns="91440" bIns="45720">
+              <a:spAutoFit/>
+            </a:bodyPr>
+            <a:lstStyle/>
+            <a:p>
+              <a:pPr algn="ctr"/>
+              <a:r>
+                <a:rPr lang="zh-TW" altLang="en-US" sz="1600" b="0" cap="none" spc="0" dirty="0" smtClean="0">
+                  <a:ln w="0"/>
+                  <a:solidFill>
+                    <a:schemeClr val="tx1"/>
+                  </a:solidFill>
+                  <a:latin typeface="微軟正黑體" panose="020B0604030504040204" pitchFamily="34" charset="-120"/>
+                  <a:ea typeface="微軟正黑體" panose="020B0604030504040204" pitchFamily="34" charset="-120"/>
+                </a:rPr>
+                <a:t>博物館內容</a:t>
+              </a:r>
+              <a:endParaRPr lang="en-US" altLang="zh-TW" sz="1600" b="0" cap="none" spc="0" dirty="0" smtClean="0">
+                <a:ln w="0"/>
+                <a:solidFill>
+                  <a:schemeClr val="tx1"/>
+                </a:solidFill>
+                <a:latin typeface="微軟正黑體" panose="020B0604030504040204" pitchFamily="34" charset="-120"/>
+                <a:ea typeface="微軟正黑體" panose="020B0604030504040204" pitchFamily="34" charset="-120"/>
+              </a:endParaRPr>
+            </a:p>
+            <a:p>
+              <a:pPr algn="ctr"/>
+              <a:r>
+                <a:rPr lang="zh-TW" altLang="en-US" sz="1600" b="0" cap="none" spc="0" dirty="0" smtClean="0">
+                  <a:ln w="0"/>
+                  <a:solidFill>
+                    <a:schemeClr val="tx1"/>
+                  </a:solidFill>
+                  <a:latin typeface="微軟正黑體" panose="020B0604030504040204" pitchFamily="34" charset="-120"/>
+                  <a:ea typeface="微軟正黑體" panose="020B0604030504040204" pitchFamily="34" charset="-120"/>
+                </a:rPr>
+                <a:t>一陳不變</a:t>
+              </a:r>
+              <a:endParaRPr lang="zh-TW" altLang="en-US" sz="1600" b="0" cap="none" spc="0" dirty="0">
+                <a:ln w="0"/>
+                <a:solidFill>
+                  <a:schemeClr val="tx1"/>
+                </a:solidFill>
+                <a:latin typeface="微軟正黑體" panose="020B0604030504040204" pitchFamily="34" charset="-120"/>
+                <a:ea typeface="微軟正黑體" panose="020B0604030504040204" pitchFamily="34" charset="-120"/>
+              </a:endParaRPr>
+            </a:p>
+          </p:txBody>
+        </p:sp>
+        <p:sp>
+          <p:nvSpPr>
+            <p:cNvPr id="112" name="矩形 111"/>
+            <p:cNvSpPr/>
+            <p:nvPr/>
+          </p:nvSpPr>
+          <p:spPr>
+            <a:xfrm>
+              <a:off x="7050606" y="2407376"/>
+              <a:ext cx="846696" cy="593081"/>
+            </a:xfrm>
+            <a:prstGeom prst="rect">
+              <a:avLst/>
+            </a:prstGeom>
+            <a:noFill/>
+            <a:ln>
+              <a:solidFill>
+                <a:schemeClr val="tx1">
+                  <a:lumMod val="50000"/>
+                  <a:lumOff val="50000"/>
+                </a:schemeClr>
+              </a:solidFill>
+            </a:ln>
+          </p:spPr>
+          <p:txBody>
+            <a:bodyPr wrap="square" lIns="91440" tIns="45720" rIns="91440" bIns="45720">
+              <a:spAutoFit/>
+            </a:bodyPr>
+            <a:lstStyle/>
+            <a:p>
+              <a:pPr algn="ctr"/>
+              <a:r>
+                <a:rPr lang="zh-TW" altLang="en-US" sz="1600" b="0" cap="none" spc="0" dirty="0" smtClean="0">
+                  <a:ln w="0"/>
+                  <a:solidFill>
+                    <a:schemeClr val="tx1"/>
+                  </a:solidFill>
+                  <a:latin typeface="微軟正黑體" panose="020B0604030504040204" pitchFamily="34" charset="-120"/>
+                  <a:ea typeface="微軟正黑體" panose="020B0604030504040204" pitchFamily="34" charset="-120"/>
+                </a:rPr>
+                <a:t>被強迫</a:t>
+              </a:r>
+              <a:endParaRPr lang="en-US" altLang="zh-TW" sz="1600" b="0" cap="none" spc="0" dirty="0" smtClean="0">
+                <a:ln w="0"/>
+                <a:solidFill>
+                  <a:schemeClr val="tx1"/>
+                </a:solidFill>
+                <a:latin typeface="微軟正黑體" panose="020B0604030504040204" pitchFamily="34" charset="-120"/>
+                <a:ea typeface="微軟正黑體" panose="020B0604030504040204" pitchFamily="34" charset="-120"/>
+              </a:endParaRPr>
+            </a:p>
+            <a:p>
+              <a:pPr algn="ctr"/>
+              <a:r>
+                <a:rPr lang="zh-TW" altLang="en-US" sz="1600" b="0" cap="none" spc="0" dirty="0" smtClean="0">
+                  <a:ln w="0"/>
+                  <a:solidFill>
+                    <a:schemeClr val="tx1"/>
+                  </a:solidFill>
+                  <a:latin typeface="微軟正黑體" panose="020B0604030504040204" pitchFamily="34" charset="-120"/>
+                  <a:ea typeface="微軟正黑體" panose="020B0604030504040204" pitchFamily="34" charset="-120"/>
+                </a:rPr>
+                <a:t>來參觀</a:t>
+              </a:r>
+              <a:endParaRPr lang="zh-TW" altLang="en-US" sz="1600" b="0" cap="none" spc="0" dirty="0">
+                <a:ln w="0"/>
+                <a:solidFill>
+                  <a:schemeClr val="tx1"/>
+                </a:solidFill>
+                <a:latin typeface="微軟正黑體" panose="020B0604030504040204" pitchFamily="34" charset="-120"/>
+                <a:ea typeface="微軟正黑體" panose="020B0604030504040204" pitchFamily="34" charset="-120"/>
+              </a:endParaRPr>
+            </a:p>
+          </p:txBody>
+        </p:sp>
+        <p:sp>
+          <p:nvSpPr>
+            <p:cNvPr id="19" name="圓角矩形 18"/>
+            <p:cNvSpPr/>
+            <p:nvPr/>
+          </p:nvSpPr>
+          <p:spPr>
+            <a:xfrm>
+              <a:off x="3133693" y="1656876"/>
+              <a:ext cx="6078691" cy="2313786"/>
+            </a:xfrm>
+            <a:prstGeom prst="roundRect">
+              <a:avLst/>
+            </a:prstGeom>
+            <a:noFill/>
+            <a:ln>
+              <a:solidFill>
+                <a:schemeClr val="bg2">
+                  <a:lumMod val="25000"/>
+                </a:schemeClr>
+              </a:solidFill>
+            </a:ln>
+          </p:spPr>
+          <p:style>
+            <a:lnRef idx="2">
+              <a:schemeClr val="accent1">
+                <a:shade val="50000"/>
+              </a:schemeClr>
+            </a:lnRef>
+            <a:fillRef idx="1">
+              <a:schemeClr val="accent1"/>
+            </a:fillRef>
+            <a:effectRef idx="0">
+              <a:schemeClr val="accent1"/>
+            </a:effectRef>
+            <a:fontRef idx="minor">
+              <a:schemeClr val="lt1"/>
+            </a:fontRef>
+          </p:style>
+          <p:txBody>
+            <a:bodyPr rtlCol="0" anchor="ctr"/>
+            <a:lstStyle/>
+            <a:p>
+              <a:pPr algn="ctr"/>
+              <a:endParaRPr lang="zh-TW" altLang="en-US"/>
+            </a:p>
+          </p:txBody>
+        </p:sp>
+        <p:sp>
+          <p:nvSpPr>
+            <p:cNvPr id="113" name="矩形 112"/>
+            <p:cNvSpPr/>
+            <p:nvPr/>
+          </p:nvSpPr>
+          <p:spPr>
+            <a:xfrm>
+              <a:off x="5152204" y="1831685"/>
+              <a:ext cx="2041666" cy="400110"/>
             </a:xfrm>
             <a:prstGeom prst="rect">
               <a:avLst/>
@@ -9978,7 +13718,7 @@
             <a:noFill/>
           </p:spPr>
           <p:txBody>
-            <a:bodyPr wrap="none" lIns="91440" tIns="45720" rIns="91440" bIns="45720">
+            <a:bodyPr wrap="square" lIns="91440" tIns="45720" rIns="91440" bIns="45720">
               <a:spAutoFit/>
             </a:bodyPr>
             <a:lstStyle/>
@@ -9993,7 +13733,7 @@
                   <a:latin typeface="微軟正黑體" panose="020B0604030504040204" pitchFamily="34" charset="-120"/>
                   <a:ea typeface="微軟正黑體" panose="020B0604030504040204" pitchFamily="34" charset="-120"/>
                 </a:rPr>
-                <a:t>痛點</a:t>
+                <a:t>各種發散的問題</a:t>
               </a:r>
               <a:endParaRPr lang="zh-TW" altLang="en-US" sz="2000" b="0" cap="none" spc="0" dirty="0">
                 <a:ln w="0"/>
@@ -10006,2597 +13746,86 @@
             </a:p>
           </p:txBody>
         </p:sp>
-        <p:cxnSp>
-          <p:nvCxnSpPr>
-            <p:cNvPr id="17" name="直線單箭頭接點 16"/>
-            <p:cNvCxnSpPr>
-              <a:stCxn id="13" idx="4"/>
-            </p:cNvCxnSpPr>
+        <p:sp>
+          <p:nvSpPr>
+            <p:cNvPr id="115" name="矩形 114"/>
+            <p:cNvSpPr/>
             <p:nvPr/>
-          </p:nvCxnSpPr>
+          </p:nvSpPr>
           <p:spPr>
-            <a:xfrm flipH="1">
-              <a:off x="5974711" y="1652461"/>
-              <a:ext cx="54" cy="483910"/>
+            <a:xfrm>
+              <a:off x="5502266" y="2408149"/>
+              <a:ext cx="1210588" cy="584775"/>
             </a:xfrm>
-            <a:prstGeom prst="straightConnector1">
+            <a:prstGeom prst="rect">
               <a:avLst/>
             </a:prstGeom>
+            <a:noFill/>
             <a:ln>
-              <a:tailEnd type="triangle"/>
+              <a:solidFill>
+                <a:schemeClr val="tx1">
+                  <a:lumMod val="50000"/>
+                  <a:lumOff val="50000"/>
+                </a:schemeClr>
+              </a:solidFill>
             </a:ln>
           </p:spPr>
-          <p:style>
-            <a:lnRef idx="1">
-              <a:schemeClr val="dk1"/>
-            </a:lnRef>
-            <a:fillRef idx="0">
-              <a:schemeClr val="dk1"/>
-            </a:fillRef>
-            <a:effectRef idx="0">
-              <a:schemeClr val="dk1"/>
-            </a:effectRef>
-            <a:fontRef idx="minor">
-              <a:schemeClr val="tx1"/>
-            </a:fontRef>
-          </p:style>
-        </p:cxnSp>
-        <p:grpSp>
-          <p:nvGrpSpPr>
-            <p:cNvPr id="80" name="群組 79"/>
-            <p:cNvGrpSpPr/>
-            <p:nvPr/>
-          </p:nvGrpSpPr>
-          <p:grpSpPr>
-            <a:xfrm>
-              <a:off x="2294457" y="2181848"/>
-              <a:ext cx="4278501" cy="2026082"/>
-              <a:chOff x="4761053" y="2155219"/>
-              <a:chExt cx="4278501" cy="2026082"/>
-            </a:xfrm>
-          </p:grpSpPr>
-          <p:sp>
-            <p:nvSpPr>
-              <p:cNvPr id="27" name="矩形 26"/>
-              <p:cNvSpPr/>
-              <p:nvPr/>
-            </p:nvSpPr>
-            <p:spPr>
-              <a:xfrm>
-                <a:off x="4761053" y="2182911"/>
-                <a:ext cx="2427316" cy="94775"/>
-              </a:xfrm>
-              <a:prstGeom prst="rect">
-                <a:avLst/>
-              </a:prstGeom>
-              <a:solidFill>
-                <a:schemeClr val="bg1">
-                  <a:lumMod val="65000"/>
-                </a:schemeClr>
-              </a:solidFill>
-              <a:ln>
-                <a:noFill/>
-              </a:ln>
-            </p:spPr>
-            <p:style>
-              <a:lnRef idx="2">
-                <a:schemeClr val="accent1">
-                  <a:shade val="50000"/>
-                </a:schemeClr>
-              </a:lnRef>
-              <a:fillRef idx="1">
-                <a:schemeClr val="accent1"/>
-              </a:fillRef>
-              <a:effectRef idx="0">
-                <a:schemeClr val="accent1"/>
-              </a:effectRef>
-              <a:fontRef idx="minor">
-                <a:schemeClr val="lt1"/>
-              </a:fontRef>
-            </p:style>
-            <p:txBody>
-              <a:bodyPr rtlCol="0" anchor="ctr"/>
-              <a:lstStyle/>
-              <a:p>
-                <a:pPr algn="ctr"/>
-                <a:endParaRPr lang="en-US"/>
-              </a:p>
-            </p:txBody>
-          </p:sp>
-          <p:sp>
-            <p:nvSpPr>
-              <p:cNvPr id="28" name="矩形 27"/>
-              <p:cNvSpPr/>
-              <p:nvPr/>
-            </p:nvSpPr>
-            <p:spPr>
-              <a:xfrm>
-                <a:off x="4761053" y="2355796"/>
-                <a:ext cx="93580" cy="1825505"/>
-              </a:xfrm>
-              <a:prstGeom prst="rect">
-                <a:avLst/>
-              </a:prstGeom>
-              <a:solidFill>
-                <a:schemeClr val="bg1">
-                  <a:lumMod val="65000"/>
-                </a:schemeClr>
-              </a:solidFill>
-              <a:ln>
-                <a:noFill/>
-              </a:ln>
-            </p:spPr>
-            <p:style>
-              <a:lnRef idx="2">
-                <a:schemeClr val="accent1">
-                  <a:shade val="50000"/>
-                </a:schemeClr>
-              </a:lnRef>
-              <a:fillRef idx="1">
-                <a:schemeClr val="accent1"/>
-              </a:fillRef>
-              <a:effectRef idx="0">
-                <a:schemeClr val="accent1"/>
-              </a:effectRef>
-              <a:fontRef idx="minor">
-                <a:schemeClr val="lt1"/>
-              </a:fontRef>
-            </p:style>
-            <p:txBody>
-              <a:bodyPr rtlCol="0" anchor="ctr"/>
-              <a:lstStyle/>
-              <a:p>
-                <a:pPr algn="ctr"/>
-                <a:endParaRPr lang="en-US"/>
-              </a:p>
-            </p:txBody>
-          </p:sp>
-          <p:sp>
-            <p:nvSpPr>
-              <p:cNvPr id="29" name="矩形 28"/>
-              <p:cNvSpPr/>
-              <p:nvPr/>
-            </p:nvSpPr>
-            <p:spPr>
-              <a:xfrm>
-                <a:off x="7094789" y="2355796"/>
-                <a:ext cx="93580" cy="1825505"/>
-              </a:xfrm>
-              <a:prstGeom prst="rect">
-                <a:avLst/>
-              </a:prstGeom>
-              <a:solidFill>
-                <a:schemeClr val="bg1">
-                  <a:lumMod val="65000"/>
-                </a:schemeClr>
-              </a:solidFill>
-              <a:ln>
-                <a:noFill/>
-              </a:ln>
-            </p:spPr>
-            <p:style>
-              <a:lnRef idx="2">
-                <a:schemeClr val="accent1">
-                  <a:shade val="50000"/>
-                </a:schemeClr>
-              </a:lnRef>
-              <a:fillRef idx="1">
-                <a:schemeClr val="accent1"/>
-              </a:fillRef>
-              <a:effectRef idx="0">
-                <a:schemeClr val="accent1"/>
-              </a:effectRef>
-              <a:fontRef idx="minor">
-                <a:schemeClr val="lt1"/>
-              </a:fontRef>
-            </p:style>
-            <p:txBody>
-              <a:bodyPr rtlCol="0" anchor="ctr"/>
-              <a:lstStyle/>
-              <a:p>
-                <a:pPr algn="ctr"/>
-                <a:endParaRPr lang="en-US"/>
-              </a:p>
-            </p:txBody>
-          </p:sp>
-          <p:sp>
-            <p:nvSpPr>
-              <p:cNvPr id="30" name="矩形 29"/>
-              <p:cNvSpPr/>
-              <p:nvPr/>
-            </p:nvSpPr>
-            <p:spPr>
-              <a:xfrm>
-                <a:off x="4842982" y="2555303"/>
-                <a:ext cx="58623" cy="362466"/>
-              </a:xfrm>
-              <a:prstGeom prst="rect">
-                <a:avLst/>
-              </a:prstGeom>
-              <a:solidFill>
-                <a:schemeClr val="tx1">
-                  <a:lumMod val="65000"/>
-                  <a:lumOff val="35000"/>
-                </a:schemeClr>
-              </a:solidFill>
-              <a:ln>
-                <a:noFill/>
-              </a:ln>
-            </p:spPr>
-            <p:style>
-              <a:lnRef idx="2">
-                <a:schemeClr val="accent1">
-                  <a:shade val="50000"/>
-                </a:schemeClr>
-              </a:lnRef>
-              <a:fillRef idx="1">
-                <a:schemeClr val="accent1"/>
-              </a:fillRef>
-              <a:effectRef idx="0">
-                <a:schemeClr val="accent1"/>
-              </a:effectRef>
-              <a:fontRef idx="minor">
-                <a:schemeClr val="lt1"/>
-              </a:fontRef>
-            </p:style>
-            <p:txBody>
-              <a:bodyPr rtlCol="0" anchor="ctr"/>
-              <a:lstStyle/>
-              <a:p>
-                <a:pPr algn="ctr"/>
-                <a:endParaRPr lang="en-US"/>
-              </a:p>
-            </p:txBody>
-          </p:sp>
-          <p:sp>
-            <p:nvSpPr>
-              <p:cNvPr id="31" name="矩形 30"/>
-              <p:cNvSpPr/>
-              <p:nvPr/>
-            </p:nvSpPr>
-            <p:spPr>
-              <a:xfrm>
-                <a:off x="4838481" y="3368302"/>
-                <a:ext cx="58623" cy="362466"/>
-              </a:xfrm>
-              <a:prstGeom prst="rect">
-                <a:avLst/>
-              </a:prstGeom>
-              <a:solidFill>
-                <a:schemeClr val="tx1">
-                  <a:lumMod val="65000"/>
-                  <a:lumOff val="35000"/>
-                </a:schemeClr>
-              </a:solidFill>
-              <a:ln>
-                <a:noFill/>
-              </a:ln>
-            </p:spPr>
-            <p:style>
-              <a:lnRef idx="2">
-                <a:schemeClr val="accent1">
-                  <a:shade val="50000"/>
-                </a:schemeClr>
-              </a:lnRef>
-              <a:fillRef idx="1">
-                <a:schemeClr val="accent1"/>
-              </a:fillRef>
-              <a:effectRef idx="0">
-                <a:schemeClr val="accent1"/>
-              </a:effectRef>
-              <a:fontRef idx="minor">
-                <a:schemeClr val="lt1"/>
-              </a:fontRef>
-            </p:style>
-            <p:txBody>
-              <a:bodyPr rtlCol="0" anchor="ctr"/>
-              <a:lstStyle/>
-              <a:p>
-                <a:pPr algn="ctr"/>
-                <a:endParaRPr lang="en-US"/>
-              </a:p>
-            </p:txBody>
-          </p:sp>
-          <p:sp>
-            <p:nvSpPr>
-              <p:cNvPr id="32" name="矩形 31"/>
-              <p:cNvSpPr/>
-              <p:nvPr/>
-            </p:nvSpPr>
-            <p:spPr>
-              <a:xfrm>
-                <a:off x="7036166" y="2555303"/>
-                <a:ext cx="58623" cy="362466"/>
-              </a:xfrm>
-              <a:prstGeom prst="rect">
-                <a:avLst/>
-              </a:prstGeom>
-              <a:solidFill>
-                <a:schemeClr val="tx1">
-                  <a:lumMod val="65000"/>
-                  <a:lumOff val="35000"/>
-                </a:schemeClr>
-              </a:solidFill>
-              <a:ln>
-                <a:noFill/>
-              </a:ln>
-            </p:spPr>
-            <p:style>
-              <a:lnRef idx="2">
-                <a:schemeClr val="accent1">
-                  <a:shade val="50000"/>
-                </a:schemeClr>
-              </a:lnRef>
-              <a:fillRef idx="1">
-                <a:schemeClr val="accent1"/>
-              </a:fillRef>
-              <a:effectRef idx="0">
-                <a:schemeClr val="accent1"/>
-              </a:effectRef>
-              <a:fontRef idx="minor">
-                <a:schemeClr val="lt1"/>
-              </a:fontRef>
-            </p:style>
-            <p:txBody>
-              <a:bodyPr rtlCol="0" anchor="ctr"/>
-              <a:lstStyle/>
-              <a:p>
-                <a:pPr algn="ctr"/>
-                <a:endParaRPr lang="en-US"/>
-              </a:p>
-            </p:txBody>
-          </p:sp>
-          <p:sp>
-            <p:nvSpPr>
-              <p:cNvPr id="33" name="矩形 32"/>
-              <p:cNvSpPr/>
-              <p:nvPr/>
-            </p:nvSpPr>
-            <p:spPr>
-              <a:xfrm>
-                <a:off x="7037872" y="3368302"/>
-                <a:ext cx="58623" cy="362466"/>
-              </a:xfrm>
-              <a:prstGeom prst="rect">
-                <a:avLst/>
-              </a:prstGeom>
-              <a:solidFill>
-                <a:schemeClr val="tx1">
-                  <a:lumMod val="65000"/>
-                  <a:lumOff val="35000"/>
-                </a:schemeClr>
-              </a:solidFill>
-              <a:ln>
-                <a:noFill/>
-              </a:ln>
-            </p:spPr>
-            <p:style>
-              <a:lnRef idx="2">
-                <a:schemeClr val="accent1">
-                  <a:shade val="50000"/>
-                </a:schemeClr>
-              </a:lnRef>
-              <a:fillRef idx="1">
-                <a:schemeClr val="accent1"/>
-              </a:fillRef>
-              <a:effectRef idx="0">
-                <a:schemeClr val="accent1"/>
-              </a:effectRef>
-              <a:fontRef idx="minor">
-                <a:schemeClr val="lt1"/>
-              </a:fontRef>
-            </p:style>
-            <p:txBody>
-              <a:bodyPr rtlCol="0" anchor="ctr"/>
-              <a:lstStyle/>
-              <a:p>
-                <a:pPr algn="ctr"/>
-                <a:endParaRPr lang="en-US"/>
-              </a:p>
-            </p:txBody>
-          </p:sp>
-          <p:sp>
-            <p:nvSpPr>
-              <p:cNvPr id="35" name="橢圓 34"/>
-              <p:cNvSpPr/>
-              <p:nvPr/>
-            </p:nvSpPr>
-            <p:spPr>
-              <a:xfrm>
-                <a:off x="4941280" y="2683445"/>
-                <a:ext cx="126000" cy="124691"/>
-              </a:xfrm>
-              <a:prstGeom prst="ellipse">
-                <a:avLst/>
-              </a:prstGeom>
-              <a:solidFill>
-                <a:schemeClr val="accent1">
-                  <a:lumMod val="60000"/>
-                  <a:lumOff val="40000"/>
-                </a:schemeClr>
-              </a:solidFill>
-              <a:ln>
-                <a:noFill/>
-              </a:ln>
-            </p:spPr>
-            <p:style>
-              <a:lnRef idx="2">
-                <a:schemeClr val="accent1">
-                  <a:shade val="50000"/>
-                </a:schemeClr>
-              </a:lnRef>
-              <a:fillRef idx="1">
-                <a:schemeClr val="accent1"/>
-              </a:fillRef>
-              <a:effectRef idx="0">
-                <a:schemeClr val="accent1"/>
-              </a:effectRef>
-              <a:fontRef idx="minor">
-                <a:schemeClr val="lt1"/>
-              </a:fontRef>
-            </p:style>
-            <p:txBody>
-              <a:bodyPr rtlCol="0" anchor="ctr"/>
-              <a:lstStyle/>
-              <a:p>
-                <a:pPr algn="ctr"/>
-                <a:endParaRPr lang="en-US"/>
-              </a:p>
-            </p:txBody>
-          </p:sp>
-          <p:sp>
-            <p:nvSpPr>
-              <p:cNvPr id="36" name="橢圓 35"/>
-              <p:cNvSpPr/>
-              <p:nvPr/>
-            </p:nvSpPr>
-            <p:spPr>
-              <a:xfrm>
-                <a:off x="4941280" y="3487189"/>
-                <a:ext cx="126000" cy="124691"/>
-              </a:xfrm>
-              <a:prstGeom prst="ellipse">
-                <a:avLst/>
-              </a:prstGeom>
-              <a:solidFill>
-                <a:schemeClr val="accent1">
-                  <a:lumMod val="60000"/>
-                  <a:lumOff val="40000"/>
-                </a:schemeClr>
-              </a:solidFill>
-              <a:ln>
-                <a:noFill/>
-              </a:ln>
-            </p:spPr>
-            <p:style>
-              <a:lnRef idx="2">
-                <a:schemeClr val="accent1">
-                  <a:shade val="50000"/>
-                </a:schemeClr>
-              </a:lnRef>
-              <a:fillRef idx="1">
-                <a:schemeClr val="accent1"/>
-              </a:fillRef>
-              <a:effectRef idx="0">
-                <a:schemeClr val="accent1"/>
-              </a:effectRef>
-              <a:fontRef idx="minor">
-                <a:schemeClr val="lt1"/>
-              </a:fontRef>
-            </p:style>
-            <p:txBody>
-              <a:bodyPr rtlCol="0" anchor="ctr"/>
-              <a:lstStyle/>
-              <a:p>
-                <a:pPr algn="ctr"/>
-                <a:endParaRPr lang="en-US"/>
-              </a:p>
-            </p:txBody>
-          </p:sp>
-          <p:sp>
-            <p:nvSpPr>
-              <p:cNvPr id="37" name="橢圓 36"/>
-              <p:cNvSpPr/>
-              <p:nvPr/>
-            </p:nvSpPr>
-            <p:spPr>
-              <a:xfrm>
-                <a:off x="5911711" y="2345253"/>
-                <a:ext cx="126000" cy="124691"/>
-              </a:xfrm>
-              <a:prstGeom prst="ellipse">
-                <a:avLst/>
-              </a:prstGeom>
-              <a:solidFill>
-                <a:schemeClr val="accent1">
-                  <a:lumMod val="60000"/>
-                  <a:lumOff val="40000"/>
-                </a:schemeClr>
-              </a:solidFill>
-              <a:ln>
-                <a:noFill/>
-              </a:ln>
-            </p:spPr>
-            <p:style>
-              <a:lnRef idx="2">
-                <a:schemeClr val="accent1">
-                  <a:shade val="50000"/>
-                </a:schemeClr>
-              </a:lnRef>
-              <a:fillRef idx="1">
-                <a:schemeClr val="accent1"/>
-              </a:fillRef>
-              <a:effectRef idx="0">
-                <a:schemeClr val="accent1"/>
-              </a:effectRef>
-              <a:fontRef idx="minor">
-                <a:schemeClr val="lt1"/>
-              </a:fontRef>
-            </p:style>
-            <p:txBody>
-              <a:bodyPr rtlCol="0" anchor="ctr"/>
-              <a:lstStyle/>
-              <a:p>
-                <a:pPr algn="ctr"/>
-                <a:endParaRPr lang="en-US"/>
-              </a:p>
-            </p:txBody>
-          </p:sp>
-          <p:sp>
-            <p:nvSpPr>
-              <p:cNvPr id="38" name="橢圓 37"/>
-              <p:cNvSpPr/>
-              <p:nvPr/>
-            </p:nvSpPr>
-            <p:spPr>
-              <a:xfrm>
-                <a:off x="6882142" y="2683445"/>
-                <a:ext cx="126000" cy="124691"/>
-              </a:xfrm>
-              <a:prstGeom prst="ellipse">
-                <a:avLst/>
-              </a:prstGeom>
-              <a:solidFill>
-                <a:schemeClr val="accent1">
-                  <a:lumMod val="60000"/>
-                  <a:lumOff val="40000"/>
-                </a:schemeClr>
-              </a:solidFill>
-              <a:ln>
-                <a:noFill/>
-              </a:ln>
-            </p:spPr>
-            <p:style>
-              <a:lnRef idx="2">
-                <a:schemeClr val="accent1">
-                  <a:shade val="50000"/>
-                </a:schemeClr>
-              </a:lnRef>
-              <a:fillRef idx="1">
-                <a:schemeClr val="accent1"/>
-              </a:fillRef>
-              <a:effectRef idx="0">
-                <a:schemeClr val="accent1"/>
-              </a:effectRef>
-              <a:fontRef idx="minor">
-                <a:schemeClr val="lt1"/>
-              </a:fontRef>
-            </p:style>
-            <p:txBody>
-              <a:bodyPr rtlCol="0" anchor="ctr"/>
-              <a:lstStyle/>
-              <a:p>
-                <a:pPr algn="ctr"/>
-                <a:endParaRPr lang="en-US"/>
-              </a:p>
-            </p:txBody>
-          </p:sp>
-          <p:sp>
-            <p:nvSpPr>
-              <p:cNvPr id="39" name="橢圓 38"/>
-              <p:cNvSpPr/>
-              <p:nvPr/>
-            </p:nvSpPr>
-            <p:spPr>
-              <a:xfrm>
-                <a:off x="6882142" y="3487189"/>
-                <a:ext cx="126000" cy="124691"/>
-              </a:xfrm>
-              <a:prstGeom prst="ellipse">
-                <a:avLst/>
-              </a:prstGeom>
-              <a:solidFill>
-                <a:schemeClr val="accent1">
-                  <a:lumMod val="60000"/>
-                  <a:lumOff val="40000"/>
-                </a:schemeClr>
-              </a:solidFill>
-              <a:ln>
-                <a:noFill/>
-              </a:ln>
-            </p:spPr>
-            <p:style>
-              <a:lnRef idx="2">
-                <a:schemeClr val="accent1">
-                  <a:shade val="50000"/>
-                </a:schemeClr>
-              </a:lnRef>
-              <a:fillRef idx="1">
-                <a:schemeClr val="accent1"/>
-              </a:fillRef>
-              <a:effectRef idx="0">
-                <a:schemeClr val="accent1"/>
-              </a:effectRef>
-              <a:fontRef idx="minor">
-                <a:schemeClr val="lt1"/>
-              </a:fontRef>
-            </p:style>
-            <p:txBody>
-              <a:bodyPr rtlCol="0" anchor="ctr"/>
-              <a:lstStyle/>
-              <a:p>
-                <a:pPr algn="ctr"/>
-                <a:endParaRPr lang="en-US"/>
-              </a:p>
-            </p:txBody>
-          </p:sp>
-          <p:grpSp>
-            <p:nvGrpSpPr>
-              <p:cNvPr id="44" name="群組 43"/>
-              <p:cNvGrpSpPr/>
-              <p:nvPr/>
-            </p:nvGrpSpPr>
-            <p:grpSpPr>
-              <a:xfrm>
-                <a:off x="7805820" y="2155219"/>
-                <a:ext cx="996818" cy="276999"/>
-                <a:chOff x="7805820" y="2155219"/>
-                <a:chExt cx="996818" cy="276999"/>
-              </a:xfrm>
-            </p:grpSpPr>
-            <p:sp>
-              <p:nvSpPr>
-                <p:cNvPr id="34" name="矩形 33"/>
-                <p:cNvSpPr/>
-                <p:nvPr/>
-              </p:nvSpPr>
-              <p:spPr>
-                <a:xfrm>
-                  <a:off x="7805820" y="2267143"/>
-                  <a:ext cx="379367" cy="78110"/>
-                </a:xfrm>
-                <a:prstGeom prst="rect">
-                  <a:avLst/>
-                </a:prstGeom>
-                <a:solidFill>
-                  <a:schemeClr val="tx1">
-                    <a:lumMod val="65000"/>
-                    <a:lumOff val="35000"/>
-                  </a:schemeClr>
-                </a:solidFill>
-                <a:ln>
-                  <a:noFill/>
-                </a:ln>
-              </p:spPr>
-              <p:style>
-                <a:lnRef idx="2">
-                  <a:schemeClr val="accent1">
-                    <a:shade val="50000"/>
-                  </a:schemeClr>
-                </a:lnRef>
-                <a:fillRef idx="1">
-                  <a:schemeClr val="accent1"/>
-                </a:fillRef>
-                <a:effectRef idx="0">
-                  <a:schemeClr val="accent1"/>
-                </a:effectRef>
-                <a:fontRef idx="minor">
-                  <a:schemeClr val="lt1"/>
-                </a:fontRef>
-              </p:style>
-              <p:txBody>
-                <a:bodyPr rtlCol="0" anchor="ctr"/>
-                <a:lstStyle/>
-                <a:p>
-                  <a:pPr algn="ctr"/>
-                  <a:endParaRPr lang="en-US"/>
-                </a:p>
-              </p:txBody>
-            </p:sp>
-            <p:sp>
-              <p:nvSpPr>
-                <p:cNvPr id="43" name="矩形 42"/>
-                <p:cNvSpPr/>
-                <p:nvPr/>
-              </p:nvSpPr>
-              <p:spPr>
-                <a:xfrm>
-                  <a:off x="8156307" y="2155219"/>
-                  <a:ext cx="646331" cy="276999"/>
-                </a:xfrm>
-                <a:prstGeom prst="rect">
-                  <a:avLst/>
-                </a:prstGeom>
-                <a:noFill/>
-              </p:spPr>
-              <p:txBody>
-                <a:bodyPr wrap="none" lIns="91440" tIns="45720" rIns="91440" bIns="45720">
-                  <a:spAutoFit/>
-                </a:bodyPr>
-                <a:lstStyle/>
-                <a:p>
-                  <a:pPr algn="ctr"/>
-                  <a:r>
-                    <a:rPr lang="zh-TW" altLang="en-US" sz="1200" b="0" cap="none" spc="0" dirty="0" smtClean="0">
-                      <a:ln w="0"/>
-                      <a:solidFill>
-                        <a:schemeClr val="tx1"/>
-                      </a:solidFill>
-                      <a:latin typeface="微軟正黑體" panose="020B0604030504040204" pitchFamily="34" charset="-120"/>
-                      <a:ea typeface="微軟正黑體" panose="020B0604030504040204" pitchFamily="34" charset="-120"/>
-                    </a:rPr>
-                    <a:t>：作品</a:t>
-                  </a:r>
-                  <a:endParaRPr lang="zh-TW" altLang="en-US" sz="1200" b="0" cap="none" spc="0" dirty="0">
-                    <a:ln w="0"/>
-                    <a:solidFill>
-                      <a:schemeClr val="tx1"/>
-                    </a:solidFill>
-                    <a:latin typeface="微軟正黑體" panose="020B0604030504040204" pitchFamily="34" charset="-120"/>
-                    <a:ea typeface="微軟正黑體" panose="020B0604030504040204" pitchFamily="34" charset="-120"/>
-                  </a:endParaRPr>
-                </a:p>
-              </p:txBody>
-            </p:sp>
-          </p:grpSp>
-          <p:sp>
-            <p:nvSpPr>
-              <p:cNvPr id="45" name="橢圓 44"/>
-              <p:cNvSpPr/>
-              <p:nvPr/>
-            </p:nvSpPr>
-            <p:spPr>
-              <a:xfrm>
-                <a:off x="7932503" y="2611845"/>
-                <a:ext cx="126000" cy="124691"/>
-              </a:xfrm>
-              <a:prstGeom prst="ellipse">
-                <a:avLst/>
-              </a:prstGeom>
-              <a:solidFill>
-                <a:schemeClr val="accent1">
-                  <a:lumMod val="60000"/>
-                  <a:lumOff val="40000"/>
-                </a:schemeClr>
-              </a:solidFill>
-              <a:ln>
-                <a:noFill/>
-              </a:ln>
-            </p:spPr>
-            <p:style>
-              <a:lnRef idx="2">
-                <a:schemeClr val="accent1">
-                  <a:shade val="50000"/>
-                </a:schemeClr>
-              </a:lnRef>
-              <a:fillRef idx="1">
-                <a:schemeClr val="accent1"/>
-              </a:fillRef>
-              <a:effectRef idx="0">
-                <a:schemeClr val="accent1"/>
-              </a:effectRef>
-              <a:fontRef idx="minor">
-                <a:schemeClr val="lt1"/>
-              </a:fontRef>
-            </p:style>
-            <p:txBody>
-              <a:bodyPr rtlCol="0" anchor="ctr"/>
-              <a:lstStyle/>
-              <a:p>
-                <a:pPr algn="ctr"/>
-                <a:endParaRPr lang="en-US"/>
-              </a:p>
-            </p:txBody>
-          </p:sp>
-          <p:sp>
-            <p:nvSpPr>
-              <p:cNvPr id="46" name="矩形 45"/>
-              <p:cNvSpPr/>
-              <p:nvPr/>
-            </p:nvSpPr>
-            <p:spPr>
-              <a:xfrm>
-                <a:off x="8167199" y="2531137"/>
-                <a:ext cx="872355" cy="276999"/>
-              </a:xfrm>
-              <a:prstGeom prst="rect">
-                <a:avLst/>
-              </a:prstGeom>
-              <a:noFill/>
-            </p:spPr>
-            <p:txBody>
-              <a:bodyPr wrap="none" lIns="91440" tIns="45720" rIns="91440" bIns="45720">
-                <a:spAutoFit/>
-              </a:bodyPr>
-              <a:lstStyle/>
-              <a:p>
-                <a:pPr algn="ctr"/>
-                <a:r>
-                  <a:rPr lang="zh-TW" altLang="en-US" sz="1200" b="0" cap="none" spc="0" dirty="0" smtClean="0">
-                    <a:ln w="0"/>
-                    <a:solidFill>
-                      <a:schemeClr val="tx1"/>
-                    </a:solidFill>
-                    <a:latin typeface="微軟正黑體" panose="020B0604030504040204" pitchFamily="34" charset="-120"/>
-                    <a:ea typeface="微軟正黑體" panose="020B0604030504040204" pitchFamily="34" charset="-120"/>
-                  </a:rPr>
-                  <a:t>：</a:t>
-                </a:r>
-                <a:r>
-                  <a:rPr lang="en-US" altLang="zh-TW" sz="1200" b="0" cap="none" spc="0" dirty="0" smtClean="0">
-                    <a:ln w="0"/>
-                    <a:solidFill>
-                      <a:schemeClr val="tx1"/>
-                    </a:solidFill>
-                    <a:latin typeface="微軟正黑體" panose="020B0604030504040204" pitchFamily="34" charset="-120"/>
-                    <a:ea typeface="微軟正黑體" panose="020B0604030504040204" pitchFamily="34" charset="-120"/>
-                  </a:rPr>
-                  <a:t>Beacon</a:t>
-                </a:r>
-                <a:endParaRPr lang="zh-TW" altLang="en-US" sz="1200" b="0" cap="none" spc="0" dirty="0">
+          <p:txBody>
+            <a:bodyPr wrap="none" lIns="91440" tIns="45720" rIns="91440" bIns="45720">
+              <a:spAutoFit/>
+            </a:bodyPr>
+            <a:lstStyle/>
+            <a:p>
+              <a:pPr algn="ctr"/>
+              <a:r>
+                <a:rPr lang="zh-TW" altLang="en-US" sz="1600" b="0" cap="none" spc="0" dirty="0" smtClean="0">
                   <a:ln w="0"/>
                   <a:solidFill>
                     <a:schemeClr val="tx1"/>
                   </a:solidFill>
                   <a:latin typeface="微軟正黑體" panose="020B0604030504040204" pitchFamily="34" charset="-120"/>
                   <a:ea typeface="微軟正黑體" panose="020B0604030504040204" pitchFamily="34" charset="-120"/>
-                </a:endParaRPr>
-              </a:p>
-            </p:txBody>
-          </p:sp>
-          <p:grpSp>
-            <p:nvGrpSpPr>
-              <p:cNvPr id="64" name="群組 63"/>
-              <p:cNvGrpSpPr/>
-              <p:nvPr/>
-            </p:nvGrpSpPr>
-            <p:grpSpPr>
-              <a:xfrm>
-                <a:off x="5803641" y="2917769"/>
-                <a:ext cx="349564" cy="904053"/>
-                <a:chOff x="5803641" y="2917769"/>
-                <a:chExt cx="349564" cy="904053"/>
-              </a:xfrm>
-            </p:grpSpPr>
-            <p:sp>
-              <p:nvSpPr>
-                <p:cNvPr id="47" name="橢圓 46"/>
-                <p:cNvSpPr/>
-                <p:nvPr/>
-              </p:nvSpPr>
-              <p:spPr>
-                <a:xfrm>
-                  <a:off x="5803641" y="2917769"/>
-                  <a:ext cx="317241" cy="263970"/>
-                </a:xfrm>
-                <a:prstGeom prst="ellipse">
-                  <a:avLst/>
-                </a:prstGeom>
-                <a:noFill/>
-                <a:ln>
-                  <a:solidFill>
-                    <a:schemeClr val="tx1">
-                      <a:lumMod val="75000"/>
-                      <a:lumOff val="25000"/>
-                    </a:schemeClr>
-                  </a:solidFill>
-                </a:ln>
-              </p:spPr>
-              <p:style>
-                <a:lnRef idx="2">
-                  <a:schemeClr val="accent1">
-                    <a:shade val="50000"/>
-                  </a:schemeClr>
-                </a:lnRef>
-                <a:fillRef idx="1">
-                  <a:schemeClr val="accent1"/>
-                </a:fillRef>
-                <a:effectRef idx="0">
-                  <a:schemeClr val="accent1"/>
-                </a:effectRef>
-                <a:fontRef idx="minor">
-                  <a:schemeClr val="lt1"/>
-                </a:fontRef>
-              </p:style>
-              <p:txBody>
-                <a:bodyPr rtlCol="0" anchor="ctr"/>
-                <a:lstStyle/>
-                <a:p>
-                  <a:pPr algn="ctr"/>
-                  <a:endParaRPr lang="en-US"/>
-                </a:p>
-              </p:txBody>
-            </p:sp>
-            <p:cxnSp>
-              <p:nvCxnSpPr>
-                <p:cNvPr id="49" name="直線接點 48"/>
-                <p:cNvCxnSpPr>
-                  <a:stCxn id="47" idx="4"/>
-                </p:cNvCxnSpPr>
-                <p:nvPr/>
-              </p:nvCxnSpPr>
-              <p:spPr>
-                <a:xfrm>
-                  <a:off x="5962262" y="3181739"/>
-                  <a:ext cx="7054" cy="447825"/>
-                </a:xfrm>
-                <a:prstGeom prst="line">
-                  <a:avLst/>
-                </a:prstGeom>
-              </p:spPr>
-              <p:style>
-                <a:lnRef idx="1">
-                  <a:schemeClr val="dk1"/>
-                </a:lnRef>
-                <a:fillRef idx="0">
-                  <a:schemeClr val="dk1"/>
-                </a:fillRef>
-                <a:effectRef idx="0">
-                  <a:schemeClr val="dk1"/>
-                </a:effectRef>
-                <a:fontRef idx="minor">
+                </a:rPr>
+                <a:t>看一看</a:t>
+              </a:r>
+              <a:endParaRPr lang="en-US" altLang="zh-TW" sz="1600" b="0" cap="none" spc="0" dirty="0" smtClean="0">
+                <a:ln w="0"/>
+                <a:solidFill>
                   <a:schemeClr val="tx1"/>
-                </a:fontRef>
-              </p:style>
-            </p:cxnSp>
-            <p:cxnSp>
-              <p:nvCxnSpPr>
-                <p:cNvPr id="52" name="直線接點 51"/>
-                <p:cNvCxnSpPr/>
-                <p:nvPr/>
-              </p:nvCxnSpPr>
-              <p:spPr>
-                <a:xfrm flipH="1">
-                  <a:off x="5843626" y="3629564"/>
-                  <a:ext cx="125690" cy="192258"/>
-                </a:xfrm>
-                <a:prstGeom prst="line">
-                  <a:avLst/>
-                </a:prstGeom>
-              </p:spPr>
-              <p:style>
-                <a:lnRef idx="1">
-                  <a:schemeClr val="dk1"/>
-                </a:lnRef>
-                <a:fillRef idx="0">
-                  <a:schemeClr val="dk1"/>
-                </a:fillRef>
-                <a:effectRef idx="0">
-                  <a:schemeClr val="dk1"/>
-                </a:effectRef>
-                <a:fontRef idx="minor">
-                  <a:schemeClr val="tx1"/>
-                </a:fontRef>
-              </p:style>
-            </p:cxnSp>
-            <p:cxnSp>
-              <p:nvCxnSpPr>
-                <p:cNvPr id="54" name="直線接點 53"/>
-                <p:cNvCxnSpPr/>
-                <p:nvPr/>
-              </p:nvCxnSpPr>
-              <p:spPr>
-                <a:xfrm>
-                  <a:off x="5980106" y="3629564"/>
-                  <a:ext cx="125424" cy="192258"/>
-                </a:xfrm>
-                <a:prstGeom prst="line">
-                  <a:avLst/>
-                </a:prstGeom>
-              </p:spPr>
-              <p:style>
-                <a:lnRef idx="1">
-                  <a:schemeClr val="dk1"/>
-                </a:lnRef>
-                <a:fillRef idx="0">
-                  <a:schemeClr val="dk1"/>
-                </a:fillRef>
-                <a:effectRef idx="0">
-                  <a:schemeClr val="dk1"/>
-                </a:effectRef>
-                <a:fontRef idx="minor">
-                  <a:schemeClr val="tx1"/>
-                </a:fontRef>
-              </p:style>
-            </p:cxnSp>
-            <p:cxnSp>
-              <p:nvCxnSpPr>
-                <p:cNvPr id="57" name="直線接點 56"/>
-                <p:cNvCxnSpPr/>
-                <p:nvPr/>
-              </p:nvCxnSpPr>
-              <p:spPr>
-                <a:xfrm flipV="1">
-                  <a:off x="5962261" y="3268548"/>
-                  <a:ext cx="158621" cy="137103"/>
-                </a:xfrm>
-                <a:prstGeom prst="line">
-                  <a:avLst/>
-                </a:prstGeom>
-              </p:spPr>
-              <p:style>
-                <a:lnRef idx="1">
-                  <a:schemeClr val="dk1"/>
-                </a:lnRef>
-                <a:fillRef idx="0">
-                  <a:schemeClr val="dk1"/>
-                </a:fillRef>
-                <a:effectRef idx="0">
-                  <a:schemeClr val="dk1"/>
-                </a:effectRef>
-                <a:fontRef idx="minor">
-                  <a:schemeClr val="tx1"/>
-                </a:fontRef>
-              </p:style>
-            </p:cxnSp>
-            <p:sp>
-              <p:nvSpPr>
-                <p:cNvPr id="61" name="手繪多邊形 60"/>
-                <p:cNvSpPr/>
-                <p:nvPr/>
-              </p:nvSpPr>
-              <p:spPr>
-                <a:xfrm>
-                  <a:off x="5891948" y="3312158"/>
-                  <a:ext cx="261257" cy="200729"/>
-                </a:xfrm>
-                <a:custGeom>
-                  <a:avLst/>
-                  <a:gdLst>
-                    <a:gd name="connsiteX0" fmla="*/ 0 w 261257"/>
-                    <a:gd name="connsiteY0" fmla="*/ 121298 h 200729"/>
-                    <a:gd name="connsiteX1" fmla="*/ 139959 w 261257"/>
-                    <a:gd name="connsiteY1" fmla="*/ 195943 h 200729"/>
-                    <a:gd name="connsiteX2" fmla="*/ 261257 w 261257"/>
-                    <a:gd name="connsiteY2" fmla="*/ 0 h 200729"/>
-                  </a:gdLst>
-                  <a:ahLst/>
-                  <a:cxnLst>
-                    <a:cxn ang="0">
-                      <a:pos x="connsiteX0" y="connsiteY0"/>
-                    </a:cxn>
-                    <a:cxn ang="0">
-                      <a:pos x="connsiteX1" y="connsiteY1"/>
-                    </a:cxn>
-                    <a:cxn ang="0">
-                      <a:pos x="connsiteX2" y="connsiteY2"/>
-                    </a:cxn>
-                  </a:cxnLst>
-                  <a:rect l="l" t="t" r="r" b="b"/>
-                  <a:pathLst>
-                    <a:path w="261257" h="200729">
-                      <a:moveTo>
-                        <a:pt x="0" y="121298"/>
-                      </a:moveTo>
-                      <a:cubicBezTo>
-                        <a:pt x="48208" y="168728"/>
-                        <a:pt x="96416" y="216159"/>
-                        <a:pt x="139959" y="195943"/>
-                      </a:cubicBezTo>
-                      <a:cubicBezTo>
-                        <a:pt x="183502" y="175727"/>
-                        <a:pt x="222379" y="87863"/>
-                        <a:pt x="261257" y="0"/>
-                      </a:cubicBezTo>
-                    </a:path>
-                  </a:pathLst>
-                </a:custGeom>
-              </p:spPr>
-              <p:style>
-                <a:lnRef idx="1">
-                  <a:schemeClr val="dk1"/>
-                </a:lnRef>
-                <a:fillRef idx="0">
-                  <a:schemeClr val="dk1"/>
-                </a:fillRef>
-                <a:effectRef idx="0">
-                  <a:schemeClr val="dk1"/>
-                </a:effectRef>
-                <a:fontRef idx="minor">
-                  <a:schemeClr val="tx1"/>
-                </a:fontRef>
-              </p:style>
-              <p:txBody>
-                <a:bodyPr rtlCol="0" anchor="ctr"/>
-                <a:lstStyle/>
-                <a:p>
-                  <a:pPr algn="ctr"/>
-                  <a:endParaRPr lang="en-US"/>
-                </a:p>
-              </p:txBody>
-            </p:sp>
-          </p:grpSp>
-          <p:grpSp>
-            <p:nvGrpSpPr>
-              <p:cNvPr id="65" name="群組 64"/>
-              <p:cNvGrpSpPr/>
-              <p:nvPr/>
-            </p:nvGrpSpPr>
-            <p:grpSpPr>
-              <a:xfrm>
-                <a:off x="6151279" y="2964697"/>
-                <a:ext cx="284917" cy="454443"/>
-                <a:chOff x="6151279" y="2964697"/>
-                <a:chExt cx="284917" cy="454443"/>
-              </a:xfrm>
-            </p:grpSpPr>
-            <p:sp>
-              <p:nvSpPr>
-                <p:cNvPr id="62" name="矩形 61"/>
-                <p:cNvSpPr/>
-                <p:nvPr/>
-              </p:nvSpPr>
-              <p:spPr>
-                <a:xfrm>
-                  <a:off x="6151279" y="2964697"/>
-                  <a:ext cx="284917" cy="447825"/>
-                </a:xfrm>
-                <a:prstGeom prst="rect">
-                  <a:avLst/>
-                </a:prstGeom>
-                <a:noFill/>
-                <a:ln>
-                  <a:solidFill>
-                    <a:schemeClr val="bg2">
-                      <a:lumMod val="25000"/>
-                    </a:schemeClr>
-                  </a:solidFill>
-                </a:ln>
-              </p:spPr>
-              <p:style>
-                <a:lnRef idx="2">
-                  <a:schemeClr val="accent1">
-                    <a:shade val="50000"/>
-                  </a:schemeClr>
-                </a:lnRef>
-                <a:fillRef idx="1">
-                  <a:schemeClr val="accent1"/>
-                </a:fillRef>
-                <a:effectRef idx="0">
-                  <a:schemeClr val="accent1"/>
-                </a:effectRef>
-                <a:fontRef idx="minor">
-                  <a:schemeClr val="lt1"/>
-                </a:fontRef>
-              </p:style>
-              <p:txBody>
-                <a:bodyPr rtlCol="0" anchor="ctr"/>
-                <a:lstStyle/>
-                <a:p>
-                  <a:pPr algn="ctr"/>
-                  <a:endParaRPr lang="en-US"/>
-                </a:p>
-              </p:txBody>
-            </p:sp>
-            <p:sp>
-              <p:nvSpPr>
-                <p:cNvPr id="63" name="橢圓 62"/>
-                <p:cNvSpPr/>
-                <p:nvPr/>
-              </p:nvSpPr>
-              <p:spPr>
-                <a:xfrm>
-                  <a:off x="6231700" y="3294449"/>
-                  <a:ext cx="126000" cy="124691"/>
-                </a:xfrm>
-                <a:prstGeom prst="ellipse">
-                  <a:avLst/>
-                </a:prstGeom>
-                <a:noFill/>
-                <a:ln>
-                  <a:solidFill>
-                    <a:schemeClr val="bg2">
-                      <a:lumMod val="25000"/>
-                    </a:schemeClr>
-                  </a:solidFill>
-                </a:ln>
-              </p:spPr>
-              <p:style>
-                <a:lnRef idx="2">
-                  <a:schemeClr val="accent1">
-                    <a:shade val="50000"/>
-                  </a:schemeClr>
-                </a:lnRef>
-                <a:fillRef idx="1">
-                  <a:schemeClr val="accent1"/>
-                </a:fillRef>
-                <a:effectRef idx="0">
-                  <a:schemeClr val="accent1"/>
-                </a:effectRef>
-                <a:fontRef idx="minor">
-                  <a:schemeClr val="lt1"/>
-                </a:fontRef>
-              </p:style>
-              <p:txBody>
-                <a:bodyPr rtlCol="0" anchor="ctr"/>
-                <a:lstStyle/>
-                <a:p>
-                  <a:pPr algn="ctr"/>
-                  <a:endParaRPr lang="en-US"/>
-                </a:p>
-              </p:txBody>
-            </p:sp>
-          </p:grpSp>
-          <p:grpSp>
-            <p:nvGrpSpPr>
-              <p:cNvPr id="66" name="群組 65"/>
-              <p:cNvGrpSpPr/>
-              <p:nvPr/>
-            </p:nvGrpSpPr>
-            <p:grpSpPr>
-              <a:xfrm>
-                <a:off x="7903484" y="2949979"/>
-                <a:ext cx="190090" cy="455672"/>
-                <a:chOff x="5803641" y="2917769"/>
-                <a:chExt cx="349564" cy="904053"/>
-              </a:xfrm>
-            </p:grpSpPr>
-            <p:sp>
-              <p:nvSpPr>
-                <p:cNvPr id="67" name="橢圓 66"/>
-                <p:cNvSpPr/>
-                <p:nvPr/>
-              </p:nvSpPr>
-              <p:spPr>
-                <a:xfrm>
-                  <a:off x="5803641" y="2917769"/>
-                  <a:ext cx="317241" cy="263970"/>
-                </a:xfrm>
-                <a:prstGeom prst="ellipse">
-                  <a:avLst/>
-                </a:prstGeom>
-                <a:noFill/>
-                <a:ln>
-                  <a:solidFill>
-                    <a:schemeClr val="tx1">
-                      <a:lumMod val="75000"/>
-                      <a:lumOff val="25000"/>
-                    </a:schemeClr>
-                  </a:solidFill>
-                </a:ln>
-              </p:spPr>
-              <p:style>
-                <a:lnRef idx="2">
-                  <a:schemeClr val="accent1">
-                    <a:shade val="50000"/>
-                  </a:schemeClr>
-                </a:lnRef>
-                <a:fillRef idx="1">
-                  <a:schemeClr val="accent1"/>
-                </a:fillRef>
-                <a:effectRef idx="0">
-                  <a:schemeClr val="accent1"/>
-                </a:effectRef>
-                <a:fontRef idx="minor">
-                  <a:schemeClr val="lt1"/>
-                </a:fontRef>
-              </p:style>
-              <p:txBody>
-                <a:bodyPr rtlCol="0" anchor="ctr"/>
-                <a:lstStyle/>
-                <a:p>
-                  <a:pPr algn="ctr"/>
-                  <a:endParaRPr lang="en-US"/>
-                </a:p>
-              </p:txBody>
-            </p:sp>
-            <p:cxnSp>
-              <p:nvCxnSpPr>
-                <p:cNvPr id="68" name="直線接點 67"/>
-                <p:cNvCxnSpPr>
-                  <a:stCxn id="67" idx="4"/>
-                </p:cNvCxnSpPr>
-                <p:nvPr/>
-              </p:nvCxnSpPr>
-              <p:spPr>
-                <a:xfrm>
-                  <a:off x="5962262" y="3181739"/>
-                  <a:ext cx="7054" cy="447825"/>
-                </a:xfrm>
-                <a:prstGeom prst="line">
-                  <a:avLst/>
-                </a:prstGeom>
-              </p:spPr>
-              <p:style>
-                <a:lnRef idx="1">
-                  <a:schemeClr val="dk1"/>
-                </a:lnRef>
-                <a:fillRef idx="0">
-                  <a:schemeClr val="dk1"/>
-                </a:fillRef>
-                <a:effectRef idx="0">
-                  <a:schemeClr val="dk1"/>
-                </a:effectRef>
-                <a:fontRef idx="minor">
-                  <a:schemeClr val="tx1"/>
-                </a:fontRef>
-              </p:style>
-            </p:cxnSp>
-            <p:cxnSp>
-              <p:nvCxnSpPr>
-                <p:cNvPr id="69" name="直線接點 68"/>
-                <p:cNvCxnSpPr/>
-                <p:nvPr/>
-              </p:nvCxnSpPr>
-              <p:spPr>
-                <a:xfrm flipH="1">
-                  <a:off x="5843626" y="3629564"/>
-                  <a:ext cx="125690" cy="192258"/>
-                </a:xfrm>
-                <a:prstGeom prst="line">
-                  <a:avLst/>
-                </a:prstGeom>
-              </p:spPr>
-              <p:style>
-                <a:lnRef idx="1">
-                  <a:schemeClr val="dk1"/>
-                </a:lnRef>
-                <a:fillRef idx="0">
-                  <a:schemeClr val="dk1"/>
-                </a:fillRef>
-                <a:effectRef idx="0">
-                  <a:schemeClr val="dk1"/>
-                </a:effectRef>
-                <a:fontRef idx="minor">
-                  <a:schemeClr val="tx1"/>
-                </a:fontRef>
-              </p:style>
-            </p:cxnSp>
-            <p:cxnSp>
-              <p:nvCxnSpPr>
-                <p:cNvPr id="70" name="直線接點 69"/>
-                <p:cNvCxnSpPr/>
-                <p:nvPr/>
-              </p:nvCxnSpPr>
-              <p:spPr>
-                <a:xfrm>
-                  <a:off x="5980106" y="3629564"/>
-                  <a:ext cx="125424" cy="192258"/>
-                </a:xfrm>
-                <a:prstGeom prst="line">
-                  <a:avLst/>
-                </a:prstGeom>
-              </p:spPr>
-              <p:style>
-                <a:lnRef idx="1">
-                  <a:schemeClr val="dk1"/>
-                </a:lnRef>
-                <a:fillRef idx="0">
-                  <a:schemeClr val="dk1"/>
-                </a:fillRef>
-                <a:effectRef idx="0">
-                  <a:schemeClr val="dk1"/>
-                </a:effectRef>
-                <a:fontRef idx="minor">
-                  <a:schemeClr val="tx1"/>
-                </a:fontRef>
-              </p:style>
-            </p:cxnSp>
-            <p:cxnSp>
-              <p:nvCxnSpPr>
-                <p:cNvPr id="71" name="直線接點 70"/>
-                <p:cNvCxnSpPr/>
-                <p:nvPr/>
-              </p:nvCxnSpPr>
-              <p:spPr>
-                <a:xfrm flipV="1">
-                  <a:off x="5962261" y="3268548"/>
-                  <a:ext cx="158621" cy="137103"/>
-                </a:xfrm>
-                <a:prstGeom prst="line">
-                  <a:avLst/>
-                </a:prstGeom>
-              </p:spPr>
-              <p:style>
-                <a:lnRef idx="1">
-                  <a:schemeClr val="dk1"/>
-                </a:lnRef>
-                <a:fillRef idx="0">
-                  <a:schemeClr val="dk1"/>
-                </a:fillRef>
-                <a:effectRef idx="0">
-                  <a:schemeClr val="dk1"/>
-                </a:effectRef>
-                <a:fontRef idx="minor">
-                  <a:schemeClr val="tx1"/>
-                </a:fontRef>
-              </p:style>
-            </p:cxnSp>
-            <p:sp>
-              <p:nvSpPr>
-                <p:cNvPr id="72" name="手繪多邊形 71"/>
-                <p:cNvSpPr/>
-                <p:nvPr/>
-              </p:nvSpPr>
-              <p:spPr>
-                <a:xfrm>
-                  <a:off x="5891948" y="3312158"/>
-                  <a:ext cx="261257" cy="200729"/>
-                </a:xfrm>
-                <a:custGeom>
-                  <a:avLst/>
-                  <a:gdLst>
-                    <a:gd name="connsiteX0" fmla="*/ 0 w 261257"/>
-                    <a:gd name="connsiteY0" fmla="*/ 121298 h 200729"/>
-                    <a:gd name="connsiteX1" fmla="*/ 139959 w 261257"/>
-                    <a:gd name="connsiteY1" fmla="*/ 195943 h 200729"/>
-                    <a:gd name="connsiteX2" fmla="*/ 261257 w 261257"/>
-                    <a:gd name="connsiteY2" fmla="*/ 0 h 200729"/>
-                  </a:gdLst>
-                  <a:ahLst/>
-                  <a:cxnLst>
-                    <a:cxn ang="0">
-                      <a:pos x="connsiteX0" y="connsiteY0"/>
-                    </a:cxn>
-                    <a:cxn ang="0">
-                      <a:pos x="connsiteX1" y="connsiteY1"/>
-                    </a:cxn>
-                    <a:cxn ang="0">
-                      <a:pos x="connsiteX2" y="connsiteY2"/>
-                    </a:cxn>
-                  </a:cxnLst>
-                  <a:rect l="l" t="t" r="r" b="b"/>
-                  <a:pathLst>
-                    <a:path w="261257" h="200729">
-                      <a:moveTo>
-                        <a:pt x="0" y="121298"/>
-                      </a:moveTo>
-                      <a:cubicBezTo>
-                        <a:pt x="48208" y="168728"/>
-                        <a:pt x="96416" y="216159"/>
-                        <a:pt x="139959" y="195943"/>
-                      </a:cubicBezTo>
-                      <a:cubicBezTo>
-                        <a:pt x="183502" y="175727"/>
-                        <a:pt x="222379" y="87863"/>
-                        <a:pt x="261257" y="0"/>
-                      </a:cubicBezTo>
-                    </a:path>
-                  </a:pathLst>
-                </a:custGeom>
-              </p:spPr>
-              <p:style>
-                <a:lnRef idx="1">
-                  <a:schemeClr val="dk1"/>
-                </a:lnRef>
-                <a:fillRef idx="0">
-                  <a:schemeClr val="dk1"/>
-                </a:fillRef>
-                <a:effectRef idx="0">
-                  <a:schemeClr val="dk1"/>
-                </a:effectRef>
-                <a:fontRef idx="minor">
-                  <a:schemeClr val="tx1"/>
-                </a:fontRef>
-              </p:style>
-              <p:txBody>
-                <a:bodyPr rtlCol="0" anchor="ctr"/>
-                <a:lstStyle/>
-                <a:p>
-                  <a:pPr algn="ctr"/>
-                  <a:endParaRPr lang="en-US"/>
-                </a:p>
-              </p:txBody>
-            </p:sp>
-          </p:grpSp>
-          <p:sp>
-            <p:nvSpPr>
-              <p:cNvPr id="73" name="矩形 72"/>
-              <p:cNvSpPr/>
-              <p:nvPr/>
-            </p:nvSpPr>
-            <p:spPr>
-              <a:xfrm>
-                <a:off x="8180363" y="3066170"/>
-                <a:ext cx="646331" cy="276999"/>
-              </a:xfrm>
-              <a:prstGeom prst="rect">
-                <a:avLst/>
-              </a:prstGeom>
-              <a:noFill/>
-            </p:spPr>
-            <p:txBody>
-              <a:bodyPr wrap="none" lIns="91440" tIns="45720" rIns="91440" bIns="45720">
-                <a:spAutoFit/>
-              </a:bodyPr>
-              <a:lstStyle/>
-              <a:p>
-                <a:pPr algn="ctr"/>
-                <a:r>
-                  <a:rPr lang="zh-TW" altLang="en-US" sz="1200" b="0" cap="none" spc="0" dirty="0" smtClean="0">
-                    <a:ln w="0"/>
-                    <a:solidFill>
-                      <a:schemeClr val="tx1"/>
-                    </a:solidFill>
-                    <a:latin typeface="微軟正黑體" panose="020B0604030504040204" pitchFamily="34" charset="-120"/>
-                    <a:ea typeface="微軟正黑體" panose="020B0604030504040204" pitchFamily="34" charset="-120"/>
-                  </a:rPr>
-                  <a:t>：訪客</a:t>
-                </a:r>
-                <a:endParaRPr lang="zh-TW" altLang="en-US" sz="1200" b="0" cap="none" spc="0" dirty="0">
+                </a:solidFill>
+                <a:latin typeface="微軟正黑體" panose="020B0604030504040204" pitchFamily="34" charset="-120"/>
+                <a:ea typeface="微軟正黑體" panose="020B0604030504040204" pitchFamily="34" charset="-120"/>
+              </a:endParaRPr>
+            </a:p>
+            <a:p>
+              <a:pPr algn="ctr"/>
+              <a:r>
+                <a:rPr lang="zh-TW" altLang="en-US" sz="1600" b="0" cap="none" spc="0" dirty="0" smtClean="0">
                   <a:ln w="0"/>
                   <a:solidFill>
                     <a:schemeClr val="tx1"/>
                   </a:solidFill>
                   <a:latin typeface="微軟正黑體" panose="020B0604030504040204" pitchFamily="34" charset="-120"/>
                   <a:ea typeface="微軟正黑體" panose="020B0604030504040204" pitchFamily="34" charset="-120"/>
-                </a:endParaRPr>
-              </a:p>
-            </p:txBody>
-          </p:sp>
-          <p:grpSp>
-            <p:nvGrpSpPr>
-              <p:cNvPr id="74" name="群組 73"/>
-              <p:cNvGrpSpPr/>
-              <p:nvPr/>
-            </p:nvGrpSpPr>
-            <p:grpSpPr>
-              <a:xfrm>
-                <a:off x="7889904" y="3611883"/>
-                <a:ext cx="214994" cy="321787"/>
-                <a:chOff x="6151279" y="2964697"/>
-                <a:chExt cx="284917" cy="447825"/>
-              </a:xfrm>
-            </p:grpSpPr>
-            <p:sp>
-              <p:nvSpPr>
-                <p:cNvPr id="75" name="矩形 74"/>
-                <p:cNvSpPr/>
-                <p:nvPr/>
-              </p:nvSpPr>
-              <p:spPr>
-                <a:xfrm>
-                  <a:off x="6151279" y="2964697"/>
-                  <a:ext cx="284917" cy="447825"/>
-                </a:xfrm>
-                <a:prstGeom prst="rect">
-                  <a:avLst/>
-                </a:prstGeom>
-                <a:noFill/>
-                <a:ln>
-                  <a:solidFill>
-                    <a:schemeClr val="bg2">
-                      <a:lumMod val="25000"/>
-                    </a:schemeClr>
-                  </a:solidFill>
-                </a:ln>
-              </p:spPr>
-              <p:style>
-                <a:lnRef idx="2">
-                  <a:schemeClr val="accent1">
-                    <a:shade val="50000"/>
-                  </a:schemeClr>
-                </a:lnRef>
-                <a:fillRef idx="1">
-                  <a:schemeClr val="accent1"/>
-                </a:fillRef>
-                <a:effectRef idx="0">
-                  <a:schemeClr val="accent1"/>
-                </a:effectRef>
-                <a:fontRef idx="minor">
-                  <a:schemeClr val="lt1"/>
-                </a:fontRef>
-              </p:style>
-              <p:txBody>
-                <a:bodyPr rtlCol="0" anchor="ctr"/>
-                <a:lstStyle/>
-                <a:p>
-                  <a:pPr algn="ctr"/>
-                  <a:endParaRPr lang="en-US"/>
-                </a:p>
-              </p:txBody>
-            </p:sp>
-            <p:sp>
-              <p:nvSpPr>
-                <p:cNvPr id="76" name="橢圓 75"/>
-                <p:cNvSpPr/>
-                <p:nvPr/>
-              </p:nvSpPr>
-              <p:spPr>
-                <a:xfrm>
-                  <a:off x="6231699" y="3268479"/>
-                  <a:ext cx="126000" cy="124690"/>
-                </a:xfrm>
-                <a:prstGeom prst="ellipse">
-                  <a:avLst/>
-                </a:prstGeom>
-                <a:noFill/>
-                <a:ln>
-                  <a:solidFill>
-                    <a:schemeClr val="bg2">
-                      <a:lumMod val="25000"/>
-                    </a:schemeClr>
-                  </a:solidFill>
-                </a:ln>
-              </p:spPr>
-              <p:style>
-                <a:lnRef idx="2">
-                  <a:schemeClr val="accent1">
-                    <a:shade val="50000"/>
-                  </a:schemeClr>
-                </a:lnRef>
-                <a:fillRef idx="1">
-                  <a:schemeClr val="accent1"/>
-                </a:fillRef>
-                <a:effectRef idx="0">
-                  <a:schemeClr val="accent1"/>
-                </a:effectRef>
-                <a:fontRef idx="minor">
-                  <a:schemeClr val="lt1"/>
-                </a:fontRef>
-              </p:style>
-              <p:txBody>
-                <a:bodyPr rtlCol="0" anchor="ctr"/>
-                <a:lstStyle/>
-                <a:p>
-                  <a:pPr algn="ctr"/>
-                  <a:endParaRPr lang="en-US"/>
-                </a:p>
-              </p:txBody>
-            </p:sp>
-          </p:grpSp>
-          <p:sp>
-            <p:nvSpPr>
-              <p:cNvPr id="77" name="矩形 76"/>
-              <p:cNvSpPr/>
-              <p:nvPr/>
-            </p:nvSpPr>
-            <p:spPr>
-              <a:xfrm>
-                <a:off x="8031299" y="3656668"/>
-                <a:ext cx="954107" cy="276999"/>
-              </a:xfrm>
-              <a:prstGeom prst="rect">
-                <a:avLst/>
-              </a:prstGeom>
-              <a:noFill/>
-            </p:spPr>
-            <p:txBody>
-              <a:bodyPr wrap="none" lIns="91440" tIns="45720" rIns="91440" bIns="45720">
-                <a:spAutoFit/>
-              </a:bodyPr>
-              <a:lstStyle/>
-              <a:p>
-                <a:pPr algn="ctr"/>
-                <a:r>
-                  <a:rPr lang="zh-TW" altLang="en-US" sz="1200" b="0" cap="none" spc="0" dirty="0" smtClean="0">
-                    <a:ln w="0"/>
-                    <a:solidFill>
-                      <a:schemeClr val="tx1"/>
-                    </a:solidFill>
-                    <a:latin typeface="微軟正黑體" panose="020B0604030504040204" pitchFamily="34" charset="-120"/>
-                    <a:ea typeface="微軟正黑體" panose="020B0604030504040204" pitchFamily="34" charset="-120"/>
-                  </a:rPr>
-                  <a:t>：行動裝置</a:t>
-                </a:r>
-                <a:endParaRPr lang="zh-TW" altLang="en-US" sz="1200" b="0" cap="none" spc="0" dirty="0">
-                  <a:ln w="0"/>
-                  <a:solidFill>
-                    <a:schemeClr val="tx1"/>
-                  </a:solidFill>
-                  <a:latin typeface="微軟正黑體" panose="020B0604030504040204" pitchFamily="34" charset="-120"/>
-                  <a:ea typeface="微軟正黑體" panose="020B0604030504040204" pitchFamily="34" charset="-120"/>
-                </a:endParaRPr>
-              </a:p>
-            </p:txBody>
-          </p:sp>
-        </p:grpSp>
-        <p:grpSp>
-          <p:nvGrpSpPr>
-            <p:cNvPr id="81" name="群組 80"/>
-            <p:cNvGrpSpPr/>
-            <p:nvPr/>
-          </p:nvGrpSpPr>
-          <p:grpSpPr>
-            <a:xfrm>
-              <a:off x="6961929" y="2200318"/>
-              <a:ext cx="2621611" cy="2007611"/>
-              <a:chOff x="6961929" y="2200318"/>
-              <a:chExt cx="2621611" cy="2007611"/>
-            </a:xfrm>
-          </p:grpSpPr>
-          <p:sp>
-            <p:nvSpPr>
-              <p:cNvPr id="78" name="矩形 77"/>
-              <p:cNvSpPr/>
-              <p:nvPr/>
-            </p:nvSpPr>
-            <p:spPr>
-              <a:xfrm>
-                <a:off x="6999178" y="2371882"/>
-                <a:ext cx="2584362" cy="1569660"/>
-              </a:xfrm>
-              <a:prstGeom prst="rect">
-                <a:avLst/>
-              </a:prstGeom>
-              <a:noFill/>
-            </p:spPr>
-            <p:txBody>
-              <a:bodyPr wrap="none" lIns="91440" tIns="45720" rIns="91440" bIns="45720">
-                <a:spAutoFit/>
-              </a:bodyPr>
-              <a:lstStyle/>
-              <a:p>
-                <a:pPr marL="171450" indent="-171450">
-                  <a:lnSpc>
-                    <a:spcPct val="200000"/>
-                  </a:lnSpc>
-                  <a:buFont typeface="Arial" panose="020B0604020202020204" pitchFamily="34" charset="0"/>
-                  <a:buChar char="•"/>
-                </a:pPr>
-                <a:r>
-                  <a:rPr lang="zh-TW" altLang="en-US" sz="1200" b="0" cap="none" spc="0" dirty="0" smtClean="0">
-                    <a:ln w="0"/>
-                    <a:solidFill>
-                      <a:schemeClr val="tx1"/>
-                    </a:solidFill>
-                    <a:latin typeface="微軟正黑體" panose="020B0604030504040204" pitchFamily="34" charset="-120"/>
-                    <a:ea typeface="微軟正黑體" panose="020B0604030504040204" pitchFamily="34" charset="-120"/>
-                  </a:rPr>
-                  <a:t>在展間佈置</a:t>
-                </a:r>
-                <a:r>
-                  <a:rPr lang="en-US" altLang="zh-TW" sz="1200" b="0" cap="none" spc="0" dirty="0" smtClean="0">
-                    <a:ln w="0"/>
-                    <a:solidFill>
-                      <a:schemeClr val="tx1"/>
-                    </a:solidFill>
-                    <a:latin typeface="微軟正黑體" panose="020B0604030504040204" pitchFamily="34" charset="-120"/>
-                    <a:ea typeface="微軟正黑體" panose="020B0604030504040204" pitchFamily="34" charset="-120"/>
-                  </a:rPr>
-                  <a:t>Beacon</a:t>
-                </a:r>
-                <a:r>
-                  <a:rPr lang="zh-TW" altLang="en-US" sz="1200" b="0" cap="none" spc="0" dirty="0" smtClean="0">
-                    <a:ln w="0"/>
-                    <a:solidFill>
-                      <a:schemeClr val="tx1"/>
-                    </a:solidFill>
-                    <a:latin typeface="微軟正黑體" panose="020B0604030504040204" pitchFamily="34" charset="-120"/>
-                    <a:ea typeface="微軟正黑體" panose="020B0604030504040204" pitchFamily="34" charset="-120"/>
-                  </a:rPr>
-                  <a:t>能夠即時傳送</a:t>
-                </a:r>
-                <a:endParaRPr lang="en-US" altLang="zh-TW" sz="1200" b="0" cap="none" spc="0" dirty="0" smtClean="0">
-                  <a:ln w="0"/>
-                  <a:solidFill>
-                    <a:schemeClr val="tx1"/>
-                  </a:solidFill>
-                  <a:latin typeface="微軟正黑體" panose="020B0604030504040204" pitchFamily="34" charset="-120"/>
-                  <a:ea typeface="微軟正黑體" panose="020B0604030504040204" pitchFamily="34" charset="-120"/>
-                </a:endParaRPr>
-              </a:p>
-              <a:p>
-                <a:pPr>
-                  <a:lnSpc>
-                    <a:spcPct val="200000"/>
-                  </a:lnSpc>
-                </a:pPr>
-                <a:r>
-                  <a:rPr lang="zh-TW" altLang="en-US" sz="1200" b="0" cap="none" spc="0" dirty="0" smtClean="0">
-                    <a:ln w="0"/>
-                    <a:solidFill>
-                      <a:schemeClr val="tx1"/>
-                    </a:solidFill>
-                    <a:latin typeface="微軟正黑體" panose="020B0604030504040204" pitchFamily="34" charset="-120"/>
-                    <a:ea typeface="微軟正黑體" panose="020B0604030504040204" pitchFamily="34" charset="-120"/>
-                  </a:rPr>
-                  <a:t>     展品資訊或訪客位置。</a:t>
-                </a:r>
-                <a:endParaRPr lang="en-US" altLang="zh-TW" sz="1200" b="0" cap="none" spc="0" dirty="0" smtClean="0">
-                  <a:ln w="0"/>
-                  <a:solidFill>
-                    <a:schemeClr val="tx1"/>
-                  </a:solidFill>
-                  <a:latin typeface="微軟正黑體" panose="020B0604030504040204" pitchFamily="34" charset="-120"/>
-                  <a:ea typeface="微軟正黑體" panose="020B0604030504040204" pitchFamily="34" charset="-120"/>
-                </a:endParaRPr>
-              </a:p>
-              <a:p>
-                <a:pPr marL="171450" indent="-171450">
-                  <a:lnSpc>
-                    <a:spcPct val="200000"/>
-                  </a:lnSpc>
-                  <a:buFont typeface="Arial" panose="020B0604020202020204" pitchFamily="34" charset="0"/>
-                  <a:buChar char="•"/>
-                </a:pPr>
-                <a:r>
-                  <a:rPr lang="zh-TW" altLang="en-US" sz="1200" b="0" cap="none" spc="0" dirty="0" smtClean="0">
-                    <a:ln w="0"/>
-                    <a:solidFill>
-                      <a:schemeClr val="tx1"/>
-                    </a:solidFill>
-                    <a:latin typeface="微軟正黑體" panose="020B0604030504040204" pitchFamily="34" charset="-120"/>
-                    <a:ea typeface="微軟正黑體" panose="020B0604030504040204" pitchFamily="34" charset="-120"/>
-                  </a:rPr>
-                  <a:t>透過行動裝置</a:t>
-                </a:r>
-                <a:r>
-                  <a:rPr lang="zh-TW" altLang="en-US" sz="1200" dirty="0" smtClean="0">
-                    <a:ln w="0"/>
-                    <a:latin typeface="微軟正黑體" panose="020B0604030504040204" pitchFamily="34" charset="-120"/>
-                    <a:ea typeface="微軟正黑體" panose="020B0604030504040204" pitchFamily="34" charset="-120"/>
-                  </a:rPr>
-                  <a:t>上的應用程式</a:t>
-                </a:r>
-                <a:r>
-                  <a:rPr lang="en-US" altLang="zh-TW" sz="1200" dirty="0" smtClean="0">
-                    <a:ln w="0"/>
-                    <a:latin typeface="微軟正黑體" panose="020B0604030504040204" pitchFamily="34" charset="-120"/>
-                    <a:ea typeface="微軟正黑體" panose="020B0604030504040204" pitchFamily="34" charset="-120"/>
-                  </a:rPr>
-                  <a:t>LINE</a:t>
-                </a:r>
-              </a:p>
-              <a:p>
-                <a:pPr>
-                  <a:lnSpc>
-                    <a:spcPct val="200000"/>
-                  </a:lnSpc>
-                </a:pPr>
-                <a:r>
-                  <a:rPr lang="zh-TW" altLang="en-US" sz="1200" dirty="0" smtClean="0">
-                    <a:ln w="0"/>
-                    <a:latin typeface="微軟正黑體" panose="020B0604030504040204" pitchFamily="34" charset="-120"/>
-                    <a:ea typeface="微軟正黑體" panose="020B0604030504040204" pitchFamily="34" charset="-120"/>
-                  </a:rPr>
-                  <a:t>     能夠接收並傳送</a:t>
-                </a:r>
-                <a:r>
-                  <a:rPr lang="zh-TW" altLang="en-US" sz="1200" b="0" cap="none" spc="0" dirty="0" smtClean="0">
-                    <a:ln w="0"/>
-                    <a:solidFill>
-                      <a:schemeClr val="tx1"/>
-                    </a:solidFill>
-                    <a:latin typeface="微軟正黑體" panose="020B0604030504040204" pitchFamily="34" charset="-120"/>
-                    <a:ea typeface="微軟正黑體" panose="020B0604030504040204" pitchFamily="34" charset="-120"/>
-                  </a:rPr>
-                  <a:t>各種資訊。</a:t>
-                </a:r>
-                <a:endParaRPr lang="zh-TW" altLang="en-US" sz="1200" b="0" cap="none" spc="0" dirty="0">
-                  <a:ln w="0"/>
-                  <a:solidFill>
-                    <a:schemeClr val="tx1"/>
-                  </a:solidFill>
-                  <a:latin typeface="微軟正黑體" panose="020B0604030504040204" pitchFamily="34" charset="-120"/>
-                  <a:ea typeface="微軟正黑體" panose="020B0604030504040204" pitchFamily="34" charset="-120"/>
-                </a:endParaRPr>
-              </a:p>
-            </p:txBody>
-          </p:sp>
-          <p:sp>
-            <p:nvSpPr>
-              <p:cNvPr id="79" name="矩形 78"/>
-              <p:cNvSpPr/>
-              <p:nvPr/>
-            </p:nvSpPr>
-            <p:spPr>
-              <a:xfrm>
-                <a:off x="6961929" y="2200318"/>
-                <a:ext cx="2592618" cy="2007611"/>
-              </a:xfrm>
-              <a:prstGeom prst="rect">
-                <a:avLst/>
-              </a:prstGeom>
-              <a:noFill/>
-              <a:ln>
+                </a:rPr>
+                <a:t>回家就忘了</a:t>
+              </a:r>
+              <a:endParaRPr lang="zh-TW" altLang="en-US" sz="1600" b="0" cap="none" spc="0" dirty="0">
+                <a:ln w="0"/>
                 <a:solidFill>
-                  <a:schemeClr val="bg2">
-                    <a:lumMod val="50000"/>
-                  </a:schemeClr>
+                  <a:schemeClr val="tx1"/>
                 </a:solidFill>
-              </a:ln>
-            </p:spPr>
-            <p:style>
-              <a:lnRef idx="2">
-                <a:schemeClr val="accent1">
-                  <a:shade val="50000"/>
-                </a:schemeClr>
-              </a:lnRef>
-              <a:fillRef idx="1">
-                <a:schemeClr val="accent1"/>
-              </a:fillRef>
-              <a:effectRef idx="0">
-                <a:schemeClr val="accent1"/>
-              </a:effectRef>
-              <a:fontRef idx="minor">
-                <a:schemeClr val="lt1"/>
-              </a:fontRef>
-            </p:style>
-            <p:txBody>
-              <a:bodyPr rtlCol="0" anchor="ctr"/>
-              <a:lstStyle/>
-              <a:p>
-                <a:pPr algn="ctr"/>
-                <a:endParaRPr lang="en-US"/>
-              </a:p>
-            </p:txBody>
-          </p:sp>
-        </p:grpSp>
-        <p:grpSp>
-          <p:nvGrpSpPr>
-            <p:cNvPr id="82" name="群組 81"/>
-            <p:cNvGrpSpPr/>
-            <p:nvPr/>
-          </p:nvGrpSpPr>
-          <p:grpSpPr>
-            <a:xfrm>
-              <a:off x="6961895" y="4950876"/>
-              <a:ext cx="1945700" cy="1458510"/>
-              <a:chOff x="6961929" y="2200318"/>
-              <a:chExt cx="2592618" cy="2007611"/>
-            </a:xfrm>
-          </p:grpSpPr>
-          <p:sp>
-            <p:nvSpPr>
-              <p:cNvPr id="83" name="矩形 82"/>
-              <p:cNvSpPr/>
-              <p:nvPr/>
-            </p:nvSpPr>
-            <p:spPr>
-              <a:xfrm>
-                <a:off x="7007424" y="2378008"/>
-                <a:ext cx="2501659" cy="1652230"/>
-              </a:xfrm>
-              <a:prstGeom prst="rect">
-                <a:avLst/>
-              </a:prstGeom>
-              <a:noFill/>
-            </p:spPr>
-            <p:txBody>
-              <a:bodyPr wrap="none" lIns="91440" tIns="45720" rIns="91440" bIns="45720">
-                <a:spAutoFit/>
-              </a:bodyPr>
-              <a:lstStyle/>
-              <a:p>
-                <a:pPr>
-                  <a:lnSpc>
-                    <a:spcPct val="200000"/>
-                  </a:lnSpc>
-                </a:pPr>
-                <a:r>
-                  <a:rPr lang="zh-TW" altLang="en-US" sz="1200" b="0" cap="none" spc="0" dirty="0" smtClean="0">
-                    <a:ln w="0"/>
-                    <a:solidFill>
-                      <a:schemeClr val="tx1"/>
-                    </a:solidFill>
-                    <a:latin typeface="微軟正黑體" panose="020B0604030504040204" pitchFamily="34" charset="-120"/>
-                    <a:ea typeface="微軟正黑體" panose="020B0604030504040204" pitchFamily="34" charset="-120"/>
-                  </a:rPr>
-                  <a:t>蒐集訪客的各種操作行為</a:t>
-                </a:r>
-                <a:endParaRPr lang="en-US" altLang="zh-TW" sz="1200" b="0" cap="none" spc="0" dirty="0" smtClean="0">
-                  <a:ln w="0"/>
-                  <a:solidFill>
-                    <a:schemeClr val="tx1"/>
-                  </a:solidFill>
-                  <a:latin typeface="微軟正黑體" panose="020B0604030504040204" pitchFamily="34" charset="-120"/>
-                  <a:ea typeface="微軟正黑體" panose="020B0604030504040204" pitchFamily="34" charset="-120"/>
-                </a:endParaRPr>
-              </a:p>
-              <a:p>
-                <a:pPr>
-                  <a:lnSpc>
-                    <a:spcPct val="200000"/>
-                  </a:lnSpc>
-                </a:pPr>
-                <a:r>
-                  <a:rPr lang="zh-TW" altLang="en-US" sz="1200" b="0" cap="none" spc="0" dirty="0" smtClean="0">
-                    <a:ln w="0"/>
-                    <a:solidFill>
-                      <a:schemeClr val="tx1"/>
-                    </a:solidFill>
-                    <a:latin typeface="微軟正黑體" panose="020B0604030504040204" pitchFamily="34" charset="-120"/>
-                    <a:ea typeface="微軟正黑體" panose="020B0604030504040204" pitchFamily="34" charset="-120"/>
-                  </a:rPr>
-                  <a:t>，經線下</a:t>
-                </a:r>
-                <a:r>
-                  <a:rPr lang="zh-TW" altLang="en-US" sz="1200" dirty="0" smtClean="0">
-                    <a:ln w="0"/>
-                    <a:latin typeface="微軟正黑體" panose="020B0604030504040204" pitchFamily="34" charset="-120"/>
-                    <a:ea typeface="微軟正黑體" panose="020B0604030504040204" pitchFamily="34" charset="-120"/>
-                  </a:rPr>
-                  <a:t>的演算法處理，</a:t>
-                </a:r>
-                <a:endParaRPr lang="en-US" altLang="zh-TW" sz="1200" dirty="0" smtClean="0">
-                  <a:ln w="0"/>
-                  <a:latin typeface="微軟正黑體" panose="020B0604030504040204" pitchFamily="34" charset="-120"/>
-                  <a:ea typeface="微軟正黑體" panose="020B0604030504040204" pitchFamily="34" charset="-120"/>
-                </a:endParaRPr>
-              </a:p>
-              <a:p>
-                <a:pPr>
-                  <a:lnSpc>
-                    <a:spcPct val="200000"/>
-                  </a:lnSpc>
-                </a:pPr>
-                <a:r>
-                  <a:rPr lang="zh-TW" altLang="en-US" sz="1200" dirty="0" smtClean="0">
-                    <a:ln w="0"/>
-                    <a:latin typeface="微軟正黑體" panose="020B0604030504040204" pitchFamily="34" charset="-120"/>
-                    <a:ea typeface="微軟正黑體" panose="020B0604030504040204" pitchFamily="34" charset="-120"/>
-                  </a:rPr>
-                  <a:t>達到客製化導覽。</a:t>
-                </a:r>
-                <a:endParaRPr lang="zh-TW" altLang="en-US" sz="1200" b="0" cap="none" spc="0" dirty="0">
-                  <a:ln w="0"/>
-                  <a:solidFill>
-                    <a:schemeClr val="tx1"/>
-                  </a:solidFill>
-                  <a:latin typeface="微軟正黑體" panose="020B0604030504040204" pitchFamily="34" charset="-120"/>
-                  <a:ea typeface="微軟正黑體" panose="020B0604030504040204" pitchFamily="34" charset="-120"/>
-                </a:endParaRPr>
-              </a:p>
-            </p:txBody>
-          </p:sp>
-          <p:sp>
-            <p:nvSpPr>
-              <p:cNvPr id="84" name="矩形 83"/>
-              <p:cNvSpPr/>
-              <p:nvPr/>
-            </p:nvSpPr>
-            <p:spPr>
-              <a:xfrm>
-                <a:off x="6961929" y="2200318"/>
-                <a:ext cx="2592618" cy="2007611"/>
-              </a:xfrm>
-              <a:prstGeom prst="rect">
-                <a:avLst/>
-              </a:prstGeom>
-              <a:noFill/>
-              <a:ln>
-                <a:solidFill>
-                  <a:schemeClr val="bg2">
-                    <a:lumMod val="50000"/>
-                  </a:schemeClr>
-                </a:solidFill>
-              </a:ln>
-            </p:spPr>
-            <p:style>
-              <a:lnRef idx="2">
-                <a:schemeClr val="accent1">
-                  <a:shade val="50000"/>
-                </a:schemeClr>
-              </a:lnRef>
-              <a:fillRef idx="1">
-                <a:schemeClr val="accent1"/>
-              </a:fillRef>
-              <a:effectRef idx="0">
-                <a:schemeClr val="accent1"/>
-              </a:effectRef>
-              <a:fontRef idx="minor">
-                <a:schemeClr val="lt1"/>
-              </a:fontRef>
-            </p:style>
-            <p:txBody>
-              <a:bodyPr rtlCol="0" anchor="ctr"/>
-              <a:lstStyle/>
-              <a:p>
-                <a:pPr algn="ctr"/>
-                <a:endParaRPr lang="en-US"/>
-              </a:p>
-            </p:txBody>
-          </p:sp>
-        </p:grpSp>
-        <p:cxnSp>
-          <p:nvCxnSpPr>
-            <p:cNvPr id="85" name="直線單箭頭接點 84"/>
-            <p:cNvCxnSpPr/>
-            <p:nvPr/>
-          </p:nvCxnSpPr>
-          <p:spPr>
-            <a:xfrm flipH="1">
-              <a:off x="5962823" y="4268051"/>
-              <a:ext cx="54" cy="483910"/>
-            </a:xfrm>
-            <a:prstGeom prst="straightConnector1">
-              <a:avLst/>
-            </a:prstGeom>
-            <a:ln>
-              <a:tailEnd type="triangle"/>
-            </a:ln>
-          </p:spPr>
-          <p:style>
-            <a:lnRef idx="1">
-              <a:schemeClr val="dk1"/>
-            </a:lnRef>
-            <a:fillRef idx="0">
-              <a:schemeClr val="dk1"/>
-            </a:fillRef>
-            <a:effectRef idx="0">
-              <a:schemeClr val="dk1"/>
-            </a:effectRef>
-            <a:fontRef idx="minor">
-              <a:schemeClr val="tx1"/>
-            </a:fontRef>
-          </p:style>
-        </p:cxnSp>
-        <p:cxnSp>
-          <p:nvCxnSpPr>
-            <p:cNvPr id="86" name="直線單箭頭接點 85"/>
-            <p:cNvCxnSpPr/>
-            <p:nvPr/>
-          </p:nvCxnSpPr>
-          <p:spPr>
-            <a:xfrm>
-              <a:off x="5515720" y="5059716"/>
-              <a:ext cx="401216" cy="237931"/>
-            </a:xfrm>
-            <a:prstGeom prst="straightConnector1">
-              <a:avLst/>
-            </a:prstGeom>
-            <a:ln>
-              <a:solidFill>
-                <a:schemeClr val="bg2">
-                  <a:lumMod val="25000"/>
-                </a:schemeClr>
-              </a:solidFill>
-              <a:tailEnd type="triangle"/>
-            </a:ln>
-          </p:spPr>
-          <p:style>
-            <a:lnRef idx="1">
-              <a:schemeClr val="dk1"/>
-            </a:lnRef>
-            <a:fillRef idx="0">
-              <a:schemeClr val="dk1"/>
-            </a:fillRef>
-            <a:effectRef idx="0">
-              <a:schemeClr val="dk1"/>
-            </a:effectRef>
-            <a:fontRef idx="minor">
-              <a:schemeClr val="tx1"/>
-            </a:fontRef>
-          </p:style>
-        </p:cxnSp>
-        <p:cxnSp>
-          <p:nvCxnSpPr>
-            <p:cNvPr id="88" name="直線單箭頭接點 87"/>
-            <p:cNvCxnSpPr/>
-            <p:nvPr/>
-          </p:nvCxnSpPr>
-          <p:spPr>
-            <a:xfrm>
-              <a:off x="5787065" y="4950876"/>
-              <a:ext cx="164015" cy="346771"/>
-            </a:xfrm>
-            <a:prstGeom prst="straightConnector1">
-              <a:avLst/>
-            </a:prstGeom>
-            <a:ln>
-              <a:solidFill>
-                <a:schemeClr val="bg2">
-                  <a:lumMod val="25000"/>
-                </a:schemeClr>
-              </a:solidFill>
-              <a:tailEnd type="triangle"/>
-            </a:ln>
-          </p:spPr>
-          <p:style>
-            <a:lnRef idx="1">
-              <a:schemeClr val="dk1"/>
-            </a:lnRef>
-            <a:fillRef idx="0">
-              <a:schemeClr val="dk1"/>
-            </a:fillRef>
-            <a:effectRef idx="0">
-              <a:schemeClr val="dk1"/>
-            </a:effectRef>
-            <a:fontRef idx="minor">
-              <a:schemeClr val="tx1"/>
-            </a:fontRef>
-          </p:style>
-        </p:cxnSp>
-        <p:cxnSp>
-          <p:nvCxnSpPr>
-            <p:cNvPr id="92" name="直線單箭頭接點 91"/>
-            <p:cNvCxnSpPr/>
-            <p:nvPr/>
-          </p:nvCxnSpPr>
-          <p:spPr>
-            <a:xfrm flipH="1">
-              <a:off x="5973783" y="4886330"/>
-              <a:ext cx="63564" cy="411317"/>
-            </a:xfrm>
-            <a:prstGeom prst="straightConnector1">
-              <a:avLst/>
-            </a:prstGeom>
-            <a:ln>
-              <a:solidFill>
-                <a:schemeClr val="bg2">
-                  <a:lumMod val="25000"/>
-                </a:schemeClr>
-              </a:solidFill>
-              <a:tailEnd type="triangle"/>
-            </a:ln>
-          </p:spPr>
-          <p:style>
-            <a:lnRef idx="1">
-              <a:schemeClr val="dk1"/>
-            </a:lnRef>
-            <a:fillRef idx="0">
-              <a:schemeClr val="dk1"/>
-            </a:fillRef>
-            <a:effectRef idx="0">
-              <a:schemeClr val="dk1"/>
-            </a:effectRef>
-            <a:fontRef idx="minor">
-              <a:schemeClr val="tx1"/>
-            </a:fontRef>
-          </p:style>
-        </p:cxnSp>
-        <p:cxnSp>
-          <p:nvCxnSpPr>
-            <p:cNvPr id="94" name="直線單箭頭接點 93"/>
-            <p:cNvCxnSpPr/>
-            <p:nvPr/>
-          </p:nvCxnSpPr>
-          <p:spPr>
-            <a:xfrm flipH="1">
-              <a:off x="5998031" y="5059716"/>
-              <a:ext cx="313661" cy="237930"/>
-            </a:xfrm>
-            <a:prstGeom prst="straightConnector1">
-              <a:avLst/>
-            </a:prstGeom>
-            <a:ln>
-              <a:solidFill>
-                <a:schemeClr val="bg2">
-                  <a:lumMod val="25000"/>
-                </a:schemeClr>
-              </a:solidFill>
-              <a:tailEnd type="triangle"/>
-            </a:ln>
-          </p:spPr>
-          <p:style>
-            <a:lnRef idx="1">
-              <a:schemeClr val="dk1"/>
-            </a:lnRef>
-            <a:fillRef idx="0">
-              <a:schemeClr val="dk1"/>
-            </a:fillRef>
-            <a:effectRef idx="0">
-              <a:schemeClr val="dk1"/>
-            </a:effectRef>
-            <a:fontRef idx="minor">
-              <a:schemeClr val="tx1"/>
-            </a:fontRef>
-          </p:style>
-        </p:cxnSp>
-        <p:grpSp>
-          <p:nvGrpSpPr>
-            <p:cNvPr id="106" name="群組 105"/>
-            <p:cNvGrpSpPr/>
-            <p:nvPr/>
-          </p:nvGrpSpPr>
-          <p:grpSpPr>
-            <a:xfrm>
-              <a:off x="5446955" y="5327210"/>
-              <a:ext cx="1031735" cy="936318"/>
-              <a:chOff x="5318449" y="5476949"/>
-              <a:chExt cx="1031735" cy="936318"/>
-            </a:xfrm>
-          </p:grpSpPr>
-          <p:cxnSp>
-            <p:nvCxnSpPr>
-              <p:cNvPr id="101" name="直線接點 100"/>
-              <p:cNvCxnSpPr/>
-              <p:nvPr/>
-            </p:nvCxnSpPr>
-            <p:spPr>
-              <a:xfrm>
-                <a:off x="5327779" y="5607698"/>
-                <a:ext cx="0" cy="675637"/>
-              </a:xfrm>
-              <a:prstGeom prst="line">
-                <a:avLst/>
-              </a:prstGeom>
-            </p:spPr>
-            <p:style>
-              <a:lnRef idx="1">
-                <a:schemeClr val="dk1"/>
-              </a:lnRef>
-              <a:fillRef idx="0">
-                <a:schemeClr val="dk1"/>
-              </a:fillRef>
-              <a:effectRef idx="0">
-                <a:schemeClr val="dk1"/>
-              </a:effectRef>
-              <a:fontRef idx="minor">
-                <a:schemeClr val="tx1"/>
-              </a:fontRef>
-            </p:style>
-          </p:cxnSp>
-          <p:grpSp>
-            <p:nvGrpSpPr>
-              <p:cNvPr id="105" name="群組 104"/>
-              <p:cNvGrpSpPr/>
-              <p:nvPr/>
-            </p:nvGrpSpPr>
-            <p:grpSpPr>
-              <a:xfrm>
-                <a:off x="5318449" y="5476949"/>
-                <a:ext cx="1031735" cy="936318"/>
-                <a:chOff x="5318449" y="5476949"/>
-                <a:chExt cx="1031735" cy="936318"/>
-              </a:xfrm>
-            </p:grpSpPr>
-            <p:sp>
-              <p:nvSpPr>
-                <p:cNvPr id="97" name="手繪多邊形 96"/>
-                <p:cNvSpPr/>
-                <p:nvPr/>
-              </p:nvSpPr>
-              <p:spPr>
-                <a:xfrm>
-                  <a:off x="5318449" y="5476949"/>
-                  <a:ext cx="1022405" cy="130749"/>
-                </a:xfrm>
-                <a:custGeom>
-                  <a:avLst/>
-                  <a:gdLst>
-                    <a:gd name="connsiteX0" fmla="*/ 0 w 1222310"/>
-                    <a:gd name="connsiteY0" fmla="*/ 130749 h 130749"/>
-                    <a:gd name="connsiteX1" fmla="*/ 569167 w 1222310"/>
-                    <a:gd name="connsiteY1" fmla="*/ 120 h 130749"/>
-                    <a:gd name="connsiteX2" fmla="*/ 1222310 w 1222310"/>
-                    <a:gd name="connsiteY2" fmla="*/ 112088 h 130749"/>
-                  </a:gdLst>
-                  <a:ahLst/>
-                  <a:cxnLst>
-                    <a:cxn ang="0">
-                      <a:pos x="connsiteX0" y="connsiteY0"/>
-                    </a:cxn>
-                    <a:cxn ang="0">
-                      <a:pos x="connsiteX1" y="connsiteY1"/>
-                    </a:cxn>
-                    <a:cxn ang="0">
-                      <a:pos x="connsiteX2" y="connsiteY2"/>
-                    </a:cxn>
-                  </a:cxnLst>
-                  <a:rect l="l" t="t" r="r" b="b"/>
-                  <a:pathLst>
-                    <a:path w="1222310" h="130749">
-                      <a:moveTo>
-                        <a:pt x="0" y="130749"/>
-                      </a:moveTo>
-                      <a:cubicBezTo>
-                        <a:pt x="182724" y="66989"/>
-                        <a:pt x="365449" y="3230"/>
-                        <a:pt x="569167" y="120"/>
-                      </a:cubicBezTo>
-                      <a:cubicBezTo>
-                        <a:pt x="772885" y="-2990"/>
-                        <a:pt x="997597" y="54549"/>
-                        <a:pt x="1222310" y="112088"/>
-                      </a:cubicBezTo>
-                    </a:path>
-                  </a:pathLst>
-                </a:custGeom>
-              </p:spPr>
-              <p:style>
-                <a:lnRef idx="1">
-                  <a:schemeClr val="dk1"/>
-                </a:lnRef>
-                <a:fillRef idx="0">
-                  <a:schemeClr val="dk1"/>
-                </a:fillRef>
-                <a:effectRef idx="0">
-                  <a:schemeClr val="dk1"/>
-                </a:effectRef>
-                <a:fontRef idx="minor">
-                  <a:schemeClr val="tx1"/>
-                </a:fontRef>
-              </p:style>
-              <p:txBody>
-                <a:bodyPr rtlCol="0" anchor="ctr"/>
-                <a:lstStyle/>
-                <a:p>
-                  <a:pPr algn="ctr"/>
-                  <a:endParaRPr lang="en-US"/>
-                </a:p>
-              </p:txBody>
-            </p:sp>
-            <p:sp>
-              <p:nvSpPr>
-                <p:cNvPr id="99" name="手繪多邊形 98"/>
-                <p:cNvSpPr/>
-                <p:nvPr/>
-              </p:nvSpPr>
-              <p:spPr>
-                <a:xfrm>
-                  <a:off x="5337110" y="5607698"/>
-                  <a:ext cx="1013074" cy="139984"/>
-                </a:xfrm>
-                <a:custGeom>
-                  <a:avLst/>
-                  <a:gdLst>
-                    <a:gd name="connsiteX0" fmla="*/ 0 w 1194319"/>
-                    <a:gd name="connsiteY0" fmla="*/ 9331 h 149315"/>
-                    <a:gd name="connsiteX1" fmla="*/ 606490 w 1194319"/>
-                    <a:gd name="connsiteY1" fmla="*/ 149290 h 149315"/>
-                    <a:gd name="connsiteX2" fmla="*/ 1194319 w 1194319"/>
-                    <a:gd name="connsiteY2" fmla="*/ 0 h 149315"/>
-                  </a:gdLst>
-                  <a:ahLst/>
-                  <a:cxnLst>
-                    <a:cxn ang="0">
-                      <a:pos x="connsiteX0" y="connsiteY0"/>
-                    </a:cxn>
-                    <a:cxn ang="0">
-                      <a:pos x="connsiteX1" y="connsiteY1"/>
-                    </a:cxn>
-                    <a:cxn ang="0">
-                      <a:pos x="connsiteX2" y="connsiteY2"/>
-                    </a:cxn>
-                  </a:cxnLst>
-                  <a:rect l="l" t="t" r="r" b="b"/>
-                  <a:pathLst>
-                    <a:path w="1194319" h="149315">
-                      <a:moveTo>
-                        <a:pt x="0" y="9331"/>
-                      </a:moveTo>
-                      <a:cubicBezTo>
-                        <a:pt x="203718" y="80088"/>
-                        <a:pt x="407437" y="150845"/>
-                        <a:pt x="606490" y="149290"/>
-                      </a:cubicBezTo>
-                      <a:cubicBezTo>
-                        <a:pt x="805543" y="147735"/>
-                        <a:pt x="999931" y="73867"/>
-                        <a:pt x="1194319" y="0"/>
-                      </a:cubicBezTo>
-                    </a:path>
-                  </a:pathLst>
-                </a:custGeom>
-              </p:spPr>
-              <p:style>
-                <a:lnRef idx="1">
-                  <a:schemeClr val="dk1"/>
-                </a:lnRef>
-                <a:fillRef idx="0">
-                  <a:schemeClr val="dk1"/>
-                </a:fillRef>
-                <a:effectRef idx="0">
-                  <a:schemeClr val="dk1"/>
-                </a:effectRef>
-                <a:fontRef idx="minor">
-                  <a:schemeClr val="tx1"/>
-                </a:fontRef>
-              </p:style>
-              <p:txBody>
-                <a:bodyPr rtlCol="0" anchor="ctr"/>
-                <a:lstStyle/>
-                <a:p>
-                  <a:pPr algn="ctr"/>
-                  <a:endParaRPr lang="en-US"/>
-                </a:p>
-              </p:txBody>
-            </p:sp>
-            <p:cxnSp>
-              <p:nvCxnSpPr>
-                <p:cNvPr id="103" name="直線接點 102"/>
-                <p:cNvCxnSpPr/>
-                <p:nvPr/>
-              </p:nvCxnSpPr>
-              <p:spPr>
-                <a:xfrm>
-                  <a:off x="6347925" y="5592148"/>
-                  <a:ext cx="0" cy="675637"/>
-                </a:xfrm>
-                <a:prstGeom prst="line">
-                  <a:avLst/>
-                </a:prstGeom>
-              </p:spPr>
-              <p:style>
-                <a:lnRef idx="1">
-                  <a:schemeClr val="dk1"/>
-                </a:lnRef>
-                <a:fillRef idx="0">
-                  <a:schemeClr val="dk1"/>
-                </a:fillRef>
-                <a:effectRef idx="0">
-                  <a:schemeClr val="dk1"/>
-                </a:effectRef>
-                <a:fontRef idx="minor">
-                  <a:schemeClr val="tx1"/>
-                </a:fontRef>
-              </p:style>
-            </p:cxnSp>
-            <p:sp>
-              <p:nvSpPr>
-                <p:cNvPr id="104" name="手繪多邊形 103"/>
-                <p:cNvSpPr/>
-                <p:nvPr/>
-              </p:nvSpPr>
-              <p:spPr>
-                <a:xfrm>
-                  <a:off x="5330885" y="6273283"/>
-                  <a:ext cx="1013074" cy="139984"/>
-                </a:xfrm>
-                <a:custGeom>
-                  <a:avLst/>
-                  <a:gdLst>
-                    <a:gd name="connsiteX0" fmla="*/ 0 w 1194319"/>
-                    <a:gd name="connsiteY0" fmla="*/ 9331 h 149315"/>
-                    <a:gd name="connsiteX1" fmla="*/ 606490 w 1194319"/>
-                    <a:gd name="connsiteY1" fmla="*/ 149290 h 149315"/>
-                    <a:gd name="connsiteX2" fmla="*/ 1194319 w 1194319"/>
-                    <a:gd name="connsiteY2" fmla="*/ 0 h 149315"/>
-                  </a:gdLst>
-                  <a:ahLst/>
-                  <a:cxnLst>
-                    <a:cxn ang="0">
-                      <a:pos x="connsiteX0" y="connsiteY0"/>
-                    </a:cxn>
-                    <a:cxn ang="0">
-                      <a:pos x="connsiteX1" y="connsiteY1"/>
-                    </a:cxn>
-                    <a:cxn ang="0">
-                      <a:pos x="connsiteX2" y="connsiteY2"/>
-                    </a:cxn>
-                  </a:cxnLst>
-                  <a:rect l="l" t="t" r="r" b="b"/>
-                  <a:pathLst>
-                    <a:path w="1194319" h="149315">
-                      <a:moveTo>
-                        <a:pt x="0" y="9331"/>
-                      </a:moveTo>
-                      <a:cubicBezTo>
-                        <a:pt x="203718" y="80088"/>
-                        <a:pt x="407437" y="150845"/>
-                        <a:pt x="606490" y="149290"/>
-                      </a:cubicBezTo>
-                      <a:cubicBezTo>
-                        <a:pt x="805543" y="147735"/>
-                        <a:pt x="999931" y="73867"/>
-                        <a:pt x="1194319" y="0"/>
-                      </a:cubicBezTo>
-                    </a:path>
-                  </a:pathLst>
-                </a:custGeom>
-              </p:spPr>
-              <p:style>
-                <a:lnRef idx="1">
-                  <a:schemeClr val="dk1"/>
-                </a:lnRef>
-                <a:fillRef idx="0">
-                  <a:schemeClr val="dk1"/>
-                </a:fillRef>
-                <a:effectRef idx="0">
-                  <a:schemeClr val="dk1"/>
-                </a:effectRef>
-                <a:fontRef idx="minor">
-                  <a:schemeClr val="tx1"/>
-                </a:fontRef>
-              </p:style>
-              <p:txBody>
-                <a:bodyPr rtlCol="0" anchor="ctr"/>
-                <a:lstStyle/>
-                <a:p>
-                  <a:pPr algn="ctr"/>
-                  <a:endParaRPr lang="en-US"/>
-                </a:p>
-              </p:txBody>
-            </p:sp>
-          </p:grpSp>
-        </p:grpSp>
+                <a:latin typeface="微軟正黑體" panose="020B0604030504040204" pitchFamily="34" charset="-120"/>
+                <a:ea typeface="微軟正黑體" panose="020B0604030504040204" pitchFamily="34" charset="-120"/>
+              </a:endParaRPr>
+            </a:p>
+          </p:txBody>
+        </p:sp>
       </p:grpSp>
     </p:spTree>
     <p:extLst>
       <p:ext uri="{BB962C8B-B14F-4D97-AF65-F5344CB8AC3E}">
-        <p14:creationId xmlns:p14="http://schemas.microsoft.com/office/powerpoint/2010/main" val="2264455159"/>
+        <p14:creationId xmlns:p14="http://schemas.microsoft.com/office/powerpoint/2010/main" val="2909337631"/>
       </p:ext>
     </p:extLst>
   </p:cSld>

--- a/demoPic.pptx
+++ b/demoPic.pptx
@@ -7,10 +7,14 @@
   <p:sldIdLst>
     <p:sldId id="256" r:id="rId2"/>
     <p:sldId id="260" r:id="rId3"/>
-    <p:sldId id="257" r:id="rId4"/>
-    <p:sldId id="258" r:id="rId5"/>
-    <p:sldId id="259" r:id="rId6"/>
-    <p:sldId id="261" r:id="rId7"/>
+    <p:sldId id="265" r:id="rId4"/>
+    <p:sldId id="257" r:id="rId5"/>
+    <p:sldId id="258" r:id="rId6"/>
+    <p:sldId id="259" r:id="rId7"/>
+    <p:sldId id="261" r:id="rId8"/>
+    <p:sldId id="262" r:id="rId9"/>
+    <p:sldId id="263" r:id="rId10"/>
+    <p:sldId id="264" r:id="rId11"/>
   </p:sldIdLst>
   <p:sldSz cx="12192000" cy="6858000"/>
   <p:notesSz cx="6858000" cy="9144000"/>
@@ -248,7 +252,7 @@
           <a:p>
             <a:fld id="{F09C48D7-5DBF-4DB9-A12F-DF6A9CE967A6}" type="datetimeFigureOut">
               <a:rPr lang="en-US" smtClean="0"/>
-              <a:t>4/19/2019</a:t>
+              <a:t>5/15/2019</a:t>
             </a:fld>
             <a:endParaRPr lang="en-US"/>
           </a:p>
@@ -418,7 +422,7 @@
           <a:p>
             <a:fld id="{F09C48D7-5DBF-4DB9-A12F-DF6A9CE967A6}" type="datetimeFigureOut">
               <a:rPr lang="en-US" smtClean="0"/>
-              <a:t>4/19/2019</a:t>
+              <a:t>5/15/2019</a:t>
             </a:fld>
             <a:endParaRPr lang="en-US"/>
           </a:p>
@@ -598,7 +602,7 @@
           <a:p>
             <a:fld id="{F09C48D7-5DBF-4DB9-A12F-DF6A9CE967A6}" type="datetimeFigureOut">
               <a:rPr lang="en-US" smtClean="0"/>
-              <a:t>4/19/2019</a:t>
+              <a:t>5/15/2019</a:t>
             </a:fld>
             <a:endParaRPr lang="en-US"/>
           </a:p>
@@ -768,7 +772,7 @@
           <a:p>
             <a:fld id="{F09C48D7-5DBF-4DB9-A12F-DF6A9CE967A6}" type="datetimeFigureOut">
               <a:rPr lang="en-US" smtClean="0"/>
-              <a:t>4/19/2019</a:t>
+              <a:t>5/15/2019</a:t>
             </a:fld>
             <a:endParaRPr lang="en-US"/>
           </a:p>
@@ -1014,7 +1018,7 @@
           <a:p>
             <a:fld id="{F09C48D7-5DBF-4DB9-A12F-DF6A9CE967A6}" type="datetimeFigureOut">
               <a:rPr lang="en-US" smtClean="0"/>
-              <a:t>4/19/2019</a:t>
+              <a:t>5/15/2019</a:t>
             </a:fld>
             <a:endParaRPr lang="en-US"/>
           </a:p>
@@ -1246,7 +1250,7 @@
           <a:p>
             <a:fld id="{F09C48D7-5DBF-4DB9-A12F-DF6A9CE967A6}" type="datetimeFigureOut">
               <a:rPr lang="en-US" smtClean="0"/>
-              <a:t>4/19/2019</a:t>
+              <a:t>5/15/2019</a:t>
             </a:fld>
             <a:endParaRPr lang="en-US"/>
           </a:p>
@@ -1613,7 +1617,7 @@
           <a:p>
             <a:fld id="{F09C48D7-5DBF-4DB9-A12F-DF6A9CE967A6}" type="datetimeFigureOut">
               <a:rPr lang="en-US" smtClean="0"/>
-              <a:t>4/19/2019</a:t>
+              <a:t>5/15/2019</a:t>
             </a:fld>
             <a:endParaRPr lang="en-US"/>
           </a:p>
@@ -1731,7 +1735,7 @@
           <a:p>
             <a:fld id="{F09C48D7-5DBF-4DB9-A12F-DF6A9CE967A6}" type="datetimeFigureOut">
               <a:rPr lang="en-US" smtClean="0"/>
-              <a:t>4/19/2019</a:t>
+              <a:t>5/15/2019</a:t>
             </a:fld>
             <a:endParaRPr lang="en-US"/>
           </a:p>
@@ -1826,7 +1830,7 @@
           <a:p>
             <a:fld id="{F09C48D7-5DBF-4DB9-A12F-DF6A9CE967A6}" type="datetimeFigureOut">
               <a:rPr lang="en-US" smtClean="0"/>
-              <a:t>4/19/2019</a:t>
+              <a:t>5/15/2019</a:t>
             </a:fld>
             <a:endParaRPr lang="en-US"/>
           </a:p>
@@ -2103,7 +2107,7 @@
           <a:p>
             <a:fld id="{F09C48D7-5DBF-4DB9-A12F-DF6A9CE967A6}" type="datetimeFigureOut">
               <a:rPr lang="en-US" smtClean="0"/>
-              <a:t>4/19/2019</a:t>
+              <a:t>5/15/2019</a:t>
             </a:fld>
             <a:endParaRPr lang="en-US"/>
           </a:p>
@@ -2360,7 +2364,7 @@
           <a:p>
             <a:fld id="{F09C48D7-5DBF-4DB9-A12F-DF6A9CE967A6}" type="datetimeFigureOut">
               <a:rPr lang="en-US" smtClean="0"/>
-              <a:t>4/19/2019</a:t>
+              <a:t>5/15/2019</a:t>
             </a:fld>
             <a:endParaRPr lang="en-US"/>
           </a:p>
@@ -2573,7 +2577,7 @@
           <a:p>
             <a:fld id="{F09C48D7-5DBF-4DB9-A12F-DF6A9CE967A6}" type="datetimeFigureOut">
               <a:rPr lang="en-US" smtClean="0"/>
-              <a:t>4/19/2019</a:t>
+              <a:t>5/15/2019</a:t>
             </a:fld>
             <a:endParaRPr lang="en-US"/>
           </a:p>
@@ -4196,6 +4200,346 @@
     <p:extLst>
       <p:ext uri="{BB962C8B-B14F-4D97-AF65-F5344CB8AC3E}">
         <p14:creationId xmlns:p14="http://schemas.microsoft.com/office/powerpoint/2010/main" val="2567716760"/>
+      </p:ext>
+    </p:extLst>
+  </p:cSld>
+  <p:clrMapOvr>
+    <a:masterClrMapping/>
+  </p:clrMapOvr>
+  <p:timing>
+    <p:tnLst>
+      <p:par>
+        <p:cTn id="1" dur="indefinite" restart="never" nodeType="tmRoot"/>
+      </p:par>
+    </p:tnLst>
+  </p:timing>
+</p:sld>
+</file>
+
+<file path=ppt/slides/slide10.xml><?xml version="1.0" encoding="utf-8"?>
+<p:sld xmlns:a="http://schemas.openxmlformats.org/drawingml/2006/main" xmlns:r="http://schemas.openxmlformats.org/officeDocument/2006/relationships" xmlns:p="http://schemas.openxmlformats.org/presentationml/2006/main">
+  <p:cSld>
+    <p:spTree>
+      <p:nvGrpSpPr>
+        <p:cNvPr id="1" name=""/>
+        <p:cNvGrpSpPr/>
+        <p:nvPr/>
+      </p:nvGrpSpPr>
+      <p:grpSpPr>
+        <a:xfrm>
+          <a:off x="0" y="0"/>
+          <a:ext cx="0" cy="0"/>
+          <a:chOff x="0" y="0"/>
+          <a:chExt cx="0" cy="0"/>
+        </a:xfrm>
+      </p:grpSpPr>
+      <p:grpSp>
+        <p:nvGrpSpPr>
+          <p:cNvPr id="42" name="群組 41"/>
+          <p:cNvGrpSpPr/>
+          <p:nvPr/>
+        </p:nvGrpSpPr>
+        <p:grpSpPr>
+          <a:xfrm>
+            <a:off x="0" y="669"/>
+            <a:ext cx="12193192" cy="6857331"/>
+            <a:chOff x="0" y="669"/>
+            <a:chExt cx="12193192" cy="6857331"/>
+          </a:xfrm>
+        </p:grpSpPr>
+        <p:pic>
+          <p:nvPicPr>
+            <p:cNvPr id="4" name="圖片 3"/>
+            <p:cNvPicPr>
+              <a:picLocks noChangeAspect="1"/>
+            </p:cNvPicPr>
+            <p:nvPr/>
+          </p:nvPicPr>
+          <p:blipFill>
+            <a:blip r:embed="rId2">
+              <a:extLst>
+                <a:ext uri="{BEBA8EAE-BF5A-486C-A8C5-ECC9F3942E4B}">
+                  <a14:imgProps xmlns:a14="http://schemas.microsoft.com/office/drawing/2010/main">
+                    <a14:imgLayer r:embed="rId3">
+                      <a14:imgEffect>
+                        <a14:brightnessContrast bright="-40000"/>
+                      </a14:imgEffect>
+                    </a14:imgLayer>
+                  </a14:imgProps>
+                </a:ext>
+                <a:ext uri="{28A0092B-C50C-407E-A947-70E740481C1C}">
+                  <a14:useLocalDpi xmlns:a14="http://schemas.microsoft.com/office/drawing/2010/main" val="0"/>
+                </a:ext>
+              </a:extLst>
+            </a:blip>
+            <a:stretch>
+              <a:fillRect/>
+            </a:stretch>
+          </p:blipFill>
+          <p:spPr>
+            <a:xfrm>
+              <a:off x="0" y="669"/>
+              <a:ext cx="12193192" cy="6857331"/>
+            </a:xfrm>
+            <a:prstGeom prst="rect">
+              <a:avLst/>
+            </a:prstGeom>
+          </p:spPr>
+        </p:pic>
+        <p:pic>
+          <p:nvPicPr>
+            <p:cNvPr id="6" name="圖片 5"/>
+            <p:cNvPicPr>
+              <a:picLocks noChangeAspect="1"/>
+            </p:cNvPicPr>
+            <p:nvPr/>
+          </p:nvPicPr>
+          <p:blipFill>
+            <a:blip r:embed="rId4" cstate="print">
+              <a:extLst>
+                <a:ext uri="{28A0092B-C50C-407E-A947-70E740481C1C}">
+                  <a14:useLocalDpi xmlns:a14="http://schemas.microsoft.com/office/drawing/2010/main" val="0"/>
+                </a:ext>
+              </a:extLst>
+            </a:blip>
+            <a:stretch>
+              <a:fillRect/>
+            </a:stretch>
+          </p:blipFill>
+          <p:spPr>
+            <a:xfrm>
+              <a:off x="4612921" y="715368"/>
+              <a:ext cx="3052615" cy="5427929"/>
+            </a:xfrm>
+            <a:prstGeom prst="rect">
+              <a:avLst/>
+            </a:prstGeom>
+          </p:spPr>
+        </p:pic>
+        <p:pic>
+          <p:nvPicPr>
+            <p:cNvPr id="7" name="圖片 6"/>
+            <p:cNvPicPr>
+              <a:picLocks noChangeAspect="1"/>
+            </p:cNvPicPr>
+            <p:nvPr/>
+          </p:nvPicPr>
+          <p:blipFill>
+            <a:blip r:embed="rId5" cstate="print">
+              <a:extLst>
+                <a:ext uri="{28A0092B-C50C-407E-A947-70E740481C1C}">
+                  <a14:useLocalDpi xmlns:a14="http://schemas.microsoft.com/office/drawing/2010/main" val="0"/>
+                </a:ext>
+              </a:extLst>
+            </a:blip>
+            <a:stretch>
+              <a:fillRect/>
+            </a:stretch>
+          </p:blipFill>
+          <p:spPr>
+            <a:xfrm>
+              <a:off x="2108843" y="1540496"/>
+              <a:ext cx="2124526" cy="3777672"/>
+            </a:xfrm>
+            <a:prstGeom prst="rect">
+              <a:avLst/>
+            </a:prstGeom>
+          </p:spPr>
+        </p:pic>
+        <p:pic>
+          <p:nvPicPr>
+            <p:cNvPr id="8" name="圖片 7"/>
+            <p:cNvPicPr>
+              <a:picLocks noChangeAspect="1"/>
+            </p:cNvPicPr>
+            <p:nvPr/>
+          </p:nvPicPr>
+          <p:blipFill>
+            <a:blip r:embed="rId6" cstate="print">
+              <a:extLst>
+                <a:ext uri="{28A0092B-C50C-407E-A947-70E740481C1C}">
+                  <a14:useLocalDpi xmlns:a14="http://schemas.microsoft.com/office/drawing/2010/main" val="0"/>
+                </a:ext>
+              </a:extLst>
+            </a:blip>
+            <a:stretch>
+              <a:fillRect/>
+            </a:stretch>
+          </p:blipFill>
+          <p:spPr>
+            <a:xfrm>
+              <a:off x="8003406" y="1540497"/>
+              <a:ext cx="2124526" cy="3777672"/>
+            </a:xfrm>
+            <a:prstGeom prst="rect">
+              <a:avLst/>
+            </a:prstGeom>
+          </p:spPr>
+        </p:pic>
+        <p:pic>
+          <p:nvPicPr>
+            <p:cNvPr id="11" name="圖片 10"/>
+            <p:cNvPicPr>
+              <a:picLocks noChangeAspect="1"/>
+            </p:cNvPicPr>
+            <p:nvPr/>
+          </p:nvPicPr>
+          <p:blipFill>
+            <a:blip r:embed="rId7" cstate="print">
+              <a:extLst>
+                <a:ext uri="{BEBA8EAE-BF5A-486C-A8C5-ECC9F3942E4B}">
+                  <a14:imgProps xmlns:a14="http://schemas.microsoft.com/office/drawing/2010/main">
+                    <a14:imgLayer r:embed="rId8">
+                      <a14:imgEffect>
+                        <a14:backgroundRemoval t="10000" b="98636" l="10000" r="95909"/>
+                      </a14:imgEffect>
+                    </a14:imgLayer>
+                  </a14:imgProps>
+                </a:ext>
+                <a:ext uri="{28A0092B-C50C-407E-A947-70E740481C1C}">
+                  <a14:useLocalDpi xmlns:a14="http://schemas.microsoft.com/office/drawing/2010/main" val="0"/>
+                </a:ext>
+              </a:extLst>
+            </a:blip>
+            <a:stretch>
+              <a:fillRect/>
+            </a:stretch>
+          </p:blipFill>
+          <p:spPr>
+            <a:xfrm>
+              <a:off x="5445188" y="2125544"/>
+              <a:ext cx="761423" cy="761423"/>
+            </a:xfrm>
+            <a:prstGeom prst="rect">
+              <a:avLst/>
+            </a:prstGeom>
+          </p:spPr>
+        </p:pic>
+        <p:pic>
+          <p:nvPicPr>
+            <p:cNvPr id="20" name="圖片 19"/>
+            <p:cNvPicPr>
+              <a:picLocks noChangeAspect="1"/>
+            </p:cNvPicPr>
+            <p:nvPr/>
+          </p:nvPicPr>
+          <p:blipFill>
+            <a:blip r:embed="rId9" cstate="print">
+              <a:extLst>
+                <a:ext uri="{28A0092B-C50C-407E-A947-70E740481C1C}">
+                  <a14:useLocalDpi xmlns:a14="http://schemas.microsoft.com/office/drawing/2010/main" val="0"/>
+                </a:ext>
+              </a:extLst>
+            </a:blip>
+            <a:stretch>
+              <a:fillRect/>
+            </a:stretch>
+          </p:blipFill>
+          <p:spPr>
+            <a:xfrm>
+              <a:off x="4174011" y="3481622"/>
+              <a:ext cx="757993" cy="757993"/>
+            </a:xfrm>
+            <a:prstGeom prst="rect">
+              <a:avLst/>
+            </a:prstGeom>
+          </p:spPr>
+        </p:pic>
+        <p:pic>
+          <p:nvPicPr>
+            <p:cNvPr id="23" name="圖片 22"/>
+            <p:cNvPicPr>
+              <a:picLocks noChangeAspect="1"/>
+            </p:cNvPicPr>
+            <p:nvPr/>
+          </p:nvPicPr>
+          <p:blipFill>
+            <a:blip r:embed="rId10" cstate="print">
+              <a:extLst>
+                <a:ext uri="{28A0092B-C50C-407E-A947-70E740481C1C}">
+                  <a14:useLocalDpi xmlns:a14="http://schemas.microsoft.com/office/drawing/2010/main" val="0"/>
+                </a:ext>
+              </a:extLst>
+            </a:blip>
+            <a:stretch>
+              <a:fillRect/>
+            </a:stretch>
+          </p:blipFill>
+          <p:spPr>
+            <a:xfrm>
+              <a:off x="6342212" y="5106872"/>
+              <a:ext cx="621907" cy="621907"/>
+            </a:xfrm>
+            <a:prstGeom prst="rect">
+              <a:avLst/>
+            </a:prstGeom>
+          </p:spPr>
+        </p:pic>
+        <p:pic>
+          <p:nvPicPr>
+            <p:cNvPr id="32" name="圖片 31"/>
+            <p:cNvPicPr>
+              <a:picLocks noChangeAspect="1"/>
+            </p:cNvPicPr>
+            <p:nvPr/>
+          </p:nvPicPr>
+          <p:blipFill>
+            <a:blip r:embed="rId11">
+              <a:extLst>
+                <a:ext uri="{28A0092B-C50C-407E-A947-70E740481C1C}">
+                  <a14:useLocalDpi xmlns:a14="http://schemas.microsoft.com/office/drawing/2010/main" val="0"/>
+                </a:ext>
+              </a:extLst>
+            </a:blip>
+            <a:stretch>
+              <a:fillRect/>
+            </a:stretch>
+          </p:blipFill>
+          <p:spPr>
+            <a:xfrm>
+              <a:off x="8715613" y="2300492"/>
+              <a:ext cx="945623" cy="945623"/>
+            </a:xfrm>
+            <a:prstGeom prst="rect">
+              <a:avLst/>
+            </a:prstGeom>
+          </p:spPr>
+        </p:pic>
+        <p:pic>
+          <p:nvPicPr>
+            <p:cNvPr id="36" name="圖片 35"/>
+            <p:cNvPicPr>
+              <a:picLocks noChangeAspect="1"/>
+            </p:cNvPicPr>
+            <p:nvPr/>
+          </p:nvPicPr>
+          <p:blipFill>
+            <a:blip r:embed="rId12">
+              <a:extLst>
+                <a:ext uri="{28A0092B-C50C-407E-A947-70E740481C1C}">
+                  <a14:useLocalDpi xmlns:a14="http://schemas.microsoft.com/office/drawing/2010/main" val="0"/>
+                </a:ext>
+              </a:extLst>
+            </a:blip>
+            <a:stretch>
+              <a:fillRect/>
+            </a:stretch>
+          </p:blipFill>
+          <p:spPr>
+            <a:xfrm>
+              <a:off x="2547661" y="4239615"/>
+              <a:ext cx="909035" cy="909035"/>
+            </a:xfrm>
+            <a:prstGeom prst="rect">
+              <a:avLst/>
+            </a:prstGeom>
+          </p:spPr>
+        </p:pic>
+      </p:grpSp>
+    </p:spTree>
+    <p:extLst>
+      <p:ext uri="{BB962C8B-B14F-4D97-AF65-F5344CB8AC3E}">
+        <p14:creationId xmlns:p14="http://schemas.microsoft.com/office/powerpoint/2010/main" val="772391635"/>
       </p:ext>
     </p:extLst>
   </p:cSld>
@@ -5924,10 +6268,10 @@
             </p:nvGrpSpPr>
             <p:grpSpPr>
               <a:xfrm>
-                <a:off x="7903484" y="2949979"/>
-                <a:ext cx="190090" cy="455672"/>
-                <a:chOff x="5803641" y="2917769"/>
-                <a:chExt cx="349564" cy="904053"/>
+                <a:off x="7903484" y="2949982"/>
+                <a:ext cx="190090" cy="455671"/>
+                <a:chOff x="5803641" y="2917771"/>
+                <a:chExt cx="349564" cy="904050"/>
               </a:xfrm>
             </p:grpSpPr>
             <p:sp>
@@ -5938,8 +6282,8 @@
               </p:nvSpPr>
               <p:spPr>
                 <a:xfrm>
-                  <a:off x="5803641" y="2917769"/>
-                  <a:ext cx="317241" cy="263970"/>
+                  <a:off x="5803641" y="2917771"/>
+                  <a:ext cx="317241" cy="263969"/>
                 </a:xfrm>
                 <a:prstGeom prst="ellipse">
                   <a:avLst/>
@@ -5989,8 +6333,8 @@
               </p:nvCxnSpPr>
               <p:spPr>
                 <a:xfrm>
-                  <a:off x="5962262" y="3181739"/>
-                  <a:ext cx="7054" cy="447825"/>
+                  <a:off x="5962262" y="3181738"/>
+                  <a:ext cx="7054" cy="447824"/>
                 </a:xfrm>
                 <a:prstGeom prst="line">
                   <a:avLst/>
@@ -6019,8 +6363,8 @@
               </p:nvCxnSpPr>
               <p:spPr>
                 <a:xfrm flipH="1">
-                  <a:off x="5843626" y="3629564"/>
-                  <a:ext cx="125690" cy="192258"/>
+                  <a:off x="5843632" y="3629562"/>
+                  <a:ext cx="125690" cy="192257"/>
                 </a:xfrm>
                 <a:prstGeom prst="line">
                   <a:avLst/>
@@ -6050,7 +6394,7 @@
               <p:spPr>
                 <a:xfrm>
                   <a:off x="5980106" y="3629564"/>
-                  <a:ext cx="125424" cy="192258"/>
+                  <a:ext cx="125425" cy="192257"/>
                 </a:xfrm>
                 <a:prstGeom prst="line">
                   <a:avLst/>
@@ -6079,8 +6423,8 @@
               </p:nvCxnSpPr>
               <p:spPr>
                 <a:xfrm flipV="1">
-                  <a:off x="5962261" y="3268548"/>
-                  <a:ext cx="158621" cy="137103"/>
+                  <a:off x="5962257" y="3268548"/>
+                  <a:ext cx="158621" cy="137102"/>
                 </a:xfrm>
                 <a:prstGeom prst="line">
                   <a:avLst/>
@@ -6109,8 +6453,8 @@
               </p:nvSpPr>
               <p:spPr>
                 <a:xfrm>
-                  <a:off x="5891948" y="3312158"/>
-                  <a:ext cx="261257" cy="200729"/>
+                  <a:off x="5891949" y="3312158"/>
+                  <a:ext cx="261256" cy="200729"/>
                 </a:xfrm>
                 <a:custGeom>
                   <a:avLst/>
@@ -6293,7 +6637,7 @@
               </p:nvSpPr>
               <p:spPr>
                 <a:xfrm>
-                  <a:off x="6231699" y="3268479"/>
+                  <a:off x="6231699" y="3268478"/>
                   <a:ext cx="126000" cy="124690"/>
                 </a:xfrm>
                 <a:prstGeom prst="ellipse">
@@ -6634,8 +6978,8 @@
             </p:nvSpPr>
             <p:spPr>
               <a:xfrm>
-                <a:off x="7007424" y="2378008"/>
-                <a:ext cx="2501659" cy="1652230"/>
+                <a:off x="7007423" y="2378008"/>
+                <a:ext cx="2501658" cy="1652230"/>
               </a:xfrm>
               <a:prstGeom prst="rect">
                 <a:avLst/>
@@ -7321,6 +7665,2698 @@
       </p:grpSpPr>
       <p:grpSp>
         <p:nvGrpSpPr>
+          <p:cNvPr id="107" name="群組 106"/>
+          <p:cNvGrpSpPr/>
+          <p:nvPr/>
+        </p:nvGrpSpPr>
+        <p:grpSpPr>
+          <a:xfrm>
+            <a:off x="3913538" y="209260"/>
+            <a:ext cx="4278501" cy="6054268"/>
+            <a:chOff x="3913538" y="209260"/>
+            <a:chExt cx="4278501" cy="6054268"/>
+          </a:xfrm>
+        </p:grpSpPr>
+        <p:grpSp>
+          <p:nvGrpSpPr>
+            <p:cNvPr id="14" name="群組 13"/>
+            <p:cNvGrpSpPr/>
+            <p:nvPr/>
+          </p:nvGrpSpPr>
+          <p:grpSpPr>
+            <a:xfrm>
+              <a:off x="4078770" y="209260"/>
+              <a:ext cx="3791990" cy="1443201"/>
+              <a:chOff x="1145771" y="-56111"/>
+              <a:chExt cx="6384174" cy="1916084"/>
+            </a:xfrm>
+          </p:grpSpPr>
+          <p:grpSp>
+            <p:nvGrpSpPr>
+              <p:cNvPr id="6" name="群組 5"/>
+              <p:cNvGrpSpPr/>
+              <p:nvPr/>
+            </p:nvGrpSpPr>
+            <p:grpSpPr>
+              <a:xfrm>
+                <a:off x="3178260" y="1177947"/>
+                <a:ext cx="2279168" cy="390702"/>
+                <a:chOff x="3178260" y="1177947"/>
+                <a:chExt cx="2279168" cy="390702"/>
+              </a:xfrm>
+            </p:grpSpPr>
+            <p:sp>
+              <p:nvSpPr>
+                <p:cNvPr id="4" name="矩形 3"/>
+                <p:cNvSpPr/>
+                <p:nvPr/>
+              </p:nvSpPr>
+              <p:spPr>
+                <a:xfrm>
+                  <a:off x="3330563" y="1177951"/>
+                  <a:ext cx="2014410" cy="390698"/>
+                </a:xfrm>
+                <a:prstGeom prst="rect">
+                  <a:avLst/>
+                </a:prstGeom>
+                <a:noFill/>
+                <a:ln>
+                  <a:noFill/>
+                </a:ln>
+              </p:spPr>
+              <p:style>
+                <a:lnRef idx="2">
+                  <a:schemeClr val="accent1">
+                    <a:shade val="50000"/>
+                  </a:schemeClr>
+                </a:lnRef>
+                <a:fillRef idx="1">
+                  <a:schemeClr val="accent1"/>
+                </a:fillRef>
+                <a:effectRef idx="0">
+                  <a:schemeClr val="accent1"/>
+                </a:effectRef>
+                <a:fontRef idx="minor">
+                  <a:schemeClr val="lt1"/>
+                </a:fontRef>
+              </p:style>
+              <p:txBody>
+                <a:bodyPr rtlCol="0" anchor="ctr"/>
+                <a:lstStyle/>
+                <a:p>
+                  <a:pPr algn="ctr"/>
+                  <a:endParaRPr lang="en-US"/>
+                </a:p>
+              </p:txBody>
+            </p:sp>
+            <p:sp>
+              <p:nvSpPr>
+                <p:cNvPr id="5" name="矩形 4"/>
+                <p:cNvSpPr/>
+                <p:nvPr/>
+              </p:nvSpPr>
+              <p:spPr>
+                <a:xfrm>
+                  <a:off x="3178260" y="1177947"/>
+                  <a:ext cx="2279168" cy="367761"/>
+                </a:xfrm>
+                <a:prstGeom prst="rect">
+                  <a:avLst/>
+                </a:prstGeom>
+                <a:noFill/>
+                <a:ln>
+                  <a:solidFill>
+                    <a:schemeClr val="bg2">
+                      <a:lumMod val="25000"/>
+                    </a:schemeClr>
+                  </a:solidFill>
+                </a:ln>
+              </p:spPr>
+              <p:txBody>
+                <a:bodyPr wrap="square" lIns="91440" tIns="45720" rIns="91440" bIns="45720">
+                  <a:spAutoFit/>
+                </a:bodyPr>
+                <a:lstStyle/>
+                <a:p>
+                  <a:pPr algn="ctr"/>
+                  <a:r>
+                    <a:rPr lang="zh-TW" altLang="en-US" sz="1200" b="0" cap="none" spc="0" smtClean="0">
+                      <a:ln w="0"/>
+                      <a:solidFill>
+                        <a:schemeClr val="tx1"/>
+                      </a:solidFill>
+                      <a:latin typeface="微軟正黑體" panose="020B0604030504040204" pitchFamily="34" charset="-120"/>
+                      <a:ea typeface="微軟正黑體" panose="020B0604030504040204" pitchFamily="34" charset="-120"/>
+                    </a:rPr>
+                    <a:t>戴耳機導覽</a:t>
+                  </a:r>
+                  <a:endParaRPr lang="zh-TW" altLang="en-US" sz="1200" b="0" cap="none" spc="0" dirty="0">
+                    <a:ln w="0"/>
+                    <a:solidFill>
+                      <a:schemeClr val="tx1"/>
+                    </a:solidFill>
+                    <a:latin typeface="微軟正黑體" panose="020B0604030504040204" pitchFamily="34" charset="-120"/>
+                    <a:ea typeface="微軟正黑體" panose="020B0604030504040204" pitchFamily="34" charset="-120"/>
+                  </a:endParaRPr>
+                </a:p>
+              </p:txBody>
+            </p:sp>
+          </p:grpSp>
+          <p:grpSp>
+            <p:nvGrpSpPr>
+              <p:cNvPr id="7" name="群組 6"/>
+              <p:cNvGrpSpPr/>
+              <p:nvPr/>
+            </p:nvGrpSpPr>
+            <p:grpSpPr>
+              <a:xfrm>
+                <a:off x="1889457" y="495931"/>
+                <a:ext cx="4891074" cy="390699"/>
+                <a:chOff x="-191496" y="495931"/>
+                <a:chExt cx="4891074" cy="390699"/>
+              </a:xfrm>
+            </p:grpSpPr>
+            <p:sp>
+              <p:nvSpPr>
+                <p:cNvPr id="8" name="矩形 7"/>
+                <p:cNvSpPr/>
+                <p:nvPr/>
+              </p:nvSpPr>
+              <p:spPr>
+                <a:xfrm>
+                  <a:off x="2912340" y="495931"/>
+                  <a:ext cx="1787238" cy="390699"/>
+                </a:xfrm>
+                <a:prstGeom prst="rect">
+                  <a:avLst/>
+                </a:prstGeom>
+                <a:noFill/>
+                <a:ln>
+                  <a:solidFill>
+                    <a:schemeClr val="bg2">
+                      <a:lumMod val="25000"/>
+                    </a:schemeClr>
+                  </a:solidFill>
+                </a:ln>
+              </p:spPr>
+              <p:style>
+                <a:lnRef idx="2">
+                  <a:schemeClr val="accent1">
+                    <a:shade val="50000"/>
+                  </a:schemeClr>
+                </a:lnRef>
+                <a:fillRef idx="1">
+                  <a:schemeClr val="accent1"/>
+                </a:fillRef>
+                <a:effectRef idx="0">
+                  <a:schemeClr val="accent1"/>
+                </a:effectRef>
+                <a:fontRef idx="minor">
+                  <a:schemeClr val="lt1"/>
+                </a:fontRef>
+              </p:style>
+              <p:txBody>
+                <a:bodyPr rtlCol="0" anchor="ctr"/>
+                <a:lstStyle/>
+                <a:p>
+                  <a:pPr algn="ctr"/>
+                  <a:endParaRPr lang="en-US"/>
+                </a:p>
+              </p:txBody>
+            </p:sp>
+            <p:sp>
+              <p:nvSpPr>
+                <p:cNvPr id="9" name="矩形 8"/>
+                <p:cNvSpPr/>
+                <p:nvPr/>
+              </p:nvSpPr>
+              <p:spPr>
+                <a:xfrm>
+                  <a:off x="-191496" y="518865"/>
+                  <a:ext cx="1841128" cy="367761"/>
+                </a:xfrm>
+                <a:prstGeom prst="rect">
+                  <a:avLst/>
+                </a:prstGeom>
+                <a:noFill/>
+                <a:ln>
+                  <a:noFill/>
+                </a:ln>
+              </p:spPr>
+              <p:txBody>
+                <a:bodyPr wrap="none" lIns="91440" tIns="45720" rIns="91440" bIns="45720">
+                  <a:spAutoFit/>
+                </a:bodyPr>
+                <a:lstStyle/>
+                <a:p>
+                  <a:pPr algn="ctr"/>
+                  <a:r>
+                    <a:rPr lang="zh-TW" altLang="en-US" sz="1200" b="0" cap="none" spc="0" dirty="0" smtClean="0">
+                      <a:ln w="0"/>
+                      <a:solidFill>
+                        <a:schemeClr val="tx1"/>
+                      </a:solidFill>
+                      <a:latin typeface="微軟正黑體" panose="020B0604030504040204" pitchFamily="34" charset="-120"/>
+                      <a:ea typeface="微軟正黑體" panose="020B0604030504040204" pitchFamily="34" charset="-120"/>
+                    </a:rPr>
+                    <a:t>額外下載</a:t>
+                  </a:r>
+                  <a:r>
+                    <a:rPr lang="en-US" altLang="zh-TW" sz="1200" b="0" cap="none" spc="0" dirty="0" smtClean="0">
+                      <a:ln w="0"/>
+                      <a:solidFill>
+                        <a:schemeClr val="tx1"/>
+                      </a:solidFill>
+                      <a:latin typeface="微軟正黑體" panose="020B0604030504040204" pitchFamily="34" charset="-120"/>
+                      <a:ea typeface="微軟正黑體" panose="020B0604030504040204" pitchFamily="34" charset="-120"/>
+                    </a:rPr>
+                    <a:t>APP</a:t>
+                  </a:r>
+                  <a:endParaRPr lang="zh-TW" altLang="en-US" sz="1200" b="0" cap="none" spc="0" dirty="0">
+                    <a:ln w="0"/>
+                    <a:solidFill>
+                      <a:schemeClr val="tx1"/>
+                    </a:solidFill>
+                    <a:latin typeface="微軟正黑體" panose="020B0604030504040204" pitchFamily="34" charset="-120"/>
+                    <a:ea typeface="微軟正黑體" panose="020B0604030504040204" pitchFamily="34" charset="-120"/>
+                  </a:endParaRPr>
+                </a:p>
+              </p:txBody>
+            </p:sp>
+          </p:grpSp>
+          <p:grpSp>
+            <p:nvGrpSpPr>
+              <p:cNvPr id="10" name="群組 9"/>
+              <p:cNvGrpSpPr/>
+              <p:nvPr/>
+            </p:nvGrpSpPr>
+            <p:grpSpPr>
+              <a:xfrm>
+                <a:off x="1855164" y="495931"/>
+                <a:ext cx="4964458" cy="390697"/>
+                <a:chOff x="-2306742" y="495931"/>
+                <a:chExt cx="4964458" cy="390697"/>
+              </a:xfrm>
+            </p:grpSpPr>
+            <p:sp>
+              <p:nvSpPr>
+                <p:cNvPr id="11" name="矩形 10"/>
+                <p:cNvSpPr/>
+                <p:nvPr/>
+              </p:nvSpPr>
+              <p:spPr>
+                <a:xfrm>
+                  <a:off x="-2306742" y="495931"/>
+                  <a:ext cx="1787236" cy="390697"/>
+                </a:xfrm>
+                <a:prstGeom prst="rect">
+                  <a:avLst/>
+                </a:prstGeom>
+                <a:noFill/>
+                <a:ln>
+                  <a:solidFill>
+                    <a:schemeClr val="bg2">
+                      <a:lumMod val="25000"/>
+                    </a:schemeClr>
+                  </a:solidFill>
+                </a:ln>
+              </p:spPr>
+              <p:style>
+                <a:lnRef idx="2">
+                  <a:schemeClr val="accent1">
+                    <a:shade val="50000"/>
+                  </a:schemeClr>
+                </a:lnRef>
+                <a:fillRef idx="1">
+                  <a:schemeClr val="accent1"/>
+                </a:fillRef>
+                <a:effectRef idx="0">
+                  <a:schemeClr val="accent1"/>
+                </a:effectRef>
+                <a:fontRef idx="minor">
+                  <a:schemeClr val="lt1"/>
+                </a:fontRef>
+              </p:style>
+              <p:txBody>
+                <a:bodyPr rtlCol="0" anchor="ctr"/>
+                <a:lstStyle/>
+                <a:p>
+                  <a:pPr algn="ctr"/>
+                  <a:endParaRPr lang="en-US"/>
+                </a:p>
+              </p:txBody>
+            </p:sp>
+            <p:sp>
+              <p:nvSpPr>
+                <p:cNvPr id="12" name="矩形 11"/>
+                <p:cNvSpPr/>
+                <p:nvPr/>
+              </p:nvSpPr>
+              <p:spPr>
+                <a:xfrm>
+                  <a:off x="792298" y="518865"/>
+                  <a:ext cx="1865418" cy="367762"/>
+                </a:xfrm>
+                <a:prstGeom prst="rect">
+                  <a:avLst/>
+                </a:prstGeom>
+                <a:noFill/>
+                <a:ln>
+                  <a:noFill/>
+                </a:ln>
+              </p:spPr>
+              <p:txBody>
+                <a:bodyPr wrap="none" lIns="91440" tIns="45720" rIns="91440" bIns="45720">
+                  <a:spAutoFit/>
+                </a:bodyPr>
+                <a:lstStyle/>
+                <a:p>
+                  <a:pPr algn="ctr"/>
+                  <a:r>
+                    <a:rPr lang="zh-TW" altLang="en-US" sz="1200" b="0" cap="none" spc="0" dirty="0" smtClean="0">
+                      <a:ln w="0"/>
+                      <a:solidFill>
+                        <a:schemeClr val="tx1"/>
+                      </a:solidFill>
+                      <a:latin typeface="微軟正黑體" panose="020B0604030504040204" pitchFamily="34" charset="-120"/>
+                      <a:ea typeface="微軟正黑體" panose="020B0604030504040204" pitchFamily="34" charset="-120"/>
+                    </a:rPr>
+                    <a:t>遺忘過去知識</a:t>
+                  </a:r>
+                  <a:endParaRPr lang="zh-TW" altLang="en-US" sz="1200" b="0" cap="none" spc="0" dirty="0">
+                    <a:ln w="0"/>
+                    <a:solidFill>
+                      <a:schemeClr val="tx1"/>
+                    </a:solidFill>
+                    <a:latin typeface="微軟正黑體" panose="020B0604030504040204" pitchFamily="34" charset="-120"/>
+                    <a:ea typeface="微軟正黑體" panose="020B0604030504040204" pitchFamily="34" charset="-120"/>
+                  </a:endParaRPr>
+                </a:p>
+              </p:txBody>
+            </p:sp>
+          </p:grpSp>
+          <p:sp>
+            <p:nvSpPr>
+              <p:cNvPr id="13" name="橢圓 12"/>
+              <p:cNvSpPr/>
+              <p:nvPr/>
+            </p:nvSpPr>
+            <p:spPr>
+              <a:xfrm>
+                <a:off x="1145771" y="-56111"/>
+                <a:ext cx="6384174" cy="1916084"/>
+              </a:xfrm>
+              <a:prstGeom prst="ellipse">
+                <a:avLst/>
+              </a:prstGeom>
+              <a:noFill/>
+              <a:ln>
+                <a:solidFill>
+                  <a:schemeClr val="bg2">
+                    <a:lumMod val="25000"/>
+                  </a:schemeClr>
+                </a:solidFill>
+              </a:ln>
+            </p:spPr>
+            <p:style>
+              <a:lnRef idx="2">
+                <a:schemeClr val="accent1">
+                  <a:shade val="50000"/>
+                </a:schemeClr>
+              </a:lnRef>
+              <a:fillRef idx="1">
+                <a:schemeClr val="accent1"/>
+              </a:fillRef>
+              <a:effectRef idx="0">
+                <a:schemeClr val="accent1"/>
+              </a:effectRef>
+              <a:fontRef idx="minor">
+                <a:schemeClr val="lt1"/>
+              </a:fontRef>
+            </p:style>
+            <p:txBody>
+              <a:bodyPr rtlCol="0" anchor="ctr"/>
+              <a:lstStyle/>
+              <a:p>
+                <a:pPr algn="ctr"/>
+                <a:endParaRPr lang="en-US"/>
+              </a:p>
+            </p:txBody>
+          </p:sp>
+        </p:grpSp>
+        <p:sp>
+          <p:nvSpPr>
+            <p:cNvPr id="15" name="矩形 14"/>
+            <p:cNvSpPr/>
+            <p:nvPr/>
+          </p:nvSpPr>
+          <p:spPr>
+            <a:xfrm>
+              <a:off x="5614065" y="209260"/>
+              <a:ext cx="697627" cy="400110"/>
+            </a:xfrm>
+            <a:prstGeom prst="rect">
+              <a:avLst/>
+            </a:prstGeom>
+            <a:noFill/>
+          </p:spPr>
+          <p:txBody>
+            <a:bodyPr wrap="none" lIns="91440" tIns="45720" rIns="91440" bIns="45720">
+              <a:spAutoFit/>
+            </a:bodyPr>
+            <a:lstStyle/>
+            <a:p>
+              <a:pPr algn="ctr"/>
+              <a:r>
+                <a:rPr lang="zh-TW" altLang="en-US" sz="2000" b="0" cap="none" spc="0" dirty="0" smtClean="0">
+                  <a:ln w="0"/>
+                  <a:solidFill>
+                    <a:schemeClr val="tx1"/>
+                  </a:solidFill>
+                  <a:latin typeface="微軟正黑體" panose="020B0604030504040204" pitchFamily="34" charset="-120"/>
+                  <a:ea typeface="微軟正黑體" panose="020B0604030504040204" pitchFamily="34" charset="-120"/>
+                </a:rPr>
+                <a:t>痛點</a:t>
+              </a:r>
+              <a:endParaRPr lang="zh-TW" altLang="en-US" sz="2000" b="0" cap="none" spc="0" dirty="0">
+                <a:ln w="0"/>
+                <a:solidFill>
+                  <a:schemeClr val="tx1"/>
+                </a:solidFill>
+                <a:latin typeface="微軟正黑體" panose="020B0604030504040204" pitchFamily="34" charset="-120"/>
+                <a:ea typeface="微軟正黑體" panose="020B0604030504040204" pitchFamily="34" charset="-120"/>
+              </a:endParaRPr>
+            </a:p>
+          </p:txBody>
+        </p:sp>
+        <p:cxnSp>
+          <p:nvCxnSpPr>
+            <p:cNvPr id="17" name="直線單箭頭接點 16"/>
+            <p:cNvCxnSpPr>
+              <a:stCxn id="13" idx="4"/>
+            </p:cNvCxnSpPr>
+            <p:nvPr/>
+          </p:nvCxnSpPr>
+          <p:spPr>
+            <a:xfrm flipH="1">
+              <a:off x="5974711" y="1652461"/>
+              <a:ext cx="54" cy="483910"/>
+            </a:xfrm>
+            <a:prstGeom prst="straightConnector1">
+              <a:avLst/>
+            </a:prstGeom>
+            <a:ln>
+              <a:tailEnd type="triangle"/>
+            </a:ln>
+          </p:spPr>
+          <p:style>
+            <a:lnRef idx="1">
+              <a:schemeClr val="dk1"/>
+            </a:lnRef>
+            <a:fillRef idx="0">
+              <a:schemeClr val="dk1"/>
+            </a:fillRef>
+            <a:effectRef idx="0">
+              <a:schemeClr val="dk1"/>
+            </a:effectRef>
+            <a:fontRef idx="minor">
+              <a:schemeClr val="tx1"/>
+            </a:fontRef>
+          </p:style>
+        </p:cxnSp>
+        <p:grpSp>
+          <p:nvGrpSpPr>
+            <p:cNvPr id="80" name="群組 79"/>
+            <p:cNvGrpSpPr/>
+            <p:nvPr/>
+          </p:nvGrpSpPr>
+          <p:grpSpPr>
+            <a:xfrm>
+              <a:off x="3913538" y="2190708"/>
+              <a:ext cx="4278501" cy="2026082"/>
+              <a:chOff x="6380134" y="2164079"/>
+              <a:chExt cx="4278501" cy="2026082"/>
+            </a:xfrm>
+          </p:grpSpPr>
+          <p:sp>
+            <p:nvSpPr>
+              <p:cNvPr id="27" name="矩形 26"/>
+              <p:cNvSpPr/>
+              <p:nvPr/>
+            </p:nvSpPr>
+            <p:spPr>
+              <a:xfrm>
+                <a:off x="6380134" y="2191771"/>
+                <a:ext cx="2427316" cy="94775"/>
+              </a:xfrm>
+              <a:prstGeom prst="rect">
+                <a:avLst/>
+              </a:prstGeom>
+              <a:solidFill>
+                <a:schemeClr val="bg1">
+                  <a:lumMod val="65000"/>
+                </a:schemeClr>
+              </a:solidFill>
+              <a:ln>
+                <a:noFill/>
+              </a:ln>
+            </p:spPr>
+            <p:style>
+              <a:lnRef idx="2">
+                <a:schemeClr val="accent1">
+                  <a:shade val="50000"/>
+                </a:schemeClr>
+              </a:lnRef>
+              <a:fillRef idx="1">
+                <a:schemeClr val="accent1"/>
+              </a:fillRef>
+              <a:effectRef idx="0">
+                <a:schemeClr val="accent1"/>
+              </a:effectRef>
+              <a:fontRef idx="minor">
+                <a:schemeClr val="lt1"/>
+              </a:fontRef>
+            </p:style>
+            <p:txBody>
+              <a:bodyPr rtlCol="0" anchor="ctr"/>
+              <a:lstStyle/>
+              <a:p>
+                <a:pPr algn="ctr"/>
+                <a:endParaRPr lang="en-US"/>
+              </a:p>
+            </p:txBody>
+          </p:sp>
+          <p:sp>
+            <p:nvSpPr>
+              <p:cNvPr id="28" name="矩形 27"/>
+              <p:cNvSpPr/>
+              <p:nvPr/>
+            </p:nvSpPr>
+            <p:spPr>
+              <a:xfrm>
+                <a:off x="6380134" y="2364656"/>
+                <a:ext cx="93580" cy="1825505"/>
+              </a:xfrm>
+              <a:prstGeom prst="rect">
+                <a:avLst/>
+              </a:prstGeom>
+              <a:solidFill>
+                <a:schemeClr val="bg1">
+                  <a:lumMod val="65000"/>
+                </a:schemeClr>
+              </a:solidFill>
+              <a:ln>
+                <a:noFill/>
+              </a:ln>
+            </p:spPr>
+            <p:style>
+              <a:lnRef idx="2">
+                <a:schemeClr val="accent1">
+                  <a:shade val="50000"/>
+                </a:schemeClr>
+              </a:lnRef>
+              <a:fillRef idx="1">
+                <a:schemeClr val="accent1"/>
+              </a:fillRef>
+              <a:effectRef idx="0">
+                <a:schemeClr val="accent1"/>
+              </a:effectRef>
+              <a:fontRef idx="minor">
+                <a:schemeClr val="lt1"/>
+              </a:fontRef>
+            </p:style>
+            <p:txBody>
+              <a:bodyPr rtlCol="0" anchor="ctr"/>
+              <a:lstStyle/>
+              <a:p>
+                <a:pPr algn="ctr"/>
+                <a:endParaRPr lang="en-US"/>
+              </a:p>
+            </p:txBody>
+          </p:sp>
+          <p:sp>
+            <p:nvSpPr>
+              <p:cNvPr id="29" name="矩形 28"/>
+              <p:cNvSpPr/>
+              <p:nvPr/>
+            </p:nvSpPr>
+            <p:spPr>
+              <a:xfrm>
+                <a:off x="8713870" y="2364656"/>
+                <a:ext cx="93580" cy="1825505"/>
+              </a:xfrm>
+              <a:prstGeom prst="rect">
+                <a:avLst/>
+              </a:prstGeom>
+              <a:solidFill>
+                <a:schemeClr val="bg1">
+                  <a:lumMod val="65000"/>
+                </a:schemeClr>
+              </a:solidFill>
+              <a:ln>
+                <a:noFill/>
+              </a:ln>
+            </p:spPr>
+            <p:style>
+              <a:lnRef idx="2">
+                <a:schemeClr val="accent1">
+                  <a:shade val="50000"/>
+                </a:schemeClr>
+              </a:lnRef>
+              <a:fillRef idx="1">
+                <a:schemeClr val="accent1"/>
+              </a:fillRef>
+              <a:effectRef idx="0">
+                <a:schemeClr val="accent1"/>
+              </a:effectRef>
+              <a:fontRef idx="minor">
+                <a:schemeClr val="lt1"/>
+              </a:fontRef>
+            </p:style>
+            <p:txBody>
+              <a:bodyPr rtlCol="0" anchor="ctr"/>
+              <a:lstStyle/>
+              <a:p>
+                <a:pPr algn="ctr"/>
+                <a:endParaRPr lang="en-US"/>
+              </a:p>
+            </p:txBody>
+          </p:sp>
+          <p:sp>
+            <p:nvSpPr>
+              <p:cNvPr id="30" name="矩形 29"/>
+              <p:cNvSpPr/>
+              <p:nvPr/>
+            </p:nvSpPr>
+            <p:spPr>
+              <a:xfrm>
+                <a:off x="6462063" y="2564163"/>
+                <a:ext cx="58623" cy="362466"/>
+              </a:xfrm>
+              <a:prstGeom prst="rect">
+                <a:avLst/>
+              </a:prstGeom>
+              <a:solidFill>
+                <a:schemeClr val="tx1">
+                  <a:lumMod val="65000"/>
+                  <a:lumOff val="35000"/>
+                </a:schemeClr>
+              </a:solidFill>
+              <a:ln>
+                <a:noFill/>
+              </a:ln>
+            </p:spPr>
+            <p:style>
+              <a:lnRef idx="2">
+                <a:schemeClr val="accent1">
+                  <a:shade val="50000"/>
+                </a:schemeClr>
+              </a:lnRef>
+              <a:fillRef idx="1">
+                <a:schemeClr val="accent1"/>
+              </a:fillRef>
+              <a:effectRef idx="0">
+                <a:schemeClr val="accent1"/>
+              </a:effectRef>
+              <a:fontRef idx="minor">
+                <a:schemeClr val="lt1"/>
+              </a:fontRef>
+            </p:style>
+            <p:txBody>
+              <a:bodyPr rtlCol="0" anchor="ctr"/>
+              <a:lstStyle/>
+              <a:p>
+                <a:pPr algn="ctr"/>
+                <a:endParaRPr lang="en-US"/>
+              </a:p>
+            </p:txBody>
+          </p:sp>
+          <p:sp>
+            <p:nvSpPr>
+              <p:cNvPr id="31" name="矩形 30"/>
+              <p:cNvSpPr/>
+              <p:nvPr/>
+            </p:nvSpPr>
+            <p:spPr>
+              <a:xfrm>
+                <a:off x="6457562" y="3377162"/>
+                <a:ext cx="58623" cy="362466"/>
+              </a:xfrm>
+              <a:prstGeom prst="rect">
+                <a:avLst/>
+              </a:prstGeom>
+              <a:solidFill>
+                <a:schemeClr val="tx1">
+                  <a:lumMod val="65000"/>
+                  <a:lumOff val="35000"/>
+                </a:schemeClr>
+              </a:solidFill>
+              <a:ln>
+                <a:noFill/>
+              </a:ln>
+            </p:spPr>
+            <p:style>
+              <a:lnRef idx="2">
+                <a:schemeClr val="accent1">
+                  <a:shade val="50000"/>
+                </a:schemeClr>
+              </a:lnRef>
+              <a:fillRef idx="1">
+                <a:schemeClr val="accent1"/>
+              </a:fillRef>
+              <a:effectRef idx="0">
+                <a:schemeClr val="accent1"/>
+              </a:effectRef>
+              <a:fontRef idx="minor">
+                <a:schemeClr val="lt1"/>
+              </a:fontRef>
+            </p:style>
+            <p:txBody>
+              <a:bodyPr rtlCol="0" anchor="ctr"/>
+              <a:lstStyle/>
+              <a:p>
+                <a:pPr algn="ctr"/>
+                <a:endParaRPr lang="en-US"/>
+              </a:p>
+            </p:txBody>
+          </p:sp>
+          <p:sp>
+            <p:nvSpPr>
+              <p:cNvPr id="32" name="矩形 31"/>
+              <p:cNvSpPr/>
+              <p:nvPr/>
+            </p:nvSpPr>
+            <p:spPr>
+              <a:xfrm>
+                <a:off x="8655247" y="2564163"/>
+                <a:ext cx="58623" cy="362466"/>
+              </a:xfrm>
+              <a:prstGeom prst="rect">
+                <a:avLst/>
+              </a:prstGeom>
+              <a:solidFill>
+                <a:schemeClr val="tx1">
+                  <a:lumMod val="65000"/>
+                  <a:lumOff val="35000"/>
+                </a:schemeClr>
+              </a:solidFill>
+              <a:ln>
+                <a:noFill/>
+              </a:ln>
+            </p:spPr>
+            <p:style>
+              <a:lnRef idx="2">
+                <a:schemeClr val="accent1">
+                  <a:shade val="50000"/>
+                </a:schemeClr>
+              </a:lnRef>
+              <a:fillRef idx="1">
+                <a:schemeClr val="accent1"/>
+              </a:fillRef>
+              <a:effectRef idx="0">
+                <a:schemeClr val="accent1"/>
+              </a:effectRef>
+              <a:fontRef idx="minor">
+                <a:schemeClr val="lt1"/>
+              </a:fontRef>
+            </p:style>
+            <p:txBody>
+              <a:bodyPr rtlCol="0" anchor="ctr"/>
+              <a:lstStyle/>
+              <a:p>
+                <a:pPr algn="ctr"/>
+                <a:endParaRPr lang="en-US"/>
+              </a:p>
+            </p:txBody>
+          </p:sp>
+          <p:sp>
+            <p:nvSpPr>
+              <p:cNvPr id="33" name="矩形 32"/>
+              <p:cNvSpPr/>
+              <p:nvPr/>
+            </p:nvSpPr>
+            <p:spPr>
+              <a:xfrm>
+                <a:off x="8656953" y="3377162"/>
+                <a:ext cx="58623" cy="362466"/>
+              </a:xfrm>
+              <a:prstGeom prst="rect">
+                <a:avLst/>
+              </a:prstGeom>
+              <a:solidFill>
+                <a:schemeClr val="tx1">
+                  <a:lumMod val="65000"/>
+                  <a:lumOff val="35000"/>
+                </a:schemeClr>
+              </a:solidFill>
+              <a:ln>
+                <a:noFill/>
+              </a:ln>
+            </p:spPr>
+            <p:style>
+              <a:lnRef idx="2">
+                <a:schemeClr val="accent1">
+                  <a:shade val="50000"/>
+                </a:schemeClr>
+              </a:lnRef>
+              <a:fillRef idx="1">
+                <a:schemeClr val="accent1"/>
+              </a:fillRef>
+              <a:effectRef idx="0">
+                <a:schemeClr val="accent1"/>
+              </a:effectRef>
+              <a:fontRef idx="minor">
+                <a:schemeClr val="lt1"/>
+              </a:fontRef>
+            </p:style>
+            <p:txBody>
+              <a:bodyPr rtlCol="0" anchor="ctr"/>
+              <a:lstStyle/>
+              <a:p>
+                <a:pPr algn="ctr"/>
+                <a:endParaRPr lang="en-US"/>
+              </a:p>
+            </p:txBody>
+          </p:sp>
+          <p:sp>
+            <p:nvSpPr>
+              <p:cNvPr id="35" name="橢圓 34"/>
+              <p:cNvSpPr/>
+              <p:nvPr/>
+            </p:nvSpPr>
+            <p:spPr>
+              <a:xfrm>
+                <a:off x="6560361" y="2692305"/>
+                <a:ext cx="126000" cy="124691"/>
+              </a:xfrm>
+              <a:prstGeom prst="ellipse">
+                <a:avLst/>
+              </a:prstGeom>
+              <a:solidFill>
+                <a:schemeClr val="accent1">
+                  <a:lumMod val="60000"/>
+                  <a:lumOff val="40000"/>
+                </a:schemeClr>
+              </a:solidFill>
+              <a:ln>
+                <a:noFill/>
+              </a:ln>
+            </p:spPr>
+            <p:style>
+              <a:lnRef idx="2">
+                <a:schemeClr val="accent1">
+                  <a:shade val="50000"/>
+                </a:schemeClr>
+              </a:lnRef>
+              <a:fillRef idx="1">
+                <a:schemeClr val="accent1"/>
+              </a:fillRef>
+              <a:effectRef idx="0">
+                <a:schemeClr val="accent1"/>
+              </a:effectRef>
+              <a:fontRef idx="minor">
+                <a:schemeClr val="lt1"/>
+              </a:fontRef>
+            </p:style>
+            <p:txBody>
+              <a:bodyPr rtlCol="0" anchor="ctr"/>
+              <a:lstStyle/>
+              <a:p>
+                <a:pPr algn="ctr"/>
+                <a:endParaRPr lang="en-US"/>
+              </a:p>
+            </p:txBody>
+          </p:sp>
+          <p:sp>
+            <p:nvSpPr>
+              <p:cNvPr id="36" name="橢圓 35"/>
+              <p:cNvSpPr/>
+              <p:nvPr/>
+            </p:nvSpPr>
+            <p:spPr>
+              <a:xfrm>
+                <a:off x="6560361" y="3496049"/>
+                <a:ext cx="126000" cy="124691"/>
+              </a:xfrm>
+              <a:prstGeom prst="ellipse">
+                <a:avLst/>
+              </a:prstGeom>
+              <a:solidFill>
+                <a:schemeClr val="accent1">
+                  <a:lumMod val="60000"/>
+                  <a:lumOff val="40000"/>
+                </a:schemeClr>
+              </a:solidFill>
+              <a:ln>
+                <a:noFill/>
+              </a:ln>
+            </p:spPr>
+            <p:style>
+              <a:lnRef idx="2">
+                <a:schemeClr val="accent1">
+                  <a:shade val="50000"/>
+                </a:schemeClr>
+              </a:lnRef>
+              <a:fillRef idx="1">
+                <a:schemeClr val="accent1"/>
+              </a:fillRef>
+              <a:effectRef idx="0">
+                <a:schemeClr val="accent1"/>
+              </a:effectRef>
+              <a:fontRef idx="minor">
+                <a:schemeClr val="lt1"/>
+              </a:fontRef>
+            </p:style>
+            <p:txBody>
+              <a:bodyPr rtlCol="0" anchor="ctr"/>
+              <a:lstStyle/>
+              <a:p>
+                <a:pPr algn="ctr"/>
+                <a:endParaRPr lang="en-US"/>
+              </a:p>
+            </p:txBody>
+          </p:sp>
+          <p:sp>
+            <p:nvSpPr>
+              <p:cNvPr id="37" name="橢圓 36"/>
+              <p:cNvSpPr/>
+              <p:nvPr/>
+            </p:nvSpPr>
+            <p:spPr>
+              <a:xfrm>
+                <a:off x="7530792" y="2354113"/>
+                <a:ext cx="126000" cy="124691"/>
+              </a:xfrm>
+              <a:prstGeom prst="ellipse">
+                <a:avLst/>
+              </a:prstGeom>
+              <a:solidFill>
+                <a:schemeClr val="accent1">
+                  <a:lumMod val="60000"/>
+                  <a:lumOff val="40000"/>
+                </a:schemeClr>
+              </a:solidFill>
+              <a:ln>
+                <a:noFill/>
+              </a:ln>
+            </p:spPr>
+            <p:style>
+              <a:lnRef idx="2">
+                <a:schemeClr val="accent1">
+                  <a:shade val="50000"/>
+                </a:schemeClr>
+              </a:lnRef>
+              <a:fillRef idx="1">
+                <a:schemeClr val="accent1"/>
+              </a:fillRef>
+              <a:effectRef idx="0">
+                <a:schemeClr val="accent1"/>
+              </a:effectRef>
+              <a:fontRef idx="minor">
+                <a:schemeClr val="lt1"/>
+              </a:fontRef>
+            </p:style>
+            <p:txBody>
+              <a:bodyPr rtlCol="0" anchor="ctr"/>
+              <a:lstStyle/>
+              <a:p>
+                <a:pPr algn="ctr"/>
+                <a:endParaRPr lang="en-US"/>
+              </a:p>
+            </p:txBody>
+          </p:sp>
+          <p:sp>
+            <p:nvSpPr>
+              <p:cNvPr id="38" name="橢圓 37"/>
+              <p:cNvSpPr/>
+              <p:nvPr/>
+            </p:nvSpPr>
+            <p:spPr>
+              <a:xfrm>
+                <a:off x="8501223" y="2692305"/>
+                <a:ext cx="126000" cy="124691"/>
+              </a:xfrm>
+              <a:prstGeom prst="ellipse">
+                <a:avLst/>
+              </a:prstGeom>
+              <a:solidFill>
+                <a:schemeClr val="accent1">
+                  <a:lumMod val="60000"/>
+                  <a:lumOff val="40000"/>
+                </a:schemeClr>
+              </a:solidFill>
+              <a:ln>
+                <a:noFill/>
+              </a:ln>
+            </p:spPr>
+            <p:style>
+              <a:lnRef idx="2">
+                <a:schemeClr val="accent1">
+                  <a:shade val="50000"/>
+                </a:schemeClr>
+              </a:lnRef>
+              <a:fillRef idx="1">
+                <a:schemeClr val="accent1"/>
+              </a:fillRef>
+              <a:effectRef idx="0">
+                <a:schemeClr val="accent1"/>
+              </a:effectRef>
+              <a:fontRef idx="minor">
+                <a:schemeClr val="lt1"/>
+              </a:fontRef>
+            </p:style>
+            <p:txBody>
+              <a:bodyPr rtlCol="0" anchor="ctr"/>
+              <a:lstStyle/>
+              <a:p>
+                <a:pPr algn="ctr"/>
+                <a:endParaRPr lang="en-US"/>
+              </a:p>
+            </p:txBody>
+          </p:sp>
+          <p:sp>
+            <p:nvSpPr>
+              <p:cNvPr id="39" name="橢圓 38"/>
+              <p:cNvSpPr/>
+              <p:nvPr/>
+            </p:nvSpPr>
+            <p:spPr>
+              <a:xfrm>
+                <a:off x="8501223" y="3496049"/>
+                <a:ext cx="126000" cy="124691"/>
+              </a:xfrm>
+              <a:prstGeom prst="ellipse">
+                <a:avLst/>
+              </a:prstGeom>
+              <a:solidFill>
+                <a:schemeClr val="accent1">
+                  <a:lumMod val="60000"/>
+                  <a:lumOff val="40000"/>
+                </a:schemeClr>
+              </a:solidFill>
+              <a:ln>
+                <a:noFill/>
+              </a:ln>
+            </p:spPr>
+            <p:style>
+              <a:lnRef idx="2">
+                <a:schemeClr val="accent1">
+                  <a:shade val="50000"/>
+                </a:schemeClr>
+              </a:lnRef>
+              <a:fillRef idx="1">
+                <a:schemeClr val="accent1"/>
+              </a:fillRef>
+              <a:effectRef idx="0">
+                <a:schemeClr val="accent1"/>
+              </a:effectRef>
+              <a:fontRef idx="minor">
+                <a:schemeClr val="lt1"/>
+              </a:fontRef>
+            </p:style>
+            <p:txBody>
+              <a:bodyPr rtlCol="0" anchor="ctr"/>
+              <a:lstStyle/>
+              <a:p>
+                <a:pPr algn="ctr"/>
+                <a:endParaRPr lang="en-US"/>
+              </a:p>
+            </p:txBody>
+          </p:sp>
+          <p:grpSp>
+            <p:nvGrpSpPr>
+              <p:cNvPr id="44" name="群組 43"/>
+              <p:cNvGrpSpPr/>
+              <p:nvPr/>
+            </p:nvGrpSpPr>
+            <p:grpSpPr>
+              <a:xfrm>
+                <a:off x="9424901" y="2164079"/>
+                <a:ext cx="996818" cy="276999"/>
+                <a:chOff x="9424901" y="2164079"/>
+                <a:chExt cx="996818" cy="276999"/>
+              </a:xfrm>
+            </p:grpSpPr>
+            <p:sp>
+              <p:nvSpPr>
+                <p:cNvPr id="34" name="矩形 33"/>
+                <p:cNvSpPr/>
+                <p:nvPr/>
+              </p:nvSpPr>
+              <p:spPr>
+                <a:xfrm>
+                  <a:off x="9424901" y="2276003"/>
+                  <a:ext cx="379367" cy="78110"/>
+                </a:xfrm>
+                <a:prstGeom prst="rect">
+                  <a:avLst/>
+                </a:prstGeom>
+                <a:solidFill>
+                  <a:schemeClr val="tx1">
+                    <a:lumMod val="65000"/>
+                    <a:lumOff val="35000"/>
+                  </a:schemeClr>
+                </a:solidFill>
+                <a:ln>
+                  <a:noFill/>
+                </a:ln>
+              </p:spPr>
+              <p:style>
+                <a:lnRef idx="2">
+                  <a:schemeClr val="accent1">
+                    <a:shade val="50000"/>
+                  </a:schemeClr>
+                </a:lnRef>
+                <a:fillRef idx="1">
+                  <a:schemeClr val="accent1"/>
+                </a:fillRef>
+                <a:effectRef idx="0">
+                  <a:schemeClr val="accent1"/>
+                </a:effectRef>
+                <a:fontRef idx="minor">
+                  <a:schemeClr val="lt1"/>
+                </a:fontRef>
+              </p:style>
+              <p:txBody>
+                <a:bodyPr rtlCol="0" anchor="ctr"/>
+                <a:lstStyle/>
+                <a:p>
+                  <a:pPr algn="ctr"/>
+                  <a:endParaRPr lang="en-US"/>
+                </a:p>
+              </p:txBody>
+            </p:sp>
+            <p:sp>
+              <p:nvSpPr>
+                <p:cNvPr id="43" name="矩形 42"/>
+                <p:cNvSpPr/>
+                <p:nvPr/>
+              </p:nvSpPr>
+              <p:spPr>
+                <a:xfrm>
+                  <a:off x="9775388" y="2164079"/>
+                  <a:ext cx="646331" cy="276999"/>
+                </a:xfrm>
+                <a:prstGeom prst="rect">
+                  <a:avLst/>
+                </a:prstGeom>
+                <a:noFill/>
+              </p:spPr>
+              <p:txBody>
+                <a:bodyPr wrap="none" lIns="91440" tIns="45720" rIns="91440" bIns="45720">
+                  <a:spAutoFit/>
+                </a:bodyPr>
+                <a:lstStyle/>
+                <a:p>
+                  <a:pPr algn="ctr"/>
+                  <a:r>
+                    <a:rPr lang="zh-TW" altLang="en-US" sz="1200" b="0" cap="none" spc="0" dirty="0" smtClean="0">
+                      <a:ln w="0"/>
+                      <a:solidFill>
+                        <a:schemeClr val="tx1"/>
+                      </a:solidFill>
+                      <a:latin typeface="微軟正黑體" panose="020B0604030504040204" pitchFamily="34" charset="-120"/>
+                      <a:ea typeface="微軟正黑體" panose="020B0604030504040204" pitchFamily="34" charset="-120"/>
+                    </a:rPr>
+                    <a:t>：作品</a:t>
+                  </a:r>
+                  <a:endParaRPr lang="zh-TW" altLang="en-US" sz="1200" b="0" cap="none" spc="0" dirty="0">
+                    <a:ln w="0"/>
+                    <a:solidFill>
+                      <a:schemeClr val="tx1"/>
+                    </a:solidFill>
+                    <a:latin typeface="微軟正黑體" panose="020B0604030504040204" pitchFamily="34" charset="-120"/>
+                    <a:ea typeface="微軟正黑體" panose="020B0604030504040204" pitchFamily="34" charset="-120"/>
+                  </a:endParaRPr>
+                </a:p>
+              </p:txBody>
+            </p:sp>
+          </p:grpSp>
+          <p:sp>
+            <p:nvSpPr>
+              <p:cNvPr id="45" name="橢圓 44"/>
+              <p:cNvSpPr/>
+              <p:nvPr/>
+            </p:nvSpPr>
+            <p:spPr>
+              <a:xfrm>
+                <a:off x="9551584" y="2620705"/>
+                <a:ext cx="126000" cy="124691"/>
+              </a:xfrm>
+              <a:prstGeom prst="ellipse">
+                <a:avLst/>
+              </a:prstGeom>
+              <a:solidFill>
+                <a:schemeClr val="accent1">
+                  <a:lumMod val="60000"/>
+                  <a:lumOff val="40000"/>
+                </a:schemeClr>
+              </a:solidFill>
+              <a:ln>
+                <a:noFill/>
+              </a:ln>
+            </p:spPr>
+            <p:style>
+              <a:lnRef idx="2">
+                <a:schemeClr val="accent1">
+                  <a:shade val="50000"/>
+                </a:schemeClr>
+              </a:lnRef>
+              <a:fillRef idx="1">
+                <a:schemeClr val="accent1"/>
+              </a:fillRef>
+              <a:effectRef idx="0">
+                <a:schemeClr val="accent1"/>
+              </a:effectRef>
+              <a:fontRef idx="minor">
+                <a:schemeClr val="lt1"/>
+              </a:fontRef>
+            </p:style>
+            <p:txBody>
+              <a:bodyPr rtlCol="0" anchor="ctr"/>
+              <a:lstStyle/>
+              <a:p>
+                <a:pPr algn="ctr"/>
+                <a:endParaRPr lang="en-US"/>
+              </a:p>
+            </p:txBody>
+          </p:sp>
+          <p:sp>
+            <p:nvSpPr>
+              <p:cNvPr id="46" name="矩形 45"/>
+              <p:cNvSpPr/>
+              <p:nvPr/>
+            </p:nvSpPr>
+            <p:spPr>
+              <a:xfrm>
+                <a:off x="9786280" y="2539997"/>
+                <a:ext cx="872355" cy="276999"/>
+              </a:xfrm>
+              <a:prstGeom prst="rect">
+                <a:avLst/>
+              </a:prstGeom>
+              <a:noFill/>
+            </p:spPr>
+            <p:txBody>
+              <a:bodyPr wrap="none" lIns="91440" tIns="45720" rIns="91440" bIns="45720">
+                <a:spAutoFit/>
+              </a:bodyPr>
+              <a:lstStyle/>
+              <a:p>
+                <a:pPr algn="ctr"/>
+                <a:r>
+                  <a:rPr lang="zh-TW" altLang="en-US" sz="1200" b="0" cap="none" spc="0" dirty="0" smtClean="0">
+                    <a:ln w="0"/>
+                    <a:solidFill>
+                      <a:schemeClr val="tx1"/>
+                    </a:solidFill>
+                    <a:latin typeface="微軟正黑體" panose="020B0604030504040204" pitchFamily="34" charset="-120"/>
+                    <a:ea typeface="微軟正黑體" panose="020B0604030504040204" pitchFamily="34" charset="-120"/>
+                  </a:rPr>
+                  <a:t>：</a:t>
+                </a:r>
+                <a:r>
+                  <a:rPr lang="en-US" altLang="zh-TW" sz="1200" b="0" cap="none" spc="0" dirty="0" smtClean="0">
+                    <a:ln w="0"/>
+                    <a:solidFill>
+                      <a:schemeClr val="tx1"/>
+                    </a:solidFill>
+                    <a:latin typeface="微軟正黑體" panose="020B0604030504040204" pitchFamily="34" charset="-120"/>
+                    <a:ea typeface="微軟正黑體" panose="020B0604030504040204" pitchFamily="34" charset="-120"/>
+                  </a:rPr>
+                  <a:t>Beacon</a:t>
+                </a:r>
+                <a:endParaRPr lang="zh-TW" altLang="en-US" sz="1200" b="0" cap="none" spc="0" dirty="0">
+                  <a:ln w="0"/>
+                  <a:solidFill>
+                    <a:schemeClr val="tx1"/>
+                  </a:solidFill>
+                  <a:latin typeface="微軟正黑體" panose="020B0604030504040204" pitchFamily="34" charset="-120"/>
+                  <a:ea typeface="微軟正黑體" panose="020B0604030504040204" pitchFamily="34" charset="-120"/>
+                </a:endParaRPr>
+              </a:p>
+            </p:txBody>
+          </p:sp>
+          <p:grpSp>
+            <p:nvGrpSpPr>
+              <p:cNvPr id="64" name="群組 63"/>
+              <p:cNvGrpSpPr/>
+              <p:nvPr/>
+            </p:nvGrpSpPr>
+            <p:grpSpPr>
+              <a:xfrm>
+                <a:off x="7422722" y="2926629"/>
+                <a:ext cx="349564" cy="904053"/>
+                <a:chOff x="7422722" y="2926629"/>
+                <a:chExt cx="349564" cy="904053"/>
+              </a:xfrm>
+            </p:grpSpPr>
+            <p:sp>
+              <p:nvSpPr>
+                <p:cNvPr id="47" name="橢圓 46"/>
+                <p:cNvSpPr/>
+                <p:nvPr/>
+              </p:nvSpPr>
+              <p:spPr>
+                <a:xfrm>
+                  <a:off x="7422722" y="2926629"/>
+                  <a:ext cx="317241" cy="263970"/>
+                </a:xfrm>
+                <a:prstGeom prst="ellipse">
+                  <a:avLst/>
+                </a:prstGeom>
+                <a:noFill/>
+                <a:ln>
+                  <a:solidFill>
+                    <a:schemeClr val="tx1">
+                      <a:lumMod val="75000"/>
+                      <a:lumOff val="25000"/>
+                    </a:schemeClr>
+                  </a:solidFill>
+                </a:ln>
+              </p:spPr>
+              <p:style>
+                <a:lnRef idx="2">
+                  <a:schemeClr val="accent1">
+                    <a:shade val="50000"/>
+                  </a:schemeClr>
+                </a:lnRef>
+                <a:fillRef idx="1">
+                  <a:schemeClr val="accent1"/>
+                </a:fillRef>
+                <a:effectRef idx="0">
+                  <a:schemeClr val="accent1"/>
+                </a:effectRef>
+                <a:fontRef idx="minor">
+                  <a:schemeClr val="lt1"/>
+                </a:fontRef>
+              </p:style>
+              <p:txBody>
+                <a:bodyPr rtlCol="0" anchor="ctr"/>
+                <a:lstStyle/>
+                <a:p>
+                  <a:pPr algn="ctr"/>
+                  <a:endParaRPr lang="en-US"/>
+                </a:p>
+              </p:txBody>
+            </p:sp>
+            <p:cxnSp>
+              <p:nvCxnSpPr>
+                <p:cNvPr id="49" name="直線接點 48"/>
+                <p:cNvCxnSpPr>
+                  <a:stCxn id="47" idx="4"/>
+                </p:cNvCxnSpPr>
+                <p:nvPr/>
+              </p:nvCxnSpPr>
+              <p:spPr>
+                <a:xfrm>
+                  <a:off x="7581343" y="3190599"/>
+                  <a:ext cx="7054" cy="447825"/>
+                </a:xfrm>
+                <a:prstGeom prst="line">
+                  <a:avLst/>
+                </a:prstGeom>
+              </p:spPr>
+              <p:style>
+                <a:lnRef idx="1">
+                  <a:schemeClr val="dk1"/>
+                </a:lnRef>
+                <a:fillRef idx="0">
+                  <a:schemeClr val="dk1"/>
+                </a:fillRef>
+                <a:effectRef idx="0">
+                  <a:schemeClr val="dk1"/>
+                </a:effectRef>
+                <a:fontRef idx="minor">
+                  <a:schemeClr val="tx1"/>
+                </a:fontRef>
+              </p:style>
+            </p:cxnSp>
+            <p:cxnSp>
+              <p:nvCxnSpPr>
+                <p:cNvPr id="52" name="直線接點 51"/>
+                <p:cNvCxnSpPr/>
+                <p:nvPr/>
+              </p:nvCxnSpPr>
+              <p:spPr>
+                <a:xfrm flipH="1">
+                  <a:off x="7462707" y="3638424"/>
+                  <a:ext cx="125690" cy="192258"/>
+                </a:xfrm>
+                <a:prstGeom prst="line">
+                  <a:avLst/>
+                </a:prstGeom>
+              </p:spPr>
+              <p:style>
+                <a:lnRef idx="1">
+                  <a:schemeClr val="dk1"/>
+                </a:lnRef>
+                <a:fillRef idx="0">
+                  <a:schemeClr val="dk1"/>
+                </a:fillRef>
+                <a:effectRef idx="0">
+                  <a:schemeClr val="dk1"/>
+                </a:effectRef>
+                <a:fontRef idx="minor">
+                  <a:schemeClr val="tx1"/>
+                </a:fontRef>
+              </p:style>
+            </p:cxnSp>
+            <p:cxnSp>
+              <p:nvCxnSpPr>
+                <p:cNvPr id="54" name="直線接點 53"/>
+                <p:cNvCxnSpPr/>
+                <p:nvPr/>
+              </p:nvCxnSpPr>
+              <p:spPr>
+                <a:xfrm>
+                  <a:off x="7599187" y="3638424"/>
+                  <a:ext cx="125424" cy="192258"/>
+                </a:xfrm>
+                <a:prstGeom prst="line">
+                  <a:avLst/>
+                </a:prstGeom>
+              </p:spPr>
+              <p:style>
+                <a:lnRef idx="1">
+                  <a:schemeClr val="dk1"/>
+                </a:lnRef>
+                <a:fillRef idx="0">
+                  <a:schemeClr val="dk1"/>
+                </a:fillRef>
+                <a:effectRef idx="0">
+                  <a:schemeClr val="dk1"/>
+                </a:effectRef>
+                <a:fontRef idx="minor">
+                  <a:schemeClr val="tx1"/>
+                </a:fontRef>
+              </p:style>
+            </p:cxnSp>
+            <p:cxnSp>
+              <p:nvCxnSpPr>
+                <p:cNvPr id="57" name="直線接點 56"/>
+                <p:cNvCxnSpPr/>
+                <p:nvPr/>
+              </p:nvCxnSpPr>
+              <p:spPr>
+                <a:xfrm flipV="1">
+                  <a:off x="7581342" y="3277408"/>
+                  <a:ext cx="158621" cy="137103"/>
+                </a:xfrm>
+                <a:prstGeom prst="line">
+                  <a:avLst/>
+                </a:prstGeom>
+              </p:spPr>
+              <p:style>
+                <a:lnRef idx="1">
+                  <a:schemeClr val="dk1"/>
+                </a:lnRef>
+                <a:fillRef idx="0">
+                  <a:schemeClr val="dk1"/>
+                </a:fillRef>
+                <a:effectRef idx="0">
+                  <a:schemeClr val="dk1"/>
+                </a:effectRef>
+                <a:fontRef idx="minor">
+                  <a:schemeClr val="tx1"/>
+                </a:fontRef>
+              </p:style>
+            </p:cxnSp>
+            <p:sp>
+              <p:nvSpPr>
+                <p:cNvPr id="61" name="手繪多邊形 60"/>
+                <p:cNvSpPr/>
+                <p:nvPr/>
+              </p:nvSpPr>
+              <p:spPr>
+                <a:xfrm>
+                  <a:off x="7511029" y="3321018"/>
+                  <a:ext cx="261257" cy="200729"/>
+                </a:xfrm>
+                <a:custGeom>
+                  <a:avLst/>
+                  <a:gdLst>
+                    <a:gd name="connsiteX0" fmla="*/ 0 w 261257"/>
+                    <a:gd name="connsiteY0" fmla="*/ 121298 h 200729"/>
+                    <a:gd name="connsiteX1" fmla="*/ 139959 w 261257"/>
+                    <a:gd name="connsiteY1" fmla="*/ 195943 h 200729"/>
+                    <a:gd name="connsiteX2" fmla="*/ 261257 w 261257"/>
+                    <a:gd name="connsiteY2" fmla="*/ 0 h 200729"/>
+                  </a:gdLst>
+                  <a:ahLst/>
+                  <a:cxnLst>
+                    <a:cxn ang="0">
+                      <a:pos x="connsiteX0" y="connsiteY0"/>
+                    </a:cxn>
+                    <a:cxn ang="0">
+                      <a:pos x="connsiteX1" y="connsiteY1"/>
+                    </a:cxn>
+                    <a:cxn ang="0">
+                      <a:pos x="connsiteX2" y="connsiteY2"/>
+                    </a:cxn>
+                  </a:cxnLst>
+                  <a:rect l="l" t="t" r="r" b="b"/>
+                  <a:pathLst>
+                    <a:path w="261257" h="200729">
+                      <a:moveTo>
+                        <a:pt x="0" y="121298"/>
+                      </a:moveTo>
+                      <a:cubicBezTo>
+                        <a:pt x="48208" y="168728"/>
+                        <a:pt x="96416" y="216159"/>
+                        <a:pt x="139959" y="195943"/>
+                      </a:cubicBezTo>
+                      <a:cubicBezTo>
+                        <a:pt x="183502" y="175727"/>
+                        <a:pt x="222379" y="87863"/>
+                        <a:pt x="261257" y="0"/>
+                      </a:cubicBezTo>
+                    </a:path>
+                  </a:pathLst>
+                </a:custGeom>
+              </p:spPr>
+              <p:style>
+                <a:lnRef idx="1">
+                  <a:schemeClr val="dk1"/>
+                </a:lnRef>
+                <a:fillRef idx="0">
+                  <a:schemeClr val="dk1"/>
+                </a:fillRef>
+                <a:effectRef idx="0">
+                  <a:schemeClr val="dk1"/>
+                </a:effectRef>
+                <a:fontRef idx="minor">
+                  <a:schemeClr val="tx1"/>
+                </a:fontRef>
+              </p:style>
+              <p:txBody>
+                <a:bodyPr rtlCol="0" anchor="ctr"/>
+                <a:lstStyle/>
+                <a:p>
+                  <a:pPr algn="ctr"/>
+                  <a:endParaRPr lang="en-US"/>
+                </a:p>
+              </p:txBody>
+            </p:sp>
+          </p:grpSp>
+          <p:grpSp>
+            <p:nvGrpSpPr>
+              <p:cNvPr id="65" name="群組 64"/>
+              <p:cNvGrpSpPr/>
+              <p:nvPr/>
+            </p:nvGrpSpPr>
+            <p:grpSpPr>
+              <a:xfrm>
+                <a:off x="7770360" y="2973557"/>
+                <a:ext cx="284917" cy="454443"/>
+                <a:chOff x="7770360" y="2973557"/>
+                <a:chExt cx="284917" cy="454443"/>
+              </a:xfrm>
+            </p:grpSpPr>
+            <p:sp>
+              <p:nvSpPr>
+                <p:cNvPr id="62" name="矩形 61"/>
+                <p:cNvSpPr/>
+                <p:nvPr/>
+              </p:nvSpPr>
+              <p:spPr>
+                <a:xfrm>
+                  <a:off x="7770360" y="2973557"/>
+                  <a:ext cx="284917" cy="447825"/>
+                </a:xfrm>
+                <a:prstGeom prst="rect">
+                  <a:avLst/>
+                </a:prstGeom>
+                <a:noFill/>
+                <a:ln>
+                  <a:solidFill>
+                    <a:schemeClr val="bg2">
+                      <a:lumMod val="25000"/>
+                    </a:schemeClr>
+                  </a:solidFill>
+                </a:ln>
+              </p:spPr>
+              <p:style>
+                <a:lnRef idx="2">
+                  <a:schemeClr val="accent1">
+                    <a:shade val="50000"/>
+                  </a:schemeClr>
+                </a:lnRef>
+                <a:fillRef idx="1">
+                  <a:schemeClr val="accent1"/>
+                </a:fillRef>
+                <a:effectRef idx="0">
+                  <a:schemeClr val="accent1"/>
+                </a:effectRef>
+                <a:fontRef idx="minor">
+                  <a:schemeClr val="lt1"/>
+                </a:fontRef>
+              </p:style>
+              <p:txBody>
+                <a:bodyPr rtlCol="0" anchor="ctr"/>
+                <a:lstStyle/>
+                <a:p>
+                  <a:pPr algn="ctr"/>
+                  <a:endParaRPr lang="en-US"/>
+                </a:p>
+              </p:txBody>
+            </p:sp>
+            <p:sp>
+              <p:nvSpPr>
+                <p:cNvPr id="63" name="橢圓 62"/>
+                <p:cNvSpPr/>
+                <p:nvPr/>
+              </p:nvSpPr>
+              <p:spPr>
+                <a:xfrm>
+                  <a:off x="7850781" y="3303309"/>
+                  <a:ext cx="126000" cy="124691"/>
+                </a:xfrm>
+                <a:prstGeom prst="ellipse">
+                  <a:avLst/>
+                </a:prstGeom>
+                <a:noFill/>
+                <a:ln>
+                  <a:solidFill>
+                    <a:schemeClr val="bg2">
+                      <a:lumMod val="25000"/>
+                    </a:schemeClr>
+                  </a:solidFill>
+                </a:ln>
+              </p:spPr>
+              <p:style>
+                <a:lnRef idx="2">
+                  <a:schemeClr val="accent1">
+                    <a:shade val="50000"/>
+                  </a:schemeClr>
+                </a:lnRef>
+                <a:fillRef idx="1">
+                  <a:schemeClr val="accent1"/>
+                </a:fillRef>
+                <a:effectRef idx="0">
+                  <a:schemeClr val="accent1"/>
+                </a:effectRef>
+                <a:fontRef idx="minor">
+                  <a:schemeClr val="lt1"/>
+                </a:fontRef>
+              </p:style>
+              <p:txBody>
+                <a:bodyPr rtlCol="0" anchor="ctr"/>
+                <a:lstStyle/>
+                <a:p>
+                  <a:pPr algn="ctr"/>
+                  <a:endParaRPr lang="en-US"/>
+                </a:p>
+              </p:txBody>
+            </p:sp>
+          </p:grpSp>
+          <p:grpSp>
+            <p:nvGrpSpPr>
+              <p:cNvPr id="66" name="群組 65"/>
+              <p:cNvGrpSpPr/>
+              <p:nvPr/>
+            </p:nvGrpSpPr>
+            <p:grpSpPr>
+              <a:xfrm>
+                <a:off x="9522565" y="2958842"/>
+                <a:ext cx="190090" cy="455671"/>
+                <a:chOff x="8781033" y="2935349"/>
+                <a:chExt cx="349564" cy="904050"/>
+              </a:xfrm>
+            </p:grpSpPr>
+            <p:sp>
+              <p:nvSpPr>
+                <p:cNvPr id="67" name="橢圓 66"/>
+                <p:cNvSpPr/>
+                <p:nvPr/>
+              </p:nvSpPr>
+              <p:spPr>
+                <a:xfrm>
+                  <a:off x="8781033" y="2935349"/>
+                  <a:ext cx="317241" cy="263969"/>
+                </a:xfrm>
+                <a:prstGeom prst="ellipse">
+                  <a:avLst/>
+                </a:prstGeom>
+                <a:noFill/>
+                <a:ln>
+                  <a:solidFill>
+                    <a:schemeClr val="tx1">
+                      <a:lumMod val="75000"/>
+                      <a:lumOff val="25000"/>
+                    </a:schemeClr>
+                  </a:solidFill>
+                </a:ln>
+              </p:spPr>
+              <p:style>
+                <a:lnRef idx="2">
+                  <a:schemeClr val="accent1">
+                    <a:shade val="50000"/>
+                  </a:schemeClr>
+                </a:lnRef>
+                <a:fillRef idx="1">
+                  <a:schemeClr val="accent1"/>
+                </a:fillRef>
+                <a:effectRef idx="0">
+                  <a:schemeClr val="accent1"/>
+                </a:effectRef>
+                <a:fontRef idx="minor">
+                  <a:schemeClr val="lt1"/>
+                </a:fontRef>
+              </p:style>
+              <p:txBody>
+                <a:bodyPr rtlCol="0" anchor="ctr"/>
+                <a:lstStyle/>
+                <a:p>
+                  <a:pPr algn="ctr"/>
+                  <a:endParaRPr lang="en-US"/>
+                </a:p>
+              </p:txBody>
+            </p:sp>
+            <p:cxnSp>
+              <p:nvCxnSpPr>
+                <p:cNvPr id="68" name="直線接點 67"/>
+                <p:cNvCxnSpPr>
+                  <a:stCxn id="67" idx="4"/>
+                </p:cNvCxnSpPr>
+                <p:nvPr/>
+              </p:nvCxnSpPr>
+              <p:spPr>
+                <a:xfrm>
+                  <a:off x="8939655" y="3199316"/>
+                  <a:ext cx="7054" cy="447824"/>
+                </a:xfrm>
+                <a:prstGeom prst="line">
+                  <a:avLst/>
+                </a:prstGeom>
+              </p:spPr>
+              <p:style>
+                <a:lnRef idx="1">
+                  <a:schemeClr val="dk1"/>
+                </a:lnRef>
+                <a:fillRef idx="0">
+                  <a:schemeClr val="dk1"/>
+                </a:fillRef>
+                <a:effectRef idx="0">
+                  <a:schemeClr val="dk1"/>
+                </a:effectRef>
+                <a:fontRef idx="minor">
+                  <a:schemeClr val="tx1"/>
+                </a:fontRef>
+              </p:style>
+            </p:cxnSp>
+            <p:cxnSp>
+              <p:nvCxnSpPr>
+                <p:cNvPr id="69" name="直線接點 68"/>
+                <p:cNvCxnSpPr/>
+                <p:nvPr/>
+              </p:nvCxnSpPr>
+              <p:spPr>
+                <a:xfrm flipH="1">
+                  <a:off x="8821021" y="3647140"/>
+                  <a:ext cx="125690" cy="192257"/>
+                </a:xfrm>
+                <a:prstGeom prst="line">
+                  <a:avLst/>
+                </a:prstGeom>
+              </p:spPr>
+              <p:style>
+                <a:lnRef idx="1">
+                  <a:schemeClr val="dk1"/>
+                </a:lnRef>
+                <a:fillRef idx="0">
+                  <a:schemeClr val="dk1"/>
+                </a:fillRef>
+                <a:effectRef idx="0">
+                  <a:schemeClr val="dk1"/>
+                </a:effectRef>
+                <a:fontRef idx="minor">
+                  <a:schemeClr val="tx1"/>
+                </a:fontRef>
+              </p:style>
+            </p:cxnSp>
+            <p:cxnSp>
+              <p:nvCxnSpPr>
+                <p:cNvPr id="70" name="直線接點 69"/>
+                <p:cNvCxnSpPr/>
+                <p:nvPr/>
+              </p:nvCxnSpPr>
+              <p:spPr>
+                <a:xfrm>
+                  <a:off x="8957498" y="3647142"/>
+                  <a:ext cx="125425" cy="192257"/>
+                </a:xfrm>
+                <a:prstGeom prst="line">
+                  <a:avLst/>
+                </a:prstGeom>
+              </p:spPr>
+              <p:style>
+                <a:lnRef idx="1">
+                  <a:schemeClr val="dk1"/>
+                </a:lnRef>
+                <a:fillRef idx="0">
+                  <a:schemeClr val="dk1"/>
+                </a:fillRef>
+                <a:effectRef idx="0">
+                  <a:schemeClr val="dk1"/>
+                </a:effectRef>
+                <a:fontRef idx="minor">
+                  <a:schemeClr val="tx1"/>
+                </a:fontRef>
+              </p:style>
+            </p:cxnSp>
+            <p:cxnSp>
+              <p:nvCxnSpPr>
+                <p:cNvPr id="71" name="直線接點 70"/>
+                <p:cNvCxnSpPr/>
+                <p:nvPr/>
+              </p:nvCxnSpPr>
+              <p:spPr>
+                <a:xfrm flipV="1">
+                  <a:off x="8939651" y="3286126"/>
+                  <a:ext cx="158621" cy="137102"/>
+                </a:xfrm>
+                <a:prstGeom prst="line">
+                  <a:avLst/>
+                </a:prstGeom>
+              </p:spPr>
+              <p:style>
+                <a:lnRef idx="1">
+                  <a:schemeClr val="dk1"/>
+                </a:lnRef>
+                <a:fillRef idx="0">
+                  <a:schemeClr val="dk1"/>
+                </a:fillRef>
+                <a:effectRef idx="0">
+                  <a:schemeClr val="dk1"/>
+                </a:effectRef>
+                <a:fontRef idx="minor">
+                  <a:schemeClr val="tx1"/>
+                </a:fontRef>
+              </p:style>
+            </p:cxnSp>
+            <p:sp>
+              <p:nvSpPr>
+                <p:cNvPr id="72" name="手繪多邊形 71"/>
+                <p:cNvSpPr/>
+                <p:nvPr/>
+              </p:nvSpPr>
+              <p:spPr>
+                <a:xfrm>
+                  <a:off x="8869341" y="3329736"/>
+                  <a:ext cx="261256" cy="200729"/>
+                </a:xfrm>
+                <a:custGeom>
+                  <a:avLst/>
+                  <a:gdLst>
+                    <a:gd name="connsiteX0" fmla="*/ 0 w 261257"/>
+                    <a:gd name="connsiteY0" fmla="*/ 121298 h 200729"/>
+                    <a:gd name="connsiteX1" fmla="*/ 139959 w 261257"/>
+                    <a:gd name="connsiteY1" fmla="*/ 195943 h 200729"/>
+                    <a:gd name="connsiteX2" fmla="*/ 261257 w 261257"/>
+                    <a:gd name="connsiteY2" fmla="*/ 0 h 200729"/>
+                  </a:gdLst>
+                  <a:ahLst/>
+                  <a:cxnLst>
+                    <a:cxn ang="0">
+                      <a:pos x="connsiteX0" y="connsiteY0"/>
+                    </a:cxn>
+                    <a:cxn ang="0">
+                      <a:pos x="connsiteX1" y="connsiteY1"/>
+                    </a:cxn>
+                    <a:cxn ang="0">
+                      <a:pos x="connsiteX2" y="connsiteY2"/>
+                    </a:cxn>
+                  </a:cxnLst>
+                  <a:rect l="l" t="t" r="r" b="b"/>
+                  <a:pathLst>
+                    <a:path w="261257" h="200729">
+                      <a:moveTo>
+                        <a:pt x="0" y="121298"/>
+                      </a:moveTo>
+                      <a:cubicBezTo>
+                        <a:pt x="48208" y="168728"/>
+                        <a:pt x="96416" y="216159"/>
+                        <a:pt x="139959" y="195943"/>
+                      </a:cubicBezTo>
+                      <a:cubicBezTo>
+                        <a:pt x="183502" y="175727"/>
+                        <a:pt x="222379" y="87863"/>
+                        <a:pt x="261257" y="0"/>
+                      </a:cubicBezTo>
+                    </a:path>
+                  </a:pathLst>
+                </a:custGeom>
+              </p:spPr>
+              <p:style>
+                <a:lnRef idx="1">
+                  <a:schemeClr val="dk1"/>
+                </a:lnRef>
+                <a:fillRef idx="0">
+                  <a:schemeClr val="dk1"/>
+                </a:fillRef>
+                <a:effectRef idx="0">
+                  <a:schemeClr val="dk1"/>
+                </a:effectRef>
+                <a:fontRef idx="minor">
+                  <a:schemeClr val="tx1"/>
+                </a:fontRef>
+              </p:style>
+              <p:txBody>
+                <a:bodyPr rtlCol="0" anchor="ctr"/>
+                <a:lstStyle/>
+                <a:p>
+                  <a:pPr algn="ctr"/>
+                  <a:endParaRPr lang="en-US"/>
+                </a:p>
+              </p:txBody>
+            </p:sp>
+          </p:grpSp>
+          <p:sp>
+            <p:nvSpPr>
+              <p:cNvPr id="73" name="矩形 72"/>
+              <p:cNvSpPr/>
+              <p:nvPr/>
+            </p:nvSpPr>
+            <p:spPr>
+              <a:xfrm>
+                <a:off x="9799444" y="3075030"/>
+                <a:ext cx="646331" cy="276999"/>
+              </a:xfrm>
+              <a:prstGeom prst="rect">
+                <a:avLst/>
+              </a:prstGeom>
+              <a:noFill/>
+            </p:spPr>
+            <p:txBody>
+              <a:bodyPr wrap="none" lIns="91440" tIns="45720" rIns="91440" bIns="45720">
+                <a:spAutoFit/>
+              </a:bodyPr>
+              <a:lstStyle/>
+              <a:p>
+                <a:pPr algn="ctr"/>
+                <a:r>
+                  <a:rPr lang="zh-TW" altLang="en-US" sz="1200" b="0" cap="none" spc="0" dirty="0" smtClean="0">
+                    <a:ln w="0"/>
+                    <a:solidFill>
+                      <a:schemeClr val="tx1"/>
+                    </a:solidFill>
+                    <a:latin typeface="微軟正黑體" panose="020B0604030504040204" pitchFamily="34" charset="-120"/>
+                    <a:ea typeface="微軟正黑體" panose="020B0604030504040204" pitchFamily="34" charset="-120"/>
+                  </a:rPr>
+                  <a:t>：訪客</a:t>
+                </a:r>
+                <a:endParaRPr lang="zh-TW" altLang="en-US" sz="1200" b="0" cap="none" spc="0" dirty="0">
+                  <a:ln w="0"/>
+                  <a:solidFill>
+                    <a:schemeClr val="tx1"/>
+                  </a:solidFill>
+                  <a:latin typeface="微軟正黑體" panose="020B0604030504040204" pitchFamily="34" charset="-120"/>
+                  <a:ea typeface="微軟正黑體" panose="020B0604030504040204" pitchFamily="34" charset="-120"/>
+                </a:endParaRPr>
+              </a:p>
+            </p:txBody>
+          </p:sp>
+          <p:grpSp>
+            <p:nvGrpSpPr>
+              <p:cNvPr id="74" name="群組 73"/>
+              <p:cNvGrpSpPr/>
+              <p:nvPr/>
+            </p:nvGrpSpPr>
+            <p:grpSpPr>
+              <a:xfrm>
+                <a:off x="9508985" y="3620743"/>
+                <a:ext cx="214994" cy="321787"/>
+                <a:chOff x="8296937" y="2977027"/>
+                <a:chExt cx="284917" cy="447825"/>
+              </a:xfrm>
+            </p:grpSpPr>
+            <p:sp>
+              <p:nvSpPr>
+                <p:cNvPr id="75" name="矩形 74"/>
+                <p:cNvSpPr/>
+                <p:nvPr/>
+              </p:nvSpPr>
+              <p:spPr>
+                <a:xfrm>
+                  <a:off x="8296937" y="2977027"/>
+                  <a:ext cx="284917" cy="447825"/>
+                </a:xfrm>
+                <a:prstGeom prst="rect">
+                  <a:avLst/>
+                </a:prstGeom>
+                <a:noFill/>
+                <a:ln>
+                  <a:solidFill>
+                    <a:schemeClr val="bg2">
+                      <a:lumMod val="25000"/>
+                    </a:schemeClr>
+                  </a:solidFill>
+                </a:ln>
+              </p:spPr>
+              <p:style>
+                <a:lnRef idx="2">
+                  <a:schemeClr val="accent1">
+                    <a:shade val="50000"/>
+                  </a:schemeClr>
+                </a:lnRef>
+                <a:fillRef idx="1">
+                  <a:schemeClr val="accent1"/>
+                </a:fillRef>
+                <a:effectRef idx="0">
+                  <a:schemeClr val="accent1"/>
+                </a:effectRef>
+                <a:fontRef idx="minor">
+                  <a:schemeClr val="lt1"/>
+                </a:fontRef>
+              </p:style>
+              <p:txBody>
+                <a:bodyPr rtlCol="0" anchor="ctr"/>
+                <a:lstStyle/>
+                <a:p>
+                  <a:pPr algn="ctr"/>
+                  <a:endParaRPr lang="en-US"/>
+                </a:p>
+              </p:txBody>
+            </p:sp>
+            <p:sp>
+              <p:nvSpPr>
+                <p:cNvPr id="76" name="橢圓 75"/>
+                <p:cNvSpPr/>
+                <p:nvPr/>
+              </p:nvSpPr>
+              <p:spPr>
+                <a:xfrm>
+                  <a:off x="8377356" y="3280809"/>
+                  <a:ext cx="126000" cy="124690"/>
+                </a:xfrm>
+                <a:prstGeom prst="ellipse">
+                  <a:avLst/>
+                </a:prstGeom>
+                <a:noFill/>
+                <a:ln>
+                  <a:solidFill>
+                    <a:schemeClr val="bg2">
+                      <a:lumMod val="25000"/>
+                    </a:schemeClr>
+                  </a:solidFill>
+                </a:ln>
+              </p:spPr>
+              <p:style>
+                <a:lnRef idx="2">
+                  <a:schemeClr val="accent1">
+                    <a:shade val="50000"/>
+                  </a:schemeClr>
+                </a:lnRef>
+                <a:fillRef idx="1">
+                  <a:schemeClr val="accent1"/>
+                </a:fillRef>
+                <a:effectRef idx="0">
+                  <a:schemeClr val="accent1"/>
+                </a:effectRef>
+                <a:fontRef idx="minor">
+                  <a:schemeClr val="lt1"/>
+                </a:fontRef>
+              </p:style>
+              <p:txBody>
+                <a:bodyPr rtlCol="0" anchor="ctr"/>
+                <a:lstStyle/>
+                <a:p>
+                  <a:pPr algn="ctr"/>
+                  <a:endParaRPr lang="en-US"/>
+                </a:p>
+              </p:txBody>
+            </p:sp>
+          </p:grpSp>
+          <p:sp>
+            <p:nvSpPr>
+              <p:cNvPr id="77" name="矩形 76"/>
+              <p:cNvSpPr/>
+              <p:nvPr/>
+            </p:nvSpPr>
+            <p:spPr>
+              <a:xfrm>
+                <a:off x="9650380" y="3665528"/>
+                <a:ext cx="954107" cy="276999"/>
+              </a:xfrm>
+              <a:prstGeom prst="rect">
+                <a:avLst/>
+              </a:prstGeom>
+              <a:noFill/>
+            </p:spPr>
+            <p:txBody>
+              <a:bodyPr wrap="none" lIns="91440" tIns="45720" rIns="91440" bIns="45720">
+                <a:spAutoFit/>
+              </a:bodyPr>
+              <a:lstStyle/>
+              <a:p>
+                <a:pPr algn="ctr"/>
+                <a:r>
+                  <a:rPr lang="zh-TW" altLang="en-US" sz="1200" b="0" cap="none" spc="0" dirty="0" smtClean="0">
+                    <a:ln w="0"/>
+                    <a:solidFill>
+                      <a:schemeClr val="tx1"/>
+                    </a:solidFill>
+                    <a:latin typeface="微軟正黑體" panose="020B0604030504040204" pitchFamily="34" charset="-120"/>
+                    <a:ea typeface="微軟正黑體" panose="020B0604030504040204" pitchFamily="34" charset="-120"/>
+                  </a:rPr>
+                  <a:t>：行動裝置</a:t>
+                </a:r>
+                <a:endParaRPr lang="zh-TW" altLang="en-US" sz="1200" b="0" cap="none" spc="0" dirty="0">
+                  <a:ln w="0"/>
+                  <a:solidFill>
+                    <a:schemeClr val="tx1"/>
+                  </a:solidFill>
+                  <a:latin typeface="微軟正黑體" panose="020B0604030504040204" pitchFamily="34" charset="-120"/>
+                  <a:ea typeface="微軟正黑體" panose="020B0604030504040204" pitchFamily="34" charset="-120"/>
+                </a:endParaRPr>
+              </a:p>
+            </p:txBody>
+          </p:sp>
+        </p:grpSp>
+        <p:cxnSp>
+          <p:nvCxnSpPr>
+            <p:cNvPr id="85" name="直線單箭頭接點 84"/>
+            <p:cNvCxnSpPr/>
+            <p:nvPr/>
+          </p:nvCxnSpPr>
+          <p:spPr>
+            <a:xfrm flipH="1">
+              <a:off x="5962823" y="4268051"/>
+              <a:ext cx="54" cy="483910"/>
+            </a:xfrm>
+            <a:prstGeom prst="straightConnector1">
+              <a:avLst/>
+            </a:prstGeom>
+            <a:ln>
+              <a:tailEnd type="triangle"/>
+            </a:ln>
+          </p:spPr>
+          <p:style>
+            <a:lnRef idx="1">
+              <a:schemeClr val="dk1"/>
+            </a:lnRef>
+            <a:fillRef idx="0">
+              <a:schemeClr val="dk1"/>
+            </a:fillRef>
+            <a:effectRef idx="0">
+              <a:schemeClr val="dk1"/>
+            </a:effectRef>
+            <a:fontRef idx="minor">
+              <a:schemeClr val="tx1"/>
+            </a:fontRef>
+          </p:style>
+        </p:cxnSp>
+        <p:cxnSp>
+          <p:nvCxnSpPr>
+            <p:cNvPr id="86" name="直線單箭頭接點 85"/>
+            <p:cNvCxnSpPr/>
+            <p:nvPr/>
+          </p:nvCxnSpPr>
+          <p:spPr>
+            <a:xfrm>
+              <a:off x="5515720" y="5059716"/>
+              <a:ext cx="401216" cy="237931"/>
+            </a:xfrm>
+            <a:prstGeom prst="straightConnector1">
+              <a:avLst/>
+            </a:prstGeom>
+            <a:ln>
+              <a:solidFill>
+                <a:schemeClr val="bg2">
+                  <a:lumMod val="25000"/>
+                </a:schemeClr>
+              </a:solidFill>
+              <a:tailEnd type="triangle"/>
+            </a:ln>
+          </p:spPr>
+          <p:style>
+            <a:lnRef idx="1">
+              <a:schemeClr val="dk1"/>
+            </a:lnRef>
+            <a:fillRef idx="0">
+              <a:schemeClr val="dk1"/>
+            </a:fillRef>
+            <a:effectRef idx="0">
+              <a:schemeClr val="dk1"/>
+            </a:effectRef>
+            <a:fontRef idx="minor">
+              <a:schemeClr val="tx1"/>
+            </a:fontRef>
+          </p:style>
+        </p:cxnSp>
+        <p:cxnSp>
+          <p:nvCxnSpPr>
+            <p:cNvPr id="88" name="直線單箭頭接點 87"/>
+            <p:cNvCxnSpPr/>
+            <p:nvPr/>
+          </p:nvCxnSpPr>
+          <p:spPr>
+            <a:xfrm>
+              <a:off x="5787065" y="4950876"/>
+              <a:ext cx="164015" cy="346771"/>
+            </a:xfrm>
+            <a:prstGeom prst="straightConnector1">
+              <a:avLst/>
+            </a:prstGeom>
+            <a:ln>
+              <a:solidFill>
+                <a:schemeClr val="bg2">
+                  <a:lumMod val="25000"/>
+                </a:schemeClr>
+              </a:solidFill>
+              <a:tailEnd type="triangle"/>
+            </a:ln>
+          </p:spPr>
+          <p:style>
+            <a:lnRef idx="1">
+              <a:schemeClr val="dk1"/>
+            </a:lnRef>
+            <a:fillRef idx="0">
+              <a:schemeClr val="dk1"/>
+            </a:fillRef>
+            <a:effectRef idx="0">
+              <a:schemeClr val="dk1"/>
+            </a:effectRef>
+            <a:fontRef idx="minor">
+              <a:schemeClr val="tx1"/>
+            </a:fontRef>
+          </p:style>
+        </p:cxnSp>
+        <p:cxnSp>
+          <p:nvCxnSpPr>
+            <p:cNvPr id="92" name="直線單箭頭接點 91"/>
+            <p:cNvCxnSpPr/>
+            <p:nvPr/>
+          </p:nvCxnSpPr>
+          <p:spPr>
+            <a:xfrm flipH="1">
+              <a:off x="5973783" y="4886330"/>
+              <a:ext cx="63564" cy="411317"/>
+            </a:xfrm>
+            <a:prstGeom prst="straightConnector1">
+              <a:avLst/>
+            </a:prstGeom>
+            <a:ln>
+              <a:solidFill>
+                <a:schemeClr val="bg2">
+                  <a:lumMod val="25000"/>
+                </a:schemeClr>
+              </a:solidFill>
+              <a:tailEnd type="triangle"/>
+            </a:ln>
+          </p:spPr>
+          <p:style>
+            <a:lnRef idx="1">
+              <a:schemeClr val="dk1"/>
+            </a:lnRef>
+            <a:fillRef idx="0">
+              <a:schemeClr val="dk1"/>
+            </a:fillRef>
+            <a:effectRef idx="0">
+              <a:schemeClr val="dk1"/>
+            </a:effectRef>
+            <a:fontRef idx="minor">
+              <a:schemeClr val="tx1"/>
+            </a:fontRef>
+          </p:style>
+        </p:cxnSp>
+        <p:cxnSp>
+          <p:nvCxnSpPr>
+            <p:cNvPr id="94" name="直線單箭頭接點 93"/>
+            <p:cNvCxnSpPr/>
+            <p:nvPr/>
+          </p:nvCxnSpPr>
+          <p:spPr>
+            <a:xfrm flipH="1">
+              <a:off x="5998031" y="5059716"/>
+              <a:ext cx="313661" cy="237930"/>
+            </a:xfrm>
+            <a:prstGeom prst="straightConnector1">
+              <a:avLst/>
+            </a:prstGeom>
+            <a:ln>
+              <a:solidFill>
+                <a:schemeClr val="bg2">
+                  <a:lumMod val="25000"/>
+                </a:schemeClr>
+              </a:solidFill>
+              <a:tailEnd type="triangle"/>
+            </a:ln>
+          </p:spPr>
+          <p:style>
+            <a:lnRef idx="1">
+              <a:schemeClr val="dk1"/>
+            </a:lnRef>
+            <a:fillRef idx="0">
+              <a:schemeClr val="dk1"/>
+            </a:fillRef>
+            <a:effectRef idx="0">
+              <a:schemeClr val="dk1"/>
+            </a:effectRef>
+            <a:fontRef idx="minor">
+              <a:schemeClr val="tx1"/>
+            </a:fontRef>
+          </p:style>
+        </p:cxnSp>
+        <p:grpSp>
+          <p:nvGrpSpPr>
+            <p:cNvPr id="106" name="群組 105"/>
+            <p:cNvGrpSpPr/>
+            <p:nvPr/>
+          </p:nvGrpSpPr>
+          <p:grpSpPr>
+            <a:xfrm>
+              <a:off x="5446955" y="5327210"/>
+              <a:ext cx="1031735" cy="936318"/>
+              <a:chOff x="5318449" y="5476949"/>
+              <a:chExt cx="1031735" cy="936318"/>
+            </a:xfrm>
+          </p:grpSpPr>
+          <p:cxnSp>
+            <p:nvCxnSpPr>
+              <p:cNvPr id="101" name="直線接點 100"/>
+              <p:cNvCxnSpPr/>
+              <p:nvPr/>
+            </p:nvCxnSpPr>
+            <p:spPr>
+              <a:xfrm>
+                <a:off x="5327779" y="5607698"/>
+                <a:ext cx="0" cy="675637"/>
+              </a:xfrm>
+              <a:prstGeom prst="line">
+                <a:avLst/>
+              </a:prstGeom>
+            </p:spPr>
+            <p:style>
+              <a:lnRef idx="1">
+                <a:schemeClr val="dk1"/>
+              </a:lnRef>
+              <a:fillRef idx="0">
+                <a:schemeClr val="dk1"/>
+              </a:fillRef>
+              <a:effectRef idx="0">
+                <a:schemeClr val="dk1"/>
+              </a:effectRef>
+              <a:fontRef idx="minor">
+                <a:schemeClr val="tx1"/>
+              </a:fontRef>
+            </p:style>
+          </p:cxnSp>
+          <p:grpSp>
+            <p:nvGrpSpPr>
+              <p:cNvPr id="105" name="群組 104"/>
+              <p:cNvGrpSpPr/>
+              <p:nvPr/>
+            </p:nvGrpSpPr>
+            <p:grpSpPr>
+              <a:xfrm>
+                <a:off x="5318449" y="5476949"/>
+                <a:ext cx="1031735" cy="936318"/>
+                <a:chOff x="5318449" y="5476949"/>
+                <a:chExt cx="1031735" cy="936318"/>
+              </a:xfrm>
+            </p:grpSpPr>
+            <p:sp>
+              <p:nvSpPr>
+                <p:cNvPr id="97" name="手繪多邊形 96"/>
+                <p:cNvSpPr/>
+                <p:nvPr/>
+              </p:nvSpPr>
+              <p:spPr>
+                <a:xfrm>
+                  <a:off x="5318449" y="5476949"/>
+                  <a:ext cx="1022405" cy="130749"/>
+                </a:xfrm>
+                <a:custGeom>
+                  <a:avLst/>
+                  <a:gdLst>
+                    <a:gd name="connsiteX0" fmla="*/ 0 w 1222310"/>
+                    <a:gd name="connsiteY0" fmla="*/ 130749 h 130749"/>
+                    <a:gd name="connsiteX1" fmla="*/ 569167 w 1222310"/>
+                    <a:gd name="connsiteY1" fmla="*/ 120 h 130749"/>
+                    <a:gd name="connsiteX2" fmla="*/ 1222310 w 1222310"/>
+                    <a:gd name="connsiteY2" fmla="*/ 112088 h 130749"/>
+                  </a:gdLst>
+                  <a:ahLst/>
+                  <a:cxnLst>
+                    <a:cxn ang="0">
+                      <a:pos x="connsiteX0" y="connsiteY0"/>
+                    </a:cxn>
+                    <a:cxn ang="0">
+                      <a:pos x="connsiteX1" y="connsiteY1"/>
+                    </a:cxn>
+                    <a:cxn ang="0">
+                      <a:pos x="connsiteX2" y="connsiteY2"/>
+                    </a:cxn>
+                  </a:cxnLst>
+                  <a:rect l="l" t="t" r="r" b="b"/>
+                  <a:pathLst>
+                    <a:path w="1222310" h="130749">
+                      <a:moveTo>
+                        <a:pt x="0" y="130749"/>
+                      </a:moveTo>
+                      <a:cubicBezTo>
+                        <a:pt x="182724" y="66989"/>
+                        <a:pt x="365449" y="3230"/>
+                        <a:pt x="569167" y="120"/>
+                      </a:cubicBezTo>
+                      <a:cubicBezTo>
+                        <a:pt x="772885" y="-2990"/>
+                        <a:pt x="997597" y="54549"/>
+                        <a:pt x="1222310" y="112088"/>
+                      </a:cubicBezTo>
+                    </a:path>
+                  </a:pathLst>
+                </a:custGeom>
+              </p:spPr>
+              <p:style>
+                <a:lnRef idx="1">
+                  <a:schemeClr val="dk1"/>
+                </a:lnRef>
+                <a:fillRef idx="0">
+                  <a:schemeClr val="dk1"/>
+                </a:fillRef>
+                <a:effectRef idx="0">
+                  <a:schemeClr val="dk1"/>
+                </a:effectRef>
+                <a:fontRef idx="minor">
+                  <a:schemeClr val="tx1"/>
+                </a:fontRef>
+              </p:style>
+              <p:txBody>
+                <a:bodyPr rtlCol="0" anchor="ctr"/>
+                <a:lstStyle/>
+                <a:p>
+                  <a:pPr algn="ctr"/>
+                  <a:endParaRPr lang="en-US"/>
+                </a:p>
+              </p:txBody>
+            </p:sp>
+            <p:sp>
+              <p:nvSpPr>
+                <p:cNvPr id="99" name="手繪多邊形 98"/>
+                <p:cNvSpPr/>
+                <p:nvPr/>
+              </p:nvSpPr>
+              <p:spPr>
+                <a:xfrm>
+                  <a:off x="5337110" y="5607698"/>
+                  <a:ext cx="1013074" cy="139984"/>
+                </a:xfrm>
+                <a:custGeom>
+                  <a:avLst/>
+                  <a:gdLst>
+                    <a:gd name="connsiteX0" fmla="*/ 0 w 1194319"/>
+                    <a:gd name="connsiteY0" fmla="*/ 9331 h 149315"/>
+                    <a:gd name="connsiteX1" fmla="*/ 606490 w 1194319"/>
+                    <a:gd name="connsiteY1" fmla="*/ 149290 h 149315"/>
+                    <a:gd name="connsiteX2" fmla="*/ 1194319 w 1194319"/>
+                    <a:gd name="connsiteY2" fmla="*/ 0 h 149315"/>
+                  </a:gdLst>
+                  <a:ahLst/>
+                  <a:cxnLst>
+                    <a:cxn ang="0">
+                      <a:pos x="connsiteX0" y="connsiteY0"/>
+                    </a:cxn>
+                    <a:cxn ang="0">
+                      <a:pos x="connsiteX1" y="connsiteY1"/>
+                    </a:cxn>
+                    <a:cxn ang="0">
+                      <a:pos x="connsiteX2" y="connsiteY2"/>
+                    </a:cxn>
+                  </a:cxnLst>
+                  <a:rect l="l" t="t" r="r" b="b"/>
+                  <a:pathLst>
+                    <a:path w="1194319" h="149315">
+                      <a:moveTo>
+                        <a:pt x="0" y="9331"/>
+                      </a:moveTo>
+                      <a:cubicBezTo>
+                        <a:pt x="203718" y="80088"/>
+                        <a:pt x="407437" y="150845"/>
+                        <a:pt x="606490" y="149290"/>
+                      </a:cubicBezTo>
+                      <a:cubicBezTo>
+                        <a:pt x="805543" y="147735"/>
+                        <a:pt x="999931" y="73867"/>
+                        <a:pt x="1194319" y="0"/>
+                      </a:cubicBezTo>
+                    </a:path>
+                  </a:pathLst>
+                </a:custGeom>
+              </p:spPr>
+              <p:style>
+                <a:lnRef idx="1">
+                  <a:schemeClr val="dk1"/>
+                </a:lnRef>
+                <a:fillRef idx="0">
+                  <a:schemeClr val="dk1"/>
+                </a:fillRef>
+                <a:effectRef idx="0">
+                  <a:schemeClr val="dk1"/>
+                </a:effectRef>
+                <a:fontRef idx="minor">
+                  <a:schemeClr val="tx1"/>
+                </a:fontRef>
+              </p:style>
+              <p:txBody>
+                <a:bodyPr rtlCol="0" anchor="ctr"/>
+                <a:lstStyle/>
+                <a:p>
+                  <a:pPr algn="ctr"/>
+                  <a:endParaRPr lang="en-US"/>
+                </a:p>
+              </p:txBody>
+            </p:sp>
+            <p:cxnSp>
+              <p:nvCxnSpPr>
+                <p:cNvPr id="103" name="直線接點 102"/>
+                <p:cNvCxnSpPr/>
+                <p:nvPr/>
+              </p:nvCxnSpPr>
+              <p:spPr>
+                <a:xfrm>
+                  <a:off x="6347925" y="5592148"/>
+                  <a:ext cx="0" cy="675637"/>
+                </a:xfrm>
+                <a:prstGeom prst="line">
+                  <a:avLst/>
+                </a:prstGeom>
+              </p:spPr>
+              <p:style>
+                <a:lnRef idx="1">
+                  <a:schemeClr val="dk1"/>
+                </a:lnRef>
+                <a:fillRef idx="0">
+                  <a:schemeClr val="dk1"/>
+                </a:fillRef>
+                <a:effectRef idx="0">
+                  <a:schemeClr val="dk1"/>
+                </a:effectRef>
+                <a:fontRef idx="minor">
+                  <a:schemeClr val="tx1"/>
+                </a:fontRef>
+              </p:style>
+            </p:cxnSp>
+            <p:sp>
+              <p:nvSpPr>
+                <p:cNvPr id="104" name="手繪多邊形 103"/>
+                <p:cNvSpPr/>
+                <p:nvPr/>
+              </p:nvSpPr>
+              <p:spPr>
+                <a:xfrm>
+                  <a:off x="5330885" y="6273283"/>
+                  <a:ext cx="1013074" cy="139984"/>
+                </a:xfrm>
+                <a:custGeom>
+                  <a:avLst/>
+                  <a:gdLst>
+                    <a:gd name="connsiteX0" fmla="*/ 0 w 1194319"/>
+                    <a:gd name="connsiteY0" fmla="*/ 9331 h 149315"/>
+                    <a:gd name="connsiteX1" fmla="*/ 606490 w 1194319"/>
+                    <a:gd name="connsiteY1" fmla="*/ 149290 h 149315"/>
+                    <a:gd name="connsiteX2" fmla="*/ 1194319 w 1194319"/>
+                    <a:gd name="connsiteY2" fmla="*/ 0 h 149315"/>
+                  </a:gdLst>
+                  <a:ahLst/>
+                  <a:cxnLst>
+                    <a:cxn ang="0">
+                      <a:pos x="connsiteX0" y="connsiteY0"/>
+                    </a:cxn>
+                    <a:cxn ang="0">
+                      <a:pos x="connsiteX1" y="connsiteY1"/>
+                    </a:cxn>
+                    <a:cxn ang="0">
+                      <a:pos x="connsiteX2" y="connsiteY2"/>
+                    </a:cxn>
+                  </a:cxnLst>
+                  <a:rect l="l" t="t" r="r" b="b"/>
+                  <a:pathLst>
+                    <a:path w="1194319" h="149315">
+                      <a:moveTo>
+                        <a:pt x="0" y="9331"/>
+                      </a:moveTo>
+                      <a:cubicBezTo>
+                        <a:pt x="203718" y="80088"/>
+                        <a:pt x="407437" y="150845"/>
+                        <a:pt x="606490" y="149290"/>
+                      </a:cubicBezTo>
+                      <a:cubicBezTo>
+                        <a:pt x="805543" y="147735"/>
+                        <a:pt x="999931" y="73867"/>
+                        <a:pt x="1194319" y="0"/>
+                      </a:cubicBezTo>
+                    </a:path>
+                  </a:pathLst>
+                </a:custGeom>
+              </p:spPr>
+              <p:style>
+                <a:lnRef idx="1">
+                  <a:schemeClr val="dk1"/>
+                </a:lnRef>
+                <a:fillRef idx="0">
+                  <a:schemeClr val="dk1"/>
+                </a:fillRef>
+                <a:effectRef idx="0">
+                  <a:schemeClr val="dk1"/>
+                </a:effectRef>
+                <a:fontRef idx="minor">
+                  <a:schemeClr val="tx1"/>
+                </a:fontRef>
+              </p:style>
+              <p:txBody>
+                <a:bodyPr rtlCol="0" anchor="ctr"/>
+                <a:lstStyle/>
+                <a:p>
+                  <a:pPr algn="ctr"/>
+                  <a:endParaRPr lang="en-US"/>
+                </a:p>
+              </p:txBody>
+            </p:sp>
+          </p:grpSp>
+        </p:grpSp>
+      </p:grpSp>
+    </p:spTree>
+    <p:extLst>
+      <p:ext uri="{BB962C8B-B14F-4D97-AF65-F5344CB8AC3E}">
+        <p14:creationId xmlns:p14="http://schemas.microsoft.com/office/powerpoint/2010/main" val="1389858136"/>
+      </p:ext>
+    </p:extLst>
+  </p:cSld>
+  <p:clrMapOvr>
+    <a:masterClrMapping/>
+  </p:clrMapOvr>
+  <p:timing>
+    <p:tnLst>
+      <p:par>
+        <p:cTn id="1" dur="indefinite" restart="never" nodeType="tmRoot"/>
+      </p:par>
+    </p:tnLst>
+  </p:timing>
+</p:sld>
+</file>
+
+<file path=ppt/slides/slide4.xml><?xml version="1.0" encoding="utf-8"?>
+<p:sld xmlns:a="http://schemas.openxmlformats.org/drawingml/2006/main" xmlns:r="http://schemas.openxmlformats.org/officeDocument/2006/relationships" xmlns:p="http://schemas.openxmlformats.org/presentationml/2006/main">
+  <p:cSld>
+    <p:spTree>
+      <p:nvGrpSpPr>
+        <p:cNvPr id="1" name=""/>
+        <p:cNvGrpSpPr/>
+        <p:nvPr/>
+      </p:nvGrpSpPr>
+      <p:grpSpPr>
+        <a:xfrm>
+          <a:off x="0" y="0"/>
+          <a:ext cx="0" cy="0"/>
+          <a:chOff x="0" y="0"/>
+          <a:chExt cx="0" cy="0"/>
+        </a:xfrm>
+      </p:grpSpPr>
+      <p:grpSp>
+        <p:nvGrpSpPr>
           <p:cNvPr id="16" name="群組 15"/>
           <p:cNvGrpSpPr/>
           <p:nvPr/>
@@ -7842,7 +10878,7 @@
 </p:sld>
 </file>
 
-<file path=ppt/slides/slide4.xml><?xml version="1.0" encoding="utf-8"?>
+<file path=ppt/slides/slide5.xml><?xml version="1.0" encoding="utf-8"?>
 <p:sld xmlns:a="http://schemas.openxmlformats.org/drawingml/2006/main" xmlns:r="http://schemas.openxmlformats.org/officeDocument/2006/relationships" xmlns:p="http://schemas.openxmlformats.org/presentationml/2006/main">
   <p:cSld>
     <p:spTree>
@@ -11390,7 +14426,7 @@
 </p:sld>
 </file>
 
-<file path=ppt/slides/slide5.xml><?xml version="1.0" encoding="utf-8"?>
+<file path=ppt/slides/slide6.xml><?xml version="1.0" encoding="utf-8"?>
 <p:sld xmlns:a="http://schemas.openxmlformats.org/drawingml/2006/main" xmlns:r="http://schemas.openxmlformats.org/officeDocument/2006/relationships" xmlns:p="http://schemas.openxmlformats.org/presentationml/2006/main">
   <p:cSld>
     <p:spTree>
@@ -12805,7 +15841,7 @@
 </p:sld>
 </file>
 
-<file path=ppt/slides/slide6.xml><?xml version="1.0" encoding="utf-8"?>
+<file path=ppt/slides/slide7.xml><?xml version="1.0" encoding="utf-8"?>
 <p:sld xmlns:a="http://schemas.openxmlformats.org/drawingml/2006/main" xmlns:r="http://schemas.openxmlformats.org/officeDocument/2006/relationships" xmlns:p="http://schemas.openxmlformats.org/presentationml/2006/main">
   <p:cSld>
     <p:spTree>
@@ -13842,6 +16878,1209 @@
 </p:sld>
 </file>
 
+<file path=ppt/slides/slide8.xml><?xml version="1.0" encoding="utf-8"?>
+<p:sld xmlns:a="http://schemas.openxmlformats.org/drawingml/2006/main" xmlns:r="http://schemas.openxmlformats.org/officeDocument/2006/relationships" xmlns:p="http://schemas.openxmlformats.org/presentationml/2006/main">
+  <p:cSld>
+    <p:spTree>
+      <p:nvGrpSpPr>
+        <p:cNvPr id="1" name=""/>
+        <p:cNvGrpSpPr/>
+        <p:nvPr/>
+      </p:nvGrpSpPr>
+      <p:grpSpPr>
+        <a:xfrm>
+          <a:off x="0" y="0"/>
+          <a:ext cx="0" cy="0"/>
+          <a:chOff x="0" y="0"/>
+          <a:chExt cx="0" cy="0"/>
+        </a:xfrm>
+      </p:grpSpPr>
+      <p:graphicFrame>
+        <p:nvGraphicFramePr>
+          <p:cNvPr id="5" name="表格 4"/>
+          <p:cNvGraphicFramePr>
+            <a:graphicFrameLocks noGrp="1"/>
+          </p:cNvGraphicFramePr>
+          <p:nvPr>
+            <p:extLst/>
+          </p:nvPr>
+        </p:nvGraphicFramePr>
+        <p:xfrm>
+          <a:off x="1016000" y="0"/>
+          <a:ext cx="10160000" cy="6858000"/>
+        </p:xfrm>
+        <a:graphic>
+          <a:graphicData uri="http://schemas.openxmlformats.org/drawingml/2006/table">
+            <a:tbl>
+              <a:tblPr firstRow="1" bandRow="1">
+                <a:tableStyleId>{5C22544A-7EE6-4342-B048-85BDC9FD1C3A}</a:tableStyleId>
+              </a:tblPr>
+              <a:tblGrid>
+                <a:gridCol w="5080000">
+                  <a:extLst>
+                    <a:ext uri="{9D8B030D-6E8A-4147-A177-3AD203B41FA5}">
+                      <a16:colId xmlns:a16="http://schemas.microsoft.com/office/drawing/2014/main" val="890877768"/>
+                    </a:ext>
+                  </a:extLst>
+                </a:gridCol>
+                <a:gridCol w="5080000">
+                  <a:extLst>
+                    <a:ext uri="{9D8B030D-6E8A-4147-A177-3AD203B41FA5}">
+                      <a16:colId xmlns:a16="http://schemas.microsoft.com/office/drawing/2014/main" val="1175894171"/>
+                    </a:ext>
+                  </a:extLst>
+                </a:gridCol>
+              </a:tblGrid>
+              <a:tr h="3429000">
+                <a:tc>
+                  <a:txBody>
+                    <a:bodyPr/>
+                    <a:lstStyle/>
+                    <a:p>
+                      <a:pPr algn="ctr"/>
+                      <a:r>
+                        <a:rPr lang="zh-TW" altLang="en-US" sz="4300" dirty="0" smtClean="0">
+                          <a:solidFill>
+                            <a:srgbClr val="F9F9F9"/>
+                          </a:solidFill>
+                          <a:latin typeface="微軟正黑體" panose="020B0604030504040204" pitchFamily="34" charset="-120"/>
+                          <a:ea typeface="微軟正黑體" panose="020B0604030504040204" pitchFamily="34" charset="-120"/>
+                        </a:rPr>
+                        <a:t>功能說明</a:t>
+                      </a:r>
+                      <a:endParaRPr lang="en-US" sz="4300" dirty="0">
+                        <a:solidFill>
+                          <a:srgbClr val="F9F9F9"/>
+                        </a:solidFill>
+                        <a:latin typeface="微軟正黑體" panose="020B0604030504040204" pitchFamily="34" charset="-120"/>
+                        <a:ea typeface="微軟正黑體" panose="020B0604030504040204" pitchFamily="34" charset="-120"/>
+                      </a:endParaRPr>
+                    </a:p>
+                  </a:txBody>
+                  <a:tcPr marL="243840" marR="243840" marT="121920" marB="121920">
+                    <a:lnL w="12700" cmpd="sng">
+                      <a:noFill/>
+                    </a:lnL>
+                    <a:lnR w="12700" cmpd="sng">
+                      <a:noFill/>
+                    </a:lnR>
+                    <a:lnT w="12700" cmpd="sng">
+                      <a:noFill/>
+                    </a:lnT>
+                    <a:lnB w="38100" cmpd="sng">
+                      <a:noFill/>
+                    </a:lnB>
+                    <a:lnTlToBr w="12700" cmpd="sng">
+                      <a:noFill/>
+                      <a:prstDash val="solid"/>
+                    </a:lnTlToBr>
+                    <a:lnBlToTr w="12700" cmpd="sng">
+                      <a:noFill/>
+                      <a:prstDash val="solid"/>
+                    </a:lnBlToTr>
+                    <a:solidFill>
+                      <a:srgbClr val="4FBBEB"/>
+                    </a:solidFill>
+                  </a:tcPr>
+                </a:tc>
+                <a:tc>
+                  <a:txBody>
+                    <a:bodyPr/>
+                    <a:lstStyle/>
+                    <a:p>
+                      <a:pPr algn="ctr"/>
+                      <a:r>
+                        <a:rPr lang="zh-TW" altLang="en-US" sz="4300" dirty="0" smtClean="0">
+                          <a:solidFill>
+                            <a:srgbClr val="4FBBEB"/>
+                          </a:solidFill>
+                          <a:latin typeface="微軟正黑體" panose="020B0604030504040204" pitchFamily="34" charset="-120"/>
+                          <a:ea typeface="微軟正黑體" panose="020B0604030504040204" pitchFamily="34" charset="-120"/>
+                        </a:rPr>
+                        <a:t>投票 </a:t>
+                      </a:r>
+                      <a:r>
+                        <a:rPr lang="en-US" altLang="zh-TW" sz="4300" dirty="0" smtClean="0">
+                          <a:solidFill>
+                            <a:srgbClr val="4FBBEB"/>
+                          </a:solidFill>
+                          <a:latin typeface="微軟正黑體" panose="020B0604030504040204" pitchFamily="34" charset="-120"/>
+                          <a:ea typeface="微軟正黑體" panose="020B0604030504040204" pitchFamily="34" charset="-120"/>
+                        </a:rPr>
+                        <a:t>&amp; </a:t>
+                      </a:r>
+                      <a:r>
+                        <a:rPr lang="zh-TW" altLang="en-US" sz="4300" dirty="0" smtClean="0">
+                          <a:solidFill>
+                            <a:srgbClr val="4FBBEB"/>
+                          </a:solidFill>
+                          <a:latin typeface="微軟正黑體" panose="020B0604030504040204" pitchFamily="34" charset="-120"/>
+                          <a:ea typeface="微軟正黑體" panose="020B0604030504040204" pitchFamily="34" charset="-120"/>
+                        </a:rPr>
+                        <a:t>排行榜</a:t>
+                      </a:r>
+                      <a:endParaRPr lang="en-US" sz="4300" dirty="0">
+                        <a:solidFill>
+                          <a:srgbClr val="4FBBEB"/>
+                        </a:solidFill>
+                        <a:latin typeface="微軟正黑體" panose="020B0604030504040204" pitchFamily="34" charset="-120"/>
+                        <a:ea typeface="微軟正黑體" panose="020B0604030504040204" pitchFamily="34" charset="-120"/>
+                      </a:endParaRPr>
+                    </a:p>
+                  </a:txBody>
+                  <a:tcPr marL="243840" marR="243840" marT="121920" marB="121920">
+                    <a:lnL w="12700" cmpd="sng">
+                      <a:noFill/>
+                    </a:lnL>
+                    <a:lnR w="12700" cmpd="sng">
+                      <a:noFill/>
+                    </a:lnR>
+                    <a:lnT w="12700" cmpd="sng">
+                      <a:noFill/>
+                    </a:lnT>
+                    <a:lnB w="38100" cmpd="sng">
+                      <a:noFill/>
+                    </a:lnB>
+                    <a:lnTlToBr w="12700" cmpd="sng">
+                      <a:noFill/>
+                      <a:prstDash val="solid"/>
+                    </a:lnTlToBr>
+                    <a:lnBlToTr w="12700" cmpd="sng">
+                      <a:noFill/>
+                      <a:prstDash val="solid"/>
+                    </a:lnBlToTr>
+                    <a:solidFill>
+                      <a:srgbClr val="F9F9F9"/>
+                    </a:solidFill>
+                  </a:tcPr>
+                </a:tc>
+                <a:extLst>
+                  <a:ext uri="{0D108BD9-81ED-4DB2-BD59-A6C34878D82A}">
+                    <a16:rowId xmlns:a16="http://schemas.microsoft.com/office/drawing/2014/main" val="644952534"/>
+                  </a:ext>
+                </a:extLst>
+              </a:tr>
+              <a:tr h="3429000">
+                <a:tc>
+                  <a:txBody>
+                    <a:bodyPr/>
+                    <a:lstStyle/>
+                    <a:p>
+                      <a:pPr marL="0" marR="0" indent="0" algn="ctr" defTabSz="342900" rtl="0" eaLnBrk="1" fontAlgn="auto" latinLnBrk="0" hangingPunct="1">
+                        <a:lnSpc>
+                          <a:spcPct val="100000"/>
+                        </a:lnSpc>
+                        <a:spcBef>
+                          <a:spcPts val="0"/>
+                        </a:spcBef>
+                        <a:spcAft>
+                          <a:spcPts val="0"/>
+                        </a:spcAft>
+                        <a:buClrTx/>
+                        <a:buSzTx/>
+                        <a:buFontTx/>
+                        <a:buNone/>
+                        <a:tabLst/>
+                        <a:defRPr/>
+                      </a:pPr>
+                      <a:r>
+                        <a:rPr lang="zh-TW" altLang="en-US" sz="4300" b="1" dirty="0" smtClean="0">
+                          <a:solidFill>
+                            <a:srgbClr val="4FBBEB"/>
+                          </a:solidFill>
+                          <a:latin typeface="微軟正黑體" panose="020B0604030504040204" pitchFamily="34" charset="-120"/>
+                          <a:ea typeface="微軟正黑體" panose="020B0604030504040204" pitchFamily="34" charset="-120"/>
+                        </a:rPr>
+                        <a:t>收藏列表</a:t>
+                      </a:r>
+                      <a:endParaRPr lang="en-US" sz="4300" b="1" dirty="0" smtClean="0">
+                        <a:solidFill>
+                          <a:srgbClr val="4FBBEB"/>
+                        </a:solidFill>
+                        <a:latin typeface="微軟正黑體" panose="020B0604030504040204" pitchFamily="34" charset="-120"/>
+                        <a:ea typeface="微軟正黑體" panose="020B0604030504040204" pitchFamily="34" charset="-120"/>
+                      </a:endParaRPr>
+                    </a:p>
+                  </a:txBody>
+                  <a:tcPr marL="243840" marR="243840" marT="121920" marB="121920">
+                    <a:lnL w="12700" cmpd="sng">
+                      <a:noFill/>
+                    </a:lnL>
+                    <a:lnR w="12700" cmpd="sng">
+                      <a:noFill/>
+                    </a:lnR>
+                    <a:lnT w="38100" cmpd="sng">
+                      <a:noFill/>
+                    </a:lnT>
+                    <a:lnB w="12700" cmpd="sng">
+                      <a:noFill/>
+                    </a:lnB>
+                    <a:lnTlToBr w="12700" cmpd="sng">
+                      <a:noFill/>
+                      <a:prstDash val="solid"/>
+                    </a:lnTlToBr>
+                    <a:lnBlToTr w="12700" cmpd="sng">
+                      <a:noFill/>
+                      <a:prstDash val="solid"/>
+                    </a:lnBlToTr>
+                    <a:solidFill>
+                      <a:srgbClr val="F9F9F9"/>
+                    </a:solidFill>
+                  </a:tcPr>
+                </a:tc>
+                <a:tc>
+                  <a:txBody>
+                    <a:bodyPr/>
+                    <a:lstStyle/>
+                    <a:p>
+                      <a:pPr algn="ctr"/>
+                      <a:r>
+                        <a:rPr lang="zh-TW" altLang="en-US" sz="4300" b="1" dirty="0" smtClean="0">
+                          <a:solidFill>
+                            <a:srgbClr val="F9F9F9"/>
+                          </a:solidFill>
+                          <a:latin typeface="微軟正黑體" panose="020B0604030504040204" pitchFamily="34" charset="-120"/>
+                          <a:ea typeface="微軟正黑體" panose="020B0604030504040204" pitchFamily="34" charset="-120"/>
+                        </a:rPr>
+                        <a:t>推薦作品</a:t>
+                      </a:r>
+                      <a:endParaRPr lang="en-US" sz="4300" b="1" dirty="0">
+                        <a:solidFill>
+                          <a:srgbClr val="F9F9F9"/>
+                        </a:solidFill>
+                        <a:latin typeface="微軟正黑體" panose="020B0604030504040204" pitchFamily="34" charset="-120"/>
+                        <a:ea typeface="微軟正黑體" panose="020B0604030504040204" pitchFamily="34" charset="-120"/>
+                      </a:endParaRPr>
+                    </a:p>
+                  </a:txBody>
+                  <a:tcPr marL="243840" marR="243840" marT="121920" marB="121920">
+                    <a:lnL w="12700" cmpd="sng">
+                      <a:noFill/>
+                    </a:lnL>
+                    <a:lnR w="12700" cmpd="sng">
+                      <a:noFill/>
+                    </a:lnR>
+                    <a:lnT w="38100" cmpd="sng">
+                      <a:noFill/>
+                    </a:lnT>
+                    <a:lnB w="12700" cmpd="sng">
+                      <a:noFill/>
+                    </a:lnB>
+                    <a:lnTlToBr w="12700" cmpd="sng">
+                      <a:noFill/>
+                      <a:prstDash val="solid"/>
+                    </a:lnTlToBr>
+                    <a:lnBlToTr w="12700" cmpd="sng">
+                      <a:noFill/>
+                      <a:prstDash val="solid"/>
+                    </a:lnBlToTr>
+                    <a:solidFill>
+                      <a:srgbClr val="4FBBEB"/>
+                    </a:solidFill>
+                  </a:tcPr>
+                </a:tc>
+                <a:extLst>
+                  <a:ext uri="{0D108BD9-81ED-4DB2-BD59-A6C34878D82A}">
+                    <a16:rowId xmlns:a16="http://schemas.microsoft.com/office/drawing/2014/main" val="2816457832"/>
+                  </a:ext>
+                </a:extLst>
+              </a:tr>
+            </a:tbl>
+          </a:graphicData>
+        </a:graphic>
+      </p:graphicFrame>
+      <p:pic>
+        <p:nvPicPr>
+          <p:cNvPr id="6" name="圖片 5"/>
+          <p:cNvPicPr>
+            <a:picLocks noChangeAspect="1"/>
+          </p:cNvPicPr>
+          <p:nvPr/>
+        </p:nvPicPr>
+        <p:blipFill>
+          <a:blip r:embed="rId2" cstate="print">
+            <a:extLst>
+              <a:ext uri="{28A0092B-C50C-407E-A947-70E740481C1C}">
+                <a14:useLocalDpi xmlns:a14="http://schemas.microsoft.com/office/drawing/2010/main" val="0"/>
+              </a:ext>
+            </a:extLst>
+          </a:blip>
+          <a:stretch>
+            <a:fillRect/>
+          </a:stretch>
+        </p:blipFill>
+        <p:spPr>
+          <a:xfrm>
+            <a:off x="2816856" y="1352363"/>
+            <a:ext cx="1431835" cy="1431835"/>
+          </a:xfrm>
+          <a:prstGeom prst="rect">
+            <a:avLst/>
+          </a:prstGeom>
+        </p:spPr>
+      </p:pic>
+      <p:sp>
+        <p:nvSpPr>
+          <p:cNvPr id="7" name="橢圓 6"/>
+          <p:cNvSpPr/>
+          <p:nvPr/>
+        </p:nvSpPr>
+        <p:spPr>
+          <a:xfrm>
+            <a:off x="2426788" y="966649"/>
+            <a:ext cx="2211976" cy="2203267"/>
+          </a:xfrm>
+          <a:prstGeom prst="ellipse">
+            <a:avLst/>
+          </a:prstGeom>
+          <a:noFill/>
+          <a:ln>
+            <a:solidFill>
+              <a:srgbClr val="F9F9F9"/>
+            </a:solidFill>
+          </a:ln>
+        </p:spPr>
+        <p:style>
+          <a:lnRef idx="2">
+            <a:schemeClr val="accent1">
+              <a:shade val="50000"/>
+            </a:schemeClr>
+          </a:lnRef>
+          <a:fillRef idx="1">
+            <a:schemeClr val="accent1"/>
+          </a:fillRef>
+          <a:effectRef idx="0">
+            <a:schemeClr val="accent1"/>
+          </a:effectRef>
+          <a:fontRef idx="minor">
+            <a:schemeClr val="lt1"/>
+          </a:fontRef>
+        </p:style>
+        <p:txBody>
+          <a:bodyPr rtlCol="0" anchor="ctr"/>
+          <a:lstStyle/>
+          <a:p>
+            <a:pPr algn="ctr"/>
+            <a:endParaRPr lang="en-US" sz="4800"/>
+          </a:p>
+        </p:txBody>
+      </p:sp>
+      <p:sp>
+        <p:nvSpPr>
+          <p:cNvPr id="8" name="橢圓 7"/>
+          <p:cNvSpPr/>
+          <p:nvPr/>
+        </p:nvSpPr>
+        <p:spPr>
+          <a:xfrm>
+            <a:off x="7518388" y="4386231"/>
+            <a:ext cx="2211976" cy="2203267"/>
+          </a:xfrm>
+          <a:prstGeom prst="ellipse">
+            <a:avLst/>
+          </a:prstGeom>
+          <a:noFill/>
+          <a:ln>
+            <a:solidFill>
+              <a:srgbClr val="F9F9F9"/>
+            </a:solidFill>
+          </a:ln>
+        </p:spPr>
+        <p:style>
+          <a:lnRef idx="2">
+            <a:schemeClr val="accent1">
+              <a:shade val="50000"/>
+            </a:schemeClr>
+          </a:lnRef>
+          <a:fillRef idx="1">
+            <a:schemeClr val="accent1"/>
+          </a:fillRef>
+          <a:effectRef idx="0">
+            <a:schemeClr val="accent1"/>
+          </a:effectRef>
+          <a:fontRef idx="minor">
+            <a:schemeClr val="lt1"/>
+          </a:fontRef>
+        </p:style>
+        <p:txBody>
+          <a:bodyPr rtlCol="0" anchor="ctr"/>
+          <a:lstStyle/>
+          <a:p>
+            <a:pPr algn="ctr"/>
+            <a:endParaRPr lang="en-US" sz="4800"/>
+          </a:p>
+        </p:txBody>
+      </p:sp>
+      <p:sp>
+        <p:nvSpPr>
+          <p:cNvPr id="9" name="橢圓 8"/>
+          <p:cNvSpPr/>
+          <p:nvPr/>
+        </p:nvSpPr>
+        <p:spPr>
+          <a:xfrm>
+            <a:off x="7518388" y="966649"/>
+            <a:ext cx="2211976" cy="2203267"/>
+          </a:xfrm>
+          <a:prstGeom prst="ellipse">
+            <a:avLst/>
+          </a:prstGeom>
+          <a:noFill/>
+          <a:ln>
+            <a:solidFill>
+              <a:srgbClr val="4FBBEB"/>
+            </a:solidFill>
+          </a:ln>
+        </p:spPr>
+        <p:style>
+          <a:lnRef idx="2">
+            <a:schemeClr val="accent1">
+              <a:shade val="50000"/>
+            </a:schemeClr>
+          </a:lnRef>
+          <a:fillRef idx="1">
+            <a:schemeClr val="accent1"/>
+          </a:fillRef>
+          <a:effectRef idx="0">
+            <a:schemeClr val="accent1"/>
+          </a:effectRef>
+          <a:fontRef idx="minor">
+            <a:schemeClr val="lt1"/>
+          </a:fontRef>
+        </p:style>
+        <p:txBody>
+          <a:bodyPr rtlCol="0" anchor="ctr"/>
+          <a:lstStyle/>
+          <a:p>
+            <a:pPr algn="ctr"/>
+            <a:endParaRPr lang="en-US" sz="4800">
+              <a:solidFill>
+                <a:schemeClr val="tx1">
+                  <a:lumMod val="85000"/>
+                  <a:lumOff val="15000"/>
+                </a:schemeClr>
+              </a:solidFill>
+            </a:endParaRPr>
+          </a:p>
+        </p:txBody>
+      </p:sp>
+      <p:sp>
+        <p:nvSpPr>
+          <p:cNvPr id="10" name="橢圓 9"/>
+          <p:cNvSpPr/>
+          <p:nvPr/>
+        </p:nvSpPr>
+        <p:spPr>
+          <a:xfrm>
+            <a:off x="2426785" y="4386228"/>
+            <a:ext cx="2211976" cy="2203267"/>
+          </a:xfrm>
+          <a:prstGeom prst="ellipse">
+            <a:avLst/>
+          </a:prstGeom>
+          <a:noFill/>
+          <a:ln>
+            <a:solidFill>
+              <a:srgbClr val="4FBBEB"/>
+            </a:solidFill>
+          </a:ln>
+        </p:spPr>
+        <p:style>
+          <a:lnRef idx="2">
+            <a:schemeClr val="accent1">
+              <a:shade val="50000"/>
+            </a:schemeClr>
+          </a:lnRef>
+          <a:fillRef idx="1">
+            <a:schemeClr val="accent1"/>
+          </a:fillRef>
+          <a:effectRef idx="0">
+            <a:schemeClr val="accent1"/>
+          </a:effectRef>
+          <a:fontRef idx="minor">
+            <a:schemeClr val="lt1"/>
+          </a:fontRef>
+        </p:style>
+        <p:txBody>
+          <a:bodyPr rtlCol="0" anchor="ctr"/>
+          <a:lstStyle/>
+          <a:p>
+            <a:pPr algn="ctr"/>
+            <a:endParaRPr lang="en-US" sz="4800">
+              <a:solidFill>
+                <a:schemeClr val="tx1">
+                  <a:lumMod val="85000"/>
+                  <a:lumOff val="15000"/>
+                </a:schemeClr>
+              </a:solidFill>
+            </a:endParaRPr>
+          </a:p>
+        </p:txBody>
+      </p:sp>
+      <p:pic>
+        <p:nvPicPr>
+          <p:cNvPr id="13" name="圖片 12"/>
+          <p:cNvPicPr>
+            <a:picLocks noChangeAspect="1"/>
+          </p:cNvPicPr>
+          <p:nvPr/>
+        </p:nvPicPr>
+        <p:blipFill>
+          <a:blip r:embed="rId3" cstate="print">
+            <a:extLst>
+              <a:ext uri="{28A0092B-C50C-407E-A947-70E740481C1C}">
+                <a14:useLocalDpi xmlns:a14="http://schemas.microsoft.com/office/drawing/2010/main" val="0"/>
+              </a:ext>
+            </a:extLst>
+          </a:blip>
+          <a:stretch>
+            <a:fillRect/>
+          </a:stretch>
+        </p:blipFill>
+        <p:spPr>
+          <a:xfrm>
+            <a:off x="8144373" y="2064949"/>
+            <a:ext cx="960000" cy="960000"/>
+          </a:xfrm>
+          <a:prstGeom prst="rect">
+            <a:avLst/>
+          </a:prstGeom>
+        </p:spPr>
+      </p:pic>
+      <p:pic>
+        <p:nvPicPr>
+          <p:cNvPr id="15" name="圖片 14"/>
+          <p:cNvPicPr>
+            <a:picLocks noChangeAspect="1"/>
+          </p:cNvPicPr>
+          <p:nvPr/>
+        </p:nvPicPr>
+        <p:blipFill>
+          <a:blip r:embed="rId4" cstate="print">
+            <a:extLst>
+              <a:ext uri="{28A0092B-C50C-407E-A947-70E740481C1C}">
+                <a14:useLocalDpi xmlns:a14="http://schemas.microsoft.com/office/drawing/2010/main" val="0"/>
+              </a:ext>
+            </a:extLst>
+          </a:blip>
+          <a:stretch>
+            <a:fillRect/>
+          </a:stretch>
+        </p:blipFill>
+        <p:spPr>
+          <a:xfrm>
+            <a:off x="7909173" y="4772659"/>
+            <a:ext cx="1430400" cy="1430400"/>
+          </a:xfrm>
+          <a:prstGeom prst="rect">
+            <a:avLst/>
+          </a:prstGeom>
+        </p:spPr>
+      </p:pic>
+      <p:pic>
+        <p:nvPicPr>
+          <p:cNvPr id="16" name="圖片 15"/>
+          <p:cNvPicPr>
+            <a:picLocks noChangeAspect="1"/>
+          </p:cNvPicPr>
+          <p:nvPr/>
+        </p:nvPicPr>
+        <p:blipFill>
+          <a:blip r:embed="rId5" cstate="print">
+            <a:extLst>
+              <a:ext uri="{28A0092B-C50C-407E-A947-70E740481C1C}">
+                <a14:useLocalDpi xmlns:a14="http://schemas.microsoft.com/office/drawing/2010/main" val="0"/>
+              </a:ext>
+            </a:extLst>
+          </a:blip>
+          <a:stretch>
+            <a:fillRect/>
+          </a:stretch>
+        </p:blipFill>
+        <p:spPr>
+          <a:xfrm>
+            <a:off x="8144373" y="1198512"/>
+            <a:ext cx="960000" cy="960000"/>
+          </a:xfrm>
+          <a:prstGeom prst="rect">
+            <a:avLst/>
+          </a:prstGeom>
+        </p:spPr>
+      </p:pic>
+      <p:pic>
+        <p:nvPicPr>
+          <p:cNvPr id="21" name="圖片 20"/>
+          <p:cNvPicPr>
+            <a:picLocks noChangeAspect="1"/>
+          </p:cNvPicPr>
+          <p:nvPr/>
+        </p:nvPicPr>
+        <p:blipFill>
+          <a:blip r:embed="rId6" cstate="print">
+            <a:extLst>
+              <a:ext uri="{28A0092B-C50C-407E-A947-70E740481C1C}">
+                <a14:useLocalDpi xmlns:a14="http://schemas.microsoft.com/office/drawing/2010/main" val="0"/>
+              </a:ext>
+            </a:extLst>
+          </a:blip>
+          <a:stretch>
+            <a:fillRect/>
+          </a:stretch>
+        </p:blipFill>
+        <p:spPr>
+          <a:xfrm>
+            <a:off x="2816856" y="4772659"/>
+            <a:ext cx="1430400" cy="1430400"/>
+          </a:xfrm>
+          <a:prstGeom prst="rect">
+            <a:avLst/>
+          </a:prstGeom>
+        </p:spPr>
+      </p:pic>
+    </p:spTree>
+    <p:extLst>
+      <p:ext uri="{BB962C8B-B14F-4D97-AF65-F5344CB8AC3E}">
+        <p14:creationId xmlns:p14="http://schemas.microsoft.com/office/powerpoint/2010/main" val="1266948718"/>
+      </p:ext>
+    </p:extLst>
+  </p:cSld>
+  <p:clrMapOvr>
+    <a:masterClrMapping/>
+  </p:clrMapOvr>
+</p:sld>
+</file>
+
+<file path=ppt/slides/slide9.xml><?xml version="1.0" encoding="utf-8"?>
+<p:sld xmlns:a="http://schemas.openxmlformats.org/drawingml/2006/main" xmlns:r="http://schemas.openxmlformats.org/officeDocument/2006/relationships" xmlns:p="http://schemas.openxmlformats.org/presentationml/2006/main">
+  <p:cSld>
+    <p:spTree>
+      <p:nvGrpSpPr>
+        <p:cNvPr id="1" name=""/>
+        <p:cNvGrpSpPr/>
+        <p:nvPr/>
+      </p:nvGrpSpPr>
+      <p:grpSpPr>
+        <a:xfrm>
+          <a:off x="0" y="0"/>
+          <a:ext cx="0" cy="0"/>
+          <a:chOff x="0" y="0"/>
+          <a:chExt cx="0" cy="0"/>
+        </a:xfrm>
+      </p:grpSpPr>
+      <p:grpSp>
+        <p:nvGrpSpPr>
+          <p:cNvPr id="29" name="群組 28"/>
+          <p:cNvGrpSpPr/>
+          <p:nvPr/>
+        </p:nvGrpSpPr>
+        <p:grpSpPr>
+          <a:xfrm>
+            <a:off x="2198802" y="1741876"/>
+            <a:ext cx="7772400" cy="2385033"/>
+            <a:chOff x="2198802" y="1741876"/>
+            <a:chExt cx="7772400" cy="2385033"/>
+          </a:xfrm>
+        </p:grpSpPr>
+        <p:sp>
+          <p:nvSpPr>
+            <p:cNvPr id="4" name="矩形 3"/>
+            <p:cNvSpPr/>
+            <p:nvPr/>
+          </p:nvSpPr>
+          <p:spPr>
+            <a:xfrm>
+              <a:off x="2198802" y="1749468"/>
+              <a:ext cx="7772400" cy="2377441"/>
+            </a:xfrm>
+            <a:prstGeom prst="rect">
+              <a:avLst/>
+            </a:prstGeom>
+            <a:solidFill>
+              <a:schemeClr val="accent1">
+                <a:lumMod val="75000"/>
+              </a:schemeClr>
+            </a:solidFill>
+            <a:ln>
+              <a:solidFill>
+                <a:schemeClr val="accent1"/>
+              </a:solidFill>
+            </a:ln>
+          </p:spPr>
+          <p:style>
+            <a:lnRef idx="2">
+              <a:schemeClr val="accent1">
+                <a:shade val="50000"/>
+              </a:schemeClr>
+            </a:lnRef>
+            <a:fillRef idx="1">
+              <a:schemeClr val="accent1"/>
+            </a:fillRef>
+            <a:effectRef idx="0">
+              <a:schemeClr val="accent1"/>
+            </a:effectRef>
+            <a:fontRef idx="minor">
+              <a:schemeClr val="lt1"/>
+            </a:fontRef>
+          </p:style>
+          <p:txBody>
+            <a:bodyPr rtlCol="0" anchor="ctr"/>
+            <a:lstStyle/>
+            <a:p>
+              <a:pPr algn="ctr"/>
+              <a:endParaRPr lang="en-US">
+                <a:ln w="0"/>
+                <a:solidFill>
+                  <a:schemeClr val="bg1"/>
+                </a:solidFill>
+                <a:effectLst>
+                  <a:outerShdw blurRad="38100" dist="19050" dir="2700000" algn="tl" rotWithShape="0">
+                    <a:schemeClr val="dk1">
+                      <a:alpha val="40000"/>
+                    </a:schemeClr>
+                  </a:outerShdw>
+                </a:effectLst>
+              </a:endParaRPr>
+            </a:p>
+          </p:txBody>
+        </p:sp>
+        <p:cxnSp>
+          <p:nvCxnSpPr>
+            <p:cNvPr id="6" name="直線接點 5"/>
+            <p:cNvCxnSpPr/>
+            <p:nvPr/>
+          </p:nvCxnSpPr>
+          <p:spPr>
+            <a:xfrm flipH="1">
+              <a:off x="4895460" y="1745672"/>
+              <a:ext cx="6048" cy="2381237"/>
+            </a:xfrm>
+            <a:prstGeom prst="line">
+              <a:avLst/>
+            </a:prstGeom>
+            <a:ln w="19050">
+              <a:solidFill>
+                <a:schemeClr val="bg1"/>
+              </a:solidFill>
+            </a:ln>
+          </p:spPr>
+          <p:style>
+            <a:lnRef idx="1">
+              <a:schemeClr val="accent5"/>
+            </a:lnRef>
+            <a:fillRef idx="0">
+              <a:schemeClr val="accent5"/>
+            </a:fillRef>
+            <a:effectRef idx="0">
+              <a:schemeClr val="accent5"/>
+            </a:effectRef>
+            <a:fontRef idx="minor">
+              <a:schemeClr val="tx1"/>
+            </a:fontRef>
+          </p:style>
+        </p:cxnSp>
+        <p:cxnSp>
+          <p:nvCxnSpPr>
+            <p:cNvPr id="7" name="直線接點 6"/>
+            <p:cNvCxnSpPr/>
+            <p:nvPr/>
+          </p:nvCxnSpPr>
+          <p:spPr>
+            <a:xfrm>
+              <a:off x="7440853" y="1741876"/>
+              <a:ext cx="28325" cy="2377441"/>
+            </a:xfrm>
+            <a:prstGeom prst="line">
+              <a:avLst/>
+            </a:prstGeom>
+            <a:ln w="19050">
+              <a:solidFill>
+                <a:schemeClr val="bg1"/>
+              </a:solidFill>
+            </a:ln>
+          </p:spPr>
+          <p:style>
+            <a:lnRef idx="1">
+              <a:schemeClr val="accent5"/>
+            </a:lnRef>
+            <a:fillRef idx="0">
+              <a:schemeClr val="accent5"/>
+            </a:fillRef>
+            <a:effectRef idx="0">
+              <a:schemeClr val="accent5"/>
+            </a:effectRef>
+            <a:fontRef idx="minor">
+              <a:schemeClr val="tx1"/>
+            </a:fontRef>
+          </p:style>
+        </p:cxnSp>
+        <p:sp>
+          <p:nvSpPr>
+            <p:cNvPr id="11" name="文字方塊 10"/>
+            <p:cNvSpPr txBox="1"/>
+            <p:nvPr/>
+          </p:nvSpPr>
+          <p:spPr>
+            <a:xfrm>
+              <a:off x="3050196" y="1942566"/>
+              <a:ext cx="1005403" cy="584775"/>
+            </a:xfrm>
+            <a:prstGeom prst="rect">
+              <a:avLst/>
+            </a:prstGeom>
+            <a:noFill/>
+          </p:spPr>
+          <p:txBody>
+            <a:bodyPr wrap="none" rtlCol="0">
+              <a:spAutoFit/>
+            </a:bodyPr>
+            <a:lstStyle/>
+            <a:p>
+              <a:r>
+                <a:rPr lang="zh-TW" altLang="en-US" sz="3200" dirty="0" smtClean="0">
+                  <a:solidFill>
+                    <a:schemeClr val="bg1"/>
+                  </a:solidFill>
+                  <a:latin typeface="微軟正黑體" panose="020B0604030504040204" pitchFamily="34" charset="-120"/>
+                  <a:ea typeface="微軟正黑體" panose="020B0604030504040204" pitchFamily="34" charset="-120"/>
+                </a:rPr>
+                <a:t>導覽</a:t>
+              </a:r>
+              <a:endParaRPr lang="en-US" sz="3200" dirty="0">
+                <a:solidFill>
+                  <a:schemeClr val="bg1"/>
+                </a:solidFill>
+                <a:latin typeface="微軟正黑體" panose="020B0604030504040204" pitchFamily="34" charset="-120"/>
+                <a:ea typeface="微軟正黑體" panose="020B0604030504040204" pitchFamily="34" charset="-120"/>
+              </a:endParaRPr>
+            </a:p>
+          </p:txBody>
+        </p:sp>
+        <p:sp>
+          <p:nvSpPr>
+            <p:cNvPr id="12" name="文字方塊 11"/>
+            <p:cNvSpPr txBox="1"/>
+            <p:nvPr/>
+          </p:nvSpPr>
+          <p:spPr>
+            <a:xfrm>
+              <a:off x="5668479" y="1942567"/>
+              <a:ext cx="1005403" cy="584775"/>
+            </a:xfrm>
+            <a:prstGeom prst="rect">
+              <a:avLst/>
+            </a:prstGeom>
+            <a:noFill/>
+          </p:spPr>
+          <p:txBody>
+            <a:bodyPr wrap="none" rtlCol="0">
+              <a:spAutoFit/>
+            </a:bodyPr>
+            <a:lstStyle/>
+            <a:p>
+              <a:r>
+                <a:rPr lang="zh-TW" altLang="en-US" sz="3200" dirty="0" smtClean="0">
+                  <a:solidFill>
+                    <a:schemeClr val="bg1"/>
+                  </a:solidFill>
+                  <a:latin typeface="微軟正黑體" panose="020B0604030504040204" pitchFamily="34" charset="-120"/>
+                  <a:ea typeface="微軟正黑體" panose="020B0604030504040204" pitchFamily="34" charset="-120"/>
+                </a:rPr>
+                <a:t>收藏</a:t>
+              </a:r>
+              <a:endParaRPr lang="en-US" sz="3200" dirty="0">
+                <a:solidFill>
+                  <a:schemeClr val="bg1"/>
+                </a:solidFill>
+                <a:latin typeface="微軟正黑體" panose="020B0604030504040204" pitchFamily="34" charset="-120"/>
+                <a:ea typeface="微軟正黑體" panose="020B0604030504040204" pitchFamily="34" charset="-120"/>
+              </a:endParaRPr>
+            </a:p>
+          </p:txBody>
+        </p:sp>
+        <p:sp>
+          <p:nvSpPr>
+            <p:cNvPr id="13" name="文字方塊 12"/>
+            <p:cNvSpPr txBox="1"/>
+            <p:nvPr/>
+          </p:nvSpPr>
+          <p:spPr>
+            <a:xfrm>
+              <a:off x="8236149" y="1942836"/>
+              <a:ext cx="1005403" cy="584775"/>
+            </a:xfrm>
+            <a:prstGeom prst="rect">
+              <a:avLst/>
+            </a:prstGeom>
+            <a:noFill/>
+          </p:spPr>
+          <p:txBody>
+            <a:bodyPr wrap="none" rtlCol="0">
+              <a:spAutoFit/>
+            </a:bodyPr>
+            <a:lstStyle/>
+            <a:p>
+              <a:r>
+                <a:rPr lang="zh-TW" altLang="en-US" sz="3200" dirty="0" smtClean="0">
+                  <a:solidFill>
+                    <a:schemeClr val="bg1"/>
+                  </a:solidFill>
+                  <a:latin typeface="微軟正黑體" panose="020B0604030504040204" pitchFamily="34" charset="-120"/>
+                  <a:ea typeface="微軟正黑體" panose="020B0604030504040204" pitchFamily="34" charset="-120"/>
+                </a:rPr>
+                <a:t>推薦</a:t>
+              </a:r>
+              <a:endParaRPr lang="en-US" sz="3200" dirty="0">
+                <a:solidFill>
+                  <a:schemeClr val="bg1"/>
+                </a:solidFill>
+                <a:latin typeface="微軟正黑體" panose="020B0604030504040204" pitchFamily="34" charset="-120"/>
+                <a:ea typeface="微軟正黑體" panose="020B0604030504040204" pitchFamily="34" charset="-120"/>
+              </a:endParaRPr>
+            </a:p>
+          </p:txBody>
+        </p:sp>
+        <p:pic>
+          <p:nvPicPr>
+            <p:cNvPr id="22" name="圖片 21"/>
+            <p:cNvPicPr>
+              <a:picLocks noChangeAspect="1"/>
+            </p:cNvPicPr>
+            <p:nvPr/>
+          </p:nvPicPr>
+          <p:blipFill>
+            <a:blip r:embed="rId2" cstate="print">
+              <a:extLst>
+                <a:ext uri="{28A0092B-C50C-407E-A947-70E740481C1C}">
+                  <a14:useLocalDpi xmlns:a14="http://schemas.microsoft.com/office/drawing/2010/main" val="0"/>
+                </a:ext>
+              </a:extLst>
+            </a:blip>
+            <a:stretch>
+              <a:fillRect/>
+            </a:stretch>
+          </p:blipFill>
+          <p:spPr>
+            <a:xfrm>
+              <a:off x="8286312" y="2722351"/>
+              <a:ext cx="914046" cy="914046"/>
+            </a:xfrm>
+            <a:prstGeom prst="rect">
+              <a:avLst/>
+            </a:prstGeom>
+          </p:spPr>
+        </p:pic>
+        <p:pic>
+          <p:nvPicPr>
+            <p:cNvPr id="18" name="圖片 17"/>
+            <p:cNvPicPr>
+              <a:picLocks noChangeAspect="1"/>
+            </p:cNvPicPr>
+            <p:nvPr/>
+          </p:nvPicPr>
+          <p:blipFill>
+            <a:blip r:embed="rId3" cstate="print">
+              <a:extLst>
+                <a:ext uri="{28A0092B-C50C-407E-A947-70E740481C1C}">
+                  <a14:useLocalDpi xmlns:a14="http://schemas.microsoft.com/office/drawing/2010/main" val="0"/>
+                </a:ext>
+              </a:extLst>
+            </a:blip>
+            <a:stretch>
+              <a:fillRect/>
+            </a:stretch>
+          </p:blipFill>
+          <p:spPr>
+            <a:xfrm>
+              <a:off x="3108592" y="2722174"/>
+              <a:ext cx="914400" cy="914400"/>
+            </a:xfrm>
+            <a:prstGeom prst="rect">
+              <a:avLst/>
+            </a:prstGeom>
+          </p:spPr>
+        </p:pic>
+        <p:sp>
+          <p:nvSpPr>
+            <p:cNvPr id="23" name="橢圓 22"/>
+            <p:cNvSpPr/>
+            <p:nvPr/>
+          </p:nvSpPr>
+          <p:spPr>
+            <a:xfrm>
+              <a:off x="2900774" y="2527341"/>
+              <a:ext cx="1330036" cy="1304066"/>
+            </a:xfrm>
+            <a:prstGeom prst="ellipse">
+              <a:avLst/>
+            </a:prstGeom>
+            <a:noFill/>
+            <a:ln w="22225">
+              <a:solidFill>
+                <a:schemeClr val="bg1"/>
+              </a:solidFill>
+            </a:ln>
+          </p:spPr>
+          <p:style>
+            <a:lnRef idx="2">
+              <a:schemeClr val="accent1">
+                <a:shade val="50000"/>
+              </a:schemeClr>
+            </a:lnRef>
+            <a:fillRef idx="1">
+              <a:schemeClr val="accent1"/>
+            </a:fillRef>
+            <a:effectRef idx="0">
+              <a:schemeClr val="accent1"/>
+            </a:effectRef>
+            <a:fontRef idx="minor">
+              <a:schemeClr val="lt1"/>
+            </a:fontRef>
+          </p:style>
+          <p:txBody>
+            <a:bodyPr rtlCol="0" anchor="ctr"/>
+            <a:lstStyle/>
+            <a:p>
+              <a:pPr algn="ctr"/>
+              <a:endParaRPr lang="en-US"/>
+            </a:p>
+          </p:txBody>
+        </p:sp>
+        <p:sp>
+          <p:nvSpPr>
+            <p:cNvPr id="26" name="橢圓 25"/>
+            <p:cNvSpPr/>
+            <p:nvPr/>
+          </p:nvSpPr>
+          <p:spPr>
+            <a:xfrm>
+              <a:off x="5506162" y="2527341"/>
+              <a:ext cx="1330036" cy="1304066"/>
+            </a:xfrm>
+            <a:prstGeom prst="ellipse">
+              <a:avLst/>
+            </a:prstGeom>
+            <a:noFill/>
+            <a:ln w="22225">
+              <a:solidFill>
+                <a:schemeClr val="bg1"/>
+              </a:solidFill>
+            </a:ln>
+          </p:spPr>
+          <p:style>
+            <a:lnRef idx="2">
+              <a:schemeClr val="accent1">
+                <a:shade val="50000"/>
+              </a:schemeClr>
+            </a:lnRef>
+            <a:fillRef idx="1">
+              <a:schemeClr val="accent1"/>
+            </a:fillRef>
+            <a:effectRef idx="0">
+              <a:schemeClr val="accent1"/>
+            </a:effectRef>
+            <a:fontRef idx="minor">
+              <a:schemeClr val="lt1"/>
+            </a:fontRef>
+          </p:style>
+          <p:txBody>
+            <a:bodyPr rtlCol="0" anchor="ctr"/>
+            <a:lstStyle/>
+            <a:p>
+              <a:pPr algn="ctr"/>
+              <a:endParaRPr lang="en-US"/>
+            </a:p>
+          </p:txBody>
+        </p:sp>
+        <p:sp>
+          <p:nvSpPr>
+            <p:cNvPr id="27" name="橢圓 26"/>
+            <p:cNvSpPr/>
+            <p:nvPr/>
+          </p:nvSpPr>
+          <p:spPr>
+            <a:xfrm>
+              <a:off x="8078317" y="2527341"/>
+              <a:ext cx="1330036" cy="1304066"/>
+            </a:xfrm>
+            <a:prstGeom prst="ellipse">
+              <a:avLst/>
+            </a:prstGeom>
+            <a:noFill/>
+            <a:ln w="22225">
+              <a:solidFill>
+                <a:schemeClr val="bg1"/>
+              </a:solidFill>
+            </a:ln>
+          </p:spPr>
+          <p:style>
+            <a:lnRef idx="2">
+              <a:schemeClr val="accent1">
+                <a:shade val="50000"/>
+              </a:schemeClr>
+            </a:lnRef>
+            <a:fillRef idx="1">
+              <a:schemeClr val="accent1"/>
+            </a:fillRef>
+            <a:effectRef idx="0">
+              <a:schemeClr val="accent1"/>
+            </a:effectRef>
+            <a:fontRef idx="minor">
+              <a:schemeClr val="lt1"/>
+            </a:fontRef>
+          </p:style>
+          <p:txBody>
+            <a:bodyPr rtlCol="0" anchor="ctr"/>
+            <a:lstStyle/>
+            <a:p>
+              <a:pPr algn="ctr"/>
+              <a:endParaRPr lang="en-US"/>
+            </a:p>
+          </p:txBody>
+        </p:sp>
+        <p:pic>
+          <p:nvPicPr>
+            <p:cNvPr id="28" name="圖片 27"/>
+            <p:cNvPicPr>
+              <a:picLocks noChangeAspect="1"/>
+            </p:cNvPicPr>
+            <p:nvPr/>
+          </p:nvPicPr>
+          <p:blipFill>
+            <a:blip r:embed="rId4" cstate="print">
+              <a:extLst>
+                <a:ext uri="{28A0092B-C50C-407E-A947-70E740481C1C}">
+                  <a14:useLocalDpi xmlns:a14="http://schemas.microsoft.com/office/drawing/2010/main" val="0"/>
+                </a:ext>
+              </a:extLst>
+            </a:blip>
+            <a:stretch>
+              <a:fillRect/>
+            </a:stretch>
+          </p:blipFill>
+          <p:spPr>
+            <a:xfrm>
+              <a:off x="5714215" y="2722409"/>
+              <a:ext cx="913930" cy="913930"/>
+            </a:xfrm>
+            <a:prstGeom prst="rect">
+              <a:avLst/>
+            </a:prstGeom>
+          </p:spPr>
+        </p:pic>
+      </p:grpSp>
+    </p:spTree>
+    <p:extLst>
+      <p:ext uri="{BB962C8B-B14F-4D97-AF65-F5344CB8AC3E}">
+        <p14:creationId xmlns:p14="http://schemas.microsoft.com/office/powerpoint/2010/main" val="1543536523"/>
+      </p:ext>
+    </p:extLst>
+  </p:cSld>
+  <p:clrMapOvr>
+    <a:masterClrMapping/>
+  </p:clrMapOvr>
+</p:sld>
+</file>
+
 <file path=ppt/theme/theme1.xml><?xml version="1.0" encoding="utf-8"?>
 <a:theme xmlns:a="http://schemas.openxmlformats.org/drawingml/2006/main" name="Office 佈景主題">
   <a:themeElements>
